--- a/Docs/thermal_controller_blockdiagram.pptx
+++ b/Docs/thermal_controller_blockdiagram.pptx
@@ -5,12 +5,11 @@
     <p:sldMasterId id="2147483648" r:id="rId5"/>
   </p:sldMasterIdLst>
   <p:notesMasterIdLst>
-    <p:notesMasterId r:id="rId9"/>
+    <p:notesMasterId r:id="rId8"/>
   </p:notesMasterIdLst>
   <p:sldIdLst>
-    <p:sldId id="266" r:id="rId6"/>
-    <p:sldId id="3526" r:id="rId7"/>
-    <p:sldId id="3495" r:id="rId8"/>
+    <p:sldId id="3526" r:id="rId6"/>
+    <p:sldId id="3527" r:id="rId7"/>
   </p:sldIdLst>
   <p:sldSz cx="12192000" cy="6858000"/>
   <p:notesSz cx="6797675" cy="9926638"/>
@@ -211,7 +210,7 @@
           <a:p>
             <a:fld id="{8A2540B5-C657-4695-96F0-0059BA46A3EC}" type="datetimeFigureOut">
               <a:rPr lang="en-US" smtClean="0"/>
-              <a:t>10/4/2022</a:t>
+              <a:t>10/13/2022</a:t>
             </a:fld>
             <a:endParaRPr lang="en-US"/>
           </a:p>
@@ -750,7 +749,7 @@
           <a:p>
             <a:fld id="{CD9FC7CE-19E2-4257-9F45-8977FC4F3E4A}" type="datetimeFigureOut">
               <a:rPr lang="en-US" smtClean="0"/>
-              <a:t>10/4/2022</a:t>
+              <a:t>10/13/2022</a:t>
             </a:fld>
             <a:endParaRPr lang="en-US"/>
           </a:p>
@@ -1059,7 +1058,7 @@
           <a:p>
             <a:fld id="{CD9FC7CE-19E2-4257-9F45-8977FC4F3E4A}" type="datetimeFigureOut">
               <a:rPr lang="en-US" smtClean="0"/>
-              <a:t>10/4/2022</a:t>
+              <a:t>10/13/2022</a:t>
             </a:fld>
             <a:endParaRPr lang="en-US"/>
           </a:p>
@@ -1275,7 +1274,7 @@
           <a:p>
             <a:fld id="{CD9FC7CE-19E2-4257-9F45-8977FC4F3E4A}" type="datetimeFigureOut">
               <a:rPr lang="en-US" smtClean="0"/>
-              <a:t>10/4/2022</a:t>
+              <a:t>10/13/2022</a:t>
             </a:fld>
             <a:endParaRPr lang="en-US"/>
           </a:p>
@@ -1675,7 +1674,7 @@
           <a:p>
             <a:fld id="{CD9FC7CE-19E2-4257-9F45-8977FC4F3E4A}" type="datetimeFigureOut">
               <a:rPr lang="en-US" smtClean="0"/>
-              <a:t>10/4/2022</a:t>
+              <a:t>10/13/2022</a:t>
             </a:fld>
             <a:endParaRPr lang="en-US"/>
           </a:p>
@@ -1792,7 +1791,7 @@
           <a:p>
             <a:fld id="{CD9FC7CE-19E2-4257-9F45-8977FC4F3E4A}" type="datetimeFigureOut">
               <a:rPr lang="en-US" smtClean="0"/>
-              <a:t>10/4/2022</a:t>
+              <a:t>10/13/2022</a:t>
             </a:fld>
             <a:endParaRPr lang="en-US"/>
           </a:p>
@@ -1887,7 +1886,7 @@
           <a:p>
             <a:fld id="{CD9FC7CE-19E2-4257-9F45-8977FC4F3E4A}" type="datetimeFigureOut">
               <a:rPr lang="en-US" smtClean="0"/>
-              <a:t>10/4/2022</a:t>
+              <a:t>10/13/2022</a:t>
             </a:fld>
             <a:endParaRPr lang="en-US"/>
           </a:p>
@@ -1939,207 +1938,6 @@
     <p:extLst>
       <p:ext uri="{BB962C8B-B14F-4D97-AF65-F5344CB8AC3E}">
         <p14:creationId xmlns:p14="http://schemas.microsoft.com/office/powerpoint/2010/main" val="28773693"/>
-      </p:ext>
-    </p:extLst>
-  </p:cSld>
-  <p:clrMapOvr>
-    <a:masterClrMapping/>
-  </p:clrMapOvr>
-</p:sldLayout>
-</file>
-
-<file path=ppt/slideLayouts/slideLayout9.xml><?xml version="1.0" encoding="utf-8"?>
-<p:sldLayout xmlns:a="http://schemas.openxmlformats.org/drawingml/2006/main" xmlns:r="http://schemas.openxmlformats.org/officeDocument/2006/relationships" xmlns:p="http://schemas.openxmlformats.org/presentationml/2006/main" showMasterSp="0" userDrawn="1">
-  <p:cSld name="Cover Slide (Set A Version 1)">
-    <p:bg>
-      <p:bgPr>
-        <a:blipFill dpi="0" rotWithShape="1">
-          <a:blip r:embed="rId2">
-            <a:lum/>
-          </a:blip>
-          <a:srcRect/>
-          <a:stretch>
-            <a:fillRect/>
-          </a:stretch>
-        </a:blipFill>
-        <a:effectLst/>
-      </p:bgPr>
-    </p:bg>
-    <p:spTree>
-      <p:nvGrpSpPr>
-        <p:cNvPr id="1" name=""/>
-        <p:cNvGrpSpPr/>
-        <p:nvPr/>
-      </p:nvGrpSpPr>
-      <p:grpSpPr>
-        <a:xfrm>
-          <a:off x="0" y="0"/>
-          <a:ext cx="0" cy="0"/>
-          <a:chOff x="0" y="0"/>
-          <a:chExt cx="0" cy="0"/>
-        </a:xfrm>
-      </p:grpSpPr>
-      <p:sp>
-        <p:nvSpPr>
-          <p:cNvPr id="2" name="Title 1"/>
-          <p:cNvSpPr>
-            <a:spLocks noGrp="1"/>
-          </p:cNvSpPr>
-          <p:nvPr>
-            <p:ph type="ctrTitle"/>
-          </p:nvPr>
-        </p:nvSpPr>
-        <p:spPr>
-          <a:xfrm>
-            <a:off x="578048" y="1636927"/>
-            <a:ext cx="5138057" cy="1376963"/>
-          </a:xfrm>
-        </p:spPr>
-        <p:txBody>
-          <a:bodyPr anchor="t">
-            <a:normAutofit/>
-          </a:bodyPr>
-          <a:lstStyle>
-            <a:lvl1pPr algn="l">
-              <a:defRPr sz="3000">
-                <a:solidFill>
-                  <a:schemeClr val="bg1"/>
-                </a:solidFill>
-                <a:effectLst>
-                  <a:outerShdw blurRad="38100" dist="38100" dir="2700000" algn="tl">
-                    <a:srgbClr val="000000">
-                      <a:alpha val="43137"/>
-                    </a:srgbClr>
-                  </a:outerShdw>
-                </a:effectLst>
-              </a:defRPr>
-            </a:lvl1pPr>
-          </a:lstStyle>
-          <a:p>
-            <a:r>
-              <a:rPr lang="en-US" dirty="0"/>
-              <a:t>Click to edit Master title style</a:t>
-            </a:r>
-          </a:p>
-        </p:txBody>
-      </p:sp>
-      <p:sp>
-        <p:nvSpPr>
-          <p:cNvPr id="3" name="Subtitle 2"/>
-          <p:cNvSpPr>
-            <a:spLocks noGrp="1"/>
-          </p:cNvSpPr>
-          <p:nvPr>
-            <p:ph type="subTitle" idx="1"/>
-          </p:nvPr>
-        </p:nvSpPr>
-        <p:spPr>
-          <a:xfrm>
-            <a:off x="578048" y="3429000"/>
-            <a:ext cx="5138057" cy="954902"/>
-          </a:xfrm>
-        </p:spPr>
-        <p:txBody>
-          <a:bodyPr anchor="b">
-            <a:normAutofit/>
-          </a:bodyPr>
-          <a:lstStyle>
-            <a:lvl1pPr marL="0" indent="0" algn="l">
-              <a:buNone/>
-              <a:defRPr sz="2000">
-                <a:solidFill>
-                  <a:schemeClr val="bg1"/>
-                </a:solidFill>
-              </a:defRPr>
-            </a:lvl1pPr>
-            <a:lvl2pPr marL="457200" indent="0" algn="ctr">
-              <a:buNone/>
-              <a:defRPr sz="2000"/>
-            </a:lvl2pPr>
-            <a:lvl3pPr marL="914400" indent="0" algn="ctr">
-              <a:buNone/>
-              <a:defRPr sz="1800"/>
-            </a:lvl3pPr>
-            <a:lvl4pPr marL="1371600" indent="0" algn="ctr">
-              <a:buNone/>
-              <a:defRPr sz="1600"/>
-            </a:lvl4pPr>
-            <a:lvl5pPr marL="1828800" indent="0" algn="ctr">
-              <a:buNone/>
-              <a:defRPr sz="1600"/>
-            </a:lvl5pPr>
-            <a:lvl6pPr marL="2286000" indent="0" algn="ctr">
-              <a:buNone/>
-              <a:defRPr sz="1600"/>
-            </a:lvl6pPr>
-            <a:lvl7pPr marL="2743200" indent="0" algn="ctr">
-              <a:buNone/>
-              <a:defRPr sz="1600"/>
-            </a:lvl7pPr>
-            <a:lvl8pPr marL="3200400" indent="0" algn="ctr">
-              <a:buNone/>
-              <a:defRPr sz="1600"/>
-            </a:lvl8pPr>
-            <a:lvl9pPr marL="3657600" indent="0" algn="ctr">
-              <a:buNone/>
-              <a:defRPr sz="1600"/>
-            </a:lvl9pPr>
-          </a:lstStyle>
-          <a:p>
-            <a:r>
-              <a:rPr lang="en-US" dirty="0"/>
-              <a:t>Click to edit Master subtitle style</a:t>
-            </a:r>
-          </a:p>
-        </p:txBody>
-      </p:sp>
-      <p:cxnSp>
-        <p:nvCxnSpPr>
-          <p:cNvPr id="10" name="Straight Connector 9">
-            <a:extLst>
-              <a:ext uri="{FF2B5EF4-FFF2-40B4-BE49-F238E27FC236}">
-                <a16:creationId xmlns:a16="http://schemas.microsoft.com/office/drawing/2014/main" id="{B9C3A2E2-6D71-4C4E-9D93-A3CD458DE801}"/>
-              </a:ext>
-            </a:extLst>
-          </p:cNvPr>
-          <p:cNvCxnSpPr>
-            <a:cxnSpLocks/>
-          </p:cNvCxnSpPr>
-          <p:nvPr userDrawn="1"/>
-        </p:nvCxnSpPr>
-        <p:spPr>
-          <a:xfrm>
-            <a:off x="3295650" y="0"/>
-            <a:ext cx="4402931" cy="0"/>
-          </a:xfrm>
-          <a:prstGeom prst="line">
-            <a:avLst/>
-          </a:prstGeom>
-          <a:ln>
-            <a:solidFill>
-              <a:schemeClr val="bg1"/>
-            </a:solidFill>
-          </a:ln>
-        </p:spPr>
-        <p:style>
-          <a:lnRef idx="1">
-            <a:schemeClr val="accent1"/>
-          </a:lnRef>
-          <a:fillRef idx="0">
-            <a:schemeClr val="accent1"/>
-          </a:fillRef>
-          <a:effectRef idx="0">
-            <a:schemeClr val="accent1"/>
-          </a:effectRef>
-          <a:fontRef idx="minor">
-            <a:schemeClr val="tx1"/>
-          </a:fontRef>
-        </p:style>
-      </p:cxnSp>
-    </p:spTree>
-    <p:extLst>
-      <p:ext uri="{BB962C8B-B14F-4D97-AF65-F5344CB8AC3E}">
-        <p14:creationId xmlns:p14="http://schemas.microsoft.com/office/powerpoint/2010/main" val="1475371589"/>
       </p:ext>
     </p:extLst>
   </p:cSld>
@@ -2180,7 +1978,7 @@
           <p:nvPr userDrawn="1"/>
         </p:nvPicPr>
         <p:blipFill>
-          <a:blip r:embed="rId11">
+          <a:blip r:embed="rId10">
             <a:extLst>
               <a:ext uri="{28A0092B-C50C-407E-A947-70E740481C1C}">
                 <a14:useLocalDpi xmlns:a14="http://schemas.microsoft.com/office/drawing/2010/main" val="0"/>
@@ -2315,7 +2113,7 @@
           <a:p>
             <a:fld id="{CD9FC7CE-19E2-4257-9F45-8977FC4F3E4A}" type="datetimeFigureOut">
               <a:rPr lang="en-US" smtClean="0"/>
-              <a:t>10/4/2022</a:t>
+              <a:t>10/13/2022</a:t>
             </a:fld>
             <a:endParaRPr lang="en-US" dirty="0"/>
           </a:p>
@@ -2464,7 +2262,6 @@
     <p:sldLayoutId id="2147483653" r:id="rId6"/>
     <p:sldLayoutId id="2147483654" r:id="rId7"/>
     <p:sldLayoutId id="2147483655" r:id="rId8"/>
-    <p:sldLayoutId id="2147483657" r:id="rId9"/>
   </p:sldLayoutIdLst>
   <p:txStyles>
     <p:titleStyle>
@@ -2766,46 +2563,1607 @@
           <a:chExt cx="0" cy="0"/>
         </a:xfrm>
       </p:grpSpPr>
-      <p:pic>
-        <p:nvPicPr>
-          <p:cNvPr id="5" name="Picture 4" descr="A picture containing logo&#10;&#10;Description automatically generated">
-            <a:extLst>
-              <a:ext uri="{FF2B5EF4-FFF2-40B4-BE49-F238E27FC236}">
-                <a16:creationId xmlns:a16="http://schemas.microsoft.com/office/drawing/2014/main" id="{B96CBF93-E9D2-48C2-9B5F-8F3DF0CABE21}"/>
-              </a:ext>
-            </a:extLst>
-          </p:cNvPr>
-          <p:cNvPicPr>
-            <a:picLocks noChangeAspect="1"/>
-          </p:cNvPicPr>
-          <p:nvPr/>
-        </p:nvPicPr>
-        <p:blipFill>
-          <a:blip r:embed="rId2" cstate="print">
-            <a:extLst>
-              <a:ext uri="{28A0092B-C50C-407E-A947-70E740481C1C}">
-                <a14:useLocalDpi xmlns:a14="http://schemas.microsoft.com/office/drawing/2010/main" val="0"/>
-              </a:ext>
-            </a:extLst>
-          </a:blip>
-          <a:stretch>
-            <a:fillRect/>
-          </a:stretch>
-        </p:blipFill>
-        <p:spPr>
-          <a:xfrm>
-            <a:off x="10948655" y="5575016"/>
-            <a:ext cx="1007110" cy="1082310"/>
+      <p:sp>
+        <p:nvSpPr>
+          <p:cNvPr id="3" name="Rectangle: Rounded Corners 2">
+            <a:extLst>
+              <a:ext uri="{FF2B5EF4-FFF2-40B4-BE49-F238E27FC236}">
+                <a16:creationId xmlns:a16="http://schemas.microsoft.com/office/drawing/2014/main" id="{CF388A85-04F5-48FB-9E08-3B95153B45F9}"/>
+              </a:ext>
+            </a:extLst>
+          </p:cNvPr>
+          <p:cNvSpPr/>
+          <p:nvPr/>
+        </p:nvSpPr>
+        <p:spPr>
+          <a:xfrm>
+            <a:off x="2150533" y="1189699"/>
+            <a:ext cx="7870968" cy="4924583"/>
+          </a:xfrm>
+          <a:prstGeom prst="roundRect">
+            <a:avLst/>
+          </a:prstGeom>
+          <a:solidFill>
+            <a:srgbClr val="FFC000"/>
+          </a:solidFill>
+        </p:spPr>
+        <p:style>
+          <a:lnRef idx="2">
+            <a:schemeClr val="accent1">
+              <a:shade val="50000"/>
+            </a:schemeClr>
+          </a:lnRef>
+          <a:fillRef idx="1">
+            <a:schemeClr val="accent1"/>
+          </a:fillRef>
+          <a:effectRef idx="0">
+            <a:schemeClr val="accent1"/>
+          </a:effectRef>
+          <a:fontRef idx="minor">
+            <a:schemeClr val="lt1"/>
+          </a:fontRef>
+        </p:style>
+        <p:txBody>
+          <a:bodyPr rtlCol="0" anchor="b" anchorCtr="0"/>
+          <a:lstStyle/>
+          <a:p>
+            <a:pPr algn="ctr"/>
+            <a:r>
+              <a:rPr lang="en-US" sz="2400" b="1" dirty="0">
+                <a:solidFill>
+                  <a:schemeClr val="tx1"/>
+                </a:solidFill>
+              </a:rPr>
+              <a:t>Thermal Controller</a:t>
+            </a:r>
+            <a:endParaRPr lang="en-SG" sz="2400" b="1" dirty="0">
+              <a:solidFill>
+                <a:schemeClr val="tx1"/>
+              </a:solidFill>
+            </a:endParaRPr>
+          </a:p>
+        </p:txBody>
+      </p:sp>
+      <p:cxnSp>
+        <p:nvCxnSpPr>
+          <p:cNvPr id="5" name="Straight Arrow Connector 4">
+            <a:extLst>
+              <a:ext uri="{FF2B5EF4-FFF2-40B4-BE49-F238E27FC236}">
+                <a16:creationId xmlns:a16="http://schemas.microsoft.com/office/drawing/2014/main" id="{1F386535-0F28-400D-855D-61CFB8B1F68B}"/>
+              </a:ext>
+            </a:extLst>
+          </p:cNvPr>
+          <p:cNvCxnSpPr>
+            <a:cxnSpLocks/>
+            <a:stCxn id="3" idx="3"/>
+            <a:endCxn id="23" idx="1"/>
+          </p:cNvCxnSpPr>
+          <p:nvPr/>
+        </p:nvCxnSpPr>
+        <p:spPr>
+          <a:xfrm flipV="1">
+            <a:off x="10021501" y="3651990"/>
+            <a:ext cx="606524" cy="1"/>
+          </a:xfrm>
+          <a:prstGeom prst="straightConnector1">
+            <a:avLst/>
+          </a:prstGeom>
+          <a:ln w="57150">
+            <a:solidFill>
+              <a:schemeClr val="tx1"/>
+            </a:solidFill>
+            <a:tailEnd type="triangle"/>
+          </a:ln>
+        </p:spPr>
+        <p:style>
+          <a:lnRef idx="1">
+            <a:schemeClr val="accent1"/>
+          </a:lnRef>
+          <a:fillRef idx="0">
+            <a:schemeClr val="accent1"/>
+          </a:fillRef>
+          <a:effectRef idx="0">
+            <a:schemeClr val="accent1"/>
+          </a:effectRef>
+          <a:fontRef idx="minor">
+            <a:schemeClr val="tx1"/>
+          </a:fontRef>
+        </p:style>
+      </p:cxnSp>
+      <p:cxnSp>
+        <p:nvCxnSpPr>
+          <p:cNvPr id="6" name="Straight Arrow Connector 5">
+            <a:extLst>
+              <a:ext uri="{FF2B5EF4-FFF2-40B4-BE49-F238E27FC236}">
+                <a16:creationId xmlns:a16="http://schemas.microsoft.com/office/drawing/2014/main" id="{88862B3D-9C68-456E-9C43-841D7C8106FB}"/>
+              </a:ext>
+            </a:extLst>
+          </p:cNvPr>
+          <p:cNvCxnSpPr>
+            <a:cxnSpLocks/>
+            <a:stCxn id="33" idx="3"/>
+            <a:endCxn id="3" idx="1"/>
+          </p:cNvCxnSpPr>
+          <p:nvPr/>
+        </p:nvCxnSpPr>
+        <p:spPr>
+          <a:xfrm>
+            <a:off x="1432957" y="3651990"/>
+            <a:ext cx="717576" cy="1"/>
+          </a:xfrm>
+          <a:prstGeom prst="straightConnector1">
+            <a:avLst/>
+          </a:prstGeom>
+          <a:ln w="57150">
+            <a:solidFill>
+              <a:schemeClr val="tx1"/>
+            </a:solidFill>
+            <a:tailEnd type="triangle"/>
+          </a:ln>
+        </p:spPr>
+        <p:style>
+          <a:lnRef idx="1">
+            <a:schemeClr val="accent1"/>
+          </a:lnRef>
+          <a:fillRef idx="0">
+            <a:schemeClr val="accent1"/>
+          </a:fillRef>
+          <a:effectRef idx="0">
+            <a:schemeClr val="accent1"/>
+          </a:effectRef>
+          <a:fontRef idx="minor">
+            <a:schemeClr val="tx1"/>
+          </a:fontRef>
+        </p:style>
+      </p:cxnSp>
+      <p:sp>
+        <p:nvSpPr>
+          <p:cNvPr id="23" name="TextBox 22">
+            <a:extLst>
+              <a:ext uri="{FF2B5EF4-FFF2-40B4-BE49-F238E27FC236}">
+                <a16:creationId xmlns:a16="http://schemas.microsoft.com/office/drawing/2014/main" id="{32017E8C-818E-4B47-A03F-D192FB07EE1B}"/>
+              </a:ext>
+            </a:extLst>
+          </p:cNvPr>
+          <p:cNvSpPr txBox="1"/>
+          <p:nvPr/>
+        </p:nvSpPr>
+        <p:spPr>
+          <a:xfrm>
+            <a:off x="10628025" y="3328824"/>
+            <a:ext cx="1430135" cy="646331"/>
           </a:xfrm>
           <a:prstGeom prst="rect">
             <a:avLst/>
           </a:prstGeom>
-        </p:spPr>
-      </p:pic>
+          <a:noFill/>
+        </p:spPr>
+        <p:txBody>
+          <a:bodyPr wrap="none" rtlCol="0">
+            <a:spAutoFit/>
+          </a:bodyPr>
+          <a:lstStyle/>
+          <a:p>
+            <a:pPr algn="ctr"/>
+            <a:r>
+              <a:rPr lang="en-US" dirty="0"/>
+              <a:t>To Cryogenic</a:t>
+            </a:r>
+          </a:p>
+          <a:p>
+            <a:pPr algn="ctr"/>
+            <a:r>
+              <a:rPr lang="en-US" dirty="0"/>
+              <a:t>Control Valve</a:t>
+            </a:r>
+          </a:p>
+        </p:txBody>
+      </p:sp>
+      <p:sp>
+        <p:nvSpPr>
+          <p:cNvPr id="33" name="TextBox 32">
+            <a:extLst>
+              <a:ext uri="{FF2B5EF4-FFF2-40B4-BE49-F238E27FC236}">
+                <a16:creationId xmlns:a16="http://schemas.microsoft.com/office/drawing/2014/main" id="{59E1DADF-AC45-4717-A358-E814E5274A90}"/>
+              </a:ext>
+            </a:extLst>
+          </p:cNvPr>
+          <p:cNvSpPr txBox="1"/>
+          <p:nvPr/>
+        </p:nvSpPr>
+        <p:spPr>
+          <a:xfrm>
+            <a:off x="193707" y="3328824"/>
+            <a:ext cx="1239250" cy="646331"/>
+          </a:xfrm>
+          <a:prstGeom prst="rect">
+            <a:avLst/>
+          </a:prstGeom>
+          <a:noFill/>
+        </p:spPr>
+        <p:txBody>
+          <a:bodyPr wrap="none" rtlCol="0">
+            <a:spAutoFit/>
+          </a:bodyPr>
+          <a:lstStyle/>
+          <a:p>
+            <a:pPr algn="ctr"/>
+            <a:r>
+              <a:rPr lang="en-US" dirty="0"/>
+              <a:t>From Temp</a:t>
+            </a:r>
+          </a:p>
+          <a:p>
+            <a:pPr algn="ctr"/>
+            <a:r>
+              <a:rPr lang="en-US" dirty="0"/>
+              <a:t>Sensor</a:t>
+            </a:r>
+          </a:p>
+        </p:txBody>
+      </p:sp>
+      <p:sp>
+        <p:nvSpPr>
+          <p:cNvPr id="43" name="Rectangle 42">
+            <a:extLst>
+              <a:ext uri="{FF2B5EF4-FFF2-40B4-BE49-F238E27FC236}">
+                <a16:creationId xmlns:a16="http://schemas.microsoft.com/office/drawing/2014/main" id="{29DA936E-A220-497F-994E-A285B5B220CA}"/>
+              </a:ext>
+            </a:extLst>
+          </p:cNvPr>
+          <p:cNvSpPr/>
+          <p:nvPr/>
+        </p:nvSpPr>
+        <p:spPr>
+          <a:xfrm>
+            <a:off x="3263552" y="3235898"/>
+            <a:ext cx="1213046" cy="832186"/>
+          </a:xfrm>
+          <a:prstGeom prst="rect">
+            <a:avLst/>
+          </a:prstGeom>
+          <a:noFill/>
+          <a:ln w="38100">
+            <a:solidFill>
+              <a:schemeClr val="tx1"/>
+            </a:solidFill>
+          </a:ln>
+        </p:spPr>
+        <p:style>
+          <a:lnRef idx="2">
+            <a:schemeClr val="accent1">
+              <a:shade val="50000"/>
+            </a:schemeClr>
+          </a:lnRef>
+          <a:fillRef idx="1">
+            <a:schemeClr val="accent1"/>
+          </a:fillRef>
+          <a:effectRef idx="0">
+            <a:schemeClr val="accent1"/>
+          </a:effectRef>
+          <a:fontRef idx="minor">
+            <a:schemeClr val="lt1"/>
+          </a:fontRef>
+        </p:style>
+        <p:txBody>
+          <a:bodyPr rtlCol="0" anchor="ctr"/>
+          <a:lstStyle/>
+          <a:p>
+            <a:pPr algn="ctr"/>
+            <a:r>
+              <a:rPr lang="en-US" b="1" dirty="0">
+                <a:solidFill>
+                  <a:schemeClr val="tx1"/>
+                </a:solidFill>
+              </a:rPr>
+              <a:t>Max485</a:t>
+            </a:r>
+          </a:p>
+          <a:p>
+            <a:pPr algn="ctr"/>
+            <a:r>
+              <a:rPr lang="en-US" b="1" dirty="0">
+                <a:solidFill>
+                  <a:schemeClr val="tx1"/>
+                </a:solidFill>
+              </a:rPr>
+              <a:t>Module</a:t>
+            </a:r>
+            <a:endParaRPr lang="en-SG" b="1" dirty="0">
+              <a:solidFill>
+                <a:schemeClr val="tx1"/>
+              </a:solidFill>
+            </a:endParaRPr>
+          </a:p>
+        </p:txBody>
+      </p:sp>
+      <p:sp>
+        <p:nvSpPr>
+          <p:cNvPr id="44" name="Rectangle 43">
+            <a:extLst>
+              <a:ext uri="{FF2B5EF4-FFF2-40B4-BE49-F238E27FC236}">
+                <a16:creationId xmlns:a16="http://schemas.microsoft.com/office/drawing/2014/main" id="{F21C0551-3D56-4A70-A5DD-57100B576499}"/>
+              </a:ext>
+            </a:extLst>
+          </p:cNvPr>
+          <p:cNvSpPr/>
+          <p:nvPr/>
+        </p:nvSpPr>
+        <p:spPr>
+          <a:xfrm>
+            <a:off x="5182748" y="3003677"/>
+            <a:ext cx="1993303" cy="1296625"/>
+          </a:xfrm>
+          <a:prstGeom prst="rect">
+            <a:avLst/>
+          </a:prstGeom>
+          <a:noFill/>
+          <a:ln w="38100">
+            <a:solidFill>
+              <a:schemeClr val="tx1"/>
+            </a:solidFill>
+          </a:ln>
+        </p:spPr>
+        <p:style>
+          <a:lnRef idx="2">
+            <a:schemeClr val="accent1">
+              <a:shade val="50000"/>
+            </a:schemeClr>
+          </a:lnRef>
+          <a:fillRef idx="1">
+            <a:schemeClr val="accent1"/>
+          </a:fillRef>
+          <a:effectRef idx="0">
+            <a:schemeClr val="accent1"/>
+          </a:effectRef>
+          <a:fontRef idx="minor">
+            <a:schemeClr val="lt1"/>
+          </a:fontRef>
+        </p:style>
+        <p:txBody>
+          <a:bodyPr rtlCol="0" anchor="ctr"/>
+          <a:lstStyle/>
+          <a:p>
+            <a:pPr algn="ctr"/>
+            <a:r>
+              <a:rPr lang="en-US" b="1" dirty="0">
+                <a:solidFill>
+                  <a:schemeClr val="tx1"/>
+                </a:solidFill>
+              </a:rPr>
+              <a:t>Microcontroller</a:t>
+            </a:r>
+          </a:p>
+        </p:txBody>
+      </p:sp>
+      <p:sp>
+        <p:nvSpPr>
+          <p:cNvPr id="56" name="TextBox 55">
+            <a:extLst>
+              <a:ext uri="{FF2B5EF4-FFF2-40B4-BE49-F238E27FC236}">
+                <a16:creationId xmlns:a16="http://schemas.microsoft.com/office/drawing/2014/main" id="{A454C488-884A-4E07-B39D-CE311502E96E}"/>
+              </a:ext>
+            </a:extLst>
+          </p:cNvPr>
+          <p:cNvSpPr txBox="1"/>
+          <p:nvPr/>
+        </p:nvSpPr>
+        <p:spPr>
+          <a:xfrm>
+            <a:off x="468375" y="1832288"/>
+            <a:ext cx="974882" cy="369332"/>
+          </a:xfrm>
+          <a:prstGeom prst="rect">
+            <a:avLst/>
+          </a:prstGeom>
+          <a:noFill/>
+        </p:spPr>
+        <p:txBody>
+          <a:bodyPr wrap="none" rtlCol="0">
+            <a:spAutoFit/>
+          </a:bodyPr>
+          <a:lstStyle/>
+          <a:p>
+            <a:pPr algn="ctr"/>
+            <a:r>
+              <a:rPr lang="en-US" dirty="0"/>
+              <a:t>AC 230V</a:t>
+            </a:r>
+          </a:p>
+        </p:txBody>
+      </p:sp>
+      <p:cxnSp>
+        <p:nvCxnSpPr>
+          <p:cNvPr id="57" name="Straight Arrow Connector 56">
+            <a:extLst>
+              <a:ext uri="{FF2B5EF4-FFF2-40B4-BE49-F238E27FC236}">
+                <a16:creationId xmlns:a16="http://schemas.microsoft.com/office/drawing/2014/main" id="{66234753-6FF0-41E7-BA34-E1084AB36926}"/>
+              </a:ext>
+            </a:extLst>
+          </p:cNvPr>
+          <p:cNvCxnSpPr>
+            <a:cxnSpLocks/>
+            <a:stCxn id="56" idx="3"/>
+          </p:cNvCxnSpPr>
+          <p:nvPr/>
+        </p:nvCxnSpPr>
+        <p:spPr>
+          <a:xfrm>
+            <a:off x="1443257" y="2016954"/>
+            <a:ext cx="713912" cy="0"/>
+          </a:xfrm>
+          <a:prstGeom prst="straightConnector1">
+            <a:avLst/>
+          </a:prstGeom>
+          <a:ln w="57150">
+            <a:solidFill>
+              <a:schemeClr val="tx1"/>
+            </a:solidFill>
+            <a:tailEnd type="triangle"/>
+          </a:ln>
+        </p:spPr>
+        <p:style>
+          <a:lnRef idx="1">
+            <a:schemeClr val="accent1"/>
+          </a:lnRef>
+          <a:fillRef idx="0">
+            <a:schemeClr val="accent1"/>
+          </a:fillRef>
+          <a:effectRef idx="0">
+            <a:schemeClr val="accent1"/>
+          </a:effectRef>
+          <a:fontRef idx="minor">
+            <a:schemeClr val="tx1"/>
+          </a:fontRef>
+        </p:style>
+      </p:cxnSp>
+      <p:cxnSp>
+        <p:nvCxnSpPr>
+          <p:cNvPr id="130" name="Straight Arrow Connector 129">
+            <a:extLst>
+              <a:ext uri="{FF2B5EF4-FFF2-40B4-BE49-F238E27FC236}">
+                <a16:creationId xmlns:a16="http://schemas.microsoft.com/office/drawing/2014/main" id="{BE5BB65B-4283-4C26-9122-9DFE3C434D3C}"/>
+              </a:ext>
+            </a:extLst>
+          </p:cNvPr>
+          <p:cNvCxnSpPr>
+            <a:cxnSpLocks/>
+            <a:stCxn id="43" idx="3"/>
+            <a:endCxn id="44" idx="1"/>
+          </p:cNvCxnSpPr>
+          <p:nvPr/>
+        </p:nvCxnSpPr>
+        <p:spPr>
+          <a:xfrm flipV="1">
+            <a:off x="4476598" y="3651990"/>
+            <a:ext cx="706150" cy="1"/>
+          </a:xfrm>
+          <a:prstGeom prst="straightConnector1">
+            <a:avLst/>
+          </a:prstGeom>
+          <a:ln w="38100">
+            <a:solidFill>
+              <a:schemeClr val="tx1"/>
+            </a:solidFill>
+            <a:headEnd type="triangle"/>
+            <a:tailEnd type="triangle"/>
+          </a:ln>
+        </p:spPr>
+        <p:style>
+          <a:lnRef idx="1">
+            <a:schemeClr val="accent1"/>
+          </a:lnRef>
+          <a:fillRef idx="0">
+            <a:schemeClr val="accent1"/>
+          </a:fillRef>
+          <a:effectRef idx="0">
+            <a:schemeClr val="accent1"/>
+          </a:effectRef>
+          <a:fontRef idx="minor">
+            <a:schemeClr val="tx1"/>
+          </a:fontRef>
+        </p:style>
+      </p:cxnSp>
+      <p:sp>
+        <p:nvSpPr>
+          <p:cNvPr id="137" name="Rectangle 136">
+            <a:extLst>
+              <a:ext uri="{FF2B5EF4-FFF2-40B4-BE49-F238E27FC236}">
+                <a16:creationId xmlns:a16="http://schemas.microsoft.com/office/drawing/2014/main" id="{C9EF6337-ED00-4BB2-AFF8-2ED317461113}"/>
+              </a:ext>
+            </a:extLst>
+          </p:cNvPr>
+          <p:cNvSpPr/>
+          <p:nvPr/>
+        </p:nvSpPr>
+        <p:spPr>
+          <a:xfrm>
+            <a:off x="7984845" y="3235896"/>
+            <a:ext cx="1181440" cy="832187"/>
+          </a:xfrm>
+          <a:prstGeom prst="rect">
+            <a:avLst/>
+          </a:prstGeom>
+          <a:noFill/>
+          <a:ln w="38100">
+            <a:solidFill>
+              <a:schemeClr val="tx1"/>
+            </a:solidFill>
+          </a:ln>
+        </p:spPr>
+        <p:style>
+          <a:lnRef idx="2">
+            <a:schemeClr val="accent1">
+              <a:shade val="50000"/>
+            </a:schemeClr>
+          </a:lnRef>
+          <a:fillRef idx="1">
+            <a:schemeClr val="accent1"/>
+          </a:fillRef>
+          <a:effectRef idx="0">
+            <a:schemeClr val="accent1"/>
+          </a:effectRef>
+          <a:fontRef idx="minor">
+            <a:schemeClr val="lt1"/>
+          </a:fontRef>
+        </p:style>
+        <p:txBody>
+          <a:bodyPr rtlCol="0" anchor="ctr"/>
+          <a:lstStyle/>
+          <a:p>
+            <a:pPr algn="ctr"/>
+            <a:r>
+              <a:rPr lang="en-US" b="1" dirty="0">
+                <a:solidFill>
+                  <a:schemeClr val="tx1"/>
+                </a:solidFill>
+              </a:rPr>
+              <a:t>Relay Module</a:t>
+            </a:r>
+          </a:p>
+        </p:txBody>
+      </p:sp>
+      <p:cxnSp>
+        <p:nvCxnSpPr>
+          <p:cNvPr id="161" name="Straight Arrow Connector 160">
+            <a:extLst>
+              <a:ext uri="{FF2B5EF4-FFF2-40B4-BE49-F238E27FC236}">
+                <a16:creationId xmlns:a16="http://schemas.microsoft.com/office/drawing/2014/main" id="{2722073A-42FF-49CE-99C4-EF988FA1DFF9}"/>
+              </a:ext>
+            </a:extLst>
+          </p:cNvPr>
+          <p:cNvCxnSpPr>
+            <a:cxnSpLocks/>
+            <a:stCxn id="44" idx="3"/>
+            <a:endCxn id="137" idx="1"/>
+          </p:cNvCxnSpPr>
+          <p:nvPr/>
+        </p:nvCxnSpPr>
+        <p:spPr>
+          <a:xfrm>
+            <a:off x="7176051" y="3651990"/>
+            <a:ext cx="808794" cy="0"/>
+          </a:xfrm>
+          <a:prstGeom prst="straightConnector1">
+            <a:avLst/>
+          </a:prstGeom>
+          <a:ln w="38100">
+            <a:solidFill>
+              <a:schemeClr val="tx1"/>
+            </a:solidFill>
+            <a:tailEnd type="triangle"/>
+          </a:ln>
+        </p:spPr>
+        <p:style>
+          <a:lnRef idx="1">
+            <a:schemeClr val="accent1"/>
+          </a:lnRef>
+          <a:fillRef idx="0">
+            <a:schemeClr val="accent1"/>
+          </a:fillRef>
+          <a:effectRef idx="0">
+            <a:schemeClr val="accent1"/>
+          </a:effectRef>
+          <a:fontRef idx="minor">
+            <a:schemeClr val="tx1"/>
+          </a:fontRef>
+        </p:style>
+      </p:cxnSp>
+      <p:cxnSp>
+        <p:nvCxnSpPr>
+          <p:cNvPr id="200" name="Straight Arrow Connector 199">
+            <a:extLst>
+              <a:ext uri="{FF2B5EF4-FFF2-40B4-BE49-F238E27FC236}">
+                <a16:creationId xmlns:a16="http://schemas.microsoft.com/office/drawing/2014/main" id="{9426D559-A8DA-4F6C-9AFC-00F4F3BC786A}"/>
+              </a:ext>
+            </a:extLst>
+          </p:cNvPr>
+          <p:cNvCxnSpPr>
+            <a:cxnSpLocks/>
+            <a:stCxn id="137" idx="3"/>
+            <a:endCxn id="3" idx="3"/>
+          </p:cNvCxnSpPr>
+          <p:nvPr/>
+        </p:nvCxnSpPr>
+        <p:spPr>
+          <a:xfrm>
+            <a:off x="9166285" y="3651990"/>
+            <a:ext cx="855216" cy="1"/>
+          </a:xfrm>
+          <a:prstGeom prst="straightConnector1">
+            <a:avLst/>
+          </a:prstGeom>
+          <a:ln w="38100">
+            <a:solidFill>
+              <a:schemeClr val="tx1"/>
+            </a:solidFill>
+            <a:tailEnd type="triangle"/>
+          </a:ln>
+        </p:spPr>
+        <p:style>
+          <a:lnRef idx="1">
+            <a:schemeClr val="accent1"/>
+          </a:lnRef>
+          <a:fillRef idx="0">
+            <a:schemeClr val="accent1"/>
+          </a:fillRef>
+          <a:effectRef idx="0">
+            <a:schemeClr val="accent1"/>
+          </a:effectRef>
+          <a:fontRef idx="minor">
+            <a:schemeClr val="tx1"/>
+          </a:fontRef>
+        </p:style>
+      </p:cxnSp>
+      <p:cxnSp>
+        <p:nvCxnSpPr>
+          <p:cNvPr id="203" name="Straight Arrow Connector 202">
+            <a:extLst>
+              <a:ext uri="{FF2B5EF4-FFF2-40B4-BE49-F238E27FC236}">
+                <a16:creationId xmlns:a16="http://schemas.microsoft.com/office/drawing/2014/main" id="{CF7B81A0-AA8D-4B51-AEF8-BCEF9FBD6DDB}"/>
+              </a:ext>
+            </a:extLst>
+          </p:cNvPr>
+          <p:cNvCxnSpPr>
+            <a:cxnSpLocks/>
+            <a:stCxn id="3" idx="1"/>
+            <a:endCxn id="43" idx="1"/>
+          </p:cNvCxnSpPr>
+          <p:nvPr/>
+        </p:nvCxnSpPr>
+        <p:spPr>
+          <a:xfrm>
+            <a:off x="2150533" y="3651991"/>
+            <a:ext cx="1113019" cy="0"/>
+          </a:xfrm>
+          <a:prstGeom prst="straightConnector1">
+            <a:avLst/>
+          </a:prstGeom>
+          <a:ln w="38100">
+            <a:solidFill>
+              <a:schemeClr val="tx1"/>
+            </a:solidFill>
+            <a:tailEnd type="triangle"/>
+          </a:ln>
+        </p:spPr>
+        <p:style>
+          <a:lnRef idx="1">
+            <a:schemeClr val="accent1"/>
+          </a:lnRef>
+          <a:fillRef idx="0">
+            <a:schemeClr val="accent1"/>
+          </a:fillRef>
+          <a:effectRef idx="0">
+            <a:schemeClr val="accent1"/>
+          </a:effectRef>
+          <a:fontRef idx="minor">
+            <a:schemeClr val="tx1"/>
+          </a:fontRef>
+        </p:style>
+      </p:cxnSp>
+      <p:sp>
+        <p:nvSpPr>
+          <p:cNvPr id="236" name="Rectangle 235">
+            <a:extLst>
+              <a:ext uri="{FF2B5EF4-FFF2-40B4-BE49-F238E27FC236}">
+                <a16:creationId xmlns:a16="http://schemas.microsoft.com/office/drawing/2014/main" id="{174F469D-E416-4CE2-AE11-493EC2BDA837}"/>
+              </a:ext>
+            </a:extLst>
+          </p:cNvPr>
+          <p:cNvSpPr/>
+          <p:nvPr/>
+        </p:nvSpPr>
+        <p:spPr>
+          <a:xfrm>
+            <a:off x="3595801" y="4951124"/>
+            <a:ext cx="765310" cy="646332"/>
+          </a:xfrm>
+          <a:prstGeom prst="rect">
+            <a:avLst/>
+          </a:prstGeom>
+          <a:noFill/>
+          <a:ln w="38100">
+            <a:solidFill>
+              <a:schemeClr val="tx1"/>
+            </a:solidFill>
+            <a:prstDash val="dash"/>
+          </a:ln>
+        </p:spPr>
+        <p:style>
+          <a:lnRef idx="2">
+            <a:schemeClr val="accent1">
+              <a:shade val="50000"/>
+            </a:schemeClr>
+          </a:lnRef>
+          <a:fillRef idx="1">
+            <a:schemeClr val="accent1"/>
+          </a:fillRef>
+          <a:effectRef idx="0">
+            <a:schemeClr val="accent1"/>
+          </a:effectRef>
+          <a:fontRef idx="minor">
+            <a:schemeClr val="lt1"/>
+          </a:fontRef>
+        </p:style>
+        <p:txBody>
+          <a:bodyPr rtlCol="0" anchor="ctr"/>
+          <a:lstStyle/>
+          <a:p>
+            <a:pPr algn="ctr"/>
+            <a:r>
+              <a:rPr lang="en-US" b="1" dirty="0">
+                <a:solidFill>
+                  <a:schemeClr val="tx1"/>
+                </a:solidFill>
+              </a:rPr>
+              <a:t>RTC</a:t>
+            </a:r>
+          </a:p>
+        </p:txBody>
+      </p:sp>
+      <p:sp>
+        <p:nvSpPr>
+          <p:cNvPr id="237" name="Rectangle 236">
+            <a:extLst>
+              <a:ext uri="{FF2B5EF4-FFF2-40B4-BE49-F238E27FC236}">
+                <a16:creationId xmlns:a16="http://schemas.microsoft.com/office/drawing/2014/main" id="{8B217176-459D-418A-9533-3A7ECDED8D6B}"/>
+              </a:ext>
+            </a:extLst>
+          </p:cNvPr>
+          <p:cNvSpPr/>
+          <p:nvPr/>
+        </p:nvSpPr>
+        <p:spPr>
+          <a:xfrm>
+            <a:off x="7979649" y="4886680"/>
+            <a:ext cx="984698" cy="775220"/>
+          </a:xfrm>
+          <a:prstGeom prst="rect">
+            <a:avLst/>
+          </a:prstGeom>
+          <a:noFill/>
+          <a:ln w="38100">
+            <a:solidFill>
+              <a:schemeClr val="tx1"/>
+            </a:solidFill>
+            <a:prstDash val="dash"/>
+          </a:ln>
+        </p:spPr>
+        <p:style>
+          <a:lnRef idx="2">
+            <a:schemeClr val="accent1">
+              <a:shade val="50000"/>
+            </a:schemeClr>
+          </a:lnRef>
+          <a:fillRef idx="1">
+            <a:schemeClr val="accent1"/>
+          </a:fillRef>
+          <a:effectRef idx="0">
+            <a:schemeClr val="accent1"/>
+          </a:effectRef>
+          <a:fontRef idx="minor">
+            <a:schemeClr val="lt1"/>
+          </a:fontRef>
+        </p:style>
+        <p:txBody>
+          <a:bodyPr rtlCol="0" anchor="ctr"/>
+          <a:lstStyle/>
+          <a:p>
+            <a:pPr algn="ctr"/>
+            <a:r>
+              <a:rPr lang="en-US" b="1" dirty="0">
+                <a:solidFill>
+                  <a:schemeClr val="tx1"/>
+                </a:solidFill>
+              </a:rPr>
+              <a:t>SD</a:t>
+            </a:r>
+          </a:p>
+          <a:p>
+            <a:pPr algn="ctr"/>
+            <a:r>
+              <a:rPr lang="en-US" b="1" dirty="0">
+                <a:solidFill>
+                  <a:schemeClr val="tx1"/>
+                </a:solidFill>
+              </a:rPr>
+              <a:t>Module</a:t>
+            </a:r>
+          </a:p>
+        </p:txBody>
+      </p:sp>
+      <p:sp>
+        <p:nvSpPr>
+          <p:cNvPr id="249" name="TextBox 248">
+            <a:extLst>
+              <a:ext uri="{FF2B5EF4-FFF2-40B4-BE49-F238E27FC236}">
+                <a16:creationId xmlns:a16="http://schemas.microsoft.com/office/drawing/2014/main" id="{B958C839-CD77-46FB-BD41-8493B4CBC06F}"/>
+              </a:ext>
+            </a:extLst>
+          </p:cNvPr>
+          <p:cNvSpPr txBox="1"/>
+          <p:nvPr/>
+        </p:nvSpPr>
+        <p:spPr>
+          <a:xfrm>
+            <a:off x="3595801" y="2609056"/>
+            <a:ext cx="548547" cy="369332"/>
+          </a:xfrm>
+          <a:prstGeom prst="rect">
+            <a:avLst/>
+          </a:prstGeom>
+          <a:noFill/>
+        </p:spPr>
+        <p:txBody>
+          <a:bodyPr wrap="none" rtlCol="0">
+            <a:spAutoFit/>
+          </a:bodyPr>
+          <a:lstStyle/>
+          <a:p>
+            <a:pPr algn="ctr"/>
+            <a:r>
+              <a:rPr lang="en-US" dirty="0"/>
+              <a:t>+5V</a:t>
+            </a:r>
+          </a:p>
+        </p:txBody>
+      </p:sp>
+      <p:cxnSp>
+        <p:nvCxnSpPr>
+          <p:cNvPr id="250" name="Straight Arrow Connector 249">
+            <a:extLst>
+              <a:ext uri="{FF2B5EF4-FFF2-40B4-BE49-F238E27FC236}">
+                <a16:creationId xmlns:a16="http://schemas.microsoft.com/office/drawing/2014/main" id="{A203D7EF-04CA-4FDB-9ABE-F974DB80A422}"/>
+              </a:ext>
+            </a:extLst>
+          </p:cNvPr>
+          <p:cNvCxnSpPr>
+            <a:cxnSpLocks/>
+            <a:endCxn id="275" idx="1"/>
+          </p:cNvCxnSpPr>
+          <p:nvPr/>
+        </p:nvCxnSpPr>
+        <p:spPr>
+          <a:xfrm flipV="1">
+            <a:off x="4738402" y="2305280"/>
+            <a:ext cx="389779" cy="1"/>
+          </a:xfrm>
+          <a:prstGeom prst="straightConnector1">
+            <a:avLst/>
+          </a:prstGeom>
+          <a:ln w="38100">
+            <a:solidFill>
+              <a:schemeClr val="tx1"/>
+            </a:solidFill>
+            <a:tailEnd type="triangle"/>
+          </a:ln>
+        </p:spPr>
+        <p:style>
+          <a:lnRef idx="1">
+            <a:schemeClr val="accent1"/>
+          </a:lnRef>
+          <a:fillRef idx="0">
+            <a:schemeClr val="accent1"/>
+          </a:fillRef>
+          <a:effectRef idx="0">
+            <a:schemeClr val="accent1"/>
+          </a:effectRef>
+          <a:fontRef idx="minor">
+            <a:schemeClr val="tx1"/>
+          </a:fontRef>
+        </p:style>
+      </p:cxnSp>
+      <p:cxnSp>
+        <p:nvCxnSpPr>
+          <p:cNvPr id="266" name="Straight Arrow Connector 265">
+            <a:extLst>
+              <a:ext uri="{FF2B5EF4-FFF2-40B4-BE49-F238E27FC236}">
+                <a16:creationId xmlns:a16="http://schemas.microsoft.com/office/drawing/2014/main" id="{468F9734-734B-4700-99F8-4A46A7E74B0C}"/>
+              </a:ext>
+            </a:extLst>
+          </p:cNvPr>
+          <p:cNvCxnSpPr>
+            <a:cxnSpLocks/>
+            <a:stCxn id="249" idx="2"/>
+            <a:endCxn id="43" idx="0"/>
+          </p:cNvCxnSpPr>
+          <p:nvPr/>
+        </p:nvCxnSpPr>
+        <p:spPr>
+          <a:xfrm>
+            <a:off x="3870075" y="2978388"/>
+            <a:ext cx="0" cy="257510"/>
+          </a:xfrm>
+          <a:prstGeom prst="straightConnector1">
+            <a:avLst/>
+          </a:prstGeom>
+          <a:ln w="38100">
+            <a:solidFill>
+              <a:schemeClr val="tx1"/>
+            </a:solidFill>
+            <a:tailEnd type="triangle"/>
+          </a:ln>
+        </p:spPr>
+        <p:style>
+          <a:lnRef idx="1">
+            <a:schemeClr val="accent1"/>
+          </a:lnRef>
+          <a:fillRef idx="0">
+            <a:schemeClr val="accent1"/>
+          </a:fillRef>
+          <a:effectRef idx="0">
+            <a:schemeClr val="accent1"/>
+          </a:effectRef>
+          <a:fontRef idx="minor">
+            <a:schemeClr val="tx1"/>
+          </a:fontRef>
+        </p:style>
+      </p:cxnSp>
+      <p:sp>
+        <p:nvSpPr>
+          <p:cNvPr id="275" name="TextBox 274">
+            <a:extLst>
+              <a:ext uri="{FF2B5EF4-FFF2-40B4-BE49-F238E27FC236}">
+                <a16:creationId xmlns:a16="http://schemas.microsoft.com/office/drawing/2014/main" id="{775B6F79-D287-41C3-93CD-F0D1DA0A13FF}"/>
+              </a:ext>
+            </a:extLst>
+          </p:cNvPr>
+          <p:cNvSpPr txBox="1"/>
+          <p:nvPr/>
+        </p:nvSpPr>
+        <p:spPr>
+          <a:xfrm>
+            <a:off x="5128181" y="2120614"/>
+            <a:ext cx="548547" cy="369332"/>
+          </a:xfrm>
+          <a:prstGeom prst="rect">
+            <a:avLst/>
+          </a:prstGeom>
+          <a:noFill/>
+        </p:spPr>
+        <p:txBody>
+          <a:bodyPr wrap="none" rtlCol="0">
+            <a:spAutoFit/>
+          </a:bodyPr>
+          <a:lstStyle/>
+          <a:p>
+            <a:pPr algn="ctr"/>
+            <a:r>
+              <a:rPr lang="en-US" dirty="0"/>
+              <a:t>+5V</a:t>
+            </a:r>
+          </a:p>
+        </p:txBody>
+      </p:sp>
+      <p:cxnSp>
+        <p:nvCxnSpPr>
+          <p:cNvPr id="291" name="Connector: Elbow 290">
+            <a:extLst>
+              <a:ext uri="{FF2B5EF4-FFF2-40B4-BE49-F238E27FC236}">
+                <a16:creationId xmlns:a16="http://schemas.microsoft.com/office/drawing/2014/main" id="{CB762EF8-358C-4838-95AF-4DBBF5BB51AF}"/>
+              </a:ext>
+            </a:extLst>
+          </p:cNvPr>
+          <p:cNvCxnSpPr>
+            <a:cxnSpLocks/>
+            <a:stCxn id="236" idx="3"/>
+            <a:endCxn id="44" idx="2"/>
+          </p:cNvCxnSpPr>
+          <p:nvPr/>
+        </p:nvCxnSpPr>
+        <p:spPr>
+          <a:xfrm flipV="1">
+            <a:off x="4361111" y="4300302"/>
+            <a:ext cx="1818289" cy="973988"/>
+          </a:xfrm>
+          <a:prstGeom prst="bentConnector2">
+            <a:avLst/>
+          </a:prstGeom>
+          <a:ln w="38100">
+            <a:solidFill>
+              <a:schemeClr val="tx1"/>
+            </a:solidFill>
+            <a:tailEnd type="triangle"/>
+          </a:ln>
+        </p:spPr>
+        <p:style>
+          <a:lnRef idx="1">
+            <a:schemeClr val="accent1"/>
+          </a:lnRef>
+          <a:fillRef idx="0">
+            <a:schemeClr val="accent1"/>
+          </a:fillRef>
+          <a:effectRef idx="0">
+            <a:schemeClr val="accent1"/>
+          </a:effectRef>
+          <a:fontRef idx="minor">
+            <a:schemeClr val="tx1"/>
+          </a:fontRef>
+        </p:style>
+      </p:cxnSp>
+      <p:cxnSp>
+        <p:nvCxnSpPr>
+          <p:cNvPr id="295" name="Connector: Elbow 294">
+            <a:extLst>
+              <a:ext uri="{FF2B5EF4-FFF2-40B4-BE49-F238E27FC236}">
+                <a16:creationId xmlns:a16="http://schemas.microsoft.com/office/drawing/2014/main" id="{DBA39E0E-767B-4C60-B01E-769F6252928D}"/>
+              </a:ext>
+            </a:extLst>
+          </p:cNvPr>
+          <p:cNvCxnSpPr>
+            <a:cxnSpLocks/>
+            <a:stCxn id="44" idx="2"/>
+            <a:endCxn id="237" idx="1"/>
+          </p:cNvCxnSpPr>
+          <p:nvPr/>
+        </p:nvCxnSpPr>
+        <p:spPr>
+          <a:xfrm rot="16200000" flipH="1">
+            <a:off x="6592530" y="3887171"/>
+            <a:ext cx="973988" cy="1800249"/>
+          </a:xfrm>
+          <a:prstGeom prst="bentConnector2">
+            <a:avLst/>
+          </a:prstGeom>
+          <a:ln w="38100">
+            <a:solidFill>
+              <a:schemeClr val="tx1"/>
+            </a:solidFill>
+            <a:tailEnd type="triangle"/>
+          </a:ln>
+        </p:spPr>
+        <p:style>
+          <a:lnRef idx="1">
+            <a:schemeClr val="accent1"/>
+          </a:lnRef>
+          <a:fillRef idx="0">
+            <a:schemeClr val="accent1"/>
+          </a:fillRef>
+          <a:effectRef idx="0">
+            <a:schemeClr val="accent1"/>
+          </a:effectRef>
+          <a:fontRef idx="minor">
+            <a:schemeClr val="tx1"/>
+          </a:fontRef>
+        </p:style>
+      </p:cxnSp>
+      <p:cxnSp>
+        <p:nvCxnSpPr>
+          <p:cNvPr id="335" name="Straight Arrow Connector 334">
+            <a:extLst>
+              <a:ext uri="{FF2B5EF4-FFF2-40B4-BE49-F238E27FC236}">
+                <a16:creationId xmlns:a16="http://schemas.microsoft.com/office/drawing/2014/main" id="{A0B8ABB7-0DA2-436C-B747-531BD65733CD}"/>
+              </a:ext>
+            </a:extLst>
+          </p:cNvPr>
+          <p:cNvCxnSpPr>
+            <a:cxnSpLocks/>
+            <a:endCxn id="79" idx="1"/>
+          </p:cNvCxnSpPr>
+          <p:nvPr/>
+        </p:nvCxnSpPr>
+        <p:spPr>
+          <a:xfrm>
+            <a:off x="4750046" y="1673879"/>
+            <a:ext cx="403535" cy="0"/>
+          </a:xfrm>
+          <a:prstGeom prst="straightConnector1">
+            <a:avLst/>
+          </a:prstGeom>
+          <a:ln w="38100">
+            <a:solidFill>
+              <a:schemeClr val="tx1"/>
+            </a:solidFill>
+            <a:tailEnd type="triangle"/>
+          </a:ln>
+        </p:spPr>
+        <p:style>
+          <a:lnRef idx="1">
+            <a:schemeClr val="accent1"/>
+          </a:lnRef>
+          <a:fillRef idx="0">
+            <a:schemeClr val="accent1"/>
+          </a:fillRef>
+          <a:effectRef idx="0">
+            <a:schemeClr val="accent1"/>
+          </a:effectRef>
+          <a:fontRef idx="minor">
+            <a:schemeClr val="tx1"/>
+          </a:fontRef>
+        </p:style>
+      </p:cxnSp>
+      <p:sp>
+        <p:nvSpPr>
+          <p:cNvPr id="36" name="Rectangle 35">
+            <a:extLst>
+              <a:ext uri="{FF2B5EF4-FFF2-40B4-BE49-F238E27FC236}">
+                <a16:creationId xmlns:a16="http://schemas.microsoft.com/office/drawing/2014/main" id="{4E5657A7-C34E-4BEB-B30C-16C9CB7AA984}"/>
+              </a:ext>
+            </a:extLst>
+          </p:cNvPr>
+          <p:cNvSpPr/>
+          <p:nvPr/>
+        </p:nvSpPr>
+        <p:spPr>
+          <a:xfrm>
+            <a:off x="3274475" y="1543100"/>
+            <a:ext cx="1471526" cy="947707"/>
+          </a:xfrm>
+          <a:prstGeom prst="rect">
+            <a:avLst/>
+          </a:prstGeom>
+          <a:noFill/>
+          <a:ln w="38100">
+            <a:solidFill>
+              <a:schemeClr val="tx1"/>
+            </a:solidFill>
+          </a:ln>
+        </p:spPr>
+        <p:style>
+          <a:lnRef idx="2">
+            <a:schemeClr val="accent1">
+              <a:shade val="50000"/>
+            </a:schemeClr>
+          </a:lnRef>
+          <a:fillRef idx="1">
+            <a:schemeClr val="accent1"/>
+          </a:fillRef>
+          <a:effectRef idx="0">
+            <a:schemeClr val="accent1"/>
+          </a:effectRef>
+          <a:fontRef idx="minor">
+            <a:schemeClr val="lt1"/>
+          </a:fontRef>
+        </p:style>
+        <p:txBody>
+          <a:bodyPr rtlCol="0" anchor="ctr"/>
+          <a:lstStyle/>
+          <a:p>
+            <a:pPr algn="ctr"/>
+            <a:r>
+              <a:rPr lang="en-US" b="1" dirty="0">
+                <a:solidFill>
+                  <a:schemeClr val="tx1"/>
+                </a:solidFill>
+              </a:rPr>
+              <a:t>AC-DC</a:t>
+            </a:r>
+          </a:p>
+          <a:p>
+            <a:pPr algn="ctr"/>
+            <a:r>
+              <a:rPr lang="en-US" b="1" dirty="0">
+                <a:solidFill>
+                  <a:schemeClr val="tx1"/>
+                </a:solidFill>
+              </a:rPr>
+              <a:t>Converter</a:t>
+            </a:r>
+          </a:p>
+        </p:txBody>
+      </p:sp>
+      <p:cxnSp>
+        <p:nvCxnSpPr>
+          <p:cNvPr id="59" name="Straight Arrow Connector 58">
+            <a:extLst>
+              <a:ext uri="{FF2B5EF4-FFF2-40B4-BE49-F238E27FC236}">
+                <a16:creationId xmlns:a16="http://schemas.microsoft.com/office/drawing/2014/main" id="{120CEBF0-C244-4C1E-A6DB-D7674D7CE71C}"/>
+              </a:ext>
+            </a:extLst>
+          </p:cNvPr>
+          <p:cNvCxnSpPr>
+            <a:cxnSpLocks/>
+            <a:endCxn id="36" idx="1"/>
+          </p:cNvCxnSpPr>
+          <p:nvPr/>
+        </p:nvCxnSpPr>
+        <p:spPr>
+          <a:xfrm>
+            <a:off x="2157169" y="2016954"/>
+            <a:ext cx="1117306" cy="0"/>
+          </a:xfrm>
+          <a:prstGeom prst="straightConnector1">
+            <a:avLst/>
+          </a:prstGeom>
+          <a:ln w="38100">
+            <a:solidFill>
+              <a:schemeClr val="tx1"/>
+            </a:solidFill>
+            <a:tailEnd type="triangle"/>
+          </a:ln>
+        </p:spPr>
+        <p:style>
+          <a:lnRef idx="1">
+            <a:schemeClr val="accent1"/>
+          </a:lnRef>
+          <a:fillRef idx="0">
+            <a:schemeClr val="accent1"/>
+          </a:fillRef>
+          <a:effectRef idx="0">
+            <a:schemeClr val="accent1"/>
+          </a:effectRef>
+          <a:fontRef idx="minor">
+            <a:schemeClr val="tx1"/>
+          </a:fontRef>
+        </p:style>
+      </p:cxnSp>
+      <p:cxnSp>
+        <p:nvCxnSpPr>
+          <p:cNvPr id="68" name="Straight Arrow Connector 67">
+            <a:extLst>
+              <a:ext uri="{FF2B5EF4-FFF2-40B4-BE49-F238E27FC236}">
+                <a16:creationId xmlns:a16="http://schemas.microsoft.com/office/drawing/2014/main" id="{73CDCA5B-366C-4FA9-941B-3AD2243868A0}"/>
+              </a:ext>
+            </a:extLst>
+          </p:cNvPr>
+          <p:cNvCxnSpPr>
+            <a:cxnSpLocks/>
+            <a:stCxn id="34" idx="2"/>
+            <a:endCxn id="44" idx="0"/>
+          </p:cNvCxnSpPr>
+          <p:nvPr/>
+        </p:nvCxnSpPr>
+        <p:spPr>
+          <a:xfrm>
+            <a:off x="6173086" y="2662267"/>
+            <a:ext cx="6314" cy="341410"/>
+          </a:xfrm>
+          <a:prstGeom prst="straightConnector1">
+            <a:avLst/>
+          </a:prstGeom>
+          <a:ln w="38100">
+            <a:solidFill>
+              <a:schemeClr val="tx1"/>
+            </a:solidFill>
+            <a:tailEnd type="triangle"/>
+          </a:ln>
+        </p:spPr>
+        <p:style>
+          <a:lnRef idx="1">
+            <a:schemeClr val="accent1"/>
+          </a:lnRef>
+          <a:fillRef idx="0">
+            <a:schemeClr val="accent1"/>
+          </a:fillRef>
+          <a:effectRef idx="0">
+            <a:schemeClr val="accent1"/>
+          </a:effectRef>
+          <a:fontRef idx="minor">
+            <a:schemeClr val="tx1"/>
+          </a:fontRef>
+        </p:style>
+      </p:cxnSp>
+      <p:cxnSp>
+        <p:nvCxnSpPr>
+          <p:cNvPr id="71" name="Straight Arrow Connector 70">
+            <a:extLst>
+              <a:ext uri="{FF2B5EF4-FFF2-40B4-BE49-F238E27FC236}">
+                <a16:creationId xmlns:a16="http://schemas.microsoft.com/office/drawing/2014/main" id="{A12D0C17-3084-44BA-9492-1D4BDB906645}"/>
+              </a:ext>
+            </a:extLst>
+          </p:cNvPr>
+          <p:cNvCxnSpPr>
+            <a:cxnSpLocks/>
+            <a:stCxn id="73" idx="2"/>
+            <a:endCxn id="137" idx="0"/>
+          </p:cNvCxnSpPr>
+          <p:nvPr/>
+        </p:nvCxnSpPr>
+        <p:spPr>
+          <a:xfrm>
+            <a:off x="8575565" y="2879174"/>
+            <a:ext cx="0" cy="356722"/>
+          </a:xfrm>
+          <a:prstGeom prst="straightConnector1">
+            <a:avLst/>
+          </a:prstGeom>
+          <a:ln w="38100">
+            <a:solidFill>
+              <a:schemeClr val="tx1"/>
+            </a:solidFill>
+            <a:tailEnd type="triangle"/>
+          </a:ln>
+        </p:spPr>
+        <p:style>
+          <a:lnRef idx="1">
+            <a:schemeClr val="accent1"/>
+          </a:lnRef>
+          <a:fillRef idx="0">
+            <a:schemeClr val="accent1"/>
+          </a:fillRef>
+          <a:effectRef idx="0">
+            <a:schemeClr val="accent1"/>
+          </a:effectRef>
+          <a:fontRef idx="minor">
+            <a:schemeClr val="tx1"/>
+          </a:fontRef>
+        </p:style>
+      </p:cxnSp>
+      <p:sp>
+        <p:nvSpPr>
+          <p:cNvPr id="73" name="TextBox 72">
+            <a:extLst>
+              <a:ext uri="{FF2B5EF4-FFF2-40B4-BE49-F238E27FC236}">
+                <a16:creationId xmlns:a16="http://schemas.microsoft.com/office/drawing/2014/main" id="{AE09314F-E6F8-4ABA-BCA9-665F4F339317}"/>
+              </a:ext>
+            </a:extLst>
+          </p:cNvPr>
+          <p:cNvSpPr txBox="1"/>
+          <p:nvPr/>
+        </p:nvSpPr>
+        <p:spPr>
+          <a:xfrm>
+            <a:off x="8242781" y="2509842"/>
+            <a:ext cx="665568" cy="369332"/>
+          </a:xfrm>
+          <a:prstGeom prst="rect">
+            <a:avLst/>
+          </a:prstGeom>
+          <a:noFill/>
+        </p:spPr>
+        <p:txBody>
+          <a:bodyPr wrap="none" rtlCol="0">
+            <a:spAutoFit/>
+          </a:bodyPr>
+          <a:lstStyle/>
+          <a:p>
+            <a:pPr algn="ctr"/>
+            <a:r>
+              <a:rPr lang="en-US" dirty="0"/>
+              <a:t>+24V</a:t>
+            </a:r>
+          </a:p>
+        </p:txBody>
+      </p:sp>
+      <p:sp>
+        <p:nvSpPr>
+          <p:cNvPr id="76" name="TextBox 75">
+            <a:extLst>
+              <a:ext uri="{FF2B5EF4-FFF2-40B4-BE49-F238E27FC236}">
+                <a16:creationId xmlns:a16="http://schemas.microsoft.com/office/drawing/2014/main" id="{DF0C0B10-EFD2-4116-ADF3-ADCF314F85B3}"/>
+              </a:ext>
+            </a:extLst>
+          </p:cNvPr>
+          <p:cNvSpPr txBox="1"/>
+          <p:nvPr/>
+        </p:nvSpPr>
+        <p:spPr>
+          <a:xfrm>
+            <a:off x="9281137" y="3271186"/>
+            <a:ext cx="457177" cy="369332"/>
+          </a:xfrm>
+          <a:prstGeom prst="rect">
+            <a:avLst/>
+          </a:prstGeom>
+          <a:noFill/>
+        </p:spPr>
+        <p:txBody>
+          <a:bodyPr wrap="none" rtlCol="0">
+            <a:spAutoFit/>
+          </a:bodyPr>
+          <a:lstStyle/>
+          <a:p>
+            <a:pPr algn="ctr"/>
+            <a:r>
+              <a:rPr lang="en-US" dirty="0"/>
+              <a:t>NC</a:t>
+            </a:r>
+          </a:p>
+        </p:txBody>
+      </p:sp>
+      <p:sp>
+        <p:nvSpPr>
+          <p:cNvPr id="79" name="TextBox 78">
+            <a:extLst>
+              <a:ext uri="{FF2B5EF4-FFF2-40B4-BE49-F238E27FC236}">
+                <a16:creationId xmlns:a16="http://schemas.microsoft.com/office/drawing/2014/main" id="{90EB199C-1C46-4C18-A980-17B586B8B71C}"/>
+              </a:ext>
+            </a:extLst>
+          </p:cNvPr>
+          <p:cNvSpPr txBox="1"/>
+          <p:nvPr/>
+        </p:nvSpPr>
+        <p:spPr>
+          <a:xfrm>
+            <a:off x="5153581" y="1489213"/>
+            <a:ext cx="665567" cy="369332"/>
+          </a:xfrm>
+          <a:prstGeom prst="rect">
+            <a:avLst/>
+          </a:prstGeom>
+          <a:noFill/>
+        </p:spPr>
+        <p:txBody>
+          <a:bodyPr wrap="none" rtlCol="0">
+            <a:spAutoFit/>
+          </a:bodyPr>
+          <a:lstStyle/>
+          <a:p>
+            <a:pPr algn="ctr"/>
+            <a:r>
+              <a:rPr lang="en-US" dirty="0"/>
+              <a:t>+24V</a:t>
+            </a:r>
+          </a:p>
+        </p:txBody>
+      </p:sp>
+      <p:sp>
+        <p:nvSpPr>
+          <p:cNvPr id="34" name="TextBox 33">
+            <a:extLst>
+              <a:ext uri="{FF2B5EF4-FFF2-40B4-BE49-F238E27FC236}">
+                <a16:creationId xmlns:a16="http://schemas.microsoft.com/office/drawing/2014/main" id="{5703C412-13D1-4E10-8B15-C9E8FB60EB66}"/>
+              </a:ext>
+            </a:extLst>
+          </p:cNvPr>
+          <p:cNvSpPr txBox="1"/>
+          <p:nvPr/>
+        </p:nvSpPr>
+        <p:spPr>
+          <a:xfrm>
+            <a:off x="5840302" y="2292935"/>
+            <a:ext cx="665568" cy="369332"/>
+          </a:xfrm>
+          <a:prstGeom prst="rect">
+            <a:avLst/>
+          </a:prstGeom>
+          <a:noFill/>
+        </p:spPr>
+        <p:txBody>
+          <a:bodyPr wrap="none" rtlCol="0">
+            <a:spAutoFit/>
+          </a:bodyPr>
+          <a:lstStyle/>
+          <a:p>
+            <a:pPr algn="ctr"/>
+            <a:r>
+              <a:rPr lang="en-US" dirty="0"/>
+              <a:t>+12V</a:t>
+            </a:r>
+          </a:p>
+        </p:txBody>
+      </p:sp>
+      <p:sp>
+        <p:nvSpPr>
+          <p:cNvPr id="50" name="TextBox 49">
+            <a:extLst>
+              <a:ext uri="{FF2B5EF4-FFF2-40B4-BE49-F238E27FC236}">
+                <a16:creationId xmlns:a16="http://schemas.microsoft.com/office/drawing/2014/main" id="{535F633B-EF14-46F0-AB4D-243BA6634BB8}"/>
+              </a:ext>
+            </a:extLst>
+          </p:cNvPr>
+          <p:cNvSpPr txBox="1"/>
+          <p:nvPr/>
+        </p:nvSpPr>
+        <p:spPr>
+          <a:xfrm>
+            <a:off x="5135780" y="1804914"/>
+            <a:ext cx="665568" cy="369332"/>
+          </a:xfrm>
+          <a:prstGeom prst="rect">
+            <a:avLst/>
+          </a:prstGeom>
+          <a:noFill/>
+        </p:spPr>
+        <p:txBody>
+          <a:bodyPr wrap="none" rtlCol="0">
+            <a:spAutoFit/>
+          </a:bodyPr>
+          <a:lstStyle/>
+          <a:p>
+            <a:pPr algn="ctr"/>
+            <a:r>
+              <a:rPr lang="en-US" dirty="0"/>
+              <a:t>+12V</a:t>
+            </a:r>
+          </a:p>
+        </p:txBody>
+      </p:sp>
+      <p:cxnSp>
+        <p:nvCxnSpPr>
+          <p:cNvPr id="51" name="Straight Arrow Connector 50">
+            <a:extLst>
+              <a:ext uri="{FF2B5EF4-FFF2-40B4-BE49-F238E27FC236}">
+                <a16:creationId xmlns:a16="http://schemas.microsoft.com/office/drawing/2014/main" id="{07F04B4E-8A0A-4ACC-8E16-E1FB7495FA0C}"/>
+              </a:ext>
+            </a:extLst>
+          </p:cNvPr>
+          <p:cNvCxnSpPr>
+            <a:cxnSpLocks/>
+            <a:endCxn id="50" idx="1"/>
+          </p:cNvCxnSpPr>
+          <p:nvPr/>
+        </p:nvCxnSpPr>
+        <p:spPr>
+          <a:xfrm>
+            <a:off x="4753600" y="1989580"/>
+            <a:ext cx="382180" cy="0"/>
+          </a:xfrm>
+          <a:prstGeom prst="straightConnector1">
+            <a:avLst/>
+          </a:prstGeom>
+          <a:ln w="38100">
+            <a:solidFill>
+              <a:schemeClr val="tx1"/>
+            </a:solidFill>
+            <a:tailEnd type="triangle"/>
+          </a:ln>
+        </p:spPr>
+        <p:style>
+          <a:lnRef idx="1">
+            <a:schemeClr val="accent1"/>
+          </a:lnRef>
+          <a:fillRef idx="0">
+            <a:schemeClr val="accent1"/>
+          </a:fillRef>
+          <a:effectRef idx="0">
+            <a:schemeClr val="accent1"/>
+          </a:effectRef>
+          <a:fontRef idx="minor">
+            <a:schemeClr val="tx1"/>
+          </a:fontRef>
+        </p:style>
+      </p:cxnSp>
+      <p:sp>
+        <p:nvSpPr>
+          <p:cNvPr id="63" name="TextBox 62">
+            <a:extLst>
+              <a:ext uri="{FF2B5EF4-FFF2-40B4-BE49-F238E27FC236}">
+                <a16:creationId xmlns:a16="http://schemas.microsoft.com/office/drawing/2014/main" id="{79F73015-DC19-4504-B91E-101FABB3695A}"/>
+              </a:ext>
+            </a:extLst>
+          </p:cNvPr>
+          <p:cNvSpPr txBox="1"/>
+          <p:nvPr/>
+        </p:nvSpPr>
+        <p:spPr>
+          <a:xfrm>
+            <a:off x="2193374" y="3259279"/>
+            <a:ext cx="958917" cy="369332"/>
+          </a:xfrm>
+          <a:prstGeom prst="rect">
+            <a:avLst/>
+          </a:prstGeom>
+          <a:noFill/>
+        </p:spPr>
+        <p:txBody>
+          <a:bodyPr wrap="none" rtlCol="0">
+            <a:spAutoFit/>
+          </a:bodyPr>
+          <a:lstStyle/>
+          <a:p>
+            <a:pPr algn="ctr"/>
+            <a:r>
+              <a:rPr lang="en-US" dirty="0"/>
+              <a:t>Modbus</a:t>
+            </a:r>
+          </a:p>
+        </p:txBody>
+      </p:sp>
     </p:spTree>
     <p:extLst>
       <p:ext uri="{BB962C8B-B14F-4D97-AF65-F5344CB8AC3E}">
-        <p14:creationId xmlns:p14="http://schemas.microsoft.com/office/powerpoint/2010/main" val="3453207664"/>
+        <p14:creationId xmlns:p14="http://schemas.microsoft.com/office/powerpoint/2010/main" val="3865164602"/>
       </p:ext>
     </p:extLst>
   </p:cSld>
@@ -2834,10 +4192,10 @@
       </p:grpSpPr>
       <p:sp>
         <p:nvSpPr>
-          <p:cNvPr id="3" name="Rectangle: Rounded Corners 2">
-            <a:extLst>
-              <a:ext uri="{FF2B5EF4-FFF2-40B4-BE49-F238E27FC236}">
-                <a16:creationId xmlns:a16="http://schemas.microsoft.com/office/drawing/2014/main" id="{CF388A85-04F5-48FB-9E08-3B95153B45F9}"/>
+          <p:cNvPr id="44" name="Rectangle 43">
+            <a:extLst>
+              <a:ext uri="{FF2B5EF4-FFF2-40B4-BE49-F238E27FC236}">
+                <a16:creationId xmlns:a16="http://schemas.microsoft.com/office/drawing/2014/main" id="{F21C0551-3D56-4A70-A5DD-57100B576499}"/>
               </a:ext>
             </a:extLst>
           </p:cNvPr>
@@ -2846,15 +4204,18 @@
         </p:nvSpPr>
         <p:spPr>
           <a:xfrm>
-            <a:off x="2150533" y="1189699"/>
-            <a:ext cx="7870968" cy="4924583"/>
-          </a:xfrm>
-          <a:prstGeom prst="roundRect">
-            <a:avLst/>
-          </a:prstGeom>
-          <a:solidFill>
-            <a:srgbClr val="FFC000"/>
-          </a:solidFill>
+            <a:off x="1860177" y="1410259"/>
+            <a:ext cx="3760251" cy="4764199"/>
+          </a:xfrm>
+          <a:prstGeom prst="rect">
+            <a:avLst/>
+          </a:prstGeom>
+          <a:noFill/>
+          <a:ln w="38100">
+            <a:solidFill>
+              <a:schemeClr val="tx1"/>
+            </a:solidFill>
+          </a:ln>
         </p:spPr>
         <p:style>
           <a:lnRef idx="2">
@@ -2873,46 +4234,86 @@
           </a:fontRef>
         </p:style>
         <p:txBody>
-          <a:bodyPr rtlCol="0" anchor="b" anchorCtr="0"/>
+          <a:bodyPr rtlCol="0" anchor="ctr"/>
           <a:lstStyle/>
           <a:p>
             <a:pPr algn="ctr"/>
             <a:r>
-              <a:rPr lang="en-US" sz="2400" b="1" dirty="0">
+              <a:rPr lang="en-US" b="1" dirty="0">
                 <a:solidFill>
                   <a:schemeClr val="tx1"/>
                 </a:solidFill>
               </a:rPr>
-              <a:t>Thermal Controller</a:t>
-            </a:r>
-            <a:endParaRPr lang="en-SG" sz="2400" b="1" dirty="0">
-              <a:solidFill>
-                <a:schemeClr val="tx1"/>
-              </a:solidFill>
-            </a:endParaRPr>
+              <a:t>Microcontroller</a:t>
+            </a:r>
+          </a:p>
+          <a:p>
+            <a:pPr algn="ctr"/>
+            <a:r>
+              <a:rPr lang="en-US" b="1" dirty="0">
+                <a:solidFill>
+                  <a:schemeClr val="tx1"/>
+                </a:solidFill>
+              </a:rPr>
+              <a:t>(Arduino Uno)</a:t>
+            </a:r>
+          </a:p>
+        </p:txBody>
+      </p:sp>
+      <p:sp>
+        <p:nvSpPr>
+          <p:cNvPr id="56" name="TextBox 55">
+            <a:extLst>
+              <a:ext uri="{FF2B5EF4-FFF2-40B4-BE49-F238E27FC236}">
+                <a16:creationId xmlns:a16="http://schemas.microsoft.com/office/drawing/2014/main" id="{A454C488-884A-4E07-B39D-CE311502E96E}"/>
+              </a:ext>
+            </a:extLst>
+          </p:cNvPr>
+          <p:cNvSpPr txBox="1"/>
+          <p:nvPr/>
+        </p:nvSpPr>
+        <p:spPr>
+          <a:xfrm>
+            <a:off x="12377" y="533096"/>
+            <a:ext cx="974882" cy="369332"/>
+          </a:xfrm>
+          <a:prstGeom prst="rect">
+            <a:avLst/>
+          </a:prstGeom>
+          <a:noFill/>
+        </p:spPr>
+        <p:txBody>
+          <a:bodyPr wrap="none" rtlCol="0">
+            <a:spAutoFit/>
+          </a:bodyPr>
+          <a:lstStyle/>
+          <a:p>
+            <a:pPr algn="ctr"/>
+            <a:r>
+              <a:rPr lang="en-US" dirty="0"/>
+              <a:t>AC 230V</a:t>
+            </a:r>
           </a:p>
         </p:txBody>
       </p:sp>
       <p:cxnSp>
         <p:nvCxnSpPr>
-          <p:cNvPr id="5" name="Straight Arrow Connector 4">
-            <a:extLst>
-              <a:ext uri="{FF2B5EF4-FFF2-40B4-BE49-F238E27FC236}">
-                <a16:creationId xmlns:a16="http://schemas.microsoft.com/office/drawing/2014/main" id="{1F386535-0F28-400D-855D-61CFB8B1F68B}"/>
+          <p:cNvPr id="57" name="Straight Arrow Connector 56">
+            <a:extLst>
+              <a:ext uri="{FF2B5EF4-FFF2-40B4-BE49-F238E27FC236}">
+                <a16:creationId xmlns:a16="http://schemas.microsoft.com/office/drawing/2014/main" id="{66234753-6FF0-41E7-BA34-E1084AB36926}"/>
               </a:ext>
             </a:extLst>
           </p:cNvPr>
           <p:cNvCxnSpPr>
             <a:cxnSpLocks/>
-            <a:stCxn id="3" idx="3"/>
-            <a:endCxn id="23" idx="1"/>
           </p:cNvCxnSpPr>
           <p:nvPr/>
         </p:nvCxnSpPr>
         <p:spPr>
-          <a:xfrm flipV="1">
-            <a:off x="10021501" y="3651990"/>
-            <a:ext cx="606524" cy="1"/>
+          <a:xfrm>
+            <a:off x="987259" y="717762"/>
+            <a:ext cx="713912" cy="0"/>
           </a:xfrm>
           <a:prstGeom prst="straightConnector1">
             <a:avLst/>
@@ -2941,29 +4342,28 @@
       </p:cxnSp>
       <p:cxnSp>
         <p:nvCxnSpPr>
-          <p:cNvPr id="6" name="Straight Arrow Connector 5">
-            <a:extLst>
-              <a:ext uri="{FF2B5EF4-FFF2-40B4-BE49-F238E27FC236}">
-                <a16:creationId xmlns:a16="http://schemas.microsoft.com/office/drawing/2014/main" id="{88862B3D-9C68-456E-9C43-841D7C8106FB}"/>
+          <p:cNvPr id="250" name="Straight Arrow Connector 249">
+            <a:extLst>
+              <a:ext uri="{FF2B5EF4-FFF2-40B4-BE49-F238E27FC236}">
+                <a16:creationId xmlns:a16="http://schemas.microsoft.com/office/drawing/2014/main" id="{A203D7EF-04CA-4FDB-9ABE-F974DB80A422}"/>
               </a:ext>
             </a:extLst>
           </p:cNvPr>
           <p:cNvCxnSpPr>
             <a:cxnSpLocks/>
-            <a:stCxn id="33" idx="3"/>
-            <a:endCxn id="3" idx="1"/>
+            <a:endCxn id="275" idx="1"/>
           </p:cNvCxnSpPr>
           <p:nvPr/>
         </p:nvCxnSpPr>
         <p:spPr>
-          <a:xfrm>
-            <a:off x="1432957" y="3651990"/>
-            <a:ext cx="717576" cy="1"/>
+          <a:xfrm flipV="1">
+            <a:off x="8987171" y="707813"/>
+            <a:ext cx="389779" cy="1"/>
           </a:xfrm>
           <a:prstGeom prst="straightConnector1">
             <a:avLst/>
           </a:prstGeom>
-          <a:ln w="57150">
+          <a:ln w="38100">
             <a:solidFill>
               <a:schemeClr val="tx1"/>
             </a:solidFill>
@@ -2987,10 +4387,10 @@
       </p:cxnSp>
       <p:sp>
         <p:nvSpPr>
-          <p:cNvPr id="23" name="TextBox 22">
-            <a:extLst>
-              <a:ext uri="{FF2B5EF4-FFF2-40B4-BE49-F238E27FC236}">
-                <a16:creationId xmlns:a16="http://schemas.microsoft.com/office/drawing/2014/main" id="{32017E8C-818E-4B47-A03F-D192FB07EE1B}"/>
+          <p:cNvPr id="275" name="TextBox 274">
+            <a:extLst>
+              <a:ext uri="{FF2B5EF4-FFF2-40B4-BE49-F238E27FC236}">
+                <a16:creationId xmlns:a16="http://schemas.microsoft.com/office/drawing/2014/main" id="{775B6F79-D287-41C3-93CD-F0D1DA0A13FF}"/>
               </a:ext>
             </a:extLst>
           </p:cNvPr>
@@ -2999,8 +4399,8 @@
         </p:nvSpPr>
         <p:spPr>
           <a:xfrm>
-            <a:off x="10628025" y="3328824"/>
-            <a:ext cx="1430135" cy="646331"/>
+            <a:off x="9376950" y="523147"/>
+            <a:ext cx="548547" cy="369332"/>
           </a:xfrm>
           <a:prstGeom prst="rect">
             <a:avLst/>
@@ -3016,67 +4416,62 @@
             <a:pPr algn="ctr"/>
             <a:r>
               <a:rPr lang="en-US" dirty="0"/>
-              <a:t>To Cryogenic</a:t>
-            </a:r>
-          </a:p>
-          <a:p>
-            <a:pPr algn="ctr"/>
-            <a:r>
-              <a:rPr lang="en-US" dirty="0"/>
-              <a:t>Control Valve</a:t>
-            </a:r>
-          </a:p>
-        </p:txBody>
-      </p:sp>
-      <p:sp>
-        <p:nvSpPr>
-          <p:cNvPr id="33" name="TextBox 32">
-            <a:extLst>
-              <a:ext uri="{FF2B5EF4-FFF2-40B4-BE49-F238E27FC236}">
-                <a16:creationId xmlns:a16="http://schemas.microsoft.com/office/drawing/2014/main" id="{59E1DADF-AC45-4717-A358-E814E5274A90}"/>
-              </a:ext>
-            </a:extLst>
-          </p:cNvPr>
-          <p:cNvSpPr txBox="1"/>
-          <p:nvPr/>
-        </p:nvSpPr>
-        <p:spPr>
-          <a:xfrm>
-            <a:off x="193707" y="3328824"/>
-            <a:ext cx="1239250" cy="646331"/>
-          </a:xfrm>
-          <a:prstGeom prst="rect">
-            <a:avLst/>
-          </a:prstGeom>
-          <a:noFill/>
-        </p:spPr>
-        <p:txBody>
-          <a:bodyPr wrap="none" rtlCol="0">
-            <a:spAutoFit/>
-          </a:bodyPr>
-          <a:lstStyle/>
-          <a:p>
-            <a:pPr algn="ctr"/>
-            <a:r>
-              <a:rPr lang="en-US" dirty="0"/>
-              <a:t>From Temp</a:t>
-            </a:r>
-          </a:p>
-          <a:p>
-            <a:pPr algn="ctr"/>
-            <a:r>
-              <a:rPr lang="en-US" dirty="0"/>
-              <a:t>Sensor</a:t>
-            </a:r>
-          </a:p>
-        </p:txBody>
-      </p:sp>
-      <p:sp>
-        <p:nvSpPr>
-          <p:cNvPr id="43" name="Rectangle 42">
-            <a:extLst>
-              <a:ext uri="{FF2B5EF4-FFF2-40B4-BE49-F238E27FC236}">
-                <a16:creationId xmlns:a16="http://schemas.microsoft.com/office/drawing/2014/main" id="{29DA936E-A220-497F-994E-A285B5B220CA}"/>
+              <a:t>+5V</a:t>
+            </a:r>
+          </a:p>
+        </p:txBody>
+      </p:sp>
+      <p:cxnSp>
+        <p:nvCxnSpPr>
+          <p:cNvPr id="335" name="Straight Arrow Connector 334">
+            <a:extLst>
+              <a:ext uri="{FF2B5EF4-FFF2-40B4-BE49-F238E27FC236}">
+                <a16:creationId xmlns:a16="http://schemas.microsoft.com/office/drawing/2014/main" id="{A0B8ABB7-0DA2-436C-B747-531BD65733CD}"/>
+              </a:ext>
+            </a:extLst>
+          </p:cNvPr>
+          <p:cNvCxnSpPr>
+            <a:cxnSpLocks/>
+            <a:endCxn id="79" idx="1"/>
+          </p:cNvCxnSpPr>
+          <p:nvPr/>
+        </p:nvCxnSpPr>
+        <p:spPr>
+          <a:xfrm>
+            <a:off x="3170798" y="709345"/>
+            <a:ext cx="403535" cy="0"/>
+          </a:xfrm>
+          <a:prstGeom prst="straightConnector1">
+            <a:avLst/>
+          </a:prstGeom>
+          <a:ln w="38100">
+            <a:solidFill>
+              <a:schemeClr val="tx1"/>
+            </a:solidFill>
+            <a:tailEnd type="triangle"/>
+          </a:ln>
+        </p:spPr>
+        <p:style>
+          <a:lnRef idx="1">
+            <a:schemeClr val="accent1"/>
+          </a:lnRef>
+          <a:fillRef idx="0">
+            <a:schemeClr val="accent1"/>
+          </a:fillRef>
+          <a:effectRef idx="0">
+            <a:schemeClr val="accent1"/>
+          </a:effectRef>
+          <a:fontRef idx="minor">
+            <a:schemeClr val="tx1"/>
+          </a:fontRef>
+        </p:style>
+      </p:cxnSp>
+      <p:sp>
+        <p:nvSpPr>
+          <p:cNvPr id="36" name="Rectangle 35">
+            <a:extLst>
+              <a:ext uri="{FF2B5EF4-FFF2-40B4-BE49-F238E27FC236}">
+                <a16:creationId xmlns:a16="http://schemas.microsoft.com/office/drawing/2014/main" id="{4E5657A7-C34E-4BEB-B30C-16C9CB7AA984}"/>
               </a:ext>
             </a:extLst>
           </p:cNvPr>
@@ -3085,8 +4480,8 @@
         </p:nvSpPr>
         <p:spPr>
           <a:xfrm>
-            <a:off x="3263552" y="3235898"/>
-            <a:ext cx="1213046" cy="832186"/>
+            <a:off x="1701171" y="360793"/>
+            <a:ext cx="1461325" cy="713937"/>
           </a:xfrm>
           <a:prstGeom prst="rect">
             <a:avLst/>
@@ -3125,7 +4520,7 @@
                   <a:schemeClr val="tx1"/>
                 </a:solidFill>
               </a:rPr>
-              <a:t>Max485</a:t>
+              <a:t>AC-DC</a:t>
             </a:r>
           </a:p>
           <a:p>
@@ -3136,22 +4531,97 @@
                   <a:schemeClr val="tx1"/>
                 </a:solidFill>
               </a:rPr>
-              <a:t>Module</a:t>
-            </a:r>
-            <a:endParaRPr lang="en-SG" b="1" dirty="0">
-              <a:solidFill>
-                <a:schemeClr val="tx1"/>
-              </a:solidFill>
-            </a:endParaRPr>
-          </a:p>
-        </p:txBody>
-      </p:sp>
-      <p:sp>
-        <p:nvSpPr>
-          <p:cNvPr id="44" name="Rectangle 43">
-            <a:extLst>
-              <a:ext uri="{FF2B5EF4-FFF2-40B4-BE49-F238E27FC236}">
-                <a16:creationId xmlns:a16="http://schemas.microsoft.com/office/drawing/2014/main" id="{F21C0551-3D56-4A70-A5DD-57100B576499}"/>
+              <a:t>Converter</a:t>
+            </a:r>
+          </a:p>
+        </p:txBody>
+      </p:sp>
+      <p:sp>
+        <p:nvSpPr>
+          <p:cNvPr id="79" name="TextBox 78">
+            <a:extLst>
+              <a:ext uri="{FF2B5EF4-FFF2-40B4-BE49-F238E27FC236}">
+                <a16:creationId xmlns:a16="http://schemas.microsoft.com/office/drawing/2014/main" id="{90EB199C-1C46-4C18-A980-17B586B8B71C}"/>
+              </a:ext>
+            </a:extLst>
+          </p:cNvPr>
+          <p:cNvSpPr txBox="1"/>
+          <p:nvPr/>
+        </p:nvSpPr>
+        <p:spPr>
+          <a:xfrm>
+            <a:off x="3574333" y="524679"/>
+            <a:ext cx="665567" cy="369332"/>
+          </a:xfrm>
+          <a:prstGeom prst="rect">
+            <a:avLst/>
+          </a:prstGeom>
+          <a:noFill/>
+        </p:spPr>
+        <p:txBody>
+          <a:bodyPr wrap="none" rtlCol="0">
+            <a:spAutoFit/>
+          </a:bodyPr>
+          <a:lstStyle/>
+          <a:p>
+            <a:pPr algn="ctr"/>
+            <a:r>
+              <a:rPr lang="en-US" dirty="0"/>
+              <a:t>+24V</a:t>
+            </a:r>
+          </a:p>
+        </p:txBody>
+      </p:sp>
+      <p:cxnSp>
+        <p:nvCxnSpPr>
+          <p:cNvPr id="51" name="Straight Arrow Connector 50">
+            <a:extLst>
+              <a:ext uri="{FF2B5EF4-FFF2-40B4-BE49-F238E27FC236}">
+                <a16:creationId xmlns:a16="http://schemas.microsoft.com/office/drawing/2014/main" id="{07F04B4E-8A0A-4ACC-8E16-E1FB7495FA0C}"/>
+              </a:ext>
+            </a:extLst>
+          </p:cNvPr>
+          <p:cNvCxnSpPr>
+            <a:cxnSpLocks/>
+          </p:cNvCxnSpPr>
+          <p:nvPr/>
+        </p:nvCxnSpPr>
+        <p:spPr>
+          <a:xfrm>
+            <a:off x="7129938" y="709345"/>
+            <a:ext cx="382180" cy="0"/>
+          </a:xfrm>
+          <a:prstGeom prst="straightConnector1">
+            <a:avLst/>
+          </a:prstGeom>
+          <a:ln w="38100">
+            <a:solidFill>
+              <a:schemeClr val="tx1"/>
+            </a:solidFill>
+            <a:tailEnd type="triangle"/>
+          </a:ln>
+        </p:spPr>
+        <p:style>
+          <a:lnRef idx="1">
+            <a:schemeClr val="accent1"/>
+          </a:lnRef>
+          <a:fillRef idx="0">
+            <a:schemeClr val="accent1"/>
+          </a:fillRef>
+          <a:effectRef idx="0">
+            <a:schemeClr val="accent1"/>
+          </a:effectRef>
+          <a:fontRef idx="minor">
+            <a:schemeClr val="tx1"/>
+          </a:fontRef>
+        </p:style>
+      </p:cxnSp>
+      <p:sp>
+        <p:nvSpPr>
+          <p:cNvPr id="37" name="Rectangle 36">
+            <a:extLst>
+              <a:ext uri="{FF2B5EF4-FFF2-40B4-BE49-F238E27FC236}">
+                <a16:creationId xmlns:a16="http://schemas.microsoft.com/office/drawing/2014/main" id="{9E78489F-4ACE-449C-8AE4-43ECD219CE5F}"/>
               </a:ext>
             </a:extLst>
           </p:cNvPr>
@@ -3160,8 +4630,8 @@
         </p:nvSpPr>
         <p:spPr>
           <a:xfrm>
-            <a:off x="5182748" y="3003677"/>
-            <a:ext cx="1993303" cy="1296625"/>
+            <a:off x="4650323" y="360793"/>
+            <a:ext cx="1461325" cy="713937"/>
           </a:xfrm>
           <a:prstGeom prst="rect">
             <a:avLst/>
@@ -3200,17 +4670,72 @@
                   <a:schemeClr val="tx1"/>
                 </a:solidFill>
               </a:rPr>
-              <a:t>Microcontroller</a:t>
-            </a:r>
-          </a:p>
-        </p:txBody>
-      </p:sp>
-      <p:sp>
-        <p:nvSpPr>
-          <p:cNvPr id="56" name="TextBox 55">
-            <a:extLst>
-              <a:ext uri="{FF2B5EF4-FFF2-40B4-BE49-F238E27FC236}">
-                <a16:creationId xmlns:a16="http://schemas.microsoft.com/office/drawing/2014/main" id="{A454C488-884A-4E07-B39D-CE311502E96E}"/>
+              <a:t>DC-DC</a:t>
+            </a:r>
+          </a:p>
+          <a:p>
+            <a:pPr algn="ctr"/>
+            <a:r>
+              <a:rPr lang="en-US" b="1" dirty="0">
+                <a:solidFill>
+                  <a:schemeClr val="tx1"/>
+                </a:solidFill>
+              </a:rPr>
+              <a:t>Converter</a:t>
+            </a:r>
+          </a:p>
+        </p:txBody>
+      </p:sp>
+      <p:cxnSp>
+        <p:nvCxnSpPr>
+          <p:cNvPr id="38" name="Straight Arrow Connector 37">
+            <a:extLst>
+              <a:ext uri="{FF2B5EF4-FFF2-40B4-BE49-F238E27FC236}">
+                <a16:creationId xmlns:a16="http://schemas.microsoft.com/office/drawing/2014/main" id="{D867A68A-354F-439F-B4F4-1F9944846B8B}"/>
+              </a:ext>
+            </a:extLst>
+          </p:cNvPr>
+          <p:cNvCxnSpPr>
+            <a:cxnSpLocks/>
+          </p:cNvCxnSpPr>
+          <p:nvPr/>
+        </p:nvCxnSpPr>
+        <p:spPr>
+          <a:xfrm>
+            <a:off x="4234014" y="709345"/>
+            <a:ext cx="403535" cy="0"/>
+          </a:xfrm>
+          <a:prstGeom prst="straightConnector1">
+            <a:avLst/>
+          </a:prstGeom>
+          <a:ln w="38100">
+            <a:solidFill>
+              <a:schemeClr val="tx1"/>
+            </a:solidFill>
+            <a:tailEnd type="triangle"/>
+          </a:ln>
+        </p:spPr>
+        <p:style>
+          <a:lnRef idx="1">
+            <a:schemeClr val="accent1"/>
+          </a:lnRef>
+          <a:fillRef idx="0">
+            <a:schemeClr val="accent1"/>
+          </a:fillRef>
+          <a:effectRef idx="0">
+            <a:schemeClr val="accent1"/>
+          </a:effectRef>
+          <a:fontRef idx="minor">
+            <a:schemeClr val="tx1"/>
+          </a:fontRef>
+        </p:style>
+      </p:cxnSp>
+      <p:sp>
+        <p:nvSpPr>
+          <p:cNvPr id="39" name="TextBox 38">
+            <a:extLst>
+              <a:ext uri="{FF2B5EF4-FFF2-40B4-BE49-F238E27FC236}">
+                <a16:creationId xmlns:a16="http://schemas.microsoft.com/office/drawing/2014/main" id="{807E1ED7-9074-472F-A950-8FD0F00132D0}"/>
               </a:ext>
             </a:extLst>
           </p:cNvPr>
@@ -3219,8 +4744,8 @@
         </p:nvSpPr>
         <p:spPr>
           <a:xfrm>
-            <a:off x="468375" y="1832288"/>
-            <a:ext cx="974882" cy="369332"/>
+            <a:off x="6514278" y="524679"/>
+            <a:ext cx="665568" cy="369332"/>
           </a:xfrm>
           <a:prstGeom prst="rect">
             <a:avLst/>
@@ -3236,35 +4761,224 @@
             <a:pPr algn="ctr"/>
             <a:r>
               <a:rPr lang="en-US" dirty="0"/>
-              <a:t>AC 230V</a:t>
+              <a:t>+12V</a:t>
             </a:r>
           </a:p>
         </p:txBody>
       </p:sp>
       <p:cxnSp>
         <p:nvCxnSpPr>
-          <p:cNvPr id="57" name="Straight Arrow Connector 56">
-            <a:extLst>
-              <a:ext uri="{FF2B5EF4-FFF2-40B4-BE49-F238E27FC236}">
-                <a16:creationId xmlns:a16="http://schemas.microsoft.com/office/drawing/2014/main" id="{66234753-6FF0-41E7-BA34-E1084AB36926}"/>
+          <p:cNvPr id="40" name="Straight Arrow Connector 39">
+            <a:extLst>
+              <a:ext uri="{FF2B5EF4-FFF2-40B4-BE49-F238E27FC236}">
+                <a16:creationId xmlns:a16="http://schemas.microsoft.com/office/drawing/2014/main" id="{3E9F741C-40D1-4A81-B446-DF1645019AAA}"/>
               </a:ext>
             </a:extLst>
           </p:cNvPr>
           <p:cNvCxnSpPr>
             <a:cxnSpLocks/>
-            <a:stCxn id="56" idx="3"/>
+            <a:endCxn id="39" idx="1"/>
           </p:cNvCxnSpPr>
           <p:nvPr/>
         </p:nvCxnSpPr>
         <p:spPr>
           <a:xfrm>
-            <a:off x="1443257" y="2016954"/>
-            <a:ext cx="713912" cy="0"/>
+            <a:off x="6132098" y="709345"/>
+            <a:ext cx="382180" cy="0"/>
           </a:xfrm>
           <a:prstGeom prst="straightConnector1">
             <a:avLst/>
           </a:prstGeom>
-          <a:ln w="57150">
+          <a:ln w="38100">
+            <a:solidFill>
+              <a:schemeClr val="tx1"/>
+            </a:solidFill>
+            <a:tailEnd type="triangle"/>
+          </a:ln>
+        </p:spPr>
+        <p:style>
+          <a:lnRef idx="1">
+            <a:schemeClr val="accent1"/>
+          </a:lnRef>
+          <a:fillRef idx="0">
+            <a:schemeClr val="accent1"/>
+          </a:fillRef>
+          <a:effectRef idx="0">
+            <a:schemeClr val="accent1"/>
+          </a:effectRef>
+          <a:fontRef idx="minor">
+            <a:schemeClr val="tx1"/>
+          </a:fontRef>
+        </p:style>
+      </p:cxnSp>
+      <p:sp>
+        <p:nvSpPr>
+          <p:cNvPr id="41" name="Rectangle 40">
+            <a:extLst>
+              <a:ext uri="{FF2B5EF4-FFF2-40B4-BE49-F238E27FC236}">
+                <a16:creationId xmlns:a16="http://schemas.microsoft.com/office/drawing/2014/main" id="{DF77EDA3-EB6B-4BAE-8D2F-A389897794F7}"/>
+              </a:ext>
+            </a:extLst>
+          </p:cNvPr>
+          <p:cNvSpPr/>
+          <p:nvPr/>
+        </p:nvSpPr>
+        <p:spPr>
+          <a:xfrm>
+            <a:off x="7512118" y="356654"/>
+            <a:ext cx="1461325" cy="713937"/>
+          </a:xfrm>
+          <a:prstGeom prst="rect">
+            <a:avLst/>
+          </a:prstGeom>
+          <a:noFill/>
+          <a:ln w="38100">
+            <a:solidFill>
+              <a:schemeClr val="tx1"/>
+            </a:solidFill>
+          </a:ln>
+        </p:spPr>
+        <p:style>
+          <a:lnRef idx="2">
+            <a:schemeClr val="accent1">
+              <a:shade val="50000"/>
+            </a:schemeClr>
+          </a:lnRef>
+          <a:fillRef idx="1">
+            <a:schemeClr val="accent1"/>
+          </a:fillRef>
+          <a:effectRef idx="0">
+            <a:schemeClr val="accent1"/>
+          </a:effectRef>
+          <a:fontRef idx="minor">
+            <a:schemeClr val="lt1"/>
+          </a:fontRef>
+        </p:style>
+        <p:txBody>
+          <a:bodyPr rtlCol="0" anchor="ctr"/>
+          <a:lstStyle/>
+          <a:p>
+            <a:pPr algn="ctr"/>
+            <a:r>
+              <a:rPr lang="en-US" b="1" dirty="0">
+                <a:solidFill>
+                  <a:schemeClr val="tx1"/>
+                </a:solidFill>
+              </a:rPr>
+              <a:t>DC-DC</a:t>
+            </a:r>
+          </a:p>
+          <a:p>
+            <a:pPr algn="ctr"/>
+            <a:r>
+              <a:rPr lang="en-US" b="1" dirty="0">
+                <a:solidFill>
+                  <a:schemeClr val="tx1"/>
+                </a:solidFill>
+              </a:rPr>
+              <a:t>Converter</a:t>
+            </a:r>
+          </a:p>
+        </p:txBody>
+      </p:sp>
+      <p:sp>
+        <p:nvSpPr>
+          <p:cNvPr id="48" name="Rectangle 47">
+            <a:extLst>
+              <a:ext uri="{FF2B5EF4-FFF2-40B4-BE49-F238E27FC236}">
+                <a16:creationId xmlns:a16="http://schemas.microsoft.com/office/drawing/2014/main" id="{0F9C6AE6-7C4B-41BC-ADC4-0A5EE799925C}"/>
+              </a:ext>
+            </a:extLst>
+          </p:cNvPr>
+          <p:cNvSpPr/>
+          <p:nvPr/>
+        </p:nvSpPr>
+        <p:spPr>
+          <a:xfrm>
+            <a:off x="6393790" y="1579457"/>
+            <a:ext cx="1817552" cy="1163373"/>
+          </a:xfrm>
+          <a:prstGeom prst="rect">
+            <a:avLst/>
+          </a:prstGeom>
+          <a:noFill/>
+          <a:ln w="38100">
+            <a:solidFill>
+              <a:schemeClr val="tx1"/>
+            </a:solidFill>
+          </a:ln>
+        </p:spPr>
+        <p:style>
+          <a:lnRef idx="2">
+            <a:schemeClr val="accent1">
+              <a:shade val="50000"/>
+            </a:schemeClr>
+          </a:lnRef>
+          <a:fillRef idx="1">
+            <a:schemeClr val="accent1"/>
+          </a:fillRef>
+          <a:effectRef idx="0">
+            <a:schemeClr val="accent1"/>
+          </a:effectRef>
+          <a:fontRef idx="minor">
+            <a:schemeClr val="lt1"/>
+          </a:fontRef>
+        </p:style>
+        <p:txBody>
+          <a:bodyPr rtlCol="0" anchor="ctr"/>
+          <a:lstStyle/>
+          <a:p>
+            <a:pPr algn="ctr"/>
+            <a:r>
+              <a:rPr lang="en-US" b="1" dirty="0">
+                <a:solidFill>
+                  <a:schemeClr val="tx1"/>
+                </a:solidFill>
+              </a:rPr>
+              <a:t>Max485</a:t>
+            </a:r>
+          </a:p>
+          <a:p>
+            <a:pPr algn="ctr"/>
+            <a:r>
+              <a:rPr lang="en-US" b="1" dirty="0">
+                <a:solidFill>
+                  <a:schemeClr val="tx1"/>
+                </a:solidFill>
+              </a:rPr>
+              <a:t>Module</a:t>
+            </a:r>
+            <a:endParaRPr lang="en-SG" b="1" dirty="0">
+              <a:solidFill>
+                <a:schemeClr val="tx1"/>
+              </a:solidFill>
+            </a:endParaRPr>
+          </a:p>
+        </p:txBody>
+      </p:sp>
+      <p:cxnSp>
+        <p:nvCxnSpPr>
+          <p:cNvPr id="49" name="Straight Arrow Connector 48">
+            <a:extLst>
+              <a:ext uri="{FF2B5EF4-FFF2-40B4-BE49-F238E27FC236}">
+                <a16:creationId xmlns:a16="http://schemas.microsoft.com/office/drawing/2014/main" id="{0C8AC4F7-97BC-4D7C-94FA-3C449272F556}"/>
+              </a:ext>
+            </a:extLst>
+          </p:cNvPr>
+          <p:cNvCxnSpPr>
+            <a:cxnSpLocks/>
+          </p:cNvCxnSpPr>
+          <p:nvPr/>
+        </p:nvCxnSpPr>
+        <p:spPr>
+          <a:xfrm>
+            <a:off x="5620428" y="1745301"/>
+            <a:ext cx="773362" cy="0"/>
+          </a:xfrm>
+          <a:prstGeom prst="straightConnector1">
+            <a:avLst/>
+          </a:prstGeom>
+          <a:ln w="38100">
             <a:solidFill>
               <a:schemeClr val="tx1"/>
             </a:solidFill>
@@ -3288,130 +5002,22 @@
       </p:cxnSp>
       <p:cxnSp>
         <p:nvCxnSpPr>
-          <p:cNvPr id="130" name="Straight Arrow Connector 129">
-            <a:extLst>
-              <a:ext uri="{FF2B5EF4-FFF2-40B4-BE49-F238E27FC236}">
-                <a16:creationId xmlns:a16="http://schemas.microsoft.com/office/drawing/2014/main" id="{BE5BB65B-4283-4C26-9122-9DFE3C434D3C}"/>
+          <p:cNvPr id="52" name="Straight Arrow Connector 51">
+            <a:extLst>
+              <a:ext uri="{FF2B5EF4-FFF2-40B4-BE49-F238E27FC236}">
+                <a16:creationId xmlns:a16="http://schemas.microsoft.com/office/drawing/2014/main" id="{2FA689F2-0E94-4DA6-BC58-43F77D592341}"/>
               </a:ext>
             </a:extLst>
           </p:cNvPr>
           <p:cNvCxnSpPr>
             <a:cxnSpLocks/>
-            <a:stCxn id="43" idx="3"/>
-            <a:endCxn id="44" idx="1"/>
           </p:cNvCxnSpPr>
           <p:nvPr/>
         </p:nvCxnSpPr>
         <p:spPr>
-          <a:xfrm flipV="1">
-            <a:off x="4476598" y="3651990"/>
-            <a:ext cx="706150" cy="1"/>
-          </a:xfrm>
-          <a:prstGeom prst="straightConnector1">
-            <a:avLst/>
-          </a:prstGeom>
-          <a:ln w="38100">
-            <a:solidFill>
-              <a:schemeClr val="tx1"/>
-            </a:solidFill>
-            <a:headEnd type="triangle"/>
-            <a:tailEnd type="triangle"/>
-          </a:ln>
-        </p:spPr>
-        <p:style>
-          <a:lnRef idx="1">
-            <a:schemeClr val="accent1"/>
-          </a:lnRef>
-          <a:fillRef idx="0">
-            <a:schemeClr val="accent1"/>
-          </a:fillRef>
-          <a:effectRef idx="0">
-            <a:schemeClr val="accent1"/>
-          </a:effectRef>
-          <a:fontRef idx="minor">
-            <a:schemeClr val="tx1"/>
-          </a:fontRef>
-        </p:style>
-      </p:cxnSp>
-      <p:sp>
-        <p:nvSpPr>
-          <p:cNvPr id="137" name="Rectangle 136">
-            <a:extLst>
-              <a:ext uri="{FF2B5EF4-FFF2-40B4-BE49-F238E27FC236}">
-                <a16:creationId xmlns:a16="http://schemas.microsoft.com/office/drawing/2014/main" id="{C9EF6337-ED00-4BB2-AFF8-2ED317461113}"/>
-              </a:ext>
-            </a:extLst>
-          </p:cNvPr>
-          <p:cNvSpPr/>
-          <p:nvPr/>
-        </p:nvSpPr>
-        <p:spPr>
-          <a:xfrm>
-            <a:off x="7984845" y="3235896"/>
-            <a:ext cx="1181440" cy="832187"/>
-          </a:xfrm>
-          <a:prstGeom prst="rect">
-            <a:avLst/>
-          </a:prstGeom>
-          <a:noFill/>
-          <a:ln w="38100">
-            <a:solidFill>
-              <a:schemeClr val="tx1"/>
-            </a:solidFill>
-          </a:ln>
-        </p:spPr>
-        <p:style>
-          <a:lnRef idx="2">
-            <a:schemeClr val="accent1">
-              <a:shade val="50000"/>
-            </a:schemeClr>
-          </a:lnRef>
-          <a:fillRef idx="1">
-            <a:schemeClr val="accent1"/>
-          </a:fillRef>
-          <a:effectRef idx="0">
-            <a:schemeClr val="accent1"/>
-          </a:effectRef>
-          <a:fontRef idx="minor">
-            <a:schemeClr val="lt1"/>
-          </a:fontRef>
-        </p:style>
-        <p:txBody>
-          <a:bodyPr rtlCol="0" anchor="ctr"/>
-          <a:lstStyle/>
-          <a:p>
-            <a:pPr algn="ctr"/>
-            <a:r>
-              <a:rPr lang="en-US" b="1" dirty="0">
-                <a:solidFill>
-                  <a:schemeClr val="tx1"/>
-                </a:solidFill>
-              </a:rPr>
-              <a:t>Relay Module</a:t>
-            </a:r>
-          </a:p>
-        </p:txBody>
-      </p:sp>
-      <p:cxnSp>
-        <p:nvCxnSpPr>
-          <p:cNvPr id="161" name="Straight Arrow Connector 160">
-            <a:extLst>
-              <a:ext uri="{FF2B5EF4-FFF2-40B4-BE49-F238E27FC236}">
-                <a16:creationId xmlns:a16="http://schemas.microsoft.com/office/drawing/2014/main" id="{2722073A-42FF-49CE-99C4-EF988FA1DFF9}"/>
-              </a:ext>
-            </a:extLst>
-          </p:cNvPr>
-          <p:cNvCxnSpPr>
-            <a:cxnSpLocks/>
-            <a:stCxn id="44" idx="3"/>
-            <a:endCxn id="137" idx="1"/>
-          </p:cNvCxnSpPr>
-          <p:nvPr/>
-        </p:nvCxnSpPr>
-        <p:spPr>
-          <a:xfrm>
-            <a:off x="7176051" y="3651990"/>
-            <a:ext cx="808794" cy="0"/>
+          <a:xfrm flipH="1">
+            <a:off x="5620428" y="2565036"/>
+            <a:ext cx="773362" cy="0"/>
           </a:xfrm>
           <a:prstGeom prst="straightConnector1">
             <a:avLst/>
@@ -3440,24 +5046,22 @@
       </p:cxnSp>
       <p:cxnSp>
         <p:nvCxnSpPr>
-          <p:cNvPr id="200" name="Straight Arrow Connector 199">
-            <a:extLst>
-              <a:ext uri="{FF2B5EF4-FFF2-40B4-BE49-F238E27FC236}">
-                <a16:creationId xmlns:a16="http://schemas.microsoft.com/office/drawing/2014/main" id="{9426D559-A8DA-4F6C-9AFC-00F4F3BC786A}"/>
+          <p:cNvPr id="55" name="Straight Arrow Connector 54">
+            <a:extLst>
+              <a:ext uri="{FF2B5EF4-FFF2-40B4-BE49-F238E27FC236}">
+                <a16:creationId xmlns:a16="http://schemas.microsoft.com/office/drawing/2014/main" id="{66C62CB9-7BC8-4E14-AE57-60A8D511E2BF}"/>
               </a:ext>
             </a:extLst>
           </p:cNvPr>
           <p:cNvCxnSpPr>
             <a:cxnSpLocks/>
-            <a:stCxn id="137" idx="3"/>
-            <a:endCxn id="3" idx="3"/>
           </p:cNvCxnSpPr>
           <p:nvPr/>
         </p:nvCxnSpPr>
         <p:spPr>
-          <a:xfrm>
-            <a:off x="9166285" y="3651990"/>
-            <a:ext cx="855216" cy="1"/>
+          <a:xfrm flipH="1">
+            <a:off x="5620428" y="2018546"/>
+            <a:ext cx="773362" cy="0"/>
           </a:xfrm>
           <a:prstGeom prst="straightConnector1">
             <a:avLst/>
@@ -3486,24 +5090,22 @@
       </p:cxnSp>
       <p:cxnSp>
         <p:nvCxnSpPr>
-          <p:cNvPr id="203" name="Straight Arrow Connector 202">
-            <a:extLst>
-              <a:ext uri="{FF2B5EF4-FFF2-40B4-BE49-F238E27FC236}">
-                <a16:creationId xmlns:a16="http://schemas.microsoft.com/office/drawing/2014/main" id="{CF7B81A0-AA8D-4B51-AEF8-BCEF9FBD6DDB}"/>
+          <p:cNvPr id="58" name="Straight Arrow Connector 57">
+            <a:extLst>
+              <a:ext uri="{FF2B5EF4-FFF2-40B4-BE49-F238E27FC236}">
+                <a16:creationId xmlns:a16="http://schemas.microsoft.com/office/drawing/2014/main" id="{D32B3EF8-5273-41F3-8B72-CAEE78F8F720}"/>
               </a:ext>
             </a:extLst>
           </p:cNvPr>
           <p:cNvCxnSpPr>
             <a:cxnSpLocks/>
-            <a:stCxn id="3" idx="1"/>
-            <a:endCxn id="43" idx="1"/>
           </p:cNvCxnSpPr>
           <p:nvPr/>
         </p:nvCxnSpPr>
         <p:spPr>
-          <a:xfrm>
-            <a:off x="2150533" y="3651991"/>
-            <a:ext cx="1113019" cy="0"/>
+          <a:xfrm flipH="1">
+            <a:off x="5620428" y="2291791"/>
+            <a:ext cx="773362" cy="0"/>
           </a:xfrm>
           <a:prstGeom prst="straightConnector1">
             <a:avLst/>
@@ -3532,10 +5134,290 @@
       </p:cxnSp>
       <p:sp>
         <p:nvSpPr>
-          <p:cNvPr id="236" name="Rectangle 235">
-            <a:extLst>
-              <a:ext uri="{FF2B5EF4-FFF2-40B4-BE49-F238E27FC236}">
-                <a16:creationId xmlns:a16="http://schemas.microsoft.com/office/drawing/2014/main" id="{174F469D-E416-4CE2-AE11-493EC2BDA837}"/>
+          <p:cNvPr id="16" name="TextBox 15">
+            <a:extLst>
+              <a:ext uri="{FF2B5EF4-FFF2-40B4-BE49-F238E27FC236}">
+                <a16:creationId xmlns:a16="http://schemas.microsoft.com/office/drawing/2014/main" id="{39F93C44-5F59-4779-BCF7-EF6FEEF7F991}"/>
+              </a:ext>
+            </a:extLst>
+          </p:cNvPr>
+          <p:cNvSpPr txBox="1"/>
+          <p:nvPr/>
+        </p:nvSpPr>
+        <p:spPr>
+          <a:xfrm>
+            <a:off x="6379298" y="1842995"/>
+            <a:ext cx="412292" cy="338554"/>
+          </a:xfrm>
+          <a:prstGeom prst="rect">
+            <a:avLst/>
+          </a:prstGeom>
+          <a:noFill/>
+        </p:spPr>
+        <p:txBody>
+          <a:bodyPr wrap="none" rtlCol="0">
+            <a:spAutoFit/>
+          </a:bodyPr>
+          <a:lstStyle/>
+          <a:p>
+            <a:r>
+              <a:rPr lang="en-SG" sz="1600" dirty="0"/>
+              <a:t>DE</a:t>
+            </a:r>
+          </a:p>
+        </p:txBody>
+      </p:sp>
+      <p:sp>
+        <p:nvSpPr>
+          <p:cNvPr id="60" name="TextBox 59">
+            <a:extLst>
+              <a:ext uri="{FF2B5EF4-FFF2-40B4-BE49-F238E27FC236}">
+                <a16:creationId xmlns:a16="http://schemas.microsoft.com/office/drawing/2014/main" id="{80065169-47CB-48AD-B712-BD5BCF16D259}"/>
+              </a:ext>
+            </a:extLst>
+          </p:cNvPr>
+          <p:cNvSpPr txBox="1"/>
+          <p:nvPr/>
+        </p:nvSpPr>
+        <p:spPr>
+          <a:xfrm>
+            <a:off x="6379298" y="2109966"/>
+            <a:ext cx="397866" cy="338554"/>
+          </a:xfrm>
+          <a:prstGeom prst="rect">
+            <a:avLst/>
+          </a:prstGeom>
+          <a:noFill/>
+        </p:spPr>
+        <p:txBody>
+          <a:bodyPr wrap="none" rtlCol="0">
+            <a:spAutoFit/>
+          </a:bodyPr>
+          <a:lstStyle/>
+          <a:p>
+            <a:r>
+              <a:rPr lang="en-SG" sz="1600" dirty="0"/>
+              <a:t>RE</a:t>
+            </a:r>
+          </a:p>
+        </p:txBody>
+      </p:sp>
+      <p:sp>
+        <p:nvSpPr>
+          <p:cNvPr id="61" name="TextBox 60">
+            <a:extLst>
+              <a:ext uri="{FF2B5EF4-FFF2-40B4-BE49-F238E27FC236}">
+                <a16:creationId xmlns:a16="http://schemas.microsoft.com/office/drawing/2014/main" id="{9EFB7928-9EDA-4C85-B6E4-A2A4B8F74843}"/>
+              </a:ext>
+            </a:extLst>
+          </p:cNvPr>
+          <p:cNvSpPr txBox="1"/>
+          <p:nvPr/>
+        </p:nvSpPr>
+        <p:spPr>
+          <a:xfrm>
+            <a:off x="6379298" y="2376938"/>
+            <a:ext cx="431144" cy="338554"/>
+          </a:xfrm>
+          <a:prstGeom prst="rect">
+            <a:avLst/>
+          </a:prstGeom>
+          <a:noFill/>
+        </p:spPr>
+        <p:txBody>
+          <a:bodyPr wrap="none" rtlCol="0">
+            <a:spAutoFit/>
+          </a:bodyPr>
+          <a:lstStyle/>
+          <a:p>
+            <a:r>
+              <a:rPr lang="en-SG" sz="1600" dirty="0"/>
+              <a:t>RO</a:t>
+            </a:r>
+          </a:p>
+        </p:txBody>
+      </p:sp>
+      <p:sp>
+        <p:nvSpPr>
+          <p:cNvPr id="62" name="TextBox 61">
+            <a:extLst>
+              <a:ext uri="{FF2B5EF4-FFF2-40B4-BE49-F238E27FC236}">
+                <a16:creationId xmlns:a16="http://schemas.microsoft.com/office/drawing/2014/main" id="{3FA9BE20-D82D-4DA0-9602-359321E68F98}"/>
+              </a:ext>
+            </a:extLst>
+          </p:cNvPr>
+          <p:cNvSpPr txBox="1"/>
+          <p:nvPr/>
+        </p:nvSpPr>
+        <p:spPr>
+          <a:xfrm>
+            <a:off x="6379298" y="1576024"/>
+            <a:ext cx="362600" cy="338554"/>
+          </a:xfrm>
+          <a:prstGeom prst="rect">
+            <a:avLst/>
+          </a:prstGeom>
+          <a:noFill/>
+        </p:spPr>
+        <p:txBody>
+          <a:bodyPr wrap="none" rtlCol="0">
+            <a:spAutoFit/>
+          </a:bodyPr>
+          <a:lstStyle/>
+          <a:p>
+            <a:r>
+              <a:rPr lang="en-SG" sz="1600" dirty="0"/>
+              <a:t>DI</a:t>
+            </a:r>
+          </a:p>
+        </p:txBody>
+      </p:sp>
+      <p:sp>
+        <p:nvSpPr>
+          <p:cNvPr id="64" name="TextBox 63">
+            <a:extLst>
+              <a:ext uri="{FF2B5EF4-FFF2-40B4-BE49-F238E27FC236}">
+                <a16:creationId xmlns:a16="http://schemas.microsoft.com/office/drawing/2014/main" id="{166CA98A-ED71-44BC-B8A5-B02A1EE1D9A2}"/>
+              </a:ext>
+            </a:extLst>
+          </p:cNvPr>
+          <p:cNvSpPr txBox="1"/>
+          <p:nvPr/>
+        </p:nvSpPr>
+        <p:spPr>
+          <a:xfrm>
+            <a:off x="5207637" y="1842995"/>
+            <a:ext cx="288862" cy="338554"/>
+          </a:xfrm>
+          <a:prstGeom prst="rect">
+            <a:avLst/>
+          </a:prstGeom>
+          <a:noFill/>
+        </p:spPr>
+        <p:txBody>
+          <a:bodyPr wrap="none" rtlCol="0">
+            <a:spAutoFit/>
+          </a:bodyPr>
+          <a:lstStyle/>
+          <a:p>
+            <a:r>
+              <a:rPr lang="en-SG" sz="1600" dirty="0"/>
+              <a:t>8</a:t>
+            </a:r>
+          </a:p>
+        </p:txBody>
+      </p:sp>
+      <p:sp>
+        <p:nvSpPr>
+          <p:cNvPr id="65" name="TextBox 64">
+            <a:extLst>
+              <a:ext uri="{FF2B5EF4-FFF2-40B4-BE49-F238E27FC236}">
+                <a16:creationId xmlns:a16="http://schemas.microsoft.com/office/drawing/2014/main" id="{9E00DD7B-E44F-4D9A-931C-4A7165AD7945}"/>
+              </a:ext>
+            </a:extLst>
+          </p:cNvPr>
+          <p:cNvSpPr txBox="1"/>
+          <p:nvPr/>
+        </p:nvSpPr>
+        <p:spPr>
+          <a:xfrm>
+            <a:off x="5207637" y="2109966"/>
+            <a:ext cx="288862" cy="338554"/>
+          </a:xfrm>
+          <a:prstGeom prst="rect">
+            <a:avLst/>
+          </a:prstGeom>
+          <a:noFill/>
+        </p:spPr>
+        <p:txBody>
+          <a:bodyPr wrap="none" rtlCol="0">
+            <a:spAutoFit/>
+          </a:bodyPr>
+          <a:lstStyle/>
+          <a:p>
+            <a:r>
+              <a:rPr lang="en-SG" sz="1600" dirty="0"/>
+              <a:t>8</a:t>
+            </a:r>
+          </a:p>
+        </p:txBody>
+      </p:sp>
+      <p:sp>
+        <p:nvSpPr>
+          <p:cNvPr id="66" name="TextBox 65">
+            <a:extLst>
+              <a:ext uri="{FF2B5EF4-FFF2-40B4-BE49-F238E27FC236}">
+                <a16:creationId xmlns:a16="http://schemas.microsoft.com/office/drawing/2014/main" id="{D2504ECD-61AE-4353-BCEF-A381AC794992}"/>
+              </a:ext>
+            </a:extLst>
+          </p:cNvPr>
+          <p:cNvSpPr txBox="1"/>
+          <p:nvPr/>
+        </p:nvSpPr>
+        <p:spPr>
+          <a:xfrm>
+            <a:off x="5207637" y="2376938"/>
+            <a:ext cx="288862" cy="338554"/>
+          </a:xfrm>
+          <a:prstGeom prst="rect">
+            <a:avLst/>
+          </a:prstGeom>
+          <a:noFill/>
+        </p:spPr>
+        <p:txBody>
+          <a:bodyPr wrap="none" rtlCol="0">
+            <a:spAutoFit/>
+          </a:bodyPr>
+          <a:lstStyle/>
+          <a:p>
+            <a:r>
+              <a:rPr lang="en-SG" sz="1600" dirty="0"/>
+              <a:t>9</a:t>
+            </a:r>
+          </a:p>
+        </p:txBody>
+      </p:sp>
+      <p:sp>
+        <p:nvSpPr>
+          <p:cNvPr id="67" name="TextBox 66">
+            <a:extLst>
+              <a:ext uri="{FF2B5EF4-FFF2-40B4-BE49-F238E27FC236}">
+                <a16:creationId xmlns:a16="http://schemas.microsoft.com/office/drawing/2014/main" id="{77D1A4B0-B0EA-4890-BC95-A4A111070448}"/>
+              </a:ext>
+            </a:extLst>
+          </p:cNvPr>
+          <p:cNvSpPr txBox="1"/>
+          <p:nvPr/>
+        </p:nvSpPr>
+        <p:spPr>
+          <a:xfrm>
+            <a:off x="5207637" y="1576024"/>
+            <a:ext cx="393056" cy="338554"/>
+          </a:xfrm>
+          <a:prstGeom prst="rect">
+            <a:avLst/>
+          </a:prstGeom>
+          <a:noFill/>
+        </p:spPr>
+        <p:txBody>
+          <a:bodyPr wrap="none" rtlCol="0">
+            <a:spAutoFit/>
+          </a:bodyPr>
+          <a:lstStyle/>
+          <a:p>
+            <a:r>
+              <a:rPr lang="en-SG" sz="1600" dirty="0"/>
+              <a:t>10</a:t>
+            </a:r>
+          </a:p>
+        </p:txBody>
+      </p:sp>
+      <p:sp>
+        <p:nvSpPr>
+          <p:cNvPr id="69" name="Rectangle 68">
+            <a:extLst>
+              <a:ext uri="{FF2B5EF4-FFF2-40B4-BE49-F238E27FC236}">
+                <a16:creationId xmlns:a16="http://schemas.microsoft.com/office/drawing/2014/main" id="{C2DDC186-8481-4F07-AE6C-5819E3A93F24}"/>
               </a:ext>
             </a:extLst>
           </p:cNvPr>
@@ -3544,8 +5426,8 @@
         </p:nvSpPr>
         <p:spPr>
           <a:xfrm>
-            <a:off x="3595801" y="4951124"/>
-            <a:ext cx="765310" cy="646332"/>
+            <a:off x="6408394" y="2976552"/>
+            <a:ext cx="1597182" cy="980525"/>
           </a:xfrm>
           <a:prstGeom prst="rect">
             <a:avLst/>
@@ -3555,7 +5437,7 @@
             <a:solidFill>
               <a:schemeClr val="tx1"/>
             </a:solidFill>
-            <a:prstDash val="dash"/>
+            <a:prstDash val="solid"/>
           </a:ln>
         </p:spPr>
         <p:style>
@@ -3592,81 +5474,10 @@
       </p:sp>
       <p:sp>
         <p:nvSpPr>
-          <p:cNvPr id="237" name="Rectangle 236">
-            <a:extLst>
-              <a:ext uri="{FF2B5EF4-FFF2-40B4-BE49-F238E27FC236}">
-                <a16:creationId xmlns:a16="http://schemas.microsoft.com/office/drawing/2014/main" id="{8B217176-459D-418A-9533-3A7ECDED8D6B}"/>
-              </a:ext>
-            </a:extLst>
-          </p:cNvPr>
-          <p:cNvSpPr/>
-          <p:nvPr/>
-        </p:nvSpPr>
-        <p:spPr>
-          <a:xfrm>
-            <a:off x="7979649" y="4886680"/>
-            <a:ext cx="984698" cy="775220"/>
-          </a:xfrm>
-          <a:prstGeom prst="rect">
-            <a:avLst/>
-          </a:prstGeom>
-          <a:noFill/>
-          <a:ln w="38100">
-            <a:solidFill>
-              <a:schemeClr val="tx1"/>
-            </a:solidFill>
-            <a:prstDash val="dash"/>
-          </a:ln>
-        </p:spPr>
-        <p:style>
-          <a:lnRef idx="2">
-            <a:schemeClr val="accent1">
-              <a:shade val="50000"/>
-            </a:schemeClr>
-          </a:lnRef>
-          <a:fillRef idx="1">
-            <a:schemeClr val="accent1"/>
-          </a:fillRef>
-          <a:effectRef idx="0">
-            <a:schemeClr val="accent1"/>
-          </a:effectRef>
-          <a:fontRef idx="minor">
-            <a:schemeClr val="lt1"/>
-          </a:fontRef>
-        </p:style>
-        <p:txBody>
-          <a:bodyPr rtlCol="0" anchor="ctr"/>
-          <a:lstStyle/>
-          <a:p>
-            <a:pPr algn="ctr"/>
-            <a:r>
-              <a:rPr lang="en-US" b="1" dirty="0">
-                <a:solidFill>
-                  <a:schemeClr val="tx1"/>
-                </a:solidFill>
-              </a:rPr>
-              <a:t>SD</a:t>
-            </a:r>
-          </a:p>
-          <a:p>
-            <a:pPr algn="ctr"/>
-            <a:r>
-              <a:rPr lang="en-US" b="1" dirty="0">
-                <a:solidFill>
-                  <a:schemeClr val="tx1"/>
-                </a:solidFill>
-              </a:rPr>
-              <a:t>Module</a:t>
-            </a:r>
-          </a:p>
-        </p:txBody>
-      </p:sp>
-      <p:sp>
-        <p:nvSpPr>
-          <p:cNvPr id="249" name="TextBox 248">
-            <a:extLst>
-              <a:ext uri="{FF2B5EF4-FFF2-40B4-BE49-F238E27FC236}">
-                <a16:creationId xmlns:a16="http://schemas.microsoft.com/office/drawing/2014/main" id="{B958C839-CD77-46FB-BD41-8493B4CBC06F}"/>
+          <p:cNvPr id="70" name="TextBox 69">
+            <a:extLst>
+              <a:ext uri="{FF2B5EF4-FFF2-40B4-BE49-F238E27FC236}">
+                <a16:creationId xmlns:a16="http://schemas.microsoft.com/office/drawing/2014/main" id="{9B01925A-F7CB-4732-B1C1-89654D6CAEA3}"/>
               </a:ext>
             </a:extLst>
           </p:cNvPr>
@@ -3675,8 +5486,8 @@
         </p:nvSpPr>
         <p:spPr>
           <a:xfrm>
-            <a:off x="3595801" y="2609056"/>
-            <a:ext cx="548547" cy="369332"/>
+            <a:off x="6388855" y="3310961"/>
+            <a:ext cx="510268" cy="338554"/>
           </a:xfrm>
           <a:prstGeom prst="rect">
             <a:avLst/>
@@ -3689,33 +5500,101 @@
           </a:bodyPr>
           <a:lstStyle/>
           <a:p>
-            <a:pPr algn="ctr"/>
-            <a:r>
-              <a:rPr lang="en-US" dirty="0"/>
-              <a:t>+5V</a:t>
+            <a:r>
+              <a:rPr lang="en-SG" sz="1600" dirty="0"/>
+              <a:t>DAT</a:t>
+            </a:r>
+          </a:p>
+        </p:txBody>
+      </p:sp>
+      <p:sp>
+        <p:nvSpPr>
+          <p:cNvPr id="72" name="TextBox 71">
+            <a:extLst>
+              <a:ext uri="{FF2B5EF4-FFF2-40B4-BE49-F238E27FC236}">
+                <a16:creationId xmlns:a16="http://schemas.microsoft.com/office/drawing/2014/main" id="{4DD3FA05-6BAE-4F26-8CBC-E31E00E51122}"/>
+              </a:ext>
+            </a:extLst>
+          </p:cNvPr>
+          <p:cNvSpPr txBox="1"/>
+          <p:nvPr/>
+        </p:nvSpPr>
+        <p:spPr>
+          <a:xfrm>
+            <a:off x="6388855" y="3577932"/>
+            <a:ext cx="486736" cy="338554"/>
+          </a:xfrm>
+          <a:prstGeom prst="rect">
+            <a:avLst/>
+          </a:prstGeom>
+          <a:noFill/>
+        </p:spPr>
+        <p:txBody>
+          <a:bodyPr wrap="none" rtlCol="0">
+            <a:spAutoFit/>
+          </a:bodyPr>
+          <a:lstStyle/>
+          <a:p>
+            <a:r>
+              <a:rPr lang="en-SG" sz="1600" dirty="0"/>
+              <a:t>RST</a:t>
+            </a:r>
+          </a:p>
+        </p:txBody>
+      </p:sp>
+      <p:sp>
+        <p:nvSpPr>
+          <p:cNvPr id="75" name="TextBox 74">
+            <a:extLst>
+              <a:ext uri="{FF2B5EF4-FFF2-40B4-BE49-F238E27FC236}">
+                <a16:creationId xmlns:a16="http://schemas.microsoft.com/office/drawing/2014/main" id="{A4CBD786-A221-4751-8DB1-F5B93B0A1709}"/>
+              </a:ext>
+            </a:extLst>
+          </p:cNvPr>
+          <p:cNvSpPr txBox="1"/>
+          <p:nvPr/>
+        </p:nvSpPr>
+        <p:spPr>
+          <a:xfrm>
+            <a:off x="6388855" y="3043990"/>
+            <a:ext cx="487634" cy="338554"/>
+          </a:xfrm>
+          <a:prstGeom prst="rect">
+            <a:avLst/>
+          </a:prstGeom>
+          <a:noFill/>
+        </p:spPr>
+        <p:txBody>
+          <a:bodyPr wrap="none" rtlCol="0">
+            <a:spAutoFit/>
+          </a:bodyPr>
+          <a:lstStyle/>
+          <a:p>
+            <a:r>
+              <a:rPr lang="en-SG" sz="1600" dirty="0"/>
+              <a:t>CLK</a:t>
             </a:r>
           </a:p>
         </p:txBody>
       </p:sp>
       <p:cxnSp>
         <p:nvCxnSpPr>
-          <p:cNvPr id="250" name="Straight Arrow Connector 249">
-            <a:extLst>
-              <a:ext uri="{FF2B5EF4-FFF2-40B4-BE49-F238E27FC236}">
-                <a16:creationId xmlns:a16="http://schemas.microsoft.com/office/drawing/2014/main" id="{A203D7EF-04CA-4FDB-9ABE-F974DB80A422}"/>
+          <p:cNvPr id="77" name="Straight Arrow Connector 76">
+            <a:extLst>
+              <a:ext uri="{FF2B5EF4-FFF2-40B4-BE49-F238E27FC236}">
+                <a16:creationId xmlns:a16="http://schemas.microsoft.com/office/drawing/2014/main" id="{43312378-791C-4823-BC60-360196469865}"/>
               </a:ext>
             </a:extLst>
           </p:cNvPr>
           <p:cNvCxnSpPr>
             <a:cxnSpLocks/>
-            <a:endCxn id="275" idx="1"/>
           </p:cNvCxnSpPr>
           <p:nvPr/>
         </p:nvCxnSpPr>
         <p:spPr>
-          <a:xfrm flipV="1">
-            <a:off x="4738402" y="2305280"/>
-            <a:ext cx="389779" cy="1"/>
+          <a:xfrm>
+            <a:off x="5615493" y="3205076"/>
+            <a:ext cx="773362" cy="0"/>
           </a:xfrm>
           <a:prstGeom prst="straightConnector1">
             <a:avLst/>
@@ -3744,108 +5623,24 @@
       </p:cxnSp>
       <p:cxnSp>
         <p:nvCxnSpPr>
-          <p:cNvPr id="266" name="Straight Arrow Connector 265">
-            <a:extLst>
-              <a:ext uri="{FF2B5EF4-FFF2-40B4-BE49-F238E27FC236}">
-                <a16:creationId xmlns:a16="http://schemas.microsoft.com/office/drawing/2014/main" id="{468F9734-734B-4700-99F8-4A46A7E74B0C}"/>
+          <p:cNvPr id="78" name="Straight Arrow Connector 77">
+            <a:extLst>
+              <a:ext uri="{FF2B5EF4-FFF2-40B4-BE49-F238E27FC236}">
+                <a16:creationId xmlns:a16="http://schemas.microsoft.com/office/drawing/2014/main" id="{EB4EB976-DDAE-4505-A63A-8AD6A355F8AD}"/>
               </a:ext>
             </a:extLst>
           </p:cNvPr>
           <p:cNvCxnSpPr>
             <a:cxnSpLocks/>
-            <a:stCxn id="249" idx="2"/>
-            <a:endCxn id="43" idx="0"/>
           </p:cNvCxnSpPr>
           <p:nvPr/>
         </p:nvCxnSpPr>
         <p:spPr>
-          <a:xfrm>
-            <a:off x="3870075" y="2978388"/>
-            <a:ext cx="0" cy="257510"/>
+          <a:xfrm flipH="1">
+            <a:off x="5615493" y="3478321"/>
+            <a:ext cx="773362" cy="0"/>
           </a:xfrm>
           <a:prstGeom prst="straightConnector1">
-            <a:avLst/>
-          </a:prstGeom>
-          <a:ln w="38100">
-            <a:solidFill>
-              <a:schemeClr val="tx1"/>
-            </a:solidFill>
-            <a:tailEnd type="triangle"/>
-          </a:ln>
-        </p:spPr>
-        <p:style>
-          <a:lnRef idx="1">
-            <a:schemeClr val="accent1"/>
-          </a:lnRef>
-          <a:fillRef idx="0">
-            <a:schemeClr val="accent1"/>
-          </a:fillRef>
-          <a:effectRef idx="0">
-            <a:schemeClr val="accent1"/>
-          </a:effectRef>
-          <a:fontRef idx="minor">
-            <a:schemeClr val="tx1"/>
-          </a:fontRef>
-        </p:style>
-      </p:cxnSp>
-      <p:sp>
-        <p:nvSpPr>
-          <p:cNvPr id="275" name="TextBox 274">
-            <a:extLst>
-              <a:ext uri="{FF2B5EF4-FFF2-40B4-BE49-F238E27FC236}">
-                <a16:creationId xmlns:a16="http://schemas.microsoft.com/office/drawing/2014/main" id="{775B6F79-D287-41C3-93CD-F0D1DA0A13FF}"/>
-              </a:ext>
-            </a:extLst>
-          </p:cNvPr>
-          <p:cNvSpPr txBox="1"/>
-          <p:nvPr/>
-        </p:nvSpPr>
-        <p:spPr>
-          <a:xfrm>
-            <a:off x="5128181" y="2120614"/>
-            <a:ext cx="548547" cy="369332"/>
-          </a:xfrm>
-          <a:prstGeom prst="rect">
-            <a:avLst/>
-          </a:prstGeom>
-          <a:noFill/>
-        </p:spPr>
-        <p:txBody>
-          <a:bodyPr wrap="none" rtlCol="0">
-            <a:spAutoFit/>
-          </a:bodyPr>
-          <a:lstStyle/>
-          <a:p>
-            <a:pPr algn="ctr"/>
-            <a:r>
-              <a:rPr lang="en-US" dirty="0"/>
-              <a:t>+5V</a:t>
-            </a:r>
-          </a:p>
-        </p:txBody>
-      </p:sp>
-      <p:cxnSp>
-        <p:nvCxnSpPr>
-          <p:cNvPr id="291" name="Connector: Elbow 290">
-            <a:extLst>
-              <a:ext uri="{FF2B5EF4-FFF2-40B4-BE49-F238E27FC236}">
-                <a16:creationId xmlns:a16="http://schemas.microsoft.com/office/drawing/2014/main" id="{CB762EF8-358C-4838-95AF-4DBBF5BB51AF}"/>
-              </a:ext>
-            </a:extLst>
-          </p:cNvPr>
-          <p:cNvCxnSpPr>
-            <a:cxnSpLocks/>
-            <a:stCxn id="236" idx="3"/>
-            <a:endCxn id="44" idx="2"/>
-          </p:cNvCxnSpPr>
-          <p:nvPr/>
-        </p:nvCxnSpPr>
-        <p:spPr>
-          <a:xfrm flipV="1">
-            <a:off x="4361111" y="4300302"/>
-            <a:ext cx="1818289" cy="973988"/>
-          </a:xfrm>
-          <a:prstGeom prst="bentConnector2">
             <a:avLst/>
           </a:prstGeom>
           <a:ln w="38100">
@@ -3872,26 +5667,303 @@
       </p:cxnSp>
       <p:cxnSp>
         <p:nvCxnSpPr>
-          <p:cNvPr id="295" name="Connector: Elbow 294">
-            <a:extLst>
-              <a:ext uri="{FF2B5EF4-FFF2-40B4-BE49-F238E27FC236}">
-                <a16:creationId xmlns:a16="http://schemas.microsoft.com/office/drawing/2014/main" id="{DBA39E0E-767B-4C60-B01E-769F6252928D}"/>
+          <p:cNvPr id="80" name="Straight Arrow Connector 79">
+            <a:extLst>
+              <a:ext uri="{FF2B5EF4-FFF2-40B4-BE49-F238E27FC236}">
+                <a16:creationId xmlns:a16="http://schemas.microsoft.com/office/drawing/2014/main" id="{57F5ABDE-BE84-4301-B860-86FF50322937}"/>
               </a:ext>
             </a:extLst>
           </p:cNvPr>
           <p:cNvCxnSpPr>
             <a:cxnSpLocks/>
-            <a:stCxn id="44" idx="2"/>
-            <a:endCxn id="237" idx="1"/>
           </p:cNvCxnSpPr>
           <p:nvPr/>
         </p:nvCxnSpPr>
         <p:spPr>
-          <a:xfrm rot="16200000" flipH="1">
-            <a:off x="6592530" y="3887171"/>
-            <a:ext cx="973988" cy="1800249"/>
-          </a:xfrm>
-          <a:prstGeom prst="bentConnector2">
+          <a:xfrm>
+            <a:off x="5615493" y="3746943"/>
+            <a:ext cx="773362" cy="0"/>
+          </a:xfrm>
+          <a:prstGeom prst="straightConnector1">
+            <a:avLst/>
+          </a:prstGeom>
+          <a:ln w="38100">
+            <a:solidFill>
+              <a:schemeClr val="tx1"/>
+            </a:solidFill>
+            <a:tailEnd type="triangle"/>
+          </a:ln>
+        </p:spPr>
+        <p:style>
+          <a:lnRef idx="1">
+            <a:schemeClr val="accent1"/>
+          </a:lnRef>
+          <a:fillRef idx="0">
+            <a:schemeClr val="accent1"/>
+          </a:fillRef>
+          <a:effectRef idx="0">
+            <a:schemeClr val="accent1"/>
+          </a:effectRef>
+          <a:fontRef idx="minor">
+            <a:schemeClr val="tx1"/>
+          </a:fontRef>
+        </p:style>
+      </p:cxnSp>
+      <p:sp>
+        <p:nvSpPr>
+          <p:cNvPr id="81" name="TextBox 80">
+            <a:extLst>
+              <a:ext uri="{FF2B5EF4-FFF2-40B4-BE49-F238E27FC236}">
+                <a16:creationId xmlns:a16="http://schemas.microsoft.com/office/drawing/2014/main" id="{7C736597-2C4E-43CA-ADA7-4C6F203C8982}"/>
+              </a:ext>
+            </a:extLst>
+          </p:cNvPr>
+          <p:cNvSpPr txBox="1"/>
+          <p:nvPr/>
+        </p:nvSpPr>
+        <p:spPr>
+          <a:xfrm>
+            <a:off x="5247805" y="3035799"/>
+            <a:ext cx="288862" cy="338554"/>
+          </a:xfrm>
+          <a:prstGeom prst="rect">
+            <a:avLst/>
+          </a:prstGeom>
+          <a:noFill/>
+        </p:spPr>
+        <p:txBody>
+          <a:bodyPr wrap="none" rtlCol="0">
+            <a:spAutoFit/>
+          </a:bodyPr>
+          <a:lstStyle/>
+          <a:p>
+            <a:r>
+              <a:rPr lang="en-SG" sz="1600" dirty="0"/>
+              <a:t>5</a:t>
+            </a:r>
+          </a:p>
+        </p:txBody>
+      </p:sp>
+      <p:sp>
+        <p:nvSpPr>
+          <p:cNvPr id="82" name="TextBox 81">
+            <a:extLst>
+              <a:ext uri="{FF2B5EF4-FFF2-40B4-BE49-F238E27FC236}">
+                <a16:creationId xmlns:a16="http://schemas.microsoft.com/office/drawing/2014/main" id="{52C36522-6D26-4935-A504-951FFD8F2560}"/>
+              </a:ext>
+            </a:extLst>
+          </p:cNvPr>
+          <p:cNvSpPr txBox="1"/>
+          <p:nvPr/>
+        </p:nvSpPr>
+        <p:spPr>
+          <a:xfrm>
+            <a:off x="5247805" y="3302770"/>
+            <a:ext cx="288862" cy="338554"/>
+          </a:xfrm>
+          <a:prstGeom prst="rect">
+            <a:avLst/>
+          </a:prstGeom>
+          <a:noFill/>
+        </p:spPr>
+        <p:txBody>
+          <a:bodyPr wrap="none" rtlCol="0">
+            <a:spAutoFit/>
+          </a:bodyPr>
+          <a:lstStyle/>
+          <a:p>
+            <a:r>
+              <a:rPr lang="en-SG" sz="1600" dirty="0"/>
+              <a:t>7</a:t>
+            </a:r>
+          </a:p>
+        </p:txBody>
+      </p:sp>
+      <p:sp>
+        <p:nvSpPr>
+          <p:cNvPr id="83" name="TextBox 82">
+            <a:extLst>
+              <a:ext uri="{FF2B5EF4-FFF2-40B4-BE49-F238E27FC236}">
+                <a16:creationId xmlns:a16="http://schemas.microsoft.com/office/drawing/2014/main" id="{F4572A78-0DD1-4F60-B09E-A7DD3E13A13A}"/>
+              </a:ext>
+            </a:extLst>
+          </p:cNvPr>
+          <p:cNvSpPr txBox="1"/>
+          <p:nvPr/>
+        </p:nvSpPr>
+        <p:spPr>
+          <a:xfrm>
+            <a:off x="5247805" y="3569742"/>
+            <a:ext cx="288862" cy="338554"/>
+          </a:xfrm>
+          <a:prstGeom prst="rect">
+            <a:avLst/>
+          </a:prstGeom>
+          <a:noFill/>
+        </p:spPr>
+        <p:txBody>
+          <a:bodyPr wrap="none" rtlCol="0">
+            <a:spAutoFit/>
+          </a:bodyPr>
+          <a:lstStyle/>
+          <a:p>
+            <a:r>
+              <a:rPr lang="en-SG" sz="1600" dirty="0"/>
+              <a:t>2</a:t>
+            </a:r>
+          </a:p>
+        </p:txBody>
+      </p:sp>
+      <p:sp>
+        <p:nvSpPr>
+          <p:cNvPr id="84" name="Rectangle 83">
+            <a:extLst>
+              <a:ext uri="{FF2B5EF4-FFF2-40B4-BE49-F238E27FC236}">
+                <a16:creationId xmlns:a16="http://schemas.microsoft.com/office/drawing/2014/main" id="{DA0091C8-AA8E-4A7E-AED1-91B41D505A72}"/>
+              </a:ext>
+            </a:extLst>
+          </p:cNvPr>
+          <p:cNvSpPr/>
+          <p:nvPr/>
+        </p:nvSpPr>
+        <p:spPr>
+          <a:xfrm>
+            <a:off x="6408393" y="4155465"/>
+            <a:ext cx="1597183" cy="767646"/>
+          </a:xfrm>
+          <a:prstGeom prst="rect">
+            <a:avLst/>
+          </a:prstGeom>
+          <a:noFill/>
+          <a:ln w="38100">
+            <a:solidFill>
+              <a:schemeClr val="tx1"/>
+            </a:solidFill>
+            <a:prstDash val="solid"/>
+          </a:ln>
+        </p:spPr>
+        <p:style>
+          <a:lnRef idx="2">
+            <a:schemeClr val="accent1">
+              <a:shade val="50000"/>
+            </a:schemeClr>
+          </a:lnRef>
+          <a:fillRef idx="1">
+            <a:schemeClr val="accent1"/>
+          </a:fillRef>
+          <a:effectRef idx="0">
+            <a:schemeClr val="accent1"/>
+          </a:effectRef>
+          <a:fontRef idx="minor">
+            <a:schemeClr val="lt1"/>
+          </a:fontRef>
+        </p:style>
+        <p:txBody>
+          <a:bodyPr rtlCol="0" anchor="ctr"/>
+          <a:lstStyle/>
+          <a:p>
+            <a:pPr algn="ctr"/>
+            <a:r>
+              <a:rPr lang="en-US" b="1" dirty="0">
+                <a:solidFill>
+                  <a:schemeClr val="tx1"/>
+                </a:solidFill>
+              </a:rPr>
+              <a:t>LCD</a:t>
+            </a:r>
+          </a:p>
+        </p:txBody>
+      </p:sp>
+      <p:sp>
+        <p:nvSpPr>
+          <p:cNvPr id="85" name="TextBox 84">
+            <a:extLst>
+              <a:ext uri="{FF2B5EF4-FFF2-40B4-BE49-F238E27FC236}">
+                <a16:creationId xmlns:a16="http://schemas.microsoft.com/office/drawing/2014/main" id="{C372647F-3D69-4996-AF74-B4432033F305}"/>
+              </a:ext>
+            </a:extLst>
+          </p:cNvPr>
+          <p:cNvSpPr txBox="1"/>
+          <p:nvPr/>
+        </p:nvSpPr>
+        <p:spPr>
+          <a:xfrm>
+            <a:off x="6388855" y="4489873"/>
+            <a:ext cx="521489" cy="338554"/>
+          </a:xfrm>
+          <a:prstGeom prst="rect">
+            <a:avLst/>
+          </a:prstGeom>
+          <a:noFill/>
+        </p:spPr>
+        <p:txBody>
+          <a:bodyPr wrap="none" rtlCol="0">
+            <a:spAutoFit/>
+          </a:bodyPr>
+          <a:lstStyle/>
+          <a:p>
+            <a:r>
+              <a:rPr lang="en-SG" sz="1600" dirty="0"/>
+              <a:t>SDA</a:t>
+            </a:r>
+          </a:p>
+        </p:txBody>
+      </p:sp>
+      <p:sp>
+        <p:nvSpPr>
+          <p:cNvPr id="87" name="TextBox 86">
+            <a:extLst>
+              <a:ext uri="{FF2B5EF4-FFF2-40B4-BE49-F238E27FC236}">
+                <a16:creationId xmlns:a16="http://schemas.microsoft.com/office/drawing/2014/main" id="{5F1A4543-519B-4ED0-AF04-B02B6541E82E}"/>
+              </a:ext>
+            </a:extLst>
+          </p:cNvPr>
+          <p:cNvSpPr txBox="1"/>
+          <p:nvPr/>
+        </p:nvSpPr>
+        <p:spPr>
+          <a:xfrm>
+            <a:off x="6388855" y="4222902"/>
+            <a:ext cx="474810" cy="338554"/>
+          </a:xfrm>
+          <a:prstGeom prst="rect">
+            <a:avLst/>
+          </a:prstGeom>
+          <a:noFill/>
+        </p:spPr>
+        <p:txBody>
+          <a:bodyPr wrap="none" rtlCol="0">
+            <a:spAutoFit/>
+          </a:bodyPr>
+          <a:lstStyle/>
+          <a:p>
+            <a:r>
+              <a:rPr lang="en-SG" sz="1600" dirty="0"/>
+              <a:t>SCL</a:t>
+            </a:r>
+          </a:p>
+        </p:txBody>
+      </p:sp>
+      <p:cxnSp>
+        <p:nvCxnSpPr>
+          <p:cNvPr id="88" name="Straight Arrow Connector 87">
+            <a:extLst>
+              <a:ext uri="{FF2B5EF4-FFF2-40B4-BE49-F238E27FC236}">
+                <a16:creationId xmlns:a16="http://schemas.microsoft.com/office/drawing/2014/main" id="{6566CDE6-BD45-4A4D-9758-3905EB17667F}"/>
+              </a:ext>
+            </a:extLst>
+          </p:cNvPr>
+          <p:cNvCxnSpPr>
+            <a:cxnSpLocks/>
+          </p:cNvCxnSpPr>
+          <p:nvPr/>
+        </p:nvCxnSpPr>
+        <p:spPr>
+          <a:xfrm>
+            <a:off x="5615493" y="4383988"/>
+            <a:ext cx="773362" cy="0"/>
+          </a:xfrm>
+          <a:prstGeom prst="straightConnector1">
             <a:avLst/>
           </a:prstGeom>
           <a:ln w="38100">
@@ -3918,23 +5990,22 @@
       </p:cxnSp>
       <p:cxnSp>
         <p:nvCxnSpPr>
-          <p:cNvPr id="335" name="Straight Arrow Connector 334">
-            <a:extLst>
-              <a:ext uri="{FF2B5EF4-FFF2-40B4-BE49-F238E27FC236}">
-                <a16:creationId xmlns:a16="http://schemas.microsoft.com/office/drawing/2014/main" id="{A0B8ABB7-0DA2-436C-B747-531BD65733CD}"/>
+          <p:cNvPr id="89" name="Straight Arrow Connector 88">
+            <a:extLst>
+              <a:ext uri="{FF2B5EF4-FFF2-40B4-BE49-F238E27FC236}">
+                <a16:creationId xmlns:a16="http://schemas.microsoft.com/office/drawing/2014/main" id="{A16E5469-55AD-4717-B26F-8F869A7D2C53}"/>
               </a:ext>
             </a:extLst>
           </p:cNvPr>
           <p:cNvCxnSpPr>
             <a:cxnSpLocks/>
-            <a:endCxn id="79" idx="1"/>
           </p:cNvCxnSpPr>
           <p:nvPr/>
         </p:nvCxnSpPr>
         <p:spPr>
-          <a:xfrm>
-            <a:off x="4750046" y="1673879"/>
-            <a:ext cx="403535" cy="0"/>
+          <a:xfrm flipH="1">
+            <a:off x="5615493" y="4657233"/>
+            <a:ext cx="773362" cy="0"/>
           </a:xfrm>
           <a:prstGeom prst="straightConnector1">
             <a:avLst/>
@@ -3963,10 +6034,80 @@
       </p:cxnSp>
       <p:sp>
         <p:nvSpPr>
-          <p:cNvPr id="36" name="Rectangle 35">
-            <a:extLst>
-              <a:ext uri="{FF2B5EF4-FFF2-40B4-BE49-F238E27FC236}">
-                <a16:creationId xmlns:a16="http://schemas.microsoft.com/office/drawing/2014/main" id="{4E5657A7-C34E-4BEB-B30C-16C9CB7AA984}"/>
+          <p:cNvPr id="91" name="TextBox 90">
+            <a:extLst>
+              <a:ext uri="{FF2B5EF4-FFF2-40B4-BE49-F238E27FC236}">
+                <a16:creationId xmlns:a16="http://schemas.microsoft.com/office/drawing/2014/main" id="{2A6A8D40-B945-4FD4-9C35-AFF827903A15}"/>
+              </a:ext>
+            </a:extLst>
+          </p:cNvPr>
+          <p:cNvSpPr txBox="1"/>
+          <p:nvPr/>
+        </p:nvSpPr>
+        <p:spPr>
+          <a:xfrm>
+            <a:off x="5176064" y="4212717"/>
+            <a:ext cx="407484" cy="338554"/>
+          </a:xfrm>
+          <a:prstGeom prst="rect">
+            <a:avLst/>
+          </a:prstGeom>
+          <a:noFill/>
+        </p:spPr>
+        <p:txBody>
+          <a:bodyPr wrap="none" rtlCol="0">
+            <a:spAutoFit/>
+          </a:bodyPr>
+          <a:lstStyle/>
+          <a:p>
+            <a:r>
+              <a:rPr lang="en-SG" sz="1600" dirty="0"/>
+              <a:t>A5</a:t>
+            </a:r>
+          </a:p>
+        </p:txBody>
+      </p:sp>
+      <p:sp>
+        <p:nvSpPr>
+          <p:cNvPr id="92" name="TextBox 91">
+            <a:extLst>
+              <a:ext uri="{FF2B5EF4-FFF2-40B4-BE49-F238E27FC236}">
+                <a16:creationId xmlns:a16="http://schemas.microsoft.com/office/drawing/2014/main" id="{5A9393F0-6526-41E3-8A26-55D2E8EAE9BE}"/>
+              </a:ext>
+            </a:extLst>
+          </p:cNvPr>
+          <p:cNvSpPr txBox="1"/>
+          <p:nvPr/>
+        </p:nvSpPr>
+        <p:spPr>
+          <a:xfrm>
+            <a:off x="5176064" y="4479688"/>
+            <a:ext cx="407484" cy="338554"/>
+          </a:xfrm>
+          <a:prstGeom prst="rect">
+            <a:avLst/>
+          </a:prstGeom>
+          <a:noFill/>
+        </p:spPr>
+        <p:txBody>
+          <a:bodyPr wrap="none" rtlCol="0">
+            <a:spAutoFit/>
+          </a:bodyPr>
+          <a:lstStyle/>
+          <a:p>
+            <a:r>
+              <a:rPr lang="en-SG" sz="1600" dirty="0"/>
+              <a:t>A4</a:t>
+            </a:r>
+          </a:p>
+        </p:txBody>
+      </p:sp>
+      <p:sp>
+        <p:nvSpPr>
+          <p:cNvPr id="94" name="Rectangle 93">
+            <a:extLst>
+              <a:ext uri="{FF2B5EF4-FFF2-40B4-BE49-F238E27FC236}">
+                <a16:creationId xmlns:a16="http://schemas.microsoft.com/office/drawing/2014/main" id="{D2FF8656-7317-40AC-BBD3-EA060931BE41}"/>
               </a:ext>
             </a:extLst>
           </p:cNvPr>
@@ -3975,8 +6116,8 @@
         </p:nvSpPr>
         <p:spPr>
           <a:xfrm>
-            <a:off x="3274475" y="1543100"/>
-            <a:ext cx="1471526" cy="947707"/>
+            <a:off x="6596375" y="5100497"/>
+            <a:ext cx="1743676" cy="1158276"/>
           </a:xfrm>
           <a:prstGeom prst="rect">
             <a:avLst/>
@@ -3986,6 +6127,7 @@
             <a:solidFill>
               <a:schemeClr val="tx1"/>
             </a:solidFill>
+            <a:prstDash val="solid"/>
           </a:ln>
         </p:spPr>
         <p:style>
@@ -4015,41 +6157,99 @@
                   <a:schemeClr val="tx1"/>
                 </a:solidFill>
               </a:rPr>
-              <a:t>AC-DC</a:t>
-            </a:r>
-          </a:p>
-          <a:p>
-            <a:pPr algn="ctr"/>
-            <a:r>
-              <a:rPr lang="en-US" b="1" dirty="0">
-                <a:solidFill>
-                  <a:schemeClr val="tx1"/>
-                </a:solidFill>
-              </a:rPr>
-              <a:t>Converter</a:t>
+              <a:t>RELAY</a:t>
+            </a:r>
+          </a:p>
+        </p:txBody>
+      </p:sp>
+      <p:sp>
+        <p:nvSpPr>
+          <p:cNvPr id="95" name="TextBox 94">
+            <a:extLst>
+              <a:ext uri="{FF2B5EF4-FFF2-40B4-BE49-F238E27FC236}">
+                <a16:creationId xmlns:a16="http://schemas.microsoft.com/office/drawing/2014/main" id="{FC030E43-BD31-4139-9DE1-CC65B8C13A31}"/>
+              </a:ext>
+            </a:extLst>
+          </p:cNvPr>
+          <p:cNvSpPr txBox="1"/>
+          <p:nvPr/>
+        </p:nvSpPr>
+        <p:spPr>
+          <a:xfrm>
+            <a:off x="6576836" y="5662989"/>
+            <a:ext cx="473206" cy="338554"/>
+          </a:xfrm>
+          <a:prstGeom prst="rect">
+            <a:avLst/>
+          </a:prstGeom>
+          <a:noFill/>
+        </p:spPr>
+        <p:txBody>
+          <a:bodyPr wrap="none" rtlCol="0">
+            <a:spAutoFit/>
+          </a:bodyPr>
+          <a:lstStyle/>
+          <a:p>
+            <a:r>
+              <a:rPr lang="en-SG" sz="1600" dirty="0"/>
+              <a:t>IN2</a:t>
+            </a:r>
+          </a:p>
+        </p:txBody>
+      </p:sp>
+      <p:sp>
+        <p:nvSpPr>
+          <p:cNvPr id="96" name="TextBox 95">
+            <a:extLst>
+              <a:ext uri="{FF2B5EF4-FFF2-40B4-BE49-F238E27FC236}">
+                <a16:creationId xmlns:a16="http://schemas.microsoft.com/office/drawing/2014/main" id="{8440659D-15B8-4024-815E-0E59F111CC69}"/>
+              </a:ext>
+            </a:extLst>
+          </p:cNvPr>
+          <p:cNvSpPr txBox="1"/>
+          <p:nvPr/>
+        </p:nvSpPr>
+        <p:spPr>
+          <a:xfrm>
+            <a:off x="6576836" y="5396018"/>
+            <a:ext cx="473206" cy="338554"/>
+          </a:xfrm>
+          <a:prstGeom prst="rect">
+            <a:avLst/>
+          </a:prstGeom>
+          <a:noFill/>
+        </p:spPr>
+        <p:txBody>
+          <a:bodyPr wrap="none" rtlCol="0">
+            <a:spAutoFit/>
+          </a:bodyPr>
+          <a:lstStyle/>
+          <a:p>
+            <a:r>
+              <a:rPr lang="en-SG" sz="1600" dirty="0"/>
+              <a:t>IN1</a:t>
             </a:r>
           </a:p>
         </p:txBody>
       </p:sp>
       <p:cxnSp>
         <p:nvCxnSpPr>
-          <p:cNvPr id="59" name="Straight Arrow Connector 58">
-            <a:extLst>
-              <a:ext uri="{FF2B5EF4-FFF2-40B4-BE49-F238E27FC236}">
-                <a16:creationId xmlns:a16="http://schemas.microsoft.com/office/drawing/2014/main" id="{120CEBF0-C244-4C1E-A6DB-D7674D7CE71C}"/>
+          <p:cNvPr id="97" name="Straight Arrow Connector 96">
+            <a:extLst>
+              <a:ext uri="{FF2B5EF4-FFF2-40B4-BE49-F238E27FC236}">
+                <a16:creationId xmlns:a16="http://schemas.microsoft.com/office/drawing/2014/main" id="{5A1356F2-F5FF-42BF-BDF9-A1B7397336EA}"/>
               </a:ext>
             </a:extLst>
           </p:cNvPr>
           <p:cNvCxnSpPr>
             <a:cxnSpLocks/>
-            <a:endCxn id="36" idx="1"/>
           </p:cNvCxnSpPr>
           <p:nvPr/>
         </p:nvCxnSpPr>
         <p:spPr>
           <a:xfrm>
-            <a:off x="2157169" y="2016954"/>
-            <a:ext cx="1117306" cy="0"/>
+            <a:off x="5615493" y="5564233"/>
+            <a:ext cx="964476" cy="0"/>
           </a:xfrm>
           <a:prstGeom prst="straightConnector1">
             <a:avLst/>
@@ -4059,6 +6259,348 @@
               <a:schemeClr val="tx1"/>
             </a:solidFill>
             <a:tailEnd type="triangle"/>
+          </a:ln>
+        </p:spPr>
+        <p:style>
+          <a:lnRef idx="1">
+            <a:schemeClr val="accent1"/>
+          </a:lnRef>
+          <a:fillRef idx="0">
+            <a:schemeClr val="accent1"/>
+          </a:fillRef>
+          <a:effectRef idx="0">
+            <a:schemeClr val="accent1"/>
+          </a:effectRef>
+          <a:fontRef idx="minor">
+            <a:schemeClr val="tx1"/>
+          </a:fontRef>
+        </p:style>
+      </p:cxnSp>
+      <p:sp>
+        <p:nvSpPr>
+          <p:cNvPr id="99" name="TextBox 98">
+            <a:extLst>
+              <a:ext uri="{FF2B5EF4-FFF2-40B4-BE49-F238E27FC236}">
+                <a16:creationId xmlns:a16="http://schemas.microsoft.com/office/drawing/2014/main" id="{63054FA3-AD66-471F-AA61-34E6AF177C8C}"/>
+              </a:ext>
+            </a:extLst>
+          </p:cNvPr>
+          <p:cNvSpPr txBox="1"/>
+          <p:nvPr/>
+        </p:nvSpPr>
+        <p:spPr>
+          <a:xfrm>
+            <a:off x="5247805" y="5394956"/>
+            <a:ext cx="288862" cy="338554"/>
+          </a:xfrm>
+          <a:prstGeom prst="rect">
+            <a:avLst/>
+          </a:prstGeom>
+          <a:noFill/>
+        </p:spPr>
+        <p:txBody>
+          <a:bodyPr wrap="none" rtlCol="0">
+            <a:spAutoFit/>
+          </a:bodyPr>
+          <a:lstStyle/>
+          <a:p>
+            <a:r>
+              <a:rPr lang="en-SG" sz="1600" dirty="0"/>
+              <a:t>3</a:t>
+            </a:r>
+          </a:p>
+        </p:txBody>
+      </p:sp>
+      <p:sp>
+        <p:nvSpPr>
+          <p:cNvPr id="100" name="TextBox 99">
+            <a:extLst>
+              <a:ext uri="{FF2B5EF4-FFF2-40B4-BE49-F238E27FC236}">
+                <a16:creationId xmlns:a16="http://schemas.microsoft.com/office/drawing/2014/main" id="{A3A5C3BB-D86F-4D43-94FA-C948A10A3E53}"/>
+              </a:ext>
+            </a:extLst>
+          </p:cNvPr>
+          <p:cNvSpPr txBox="1"/>
+          <p:nvPr/>
+        </p:nvSpPr>
+        <p:spPr>
+          <a:xfrm>
+            <a:off x="5247805" y="5661927"/>
+            <a:ext cx="288862" cy="338554"/>
+          </a:xfrm>
+          <a:prstGeom prst="rect">
+            <a:avLst/>
+          </a:prstGeom>
+          <a:noFill/>
+        </p:spPr>
+        <p:txBody>
+          <a:bodyPr wrap="none" rtlCol="0">
+            <a:spAutoFit/>
+          </a:bodyPr>
+          <a:lstStyle/>
+          <a:p>
+            <a:r>
+              <a:rPr lang="en-SG" sz="1600" dirty="0"/>
+              <a:t>4</a:t>
+            </a:r>
+          </a:p>
+        </p:txBody>
+      </p:sp>
+      <p:sp>
+        <p:nvSpPr>
+          <p:cNvPr id="102" name="TextBox 101">
+            <a:extLst>
+              <a:ext uri="{FF2B5EF4-FFF2-40B4-BE49-F238E27FC236}">
+                <a16:creationId xmlns:a16="http://schemas.microsoft.com/office/drawing/2014/main" id="{EBA35307-5DC7-479A-B543-85E5B0D53AC7}"/>
+              </a:ext>
+            </a:extLst>
+          </p:cNvPr>
+          <p:cNvSpPr txBox="1"/>
+          <p:nvPr/>
+        </p:nvSpPr>
+        <p:spPr>
+          <a:xfrm>
+            <a:off x="1878310" y="3891490"/>
+            <a:ext cx="407484" cy="338554"/>
+          </a:xfrm>
+          <a:prstGeom prst="rect">
+            <a:avLst/>
+          </a:prstGeom>
+          <a:noFill/>
+        </p:spPr>
+        <p:txBody>
+          <a:bodyPr wrap="none" rtlCol="0">
+            <a:spAutoFit/>
+          </a:bodyPr>
+          <a:lstStyle/>
+          <a:p>
+            <a:r>
+              <a:rPr lang="en-SG" sz="1600" dirty="0"/>
+              <a:t>A2</a:t>
+            </a:r>
+          </a:p>
+        </p:txBody>
+      </p:sp>
+      <p:sp>
+        <p:nvSpPr>
+          <p:cNvPr id="103" name="TextBox 102">
+            <a:extLst>
+              <a:ext uri="{FF2B5EF4-FFF2-40B4-BE49-F238E27FC236}">
+                <a16:creationId xmlns:a16="http://schemas.microsoft.com/office/drawing/2014/main" id="{835DC3A3-4797-4215-8A14-22C9D9C1FBBF}"/>
+              </a:ext>
+            </a:extLst>
+          </p:cNvPr>
+          <p:cNvSpPr txBox="1"/>
+          <p:nvPr/>
+        </p:nvSpPr>
+        <p:spPr>
+          <a:xfrm>
+            <a:off x="1875255" y="5353442"/>
+            <a:ext cx="407484" cy="338554"/>
+          </a:xfrm>
+          <a:prstGeom prst="rect">
+            <a:avLst/>
+          </a:prstGeom>
+          <a:noFill/>
+        </p:spPr>
+        <p:txBody>
+          <a:bodyPr wrap="none" rtlCol="0">
+            <a:spAutoFit/>
+          </a:bodyPr>
+          <a:lstStyle/>
+          <a:p>
+            <a:r>
+              <a:rPr lang="en-SG" sz="1600" dirty="0"/>
+              <a:t>A3</a:t>
+            </a:r>
+          </a:p>
+        </p:txBody>
+      </p:sp>
+      <p:grpSp>
+        <p:nvGrpSpPr>
+          <p:cNvPr id="24" name="Group 23">
+            <a:extLst>
+              <a:ext uri="{FF2B5EF4-FFF2-40B4-BE49-F238E27FC236}">
+                <a16:creationId xmlns:a16="http://schemas.microsoft.com/office/drawing/2014/main" id="{17970A06-8F0A-4F76-B7A1-47FA7612EC42}"/>
+              </a:ext>
+            </a:extLst>
+          </p:cNvPr>
+          <p:cNvGrpSpPr/>
+          <p:nvPr/>
+        </p:nvGrpSpPr>
+        <p:grpSpPr>
+          <a:xfrm>
+            <a:off x="984969" y="3951603"/>
+            <a:ext cx="156632" cy="735873"/>
+            <a:chOff x="2108200" y="3892550"/>
+            <a:chExt cx="156632" cy="735873"/>
+          </a:xfrm>
+        </p:grpSpPr>
+        <p:sp>
+          <p:nvSpPr>
+            <p:cNvPr id="18" name="Rectangle: Rounded Corners 17">
+              <a:extLst>
+                <a:ext uri="{FF2B5EF4-FFF2-40B4-BE49-F238E27FC236}">
+                  <a16:creationId xmlns:a16="http://schemas.microsoft.com/office/drawing/2014/main" id="{C34FD36A-795D-49BA-958D-9C60730A089C}"/>
+                </a:ext>
+              </a:extLst>
+            </p:cNvPr>
+            <p:cNvSpPr/>
+            <p:nvPr/>
+          </p:nvSpPr>
+          <p:spPr>
+            <a:xfrm>
+              <a:off x="2108200" y="4104217"/>
+              <a:ext cx="156632" cy="312539"/>
+            </a:xfrm>
+            <a:prstGeom prst="roundRect">
+              <a:avLst/>
+            </a:prstGeom>
+            <a:noFill/>
+            <a:ln w="38100">
+              <a:solidFill>
+                <a:schemeClr val="tx1"/>
+              </a:solidFill>
+            </a:ln>
+          </p:spPr>
+          <p:style>
+            <a:lnRef idx="2">
+              <a:schemeClr val="accent1">
+                <a:shade val="50000"/>
+              </a:schemeClr>
+            </a:lnRef>
+            <a:fillRef idx="1">
+              <a:schemeClr val="accent1"/>
+            </a:fillRef>
+            <a:effectRef idx="0">
+              <a:schemeClr val="accent1"/>
+            </a:effectRef>
+            <a:fontRef idx="minor">
+              <a:schemeClr val="lt1"/>
+            </a:fontRef>
+          </p:style>
+          <p:txBody>
+            <a:bodyPr rtlCol="0" anchor="ctr"/>
+            <a:lstStyle/>
+            <a:p>
+              <a:pPr algn="ctr"/>
+              <a:endParaRPr lang="en-SG"/>
+            </a:p>
+          </p:txBody>
+        </p:sp>
+        <p:cxnSp>
+          <p:nvCxnSpPr>
+            <p:cNvPr id="20" name="Straight Connector 19">
+              <a:extLst>
+                <a:ext uri="{FF2B5EF4-FFF2-40B4-BE49-F238E27FC236}">
+                  <a16:creationId xmlns:a16="http://schemas.microsoft.com/office/drawing/2014/main" id="{536200F9-0E7E-47B7-846A-47BA952D4163}"/>
+                </a:ext>
+              </a:extLst>
+            </p:cNvPr>
+            <p:cNvCxnSpPr>
+              <a:cxnSpLocks/>
+            </p:cNvCxnSpPr>
+            <p:nvPr/>
+          </p:nvCxnSpPr>
+          <p:spPr>
+            <a:xfrm>
+              <a:off x="2186517" y="3892550"/>
+              <a:ext cx="0" cy="211667"/>
+            </a:xfrm>
+            <a:prstGeom prst="line">
+              <a:avLst/>
+            </a:prstGeom>
+            <a:ln w="38100">
+              <a:solidFill>
+                <a:schemeClr val="tx1"/>
+              </a:solidFill>
+            </a:ln>
+          </p:spPr>
+          <p:style>
+            <a:lnRef idx="1">
+              <a:schemeClr val="accent1"/>
+            </a:lnRef>
+            <a:fillRef idx="0">
+              <a:schemeClr val="accent1"/>
+            </a:fillRef>
+            <a:effectRef idx="0">
+              <a:schemeClr val="accent1"/>
+            </a:effectRef>
+            <a:fontRef idx="minor">
+              <a:schemeClr val="tx1"/>
+            </a:fontRef>
+          </p:style>
+        </p:cxnSp>
+        <p:cxnSp>
+          <p:nvCxnSpPr>
+            <p:cNvPr id="105" name="Straight Connector 104">
+              <a:extLst>
+                <a:ext uri="{FF2B5EF4-FFF2-40B4-BE49-F238E27FC236}">
+                  <a16:creationId xmlns:a16="http://schemas.microsoft.com/office/drawing/2014/main" id="{FFF7D0C9-4657-443A-872A-972BA49FBD6F}"/>
+                </a:ext>
+              </a:extLst>
+            </p:cNvPr>
+            <p:cNvCxnSpPr>
+              <a:cxnSpLocks/>
+            </p:cNvCxnSpPr>
+            <p:nvPr/>
+          </p:nvCxnSpPr>
+          <p:spPr>
+            <a:xfrm>
+              <a:off x="2186517" y="4416756"/>
+              <a:ext cx="0" cy="211667"/>
+            </a:xfrm>
+            <a:prstGeom prst="line">
+              <a:avLst/>
+            </a:prstGeom>
+            <a:ln w="38100">
+              <a:solidFill>
+                <a:schemeClr val="tx1"/>
+              </a:solidFill>
+            </a:ln>
+          </p:spPr>
+          <p:style>
+            <a:lnRef idx="1">
+              <a:schemeClr val="accent1"/>
+            </a:lnRef>
+            <a:fillRef idx="0">
+              <a:schemeClr val="accent1"/>
+            </a:fillRef>
+            <a:effectRef idx="0">
+              <a:schemeClr val="accent1"/>
+            </a:effectRef>
+            <a:fontRef idx="minor">
+              <a:schemeClr val="tx1"/>
+            </a:fontRef>
+          </p:style>
+        </p:cxnSp>
+      </p:grpSp>
+      <p:cxnSp>
+        <p:nvCxnSpPr>
+          <p:cNvPr id="109" name="Straight Connector 108">
+            <a:extLst>
+              <a:ext uri="{FF2B5EF4-FFF2-40B4-BE49-F238E27FC236}">
+                <a16:creationId xmlns:a16="http://schemas.microsoft.com/office/drawing/2014/main" id="{93FCC784-612F-4F9B-852A-895075CBCE78}"/>
+              </a:ext>
+            </a:extLst>
+          </p:cNvPr>
+          <p:cNvCxnSpPr>
+            <a:cxnSpLocks/>
+          </p:cNvCxnSpPr>
+          <p:nvPr/>
+        </p:nvCxnSpPr>
+        <p:spPr>
+          <a:xfrm>
+            <a:off x="951513" y="3817633"/>
+            <a:ext cx="111770" cy="147059"/>
+          </a:xfrm>
+          <a:prstGeom prst="line">
+            <a:avLst/>
+          </a:prstGeom>
+          <a:ln w="38100">
+            <a:solidFill>
+              <a:schemeClr val="tx1"/>
+            </a:solidFill>
           </a:ln>
         </p:spPr>
         <p:style>
@@ -4078,33 +6620,30 @@
       </p:cxnSp>
       <p:cxnSp>
         <p:nvCxnSpPr>
-          <p:cNvPr id="68" name="Straight Arrow Connector 67">
-            <a:extLst>
-              <a:ext uri="{FF2B5EF4-FFF2-40B4-BE49-F238E27FC236}">
-                <a16:creationId xmlns:a16="http://schemas.microsoft.com/office/drawing/2014/main" id="{73CDCA5B-366C-4FA9-941B-3AD2243868A0}"/>
+          <p:cNvPr id="110" name="Straight Connector 109">
+            <a:extLst>
+              <a:ext uri="{FF2B5EF4-FFF2-40B4-BE49-F238E27FC236}">
+                <a16:creationId xmlns:a16="http://schemas.microsoft.com/office/drawing/2014/main" id="{1C0A47FD-6A3D-4EC4-9186-6E6CD621EE2E}"/>
               </a:ext>
             </a:extLst>
           </p:cNvPr>
           <p:cNvCxnSpPr>
             <a:cxnSpLocks/>
-            <a:stCxn id="34" idx="2"/>
-            <a:endCxn id="44" idx="0"/>
           </p:cNvCxnSpPr>
           <p:nvPr/>
         </p:nvCxnSpPr>
         <p:spPr>
           <a:xfrm>
-            <a:off x="6173086" y="2662267"/>
-            <a:ext cx="6314" cy="341410"/>
-          </a:xfrm>
-          <a:prstGeom prst="straightConnector1">
+            <a:off x="951514" y="4688117"/>
+            <a:ext cx="223541" cy="0"/>
+          </a:xfrm>
+          <a:prstGeom prst="line">
             <a:avLst/>
           </a:prstGeom>
           <a:ln w="38100">
             <a:solidFill>
               <a:schemeClr val="tx1"/>
             </a:solidFill>
-            <a:tailEnd type="triangle"/>
           </a:ln>
         </p:spPr>
         <p:style>
@@ -4124,24 +6663,515 @@
       </p:cxnSp>
       <p:cxnSp>
         <p:nvCxnSpPr>
-          <p:cNvPr id="71" name="Straight Arrow Connector 70">
-            <a:extLst>
-              <a:ext uri="{FF2B5EF4-FFF2-40B4-BE49-F238E27FC236}">
-                <a16:creationId xmlns:a16="http://schemas.microsoft.com/office/drawing/2014/main" id="{A12D0C17-3084-44BA-9492-1D4BDB906645}"/>
+          <p:cNvPr id="113" name="Straight Connector 112">
+            <a:extLst>
+              <a:ext uri="{FF2B5EF4-FFF2-40B4-BE49-F238E27FC236}">
+                <a16:creationId xmlns:a16="http://schemas.microsoft.com/office/drawing/2014/main" id="{523863EF-3CE0-4547-AB4E-0BF602D92713}"/>
               </a:ext>
             </a:extLst>
           </p:cNvPr>
           <p:cNvCxnSpPr>
             <a:cxnSpLocks/>
-            <a:stCxn id="73" idx="2"/>
-            <a:endCxn id="137" idx="0"/>
           </p:cNvCxnSpPr>
           <p:nvPr/>
         </p:nvCxnSpPr>
         <p:spPr>
           <a:xfrm>
-            <a:off x="8575565" y="2879174"/>
-            <a:ext cx="0" cy="356722"/>
+            <a:off x="1063284" y="3613515"/>
+            <a:ext cx="0" cy="211667"/>
+          </a:xfrm>
+          <a:prstGeom prst="line">
+            <a:avLst/>
+          </a:prstGeom>
+          <a:ln w="38100">
+            <a:solidFill>
+              <a:schemeClr val="tx1"/>
+            </a:solidFill>
+          </a:ln>
+        </p:spPr>
+        <p:style>
+          <a:lnRef idx="1">
+            <a:schemeClr val="accent1"/>
+          </a:lnRef>
+          <a:fillRef idx="0">
+            <a:schemeClr val="accent1"/>
+          </a:fillRef>
+          <a:effectRef idx="0">
+            <a:schemeClr val="accent1"/>
+          </a:effectRef>
+          <a:fontRef idx="minor">
+            <a:schemeClr val="tx1"/>
+          </a:fontRef>
+        </p:style>
+      </p:cxnSp>
+      <p:cxnSp>
+        <p:nvCxnSpPr>
+          <p:cNvPr id="114" name="Straight Connector 113">
+            <a:extLst>
+              <a:ext uri="{FF2B5EF4-FFF2-40B4-BE49-F238E27FC236}">
+                <a16:creationId xmlns:a16="http://schemas.microsoft.com/office/drawing/2014/main" id="{340629FA-29EB-4F6C-AEEA-0AE7828D17DB}"/>
+              </a:ext>
+            </a:extLst>
+          </p:cNvPr>
+          <p:cNvCxnSpPr>
+            <a:cxnSpLocks/>
+          </p:cNvCxnSpPr>
+          <p:nvPr/>
+        </p:nvCxnSpPr>
+        <p:spPr>
+          <a:xfrm>
+            <a:off x="951513" y="3615546"/>
+            <a:ext cx="223541" cy="0"/>
+          </a:xfrm>
+          <a:prstGeom prst="line">
+            <a:avLst/>
+          </a:prstGeom>
+          <a:ln w="38100">
+            <a:solidFill>
+              <a:schemeClr val="tx1"/>
+            </a:solidFill>
+          </a:ln>
+        </p:spPr>
+        <p:style>
+          <a:lnRef idx="1">
+            <a:schemeClr val="accent1"/>
+          </a:lnRef>
+          <a:fillRef idx="0">
+            <a:schemeClr val="accent1"/>
+          </a:fillRef>
+          <a:effectRef idx="0">
+            <a:schemeClr val="accent1"/>
+          </a:effectRef>
+          <a:fontRef idx="minor">
+            <a:schemeClr val="tx1"/>
+          </a:fontRef>
+        </p:style>
+      </p:cxnSp>
+      <p:sp>
+        <p:nvSpPr>
+          <p:cNvPr id="115" name="TextBox 114">
+            <a:extLst>
+              <a:ext uri="{FF2B5EF4-FFF2-40B4-BE49-F238E27FC236}">
+                <a16:creationId xmlns:a16="http://schemas.microsoft.com/office/drawing/2014/main" id="{A5747D5F-113F-4D46-9982-082F2C10AB8E}"/>
+              </a:ext>
+            </a:extLst>
+          </p:cNvPr>
+          <p:cNvSpPr txBox="1"/>
+          <p:nvPr/>
+        </p:nvSpPr>
+        <p:spPr>
+          <a:xfrm>
+            <a:off x="27531" y="3592891"/>
+            <a:ext cx="816249" cy="584775"/>
+          </a:xfrm>
+          <a:prstGeom prst="rect">
+            <a:avLst/>
+          </a:prstGeom>
+          <a:noFill/>
+        </p:spPr>
+        <p:txBody>
+          <a:bodyPr wrap="none" rtlCol="0">
+            <a:spAutoFit/>
+          </a:bodyPr>
+          <a:lstStyle/>
+          <a:p>
+            <a:r>
+              <a:rPr lang="en-SG" sz="1600" dirty="0"/>
+              <a:t>Manual</a:t>
+            </a:r>
+          </a:p>
+          <a:p>
+            <a:r>
+              <a:rPr lang="en-SG" sz="1600" dirty="0"/>
+              <a:t>Mode</a:t>
+            </a:r>
+          </a:p>
+        </p:txBody>
+      </p:sp>
+      <p:grpSp>
+        <p:nvGrpSpPr>
+          <p:cNvPr id="116" name="Group 115">
+            <a:extLst>
+              <a:ext uri="{FF2B5EF4-FFF2-40B4-BE49-F238E27FC236}">
+                <a16:creationId xmlns:a16="http://schemas.microsoft.com/office/drawing/2014/main" id="{A0CEA57C-D8BC-473E-A0F6-5E3D61D3614F}"/>
+              </a:ext>
+            </a:extLst>
+          </p:cNvPr>
+          <p:cNvGrpSpPr/>
+          <p:nvPr/>
+        </p:nvGrpSpPr>
+        <p:grpSpPr>
+          <a:xfrm>
+            <a:off x="984748" y="5438585"/>
+            <a:ext cx="156632" cy="735873"/>
+            <a:chOff x="2108200" y="3892550"/>
+            <a:chExt cx="156632" cy="735873"/>
+          </a:xfrm>
+        </p:grpSpPr>
+        <p:sp>
+          <p:nvSpPr>
+            <p:cNvPr id="117" name="Rectangle: Rounded Corners 116">
+              <a:extLst>
+                <a:ext uri="{FF2B5EF4-FFF2-40B4-BE49-F238E27FC236}">
+                  <a16:creationId xmlns:a16="http://schemas.microsoft.com/office/drawing/2014/main" id="{98295BB4-7CB8-4668-BAAF-F76FE3D6C29F}"/>
+                </a:ext>
+              </a:extLst>
+            </p:cNvPr>
+            <p:cNvSpPr/>
+            <p:nvPr/>
+          </p:nvSpPr>
+          <p:spPr>
+            <a:xfrm>
+              <a:off x="2108200" y="4104217"/>
+              <a:ext cx="156632" cy="312539"/>
+            </a:xfrm>
+            <a:prstGeom prst="roundRect">
+              <a:avLst/>
+            </a:prstGeom>
+            <a:noFill/>
+            <a:ln w="38100">
+              <a:solidFill>
+                <a:schemeClr val="tx1"/>
+              </a:solidFill>
+            </a:ln>
+          </p:spPr>
+          <p:style>
+            <a:lnRef idx="2">
+              <a:schemeClr val="accent1">
+                <a:shade val="50000"/>
+              </a:schemeClr>
+            </a:lnRef>
+            <a:fillRef idx="1">
+              <a:schemeClr val="accent1"/>
+            </a:fillRef>
+            <a:effectRef idx="0">
+              <a:schemeClr val="accent1"/>
+            </a:effectRef>
+            <a:fontRef idx="minor">
+              <a:schemeClr val="lt1"/>
+            </a:fontRef>
+          </p:style>
+          <p:txBody>
+            <a:bodyPr rtlCol="0" anchor="ctr"/>
+            <a:lstStyle/>
+            <a:p>
+              <a:pPr algn="ctr"/>
+              <a:endParaRPr lang="en-SG"/>
+            </a:p>
+          </p:txBody>
+        </p:sp>
+        <p:cxnSp>
+          <p:nvCxnSpPr>
+            <p:cNvPr id="118" name="Straight Connector 117">
+              <a:extLst>
+                <a:ext uri="{FF2B5EF4-FFF2-40B4-BE49-F238E27FC236}">
+                  <a16:creationId xmlns:a16="http://schemas.microsoft.com/office/drawing/2014/main" id="{FEBD5E51-7279-45C8-8C76-B0BEA3BAB44F}"/>
+                </a:ext>
+              </a:extLst>
+            </p:cNvPr>
+            <p:cNvCxnSpPr>
+              <a:cxnSpLocks/>
+            </p:cNvCxnSpPr>
+            <p:nvPr/>
+          </p:nvCxnSpPr>
+          <p:spPr>
+            <a:xfrm>
+              <a:off x="2186517" y="3892550"/>
+              <a:ext cx="0" cy="211667"/>
+            </a:xfrm>
+            <a:prstGeom prst="line">
+              <a:avLst/>
+            </a:prstGeom>
+            <a:ln w="38100">
+              <a:solidFill>
+                <a:schemeClr val="tx1"/>
+              </a:solidFill>
+            </a:ln>
+          </p:spPr>
+          <p:style>
+            <a:lnRef idx="1">
+              <a:schemeClr val="accent1"/>
+            </a:lnRef>
+            <a:fillRef idx="0">
+              <a:schemeClr val="accent1"/>
+            </a:fillRef>
+            <a:effectRef idx="0">
+              <a:schemeClr val="accent1"/>
+            </a:effectRef>
+            <a:fontRef idx="minor">
+              <a:schemeClr val="tx1"/>
+            </a:fontRef>
+          </p:style>
+        </p:cxnSp>
+        <p:cxnSp>
+          <p:nvCxnSpPr>
+            <p:cNvPr id="119" name="Straight Connector 118">
+              <a:extLst>
+                <a:ext uri="{FF2B5EF4-FFF2-40B4-BE49-F238E27FC236}">
+                  <a16:creationId xmlns:a16="http://schemas.microsoft.com/office/drawing/2014/main" id="{5C2CE66A-0A52-46FF-9E77-167CD047A0AC}"/>
+                </a:ext>
+              </a:extLst>
+            </p:cNvPr>
+            <p:cNvCxnSpPr>
+              <a:cxnSpLocks/>
+            </p:cNvCxnSpPr>
+            <p:nvPr/>
+          </p:nvCxnSpPr>
+          <p:spPr>
+            <a:xfrm>
+              <a:off x="2186517" y="4416756"/>
+              <a:ext cx="0" cy="211667"/>
+            </a:xfrm>
+            <a:prstGeom prst="line">
+              <a:avLst/>
+            </a:prstGeom>
+            <a:ln w="38100">
+              <a:solidFill>
+                <a:schemeClr val="tx1"/>
+              </a:solidFill>
+            </a:ln>
+          </p:spPr>
+          <p:style>
+            <a:lnRef idx="1">
+              <a:schemeClr val="accent1"/>
+            </a:lnRef>
+            <a:fillRef idx="0">
+              <a:schemeClr val="accent1"/>
+            </a:fillRef>
+            <a:effectRef idx="0">
+              <a:schemeClr val="accent1"/>
+            </a:effectRef>
+            <a:fontRef idx="minor">
+              <a:schemeClr val="tx1"/>
+            </a:fontRef>
+          </p:style>
+        </p:cxnSp>
+      </p:grpSp>
+      <p:cxnSp>
+        <p:nvCxnSpPr>
+          <p:cNvPr id="122" name="Straight Connector 121">
+            <a:extLst>
+              <a:ext uri="{FF2B5EF4-FFF2-40B4-BE49-F238E27FC236}">
+                <a16:creationId xmlns:a16="http://schemas.microsoft.com/office/drawing/2014/main" id="{DEFD085E-AD63-4473-9ED3-FAA2E405EF40}"/>
+              </a:ext>
+            </a:extLst>
+          </p:cNvPr>
+          <p:cNvCxnSpPr>
+            <a:cxnSpLocks/>
+          </p:cNvCxnSpPr>
+          <p:nvPr/>
+        </p:nvCxnSpPr>
+        <p:spPr>
+          <a:xfrm>
+            <a:off x="951293" y="6175099"/>
+            <a:ext cx="223541" cy="0"/>
+          </a:xfrm>
+          <a:prstGeom prst="line">
+            <a:avLst/>
+          </a:prstGeom>
+          <a:ln w="38100">
+            <a:solidFill>
+              <a:schemeClr val="tx1"/>
+            </a:solidFill>
+          </a:ln>
+        </p:spPr>
+        <p:style>
+          <a:lnRef idx="1">
+            <a:schemeClr val="accent1"/>
+          </a:lnRef>
+          <a:fillRef idx="0">
+            <a:schemeClr val="accent1"/>
+          </a:fillRef>
+          <a:effectRef idx="0">
+            <a:schemeClr val="accent1"/>
+          </a:effectRef>
+          <a:fontRef idx="minor">
+            <a:schemeClr val="tx1"/>
+          </a:fontRef>
+        </p:style>
+      </p:cxnSp>
+      <p:cxnSp>
+        <p:nvCxnSpPr>
+          <p:cNvPr id="123" name="Straight Connector 122">
+            <a:extLst>
+              <a:ext uri="{FF2B5EF4-FFF2-40B4-BE49-F238E27FC236}">
+                <a16:creationId xmlns:a16="http://schemas.microsoft.com/office/drawing/2014/main" id="{2185EFB3-F665-4749-8CD3-3129470614BE}"/>
+              </a:ext>
+            </a:extLst>
+          </p:cNvPr>
+          <p:cNvCxnSpPr>
+            <a:cxnSpLocks/>
+          </p:cNvCxnSpPr>
+          <p:nvPr/>
+        </p:nvCxnSpPr>
+        <p:spPr>
+          <a:xfrm>
+            <a:off x="1063063" y="5100497"/>
+            <a:ext cx="0" cy="211667"/>
+          </a:xfrm>
+          <a:prstGeom prst="line">
+            <a:avLst/>
+          </a:prstGeom>
+          <a:ln w="38100">
+            <a:solidFill>
+              <a:schemeClr val="tx1"/>
+            </a:solidFill>
+          </a:ln>
+        </p:spPr>
+        <p:style>
+          <a:lnRef idx="1">
+            <a:schemeClr val="accent1"/>
+          </a:lnRef>
+          <a:fillRef idx="0">
+            <a:schemeClr val="accent1"/>
+          </a:fillRef>
+          <a:effectRef idx="0">
+            <a:schemeClr val="accent1"/>
+          </a:effectRef>
+          <a:fontRef idx="minor">
+            <a:schemeClr val="tx1"/>
+          </a:fontRef>
+        </p:style>
+      </p:cxnSp>
+      <p:cxnSp>
+        <p:nvCxnSpPr>
+          <p:cNvPr id="124" name="Straight Connector 123">
+            <a:extLst>
+              <a:ext uri="{FF2B5EF4-FFF2-40B4-BE49-F238E27FC236}">
+                <a16:creationId xmlns:a16="http://schemas.microsoft.com/office/drawing/2014/main" id="{E7BB10A8-3863-42E4-A0FA-B10627D9CC50}"/>
+              </a:ext>
+            </a:extLst>
+          </p:cNvPr>
+          <p:cNvCxnSpPr>
+            <a:cxnSpLocks/>
+          </p:cNvCxnSpPr>
+          <p:nvPr/>
+        </p:nvCxnSpPr>
+        <p:spPr>
+          <a:xfrm>
+            <a:off x="951292" y="5102528"/>
+            <a:ext cx="223541" cy="0"/>
+          </a:xfrm>
+          <a:prstGeom prst="line">
+            <a:avLst/>
+          </a:prstGeom>
+          <a:ln w="38100">
+            <a:solidFill>
+              <a:schemeClr val="tx1"/>
+            </a:solidFill>
+          </a:ln>
+        </p:spPr>
+        <p:style>
+          <a:lnRef idx="1">
+            <a:schemeClr val="accent1"/>
+          </a:lnRef>
+          <a:fillRef idx="0">
+            <a:schemeClr val="accent1"/>
+          </a:fillRef>
+          <a:effectRef idx="0">
+            <a:schemeClr val="accent1"/>
+          </a:effectRef>
+          <a:fontRef idx="minor">
+            <a:schemeClr val="tx1"/>
+          </a:fontRef>
+        </p:style>
+      </p:cxnSp>
+      <p:sp>
+        <p:nvSpPr>
+          <p:cNvPr id="125" name="TextBox 124">
+            <a:extLst>
+              <a:ext uri="{FF2B5EF4-FFF2-40B4-BE49-F238E27FC236}">
+                <a16:creationId xmlns:a16="http://schemas.microsoft.com/office/drawing/2014/main" id="{C2D87747-A29E-4174-BBD8-FFB3677CC5D7}"/>
+              </a:ext>
+            </a:extLst>
+          </p:cNvPr>
+          <p:cNvSpPr txBox="1"/>
+          <p:nvPr/>
+        </p:nvSpPr>
+        <p:spPr>
+          <a:xfrm>
+            <a:off x="-17002" y="5198369"/>
+            <a:ext cx="857927" cy="338554"/>
+          </a:xfrm>
+          <a:prstGeom prst="rect">
+            <a:avLst/>
+          </a:prstGeom>
+          <a:noFill/>
+        </p:spPr>
+        <p:txBody>
+          <a:bodyPr wrap="none" rtlCol="0">
+            <a:spAutoFit/>
+          </a:bodyPr>
+          <a:lstStyle/>
+          <a:p>
+            <a:r>
+              <a:rPr lang="en-SG" sz="1600" dirty="0"/>
+              <a:t>ON/OFF</a:t>
+            </a:r>
+          </a:p>
+        </p:txBody>
+      </p:sp>
+      <p:cxnSp>
+        <p:nvCxnSpPr>
+          <p:cNvPr id="128" name="Straight Connector 127">
+            <a:extLst>
+              <a:ext uri="{FF2B5EF4-FFF2-40B4-BE49-F238E27FC236}">
+                <a16:creationId xmlns:a16="http://schemas.microsoft.com/office/drawing/2014/main" id="{345B7D43-4569-4F6C-8F72-4FD0C1FC1839}"/>
+              </a:ext>
+            </a:extLst>
+          </p:cNvPr>
+          <p:cNvCxnSpPr>
+            <a:cxnSpLocks/>
+          </p:cNvCxnSpPr>
+          <p:nvPr/>
+        </p:nvCxnSpPr>
+        <p:spPr>
+          <a:xfrm>
+            <a:off x="951292" y="5304614"/>
+            <a:ext cx="111770" cy="147059"/>
+          </a:xfrm>
+          <a:prstGeom prst="line">
+            <a:avLst/>
+          </a:prstGeom>
+          <a:ln w="38100">
+            <a:solidFill>
+              <a:schemeClr val="tx1"/>
+            </a:solidFill>
+          </a:ln>
+        </p:spPr>
+        <p:style>
+          <a:lnRef idx="1">
+            <a:schemeClr val="accent1"/>
+          </a:lnRef>
+          <a:fillRef idx="0">
+            <a:schemeClr val="accent1"/>
+          </a:fillRef>
+          <a:effectRef idx="0">
+            <a:schemeClr val="accent1"/>
+          </a:effectRef>
+          <a:fontRef idx="minor">
+            <a:schemeClr val="tx1"/>
+          </a:fontRef>
+        </p:style>
+      </p:cxnSp>
+      <p:cxnSp>
+        <p:nvCxnSpPr>
+          <p:cNvPr id="134" name="Straight Arrow Connector 133">
+            <a:extLst>
+              <a:ext uri="{FF2B5EF4-FFF2-40B4-BE49-F238E27FC236}">
+                <a16:creationId xmlns:a16="http://schemas.microsoft.com/office/drawing/2014/main" id="{A1B09F4A-6459-4B06-8FF5-DCF937684C3C}"/>
+              </a:ext>
+            </a:extLst>
+          </p:cNvPr>
+          <p:cNvCxnSpPr>
+            <a:cxnSpLocks/>
+          </p:cNvCxnSpPr>
+          <p:nvPr/>
+        </p:nvCxnSpPr>
+        <p:spPr>
+          <a:xfrm>
+            <a:off x="1063283" y="4060767"/>
+            <a:ext cx="773362" cy="0"/>
           </a:xfrm>
           <a:prstGeom prst="straightConnector1">
             <a:avLst/>
@@ -4168,205 +7198,24 @@
           </a:fontRef>
         </p:style>
       </p:cxnSp>
-      <p:sp>
-        <p:nvSpPr>
-          <p:cNvPr id="73" name="TextBox 72">
-            <a:extLst>
-              <a:ext uri="{FF2B5EF4-FFF2-40B4-BE49-F238E27FC236}">
-                <a16:creationId xmlns:a16="http://schemas.microsoft.com/office/drawing/2014/main" id="{AE09314F-E6F8-4ABA-BCA9-665F4F339317}"/>
-              </a:ext>
-            </a:extLst>
-          </p:cNvPr>
-          <p:cNvSpPr txBox="1"/>
-          <p:nvPr/>
-        </p:nvSpPr>
-        <p:spPr>
-          <a:xfrm>
-            <a:off x="8242781" y="2509842"/>
-            <a:ext cx="665568" cy="369332"/>
-          </a:xfrm>
-          <a:prstGeom prst="rect">
-            <a:avLst/>
-          </a:prstGeom>
-          <a:noFill/>
-        </p:spPr>
-        <p:txBody>
-          <a:bodyPr wrap="none" rtlCol="0">
-            <a:spAutoFit/>
-          </a:bodyPr>
-          <a:lstStyle/>
-          <a:p>
-            <a:pPr algn="ctr"/>
-            <a:r>
-              <a:rPr lang="en-US" dirty="0"/>
-              <a:t>+24V</a:t>
-            </a:r>
-          </a:p>
-        </p:txBody>
-      </p:sp>
-      <p:sp>
-        <p:nvSpPr>
-          <p:cNvPr id="76" name="TextBox 75">
-            <a:extLst>
-              <a:ext uri="{FF2B5EF4-FFF2-40B4-BE49-F238E27FC236}">
-                <a16:creationId xmlns:a16="http://schemas.microsoft.com/office/drawing/2014/main" id="{DF0C0B10-EFD2-4116-ADF3-ADCF314F85B3}"/>
-              </a:ext>
-            </a:extLst>
-          </p:cNvPr>
-          <p:cNvSpPr txBox="1"/>
-          <p:nvPr/>
-        </p:nvSpPr>
-        <p:spPr>
-          <a:xfrm>
-            <a:off x="9281137" y="3271186"/>
-            <a:ext cx="457177" cy="369332"/>
-          </a:xfrm>
-          <a:prstGeom prst="rect">
-            <a:avLst/>
-          </a:prstGeom>
-          <a:noFill/>
-        </p:spPr>
-        <p:txBody>
-          <a:bodyPr wrap="none" rtlCol="0">
-            <a:spAutoFit/>
-          </a:bodyPr>
-          <a:lstStyle/>
-          <a:p>
-            <a:pPr algn="ctr"/>
-            <a:r>
-              <a:rPr lang="en-US" dirty="0"/>
-              <a:t>NC</a:t>
-            </a:r>
-          </a:p>
-        </p:txBody>
-      </p:sp>
-      <p:sp>
-        <p:nvSpPr>
-          <p:cNvPr id="79" name="TextBox 78">
-            <a:extLst>
-              <a:ext uri="{FF2B5EF4-FFF2-40B4-BE49-F238E27FC236}">
-                <a16:creationId xmlns:a16="http://schemas.microsoft.com/office/drawing/2014/main" id="{90EB199C-1C46-4C18-A980-17B586B8B71C}"/>
-              </a:ext>
-            </a:extLst>
-          </p:cNvPr>
-          <p:cNvSpPr txBox="1"/>
-          <p:nvPr/>
-        </p:nvSpPr>
-        <p:spPr>
-          <a:xfrm>
-            <a:off x="5153581" y="1489213"/>
-            <a:ext cx="665567" cy="369332"/>
-          </a:xfrm>
-          <a:prstGeom prst="rect">
-            <a:avLst/>
-          </a:prstGeom>
-          <a:noFill/>
-        </p:spPr>
-        <p:txBody>
-          <a:bodyPr wrap="none" rtlCol="0">
-            <a:spAutoFit/>
-          </a:bodyPr>
-          <a:lstStyle/>
-          <a:p>
-            <a:pPr algn="ctr"/>
-            <a:r>
-              <a:rPr lang="en-US" dirty="0"/>
-              <a:t>+24V</a:t>
-            </a:r>
-          </a:p>
-        </p:txBody>
-      </p:sp>
-      <p:sp>
-        <p:nvSpPr>
-          <p:cNvPr id="34" name="TextBox 33">
-            <a:extLst>
-              <a:ext uri="{FF2B5EF4-FFF2-40B4-BE49-F238E27FC236}">
-                <a16:creationId xmlns:a16="http://schemas.microsoft.com/office/drawing/2014/main" id="{5703C412-13D1-4E10-8B15-C9E8FB60EB66}"/>
-              </a:ext>
-            </a:extLst>
-          </p:cNvPr>
-          <p:cNvSpPr txBox="1"/>
-          <p:nvPr/>
-        </p:nvSpPr>
-        <p:spPr>
-          <a:xfrm>
-            <a:off x="5840302" y="2292935"/>
-            <a:ext cx="665568" cy="369332"/>
-          </a:xfrm>
-          <a:prstGeom prst="rect">
-            <a:avLst/>
-          </a:prstGeom>
-          <a:noFill/>
-        </p:spPr>
-        <p:txBody>
-          <a:bodyPr wrap="none" rtlCol="0">
-            <a:spAutoFit/>
-          </a:bodyPr>
-          <a:lstStyle/>
-          <a:p>
-            <a:pPr algn="ctr"/>
-            <a:r>
-              <a:rPr lang="en-US" dirty="0"/>
-              <a:t>+12V</a:t>
-            </a:r>
-          </a:p>
-        </p:txBody>
-      </p:sp>
-      <p:sp>
-        <p:nvSpPr>
-          <p:cNvPr id="50" name="TextBox 49">
-            <a:extLst>
-              <a:ext uri="{FF2B5EF4-FFF2-40B4-BE49-F238E27FC236}">
-                <a16:creationId xmlns:a16="http://schemas.microsoft.com/office/drawing/2014/main" id="{535F633B-EF14-46F0-AB4D-243BA6634BB8}"/>
-              </a:ext>
-            </a:extLst>
-          </p:cNvPr>
-          <p:cNvSpPr txBox="1"/>
-          <p:nvPr/>
-        </p:nvSpPr>
-        <p:spPr>
-          <a:xfrm>
-            <a:off x="5135780" y="1804914"/>
-            <a:ext cx="665568" cy="369332"/>
-          </a:xfrm>
-          <a:prstGeom prst="rect">
-            <a:avLst/>
-          </a:prstGeom>
-          <a:noFill/>
-        </p:spPr>
-        <p:txBody>
-          <a:bodyPr wrap="none" rtlCol="0">
-            <a:spAutoFit/>
-          </a:bodyPr>
-          <a:lstStyle/>
-          <a:p>
-            <a:pPr algn="ctr"/>
-            <a:r>
-              <a:rPr lang="en-US" dirty="0"/>
-              <a:t>+12V</a:t>
-            </a:r>
-          </a:p>
-        </p:txBody>
-      </p:sp>
       <p:cxnSp>
         <p:nvCxnSpPr>
-          <p:cNvPr id="51" name="Straight Arrow Connector 50">
-            <a:extLst>
-              <a:ext uri="{FF2B5EF4-FFF2-40B4-BE49-F238E27FC236}">
-                <a16:creationId xmlns:a16="http://schemas.microsoft.com/office/drawing/2014/main" id="{07F04B4E-8A0A-4ACC-8E16-E1FB7495FA0C}"/>
+          <p:cNvPr id="135" name="Straight Arrow Connector 134">
+            <a:extLst>
+              <a:ext uri="{FF2B5EF4-FFF2-40B4-BE49-F238E27FC236}">
+                <a16:creationId xmlns:a16="http://schemas.microsoft.com/office/drawing/2014/main" id="{483C3F24-DCF3-4886-BA4A-A14740363353}"/>
               </a:ext>
             </a:extLst>
           </p:cNvPr>
           <p:cNvCxnSpPr>
             <a:cxnSpLocks/>
-            <a:endCxn id="50" idx="1"/>
           </p:cNvCxnSpPr>
           <p:nvPr/>
         </p:nvCxnSpPr>
         <p:spPr>
           <a:xfrm>
-            <a:off x="4753600" y="1989580"/>
-            <a:ext cx="382180" cy="0"/>
+            <a:off x="1069961" y="5536923"/>
+            <a:ext cx="773362" cy="0"/>
           </a:xfrm>
           <a:prstGeom prst="straightConnector1">
             <a:avLst/>
@@ -4393,12 +7242,56 @@
           </a:fontRef>
         </p:style>
       </p:cxnSp>
-      <p:sp>
-        <p:nvSpPr>
-          <p:cNvPr id="63" name="TextBox 62">
-            <a:extLst>
-              <a:ext uri="{FF2B5EF4-FFF2-40B4-BE49-F238E27FC236}">
-                <a16:creationId xmlns:a16="http://schemas.microsoft.com/office/drawing/2014/main" id="{79F73015-DC19-4504-B91E-101FABB3695A}"/>
+      <p:cxnSp>
+        <p:nvCxnSpPr>
+          <p:cNvPr id="136" name="Straight Arrow Connector 135">
+            <a:extLst>
+              <a:ext uri="{FF2B5EF4-FFF2-40B4-BE49-F238E27FC236}">
+                <a16:creationId xmlns:a16="http://schemas.microsoft.com/office/drawing/2014/main" id="{C91D5FA4-B62D-4AA5-9FC6-DA4160CF46A4}"/>
+              </a:ext>
+            </a:extLst>
+          </p:cNvPr>
+          <p:cNvCxnSpPr>
+            <a:cxnSpLocks/>
+          </p:cNvCxnSpPr>
+          <p:nvPr/>
+        </p:nvCxnSpPr>
+        <p:spPr>
+          <a:xfrm flipH="1">
+            <a:off x="8225629" y="1745301"/>
+            <a:ext cx="314936" cy="0"/>
+          </a:xfrm>
+          <a:prstGeom prst="straightConnector1">
+            <a:avLst/>
+          </a:prstGeom>
+          <a:ln w="38100">
+            <a:solidFill>
+              <a:schemeClr val="tx1"/>
+            </a:solidFill>
+            <a:tailEnd type="triangle"/>
+          </a:ln>
+        </p:spPr>
+        <p:style>
+          <a:lnRef idx="1">
+            <a:schemeClr val="accent1"/>
+          </a:lnRef>
+          <a:fillRef idx="0">
+            <a:schemeClr val="accent1"/>
+          </a:fillRef>
+          <a:effectRef idx="0">
+            <a:schemeClr val="accent1"/>
+          </a:effectRef>
+          <a:fontRef idx="minor">
+            <a:schemeClr val="tx1"/>
+          </a:fontRef>
+        </p:style>
+      </p:cxnSp>
+      <p:sp>
+        <p:nvSpPr>
+          <p:cNvPr id="138" name="TextBox 137">
+            <a:extLst>
+              <a:ext uri="{FF2B5EF4-FFF2-40B4-BE49-F238E27FC236}">
+                <a16:creationId xmlns:a16="http://schemas.microsoft.com/office/drawing/2014/main" id="{485214B5-F811-4037-8D9E-1682D076A637}"/>
               </a:ext>
             </a:extLst>
           </p:cNvPr>
@@ -4407,8 +7300,8 @@
         </p:nvSpPr>
         <p:spPr>
           <a:xfrm>
-            <a:off x="2193374" y="3259279"/>
-            <a:ext cx="958917" cy="369332"/>
+            <a:off x="8484126" y="1545246"/>
+            <a:ext cx="548547" cy="369332"/>
           </a:xfrm>
           <a:prstGeom prst="rect">
             <a:avLst/>
@@ -4424,6 +7317,1698 @@
             <a:pPr algn="ctr"/>
             <a:r>
               <a:rPr lang="en-US" dirty="0"/>
+              <a:t>+5V</a:t>
+            </a:r>
+          </a:p>
+        </p:txBody>
+      </p:sp>
+      <p:cxnSp>
+        <p:nvCxnSpPr>
+          <p:cNvPr id="141" name="Straight Arrow Connector 140">
+            <a:extLst>
+              <a:ext uri="{FF2B5EF4-FFF2-40B4-BE49-F238E27FC236}">
+                <a16:creationId xmlns:a16="http://schemas.microsoft.com/office/drawing/2014/main" id="{1D89FBA7-6AF3-46D2-9330-C4BC9512CF65}"/>
+              </a:ext>
+            </a:extLst>
+          </p:cNvPr>
+          <p:cNvCxnSpPr>
+            <a:cxnSpLocks/>
+          </p:cNvCxnSpPr>
+          <p:nvPr/>
+        </p:nvCxnSpPr>
+        <p:spPr>
+          <a:xfrm flipH="1">
+            <a:off x="8225629" y="2537812"/>
+            <a:ext cx="314936" cy="0"/>
+          </a:xfrm>
+          <a:prstGeom prst="straightConnector1">
+            <a:avLst/>
+          </a:prstGeom>
+          <a:ln w="38100">
+            <a:solidFill>
+              <a:schemeClr val="tx1"/>
+            </a:solidFill>
+            <a:tailEnd type="triangle"/>
+          </a:ln>
+        </p:spPr>
+        <p:style>
+          <a:lnRef idx="1">
+            <a:schemeClr val="accent1"/>
+          </a:lnRef>
+          <a:fillRef idx="0">
+            <a:schemeClr val="accent1"/>
+          </a:fillRef>
+          <a:effectRef idx="0">
+            <a:schemeClr val="accent1"/>
+          </a:effectRef>
+          <a:fontRef idx="minor">
+            <a:schemeClr val="tx1"/>
+          </a:fontRef>
+        </p:style>
+      </p:cxnSp>
+      <p:sp>
+        <p:nvSpPr>
+          <p:cNvPr id="142" name="TextBox 141">
+            <a:extLst>
+              <a:ext uri="{FF2B5EF4-FFF2-40B4-BE49-F238E27FC236}">
+                <a16:creationId xmlns:a16="http://schemas.microsoft.com/office/drawing/2014/main" id="{C45A93C1-A40D-4D27-AB8F-FD45218A3715}"/>
+              </a:ext>
+            </a:extLst>
+          </p:cNvPr>
+          <p:cNvSpPr txBox="1"/>
+          <p:nvPr/>
+        </p:nvSpPr>
+        <p:spPr>
+          <a:xfrm>
+            <a:off x="8484126" y="2346069"/>
+            <a:ext cx="622286" cy="369332"/>
+          </a:xfrm>
+          <a:prstGeom prst="rect">
+            <a:avLst/>
+          </a:prstGeom>
+          <a:noFill/>
+        </p:spPr>
+        <p:txBody>
+          <a:bodyPr wrap="none" rtlCol="0">
+            <a:spAutoFit/>
+          </a:bodyPr>
+          <a:lstStyle/>
+          <a:p>
+            <a:pPr algn="ctr"/>
+            <a:r>
+              <a:rPr lang="en-US" dirty="0"/>
+              <a:t>GND</a:t>
+            </a:r>
+          </a:p>
+        </p:txBody>
+      </p:sp>
+      <p:sp>
+        <p:nvSpPr>
+          <p:cNvPr id="143" name="TextBox 142">
+            <a:extLst>
+              <a:ext uri="{FF2B5EF4-FFF2-40B4-BE49-F238E27FC236}">
+                <a16:creationId xmlns:a16="http://schemas.microsoft.com/office/drawing/2014/main" id="{581E7DBC-906A-4F72-A869-858EDA0800BA}"/>
+              </a:ext>
+            </a:extLst>
+          </p:cNvPr>
+          <p:cNvSpPr txBox="1"/>
+          <p:nvPr/>
+        </p:nvSpPr>
+        <p:spPr>
+          <a:xfrm>
+            <a:off x="7899214" y="1842995"/>
+            <a:ext cx="303288" cy="338554"/>
+          </a:xfrm>
+          <a:prstGeom prst="rect">
+            <a:avLst/>
+          </a:prstGeom>
+          <a:noFill/>
+        </p:spPr>
+        <p:txBody>
+          <a:bodyPr wrap="none" rtlCol="0">
+            <a:spAutoFit/>
+          </a:bodyPr>
+          <a:lstStyle/>
+          <a:p>
+            <a:r>
+              <a:rPr lang="en-SG" sz="1600" dirty="0"/>
+              <a:t>A</a:t>
+            </a:r>
+          </a:p>
+        </p:txBody>
+      </p:sp>
+      <p:sp>
+        <p:nvSpPr>
+          <p:cNvPr id="144" name="TextBox 143">
+            <a:extLst>
+              <a:ext uri="{FF2B5EF4-FFF2-40B4-BE49-F238E27FC236}">
+                <a16:creationId xmlns:a16="http://schemas.microsoft.com/office/drawing/2014/main" id="{B37A610B-74A8-41F6-ACC4-026557852D91}"/>
+              </a:ext>
+            </a:extLst>
+          </p:cNvPr>
+          <p:cNvSpPr txBox="1"/>
+          <p:nvPr/>
+        </p:nvSpPr>
+        <p:spPr>
+          <a:xfrm>
+            <a:off x="7899214" y="2109966"/>
+            <a:ext cx="296876" cy="338554"/>
+          </a:xfrm>
+          <a:prstGeom prst="rect">
+            <a:avLst/>
+          </a:prstGeom>
+          <a:noFill/>
+        </p:spPr>
+        <p:txBody>
+          <a:bodyPr wrap="none" rtlCol="0">
+            <a:spAutoFit/>
+          </a:bodyPr>
+          <a:lstStyle/>
+          <a:p>
+            <a:r>
+              <a:rPr lang="en-SG" sz="1600" dirty="0"/>
+              <a:t>B</a:t>
+            </a:r>
+          </a:p>
+        </p:txBody>
+      </p:sp>
+      <p:cxnSp>
+        <p:nvCxnSpPr>
+          <p:cNvPr id="145" name="Straight Arrow Connector 144">
+            <a:extLst>
+              <a:ext uri="{FF2B5EF4-FFF2-40B4-BE49-F238E27FC236}">
+                <a16:creationId xmlns:a16="http://schemas.microsoft.com/office/drawing/2014/main" id="{39A13FB6-33F2-4B32-A2E3-F2015543C5DE}"/>
+              </a:ext>
+            </a:extLst>
+          </p:cNvPr>
+          <p:cNvCxnSpPr>
+            <a:cxnSpLocks/>
+          </p:cNvCxnSpPr>
+          <p:nvPr/>
+        </p:nvCxnSpPr>
+        <p:spPr>
+          <a:xfrm flipH="1">
+            <a:off x="8225629" y="2009471"/>
+            <a:ext cx="2208743" cy="0"/>
+          </a:xfrm>
+          <a:prstGeom prst="straightConnector1">
+            <a:avLst/>
+          </a:prstGeom>
+          <a:ln w="38100">
+            <a:solidFill>
+              <a:schemeClr val="tx1"/>
+            </a:solidFill>
+            <a:headEnd type="triangle" w="med" len="med"/>
+            <a:tailEnd type="triangle" w="med" len="med"/>
+          </a:ln>
+        </p:spPr>
+        <p:style>
+          <a:lnRef idx="1">
+            <a:schemeClr val="accent1"/>
+          </a:lnRef>
+          <a:fillRef idx="0">
+            <a:schemeClr val="accent1"/>
+          </a:fillRef>
+          <a:effectRef idx="0">
+            <a:schemeClr val="accent1"/>
+          </a:effectRef>
+          <a:fontRef idx="minor">
+            <a:schemeClr val="tx1"/>
+          </a:fontRef>
+        </p:style>
+      </p:cxnSp>
+      <p:cxnSp>
+        <p:nvCxnSpPr>
+          <p:cNvPr id="147" name="Straight Arrow Connector 146">
+            <a:extLst>
+              <a:ext uri="{FF2B5EF4-FFF2-40B4-BE49-F238E27FC236}">
+                <a16:creationId xmlns:a16="http://schemas.microsoft.com/office/drawing/2014/main" id="{8FD258A3-0038-4AB8-A8DF-EB766BB96D45}"/>
+              </a:ext>
+            </a:extLst>
+          </p:cNvPr>
+          <p:cNvCxnSpPr>
+            <a:cxnSpLocks/>
+          </p:cNvCxnSpPr>
+          <p:nvPr/>
+        </p:nvCxnSpPr>
+        <p:spPr>
+          <a:xfrm flipH="1">
+            <a:off x="8225629" y="2273641"/>
+            <a:ext cx="2208743" cy="0"/>
+          </a:xfrm>
+          <a:prstGeom prst="straightConnector1">
+            <a:avLst/>
+          </a:prstGeom>
+          <a:ln w="38100">
+            <a:solidFill>
+              <a:schemeClr val="tx1"/>
+            </a:solidFill>
+            <a:headEnd type="triangle" w="med" len="med"/>
+            <a:tailEnd type="triangle" w="med" len="med"/>
+          </a:ln>
+        </p:spPr>
+        <p:style>
+          <a:lnRef idx="1">
+            <a:schemeClr val="accent1"/>
+          </a:lnRef>
+          <a:fillRef idx="0">
+            <a:schemeClr val="accent1"/>
+          </a:fillRef>
+          <a:effectRef idx="0">
+            <a:schemeClr val="accent1"/>
+          </a:effectRef>
+          <a:fontRef idx="minor">
+            <a:schemeClr val="tx1"/>
+          </a:fontRef>
+        </p:style>
+      </p:cxnSp>
+      <p:cxnSp>
+        <p:nvCxnSpPr>
+          <p:cNvPr id="148" name="Straight Arrow Connector 147">
+            <a:extLst>
+              <a:ext uri="{FF2B5EF4-FFF2-40B4-BE49-F238E27FC236}">
+                <a16:creationId xmlns:a16="http://schemas.microsoft.com/office/drawing/2014/main" id="{32B7C2EB-FE56-4C5D-A195-E805B0824A4A}"/>
+              </a:ext>
+            </a:extLst>
+          </p:cNvPr>
+          <p:cNvCxnSpPr>
+            <a:cxnSpLocks/>
+          </p:cNvCxnSpPr>
+          <p:nvPr/>
+        </p:nvCxnSpPr>
+        <p:spPr>
+          <a:xfrm flipH="1">
+            <a:off x="8025115" y="3144312"/>
+            <a:ext cx="314936" cy="0"/>
+          </a:xfrm>
+          <a:prstGeom prst="straightConnector1">
+            <a:avLst/>
+          </a:prstGeom>
+          <a:ln w="38100">
+            <a:solidFill>
+              <a:schemeClr val="tx1"/>
+            </a:solidFill>
+            <a:tailEnd type="triangle"/>
+          </a:ln>
+        </p:spPr>
+        <p:style>
+          <a:lnRef idx="1">
+            <a:schemeClr val="accent1"/>
+          </a:lnRef>
+          <a:fillRef idx="0">
+            <a:schemeClr val="accent1"/>
+          </a:fillRef>
+          <a:effectRef idx="0">
+            <a:schemeClr val="accent1"/>
+          </a:effectRef>
+          <a:fontRef idx="minor">
+            <a:schemeClr val="tx1"/>
+          </a:fontRef>
+        </p:style>
+      </p:cxnSp>
+      <p:sp>
+        <p:nvSpPr>
+          <p:cNvPr id="149" name="TextBox 148">
+            <a:extLst>
+              <a:ext uri="{FF2B5EF4-FFF2-40B4-BE49-F238E27FC236}">
+                <a16:creationId xmlns:a16="http://schemas.microsoft.com/office/drawing/2014/main" id="{1A6CC7AE-085F-4A3A-B482-F1B2A71E6962}"/>
+              </a:ext>
+            </a:extLst>
+          </p:cNvPr>
+          <p:cNvSpPr txBox="1"/>
+          <p:nvPr/>
+        </p:nvSpPr>
+        <p:spPr>
+          <a:xfrm>
+            <a:off x="8283612" y="2944257"/>
+            <a:ext cx="548547" cy="369332"/>
+          </a:xfrm>
+          <a:prstGeom prst="rect">
+            <a:avLst/>
+          </a:prstGeom>
+          <a:noFill/>
+        </p:spPr>
+        <p:txBody>
+          <a:bodyPr wrap="none" rtlCol="0">
+            <a:spAutoFit/>
+          </a:bodyPr>
+          <a:lstStyle/>
+          <a:p>
+            <a:pPr algn="ctr"/>
+            <a:r>
+              <a:rPr lang="en-US" dirty="0"/>
+              <a:t>+5V</a:t>
+            </a:r>
+          </a:p>
+        </p:txBody>
+      </p:sp>
+      <p:cxnSp>
+        <p:nvCxnSpPr>
+          <p:cNvPr id="150" name="Straight Arrow Connector 149">
+            <a:extLst>
+              <a:ext uri="{FF2B5EF4-FFF2-40B4-BE49-F238E27FC236}">
+                <a16:creationId xmlns:a16="http://schemas.microsoft.com/office/drawing/2014/main" id="{7CA0FE53-6487-44D3-BF0A-506AD324FA9F}"/>
+              </a:ext>
+            </a:extLst>
+          </p:cNvPr>
+          <p:cNvCxnSpPr>
+            <a:cxnSpLocks/>
+          </p:cNvCxnSpPr>
+          <p:nvPr/>
+        </p:nvCxnSpPr>
+        <p:spPr>
+          <a:xfrm flipH="1">
+            <a:off x="8025115" y="3404308"/>
+            <a:ext cx="314936" cy="0"/>
+          </a:xfrm>
+          <a:prstGeom prst="straightConnector1">
+            <a:avLst/>
+          </a:prstGeom>
+          <a:ln w="38100">
+            <a:solidFill>
+              <a:schemeClr val="tx1"/>
+            </a:solidFill>
+            <a:tailEnd type="triangle"/>
+          </a:ln>
+        </p:spPr>
+        <p:style>
+          <a:lnRef idx="1">
+            <a:schemeClr val="accent1"/>
+          </a:lnRef>
+          <a:fillRef idx="0">
+            <a:schemeClr val="accent1"/>
+          </a:fillRef>
+          <a:effectRef idx="0">
+            <a:schemeClr val="accent1"/>
+          </a:effectRef>
+          <a:fontRef idx="minor">
+            <a:schemeClr val="tx1"/>
+          </a:fontRef>
+        </p:style>
+      </p:cxnSp>
+      <p:sp>
+        <p:nvSpPr>
+          <p:cNvPr id="151" name="TextBox 150">
+            <a:extLst>
+              <a:ext uri="{FF2B5EF4-FFF2-40B4-BE49-F238E27FC236}">
+                <a16:creationId xmlns:a16="http://schemas.microsoft.com/office/drawing/2014/main" id="{75FAF6E9-7F5C-4576-ABFC-7EF0A14F88D6}"/>
+              </a:ext>
+            </a:extLst>
+          </p:cNvPr>
+          <p:cNvSpPr txBox="1"/>
+          <p:nvPr/>
+        </p:nvSpPr>
+        <p:spPr>
+          <a:xfrm>
+            <a:off x="8283612" y="3212565"/>
+            <a:ext cx="622286" cy="369332"/>
+          </a:xfrm>
+          <a:prstGeom prst="rect">
+            <a:avLst/>
+          </a:prstGeom>
+          <a:noFill/>
+        </p:spPr>
+        <p:txBody>
+          <a:bodyPr wrap="none" rtlCol="0">
+            <a:spAutoFit/>
+          </a:bodyPr>
+          <a:lstStyle/>
+          <a:p>
+            <a:pPr algn="ctr"/>
+            <a:r>
+              <a:rPr lang="en-US" dirty="0"/>
+              <a:t>GND</a:t>
+            </a:r>
+          </a:p>
+        </p:txBody>
+      </p:sp>
+      <p:cxnSp>
+        <p:nvCxnSpPr>
+          <p:cNvPr id="160" name="Straight Arrow Connector 159">
+            <a:extLst>
+              <a:ext uri="{FF2B5EF4-FFF2-40B4-BE49-F238E27FC236}">
+                <a16:creationId xmlns:a16="http://schemas.microsoft.com/office/drawing/2014/main" id="{C49E86CE-355E-4D6A-A87F-C08F321C1316}"/>
+              </a:ext>
+            </a:extLst>
+          </p:cNvPr>
+          <p:cNvCxnSpPr>
+            <a:cxnSpLocks/>
+          </p:cNvCxnSpPr>
+          <p:nvPr/>
+        </p:nvCxnSpPr>
+        <p:spPr>
+          <a:xfrm flipH="1">
+            <a:off x="8025115" y="4275754"/>
+            <a:ext cx="314936" cy="0"/>
+          </a:xfrm>
+          <a:prstGeom prst="straightConnector1">
+            <a:avLst/>
+          </a:prstGeom>
+          <a:ln w="38100">
+            <a:solidFill>
+              <a:schemeClr val="tx1"/>
+            </a:solidFill>
+            <a:tailEnd type="triangle"/>
+          </a:ln>
+        </p:spPr>
+        <p:style>
+          <a:lnRef idx="1">
+            <a:schemeClr val="accent1"/>
+          </a:lnRef>
+          <a:fillRef idx="0">
+            <a:schemeClr val="accent1"/>
+          </a:fillRef>
+          <a:effectRef idx="0">
+            <a:schemeClr val="accent1"/>
+          </a:effectRef>
+          <a:fontRef idx="minor">
+            <a:schemeClr val="tx1"/>
+          </a:fontRef>
+        </p:style>
+      </p:cxnSp>
+      <p:sp>
+        <p:nvSpPr>
+          <p:cNvPr id="162" name="TextBox 161">
+            <a:extLst>
+              <a:ext uri="{FF2B5EF4-FFF2-40B4-BE49-F238E27FC236}">
+                <a16:creationId xmlns:a16="http://schemas.microsoft.com/office/drawing/2014/main" id="{D574AB96-E3B5-48B6-8343-543C049ACEC9}"/>
+              </a:ext>
+            </a:extLst>
+          </p:cNvPr>
+          <p:cNvSpPr txBox="1"/>
+          <p:nvPr/>
+        </p:nvSpPr>
+        <p:spPr>
+          <a:xfrm>
+            <a:off x="8283612" y="4075699"/>
+            <a:ext cx="548547" cy="369332"/>
+          </a:xfrm>
+          <a:prstGeom prst="rect">
+            <a:avLst/>
+          </a:prstGeom>
+          <a:noFill/>
+        </p:spPr>
+        <p:txBody>
+          <a:bodyPr wrap="none" rtlCol="0">
+            <a:spAutoFit/>
+          </a:bodyPr>
+          <a:lstStyle/>
+          <a:p>
+            <a:pPr algn="ctr"/>
+            <a:r>
+              <a:rPr lang="en-US" dirty="0"/>
+              <a:t>+5V</a:t>
+            </a:r>
+          </a:p>
+        </p:txBody>
+      </p:sp>
+      <p:cxnSp>
+        <p:nvCxnSpPr>
+          <p:cNvPr id="163" name="Straight Arrow Connector 162">
+            <a:extLst>
+              <a:ext uri="{FF2B5EF4-FFF2-40B4-BE49-F238E27FC236}">
+                <a16:creationId xmlns:a16="http://schemas.microsoft.com/office/drawing/2014/main" id="{FFB98D11-9476-489E-BC71-D8E24E8112E7}"/>
+              </a:ext>
+            </a:extLst>
+          </p:cNvPr>
+          <p:cNvCxnSpPr>
+            <a:cxnSpLocks/>
+          </p:cNvCxnSpPr>
+          <p:nvPr/>
+        </p:nvCxnSpPr>
+        <p:spPr>
+          <a:xfrm flipH="1">
+            <a:off x="8025115" y="4535750"/>
+            <a:ext cx="314936" cy="0"/>
+          </a:xfrm>
+          <a:prstGeom prst="straightConnector1">
+            <a:avLst/>
+          </a:prstGeom>
+          <a:ln w="38100">
+            <a:solidFill>
+              <a:schemeClr val="tx1"/>
+            </a:solidFill>
+            <a:tailEnd type="triangle"/>
+          </a:ln>
+        </p:spPr>
+        <p:style>
+          <a:lnRef idx="1">
+            <a:schemeClr val="accent1"/>
+          </a:lnRef>
+          <a:fillRef idx="0">
+            <a:schemeClr val="accent1"/>
+          </a:fillRef>
+          <a:effectRef idx="0">
+            <a:schemeClr val="accent1"/>
+          </a:effectRef>
+          <a:fontRef idx="minor">
+            <a:schemeClr val="tx1"/>
+          </a:fontRef>
+        </p:style>
+      </p:cxnSp>
+      <p:sp>
+        <p:nvSpPr>
+          <p:cNvPr id="164" name="TextBox 163">
+            <a:extLst>
+              <a:ext uri="{FF2B5EF4-FFF2-40B4-BE49-F238E27FC236}">
+                <a16:creationId xmlns:a16="http://schemas.microsoft.com/office/drawing/2014/main" id="{21583BDC-83B6-4D0D-A812-A3E73AC8DF57}"/>
+              </a:ext>
+            </a:extLst>
+          </p:cNvPr>
+          <p:cNvSpPr txBox="1"/>
+          <p:nvPr/>
+        </p:nvSpPr>
+        <p:spPr>
+          <a:xfrm>
+            <a:off x="8283612" y="4344007"/>
+            <a:ext cx="622286" cy="369332"/>
+          </a:xfrm>
+          <a:prstGeom prst="rect">
+            <a:avLst/>
+          </a:prstGeom>
+          <a:noFill/>
+        </p:spPr>
+        <p:txBody>
+          <a:bodyPr wrap="none" rtlCol="0">
+            <a:spAutoFit/>
+          </a:bodyPr>
+          <a:lstStyle/>
+          <a:p>
+            <a:pPr algn="ctr"/>
+            <a:r>
+              <a:rPr lang="en-US" dirty="0"/>
+              <a:t>GND</a:t>
+            </a:r>
+          </a:p>
+        </p:txBody>
+      </p:sp>
+      <p:cxnSp>
+        <p:nvCxnSpPr>
+          <p:cNvPr id="165" name="Straight Arrow Connector 164">
+            <a:extLst>
+              <a:ext uri="{FF2B5EF4-FFF2-40B4-BE49-F238E27FC236}">
+                <a16:creationId xmlns:a16="http://schemas.microsoft.com/office/drawing/2014/main" id="{0BCED14D-ED2D-43BB-A85E-AAC6D1614371}"/>
+              </a:ext>
+            </a:extLst>
+          </p:cNvPr>
+          <p:cNvCxnSpPr>
+            <a:cxnSpLocks/>
+          </p:cNvCxnSpPr>
+          <p:nvPr/>
+        </p:nvCxnSpPr>
+        <p:spPr>
+          <a:xfrm>
+            <a:off x="6216270" y="5270747"/>
+            <a:ext cx="360566" cy="0"/>
+          </a:xfrm>
+          <a:prstGeom prst="straightConnector1">
+            <a:avLst/>
+          </a:prstGeom>
+          <a:ln w="38100">
+            <a:solidFill>
+              <a:schemeClr val="tx1"/>
+            </a:solidFill>
+            <a:tailEnd type="triangle"/>
+          </a:ln>
+        </p:spPr>
+        <p:style>
+          <a:lnRef idx="1">
+            <a:schemeClr val="accent1"/>
+          </a:lnRef>
+          <a:fillRef idx="0">
+            <a:schemeClr val="accent1"/>
+          </a:fillRef>
+          <a:effectRef idx="0">
+            <a:schemeClr val="accent1"/>
+          </a:effectRef>
+          <a:fontRef idx="minor">
+            <a:schemeClr val="tx1"/>
+          </a:fontRef>
+        </p:style>
+      </p:cxnSp>
+      <p:sp>
+        <p:nvSpPr>
+          <p:cNvPr id="166" name="TextBox 165">
+            <a:extLst>
+              <a:ext uri="{FF2B5EF4-FFF2-40B4-BE49-F238E27FC236}">
+                <a16:creationId xmlns:a16="http://schemas.microsoft.com/office/drawing/2014/main" id="{E6C59402-9C98-411A-B28A-F6D31A18011C}"/>
+              </a:ext>
+            </a:extLst>
+          </p:cNvPr>
+          <p:cNvSpPr txBox="1"/>
+          <p:nvPr/>
+        </p:nvSpPr>
+        <p:spPr>
+          <a:xfrm>
+            <a:off x="5694093" y="5082341"/>
+            <a:ext cx="548547" cy="369332"/>
+          </a:xfrm>
+          <a:prstGeom prst="rect">
+            <a:avLst/>
+          </a:prstGeom>
+          <a:noFill/>
+        </p:spPr>
+        <p:txBody>
+          <a:bodyPr wrap="none" rtlCol="0">
+            <a:spAutoFit/>
+          </a:bodyPr>
+          <a:lstStyle/>
+          <a:p>
+            <a:pPr algn="ctr"/>
+            <a:r>
+              <a:rPr lang="en-US" dirty="0"/>
+              <a:t>+5V</a:t>
+            </a:r>
+          </a:p>
+        </p:txBody>
+      </p:sp>
+      <p:sp>
+        <p:nvSpPr>
+          <p:cNvPr id="168" name="TextBox 167">
+            <a:extLst>
+              <a:ext uri="{FF2B5EF4-FFF2-40B4-BE49-F238E27FC236}">
+                <a16:creationId xmlns:a16="http://schemas.microsoft.com/office/drawing/2014/main" id="{60D3AE07-FDF0-4D98-9EDC-9B3560B10CC2}"/>
+              </a:ext>
+            </a:extLst>
+          </p:cNvPr>
+          <p:cNvSpPr txBox="1"/>
+          <p:nvPr/>
+        </p:nvSpPr>
+        <p:spPr>
+          <a:xfrm>
+            <a:off x="5656629" y="5933096"/>
+            <a:ext cx="622286" cy="369332"/>
+          </a:xfrm>
+          <a:prstGeom prst="rect">
+            <a:avLst/>
+          </a:prstGeom>
+          <a:noFill/>
+        </p:spPr>
+        <p:txBody>
+          <a:bodyPr wrap="none" rtlCol="0">
+            <a:spAutoFit/>
+          </a:bodyPr>
+          <a:lstStyle/>
+          <a:p>
+            <a:pPr algn="ctr"/>
+            <a:r>
+              <a:rPr lang="en-US" dirty="0"/>
+              <a:t>GND</a:t>
+            </a:r>
+          </a:p>
+        </p:txBody>
+      </p:sp>
+      <p:sp>
+        <p:nvSpPr>
+          <p:cNvPr id="169" name="TextBox 168">
+            <a:extLst>
+              <a:ext uri="{FF2B5EF4-FFF2-40B4-BE49-F238E27FC236}">
+                <a16:creationId xmlns:a16="http://schemas.microsoft.com/office/drawing/2014/main" id="{C96DEAA3-A934-45F0-9481-254896AC57F4}"/>
+              </a:ext>
+            </a:extLst>
+          </p:cNvPr>
+          <p:cNvSpPr txBox="1"/>
+          <p:nvPr/>
+        </p:nvSpPr>
+        <p:spPr>
+          <a:xfrm>
+            <a:off x="755409" y="3295598"/>
+            <a:ext cx="548547" cy="369332"/>
+          </a:xfrm>
+          <a:prstGeom prst="rect">
+            <a:avLst/>
+          </a:prstGeom>
+          <a:noFill/>
+        </p:spPr>
+        <p:txBody>
+          <a:bodyPr wrap="none" rtlCol="0">
+            <a:spAutoFit/>
+          </a:bodyPr>
+          <a:lstStyle/>
+          <a:p>
+            <a:pPr algn="ctr"/>
+            <a:r>
+              <a:rPr lang="en-US" dirty="0"/>
+              <a:t>+5V</a:t>
+            </a:r>
+          </a:p>
+        </p:txBody>
+      </p:sp>
+      <p:sp>
+        <p:nvSpPr>
+          <p:cNvPr id="170" name="TextBox 169">
+            <a:extLst>
+              <a:ext uri="{FF2B5EF4-FFF2-40B4-BE49-F238E27FC236}">
+                <a16:creationId xmlns:a16="http://schemas.microsoft.com/office/drawing/2014/main" id="{45949659-F10D-4065-B6E1-523DFF64AFF3}"/>
+              </a:ext>
+            </a:extLst>
+          </p:cNvPr>
+          <p:cNvSpPr txBox="1"/>
+          <p:nvPr/>
+        </p:nvSpPr>
+        <p:spPr>
+          <a:xfrm>
+            <a:off x="755408" y="4758235"/>
+            <a:ext cx="548547" cy="369332"/>
+          </a:xfrm>
+          <a:prstGeom prst="rect">
+            <a:avLst/>
+          </a:prstGeom>
+          <a:noFill/>
+        </p:spPr>
+        <p:txBody>
+          <a:bodyPr wrap="none" rtlCol="0">
+            <a:spAutoFit/>
+          </a:bodyPr>
+          <a:lstStyle/>
+          <a:p>
+            <a:pPr algn="ctr"/>
+            <a:r>
+              <a:rPr lang="en-US" dirty="0"/>
+              <a:t>+5V</a:t>
+            </a:r>
+          </a:p>
+        </p:txBody>
+      </p:sp>
+      <p:sp>
+        <p:nvSpPr>
+          <p:cNvPr id="171" name="Rectangle 170">
+            <a:extLst>
+              <a:ext uri="{FF2B5EF4-FFF2-40B4-BE49-F238E27FC236}">
+                <a16:creationId xmlns:a16="http://schemas.microsoft.com/office/drawing/2014/main" id="{D23A42A3-CF56-48ED-8BD9-601D7A3E894B}"/>
+              </a:ext>
+            </a:extLst>
+          </p:cNvPr>
+          <p:cNvSpPr/>
+          <p:nvPr/>
+        </p:nvSpPr>
+        <p:spPr>
+          <a:xfrm>
+            <a:off x="325143" y="2291201"/>
+            <a:ext cx="1031564" cy="844823"/>
+          </a:xfrm>
+          <a:prstGeom prst="rect">
+            <a:avLst/>
+          </a:prstGeom>
+          <a:noFill/>
+          <a:ln w="38100">
+            <a:solidFill>
+              <a:schemeClr val="tx1"/>
+            </a:solidFill>
+            <a:prstDash val="dash"/>
+          </a:ln>
+        </p:spPr>
+        <p:style>
+          <a:lnRef idx="2">
+            <a:schemeClr val="accent1">
+              <a:shade val="50000"/>
+            </a:schemeClr>
+          </a:lnRef>
+          <a:fillRef idx="1">
+            <a:schemeClr val="accent1"/>
+          </a:fillRef>
+          <a:effectRef idx="0">
+            <a:schemeClr val="accent1"/>
+          </a:effectRef>
+          <a:fontRef idx="minor">
+            <a:schemeClr val="lt1"/>
+          </a:fontRef>
+        </p:style>
+        <p:txBody>
+          <a:bodyPr rtlCol="0" anchor="ctr"/>
+          <a:lstStyle/>
+          <a:p>
+            <a:pPr algn="ctr"/>
+            <a:r>
+              <a:rPr lang="en-US" b="1" dirty="0">
+                <a:solidFill>
+                  <a:schemeClr val="tx1"/>
+                </a:solidFill>
+              </a:rPr>
+              <a:t>SD</a:t>
+            </a:r>
+          </a:p>
+          <a:p>
+            <a:pPr algn="ctr"/>
+            <a:r>
+              <a:rPr lang="en-US" b="1" dirty="0">
+                <a:solidFill>
+                  <a:schemeClr val="tx1"/>
+                </a:solidFill>
+              </a:rPr>
+              <a:t>Module</a:t>
+            </a:r>
+          </a:p>
+        </p:txBody>
+      </p:sp>
+      <p:cxnSp>
+        <p:nvCxnSpPr>
+          <p:cNvPr id="172" name="Straight Arrow Connector 171">
+            <a:extLst>
+              <a:ext uri="{FF2B5EF4-FFF2-40B4-BE49-F238E27FC236}">
+                <a16:creationId xmlns:a16="http://schemas.microsoft.com/office/drawing/2014/main" id="{F97DB135-99F0-4D14-87D0-35873F8C2A76}"/>
+              </a:ext>
+            </a:extLst>
+          </p:cNvPr>
+          <p:cNvCxnSpPr>
+            <a:cxnSpLocks/>
+          </p:cNvCxnSpPr>
+          <p:nvPr/>
+        </p:nvCxnSpPr>
+        <p:spPr>
+          <a:xfrm>
+            <a:off x="1461143" y="1594926"/>
+            <a:ext cx="382180" cy="0"/>
+          </a:xfrm>
+          <a:prstGeom prst="straightConnector1">
+            <a:avLst/>
+          </a:prstGeom>
+          <a:ln w="38100">
+            <a:solidFill>
+              <a:schemeClr val="tx1"/>
+            </a:solidFill>
+            <a:tailEnd type="triangle"/>
+          </a:ln>
+        </p:spPr>
+        <p:style>
+          <a:lnRef idx="1">
+            <a:schemeClr val="accent1"/>
+          </a:lnRef>
+          <a:fillRef idx="0">
+            <a:schemeClr val="accent1"/>
+          </a:fillRef>
+          <a:effectRef idx="0">
+            <a:schemeClr val="accent1"/>
+          </a:effectRef>
+          <a:fontRef idx="minor">
+            <a:schemeClr val="tx1"/>
+          </a:fontRef>
+        </p:style>
+      </p:cxnSp>
+      <p:sp>
+        <p:nvSpPr>
+          <p:cNvPr id="173" name="TextBox 172">
+            <a:extLst>
+              <a:ext uri="{FF2B5EF4-FFF2-40B4-BE49-F238E27FC236}">
+                <a16:creationId xmlns:a16="http://schemas.microsoft.com/office/drawing/2014/main" id="{B6F27E45-63BB-4A7C-96EB-C2FDD45A993B}"/>
+              </a:ext>
+            </a:extLst>
+          </p:cNvPr>
+          <p:cNvSpPr txBox="1"/>
+          <p:nvPr/>
+        </p:nvSpPr>
+        <p:spPr>
+          <a:xfrm>
+            <a:off x="845483" y="1410260"/>
+            <a:ext cx="665568" cy="369332"/>
+          </a:xfrm>
+          <a:prstGeom prst="rect">
+            <a:avLst/>
+          </a:prstGeom>
+          <a:noFill/>
+        </p:spPr>
+        <p:txBody>
+          <a:bodyPr wrap="none" rtlCol="0">
+            <a:spAutoFit/>
+          </a:bodyPr>
+          <a:lstStyle/>
+          <a:p>
+            <a:pPr algn="ctr"/>
+            <a:r>
+              <a:rPr lang="en-US" dirty="0"/>
+              <a:t>+12V</a:t>
+            </a:r>
+          </a:p>
+        </p:txBody>
+      </p:sp>
+      <p:cxnSp>
+        <p:nvCxnSpPr>
+          <p:cNvPr id="174" name="Straight Arrow Connector 173">
+            <a:extLst>
+              <a:ext uri="{FF2B5EF4-FFF2-40B4-BE49-F238E27FC236}">
+                <a16:creationId xmlns:a16="http://schemas.microsoft.com/office/drawing/2014/main" id="{655FD4DD-734A-4515-8532-3BC3E4A26298}"/>
+              </a:ext>
+            </a:extLst>
+          </p:cNvPr>
+          <p:cNvCxnSpPr>
+            <a:cxnSpLocks/>
+          </p:cNvCxnSpPr>
+          <p:nvPr/>
+        </p:nvCxnSpPr>
+        <p:spPr>
+          <a:xfrm>
+            <a:off x="1461143" y="1912844"/>
+            <a:ext cx="382180" cy="0"/>
+          </a:xfrm>
+          <a:prstGeom prst="straightConnector1">
+            <a:avLst/>
+          </a:prstGeom>
+          <a:ln w="38100">
+            <a:solidFill>
+              <a:schemeClr val="tx1"/>
+            </a:solidFill>
+            <a:tailEnd type="triangle"/>
+          </a:ln>
+        </p:spPr>
+        <p:style>
+          <a:lnRef idx="1">
+            <a:schemeClr val="accent1"/>
+          </a:lnRef>
+          <a:fillRef idx="0">
+            <a:schemeClr val="accent1"/>
+          </a:fillRef>
+          <a:effectRef idx="0">
+            <a:schemeClr val="accent1"/>
+          </a:effectRef>
+          <a:fontRef idx="minor">
+            <a:schemeClr val="tx1"/>
+          </a:fontRef>
+        </p:style>
+      </p:cxnSp>
+      <p:sp>
+        <p:nvSpPr>
+          <p:cNvPr id="175" name="TextBox 174">
+            <a:extLst>
+              <a:ext uri="{FF2B5EF4-FFF2-40B4-BE49-F238E27FC236}">
+                <a16:creationId xmlns:a16="http://schemas.microsoft.com/office/drawing/2014/main" id="{4EA6141E-83F1-43C7-A30D-2CB6DB475424}"/>
+              </a:ext>
+            </a:extLst>
+          </p:cNvPr>
+          <p:cNvSpPr txBox="1"/>
+          <p:nvPr/>
+        </p:nvSpPr>
+        <p:spPr>
+          <a:xfrm>
+            <a:off x="867124" y="1728178"/>
+            <a:ext cx="622286" cy="369332"/>
+          </a:xfrm>
+          <a:prstGeom prst="rect">
+            <a:avLst/>
+          </a:prstGeom>
+          <a:noFill/>
+        </p:spPr>
+        <p:txBody>
+          <a:bodyPr wrap="none" rtlCol="0">
+            <a:spAutoFit/>
+          </a:bodyPr>
+          <a:lstStyle/>
+          <a:p>
+            <a:pPr algn="ctr"/>
+            <a:r>
+              <a:rPr lang="en-US" dirty="0"/>
+              <a:t>GND</a:t>
+            </a:r>
+          </a:p>
+        </p:txBody>
+      </p:sp>
+      <p:cxnSp>
+        <p:nvCxnSpPr>
+          <p:cNvPr id="181" name="Straight Arrow Connector 180">
+            <a:extLst>
+              <a:ext uri="{FF2B5EF4-FFF2-40B4-BE49-F238E27FC236}">
+                <a16:creationId xmlns:a16="http://schemas.microsoft.com/office/drawing/2014/main" id="{65B18101-C9A6-4322-890B-D8B4AC558317}"/>
+              </a:ext>
+            </a:extLst>
+          </p:cNvPr>
+          <p:cNvCxnSpPr>
+            <a:cxnSpLocks/>
+          </p:cNvCxnSpPr>
+          <p:nvPr/>
+        </p:nvCxnSpPr>
+        <p:spPr>
+          <a:xfrm>
+            <a:off x="10052192" y="1728180"/>
+            <a:ext cx="382180" cy="0"/>
+          </a:xfrm>
+          <a:prstGeom prst="straightConnector1">
+            <a:avLst/>
+          </a:prstGeom>
+          <a:ln w="38100">
+            <a:solidFill>
+              <a:schemeClr val="tx1"/>
+            </a:solidFill>
+            <a:tailEnd type="triangle"/>
+          </a:ln>
+        </p:spPr>
+        <p:style>
+          <a:lnRef idx="1">
+            <a:schemeClr val="accent1"/>
+          </a:lnRef>
+          <a:fillRef idx="0">
+            <a:schemeClr val="accent1"/>
+          </a:fillRef>
+          <a:effectRef idx="0">
+            <a:schemeClr val="accent1"/>
+          </a:effectRef>
+          <a:fontRef idx="minor">
+            <a:schemeClr val="tx1"/>
+          </a:fontRef>
+        </p:style>
+      </p:cxnSp>
+      <p:sp>
+        <p:nvSpPr>
+          <p:cNvPr id="182" name="TextBox 181">
+            <a:extLst>
+              <a:ext uri="{FF2B5EF4-FFF2-40B4-BE49-F238E27FC236}">
+                <a16:creationId xmlns:a16="http://schemas.microsoft.com/office/drawing/2014/main" id="{DE3F6335-11C3-4D53-9903-86F8AA6B22C2}"/>
+              </a:ext>
+            </a:extLst>
+          </p:cNvPr>
+          <p:cNvSpPr txBox="1"/>
+          <p:nvPr/>
+        </p:nvSpPr>
+        <p:spPr>
+          <a:xfrm>
+            <a:off x="9436532" y="1543514"/>
+            <a:ext cx="665568" cy="369332"/>
+          </a:xfrm>
+          <a:prstGeom prst="rect">
+            <a:avLst/>
+          </a:prstGeom>
+          <a:noFill/>
+        </p:spPr>
+        <p:txBody>
+          <a:bodyPr wrap="none" rtlCol="0">
+            <a:spAutoFit/>
+          </a:bodyPr>
+          <a:lstStyle/>
+          <a:p>
+            <a:pPr algn="ctr"/>
+            <a:r>
+              <a:rPr lang="en-US" dirty="0"/>
+              <a:t>+12V</a:t>
+            </a:r>
+          </a:p>
+        </p:txBody>
+      </p:sp>
+      <p:sp>
+        <p:nvSpPr>
+          <p:cNvPr id="185" name="Rectangle 184">
+            <a:extLst>
+              <a:ext uri="{FF2B5EF4-FFF2-40B4-BE49-F238E27FC236}">
+                <a16:creationId xmlns:a16="http://schemas.microsoft.com/office/drawing/2014/main" id="{A3D53EE8-95C9-4006-9FE7-6252EFCC8D4A}"/>
+              </a:ext>
+            </a:extLst>
+          </p:cNvPr>
+          <p:cNvSpPr/>
+          <p:nvPr/>
+        </p:nvSpPr>
+        <p:spPr>
+          <a:xfrm>
+            <a:off x="10448659" y="1543514"/>
+            <a:ext cx="1222258" cy="1199316"/>
+          </a:xfrm>
+          <a:prstGeom prst="rect">
+            <a:avLst/>
+          </a:prstGeom>
+          <a:noFill/>
+          <a:ln w="38100">
+            <a:solidFill>
+              <a:schemeClr val="tx1"/>
+            </a:solidFill>
+          </a:ln>
+        </p:spPr>
+        <p:style>
+          <a:lnRef idx="2">
+            <a:schemeClr val="accent1">
+              <a:shade val="50000"/>
+            </a:schemeClr>
+          </a:lnRef>
+          <a:fillRef idx="1">
+            <a:schemeClr val="accent1"/>
+          </a:fillRef>
+          <a:effectRef idx="0">
+            <a:schemeClr val="accent1"/>
+          </a:effectRef>
+          <a:fontRef idx="minor">
+            <a:schemeClr val="lt1"/>
+          </a:fontRef>
+        </p:style>
+        <p:txBody>
+          <a:bodyPr rtlCol="0" anchor="ctr"/>
+          <a:lstStyle/>
+          <a:p>
+            <a:pPr algn="ctr"/>
+            <a:r>
+              <a:rPr lang="en-US" b="1" dirty="0">
+                <a:solidFill>
+                  <a:schemeClr val="tx1"/>
+                </a:solidFill>
+              </a:rPr>
+              <a:t>RK330-2</a:t>
+            </a:r>
+            <a:endParaRPr lang="en-SG" b="1" dirty="0">
+              <a:solidFill>
+                <a:schemeClr val="tx1"/>
+              </a:solidFill>
+            </a:endParaRPr>
+          </a:p>
+          <a:p>
+            <a:pPr algn="ctr"/>
+            <a:r>
+              <a:rPr lang="en-SG" b="1" dirty="0">
+                <a:solidFill>
+                  <a:schemeClr val="tx1"/>
+                </a:solidFill>
+              </a:rPr>
+              <a:t>Sensor</a:t>
+            </a:r>
+            <a:endParaRPr lang="en-US" b="1" dirty="0">
+              <a:solidFill>
+                <a:schemeClr val="tx1"/>
+              </a:solidFill>
+            </a:endParaRPr>
+          </a:p>
+        </p:txBody>
+      </p:sp>
+      <p:cxnSp>
+        <p:nvCxnSpPr>
+          <p:cNvPr id="186" name="Straight Arrow Connector 185">
+            <a:extLst>
+              <a:ext uri="{FF2B5EF4-FFF2-40B4-BE49-F238E27FC236}">
+                <a16:creationId xmlns:a16="http://schemas.microsoft.com/office/drawing/2014/main" id="{3BD8DAA3-ABD1-4075-B04D-200FE5825646}"/>
+              </a:ext>
+            </a:extLst>
+          </p:cNvPr>
+          <p:cNvCxnSpPr>
+            <a:cxnSpLocks/>
+          </p:cNvCxnSpPr>
+          <p:nvPr/>
+        </p:nvCxnSpPr>
+        <p:spPr>
+          <a:xfrm>
+            <a:off x="10073833" y="2565038"/>
+            <a:ext cx="382180" cy="0"/>
+          </a:xfrm>
+          <a:prstGeom prst="straightConnector1">
+            <a:avLst/>
+          </a:prstGeom>
+          <a:ln w="38100">
+            <a:solidFill>
+              <a:schemeClr val="tx1"/>
+            </a:solidFill>
+            <a:tailEnd type="triangle"/>
+          </a:ln>
+        </p:spPr>
+        <p:style>
+          <a:lnRef idx="1">
+            <a:schemeClr val="accent1"/>
+          </a:lnRef>
+          <a:fillRef idx="0">
+            <a:schemeClr val="accent1"/>
+          </a:fillRef>
+          <a:effectRef idx="0">
+            <a:schemeClr val="accent1"/>
+          </a:effectRef>
+          <a:fontRef idx="minor">
+            <a:schemeClr val="tx1"/>
+          </a:fontRef>
+        </p:style>
+      </p:cxnSp>
+      <p:sp>
+        <p:nvSpPr>
+          <p:cNvPr id="187" name="TextBox 186">
+            <a:extLst>
+              <a:ext uri="{FF2B5EF4-FFF2-40B4-BE49-F238E27FC236}">
+                <a16:creationId xmlns:a16="http://schemas.microsoft.com/office/drawing/2014/main" id="{B44B176B-D42A-4901-B26D-46A5E4D16814}"/>
+              </a:ext>
+            </a:extLst>
+          </p:cNvPr>
+          <p:cNvSpPr txBox="1"/>
+          <p:nvPr/>
+        </p:nvSpPr>
+        <p:spPr>
+          <a:xfrm>
+            <a:off x="9479814" y="2380372"/>
+            <a:ext cx="622286" cy="369332"/>
+          </a:xfrm>
+          <a:prstGeom prst="rect">
+            <a:avLst/>
+          </a:prstGeom>
+          <a:noFill/>
+        </p:spPr>
+        <p:txBody>
+          <a:bodyPr wrap="none" rtlCol="0">
+            <a:spAutoFit/>
+          </a:bodyPr>
+          <a:lstStyle/>
+          <a:p>
+            <a:pPr algn="ctr"/>
+            <a:r>
+              <a:rPr lang="en-US" dirty="0"/>
+              <a:t>GND</a:t>
+            </a:r>
+          </a:p>
+        </p:txBody>
+      </p:sp>
+      <p:cxnSp>
+        <p:nvCxnSpPr>
+          <p:cNvPr id="192" name="Straight Arrow Connector 191">
+            <a:extLst>
+              <a:ext uri="{FF2B5EF4-FFF2-40B4-BE49-F238E27FC236}">
+                <a16:creationId xmlns:a16="http://schemas.microsoft.com/office/drawing/2014/main" id="{2EEE8CDD-8C05-4D6C-ABA6-DDE30810DA1F}"/>
+              </a:ext>
+            </a:extLst>
+          </p:cNvPr>
+          <p:cNvCxnSpPr>
+            <a:cxnSpLocks/>
+          </p:cNvCxnSpPr>
+          <p:nvPr/>
+        </p:nvCxnSpPr>
+        <p:spPr>
+          <a:xfrm>
+            <a:off x="6216270" y="6117762"/>
+            <a:ext cx="360566" cy="0"/>
+          </a:xfrm>
+          <a:prstGeom prst="straightConnector1">
+            <a:avLst/>
+          </a:prstGeom>
+          <a:ln w="38100">
+            <a:solidFill>
+              <a:schemeClr val="tx1"/>
+            </a:solidFill>
+            <a:tailEnd type="triangle"/>
+          </a:ln>
+        </p:spPr>
+        <p:style>
+          <a:lnRef idx="1">
+            <a:schemeClr val="accent1"/>
+          </a:lnRef>
+          <a:fillRef idx="0">
+            <a:schemeClr val="accent1"/>
+          </a:fillRef>
+          <a:effectRef idx="0">
+            <a:schemeClr val="accent1"/>
+          </a:effectRef>
+          <a:fontRef idx="minor">
+            <a:schemeClr val="tx1"/>
+          </a:fontRef>
+        </p:style>
+      </p:cxnSp>
+      <p:cxnSp>
+        <p:nvCxnSpPr>
+          <p:cNvPr id="197" name="Straight Arrow Connector 196">
+            <a:extLst>
+              <a:ext uri="{FF2B5EF4-FFF2-40B4-BE49-F238E27FC236}">
+                <a16:creationId xmlns:a16="http://schemas.microsoft.com/office/drawing/2014/main" id="{0F789C26-B204-4FA1-8385-26CC1E8026ED}"/>
+              </a:ext>
+            </a:extLst>
+          </p:cNvPr>
+          <p:cNvCxnSpPr>
+            <a:cxnSpLocks/>
+          </p:cNvCxnSpPr>
+          <p:nvPr/>
+        </p:nvCxnSpPr>
+        <p:spPr>
+          <a:xfrm>
+            <a:off x="5640071" y="5831204"/>
+            <a:ext cx="964476" cy="0"/>
+          </a:xfrm>
+          <a:prstGeom prst="straightConnector1">
+            <a:avLst/>
+          </a:prstGeom>
+          <a:ln w="38100">
+            <a:solidFill>
+              <a:schemeClr val="tx1"/>
+            </a:solidFill>
+            <a:tailEnd type="triangle"/>
+          </a:ln>
+        </p:spPr>
+        <p:style>
+          <a:lnRef idx="1">
+            <a:schemeClr val="accent1"/>
+          </a:lnRef>
+          <a:fillRef idx="0">
+            <a:schemeClr val="accent1"/>
+          </a:fillRef>
+          <a:effectRef idx="0">
+            <a:schemeClr val="accent1"/>
+          </a:effectRef>
+          <a:fontRef idx="minor">
+            <a:schemeClr val="tx1"/>
+          </a:fontRef>
+        </p:style>
+      </p:cxnSp>
+      <p:sp>
+        <p:nvSpPr>
+          <p:cNvPr id="198" name="TextBox 197">
+            <a:extLst>
+              <a:ext uri="{FF2B5EF4-FFF2-40B4-BE49-F238E27FC236}">
+                <a16:creationId xmlns:a16="http://schemas.microsoft.com/office/drawing/2014/main" id="{F7A53BF6-BA02-4000-B356-41A722DBD65A}"/>
+              </a:ext>
+            </a:extLst>
+          </p:cNvPr>
+          <p:cNvSpPr txBox="1"/>
+          <p:nvPr/>
+        </p:nvSpPr>
+        <p:spPr>
+          <a:xfrm>
+            <a:off x="7746223" y="5262572"/>
+            <a:ext cx="602857" cy="338554"/>
+          </a:xfrm>
+          <a:prstGeom prst="rect">
+            <a:avLst/>
+          </a:prstGeom>
+          <a:noFill/>
+        </p:spPr>
+        <p:txBody>
+          <a:bodyPr wrap="none" rtlCol="0">
+            <a:spAutoFit/>
+          </a:bodyPr>
+          <a:lstStyle/>
+          <a:p>
+            <a:r>
+              <a:rPr lang="en-SG" sz="1600" dirty="0"/>
+              <a:t>COM</a:t>
+            </a:r>
+          </a:p>
+        </p:txBody>
+      </p:sp>
+      <p:sp>
+        <p:nvSpPr>
+          <p:cNvPr id="201" name="TextBox 200">
+            <a:extLst>
+              <a:ext uri="{FF2B5EF4-FFF2-40B4-BE49-F238E27FC236}">
+                <a16:creationId xmlns:a16="http://schemas.microsoft.com/office/drawing/2014/main" id="{2683EB18-D2A7-4F04-A042-A54A1A5C4F2C}"/>
+              </a:ext>
+            </a:extLst>
+          </p:cNvPr>
+          <p:cNvSpPr txBox="1"/>
+          <p:nvPr/>
+        </p:nvSpPr>
+        <p:spPr>
+          <a:xfrm>
+            <a:off x="7846877" y="5619164"/>
+            <a:ext cx="453970" cy="338554"/>
+          </a:xfrm>
+          <a:prstGeom prst="rect">
+            <a:avLst/>
+          </a:prstGeom>
+          <a:noFill/>
+        </p:spPr>
+        <p:txBody>
+          <a:bodyPr wrap="none" rtlCol="0">
+            <a:spAutoFit/>
+          </a:bodyPr>
+          <a:lstStyle/>
+          <a:p>
+            <a:r>
+              <a:rPr lang="en-SG" sz="1600" dirty="0"/>
+              <a:t>NO</a:t>
+            </a:r>
+          </a:p>
+        </p:txBody>
+      </p:sp>
+      <p:sp>
+        <p:nvSpPr>
+          <p:cNvPr id="202" name="TextBox 201">
+            <a:extLst>
+              <a:ext uri="{FF2B5EF4-FFF2-40B4-BE49-F238E27FC236}">
+                <a16:creationId xmlns:a16="http://schemas.microsoft.com/office/drawing/2014/main" id="{2373893D-D5AD-4B38-BDC3-5FAD4D6C7298}"/>
+              </a:ext>
+            </a:extLst>
+          </p:cNvPr>
+          <p:cNvSpPr txBox="1"/>
+          <p:nvPr/>
+        </p:nvSpPr>
+        <p:spPr>
+          <a:xfrm>
+            <a:off x="8610124" y="5231794"/>
+            <a:ext cx="665567" cy="369332"/>
+          </a:xfrm>
+          <a:prstGeom prst="rect">
+            <a:avLst/>
+          </a:prstGeom>
+          <a:noFill/>
+        </p:spPr>
+        <p:txBody>
+          <a:bodyPr wrap="none" rtlCol="0">
+            <a:spAutoFit/>
+          </a:bodyPr>
+          <a:lstStyle/>
+          <a:p>
+            <a:pPr algn="ctr"/>
+            <a:r>
+              <a:rPr lang="en-US" dirty="0"/>
+              <a:t>+24V</a:t>
+            </a:r>
+          </a:p>
+        </p:txBody>
+      </p:sp>
+      <p:cxnSp>
+        <p:nvCxnSpPr>
+          <p:cNvPr id="204" name="Straight Arrow Connector 203">
+            <a:extLst>
+              <a:ext uri="{FF2B5EF4-FFF2-40B4-BE49-F238E27FC236}">
+                <a16:creationId xmlns:a16="http://schemas.microsoft.com/office/drawing/2014/main" id="{15205418-5393-479D-8A27-EC4E7C21C6C1}"/>
+              </a:ext>
+            </a:extLst>
+          </p:cNvPr>
+          <p:cNvCxnSpPr>
+            <a:cxnSpLocks/>
+          </p:cNvCxnSpPr>
+          <p:nvPr/>
+        </p:nvCxnSpPr>
+        <p:spPr>
+          <a:xfrm flipH="1">
+            <a:off x="8340051" y="5416460"/>
+            <a:ext cx="314936" cy="0"/>
+          </a:xfrm>
+          <a:prstGeom prst="straightConnector1">
+            <a:avLst/>
+          </a:prstGeom>
+          <a:ln w="38100">
+            <a:solidFill>
+              <a:schemeClr val="tx1"/>
+            </a:solidFill>
+            <a:tailEnd type="triangle"/>
+          </a:ln>
+        </p:spPr>
+        <p:style>
+          <a:lnRef idx="1">
+            <a:schemeClr val="accent1"/>
+          </a:lnRef>
+          <a:fillRef idx="0">
+            <a:schemeClr val="accent1"/>
+          </a:fillRef>
+          <a:effectRef idx="0">
+            <a:schemeClr val="accent1"/>
+          </a:effectRef>
+          <a:fontRef idx="minor">
+            <a:schemeClr val="tx1"/>
+          </a:fontRef>
+        </p:style>
+      </p:cxnSp>
+      <p:cxnSp>
+        <p:nvCxnSpPr>
+          <p:cNvPr id="205" name="Straight Arrow Connector 204">
+            <a:extLst>
+              <a:ext uri="{FF2B5EF4-FFF2-40B4-BE49-F238E27FC236}">
+                <a16:creationId xmlns:a16="http://schemas.microsoft.com/office/drawing/2014/main" id="{D15E65C4-0826-48E9-9502-FED1573434D8}"/>
+              </a:ext>
+            </a:extLst>
+          </p:cNvPr>
+          <p:cNvCxnSpPr>
+            <a:cxnSpLocks/>
+          </p:cNvCxnSpPr>
+          <p:nvPr/>
+        </p:nvCxnSpPr>
+        <p:spPr>
+          <a:xfrm>
+            <a:off x="8329716" y="5790709"/>
+            <a:ext cx="1595781" cy="0"/>
+          </a:xfrm>
+          <a:prstGeom prst="straightConnector1">
+            <a:avLst/>
+          </a:prstGeom>
+          <a:ln w="38100">
+            <a:solidFill>
+              <a:schemeClr val="tx1"/>
+            </a:solidFill>
+            <a:tailEnd type="triangle"/>
+          </a:ln>
+        </p:spPr>
+        <p:style>
+          <a:lnRef idx="1">
+            <a:schemeClr val="accent1"/>
+          </a:lnRef>
+          <a:fillRef idx="0">
+            <a:schemeClr val="accent1"/>
+          </a:fillRef>
+          <a:effectRef idx="0">
+            <a:schemeClr val="accent1"/>
+          </a:effectRef>
+          <a:fontRef idx="minor">
+            <a:schemeClr val="tx1"/>
+          </a:fontRef>
+        </p:style>
+      </p:cxnSp>
+      <p:sp>
+        <p:nvSpPr>
+          <p:cNvPr id="206" name="TextBox 205">
+            <a:extLst>
+              <a:ext uri="{FF2B5EF4-FFF2-40B4-BE49-F238E27FC236}">
+                <a16:creationId xmlns:a16="http://schemas.microsoft.com/office/drawing/2014/main" id="{3496F6AF-7468-4C5F-8D27-BF803F10B3C4}"/>
+              </a:ext>
+            </a:extLst>
+          </p:cNvPr>
+          <p:cNvSpPr txBox="1"/>
+          <p:nvPr/>
+        </p:nvSpPr>
+        <p:spPr>
+          <a:xfrm>
+            <a:off x="8786539" y="5863136"/>
+            <a:ext cx="622286" cy="369332"/>
+          </a:xfrm>
+          <a:prstGeom prst="rect">
+            <a:avLst/>
+          </a:prstGeom>
+          <a:noFill/>
+        </p:spPr>
+        <p:txBody>
+          <a:bodyPr wrap="none" rtlCol="0">
+            <a:spAutoFit/>
+          </a:bodyPr>
+          <a:lstStyle/>
+          <a:p>
+            <a:pPr algn="ctr"/>
+            <a:r>
+              <a:rPr lang="en-US" dirty="0"/>
+              <a:t>GND</a:t>
+            </a:r>
+          </a:p>
+        </p:txBody>
+      </p:sp>
+      <p:cxnSp>
+        <p:nvCxnSpPr>
+          <p:cNvPr id="207" name="Straight Arrow Connector 206">
+            <a:extLst>
+              <a:ext uri="{FF2B5EF4-FFF2-40B4-BE49-F238E27FC236}">
+                <a16:creationId xmlns:a16="http://schemas.microsoft.com/office/drawing/2014/main" id="{94C97408-1C1C-4758-9DAA-CCCA910F5D4C}"/>
+              </a:ext>
+            </a:extLst>
+          </p:cNvPr>
+          <p:cNvCxnSpPr>
+            <a:cxnSpLocks/>
+          </p:cNvCxnSpPr>
+          <p:nvPr/>
+        </p:nvCxnSpPr>
+        <p:spPr>
+          <a:xfrm>
+            <a:off x="9346180" y="6047802"/>
+            <a:ext cx="592577" cy="0"/>
+          </a:xfrm>
+          <a:prstGeom prst="straightConnector1">
+            <a:avLst/>
+          </a:prstGeom>
+          <a:ln w="38100">
+            <a:solidFill>
+              <a:schemeClr val="tx1"/>
+            </a:solidFill>
+            <a:tailEnd type="triangle"/>
+          </a:ln>
+        </p:spPr>
+        <p:style>
+          <a:lnRef idx="1">
+            <a:schemeClr val="accent1"/>
+          </a:lnRef>
+          <a:fillRef idx="0">
+            <a:schemeClr val="accent1"/>
+          </a:fillRef>
+          <a:effectRef idx="0">
+            <a:schemeClr val="accent1"/>
+          </a:effectRef>
+          <a:fontRef idx="minor">
+            <a:schemeClr val="tx1"/>
+          </a:fontRef>
+        </p:style>
+      </p:cxnSp>
+      <p:sp>
+        <p:nvSpPr>
+          <p:cNvPr id="208" name="Rectangle 207">
+            <a:extLst>
+              <a:ext uri="{FF2B5EF4-FFF2-40B4-BE49-F238E27FC236}">
+                <a16:creationId xmlns:a16="http://schemas.microsoft.com/office/drawing/2014/main" id="{DC4B1438-95E6-4431-8BB0-AFC6715AAED8}"/>
+              </a:ext>
+            </a:extLst>
+          </p:cNvPr>
+          <p:cNvSpPr/>
+          <p:nvPr/>
+        </p:nvSpPr>
+        <p:spPr>
+          <a:xfrm>
+            <a:off x="9925497" y="5082341"/>
+            <a:ext cx="1222258" cy="1176431"/>
+          </a:xfrm>
+          <a:prstGeom prst="rect">
+            <a:avLst/>
+          </a:prstGeom>
+          <a:noFill/>
+          <a:ln w="38100">
+            <a:solidFill>
+              <a:schemeClr val="tx1"/>
+            </a:solidFill>
+          </a:ln>
+        </p:spPr>
+        <p:style>
+          <a:lnRef idx="2">
+            <a:schemeClr val="accent1">
+              <a:shade val="50000"/>
+            </a:schemeClr>
+          </a:lnRef>
+          <a:fillRef idx="1">
+            <a:schemeClr val="accent1"/>
+          </a:fillRef>
+          <a:effectRef idx="0">
+            <a:schemeClr val="accent1"/>
+          </a:effectRef>
+          <a:fontRef idx="minor">
+            <a:schemeClr val="lt1"/>
+          </a:fontRef>
+        </p:style>
+        <p:txBody>
+          <a:bodyPr rtlCol="0" anchor="ctr"/>
+          <a:lstStyle/>
+          <a:p>
+            <a:pPr algn="ctr"/>
+            <a:r>
+              <a:rPr lang="en-SG" b="1" dirty="0">
+                <a:solidFill>
+                  <a:schemeClr val="tx1"/>
+                </a:solidFill>
+              </a:rPr>
+              <a:t>Solenoid</a:t>
+            </a:r>
+          </a:p>
+          <a:p>
+            <a:pPr algn="ctr"/>
+            <a:r>
+              <a:rPr lang="en-SG" b="1" dirty="0">
+                <a:solidFill>
+                  <a:schemeClr val="tx1"/>
+                </a:solidFill>
+              </a:rPr>
+              <a:t>Valve</a:t>
+            </a:r>
+            <a:endParaRPr lang="en-US" b="1" dirty="0">
+              <a:solidFill>
+                <a:schemeClr val="tx1"/>
+              </a:solidFill>
+            </a:endParaRPr>
+          </a:p>
+        </p:txBody>
+      </p:sp>
+      <p:sp>
+        <p:nvSpPr>
+          <p:cNvPr id="209" name="TextBox 208">
+            <a:extLst>
+              <a:ext uri="{FF2B5EF4-FFF2-40B4-BE49-F238E27FC236}">
+                <a16:creationId xmlns:a16="http://schemas.microsoft.com/office/drawing/2014/main" id="{57CF2B72-876F-4CF7-977E-8C8289739BD8}"/>
+              </a:ext>
+            </a:extLst>
+          </p:cNvPr>
+          <p:cNvSpPr txBox="1"/>
+          <p:nvPr/>
+        </p:nvSpPr>
+        <p:spPr>
+          <a:xfrm>
+            <a:off x="8853933" y="1947124"/>
+            <a:ext cx="958917" cy="369332"/>
+          </a:xfrm>
+          <a:prstGeom prst="rect">
+            <a:avLst/>
+          </a:prstGeom>
+          <a:noFill/>
+        </p:spPr>
+        <p:txBody>
+          <a:bodyPr wrap="none" rtlCol="0">
+            <a:spAutoFit/>
+          </a:bodyPr>
+          <a:lstStyle/>
+          <a:p>
+            <a:pPr algn="ctr"/>
+            <a:r>
+              <a:rPr lang="en-US" dirty="0"/>
               <a:t>Modbus</a:t>
             </a:r>
           </a:p>
@@ -4432,62 +9017,7 @@
     </p:spTree>
     <p:extLst>
       <p:ext uri="{BB962C8B-B14F-4D97-AF65-F5344CB8AC3E}">
-        <p14:creationId xmlns:p14="http://schemas.microsoft.com/office/powerpoint/2010/main" val="3865164602"/>
-      </p:ext>
-    </p:extLst>
-  </p:cSld>
-  <p:clrMapOvr>
-    <a:masterClrMapping/>
-  </p:clrMapOvr>
-</p:sld>
-</file>
-
-<file path=ppt/slides/slide3.xml><?xml version="1.0" encoding="utf-8"?>
-<p:sld xmlns:a="http://schemas.openxmlformats.org/drawingml/2006/main" xmlns:r="http://schemas.openxmlformats.org/officeDocument/2006/relationships" xmlns:p="http://schemas.openxmlformats.org/presentationml/2006/main">
-  <p:cSld>
-    <p:spTree>
-      <p:nvGrpSpPr>
-        <p:cNvPr id="1" name=""/>
-        <p:cNvGrpSpPr/>
-        <p:nvPr/>
-      </p:nvGrpSpPr>
-      <p:grpSpPr>
-        <a:xfrm>
-          <a:off x="0" y="0"/>
-          <a:ext cx="0" cy="0"/>
-          <a:chOff x="0" y="0"/>
-          <a:chExt cx="0" cy="0"/>
-        </a:xfrm>
-      </p:grpSpPr>
-      <p:sp>
-        <p:nvSpPr>
-          <p:cNvPr id="3" name="Title 2">
-            <a:extLst>
-              <a:ext uri="{FF2B5EF4-FFF2-40B4-BE49-F238E27FC236}">
-                <a16:creationId xmlns:a16="http://schemas.microsoft.com/office/drawing/2014/main" id="{089B00F5-224E-4567-BDCA-6D14ACEE9256}"/>
-              </a:ext>
-            </a:extLst>
-          </p:cNvPr>
-          <p:cNvSpPr>
-            <a:spLocks noGrp="1"/>
-          </p:cNvSpPr>
-          <p:nvPr>
-            <p:ph type="title"/>
-          </p:nvPr>
-        </p:nvSpPr>
-        <p:spPr/>
-        <p:txBody>
-          <a:bodyPr/>
-          <a:lstStyle/>
-          <a:p>
-            <a:endParaRPr lang="en-SG"/>
-          </a:p>
-        </p:txBody>
-      </p:sp>
-    </p:spTree>
-    <p:extLst>
-      <p:ext uri="{BB962C8B-B14F-4D97-AF65-F5344CB8AC3E}">
-        <p14:creationId xmlns:p14="http://schemas.microsoft.com/office/powerpoint/2010/main" val="391209314"/>
+        <p14:creationId xmlns:p14="http://schemas.microsoft.com/office/powerpoint/2010/main" val="2830510789"/>
       </p:ext>
     </p:extLst>
   </p:cSld>
@@ -5264,6 +9794,39 @@
 
 <file path=customXml/item2.xml><?xml version="1.0" encoding="utf-8"?>
 <?mso-contentType ?>
+<FormTemplates xmlns="http://schemas.microsoft.com/sharepoint/v3/contenttype/forms">
+  <Display>DocumentLibraryForm</Display>
+  <Edit>DocumentLibraryForm</Edit>
+  <New>DocumentLibraryForm</New>
+</FormTemplates>
+</file>
+
+<file path=customXml/item3.xml><?xml version="1.0" encoding="utf-8"?>
+<p:properties xmlns:p="http://schemas.microsoft.com/office/2006/metadata/properties" xmlns:xsi="http://www.w3.org/2001/XMLSchema-instance" xmlns:pc="http://schemas.microsoft.com/office/infopath/2007/PartnerControls">
+  <documentManagement>
+    <SharedWithUsers xmlns="d1583c34-73a0-4f2f-ba6b-1ac8359f2b78">
+      <UserInfo>
+        <DisplayName>Karen Boh Lee Gek</DisplayName>
+        <AccountId>1403</AccountId>
+        <AccountType/>
+      </UserInfo>
+      <UserInfo>
+        <DisplayName>Kris Chur San Yee</DisplayName>
+        <AccountId>1798</AccountId>
+        <AccountType/>
+      </UserInfo>
+    </SharedWithUsers>
+    <_dlc_DocId xmlns="0ad04f26-a780-43bf-835f-b79ff52a29dc">U3ZV22ZJXESJ-1142709787-4964</_dlc_DocId>
+    <_dlc_DocIdUrl xmlns="0ad04f26-a780-43bf-835f-b79ff52a29dc">
+      <Url>https://sitsingaporetechedu.sharepoint.com/sites/PO/Leads/_layouts/15/DocIdRedir.aspx?ID=U3ZV22ZJXESJ-1142709787-4964</Url>
+      <Description>U3ZV22ZJXESJ-1142709787-4964</Description>
+    </_dlc_DocIdUrl>
+  </documentManagement>
+</p:properties>
+</file>
+
+<file path=customXml/item4.xml><?xml version="1.0" encoding="utf-8"?>
+<?mso-contentType ?>
 <spe:Receivers xmlns:spe="http://schemas.microsoft.com/sharepoint/events">
   <Receiver>
     <Name>Document ID Generator</Name>
@@ -5312,39 +9875,6 @@
 </spe:Receivers>
 </file>
 
-<file path=customXml/item3.xml><?xml version="1.0" encoding="utf-8"?>
-<p:properties xmlns:p="http://schemas.microsoft.com/office/2006/metadata/properties" xmlns:xsi="http://www.w3.org/2001/XMLSchema-instance" xmlns:pc="http://schemas.microsoft.com/office/infopath/2007/PartnerControls">
-  <documentManagement>
-    <SharedWithUsers xmlns="d1583c34-73a0-4f2f-ba6b-1ac8359f2b78">
-      <UserInfo>
-        <DisplayName>Karen Boh Lee Gek</DisplayName>
-        <AccountId>1403</AccountId>
-        <AccountType/>
-      </UserInfo>
-      <UserInfo>
-        <DisplayName>Kris Chur San Yee</DisplayName>
-        <AccountId>1798</AccountId>
-        <AccountType/>
-      </UserInfo>
-    </SharedWithUsers>
-    <_dlc_DocId xmlns="0ad04f26-a780-43bf-835f-b79ff52a29dc">U3ZV22ZJXESJ-1142709787-4964</_dlc_DocId>
-    <_dlc_DocIdUrl xmlns="0ad04f26-a780-43bf-835f-b79ff52a29dc">
-      <Url>https://sitsingaporetechedu.sharepoint.com/sites/PO/Leads/_layouts/15/DocIdRedir.aspx?ID=U3ZV22ZJXESJ-1142709787-4964</Url>
-      <Description>U3ZV22ZJXESJ-1142709787-4964</Description>
-    </_dlc_DocIdUrl>
-  </documentManagement>
-</p:properties>
-</file>
-
-<file path=customXml/item4.xml><?xml version="1.0" encoding="utf-8"?>
-<?mso-contentType ?>
-<FormTemplates xmlns="http://schemas.microsoft.com/sharepoint/v3/contenttype/forms">
-  <Display>DocumentLibraryForm</Display>
-  <Edit>DocumentLibraryForm</Edit>
-  <New>DocumentLibraryForm</New>
-</FormTemplates>
-</file>
-
 <file path=customXml/itemProps1.xml><?xml version="1.0" encoding="utf-8"?>
 <ds:datastoreItem xmlns:ds="http://schemas.openxmlformats.org/officeDocument/2006/customXml" ds:itemID="{C20F4E18-A5EC-4A34-B7AA-397D2B188B6A}">
   <ds:schemaRefs>
@@ -5366,9 +9896,9 @@
 </file>
 
 <file path=customXml/itemProps2.xml><?xml version="1.0" encoding="utf-8"?>
-<ds:datastoreItem xmlns:ds="http://schemas.openxmlformats.org/officeDocument/2006/customXml" ds:itemID="{DBE60198-3F54-4377-AFC2-746F792EC1FE}">
+<ds:datastoreItem xmlns:ds="http://schemas.openxmlformats.org/officeDocument/2006/customXml" ds:itemID="{7D7D58FF-6E5B-409D-8B4D-B0E0073025D5}">
   <ds:schemaRefs>
-    <ds:schemaRef ds:uri="http://schemas.microsoft.com/sharepoint/events"/>
+    <ds:schemaRef ds:uri="http://schemas.microsoft.com/sharepoint/v3/contenttype/forms"/>
   </ds:schemaRefs>
 </ds:datastoreItem>
 </file>
@@ -5392,9 +9922,9 @@
 </file>
 
 <file path=customXml/itemProps4.xml><?xml version="1.0" encoding="utf-8"?>
-<ds:datastoreItem xmlns:ds="http://schemas.openxmlformats.org/officeDocument/2006/customXml" ds:itemID="{7D7D58FF-6E5B-409D-8B4D-B0E0073025D5}">
+<ds:datastoreItem xmlns:ds="http://schemas.openxmlformats.org/officeDocument/2006/customXml" ds:itemID="{DBE60198-3F54-4377-AFC2-746F792EC1FE}">
   <ds:schemaRefs>
-    <ds:schemaRef ds:uri="http://schemas.microsoft.com/sharepoint/v3/contenttype/forms"/>
+    <ds:schemaRef ds:uri="http://schemas.microsoft.com/sharepoint/events"/>
   </ds:schemaRefs>
 </ds:datastoreItem>
 </file>
--- a/Docs/thermal_controller_blockdiagram.pptx
+++ b/Docs/thermal_controller_blockdiagram.pptx
@@ -5,7 +5,7 @@
     <p:sldMasterId id="2147483648" r:id="rId5"/>
   </p:sldMasterIdLst>
   <p:notesMasterIdLst>
-    <p:notesMasterId r:id="rId11"/>
+    <p:notesMasterId r:id="rId14"/>
   </p:notesMasterIdLst>
   <p:sldIdLst>
     <p:sldId id="3526" r:id="rId6"/>
@@ -13,6 +13,9 @@
     <p:sldId id="3528" r:id="rId8"/>
     <p:sldId id="3529" r:id="rId9"/>
     <p:sldId id="3530" r:id="rId10"/>
+    <p:sldId id="3531" r:id="rId11"/>
+    <p:sldId id="3532" r:id="rId12"/>
+    <p:sldId id="3533" r:id="rId13"/>
   </p:sldIdLst>
   <p:sldSz cx="12192000" cy="6858000"/>
   <p:notesSz cx="6797675" cy="9926638"/>
@@ -213,7 +216,7 @@
           <a:p>
             <a:fld id="{8A2540B5-C657-4695-96F0-0059BA46A3EC}" type="datetimeFigureOut">
               <a:rPr lang="en-US" smtClean="0"/>
-              <a:t>10/18/2022</a:t>
+              <a:t>11/3/2022</a:t>
             </a:fld>
             <a:endParaRPr lang="en-US"/>
           </a:p>
@@ -480,6 +483,90 @@
 </p:notesMaster>
 </file>
 
+<file path=ppt/notesSlides/notesSlide1.xml><?xml version="1.0" encoding="utf-8"?>
+<p:notes xmlns:a="http://schemas.openxmlformats.org/drawingml/2006/main" xmlns:r="http://schemas.openxmlformats.org/officeDocument/2006/relationships" xmlns:p="http://schemas.openxmlformats.org/presentationml/2006/main">
+  <p:cSld>
+    <p:spTree>
+      <p:nvGrpSpPr>
+        <p:cNvPr id="1" name=""/>
+        <p:cNvGrpSpPr/>
+        <p:nvPr/>
+      </p:nvGrpSpPr>
+      <p:grpSpPr>
+        <a:xfrm>
+          <a:off x="0" y="0"/>
+          <a:ext cx="0" cy="0"/>
+          <a:chOff x="0" y="0"/>
+          <a:chExt cx="0" cy="0"/>
+        </a:xfrm>
+      </p:grpSpPr>
+      <p:sp>
+        <p:nvSpPr>
+          <p:cNvPr id="2" name="Slide Image Placeholder 1"/>
+          <p:cNvSpPr>
+            <a:spLocks noGrp="1" noRot="1" noChangeAspect="1"/>
+          </p:cNvSpPr>
+          <p:nvPr>
+            <p:ph type="sldImg"/>
+          </p:nvPr>
+        </p:nvSpPr>
+        <p:spPr/>
+      </p:sp>
+      <p:sp>
+        <p:nvSpPr>
+          <p:cNvPr id="3" name="Notes Placeholder 2"/>
+          <p:cNvSpPr>
+            <a:spLocks noGrp="1"/>
+          </p:cNvSpPr>
+          <p:nvPr>
+            <p:ph type="body" idx="1"/>
+          </p:nvPr>
+        </p:nvSpPr>
+        <p:spPr/>
+        <p:txBody>
+          <a:bodyPr/>
+          <a:lstStyle/>
+          <a:p>
+            <a:endParaRPr lang="en-SG" dirty="0"/>
+          </a:p>
+        </p:txBody>
+      </p:sp>
+      <p:sp>
+        <p:nvSpPr>
+          <p:cNvPr id="4" name="Slide Number Placeholder 3"/>
+          <p:cNvSpPr>
+            <a:spLocks noGrp="1"/>
+          </p:cNvSpPr>
+          <p:nvPr>
+            <p:ph type="sldNum" sz="quarter" idx="5"/>
+          </p:nvPr>
+        </p:nvSpPr>
+        <p:spPr/>
+        <p:txBody>
+          <a:bodyPr/>
+          <a:lstStyle/>
+          <a:p>
+            <a:fld id="{D7A1C63D-6A0D-4A97-AF70-6DEF9E93A01A}" type="slidenum">
+              <a:rPr lang="en-US" smtClean="0"/>
+              <a:t>8</a:t>
+            </a:fld>
+            <a:endParaRPr lang="en-US"/>
+          </a:p>
+        </p:txBody>
+      </p:sp>
+    </p:spTree>
+    <p:extLst>
+      <p:ext uri="{BB962C8B-B14F-4D97-AF65-F5344CB8AC3E}">
+        <p14:creationId xmlns:p14="http://schemas.microsoft.com/office/powerpoint/2010/main" val="2541050799"/>
+      </p:ext>
+    </p:extLst>
+  </p:cSld>
+  <p:clrMapOvr>
+    <a:masterClrMapping/>
+  </p:clrMapOvr>
+</p:notes>
+</file>
+
 <file path=ppt/slideLayouts/slideLayout1.xml><?xml version="1.0" encoding="utf-8"?>
 <p:sldLayout xmlns:a="http://schemas.openxmlformats.org/drawingml/2006/main" xmlns:r="http://schemas.openxmlformats.org/officeDocument/2006/relationships" xmlns:p="http://schemas.openxmlformats.org/presentationml/2006/main" showMasterSp="0" type="title" preserve="1">
   <p:cSld name="Title Slide">
@@ -752,7 +839,7 @@
           <a:p>
             <a:fld id="{CD9FC7CE-19E2-4257-9F45-8977FC4F3E4A}" type="datetimeFigureOut">
               <a:rPr lang="en-US" smtClean="0"/>
-              <a:t>10/18/2022</a:t>
+              <a:t>11/3/2022</a:t>
             </a:fld>
             <a:endParaRPr lang="en-US"/>
           </a:p>
@@ -1061,7 +1148,7 @@
           <a:p>
             <a:fld id="{CD9FC7CE-19E2-4257-9F45-8977FC4F3E4A}" type="datetimeFigureOut">
               <a:rPr lang="en-US" smtClean="0"/>
-              <a:t>10/18/2022</a:t>
+              <a:t>11/3/2022</a:t>
             </a:fld>
             <a:endParaRPr lang="en-US"/>
           </a:p>
@@ -1277,7 +1364,7 @@
           <a:p>
             <a:fld id="{CD9FC7CE-19E2-4257-9F45-8977FC4F3E4A}" type="datetimeFigureOut">
               <a:rPr lang="en-US" smtClean="0"/>
-              <a:t>10/18/2022</a:t>
+              <a:t>11/3/2022</a:t>
             </a:fld>
             <a:endParaRPr lang="en-US"/>
           </a:p>
@@ -1677,7 +1764,7 @@
           <a:p>
             <a:fld id="{CD9FC7CE-19E2-4257-9F45-8977FC4F3E4A}" type="datetimeFigureOut">
               <a:rPr lang="en-US" smtClean="0"/>
-              <a:t>10/18/2022</a:t>
+              <a:t>11/3/2022</a:t>
             </a:fld>
             <a:endParaRPr lang="en-US"/>
           </a:p>
@@ -1794,7 +1881,7 @@
           <a:p>
             <a:fld id="{CD9FC7CE-19E2-4257-9F45-8977FC4F3E4A}" type="datetimeFigureOut">
               <a:rPr lang="en-US" smtClean="0"/>
-              <a:t>10/18/2022</a:t>
+              <a:t>11/3/2022</a:t>
             </a:fld>
             <a:endParaRPr lang="en-US"/>
           </a:p>
@@ -1889,7 +1976,7 @@
           <a:p>
             <a:fld id="{CD9FC7CE-19E2-4257-9F45-8977FC4F3E4A}" type="datetimeFigureOut">
               <a:rPr lang="en-US" smtClean="0"/>
-              <a:t>10/18/2022</a:t>
+              <a:t>11/3/2022</a:t>
             </a:fld>
             <a:endParaRPr lang="en-US"/>
           </a:p>
@@ -2116,7 +2203,7 @@
           <a:p>
             <a:fld id="{CD9FC7CE-19E2-4257-9F45-8977FC4F3E4A}" type="datetimeFigureOut">
               <a:rPr lang="en-US" smtClean="0"/>
-              <a:t>10/18/2022</a:t>
+              <a:t>11/3/2022</a:t>
             </a:fld>
             <a:endParaRPr lang="en-US" dirty="0"/>
           </a:p>
@@ -15116,8 +15203,8 @@
         </p:nvSpPr>
         <p:spPr>
           <a:xfrm>
-            <a:off x="5247805" y="5394956"/>
-            <a:ext cx="288862" cy="338554"/>
+            <a:off x="5201463" y="5383281"/>
+            <a:ext cx="407484" cy="338554"/>
           </a:xfrm>
           <a:prstGeom prst="rect">
             <a:avLst/>
@@ -15132,7 +15219,7 @@
           <a:p>
             <a:r>
               <a:rPr lang="en-SG" sz="1600" dirty="0"/>
-              <a:t>3</a:t>
+              <a:t>A0</a:t>
             </a:r>
           </a:p>
         </p:txBody>
@@ -15151,8 +15238,8 @@
         </p:nvSpPr>
         <p:spPr>
           <a:xfrm>
-            <a:off x="5247805" y="5661927"/>
-            <a:ext cx="288862" cy="338554"/>
+            <a:off x="5201463" y="5650252"/>
+            <a:ext cx="407484" cy="338554"/>
           </a:xfrm>
           <a:prstGeom prst="rect">
             <a:avLst/>
@@ -15167,7 +15254,7 @@
           <a:p>
             <a:r>
               <a:rPr lang="en-SG" sz="1600" dirty="0"/>
-              <a:t>4</a:t>
+              <a:t>A1</a:t>
             </a:r>
           </a:p>
         </p:txBody>
@@ -18461,7 +18548,7 @@
         <p:spPr>
           <a:xfrm>
             <a:off x="8349080" y="1255256"/>
-            <a:ext cx="2374370" cy="1570151"/>
+            <a:ext cx="2042640" cy="1570151"/>
           </a:xfrm>
           <a:prstGeom prst="rect">
             <a:avLst/>
@@ -20551,7 +20638,7 @@
         </p:nvSpPr>
         <p:spPr>
           <a:xfrm>
-            <a:off x="10411322" y="1833954"/>
+            <a:off x="10065305" y="1752142"/>
             <a:ext cx="287258" cy="338554"/>
           </a:xfrm>
           <a:prstGeom prst="rect">
@@ -20587,7 +20674,7 @@
         </p:nvSpPr>
         <p:spPr>
           <a:xfrm>
-            <a:off x="10411322" y="2100925"/>
+            <a:off x="10065305" y="2019113"/>
             <a:ext cx="247184" cy="338554"/>
           </a:xfrm>
           <a:prstGeom prst="rect">
@@ -20625,8 +20712,8 @@
         </p:nvCxnSpPr>
         <p:spPr>
           <a:xfrm flipH="1">
-            <a:off x="10737737" y="2000430"/>
-            <a:ext cx="1050062" cy="0"/>
+            <a:off x="10391720" y="1912844"/>
+            <a:ext cx="581080" cy="5774"/>
           </a:xfrm>
           <a:prstGeom prst="straightConnector1">
             <a:avLst/>
@@ -20670,8 +20757,8 @@
         </p:nvCxnSpPr>
         <p:spPr>
           <a:xfrm flipH="1">
-            <a:off x="10737737" y="2264600"/>
-            <a:ext cx="1050062" cy="0"/>
+            <a:off x="10391720" y="2182788"/>
+            <a:ext cx="581080" cy="0"/>
           </a:xfrm>
           <a:prstGeom prst="straightConnector1">
             <a:avLst/>
@@ -22310,10 +22397,8011 @@
           </a:p>
         </p:txBody>
       </p:sp>
+      <p:sp>
+        <p:nvSpPr>
+          <p:cNvPr id="121" name="Rectangle 120">
+            <a:extLst>
+              <a:ext uri="{FF2B5EF4-FFF2-40B4-BE49-F238E27FC236}">
+                <a16:creationId xmlns:a16="http://schemas.microsoft.com/office/drawing/2014/main" id="{63A2772D-C19D-4980-A043-E918E38A0F37}"/>
+              </a:ext>
+            </a:extLst>
+          </p:cNvPr>
+          <p:cNvSpPr/>
+          <p:nvPr/>
+        </p:nvSpPr>
+        <p:spPr>
+          <a:xfrm>
+            <a:off x="10969809" y="1754375"/>
+            <a:ext cx="787151" cy="603292"/>
+          </a:xfrm>
+          <a:prstGeom prst="rect">
+            <a:avLst/>
+          </a:prstGeom>
+          <a:noFill/>
+          <a:ln w="38100">
+            <a:solidFill>
+              <a:schemeClr val="tx1"/>
+            </a:solidFill>
+            <a:prstDash val="solid"/>
+          </a:ln>
+        </p:spPr>
+        <p:style>
+          <a:lnRef idx="2">
+            <a:schemeClr val="accent1">
+              <a:shade val="50000"/>
+            </a:schemeClr>
+          </a:lnRef>
+          <a:fillRef idx="1">
+            <a:schemeClr val="accent1"/>
+          </a:fillRef>
+          <a:effectRef idx="0">
+            <a:schemeClr val="accent1"/>
+          </a:effectRef>
+          <a:fontRef idx="minor">
+            <a:schemeClr val="lt1"/>
+          </a:fontRef>
+        </p:style>
+        <p:txBody>
+          <a:bodyPr rtlCol="0" anchor="ctr"/>
+          <a:lstStyle/>
+          <a:p>
+            <a:pPr algn="ctr"/>
+            <a:r>
+              <a:rPr lang="en-US" b="1" dirty="0">
+                <a:solidFill>
+                  <a:schemeClr val="tx1"/>
+                </a:solidFill>
+              </a:rPr>
+              <a:t>PT100</a:t>
+            </a:r>
+          </a:p>
+        </p:txBody>
+      </p:sp>
     </p:spTree>
     <p:extLst>
       <p:ext uri="{BB962C8B-B14F-4D97-AF65-F5344CB8AC3E}">
         <p14:creationId xmlns:p14="http://schemas.microsoft.com/office/powerpoint/2010/main" val="3834714661"/>
+      </p:ext>
+    </p:extLst>
+  </p:cSld>
+  <p:clrMapOvr>
+    <a:masterClrMapping/>
+  </p:clrMapOvr>
+</p:sld>
+</file>
+
+<file path=ppt/slides/slide6.xml><?xml version="1.0" encoding="utf-8"?>
+<p:sld xmlns:a="http://schemas.openxmlformats.org/drawingml/2006/main" xmlns:r="http://schemas.openxmlformats.org/officeDocument/2006/relationships" xmlns:p="http://schemas.openxmlformats.org/presentationml/2006/main">
+  <p:cSld>
+    <p:spTree>
+      <p:nvGrpSpPr>
+        <p:cNvPr id="1" name=""/>
+        <p:cNvGrpSpPr/>
+        <p:nvPr/>
+      </p:nvGrpSpPr>
+      <p:grpSpPr>
+        <a:xfrm>
+          <a:off x="0" y="0"/>
+          <a:ext cx="0" cy="0"/>
+          <a:chOff x="0" y="0"/>
+          <a:chExt cx="0" cy="0"/>
+        </a:xfrm>
+      </p:grpSpPr>
+      <p:sp>
+        <p:nvSpPr>
+          <p:cNvPr id="44" name="Rectangle 43">
+            <a:extLst>
+              <a:ext uri="{FF2B5EF4-FFF2-40B4-BE49-F238E27FC236}">
+                <a16:creationId xmlns:a16="http://schemas.microsoft.com/office/drawing/2014/main" id="{F21C0551-3D56-4A70-A5DD-57100B576499}"/>
+              </a:ext>
+            </a:extLst>
+          </p:cNvPr>
+          <p:cNvSpPr/>
+          <p:nvPr/>
+        </p:nvSpPr>
+        <p:spPr>
+          <a:xfrm>
+            <a:off x="2068878" y="1286549"/>
+            <a:ext cx="3760251" cy="5280411"/>
+          </a:xfrm>
+          <a:prstGeom prst="rect">
+            <a:avLst/>
+          </a:prstGeom>
+          <a:noFill/>
+          <a:ln w="38100">
+            <a:solidFill>
+              <a:schemeClr val="tx1"/>
+            </a:solidFill>
+          </a:ln>
+        </p:spPr>
+        <p:style>
+          <a:lnRef idx="2">
+            <a:schemeClr val="accent1">
+              <a:shade val="50000"/>
+            </a:schemeClr>
+          </a:lnRef>
+          <a:fillRef idx="1">
+            <a:schemeClr val="accent1"/>
+          </a:fillRef>
+          <a:effectRef idx="0">
+            <a:schemeClr val="accent1"/>
+          </a:effectRef>
+          <a:fontRef idx="minor">
+            <a:schemeClr val="lt1"/>
+          </a:fontRef>
+        </p:style>
+        <p:txBody>
+          <a:bodyPr rtlCol="0" anchor="ctr"/>
+          <a:lstStyle/>
+          <a:p>
+            <a:pPr algn="ctr"/>
+            <a:r>
+              <a:rPr lang="en-US" b="1" dirty="0">
+                <a:solidFill>
+                  <a:schemeClr val="tx1"/>
+                </a:solidFill>
+              </a:rPr>
+              <a:t>Microcontroller</a:t>
+            </a:r>
+          </a:p>
+          <a:p>
+            <a:pPr algn="ctr"/>
+            <a:r>
+              <a:rPr lang="en-US" b="1" dirty="0">
+                <a:solidFill>
+                  <a:schemeClr val="tx1"/>
+                </a:solidFill>
+              </a:rPr>
+              <a:t>(Arduino Mega)</a:t>
+            </a:r>
+          </a:p>
+        </p:txBody>
+      </p:sp>
+      <p:sp>
+        <p:nvSpPr>
+          <p:cNvPr id="56" name="TextBox 55">
+            <a:extLst>
+              <a:ext uri="{FF2B5EF4-FFF2-40B4-BE49-F238E27FC236}">
+                <a16:creationId xmlns:a16="http://schemas.microsoft.com/office/drawing/2014/main" id="{A454C488-884A-4E07-B39D-CE311502E96E}"/>
+              </a:ext>
+            </a:extLst>
+          </p:cNvPr>
+          <p:cNvSpPr txBox="1"/>
+          <p:nvPr/>
+        </p:nvSpPr>
+        <p:spPr>
+          <a:xfrm>
+            <a:off x="12377" y="533096"/>
+            <a:ext cx="974882" cy="369332"/>
+          </a:xfrm>
+          <a:prstGeom prst="rect">
+            <a:avLst/>
+          </a:prstGeom>
+          <a:noFill/>
+        </p:spPr>
+        <p:txBody>
+          <a:bodyPr wrap="none" rtlCol="0">
+            <a:spAutoFit/>
+          </a:bodyPr>
+          <a:lstStyle/>
+          <a:p>
+            <a:pPr algn="ctr"/>
+            <a:r>
+              <a:rPr lang="en-US" dirty="0"/>
+              <a:t>AC 230V</a:t>
+            </a:r>
+          </a:p>
+        </p:txBody>
+      </p:sp>
+      <p:cxnSp>
+        <p:nvCxnSpPr>
+          <p:cNvPr id="57" name="Straight Arrow Connector 56">
+            <a:extLst>
+              <a:ext uri="{FF2B5EF4-FFF2-40B4-BE49-F238E27FC236}">
+                <a16:creationId xmlns:a16="http://schemas.microsoft.com/office/drawing/2014/main" id="{66234753-6FF0-41E7-BA34-E1084AB36926}"/>
+              </a:ext>
+            </a:extLst>
+          </p:cNvPr>
+          <p:cNvCxnSpPr>
+            <a:cxnSpLocks/>
+          </p:cNvCxnSpPr>
+          <p:nvPr/>
+        </p:nvCxnSpPr>
+        <p:spPr>
+          <a:xfrm>
+            <a:off x="987259" y="717762"/>
+            <a:ext cx="713912" cy="0"/>
+          </a:xfrm>
+          <a:prstGeom prst="straightConnector1">
+            <a:avLst/>
+          </a:prstGeom>
+          <a:ln w="57150">
+            <a:solidFill>
+              <a:schemeClr val="tx1"/>
+            </a:solidFill>
+            <a:tailEnd type="triangle"/>
+          </a:ln>
+        </p:spPr>
+        <p:style>
+          <a:lnRef idx="1">
+            <a:schemeClr val="accent1"/>
+          </a:lnRef>
+          <a:fillRef idx="0">
+            <a:schemeClr val="accent1"/>
+          </a:fillRef>
+          <a:effectRef idx="0">
+            <a:schemeClr val="accent1"/>
+          </a:effectRef>
+          <a:fontRef idx="minor">
+            <a:schemeClr val="tx1"/>
+          </a:fontRef>
+        </p:style>
+      </p:cxnSp>
+      <p:cxnSp>
+        <p:nvCxnSpPr>
+          <p:cNvPr id="250" name="Straight Arrow Connector 249">
+            <a:extLst>
+              <a:ext uri="{FF2B5EF4-FFF2-40B4-BE49-F238E27FC236}">
+                <a16:creationId xmlns:a16="http://schemas.microsoft.com/office/drawing/2014/main" id="{A203D7EF-04CA-4FDB-9ABE-F974DB80A422}"/>
+              </a:ext>
+            </a:extLst>
+          </p:cNvPr>
+          <p:cNvCxnSpPr>
+            <a:cxnSpLocks/>
+            <a:endCxn id="275" idx="1"/>
+          </p:cNvCxnSpPr>
+          <p:nvPr/>
+        </p:nvCxnSpPr>
+        <p:spPr>
+          <a:xfrm flipV="1">
+            <a:off x="8987171" y="707813"/>
+            <a:ext cx="389779" cy="1"/>
+          </a:xfrm>
+          <a:prstGeom prst="straightConnector1">
+            <a:avLst/>
+          </a:prstGeom>
+          <a:ln w="38100">
+            <a:solidFill>
+              <a:schemeClr val="tx1"/>
+            </a:solidFill>
+            <a:tailEnd type="triangle"/>
+          </a:ln>
+        </p:spPr>
+        <p:style>
+          <a:lnRef idx="1">
+            <a:schemeClr val="accent1"/>
+          </a:lnRef>
+          <a:fillRef idx="0">
+            <a:schemeClr val="accent1"/>
+          </a:fillRef>
+          <a:effectRef idx="0">
+            <a:schemeClr val="accent1"/>
+          </a:effectRef>
+          <a:fontRef idx="minor">
+            <a:schemeClr val="tx1"/>
+          </a:fontRef>
+        </p:style>
+      </p:cxnSp>
+      <p:sp>
+        <p:nvSpPr>
+          <p:cNvPr id="275" name="TextBox 274">
+            <a:extLst>
+              <a:ext uri="{FF2B5EF4-FFF2-40B4-BE49-F238E27FC236}">
+                <a16:creationId xmlns:a16="http://schemas.microsoft.com/office/drawing/2014/main" id="{775B6F79-D287-41C3-93CD-F0D1DA0A13FF}"/>
+              </a:ext>
+            </a:extLst>
+          </p:cNvPr>
+          <p:cNvSpPr txBox="1"/>
+          <p:nvPr/>
+        </p:nvSpPr>
+        <p:spPr>
+          <a:xfrm>
+            <a:off x="9376950" y="523147"/>
+            <a:ext cx="548547" cy="369332"/>
+          </a:xfrm>
+          <a:prstGeom prst="rect">
+            <a:avLst/>
+          </a:prstGeom>
+          <a:noFill/>
+        </p:spPr>
+        <p:txBody>
+          <a:bodyPr wrap="none" rtlCol="0">
+            <a:spAutoFit/>
+          </a:bodyPr>
+          <a:lstStyle/>
+          <a:p>
+            <a:pPr algn="ctr"/>
+            <a:r>
+              <a:rPr lang="en-US" dirty="0"/>
+              <a:t>+5V</a:t>
+            </a:r>
+          </a:p>
+        </p:txBody>
+      </p:sp>
+      <p:cxnSp>
+        <p:nvCxnSpPr>
+          <p:cNvPr id="335" name="Straight Arrow Connector 334">
+            <a:extLst>
+              <a:ext uri="{FF2B5EF4-FFF2-40B4-BE49-F238E27FC236}">
+                <a16:creationId xmlns:a16="http://schemas.microsoft.com/office/drawing/2014/main" id="{A0B8ABB7-0DA2-436C-B747-531BD65733CD}"/>
+              </a:ext>
+            </a:extLst>
+          </p:cNvPr>
+          <p:cNvCxnSpPr>
+            <a:cxnSpLocks/>
+            <a:endCxn id="79" idx="1"/>
+          </p:cNvCxnSpPr>
+          <p:nvPr/>
+        </p:nvCxnSpPr>
+        <p:spPr>
+          <a:xfrm>
+            <a:off x="3170798" y="709345"/>
+            <a:ext cx="403535" cy="0"/>
+          </a:xfrm>
+          <a:prstGeom prst="straightConnector1">
+            <a:avLst/>
+          </a:prstGeom>
+          <a:ln w="38100">
+            <a:solidFill>
+              <a:schemeClr val="tx1"/>
+            </a:solidFill>
+            <a:tailEnd type="triangle"/>
+          </a:ln>
+        </p:spPr>
+        <p:style>
+          <a:lnRef idx="1">
+            <a:schemeClr val="accent1"/>
+          </a:lnRef>
+          <a:fillRef idx="0">
+            <a:schemeClr val="accent1"/>
+          </a:fillRef>
+          <a:effectRef idx="0">
+            <a:schemeClr val="accent1"/>
+          </a:effectRef>
+          <a:fontRef idx="minor">
+            <a:schemeClr val="tx1"/>
+          </a:fontRef>
+        </p:style>
+      </p:cxnSp>
+      <p:sp>
+        <p:nvSpPr>
+          <p:cNvPr id="36" name="Rectangle 35">
+            <a:extLst>
+              <a:ext uri="{FF2B5EF4-FFF2-40B4-BE49-F238E27FC236}">
+                <a16:creationId xmlns:a16="http://schemas.microsoft.com/office/drawing/2014/main" id="{4E5657A7-C34E-4BEB-B30C-16C9CB7AA984}"/>
+              </a:ext>
+            </a:extLst>
+          </p:cNvPr>
+          <p:cNvSpPr/>
+          <p:nvPr/>
+        </p:nvSpPr>
+        <p:spPr>
+          <a:xfrm>
+            <a:off x="1701171" y="360793"/>
+            <a:ext cx="1461325" cy="713937"/>
+          </a:xfrm>
+          <a:prstGeom prst="rect">
+            <a:avLst/>
+          </a:prstGeom>
+          <a:noFill/>
+          <a:ln w="38100">
+            <a:solidFill>
+              <a:schemeClr val="tx1"/>
+            </a:solidFill>
+          </a:ln>
+        </p:spPr>
+        <p:style>
+          <a:lnRef idx="2">
+            <a:schemeClr val="accent1">
+              <a:shade val="50000"/>
+            </a:schemeClr>
+          </a:lnRef>
+          <a:fillRef idx="1">
+            <a:schemeClr val="accent1"/>
+          </a:fillRef>
+          <a:effectRef idx="0">
+            <a:schemeClr val="accent1"/>
+          </a:effectRef>
+          <a:fontRef idx="minor">
+            <a:schemeClr val="lt1"/>
+          </a:fontRef>
+        </p:style>
+        <p:txBody>
+          <a:bodyPr rtlCol="0" anchor="ctr"/>
+          <a:lstStyle/>
+          <a:p>
+            <a:pPr algn="ctr"/>
+            <a:r>
+              <a:rPr lang="en-US" b="1" dirty="0">
+                <a:solidFill>
+                  <a:schemeClr val="tx1"/>
+                </a:solidFill>
+              </a:rPr>
+              <a:t>AC-DC</a:t>
+            </a:r>
+          </a:p>
+          <a:p>
+            <a:pPr algn="ctr"/>
+            <a:r>
+              <a:rPr lang="en-US" b="1" dirty="0">
+                <a:solidFill>
+                  <a:schemeClr val="tx1"/>
+                </a:solidFill>
+              </a:rPr>
+              <a:t>Converter</a:t>
+            </a:r>
+          </a:p>
+        </p:txBody>
+      </p:sp>
+      <p:sp>
+        <p:nvSpPr>
+          <p:cNvPr id="79" name="TextBox 78">
+            <a:extLst>
+              <a:ext uri="{FF2B5EF4-FFF2-40B4-BE49-F238E27FC236}">
+                <a16:creationId xmlns:a16="http://schemas.microsoft.com/office/drawing/2014/main" id="{90EB199C-1C46-4C18-A980-17B586B8B71C}"/>
+              </a:ext>
+            </a:extLst>
+          </p:cNvPr>
+          <p:cNvSpPr txBox="1"/>
+          <p:nvPr/>
+        </p:nvSpPr>
+        <p:spPr>
+          <a:xfrm>
+            <a:off x="3574333" y="524679"/>
+            <a:ext cx="665567" cy="369332"/>
+          </a:xfrm>
+          <a:prstGeom prst="rect">
+            <a:avLst/>
+          </a:prstGeom>
+          <a:noFill/>
+        </p:spPr>
+        <p:txBody>
+          <a:bodyPr wrap="none" rtlCol="0">
+            <a:spAutoFit/>
+          </a:bodyPr>
+          <a:lstStyle/>
+          <a:p>
+            <a:pPr algn="ctr"/>
+            <a:r>
+              <a:rPr lang="en-US" dirty="0"/>
+              <a:t>+24V</a:t>
+            </a:r>
+          </a:p>
+        </p:txBody>
+      </p:sp>
+      <p:cxnSp>
+        <p:nvCxnSpPr>
+          <p:cNvPr id="51" name="Straight Arrow Connector 50">
+            <a:extLst>
+              <a:ext uri="{FF2B5EF4-FFF2-40B4-BE49-F238E27FC236}">
+                <a16:creationId xmlns:a16="http://schemas.microsoft.com/office/drawing/2014/main" id="{07F04B4E-8A0A-4ACC-8E16-E1FB7495FA0C}"/>
+              </a:ext>
+            </a:extLst>
+          </p:cNvPr>
+          <p:cNvCxnSpPr>
+            <a:cxnSpLocks/>
+          </p:cNvCxnSpPr>
+          <p:nvPr/>
+        </p:nvCxnSpPr>
+        <p:spPr>
+          <a:xfrm>
+            <a:off x="7129938" y="709345"/>
+            <a:ext cx="382180" cy="0"/>
+          </a:xfrm>
+          <a:prstGeom prst="straightConnector1">
+            <a:avLst/>
+          </a:prstGeom>
+          <a:ln w="38100">
+            <a:solidFill>
+              <a:schemeClr val="tx1"/>
+            </a:solidFill>
+            <a:tailEnd type="triangle"/>
+          </a:ln>
+        </p:spPr>
+        <p:style>
+          <a:lnRef idx="1">
+            <a:schemeClr val="accent1"/>
+          </a:lnRef>
+          <a:fillRef idx="0">
+            <a:schemeClr val="accent1"/>
+          </a:fillRef>
+          <a:effectRef idx="0">
+            <a:schemeClr val="accent1"/>
+          </a:effectRef>
+          <a:fontRef idx="minor">
+            <a:schemeClr val="tx1"/>
+          </a:fontRef>
+        </p:style>
+      </p:cxnSp>
+      <p:sp>
+        <p:nvSpPr>
+          <p:cNvPr id="37" name="Rectangle 36">
+            <a:extLst>
+              <a:ext uri="{FF2B5EF4-FFF2-40B4-BE49-F238E27FC236}">
+                <a16:creationId xmlns:a16="http://schemas.microsoft.com/office/drawing/2014/main" id="{9E78489F-4ACE-449C-8AE4-43ECD219CE5F}"/>
+              </a:ext>
+            </a:extLst>
+          </p:cNvPr>
+          <p:cNvSpPr/>
+          <p:nvPr/>
+        </p:nvSpPr>
+        <p:spPr>
+          <a:xfrm>
+            <a:off x="4650323" y="360793"/>
+            <a:ext cx="1461325" cy="713937"/>
+          </a:xfrm>
+          <a:prstGeom prst="rect">
+            <a:avLst/>
+          </a:prstGeom>
+          <a:noFill/>
+          <a:ln w="38100">
+            <a:solidFill>
+              <a:schemeClr val="tx1"/>
+            </a:solidFill>
+          </a:ln>
+        </p:spPr>
+        <p:style>
+          <a:lnRef idx="2">
+            <a:schemeClr val="accent1">
+              <a:shade val="50000"/>
+            </a:schemeClr>
+          </a:lnRef>
+          <a:fillRef idx="1">
+            <a:schemeClr val="accent1"/>
+          </a:fillRef>
+          <a:effectRef idx="0">
+            <a:schemeClr val="accent1"/>
+          </a:effectRef>
+          <a:fontRef idx="minor">
+            <a:schemeClr val="lt1"/>
+          </a:fontRef>
+        </p:style>
+        <p:txBody>
+          <a:bodyPr rtlCol="0" anchor="ctr"/>
+          <a:lstStyle/>
+          <a:p>
+            <a:pPr algn="ctr"/>
+            <a:r>
+              <a:rPr lang="en-US" b="1" dirty="0">
+                <a:solidFill>
+                  <a:schemeClr val="tx1"/>
+                </a:solidFill>
+              </a:rPr>
+              <a:t>DC-DC</a:t>
+            </a:r>
+          </a:p>
+          <a:p>
+            <a:pPr algn="ctr"/>
+            <a:r>
+              <a:rPr lang="en-US" b="1" dirty="0">
+                <a:solidFill>
+                  <a:schemeClr val="tx1"/>
+                </a:solidFill>
+              </a:rPr>
+              <a:t>Converter</a:t>
+            </a:r>
+          </a:p>
+        </p:txBody>
+      </p:sp>
+      <p:cxnSp>
+        <p:nvCxnSpPr>
+          <p:cNvPr id="38" name="Straight Arrow Connector 37">
+            <a:extLst>
+              <a:ext uri="{FF2B5EF4-FFF2-40B4-BE49-F238E27FC236}">
+                <a16:creationId xmlns:a16="http://schemas.microsoft.com/office/drawing/2014/main" id="{D867A68A-354F-439F-B4F4-1F9944846B8B}"/>
+              </a:ext>
+            </a:extLst>
+          </p:cNvPr>
+          <p:cNvCxnSpPr>
+            <a:cxnSpLocks/>
+          </p:cNvCxnSpPr>
+          <p:nvPr/>
+        </p:nvCxnSpPr>
+        <p:spPr>
+          <a:xfrm>
+            <a:off x="4234014" y="709345"/>
+            <a:ext cx="403535" cy="0"/>
+          </a:xfrm>
+          <a:prstGeom prst="straightConnector1">
+            <a:avLst/>
+          </a:prstGeom>
+          <a:ln w="38100">
+            <a:solidFill>
+              <a:schemeClr val="tx1"/>
+            </a:solidFill>
+            <a:tailEnd type="triangle"/>
+          </a:ln>
+        </p:spPr>
+        <p:style>
+          <a:lnRef idx="1">
+            <a:schemeClr val="accent1"/>
+          </a:lnRef>
+          <a:fillRef idx="0">
+            <a:schemeClr val="accent1"/>
+          </a:fillRef>
+          <a:effectRef idx="0">
+            <a:schemeClr val="accent1"/>
+          </a:effectRef>
+          <a:fontRef idx="minor">
+            <a:schemeClr val="tx1"/>
+          </a:fontRef>
+        </p:style>
+      </p:cxnSp>
+      <p:sp>
+        <p:nvSpPr>
+          <p:cNvPr id="39" name="TextBox 38">
+            <a:extLst>
+              <a:ext uri="{FF2B5EF4-FFF2-40B4-BE49-F238E27FC236}">
+                <a16:creationId xmlns:a16="http://schemas.microsoft.com/office/drawing/2014/main" id="{807E1ED7-9074-472F-A950-8FD0F00132D0}"/>
+              </a:ext>
+            </a:extLst>
+          </p:cNvPr>
+          <p:cNvSpPr txBox="1"/>
+          <p:nvPr/>
+        </p:nvSpPr>
+        <p:spPr>
+          <a:xfrm>
+            <a:off x="6572788" y="524679"/>
+            <a:ext cx="548548" cy="369332"/>
+          </a:xfrm>
+          <a:prstGeom prst="rect">
+            <a:avLst/>
+          </a:prstGeom>
+          <a:noFill/>
+        </p:spPr>
+        <p:txBody>
+          <a:bodyPr wrap="none" rtlCol="0">
+            <a:spAutoFit/>
+          </a:bodyPr>
+          <a:lstStyle/>
+          <a:p>
+            <a:pPr algn="ctr"/>
+            <a:r>
+              <a:rPr lang="en-US" dirty="0"/>
+              <a:t>+9V</a:t>
+            </a:r>
+          </a:p>
+        </p:txBody>
+      </p:sp>
+      <p:cxnSp>
+        <p:nvCxnSpPr>
+          <p:cNvPr id="40" name="Straight Arrow Connector 39">
+            <a:extLst>
+              <a:ext uri="{FF2B5EF4-FFF2-40B4-BE49-F238E27FC236}">
+                <a16:creationId xmlns:a16="http://schemas.microsoft.com/office/drawing/2014/main" id="{3E9F741C-40D1-4A81-B446-DF1645019AAA}"/>
+              </a:ext>
+            </a:extLst>
+          </p:cNvPr>
+          <p:cNvCxnSpPr>
+            <a:cxnSpLocks/>
+            <a:endCxn id="39" idx="1"/>
+          </p:cNvCxnSpPr>
+          <p:nvPr/>
+        </p:nvCxnSpPr>
+        <p:spPr>
+          <a:xfrm>
+            <a:off x="6132098" y="709345"/>
+            <a:ext cx="440690" cy="0"/>
+          </a:xfrm>
+          <a:prstGeom prst="straightConnector1">
+            <a:avLst/>
+          </a:prstGeom>
+          <a:ln w="38100">
+            <a:solidFill>
+              <a:schemeClr val="tx1"/>
+            </a:solidFill>
+            <a:tailEnd type="triangle"/>
+          </a:ln>
+        </p:spPr>
+        <p:style>
+          <a:lnRef idx="1">
+            <a:schemeClr val="accent1"/>
+          </a:lnRef>
+          <a:fillRef idx="0">
+            <a:schemeClr val="accent1"/>
+          </a:fillRef>
+          <a:effectRef idx="0">
+            <a:schemeClr val="accent1"/>
+          </a:effectRef>
+          <a:fontRef idx="minor">
+            <a:schemeClr val="tx1"/>
+          </a:fontRef>
+        </p:style>
+      </p:cxnSp>
+      <p:sp>
+        <p:nvSpPr>
+          <p:cNvPr id="41" name="Rectangle 40">
+            <a:extLst>
+              <a:ext uri="{FF2B5EF4-FFF2-40B4-BE49-F238E27FC236}">
+                <a16:creationId xmlns:a16="http://schemas.microsoft.com/office/drawing/2014/main" id="{DF77EDA3-EB6B-4BAE-8D2F-A389897794F7}"/>
+              </a:ext>
+            </a:extLst>
+          </p:cNvPr>
+          <p:cNvSpPr/>
+          <p:nvPr/>
+        </p:nvSpPr>
+        <p:spPr>
+          <a:xfrm>
+            <a:off x="7512118" y="356654"/>
+            <a:ext cx="1461325" cy="713937"/>
+          </a:xfrm>
+          <a:prstGeom prst="rect">
+            <a:avLst/>
+          </a:prstGeom>
+          <a:noFill/>
+          <a:ln w="38100">
+            <a:solidFill>
+              <a:schemeClr val="tx1"/>
+            </a:solidFill>
+          </a:ln>
+        </p:spPr>
+        <p:style>
+          <a:lnRef idx="2">
+            <a:schemeClr val="accent1">
+              <a:shade val="50000"/>
+            </a:schemeClr>
+          </a:lnRef>
+          <a:fillRef idx="1">
+            <a:schemeClr val="accent1"/>
+          </a:fillRef>
+          <a:effectRef idx="0">
+            <a:schemeClr val="accent1"/>
+          </a:effectRef>
+          <a:fontRef idx="minor">
+            <a:schemeClr val="lt1"/>
+          </a:fontRef>
+        </p:style>
+        <p:txBody>
+          <a:bodyPr rtlCol="0" anchor="ctr"/>
+          <a:lstStyle/>
+          <a:p>
+            <a:pPr algn="ctr"/>
+            <a:r>
+              <a:rPr lang="en-US" b="1" dirty="0">
+                <a:solidFill>
+                  <a:schemeClr val="tx1"/>
+                </a:solidFill>
+              </a:rPr>
+              <a:t>DC-DC</a:t>
+            </a:r>
+          </a:p>
+          <a:p>
+            <a:pPr algn="ctr"/>
+            <a:r>
+              <a:rPr lang="en-US" b="1" dirty="0">
+                <a:solidFill>
+                  <a:schemeClr val="tx1"/>
+                </a:solidFill>
+              </a:rPr>
+              <a:t>Converter</a:t>
+            </a:r>
+          </a:p>
+        </p:txBody>
+      </p:sp>
+      <p:sp>
+        <p:nvSpPr>
+          <p:cNvPr id="48" name="Rectangle 47">
+            <a:extLst>
+              <a:ext uri="{FF2B5EF4-FFF2-40B4-BE49-F238E27FC236}">
+                <a16:creationId xmlns:a16="http://schemas.microsoft.com/office/drawing/2014/main" id="{0F9C6AE6-7C4B-41BC-ADC4-0A5EE799925C}"/>
+              </a:ext>
+            </a:extLst>
+          </p:cNvPr>
+          <p:cNvSpPr/>
+          <p:nvPr/>
+        </p:nvSpPr>
+        <p:spPr>
+          <a:xfrm>
+            <a:off x="7194277" y="1286549"/>
+            <a:ext cx="1937208" cy="1570151"/>
+          </a:xfrm>
+          <a:prstGeom prst="rect">
+            <a:avLst/>
+          </a:prstGeom>
+          <a:noFill/>
+          <a:ln w="38100">
+            <a:solidFill>
+              <a:schemeClr val="tx1"/>
+            </a:solidFill>
+          </a:ln>
+        </p:spPr>
+        <p:style>
+          <a:lnRef idx="2">
+            <a:schemeClr val="accent1">
+              <a:shade val="50000"/>
+            </a:schemeClr>
+          </a:lnRef>
+          <a:fillRef idx="1">
+            <a:schemeClr val="accent1"/>
+          </a:fillRef>
+          <a:effectRef idx="0">
+            <a:schemeClr val="accent1"/>
+          </a:effectRef>
+          <a:fontRef idx="minor">
+            <a:schemeClr val="lt1"/>
+          </a:fontRef>
+        </p:style>
+        <p:txBody>
+          <a:bodyPr rtlCol="0" anchor="ctr"/>
+          <a:lstStyle/>
+          <a:p>
+            <a:pPr algn="ctr"/>
+            <a:r>
+              <a:rPr lang="en-US" b="1" dirty="0">
+                <a:solidFill>
+                  <a:schemeClr val="tx1"/>
+                </a:solidFill>
+              </a:rPr>
+              <a:t>Max31865</a:t>
+            </a:r>
+          </a:p>
+          <a:p>
+            <a:pPr algn="ctr"/>
+            <a:r>
+              <a:rPr lang="en-US" b="1" dirty="0">
+                <a:solidFill>
+                  <a:schemeClr val="tx1"/>
+                </a:solidFill>
+              </a:rPr>
+              <a:t>Module</a:t>
+            </a:r>
+            <a:endParaRPr lang="en-SG" b="1" dirty="0">
+              <a:solidFill>
+                <a:schemeClr val="tx1"/>
+              </a:solidFill>
+            </a:endParaRPr>
+          </a:p>
+        </p:txBody>
+      </p:sp>
+      <p:sp>
+        <p:nvSpPr>
+          <p:cNvPr id="16" name="TextBox 15">
+            <a:extLst>
+              <a:ext uri="{FF2B5EF4-FFF2-40B4-BE49-F238E27FC236}">
+                <a16:creationId xmlns:a16="http://schemas.microsoft.com/office/drawing/2014/main" id="{39F93C44-5F59-4779-BCF7-EF6FEEF7F991}"/>
+              </a:ext>
+            </a:extLst>
+          </p:cNvPr>
+          <p:cNvSpPr txBox="1"/>
+          <p:nvPr/>
+        </p:nvSpPr>
+        <p:spPr>
+          <a:xfrm>
+            <a:off x="7189722" y="2043744"/>
+            <a:ext cx="388248" cy="338554"/>
+          </a:xfrm>
+          <a:prstGeom prst="rect">
+            <a:avLst/>
+          </a:prstGeom>
+          <a:noFill/>
+        </p:spPr>
+        <p:txBody>
+          <a:bodyPr wrap="none" rtlCol="0">
+            <a:spAutoFit/>
+          </a:bodyPr>
+          <a:lstStyle/>
+          <a:p>
+            <a:r>
+              <a:rPr lang="en-US" sz="1600" dirty="0"/>
+              <a:t>CS</a:t>
+            </a:r>
+            <a:endParaRPr lang="en-SG" sz="1600" dirty="0"/>
+          </a:p>
+        </p:txBody>
+      </p:sp>
+      <p:sp>
+        <p:nvSpPr>
+          <p:cNvPr id="64" name="TextBox 63">
+            <a:extLst>
+              <a:ext uri="{FF2B5EF4-FFF2-40B4-BE49-F238E27FC236}">
+                <a16:creationId xmlns:a16="http://schemas.microsoft.com/office/drawing/2014/main" id="{166CA98A-ED71-44BC-B8A5-B02A1EE1D9A2}"/>
+              </a:ext>
+            </a:extLst>
+          </p:cNvPr>
+          <p:cNvSpPr txBox="1"/>
+          <p:nvPr/>
+        </p:nvSpPr>
+        <p:spPr>
+          <a:xfrm>
+            <a:off x="5429326" y="2044979"/>
+            <a:ext cx="393056" cy="338554"/>
+          </a:xfrm>
+          <a:prstGeom prst="rect">
+            <a:avLst/>
+          </a:prstGeom>
+          <a:noFill/>
+        </p:spPr>
+        <p:txBody>
+          <a:bodyPr wrap="none" rtlCol="0">
+            <a:spAutoFit/>
+          </a:bodyPr>
+          <a:lstStyle/>
+          <a:p>
+            <a:r>
+              <a:rPr lang="en-US" sz="1600" dirty="0"/>
+              <a:t>11</a:t>
+            </a:r>
+            <a:endParaRPr lang="en-SG" sz="1600" dirty="0"/>
+          </a:p>
+        </p:txBody>
+      </p:sp>
+      <p:sp>
+        <p:nvSpPr>
+          <p:cNvPr id="65" name="TextBox 64">
+            <a:extLst>
+              <a:ext uri="{FF2B5EF4-FFF2-40B4-BE49-F238E27FC236}">
+                <a16:creationId xmlns:a16="http://schemas.microsoft.com/office/drawing/2014/main" id="{9E00DD7B-E44F-4D9A-931C-4A7165AD7945}"/>
+              </a:ext>
+            </a:extLst>
+          </p:cNvPr>
+          <p:cNvSpPr txBox="1"/>
+          <p:nvPr/>
+        </p:nvSpPr>
+        <p:spPr>
+          <a:xfrm>
+            <a:off x="5429326" y="2311950"/>
+            <a:ext cx="288862" cy="338554"/>
+          </a:xfrm>
+          <a:prstGeom prst="rect">
+            <a:avLst/>
+          </a:prstGeom>
+          <a:noFill/>
+        </p:spPr>
+        <p:txBody>
+          <a:bodyPr wrap="none" rtlCol="0">
+            <a:spAutoFit/>
+          </a:bodyPr>
+          <a:lstStyle/>
+          <a:p>
+            <a:r>
+              <a:rPr lang="en-SG" sz="1600" dirty="0"/>
+              <a:t>9</a:t>
+            </a:r>
+          </a:p>
+        </p:txBody>
+      </p:sp>
+      <p:sp>
+        <p:nvSpPr>
+          <p:cNvPr id="67" name="TextBox 66">
+            <a:extLst>
+              <a:ext uri="{FF2B5EF4-FFF2-40B4-BE49-F238E27FC236}">
+                <a16:creationId xmlns:a16="http://schemas.microsoft.com/office/drawing/2014/main" id="{77D1A4B0-B0EA-4890-BC95-A4A111070448}"/>
+              </a:ext>
+            </a:extLst>
+          </p:cNvPr>
+          <p:cNvSpPr txBox="1"/>
+          <p:nvPr/>
+        </p:nvSpPr>
+        <p:spPr>
+          <a:xfrm>
+            <a:off x="5429326" y="1778008"/>
+            <a:ext cx="393056" cy="338554"/>
+          </a:xfrm>
+          <a:prstGeom prst="rect">
+            <a:avLst/>
+          </a:prstGeom>
+          <a:noFill/>
+        </p:spPr>
+        <p:txBody>
+          <a:bodyPr wrap="none" rtlCol="0">
+            <a:spAutoFit/>
+          </a:bodyPr>
+          <a:lstStyle/>
+          <a:p>
+            <a:r>
+              <a:rPr lang="en-SG" sz="1600" dirty="0"/>
+              <a:t>10</a:t>
+            </a:r>
+          </a:p>
+        </p:txBody>
+      </p:sp>
+      <p:sp>
+        <p:nvSpPr>
+          <p:cNvPr id="69" name="Rectangle 68">
+            <a:extLst>
+              <a:ext uri="{FF2B5EF4-FFF2-40B4-BE49-F238E27FC236}">
+                <a16:creationId xmlns:a16="http://schemas.microsoft.com/office/drawing/2014/main" id="{C2DDC186-8481-4F07-AE6C-5819E3A93F24}"/>
+              </a:ext>
+            </a:extLst>
+          </p:cNvPr>
+          <p:cNvSpPr/>
+          <p:nvPr/>
+        </p:nvSpPr>
+        <p:spPr>
+          <a:xfrm>
+            <a:off x="6634638" y="3007670"/>
+            <a:ext cx="1448673" cy="980525"/>
+          </a:xfrm>
+          <a:prstGeom prst="rect">
+            <a:avLst/>
+          </a:prstGeom>
+          <a:noFill/>
+          <a:ln w="38100">
+            <a:solidFill>
+              <a:schemeClr val="tx1"/>
+            </a:solidFill>
+            <a:prstDash val="solid"/>
+          </a:ln>
+        </p:spPr>
+        <p:style>
+          <a:lnRef idx="2">
+            <a:schemeClr val="accent1">
+              <a:shade val="50000"/>
+            </a:schemeClr>
+          </a:lnRef>
+          <a:fillRef idx="1">
+            <a:schemeClr val="accent1"/>
+          </a:fillRef>
+          <a:effectRef idx="0">
+            <a:schemeClr val="accent1"/>
+          </a:effectRef>
+          <a:fontRef idx="minor">
+            <a:schemeClr val="lt1"/>
+          </a:fontRef>
+        </p:style>
+        <p:txBody>
+          <a:bodyPr rtlCol="0" anchor="ctr"/>
+          <a:lstStyle/>
+          <a:p>
+            <a:pPr algn="ctr"/>
+            <a:r>
+              <a:rPr lang="en-US" b="1" dirty="0">
+                <a:solidFill>
+                  <a:schemeClr val="tx1"/>
+                </a:solidFill>
+              </a:rPr>
+              <a:t>RTC</a:t>
+            </a:r>
+          </a:p>
+        </p:txBody>
+      </p:sp>
+      <p:sp>
+        <p:nvSpPr>
+          <p:cNvPr id="70" name="TextBox 69">
+            <a:extLst>
+              <a:ext uri="{FF2B5EF4-FFF2-40B4-BE49-F238E27FC236}">
+                <a16:creationId xmlns:a16="http://schemas.microsoft.com/office/drawing/2014/main" id="{9B01925A-F7CB-4732-B1C1-89654D6CAEA3}"/>
+              </a:ext>
+            </a:extLst>
+          </p:cNvPr>
+          <p:cNvSpPr txBox="1"/>
+          <p:nvPr/>
+        </p:nvSpPr>
+        <p:spPr>
+          <a:xfrm>
+            <a:off x="6615099" y="3342079"/>
+            <a:ext cx="510268" cy="338554"/>
+          </a:xfrm>
+          <a:prstGeom prst="rect">
+            <a:avLst/>
+          </a:prstGeom>
+          <a:noFill/>
+        </p:spPr>
+        <p:txBody>
+          <a:bodyPr wrap="none" rtlCol="0">
+            <a:spAutoFit/>
+          </a:bodyPr>
+          <a:lstStyle/>
+          <a:p>
+            <a:r>
+              <a:rPr lang="en-SG" sz="1600" dirty="0"/>
+              <a:t>DAT</a:t>
+            </a:r>
+          </a:p>
+        </p:txBody>
+      </p:sp>
+      <p:sp>
+        <p:nvSpPr>
+          <p:cNvPr id="72" name="TextBox 71">
+            <a:extLst>
+              <a:ext uri="{FF2B5EF4-FFF2-40B4-BE49-F238E27FC236}">
+                <a16:creationId xmlns:a16="http://schemas.microsoft.com/office/drawing/2014/main" id="{4DD3FA05-6BAE-4F26-8CBC-E31E00E51122}"/>
+              </a:ext>
+            </a:extLst>
+          </p:cNvPr>
+          <p:cNvSpPr txBox="1"/>
+          <p:nvPr/>
+        </p:nvSpPr>
+        <p:spPr>
+          <a:xfrm>
+            <a:off x="6615099" y="3609050"/>
+            <a:ext cx="486736" cy="338554"/>
+          </a:xfrm>
+          <a:prstGeom prst="rect">
+            <a:avLst/>
+          </a:prstGeom>
+          <a:noFill/>
+        </p:spPr>
+        <p:txBody>
+          <a:bodyPr wrap="none" rtlCol="0">
+            <a:spAutoFit/>
+          </a:bodyPr>
+          <a:lstStyle/>
+          <a:p>
+            <a:r>
+              <a:rPr lang="en-SG" sz="1600" dirty="0"/>
+              <a:t>RST</a:t>
+            </a:r>
+          </a:p>
+        </p:txBody>
+      </p:sp>
+      <p:sp>
+        <p:nvSpPr>
+          <p:cNvPr id="75" name="TextBox 74">
+            <a:extLst>
+              <a:ext uri="{FF2B5EF4-FFF2-40B4-BE49-F238E27FC236}">
+                <a16:creationId xmlns:a16="http://schemas.microsoft.com/office/drawing/2014/main" id="{A4CBD786-A221-4751-8DB1-F5B93B0A1709}"/>
+              </a:ext>
+            </a:extLst>
+          </p:cNvPr>
+          <p:cNvSpPr txBox="1"/>
+          <p:nvPr/>
+        </p:nvSpPr>
+        <p:spPr>
+          <a:xfrm>
+            <a:off x="6615099" y="3075108"/>
+            <a:ext cx="487634" cy="338554"/>
+          </a:xfrm>
+          <a:prstGeom prst="rect">
+            <a:avLst/>
+          </a:prstGeom>
+          <a:noFill/>
+        </p:spPr>
+        <p:txBody>
+          <a:bodyPr wrap="none" rtlCol="0">
+            <a:spAutoFit/>
+          </a:bodyPr>
+          <a:lstStyle/>
+          <a:p>
+            <a:r>
+              <a:rPr lang="en-SG" sz="1600" dirty="0"/>
+              <a:t>CLK</a:t>
+            </a:r>
+          </a:p>
+        </p:txBody>
+      </p:sp>
+      <p:cxnSp>
+        <p:nvCxnSpPr>
+          <p:cNvPr id="77" name="Straight Arrow Connector 76">
+            <a:extLst>
+              <a:ext uri="{FF2B5EF4-FFF2-40B4-BE49-F238E27FC236}">
+                <a16:creationId xmlns:a16="http://schemas.microsoft.com/office/drawing/2014/main" id="{43312378-791C-4823-BC60-360196469865}"/>
+              </a:ext>
+            </a:extLst>
+          </p:cNvPr>
+          <p:cNvCxnSpPr>
+            <a:cxnSpLocks/>
+          </p:cNvCxnSpPr>
+          <p:nvPr/>
+        </p:nvCxnSpPr>
+        <p:spPr>
+          <a:xfrm>
+            <a:off x="5841737" y="3236194"/>
+            <a:ext cx="773362" cy="0"/>
+          </a:xfrm>
+          <a:prstGeom prst="straightConnector1">
+            <a:avLst/>
+          </a:prstGeom>
+          <a:ln w="38100">
+            <a:solidFill>
+              <a:schemeClr val="tx1"/>
+            </a:solidFill>
+            <a:tailEnd type="triangle"/>
+          </a:ln>
+        </p:spPr>
+        <p:style>
+          <a:lnRef idx="1">
+            <a:schemeClr val="accent1"/>
+          </a:lnRef>
+          <a:fillRef idx="0">
+            <a:schemeClr val="accent1"/>
+          </a:fillRef>
+          <a:effectRef idx="0">
+            <a:schemeClr val="accent1"/>
+          </a:effectRef>
+          <a:fontRef idx="minor">
+            <a:schemeClr val="tx1"/>
+          </a:fontRef>
+        </p:style>
+      </p:cxnSp>
+      <p:cxnSp>
+        <p:nvCxnSpPr>
+          <p:cNvPr id="78" name="Straight Arrow Connector 77">
+            <a:extLst>
+              <a:ext uri="{FF2B5EF4-FFF2-40B4-BE49-F238E27FC236}">
+                <a16:creationId xmlns:a16="http://schemas.microsoft.com/office/drawing/2014/main" id="{EB4EB976-DDAE-4505-A63A-8AD6A355F8AD}"/>
+              </a:ext>
+            </a:extLst>
+          </p:cNvPr>
+          <p:cNvCxnSpPr>
+            <a:cxnSpLocks/>
+          </p:cNvCxnSpPr>
+          <p:nvPr/>
+        </p:nvCxnSpPr>
+        <p:spPr>
+          <a:xfrm flipH="1">
+            <a:off x="5841737" y="3509439"/>
+            <a:ext cx="773362" cy="0"/>
+          </a:xfrm>
+          <a:prstGeom prst="straightConnector1">
+            <a:avLst/>
+          </a:prstGeom>
+          <a:ln w="38100">
+            <a:solidFill>
+              <a:schemeClr val="tx1"/>
+            </a:solidFill>
+            <a:tailEnd type="triangle"/>
+          </a:ln>
+        </p:spPr>
+        <p:style>
+          <a:lnRef idx="1">
+            <a:schemeClr val="accent1"/>
+          </a:lnRef>
+          <a:fillRef idx="0">
+            <a:schemeClr val="accent1"/>
+          </a:fillRef>
+          <a:effectRef idx="0">
+            <a:schemeClr val="accent1"/>
+          </a:effectRef>
+          <a:fontRef idx="minor">
+            <a:schemeClr val="tx1"/>
+          </a:fontRef>
+        </p:style>
+      </p:cxnSp>
+      <p:cxnSp>
+        <p:nvCxnSpPr>
+          <p:cNvPr id="80" name="Straight Arrow Connector 79">
+            <a:extLst>
+              <a:ext uri="{FF2B5EF4-FFF2-40B4-BE49-F238E27FC236}">
+                <a16:creationId xmlns:a16="http://schemas.microsoft.com/office/drawing/2014/main" id="{57F5ABDE-BE84-4301-B860-86FF50322937}"/>
+              </a:ext>
+            </a:extLst>
+          </p:cNvPr>
+          <p:cNvCxnSpPr>
+            <a:cxnSpLocks/>
+          </p:cNvCxnSpPr>
+          <p:nvPr/>
+        </p:nvCxnSpPr>
+        <p:spPr>
+          <a:xfrm>
+            <a:off x="5841737" y="3778061"/>
+            <a:ext cx="773362" cy="0"/>
+          </a:xfrm>
+          <a:prstGeom prst="straightConnector1">
+            <a:avLst/>
+          </a:prstGeom>
+          <a:ln w="38100">
+            <a:solidFill>
+              <a:schemeClr val="tx1"/>
+            </a:solidFill>
+            <a:tailEnd type="triangle"/>
+          </a:ln>
+        </p:spPr>
+        <p:style>
+          <a:lnRef idx="1">
+            <a:schemeClr val="accent1"/>
+          </a:lnRef>
+          <a:fillRef idx="0">
+            <a:schemeClr val="accent1"/>
+          </a:fillRef>
+          <a:effectRef idx="0">
+            <a:schemeClr val="accent1"/>
+          </a:effectRef>
+          <a:fontRef idx="minor">
+            <a:schemeClr val="tx1"/>
+          </a:fontRef>
+        </p:style>
+      </p:cxnSp>
+      <p:sp>
+        <p:nvSpPr>
+          <p:cNvPr id="81" name="TextBox 80">
+            <a:extLst>
+              <a:ext uri="{FF2B5EF4-FFF2-40B4-BE49-F238E27FC236}">
+                <a16:creationId xmlns:a16="http://schemas.microsoft.com/office/drawing/2014/main" id="{7C736597-2C4E-43CA-ADA7-4C6F203C8982}"/>
+              </a:ext>
+            </a:extLst>
+          </p:cNvPr>
+          <p:cNvSpPr txBox="1"/>
+          <p:nvPr/>
+        </p:nvSpPr>
+        <p:spPr>
+          <a:xfrm>
+            <a:off x="5474049" y="3066917"/>
+            <a:ext cx="288862" cy="338554"/>
+          </a:xfrm>
+          <a:prstGeom prst="rect">
+            <a:avLst/>
+          </a:prstGeom>
+          <a:noFill/>
+        </p:spPr>
+        <p:txBody>
+          <a:bodyPr wrap="none" rtlCol="0">
+            <a:spAutoFit/>
+          </a:bodyPr>
+          <a:lstStyle/>
+          <a:p>
+            <a:r>
+              <a:rPr lang="en-SG" sz="1600" dirty="0"/>
+              <a:t>2</a:t>
+            </a:r>
+          </a:p>
+        </p:txBody>
+      </p:sp>
+      <p:sp>
+        <p:nvSpPr>
+          <p:cNvPr id="82" name="TextBox 81">
+            <a:extLst>
+              <a:ext uri="{FF2B5EF4-FFF2-40B4-BE49-F238E27FC236}">
+                <a16:creationId xmlns:a16="http://schemas.microsoft.com/office/drawing/2014/main" id="{52C36522-6D26-4935-A504-951FFD8F2560}"/>
+              </a:ext>
+            </a:extLst>
+          </p:cNvPr>
+          <p:cNvSpPr txBox="1"/>
+          <p:nvPr/>
+        </p:nvSpPr>
+        <p:spPr>
+          <a:xfrm>
+            <a:off x="5474049" y="3333888"/>
+            <a:ext cx="288862" cy="338554"/>
+          </a:xfrm>
+          <a:prstGeom prst="rect">
+            <a:avLst/>
+          </a:prstGeom>
+          <a:noFill/>
+        </p:spPr>
+        <p:txBody>
+          <a:bodyPr wrap="none" rtlCol="0">
+            <a:spAutoFit/>
+          </a:bodyPr>
+          <a:lstStyle/>
+          <a:p>
+            <a:r>
+              <a:rPr lang="en-SG" sz="1600" dirty="0"/>
+              <a:t>3</a:t>
+            </a:r>
+          </a:p>
+        </p:txBody>
+      </p:sp>
+      <p:sp>
+        <p:nvSpPr>
+          <p:cNvPr id="83" name="TextBox 82">
+            <a:extLst>
+              <a:ext uri="{FF2B5EF4-FFF2-40B4-BE49-F238E27FC236}">
+                <a16:creationId xmlns:a16="http://schemas.microsoft.com/office/drawing/2014/main" id="{F4572A78-0DD1-4F60-B09E-A7DD3E13A13A}"/>
+              </a:ext>
+            </a:extLst>
+          </p:cNvPr>
+          <p:cNvSpPr txBox="1"/>
+          <p:nvPr/>
+        </p:nvSpPr>
+        <p:spPr>
+          <a:xfrm>
+            <a:off x="5474049" y="3600860"/>
+            <a:ext cx="288862" cy="338554"/>
+          </a:xfrm>
+          <a:prstGeom prst="rect">
+            <a:avLst/>
+          </a:prstGeom>
+          <a:noFill/>
+        </p:spPr>
+        <p:txBody>
+          <a:bodyPr wrap="none" rtlCol="0">
+            <a:spAutoFit/>
+          </a:bodyPr>
+          <a:lstStyle/>
+          <a:p>
+            <a:r>
+              <a:rPr lang="en-SG" sz="1600" dirty="0"/>
+              <a:t>4</a:t>
+            </a:r>
+          </a:p>
+        </p:txBody>
+      </p:sp>
+      <p:sp>
+        <p:nvSpPr>
+          <p:cNvPr id="84" name="Rectangle 83">
+            <a:extLst>
+              <a:ext uri="{FF2B5EF4-FFF2-40B4-BE49-F238E27FC236}">
+                <a16:creationId xmlns:a16="http://schemas.microsoft.com/office/drawing/2014/main" id="{DA0091C8-AA8E-4A7E-AED1-91B41D505A72}"/>
+              </a:ext>
+            </a:extLst>
+          </p:cNvPr>
+          <p:cNvSpPr/>
+          <p:nvPr/>
+        </p:nvSpPr>
+        <p:spPr>
+          <a:xfrm>
+            <a:off x="6634638" y="4132270"/>
+            <a:ext cx="1030704" cy="1047775"/>
+          </a:xfrm>
+          <a:prstGeom prst="rect">
+            <a:avLst/>
+          </a:prstGeom>
+          <a:noFill/>
+          <a:ln w="38100">
+            <a:solidFill>
+              <a:schemeClr val="tx1"/>
+            </a:solidFill>
+            <a:prstDash val="solid"/>
+          </a:ln>
+        </p:spPr>
+        <p:style>
+          <a:lnRef idx="2">
+            <a:schemeClr val="accent1">
+              <a:shade val="50000"/>
+            </a:schemeClr>
+          </a:lnRef>
+          <a:fillRef idx="1">
+            <a:schemeClr val="accent1"/>
+          </a:fillRef>
+          <a:effectRef idx="0">
+            <a:schemeClr val="accent1"/>
+          </a:effectRef>
+          <a:fontRef idx="minor">
+            <a:schemeClr val="lt1"/>
+          </a:fontRef>
+        </p:style>
+        <p:txBody>
+          <a:bodyPr rtlCol="0" anchor="ctr"/>
+          <a:lstStyle/>
+          <a:p>
+            <a:pPr algn="ctr"/>
+            <a:r>
+              <a:rPr lang="en-US" b="1" dirty="0">
+                <a:solidFill>
+                  <a:schemeClr val="tx1"/>
+                </a:solidFill>
+              </a:rPr>
+              <a:t>LED</a:t>
+            </a:r>
+          </a:p>
+        </p:txBody>
+      </p:sp>
+      <p:sp>
+        <p:nvSpPr>
+          <p:cNvPr id="85" name="TextBox 84">
+            <a:extLst>
+              <a:ext uri="{FF2B5EF4-FFF2-40B4-BE49-F238E27FC236}">
+                <a16:creationId xmlns:a16="http://schemas.microsoft.com/office/drawing/2014/main" id="{C372647F-3D69-4996-AF74-B4432033F305}"/>
+              </a:ext>
+            </a:extLst>
+          </p:cNvPr>
+          <p:cNvSpPr txBox="1"/>
+          <p:nvPr/>
+        </p:nvSpPr>
+        <p:spPr>
+          <a:xfrm>
+            <a:off x="6615099" y="4520991"/>
+            <a:ext cx="284052" cy="338554"/>
+          </a:xfrm>
+          <a:prstGeom prst="rect">
+            <a:avLst/>
+          </a:prstGeom>
+          <a:noFill/>
+        </p:spPr>
+        <p:txBody>
+          <a:bodyPr wrap="none" rtlCol="0">
+            <a:spAutoFit/>
+          </a:bodyPr>
+          <a:lstStyle/>
+          <a:p>
+            <a:r>
+              <a:rPr lang="en-SG" sz="1600" dirty="0"/>
+              <a:t>Y</a:t>
+            </a:r>
+          </a:p>
+        </p:txBody>
+      </p:sp>
+      <p:sp>
+        <p:nvSpPr>
+          <p:cNvPr id="87" name="TextBox 86">
+            <a:extLst>
+              <a:ext uri="{FF2B5EF4-FFF2-40B4-BE49-F238E27FC236}">
+                <a16:creationId xmlns:a16="http://schemas.microsoft.com/office/drawing/2014/main" id="{5F1A4543-519B-4ED0-AF04-B02B6541E82E}"/>
+              </a:ext>
+            </a:extLst>
+          </p:cNvPr>
+          <p:cNvSpPr txBox="1"/>
+          <p:nvPr/>
+        </p:nvSpPr>
+        <p:spPr>
+          <a:xfrm>
+            <a:off x="6615099" y="4254020"/>
+            <a:ext cx="296876" cy="338554"/>
+          </a:xfrm>
+          <a:prstGeom prst="rect">
+            <a:avLst/>
+          </a:prstGeom>
+          <a:noFill/>
+        </p:spPr>
+        <p:txBody>
+          <a:bodyPr wrap="none" rtlCol="0">
+            <a:spAutoFit/>
+          </a:bodyPr>
+          <a:lstStyle/>
+          <a:p>
+            <a:r>
+              <a:rPr lang="en-SG" sz="1600" dirty="0"/>
+              <a:t>R</a:t>
+            </a:r>
+          </a:p>
+        </p:txBody>
+      </p:sp>
+      <p:cxnSp>
+        <p:nvCxnSpPr>
+          <p:cNvPr id="88" name="Straight Arrow Connector 87">
+            <a:extLst>
+              <a:ext uri="{FF2B5EF4-FFF2-40B4-BE49-F238E27FC236}">
+                <a16:creationId xmlns:a16="http://schemas.microsoft.com/office/drawing/2014/main" id="{6566CDE6-BD45-4A4D-9758-3905EB17667F}"/>
+              </a:ext>
+            </a:extLst>
+          </p:cNvPr>
+          <p:cNvCxnSpPr>
+            <a:cxnSpLocks/>
+          </p:cNvCxnSpPr>
+          <p:nvPr/>
+        </p:nvCxnSpPr>
+        <p:spPr>
+          <a:xfrm>
+            <a:off x="5841737" y="4415106"/>
+            <a:ext cx="773362" cy="0"/>
+          </a:xfrm>
+          <a:prstGeom prst="straightConnector1">
+            <a:avLst/>
+          </a:prstGeom>
+          <a:ln w="38100">
+            <a:solidFill>
+              <a:schemeClr val="tx1"/>
+            </a:solidFill>
+            <a:tailEnd type="triangle"/>
+          </a:ln>
+        </p:spPr>
+        <p:style>
+          <a:lnRef idx="1">
+            <a:schemeClr val="accent1"/>
+          </a:lnRef>
+          <a:fillRef idx="0">
+            <a:schemeClr val="accent1"/>
+          </a:fillRef>
+          <a:effectRef idx="0">
+            <a:schemeClr val="accent1"/>
+          </a:effectRef>
+          <a:fontRef idx="minor">
+            <a:schemeClr val="tx1"/>
+          </a:fontRef>
+        </p:style>
+      </p:cxnSp>
+      <p:sp>
+        <p:nvSpPr>
+          <p:cNvPr id="91" name="TextBox 90">
+            <a:extLst>
+              <a:ext uri="{FF2B5EF4-FFF2-40B4-BE49-F238E27FC236}">
+                <a16:creationId xmlns:a16="http://schemas.microsoft.com/office/drawing/2014/main" id="{2A6A8D40-B945-4FD4-9C35-AFF827903A15}"/>
+              </a:ext>
+            </a:extLst>
+          </p:cNvPr>
+          <p:cNvSpPr txBox="1"/>
+          <p:nvPr/>
+        </p:nvSpPr>
+        <p:spPr>
+          <a:xfrm>
+            <a:off x="5402308" y="4243835"/>
+            <a:ext cx="393056" cy="338554"/>
+          </a:xfrm>
+          <a:prstGeom prst="rect">
+            <a:avLst/>
+          </a:prstGeom>
+          <a:noFill/>
+        </p:spPr>
+        <p:txBody>
+          <a:bodyPr wrap="none" rtlCol="0">
+            <a:spAutoFit/>
+          </a:bodyPr>
+          <a:lstStyle/>
+          <a:p>
+            <a:r>
+              <a:rPr lang="en-SG" sz="1600" dirty="0"/>
+              <a:t>34</a:t>
+            </a:r>
+          </a:p>
+        </p:txBody>
+      </p:sp>
+      <p:sp>
+        <p:nvSpPr>
+          <p:cNvPr id="92" name="TextBox 91">
+            <a:extLst>
+              <a:ext uri="{FF2B5EF4-FFF2-40B4-BE49-F238E27FC236}">
+                <a16:creationId xmlns:a16="http://schemas.microsoft.com/office/drawing/2014/main" id="{5A9393F0-6526-41E3-8A26-55D2E8EAE9BE}"/>
+              </a:ext>
+            </a:extLst>
+          </p:cNvPr>
+          <p:cNvSpPr txBox="1"/>
+          <p:nvPr/>
+        </p:nvSpPr>
+        <p:spPr>
+          <a:xfrm>
+            <a:off x="5402308" y="4510806"/>
+            <a:ext cx="393056" cy="338554"/>
+          </a:xfrm>
+          <a:prstGeom prst="rect">
+            <a:avLst/>
+          </a:prstGeom>
+          <a:noFill/>
+        </p:spPr>
+        <p:txBody>
+          <a:bodyPr wrap="none" rtlCol="0">
+            <a:spAutoFit/>
+          </a:bodyPr>
+          <a:lstStyle/>
+          <a:p>
+            <a:r>
+              <a:rPr lang="en-SG" sz="1600" dirty="0"/>
+              <a:t>35</a:t>
+            </a:r>
+          </a:p>
+        </p:txBody>
+      </p:sp>
+      <p:sp>
+        <p:nvSpPr>
+          <p:cNvPr id="94" name="Rectangle 93">
+            <a:extLst>
+              <a:ext uri="{FF2B5EF4-FFF2-40B4-BE49-F238E27FC236}">
+                <a16:creationId xmlns:a16="http://schemas.microsoft.com/office/drawing/2014/main" id="{D2FF8656-7317-40AC-BBD3-EA060931BE41}"/>
+              </a:ext>
+            </a:extLst>
+          </p:cNvPr>
+          <p:cNvSpPr/>
+          <p:nvPr/>
+        </p:nvSpPr>
+        <p:spPr>
+          <a:xfrm>
+            <a:off x="7574383" y="5278801"/>
+            <a:ext cx="1743676" cy="1158276"/>
+          </a:xfrm>
+          <a:prstGeom prst="rect">
+            <a:avLst/>
+          </a:prstGeom>
+          <a:noFill/>
+          <a:ln w="38100">
+            <a:solidFill>
+              <a:schemeClr val="tx1"/>
+            </a:solidFill>
+            <a:prstDash val="solid"/>
+          </a:ln>
+        </p:spPr>
+        <p:style>
+          <a:lnRef idx="2">
+            <a:schemeClr val="accent1">
+              <a:shade val="50000"/>
+            </a:schemeClr>
+          </a:lnRef>
+          <a:fillRef idx="1">
+            <a:schemeClr val="accent1"/>
+          </a:fillRef>
+          <a:effectRef idx="0">
+            <a:schemeClr val="accent1"/>
+          </a:effectRef>
+          <a:fontRef idx="minor">
+            <a:schemeClr val="lt1"/>
+          </a:fontRef>
+        </p:style>
+        <p:txBody>
+          <a:bodyPr rtlCol="0" anchor="ctr"/>
+          <a:lstStyle/>
+          <a:p>
+            <a:pPr algn="ctr"/>
+            <a:r>
+              <a:rPr lang="en-US" b="1" dirty="0">
+                <a:solidFill>
+                  <a:schemeClr val="tx1"/>
+                </a:solidFill>
+              </a:rPr>
+              <a:t>RELAY</a:t>
+            </a:r>
+          </a:p>
+        </p:txBody>
+      </p:sp>
+      <p:sp>
+        <p:nvSpPr>
+          <p:cNvPr id="95" name="TextBox 94">
+            <a:extLst>
+              <a:ext uri="{FF2B5EF4-FFF2-40B4-BE49-F238E27FC236}">
+                <a16:creationId xmlns:a16="http://schemas.microsoft.com/office/drawing/2014/main" id="{FC030E43-BD31-4139-9DE1-CC65B8C13A31}"/>
+              </a:ext>
+            </a:extLst>
+          </p:cNvPr>
+          <p:cNvSpPr txBox="1"/>
+          <p:nvPr/>
+        </p:nvSpPr>
+        <p:spPr>
+          <a:xfrm>
+            <a:off x="7554844" y="5841293"/>
+            <a:ext cx="473206" cy="338554"/>
+          </a:xfrm>
+          <a:prstGeom prst="rect">
+            <a:avLst/>
+          </a:prstGeom>
+          <a:noFill/>
+        </p:spPr>
+        <p:txBody>
+          <a:bodyPr wrap="none" rtlCol="0">
+            <a:spAutoFit/>
+          </a:bodyPr>
+          <a:lstStyle/>
+          <a:p>
+            <a:r>
+              <a:rPr lang="en-SG" sz="1600" dirty="0"/>
+              <a:t>IN2</a:t>
+            </a:r>
+          </a:p>
+        </p:txBody>
+      </p:sp>
+      <p:sp>
+        <p:nvSpPr>
+          <p:cNvPr id="96" name="TextBox 95">
+            <a:extLst>
+              <a:ext uri="{FF2B5EF4-FFF2-40B4-BE49-F238E27FC236}">
+                <a16:creationId xmlns:a16="http://schemas.microsoft.com/office/drawing/2014/main" id="{8440659D-15B8-4024-815E-0E59F111CC69}"/>
+              </a:ext>
+            </a:extLst>
+          </p:cNvPr>
+          <p:cNvSpPr txBox="1"/>
+          <p:nvPr/>
+        </p:nvSpPr>
+        <p:spPr>
+          <a:xfrm>
+            <a:off x="7554844" y="5574322"/>
+            <a:ext cx="473206" cy="338554"/>
+          </a:xfrm>
+          <a:prstGeom prst="rect">
+            <a:avLst/>
+          </a:prstGeom>
+          <a:noFill/>
+        </p:spPr>
+        <p:txBody>
+          <a:bodyPr wrap="none" rtlCol="0">
+            <a:spAutoFit/>
+          </a:bodyPr>
+          <a:lstStyle/>
+          <a:p>
+            <a:r>
+              <a:rPr lang="en-SG" sz="1600" dirty="0"/>
+              <a:t>IN1</a:t>
+            </a:r>
+          </a:p>
+        </p:txBody>
+      </p:sp>
+      <p:cxnSp>
+        <p:nvCxnSpPr>
+          <p:cNvPr id="97" name="Straight Arrow Connector 96">
+            <a:extLst>
+              <a:ext uri="{FF2B5EF4-FFF2-40B4-BE49-F238E27FC236}">
+                <a16:creationId xmlns:a16="http://schemas.microsoft.com/office/drawing/2014/main" id="{5A1356F2-F5FF-42BF-BDF9-A1B7397336EA}"/>
+              </a:ext>
+            </a:extLst>
+          </p:cNvPr>
+          <p:cNvCxnSpPr>
+            <a:cxnSpLocks/>
+          </p:cNvCxnSpPr>
+          <p:nvPr/>
+        </p:nvCxnSpPr>
+        <p:spPr>
+          <a:xfrm>
+            <a:off x="5822382" y="5742537"/>
+            <a:ext cx="1735595" cy="0"/>
+          </a:xfrm>
+          <a:prstGeom prst="straightConnector1">
+            <a:avLst/>
+          </a:prstGeom>
+          <a:ln w="38100">
+            <a:solidFill>
+              <a:schemeClr val="tx1"/>
+            </a:solidFill>
+            <a:tailEnd type="triangle"/>
+          </a:ln>
+        </p:spPr>
+        <p:style>
+          <a:lnRef idx="1">
+            <a:schemeClr val="accent1"/>
+          </a:lnRef>
+          <a:fillRef idx="0">
+            <a:schemeClr val="accent1"/>
+          </a:fillRef>
+          <a:effectRef idx="0">
+            <a:schemeClr val="accent1"/>
+          </a:effectRef>
+          <a:fontRef idx="minor">
+            <a:schemeClr val="tx1"/>
+          </a:fontRef>
+        </p:style>
+      </p:cxnSp>
+      <p:sp>
+        <p:nvSpPr>
+          <p:cNvPr id="99" name="TextBox 98">
+            <a:extLst>
+              <a:ext uri="{FF2B5EF4-FFF2-40B4-BE49-F238E27FC236}">
+                <a16:creationId xmlns:a16="http://schemas.microsoft.com/office/drawing/2014/main" id="{63054FA3-AD66-471F-AA61-34E6AF177C8C}"/>
+              </a:ext>
+            </a:extLst>
+          </p:cNvPr>
+          <p:cNvSpPr txBox="1"/>
+          <p:nvPr/>
+        </p:nvSpPr>
+        <p:spPr>
+          <a:xfrm>
+            <a:off x="5455853" y="5566781"/>
+            <a:ext cx="393056" cy="338554"/>
+          </a:xfrm>
+          <a:prstGeom prst="rect">
+            <a:avLst/>
+          </a:prstGeom>
+          <a:noFill/>
+        </p:spPr>
+        <p:txBody>
+          <a:bodyPr wrap="none" rtlCol="0">
+            <a:spAutoFit/>
+          </a:bodyPr>
+          <a:lstStyle/>
+          <a:p>
+            <a:r>
+              <a:rPr lang="en-SG" sz="1600" dirty="0"/>
+              <a:t>22</a:t>
+            </a:r>
+          </a:p>
+        </p:txBody>
+      </p:sp>
+      <p:sp>
+        <p:nvSpPr>
+          <p:cNvPr id="102" name="TextBox 101">
+            <a:extLst>
+              <a:ext uri="{FF2B5EF4-FFF2-40B4-BE49-F238E27FC236}">
+                <a16:creationId xmlns:a16="http://schemas.microsoft.com/office/drawing/2014/main" id="{EBA35307-5DC7-479A-B543-85E5B0D53AC7}"/>
+              </a:ext>
+            </a:extLst>
+          </p:cNvPr>
+          <p:cNvSpPr txBox="1"/>
+          <p:nvPr/>
+        </p:nvSpPr>
+        <p:spPr>
+          <a:xfrm>
+            <a:off x="2104554" y="3922608"/>
+            <a:ext cx="393056" cy="338554"/>
+          </a:xfrm>
+          <a:prstGeom prst="rect">
+            <a:avLst/>
+          </a:prstGeom>
+          <a:noFill/>
+        </p:spPr>
+        <p:txBody>
+          <a:bodyPr wrap="none" rtlCol="0">
+            <a:spAutoFit/>
+          </a:bodyPr>
+          <a:lstStyle/>
+          <a:p>
+            <a:r>
+              <a:rPr lang="en-SG" sz="1600" dirty="0"/>
+              <a:t>29</a:t>
+            </a:r>
+          </a:p>
+        </p:txBody>
+      </p:sp>
+      <p:sp>
+        <p:nvSpPr>
+          <p:cNvPr id="103" name="TextBox 102">
+            <a:extLst>
+              <a:ext uri="{FF2B5EF4-FFF2-40B4-BE49-F238E27FC236}">
+                <a16:creationId xmlns:a16="http://schemas.microsoft.com/office/drawing/2014/main" id="{835DC3A3-4797-4215-8A14-22C9D9C1FBBF}"/>
+              </a:ext>
+            </a:extLst>
+          </p:cNvPr>
+          <p:cNvSpPr txBox="1"/>
+          <p:nvPr/>
+        </p:nvSpPr>
+        <p:spPr>
+          <a:xfrm>
+            <a:off x="2101499" y="5384560"/>
+            <a:ext cx="393056" cy="338554"/>
+          </a:xfrm>
+          <a:prstGeom prst="rect">
+            <a:avLst/>
+          </a:prstGeom>
+          <a:noFill/>
+        </p:spPr>
+        <p:txBody>
+          <a:bodyPr wrap="none" rtlCol="0">
+            <a:spAutoFit/>
+          </a:bodyPr>
+          <a:lstStyle/>
+          <a:p>
+            <a:r>
+              <a:rPr lang="en-SG" sz="1600" dirty="0"/>
+              <a:t>28</a:t>
+            </a:r>
+          </a:p>
+        </p:txBody>
+      </p:sp>
+      <p:grpSp>
+        <p:nvGrpSpPr>
+          <p:cNvPr id="24" name="Group 23">
+            <a:extLst>
+              <a:ext uri="{FF2B5EF4-FFF2-40B4-BE49-F238E27FC236}">
+                <a16:creationId xmlns:a16="http://schemas.microsoft.com/office/drawing/2014/main" id="{17970A06-8F0A-4F76-B7A1-47FA7612EC42}"/>
+              </a:ext>
+            </a:extLst>
+          </p:cNvPr>
+          <p:cNvGrpSpPr/>
+          <p:nvPr/>
+        </p:nvGrpSpPr>
+        <p:grpSpPr>
+          <a:xfrm>
+            <a:off x="1211213" y="3982721"/>
+            <a:ext cx="156632" cy="735873"/>
+            <a:chOff x="2108200" y="3892550"/>
+            <a:chExt cx="156632" cy="735873"/>
+          </a:xfrm>
+        </p:grpSpPr>
+        <p:sp>
+          <p:nvSpPr>
+            <p:cNvPr id="18" name="Rectangle: Rounded Corners 17">
+              <a:extLst>
+                <a:ext uri="{FF2B5EF4-FFF2-40B4-BE49-F238E27FC236}">
+                  <a16:creationId xmlns:a16="http://schemas.microsoft.com/office/drawing/2014/main" id="{C34FD36A-795D-49BA-958D-9C60730A089C}"/>
+                </a:ext>
+              </a:extLst>
+            </p:cNvPr>
+            <p:cNvSpPr/>
+            <p:nvPr/>
+          </p:nvSpPr>
+          <p:spPr>
+            <a:xfrm>
+              <a:off x="2108200" y="4104217"/>
+              <a:ext cx="156632" cy="312539"/>
+            </a:xfrm>
+            <a:prstGeom prst="roundRect">
+              <a:avLst/>
+            </a:prstGeom>
+            <a:noFill/>
+            <a:ln w="38100">
+              <a:solidFill>
+                <a:schemeClr val="tx1"/>
+              </a:solidFill>
+            </a:ln>
+          </p:spPr>
+          <p:style>
+            <a:lnRef idx="2">
+              <a:schemeClr val="accent1">
+                <a:shade val="50000"/>
+              </a:schemeClr>
+            </a:lnRef>
+            <a:fillRef idx="1">
+              <a:schemeClr val="accent1"/>
+            </a:fillRef>
+            <a:effectRef idx="0">
+              <a:schemeClr val="accent1"/>
+            </a:effectRef>
+            <a:fontRef idx="minor">
+              <a:schemeClr val="lt1"/>
+            </a:fontRef>
+          </p:style>
+          <p:txBody>
+            <a:bodyPr rtlCol="0" anchor="ctr"/>
+            <a:lstStyle/>
+            <a:p>
+              <a:pPr algn="ctr"/>
+              <a:endParaRPr lang="en-SG"/>
+            </a:p>
+          </p:txBody>
+        </p:sp>
+        <p:cxnSp>
+          <p:nvCxnSpPr>
+            <p:cNvPr id="20" name="Straight Connector 19">
+              <a:extLst>
+                <a:ext uri="{FF2B5EF4-FFF2-40B4-BE49-F238E27FC236}">
+                  <a16:creationId xmlns:a16="http://schemas.microsoft.com/office/drawing/2014/main" id="{536200F9-0E7E-47B7-846A-47BA952D4163}"/>
+                </a:ext>
+              </a:extLst>
+            </p:cNvPr>
+            <p:cNvCxnSpPr>
+              <a:cxnSpLocks/>
+            </p:cNvCxnSpPr>
+            <p:nvPr/>
+          </p:nvCxnSpPr>
+          <p:spPr>
+            <a:xfrm>
+              <a:off x="2186517" y="3892550"/>
+              <a:ext cx="0" cy="211667"/>
+            </a:xfrm>
+            <a:prstGeom prst="line">
+              <a:avLst/>
+            </a:prstGeom>
+            <a:ln w="38100">
+              <a:solidFill>
+                <a:schemeClr val="tx1"/>
+              </a:solidFill>
+            </a:ln>
+          </p:spPr>
+          <p:style>
+            <a:lnRef idx="1">
+              <a:schemeClr val="accent1"/>
+            </a:lnRef>
+            <a:fillRef idx="0">
+              <a:schemeClr val="accent1"/>
+            </a:fillRef>
+            <a:effectRef idx="0">
+              <a:schemeClr val="accent1"/>
+            </a:effectRef>
+            <a:fontRef idx="minor">
+              <a:schemeClr val="tx1"/>
+            </a:fontRef>
+          </p:style>
+        </p:cxnSp>
+        <p:cxnSp>
+          <p:nvCxnSpPr>
+            <p:cNvPr id="105" name="Straight Connector 104">
+              <a:extLst>
+                <a:ext uri="{FF2B5EF4-FFF2-40B4-BE49-F238E27FC236}">
+                  <a16:creationId xmlns:a16="http://schemas.microsoft.com/office/drawing/2014/main" id="{FFF7D0C9-4657-443A-872A-972BA49FBD6F}"/>
+                </a:ext>
+              </a:extLst>
+            </p:cNvPr>
+            <p:cNvCxnSpPr>
+              <a:cxnSpLocks/>
+            </p:cNvCxnSpPr>
+            <p:nvPr/>
+          </p:nvCxnSpPr>
+          <p:spPr>
+            <a:xfrm>
+              <a:off x="2186517" y="4416756"/>
+              <a:ext cx="0" cy="211667"/>
+            </a:xfrm>
+            <a:prstGeom prst="line">
+              <a:avLst/>
+            </a:prstGeom>
+            <a:ln w="38100">
+              <a:solidFill>
+                <a:schemeClr val="tx1"/>
+              </a:solidFill>
+            </a:ln>
+          </p:spPr>
+          <p:style>
+            <a:lnRef idx="1">
+              <a:schemeClr val="accent1"/>
+            </a:lnRef>
+            <a:fillRef idx="0">
+              <a:schemeClr val="accent1"/>
+            </a:fillRef>
+            <a:effectRef idx="0">
+              <a:schemeClr val="accent1"/>
+            </a:effectRef>
+            <a:fontRef idx="minor">
+              <a:schemeClr val="tx1"/>
+            </a:fontRef>
+          </p:style>
+        </p:cxnSp>
+      </p:grpSp>
+      <p:cxnSp>
+        <p:nvCxnSpPr>
+          <p:cNvPr id="109" name="Straight Connector 108">
+            <a:extLst>
+              <a:ext uri="{FF2B5EF4-FFF2-40B4-BE49-F238E27FC236}">
+                <a16:creationId xmlns:a16="http://schemas.microsoft.com/office/drawing/2014/main" id="{93FCC784-612F-4F9B-852A-895075CBCE78}"/>
+              </a:ext>
+            </a:extLst>
+          </p:cNvPr>
+          <p:cNvCxnSpPr>
+            <a:cxnSpLocks/>
+          </p:cNvCxnSpPr>
+          <p:nvPr/>
+        </p:nvCxnSpPr>
+        <p:spPr>
+          <a:xfrm>
+            <a:off x="1177757" y="3848751"/>
+            <a:ext cx="111770" cy="147059"/>
+          </a:xfrm>
+          <a:prstGeom prst="line">
+            <a:avLst/>
+          </a:prstGeom>
+          <a:ln w="38100">
+            <a:solidFill>
+              <a:schemeClr val="tx1"/>
+            </a:solidFill>
+          </a:ln>
+        </p:spPr>
+        <p:style>
+          <a:lnRef idx="1">
+            <a:schemeClr val="accent1"/>
+          </a:lnRef>
+          <a:fillRef idx="0">
+            <a:schemeClr val="accent1"/>
+          </a:fillRef>
+          <a:effectRef idx="0">
+            <a:schemeClr val="accent1"/>
+          </a:effectRef>
+          <a:fontRef idx="minor">
+            <a:schemeClr val="tx1"/>
+          </a:fontRef>
+        </p:style>
+      </p:cxnSp>
+      <p:cxnSp>
+        <p:nvCxnSpPr>
+          <p:cNvPr id="110" name="Straight Connector 109">
+            <a:extLst>
+              <a:ext uri="{FF2B5EF4-FFF2-40B4-BE49-F238E27FC236}">
+                <a16:creationId xmlns:a16="http://schemas.microsoft.com/office/drawing/2014/main" id="{1C0A47FD-6A3D-4EC4-9186-6E6CD621EE2E}"/>
+              </a:ext>
+            </a:extLst>
+          </p:cNvPr>
+          <p:cNvCxnSpPr>
+            <a:cxnSpLocks/>
+          </p:cNvCxnSpPr>
+          <p:nvPr/>
+        </p:nvCxnSpPr>
+        <p:spPr>
+          <a:xfrm>
+            <a:off x="1177758" y="4719235"/>
+            <a:ext cx="223541" cy="0"/>
+          </a:xfrm>
+          <a:prstGeom prst="line">
+            <a:avLst/>
+          </a:prstGeom>
+          <a:ln w="38100">
+            <a:solidFill>
+              <a:schemeClr val="tx1"/>
+            </a:solidFill>
+          </a:ln>
+        </p:spPr>
+        <p:style>
+          <a:lnRef idx="1">
+            <a:schemeClr val="accent1"/>
+          </a:lnRef>
+          <a:fillRef idx="0">
+            <a:schemeClr val="accent1"/>
+          </a:fillRef>
+          <a:effectRef idx="0">
+            <a:schemeClr val="accent1"/>
+          </a:effectRef>
+          <a:fontRef idx="minor">
+            <a:schemeClr val="tx1"/>
+          </a:fontRef>
+        </p:style>
+      </p:cxnSp>
+      <p:cxnSp>
+        <p:nvCxnSpPr>
+          <p:cNvPr id="113" name="Straight Connector 112">
+            <a:extLst>
+              <a:ext uri="{FF2B5EF4-FFF2-40B4-BE49-F238E27FC236}">
+                <a16:creationId xmlns:a16="http://schemas.microsoft.com/office/drawing/2014/main" id="{523863EF-3CE0-4547-AB4E-0BF602D92713}"/>
+              </a:ext>
+            </a:extLst>
+          </p:cNvPr>
+          <p:cNvCxnSpPr>
+            <a:cxnSpLocks/>
+          </p:cNvCxnSpPr>
+          <p:nvPr/>
+        </p:nvCxnSpPr>
+        <p:spPr>
+          <a:xfrm>
+            <a:off x="1289528" y="3644633"/>
+            <a:ext cx="0" cy="211667"/>
+          </a:xfrm>
+          <a:prstGeom prst="line">
+            <a:avLst/>
+          </a:prstGeom>
+          <a:ln w="38100">
+            <a:solidFill>
+              <a:schemeClr val="tx1"/>
+            </a:solidFill>
+          </a:ln>
+        </p:spPr>
+        <p:style>
+          <a:lnRef idx="1">
+            <a:schemeClr val="accent1"/>
+          </a:lnRef>
+          <a:fillRef idx="0">
+            <a:schemeClr val="accent1"/>
+          </a:fillRef>
+          <a:effectRef idx="0">
+            <a:schemeClr val="accent1"/>
+          </a:effectRef>
+          <a:fontRef idx="minor">
+            <a:schemeClr val="tx1"/>
+          </a:fontRef>
+        </p:style>
+      </p:cxnSp>
+      <p:cxnSp>
+        <p:nvCxnSpPr>
+          <p:cNvPr id="114" name="Straight Connector 113">
+            <a:extLst>
+              <a:ext uri="{FF2B5EF4-FFF2-40B4-BE49-F238E27FC236}">
+                <a16:creationId xmlns:a16="http://schemas.microsoft.com/office/drawing/2014/main" id="{340629FA-29EB-4F6C-AEEA-0AE7828D17DB}"/>
+              </a:ext>
+            </a:extLst>
+          </p:cNvPr>
+          <p:cNvCxnSpPr>
+            <a:cxnSpLocks/>
+          </p:cNvCxnSpPr>
+          <p:nvPr/>
+        </p:nvCxnSpPr>
+        <p:spPr>
+          <a:xfrm>
+            <a:off x="1177757" y="3646664"/>
+            <a:ext cx="223541" cy="0"/>
+          </a:xfrm>
+          <a:prstGeom prst="line">
+            <a:avLst/>
+          </a:prstGeom>
+          <a:ln w="38100">
+            <a:solidFill>
+              <a:schemeClr val="tx1"/>
+            </a:solidFill>
+          </a:ln>
+        </p:spPr>
+        <p:style>
+          <a:lnRef idx="1">
+            <a:schemeClr val="accent1"/>
+          </a:lnRef>
+          <a:fillRef idx="0">
+            <a:schemeClr val="accent1"/>
+          </a:fillRef>
+          <a:effectRef idx="0">
+            <a:schemeClr val="accent1"/>
+          </a:effectRef>
+          <a:fontRef idx="minor">
+            <a:schemeClr val="tx1"/>
+          </a:fontRef>
+        </p:style>
+      </p:cxnSp>
+      <p:sp>
+        <p:nvSpPr>
+          <p:cNvPr id="115" name="TextBox 114">
+            <a:extLst>
+              <a:ext uri="{FF2B5EF4-FFF2-40B4-BE49-F238E27FC236}">
+                <a16:creationId xmlns:a16="http://schemas.microsoft.com/office/drawing/2014/main" id="{A5747D5F-113F-4D46-9982-082F2C10AB8E}"/>
+              </a:ext>
+            </a:extLst>
+          </p:cNvPr>
+          <p:cNvSpPr txBox="1"/>
+          <p:nvPr/>
+        </p:nvSpPr>
+        <p:spPr>
+          <a:xfrm>
+            <a:off x="253775" y="3624009"/>
+            <a:ext cx="816249" cy="584775"/>
+          </a:xfrm>
+          <a:prstGeom prst="rect">
+            <a:avLst/>
+          </a:prstGeom>
+          <a:noFill/>
+        </p:spPr>
+        <p:txBody>
+          <a:bodyPr wrap="none" rtlCol="0">
+            <a:spAutoFit/>
+          </a:bodyPr>
+          <a:lstStyle/>
+          <a:p>
+            <a:r>
+              <a:rPr lang="en-SG" sz="1600" dirty="0"/>
+              <a:t>Manual</a:t>
+            </a:r>
+          </a:p>
+          <a:p>
+            <a:r>
+              <a:rPr lang="en-SG" sz="1600" dirty="0"/>
+              <a:t>Mode</a:t>
+            </a:r>
+          </a:p>
+        </p:txBody>
+      </p:sp>
+      <p:grpSp>
+        <p:nvGrpSpPr>
+          <p:cNvPr id="116" name="Group 115">
+            <a:extLst>
+              <a:ext uri="{FF2B5EF4-FFF2-40B4-BE49-F238E27FC236}">
+                <a16:creationId xmlns:a16="http://schemas.microsoft.com/office/drawing/2014/main" id="{A0CEA57C-D8BC-473E-A0F6-5E3D61D3614F}"/>
+              </a:ext>
+            </a:extLst>
+          </p:cNvPr>
+          <p:cNvGrpSpPr/>
+          <p:nvPr/>
+        </p:nvGrpSpPr>
+        <p:grpSpPr>
+          <a:xfrm>
+            <a:off x="1210992" y="5469703"/>
+            <a:ext cx="156632" cy="735873"/>
+            <a:chOff x="2108200" y="3892550"/>
+            <a:chExt cx="156632" cy="735873"/>
+          </a:xfrm>
+        </p:grpSpPr>
+        <p:sp>
+          <p:nvSpPr>
+            <p:cNvPr id="117" name="Rectangle: Rounded Corners 116">
+              <a:extLst>
+                <a:ext uri="{FF2B5EF4-FFF2-40B4-BE49-F238E27FC236}">
+                  <a16:creationId xmlns:a16="http://schemas.microsoft.com/office/drawing/2014/main" id="{98295BB4-7CB8-4668-BAAF-F76FE3D6C29F}"/>
+                </a:ext>
+              </a:extLst>
+            </p:cNvPr>
+            <p:cNvSpPr/>
+            <p:nvPr/>
+          </p:nvSpPr>
+          <p:spPr>
+            <a:xfrm>
+              <a:off x="2108200" y="4104217"/>
+              <a:ext cx="156632" cy="312539"/>
+            </a:xfrm>
+            <a:prstGeom prst="roundRect">
+              <a:avLst/>
+            </a:prstGeom>
+            <a:noFill/>
+            <a:ln w="38100">
+              <a:solidFill>
+                <a:schemeClr val="tx1"/>
+              </a:solidFill>
+            </a:ln>
+          </p:spPr>
+          <p:style>
+            <a:lnRef idx="2">
+              <a:schemeClr val="accent1">
+                <a:shade val="50000"/>
+              </a:schemeClr>
+            </a:lnRef>
+            <a:fillRef idx="1">
+              <a:schemeClr val="accent1"/>
+            </a:fillRef>
+            <a:effectRef idx="0">
+              <a:schemeClr val="accent1"/>
+            </a:effectRef>
+            <a:fontRef idx="minor">
+              <a:schemeClr val="lt1"/>
+            </a:fontRef>
+          </p:style>
+          <p:txBody>
+            <a:bodyPr rtlCol="0" anchor="ctr"/>
+            <a:lstStyle/>
+            <a:p>
+              <a:pPr algn="ctr"/>
+              <a:endParaRPr lang="en-SG"/>
+            </a:p>
+          </p:txBody>
+        </p:sp>
+        <p:cxnSp>
+          <p:nvCxnSpPr>
+            <p:cNvPr id="118" name="Straight Connector 117">
+              <a:extLst>
+                <a:ext uri="{FF2B5EF4-FFF2-40B4-BE49-F238E27FC236}">
+                  <a16:creationId xmlns:a16="http://schemas.microsoft.com/office/drawing/2014/main" id="{FEBD5E51-7279-45C8-8C76-B0BEA3BAB44F}"/>
+                </a:ext>
+              </a:extLst>
+            </p:cNvPr>
+            <p:cNvCxnSpPr>
+              <a:cxnSpLocks/>
+            </p:cNvCxnSpPr>
+            <p:nvPr/>
+          </p:nvCxnSpPr>
+          <p:spPr>
+            <a:xfrm>
+              <a:off x="2186517" y="3892550"/>
+              <a:ext cx="0" cy="211667"/>
+            </a:xfrm>
+            <a:prstGeom prst="line">
+              <a:avLst/>
+            </a:prstGeom>
+            <a:ln w="38100">
+              <a:solidFill>
+                <a:schemeClr val="tx1"/>
+              </a:solidFill>
+            </a:ln>
+          </p:spPr>
+          <p:style>
+            <a:lnRef idx="1">
+              <a:schemeClr val="accent1"/>
+            </a:lnRef>
+            <a:fillRef idx="0">
+              <a:schemeClr val="accent1"/>
+            </a:fillRef>
+            <a:effectRef idx="0">
+              <a:schemeClr val="accent1"/>
+            </a:effectRef>
+            <a:fontRef idx="minor">
+              <a:schemeClr val="tx1"/>
+            </a:fontRef>
+          </p:style>
+        </p:cxnSp>
+        <p:cxnSp>
+          <p:nvCxnSpPr>
+            <p:cNvPr id="119" name="Straight Connector 118">
+              <a:extLst>
+                <a:ext uri="{FF2B5EF4-FFF2-40B4-BE49-F238E27FC236}">
+                  <a16:creationId xmlns:a16="http://schemas.microsoft.com/office/drawing/2014/main" id="{5C2CE66A-0A52-46FF-9E77-167CD047A0AC}"/>
+                </a:ext>
+              </a:extLst>
+            </p:cNvPr>
+            <p:cNvCxnSpPr>
+              <a:cxnSpLocks/>
+            </p:cNvCxnSpPr>
+            <p:nvPr/>
+          </p:nvCxnSpPr>
+          <p:spPr>
+            <a:xfrm>
+              <a:off x="2186517" y="4416756"/>
+              <a:ext cx="0" cy="211667"/>
+            </a:xfrm>
+            <a:prstGeom prst="line">
+              <a:avLst/>
+            </a:prstGeom>
+            <a:ln w="38100">
+              <a:solidFill>
+                <a:schemeClr val="tx1"/>
+              </a:solidFill>
+            </a:ln>
+          </p:spPr>
+          <p:style>
+            <a:lnRef idx="1">
+              <a:schemeClr val="accent1"/>
+            </a:lnRef>
+            <a:fillRef idx="0">
+              <a:schemeClr val="accent1"/>
+            </a:fillRef>
+            <a:effectRef idx="0">
+              <a:schemeClr val="accent1"/>
+            </a:effectRef>
+            <a:fontRef idx="minor">
+              <a:schemeClr val="tx1"/>
+            </a:fontRef>
+          </p:style>
+        </p:cxnSp>
+      </p:grpSp>
+      <p:cxnSp>
+        <p:nvCxnSpPr>
+          <p:cNvPr id="122" name="Straight Connector 121">
+            <a:extLst>
+              <a:ext uri="{FF2B5EF4-FFF2-40B4-BE49-F238E27FC236}">
+                <a16:creationId xmlns:a16="http://schemas.microsoft.com/office/drawing/2014/main" id="{DEFD085E-AD63-4473-9ED3-FAA2E405EF40}"/>
+              </a:ext>
+            </a:extLst>
+          </p:cNvPr>
+          <p:cNvCxnSpPr>
+            <a:cxnSpLocks/>
+          </p:cNvCxnSpPr>
+          <p:nvPr/>
+        </p:nvCxnSpPr>
+        <p:spPr>
+          <a:xfrm>
+            <a:off x="1177537" y="6206217"/>
+            <a:ext cx="223541" cy="0"/>
+          </a:xfrm>
+          <a:prstGeom prst="line">
+            <a:avLst/>
+          </a:prstGeom>
+          <a:ln w="38100">
+            <a:solidFill>
+              <a:schemeClr val="tx1"/>
+            </a:solidFill>
+          </a:ln>
+        </p:spPr>
+        <p:style>
+          <a:lnRef idx="1">
+            <a:schemeClr val="accent1"/>
+          </a:lnRef>
+          <a:fillRef idx="0">
+            <a:schemeClr val="accent1"/>
+          </a:fillRef>
+          <a:effectRef idx="0">
+            <a:schemeClr val="accent1"/>
+          </a:effectRef>
+          <a:fontRef idx="minor">
+            <a:schemeClr val="tx1"/>
+          </a:fontRef>
+        </p:style>
+      </p:cxnSp>
+      <p:cxnSp>
+        <p:nvCxnSpPr>
+          <p:cNvPr id="123" name="Straight Connector 122">
+            <a:extLst>
+              <a:ext uri="{FF2B5EF4-FFF2-40B4-BE49-F238E27FC236}">
+                <a16:creationId xmlns:a16="http://schemas.microsoft.com/office/drawing/2014/main" id="{2185EFB3-F665-4749-8CD3-3129470614BE}"/>
+              </a:ext>
+            </a:extLst>
+          </p:cNvPr>
+          <p:cNvCxnSpPr>
+            <a:cxnSpLocks/>
+          </p:cNvCxnSpPr>
+          <p:nvPr/>
+        </p:nvCxnSpPr>
+        <p:spPr>
+          <a:xfrm>
+            <a:off x="1289307" y="5131615"/>
+            <a:ext cx="0" cy="211667"/>
+          </a:xfrm>
+          <a:prstGeom prst="line">
+            <a:avLst/>
+          </a:prstGeom>
+          <a:ln w="38100">
+            <a:solidFill>
+              <a:schemeClr val="tx1"/>
+            </a:solidFill>
+          </a:ln>
+        </p:spPr>
+        <p:style>
+          <a:lnRef idx="1">
+            <a:schemeClr val="accent1"/>
+          </a:lnRef>
+          <a:fillRef idx="0">
+            <a:schemeClr val="accent1"/>
+          </a:fillRef>
+          <a:effectRef idx="0">
+            <a:schemeClr val="accent1"/>
+          </a:effectRef>
+          <a:fontRef idx="minor">
+            <a:schemeClr val="tx1"/>
+          </a:fontRef>
+        </p:style>
+      </p:cxnSp>
+      <p:cxnSp>
+        <p:nvCxnSpPr>
+          <p:cNvPr id="124" name="Straight Connector 123">
+            <a:extLst>
+              <a:ext uri="{FF2B5EF4-FFF2-40B4-BE49-F238E27FC236}">
+                <a16:creationId xmlns:a16="http://schemas.microsoft.com/office/drawing/2014/main" id="{E7BB10A8-3863-42E4-A0FA-B10627D9CC50}"/>
+              </a:ext>
+            </a:extLst>
+          </p:cNvPr>
+          <p:cNvCxnSpPr>
+            <a:cxnSpLocks/>
+          </p:cNvCxnSpPr>
+          <p:nvPr/>
+        </p:nvCxnSpPr>
+        <p:spPr>
+          <a:xfrm>
+            <a:off x="1177536" y="5133646"/>
+            <a:ext cx="223541" cy="0"/>
+          </a:xfrm>
+          <a:prstGeom prst="line">
+            <a:avLst/>
+          </a:prstGeom>
+          <a:ln w="38100">
+            <a:solidFill>
+              <a:schemeClr val="tx1"/>
+            </a:solidFill>
+          </a:ln>
+        </p:spPr>
+        <p:style>
+          <a:lnRef idx="1">
+            <a:schemeClr val="accent1"/>
+          </a:lnRef>
+          <a:fillRef idx="0">
+            <a:schemeClr val="accent1"/>
+          </a:fillRef>
+          <a:effectRef idx="0">
+            <a:schemeClr val="accent1"/>
+          </a:effectRef>
+          <a:fontRef idx="minor">
+            <a:schemeClr val="tx1"/>
+          </a:fontRef>
+        </p:style>
+      </p:cxnSp>
+      <p:sp>
+        <p:nvSpPr>
+          <p:cNvPr id="125" name="TextBox 124">
+            <a:extLst>
+              <a:ext uri="{FF2B5EF4-FFF2-40B4-BE49-F238E27FC236}">
+                <a16:creationId xmlns:a16="http://schemas.microsoft.com/office/drawing/2014/main" id="{C2D87747-A29E-4174-BBD8-FFB3677CC5D7}"/>
+              </a:ext>
+            </a:extLst>
+          </p:cNvPr>
+          <p:cNvSpPr txBox="1"/>
+          <p:nvPr/>
+        </p:nvSpPr>
+        <p:spPr>
+          <a:xfrm>
+            <a:off x="209242" y="5229487"/>
+            <a:ext cx="857927" cy="338554"/>
+          </a:xfrm>
+          <a:prstGeom prst="rect">
+            <a:avLst/>
+          </a:prstGeom>
+          <a:noFill/>
+        </p:spPr>
+        <p:txBody>
+          <a:bodyPr wrap="none" rtlCol="0">
+            <a:spAutoFit/>
+          </a:bodyPr>
+          <a:lstStyle/>
+          <a:p>
+            <a:r>
+              <a:rPr lang="en-SG" sz="1600" dirty="0"/>
+              <a:t>ON/OFF</a:t>
+            </a:r>
+          </a:p>
+        </p:txBody>
+      </p:sp>
+      <p:cxnSp>
+        <p:nvCxnSpPr>
+          <p:cNvPr id="128" name="Straight Connector 127">
+            <a:extLst>
+              <a:ext uri="{FF2B5EF4-FFF2-40B4-BE49-F238E27FC236}">
+                <a16:creationId xmlns:a16="http://schemas.microsoft.com/office/drawing/2014/main" id="{345B7D43-4569-4F6C-8F72-4FD0C1FC1839}"/>
+              </a:ext>
+            </a:extLst>
+          </p:cNvPr>
+          <p:cNvCxnSpPr>
+            <a:cxnSpLocks/>
+          </p:cNvCxnSpPr>
+          <p:nvPr/>
+        </p:nvCxnSpPr>
+        <p:spPr>
+          <a:xfrm>
+            <a:off x="1177536" y="5335732"/>
+            <a:ext cx="111770" cy="147059"/>
+          </a:xfrm>
+          <a:prstGeom prst="line">
+            <a:avLst/>
+          </a:prstGeom>
+          <a:ln w="38100">
+            <a:solidFill>
+              <a:schemeClr val="tx1"/>
+            </a:solidFill>
+          </a:ln>
+        </p:spPr>
+        <p:style>
+          <a:lnRef idx="1">
+            <a:schemeClr val="accent1"/>
+          </a:lnRef>
+          <a:fillRef idx="0">
+            <a:schemeClr val="accent1"/>
+          </a:fillRef>
+          <a:effectRef idx="0">
+            <a:schemeClr val="accent1"/>
+          </a:effectRef>
+          <a:fontRef idx="minor">
+            <a:schemeClr val="tx1"/>
+          </a:fontRef>
+        </p:style>
+      </p:cxnSp>
+      <p:cxnSp>
+        <p:nvCxnSpPr>
+          <p:cNvPr id="134" name="Straight Arrow Connector 133">
+            <a:extLst>
+              <a:ext uri="{FF2B5EF4-FFF2-40B4-BE49-F238E27FC236}">
+                <a16:creationId xmlns:a16="http://schemas.microsoft.com/office/drawing/2014/main" id="{A1B09F4A-6459-4B06-8FF5-DCF937684C3C}"/>
+              </a:ext>
+            </a:extLst>
+          </p:cNvPr>
+          <p:cNvCxnSpPr>
+            <a:cxnSpLocks/>
+          </p:cNvCxnSpPr>
+          <p:nvPr/>
+        </p:nvCxnSpPr>
+        <p:spPr>
+          <a:xfrm>
+            <a:off x="1289527" y="4091885"/>
+            <a:ext cx="773362" cy="0"/>
+          </a:xfrm>
+          <a:prstGeom prst="straightConnector1">
+            <a:avLst/>
+          </a:prstGeom>
+          <a:ln w="38100">
+            <a:solidFill>
+              <a:schemeClr val="tx1"/>
+            </a:solidFill>
+            <a:tailEnd type="triangle"/>
+          </a:ln>
+        </p:spPr>
+        <p:style>
+          <a:lnRef idx="1">
+            <a:schemeClr val="accent1"/>
+          </a:lnRef>
+          <a:fillRef idx="0">
+            <a:schemeClr val="accent1"/>
+          </a:fillRef>
+          <a:effectRef idx="0">
+            <a:schemeClr val="accent1"/>
+          </a:effectRef>
+          <a:fontRef idx="minor">
+            <a:schemeClr val="tx1"/>
+          </a:fontRef>
+        </p:style>
+      </p:cxnSp>
+      <p:cxnSp>
+        <p:nvCxnSpPr>
+          <p:cNvPr id="135" name="Straight Arrow Connector 134">
+            <a:extLst>
+              <a:ext uri="{FF2B5EF4-FFF2-40B4-BE49-F238E27FC236}">
+                <a16:creationId xmlns:a16="http://schemas.microsoft.com/office/drawing/2014/main" id="{483C3F24-DCF3-4886-BA4A-A14740363353}"/>
+              </a:ext>
+            </a:extLst>
+          </p:cNvPr>
+          <p:cNvCxnSpPr>
+            <a:cxnSpLocks/>
+          </p:cNvCxnSpPr>
+          <p:nvPr/>
+        </p:nvCxnSpPr>
+        <p:spPr>
+          <a:xfrm>
+            <a:off x="1296205" y="5568041"/>
+            <a:ext cx="773362" cy="0"/>
+          </a:xfrm>
+          <a:prstGeom prst="straightConnector1">
+            <a:avLst/>
+          </a:prstGeom>
+          <a:ln w="38100">
+            <a:solidFill>
+              <a:schemeClr val="tx1"/>
+            </a:solidFill>
+            <a:tailEnd type="triangle"/>
+          </a:ln>
+        </p:spPr>
+        <p:style>
+          <a:lnRef idx="1">
+            <a:schemeClr val="accent1"/>
+          </a:lnRef>
+          <a:fillRef idx="0">
+            <a:schemeClr val="accent1"/>
+          </a:fillRef>
+          <a:effectRef idx="0">
+            <a:schemeClr val="accent1"/>
+          </a:effectRef>
+          <a:fontRef idx="minor">
+            <a:schemeClr val="tx1"/>
+          </a:fontRef>
+        </p:style>
+      </p:cxnSp>
+      <p:sp>
+        <p:nvSpPr>
+          <p:cNvPr id="143" name="TextBox 142">
+            <a:extLst>
+              <a:ext uri="{FF2B5EF4-FFF2-40B4-BE49-F238E27FC236}">
+                <a16:creationId xmlns:a16="http://schemas.microsoft.com/office/drawing/2014/main" id="{581E7DBC-906A-4F72-A869-858EDA0800BA}"/>
+              </a:ext>
+            </a:extLst>
+          </p:cNvPr>
+          <p:cNvSpPr txBox="1"/>
+          <p:nvPr/>
+        </p:nvSpPr>
+        <p:spPr>
+          <a:xfrm>
+            <a:off x="8815388" y="1736835"/>
+            <a:ext cx="287258" cy="338554"/>
+          </a:xfrm>
+          <a:prstGeom prst="rect">
+            <a:avLst/>
+          </a:prstGeom>
+          <a:noFill/>
+        </p:spPr>
+        <p:txBody>
+          <a:bodyPr wrap="none" rtlCol="0">
+            <a:spAutoFit/>
+          </a:bodyPr>
+          <a:lstStyle/>
+          <a:p>
+            <a:r>
+              <a:rPr lang="en-US" sz="1600" dirty="0"/>
+              <a:t>+</a:t>
+            </a:r>
+            <a:endParaRPr lang="en-SG" sz="1600" dirty="0"/>
+          </a:p>
+        </p:txBody>
+      </p:sp>
+      <p:sp>
+        <p:nvSpPr>
+          <p:cNvPr id="144" name="TextBox 143">
+            <a:extLst>
+              <a:ext uri="{FF2B5EF4-FFF2-40B4-BE49-F238E27FC236}">
+                <a16:creationId xmlns:a16="http://schemas.microsoft.com/office/drawing/2014/main" id="{B37A610B-74A8-41F6-ACC4-026557852D91}"/>
+              </a:ext>
+            </a:extLst>
+          </p:cNvPr>
+          <p:cNvSpPr txBox="1"/>
+          <p:nvPr/>
+        </p:nvSpPr>
+        <p:spPr>
+          <a:xfrm>
+            <a:off x="8815388" y="2003806"/>
+            <a:ext cx="247184" cy="338554"/>
+          </a:xfrm>
+          <a:prstGeom prst="rect">
+            <a:avLst/>
+          </a:prstGeom>
+          <a:noFill/>
+        </p:spPr>
+        <p:txBody>
+          <a:bodyPr wrap="none" rtlCol="0">
+            <a:spAutoFit/>
+          </a:bodyPr>
+          <a:lstStyle/>
+          <a:p>
+            <a:r>
+              <a:rPr lang="en-US" sz="1600" dirty="0"/>
+              <a:t>-</a:t>
+            </a:r>
+            <a:endParaRPr lang="en-SG" sz="1600" dirty="0"/>
+          </a:p>
+        </p:txBody>
+      </p:sp>
+      <p:cxnSp>
+        <p:nvCxnSpPr>
+          <p:cNvPr id="145" name="Straight Arrow Connector 144">
+            <a:extLst>
+              <a:ext uri="{FF2B5EF4-FFF2-40B4-BE49-F238E27FC236}">
+                <a16:creationId xmlns:a16="http://schemas.microsoft.com/office/drawing/2014/main" id="{39A13FB6-33F2-4B32-A2E3-F2015543C5DE}"/>
+              </a:ext>
+            </a:extLst>
+          </p:cNvPr>
+          <p:cNvCxnSpPr>
+            <a:cxnSpLocks/>
+          </p:cNvCxnSpPr>
+          <p:nvPr/>
+        </p:nvCxnSpPr>
+        <p:spPr>
+          <a:xfrm flipH="1">
+            <a:off x="9141803" y="1903311"/>
+            <a:ext cx="591198" cy="0"/>
+          </a:xfrm>
+          <a:prstGeom prst="straightConnector1">
+            <a:avLst/>
+          </a:prstGeom>
+          <a:ln w="38100">
+            <a:solidFill>
+              <a:schemeClr val="tx1"/>
+            </a:solidFill>
+            <a:headEnd type="triangle" w="med" len="med"/>
+            <a:tailEnd type="triangle" w="med" len="med"/>
+          </a:ln>
+        </p:spPr>
+        <p:style>
+          <a:lnRef idx="1">
+            <a:schemeClr val="accent1"/>
+          </a:lnRef>
+          <a:fillRef idx="0">
+            <a:schemeClr val="accent1"/>
+          </a:fillRef>
+          <a:effectRef idx="0">
+            <a:schemeClr val="accent1"/>
+          </a:effectRef>
+          <a:fontRef idx="minor">
+            <a:schemeClr val="tx1"/>
+          </a:fontRef>
+        </p:style>
+      </p:cxnSp>
+      <p:cxnSp>
+        <p:nvCxnSpPr>
+          <p:cNvPr id="147" name="Straight Arrow Connector 146">
+            <a:extLst>
+              <a:ext uri="{FF2B5EF4-FFF2-40B4-BE49-F238E27FC236}">
+                <a16:creationId xmlns:a16="http://schemas.microsoft.com/office/drawing/2014/main" id="{8FD258A3-0038-4AB8-A8DF-EB766BB96D45}"/>
+              </a:ext>
+            </a:extLst>
+          </p:cNvPr>
+          <p:cNvCxnSpPr>
+            <a:cxnSpLocks/>
+          </p:cNvCxnSpPr>
+          <p:nvPr/>
+        </p:nvCxnSpPr>
+        <p:spPr>
+          <a:xfrm flipH="1">
+            <a:off x="9141803" y="2162097"/>
+            <a:ext cx="581572" cy="5384"/>
+          </a:xfrm>
+          <a:prstGeom prst="straightConnector1">
+            <a:avLst/>
+          </a:prstGeom>
+          <a:ln w="38100">
+            <a:solidFill>
+              <a:schemeClr val="tx1"/>
+            </a:solidFill>
+            <a:headEnd type="triangle" w="med" len="med"/>
+            <a:tailEnd type="triangle" w="med" len="med"/>
+          </a:ln>
+        </p:spPr>
+        <p:style>
+          <a:lnRef idx="1">
+            <a:schemeClr val="accent1"/>
+          </a:lnRef>
+          <a:fillRef idx="0">
+            <a:schemeClr val="accent1"/>
+          </a:fillRef>
+          <a:effectRef idx="0">
+            <a:schemeClr val="accent1"/>
+          </a:effectRef>
+          <a:fontRef idx="minor">
+            <a:schemeClr val="tx1"/>
+          </a:fontRef>
+        </p:style>
+      </p:cxnSp>
+      <p:cxnSp>
+        <p:nvCxnSpPr>
+          <p:cNvPr id="148" name="Straight Arrow Connector 147">
+            <a:extLst>
+              <a:ext uri="{FF2B5EF4-FFF2-40B4-BE49-F238E27FC236}">
+                <a16:creationId xmlns:a16="http://schemas.microsoft.com/office/drawing/2014/main" id="{32B7C2EB-FE56-4C5D-A195-E805B0824A4A}"/>
+              </a:ext>
+            </a:extLst>
+          </p:cNvPr>
+          <p:cNvCxnSpPr>
+            <a:cxnSpLocks/>
+          </p:cNvCxnSpPr>
+          <p:nvPr/>
+        </p:nvCxnSpPr>
+        <p:spPr>
+          <a:xfrm flipH="1">
+            <a:off x="8078234" y="3158898"/>
+            <a:ext cx="314936" cy="0"/>
+          </a:xfrm>
+          <a:prstGeom prst="straightConnector1">
+            <a:avLst/>
+          </a:prstGeom>
+          <a:ln w="38100">
+            <a:solidFill>
+              <a:schemeClr val="tx1"/>
+            </a:solidFill>
+            <a:tailEnd type="triangle"/>
+          </a:ln>
+        </p:spPr>
+        <p:style>
+          <a:lnRef idx="1">
+            <a:schemeClr val="accent1"/>
+          </a:lnRef>
+          <a:fillRef idx="0">
+            <a:schemeClr val="accent1"/>
+          </a:fillRef>
+          <a:effectRef idx="0">
+            <a:schemeClr val="accent1"/>
+          </a:effectRef>
+          <a:fontRef idx="minor">
+            <a:schemeClr val="tx1"/>
+          </a:fontRef>
+        </p:style>
+      </p:cxnSp>
+      <p:sp>
+        <p:nvSpPr>
+          <p:cNvPr id="149" name="TextBox 148">
+            <a:extLst>
+              <a:ext uri="{FF2B5EF4-FFF2-40B4-BE49-F238E27FC236}">
+                <a16:creationId xmlns:a16="http://schemas.microsoft.com/office/drawing/2014/main" id="{1A6CC7AE-085F-4A3A-B482-F1B2A71E6962}"/>
+              </a:ext>
+            </a:extLst>
+          </p:cNvPr>
+          <p:cNvSpPr txBox="1"/>
+          <p:nvPr/>
+        </p:nvSpPr>
+        <p:spPr>
+          <a:xfrm>
+            <a:off x="8336731" y="2958843"/>
+            <a:ext cx="548547" cy="369332"/>
+          </a:xfrm>
+          <a:prstGeom prst="rect">
+            <a:avLst/>
+          </a:prstGeom>
+          <a:noFill/>
+        </p:spPr>
+        <p:txBody>
+          <a:bodyPr wrap="none" rtlCol="0">
+            <a:spAutoFit/>
+          </a:bodyPr>
+          <a:lstStyle/>
+          <a:p>
+            <a:pPr algn="ctr"/>
+            <a:r>
+              <a:rPr lang="en-US" dirty="0"/>
+              <a:t>+5V</a:t>
+            </a:r>
+          </a:p>
+        </p:txBody>
+      </p:sp>
+      <p:cxnSp>
+        <p:nvCxnSpPr>
+          <p:cNvPr id="150" name="Straight Arrow Connector 149">
+            <a:extLst>
+              <a:ext uri="{FF2B5EF4-FFF2-40B4-BE49-F238E27FC236}">
+                <a16:creationId xmlns:a16="http://schemas.microsoft.com/office/drawing/2014/main" id="{7CA0FE53-6487-44D3-BF0A-506AD324FA9F}"/>
+              </a:ext>
+            </a:extLst>
+          </p:cNvPr>
+          <p:cNvCxnSpPr>
+            <a:cxnSpLocks/>
+          </p:cNvCxnSpPr>
+          <p:nvPr/>
+        </p:nvCxnSpPr>
+        <p:spPr>
+          <a:xfrm flipH="1">
+            <a:off x="8078234" y="3418894"/>
+            <a:ext cx="314936" cy="0"/>
+          </a:xfrm>
+          <a:prstGeom prst="straightConnector1">
+            <a:avLst/>
+          </a:prstGeom>
+          <a:ln w="38100">
+            <a:solidFill>
+              <a:schemeClr val="tx1"/>
+            </a:solidFill>
+            <a:tailEnd type="triangle"/>
+          </a:ln>
+        </p:spPr>
+        <p:style>
+          <a:lnRef idx="1">
+            <a:schemeClr val="accent1"/>
+          </a:lnRef>
+          <a:fillRef idx="0">
+            <a:schemeClr val="accent1"/>
+          </a:fillRef>
+          <a:effectRef idx="0">
+            <a:schemeClr val="accent1"/>
+          </a:effectRef>
+          <a:fontRef idx="minor">
+            <a:schemeClr val="tx1"/>
+          </a:fontRef>
+        </p:style>
+      </p:cxnSp>
+      <p:sp>
+        <p:nvSpPr>
+          <p:cNvPr id="151" name="TextBox 150">
+            <a:extLst>
+              <a:ext uri="{FF2B5EF4-FFF2-40B4-BE49-F238E27FC236}">
+                <a16:creationId xmlns:a16="http://schemas.microsoft.com/office/drawing/2014/main" id="{75FAF6E9-7F5C-4576-ABFC-7EF0A14F88D6}"/>
+              </a:ext>
+            </a:extLst>
+          </p:cNvPr>
+          <p:cNvSpPr txBox="1"/>
+          <p:nvPr/>
+        </p:nvSpPr>
+        <p:spPr>
+          <a:xfrm>
+            <a:off x="8336731" y="3227151"/>
+            <a:ext cx="622286" cy="369332"/>
+          </a:xfrm>
+          <a:prstGeom prst="rect">
+            <a:avLst/>
+          </a:prstGeom>
+          <a:noFill/>
+        </p:spPr>
+        <p:txBody>
+          <a:bodyPr wrap="none" rtlCol="0">
+            <a:spAutoFit/>
+          </a:bodyPr>
+          <a:lstStyle/>
+          <a:p>
+            <a:pPr algn="ctr"/>
+            <a:r>
+              <a:rPr lang="en-US" dirty="0"/>
+              <a:t>GND</a:t>
+            </a:r>
+          </a:p>
+        </p:txBody>
+      </p:sp>
+      <p:cxnSp>
+        <p:nvCxnSpPr>
+          <p:cNvPr id="163" name="Straight Arrow Connector 162">
+            <a:extLst>
+              <a:ext uri="{FF2B5EF4-FFF2-40B4-BE49-F238E27FC236}">
+                <a16:creationId xmlns:a16="http://schemas.microsoft.com/office/drawing/2014/main" id="{FFB98D11-9476-489E-BC71-D8E24E8112E7}"/>
+              </a:ext>
+            </a:extLst>
+          </p:cNvPr>
+          <p:cNvCxnSpPr>
+            <a:cxnSpLocks/>
+          </p:cNvCxnSpPr>
+          <p:nvPr/>
+        </p:nvCxnSpPr>
+        <p:spPr>
+          <a:xfrm flipH="1">
+            <a:off x="7674898" y="4360565"/>
+            <a:ext cx="314936" cy="0"/>
+          </a:xfrm>
+          <a:prstGeom prst="straightConnector1">
+            <a:avLst/>
+          </a:prstGeom>
+          <a:ln w="38100">
+            <a:solidFill>
+              <a:schemeClr val="tx1"/>
+            </a:solidFill>
+            <a:tailEnd type="triangle"/>
+          </a:ln>
+        </p:spPr>
+        <p:style>
+          <a:lnRef idx="1">
+            <a:schemeClr val="accent1"/>
+          </a:lnRef>
+          <a:fillRef idx="0">
+            <a:schemeClr val="accent1"/>
+          </a:fillRef>
+          <a:effectRef idx="0">
+            <a:schemeClr val="accent1"/>
+          </a:effectRef>
+          <a:fontRef idx="minor">
+            <a:schemeClr val="tx1"/>
+          </a:fontRef>
+        </p:style>
+      </p:cxnSp>
+      <p:sp>
+        <p:nvSpPr>
+          <p:cNvPr id="164" name="TextBox 163">
+            <a:extLst>
+              <a:ext uri="{FF2B5EF4-FFF2-40B4-BE49-F238E27FC236}">
+                <a16:creationId xmlns:a16="http://schemas.microsoft.com/office/drawing/2014/main" id="{21583BDC-83B6-4D0D-A812-A3E73AC8DF57}"/>
+              </a:ext>
+            </a:extLst>
+          </p:cNvPr>
+          <p:cNvSpPr txBox="1"/>
+          <p:nvPr/>
+        </p:nvSpPr>
+        <p:spPr>
+          <a:xfrm>
+            <a:off x="7933395" y="4168822"/>
+            <a:ext cx="622286" cy="369332"/>
+          </a:xfrm>
+          <a:prstGeom prst="rect">
+            <a:avLst/>
+          </a:prstGeom>
+          <a:noFill/>
+        </p:spPr>
+        <p:txBody>
+          <a:bodyPr wrap="none" rtlCol="0">
+            <a:spAutoFit/>
+          </a:bodyPr>
+          <a:lstStyle/>
+          <a:p>
+            <a:pPr algn="ctr"/>
+            <a:r>
+              <a:rPr lang="en-US" dirty="0"/>
+              <a:t>GND</a:t>
+            </a:r>
+          </a:p>
+        </p:txBody>
+      </p:sp>
+      <p:cxnSp>
+        <p:nvCxnSpPr>
+          <p:cNvPr id="165" name="Straight Arrow Connector 164">
+            <a:extLst>
+              <a:ext uri="{FF2B5EF4-FFF2-40B4-BE49-F238E27FC236}">
+                <a16:creationId xmlns:a16="http://schemas.microsoft.com/office/drawing/2014/main" id="{0BCED14D-ED2D-43BB-A85E-AAC6D1614371}"/>
+              </a:ext>
+            </a:extLst>
+          </p:cNvPr>
+          <p:cNvCxnSpPr>
+            <a:cxnSpLocks/>
+          </p:cNvCxnSpPr>
+          <p:nvPr/>
+        </p:nvCxnSpPr>
+        <p:spPr>
+          <a:xfrm>
+            <a:off x="7194278" y="5449051"/>
+            <a:ext cx="360566" cy="0"/>
+          </a:xfrm>
+          <a:prstGeom prst="straightConnector1">
+            <a:avLst/>
+          </a:prstGeom>
+          <a:ln w="38100">
+            <a:solidFill>
+              <a:schemeClr val="tx1"/>
+            </a:solidFill>
+            <a:tailEnd type="triangle"/>
+          </a:ln>
+        </p:spPr>
+        <p:style>
+          <a:lnRef idx="1">
+            <a:schemeClr val="accent1"/>
+          </a:lnRef>
+          <a:fillRef idx="0">
+            <a:schemeClr val="accent1"/>
+          </a:fillRef>
+          <a:effectRef idx="0">
+            <a:schemeClr val="accent1"/>
+          </a:effectRef>
+          <a:fontRef idx="minor">
+            <a:schemeClr val="tx1"/>
+          </a:fontRef>
+        </p:style>
+      </p:cxnSp>
+      <p:sp>
+        <p:nvSpPr>
+          <p:cNvPr id="166" name="TextBox 165">
+            <a:extLst>
+              <a:ext uri="{FF2B5EF4-FFF2-40B4-BE49-F238E27FC236}">
+                <a16:creationId xmlns:a16="http://schemas.microsoft.com/office/drawing/2014/main" id="{E6C59402-9C98-411A-B28A-F6D31A18011C}"/>
+              </a:ext>
+            </a:extLst>
+          </p:cNvPr>
+          <p:cNvSpPr txBox="1"/>
+          <p:nvPr/>
+        </p:nvSpPr>
+        <p:spPr>
+          <a:xfrm>
+            <a:off x="6672101" y="5260645"/>
+            <a:ext cx="548547" cy="369332"/>
+          </a:xfrm>
+          <a:prstGeom prst="rect">
+            <a:avLst/>
+          </a:prstGeom>
+          <a:noFill/>
+        </p:spPr>
+        <p:txBody>
+          <a:bodyPr wrap="none" rtlCol="0">
+            <a:spAutoFit/>
+          </a:bodyPr>
+          <a:lstStyle/>
+          <a:p>
+            <a:pPr algn="ctr"/>
+            <a:r>
+              <a:rPr lang="en-US" dirty="0"/>
+              <a:t>+5V</a:t>
+            </a:r>
+          </a:p>
+        </p:txBody>
+      </p:sp>
+      <p:sp>
+        <p:nvSpPr>
+          <p:cNvPr id="168" name="TextBox 167">
+            <a:extLst>
+              <a:ext uri="{FF2B5EF4-FFF2-40B4-BE49-F238E27FC236}">
+                <a16:creationId xmlns:a16="http://schemas.microsoft.com/office/drawing/2014/main" id="{60D3AE07-FDF0-4D98-9EDC-9B3560B10CC2}"/>
+              </a:ext>
+            </a:extLst>
+          </p:cNvPr>
+          <p:cNvSpPr txBox="1"/>
+          <p:nvPr/>
+        </p:nvSpPr>
+        <p:spPr>
+          <a:xfrm>
+            <a:off x="6634637" y="6111400"/>
+            <a:ext cx="622286" cy="369332"/>
+          </a:xfrm>
+          <a:prstGeom prst="rect">
+            <a:avLst/>
+          </a:prstGeom>
+          <a:noFill/>
+        </p:spPr>
+        <p:txBody>
+          <a:bodyPr wrap="none" rtlCol="0">
+            <a:spAutoFit/>
+          </a:bodyPr>
+          <a:lstStyle/>
+          <a:p>
+            <a:pPr algn="ctr"/>
+            <a:r>
+              <a:rPr lang="en-US" dirty="0"/>
+              <a:t>GND</a:t>
+            </a:r>
+          </a:p>
+        </p:txBody>
+      </p:sp>
+      <p:sp>
+        <p:nvSpPr>
+          <p:cNvPr id="169" name="TextBox 168">
+            <a:extLst>
+              <a:ext uri="{FF2B5EF4-FFF2-40B4-BE49-F238E27FC236}">
+                <a16:creationId xmlns:a16="http://schemas.microsoft.com/office/drawing/2014/main" id="{C96DEAA3-A934-45F0-9481-254896AC57F4}"/>
+              </a:ext>
+            </a:extLst>
+          </p:cNvPr>
+          <p:cNvSpPr txBox="1"/>
+          <p:nvPr/>
+        </p:nvSpPr>
+        <p:spPr>
+          <a:xfrm>
+            <a:off x="981653" y="3326716"/>
+            <a:ext cx="548547" cy="369332"/>
+          </a:xfrm>
+          <a:prstGeom prst="rect">
+            <a:avLst/>
+          </a:prstGeom>
+          <a:noFill/>
+        </p:spPr>
+        <p:txBody>
+          <a:bodyPr wrap="none" rtlCol="0">
+            <a:spAutoFit/>
+          </a:bodyPr>
+          <a:lstStyle/>
+          <a:p>
+            <a:pPr algn="ctr"/>
+            <a:r>
+              <a:rPr lang="en-US" dirty="0"/>
+              <a:t>+5V</a:t>
+            </a:r>
+          </a:p>
+        </p:txBody>
+      </p:sp>
+      <p:sp>
+        <p:nvSpPr>
+          <p:cNvPr id="170" name="TextBox 169">
+            <a:extLst>
+              <a:ext uri="{FF2B5EF4-FFF2-40B4-BE49-F238E27FC236}">
+                <a16:creationId xmlns:a16="http://schemas.microsoft.com/office/drawing/2014/main" id="{45949659-F10D-4065-B6E1-523DFF64AFF3}"/>
+              </a:ext>
+            </a:extLst>
+          </p:cNvPr>
+          <p:cNvSpPr txBox="1"/>
+          <p:nvPr/>
+        </p:nvSpPr>
+        <p:spPr>
+          <a:xfrm>
+            <a:off x="981652" y="4789353"/>
+            <a:ext cx="548547" cy="369332"/>
+          </a:xfrm>
+          <a:prstGeom prst="rect">
+            <a:avLst/>
+          </a:prstGeom>
+          <a:noFill/>
+        </p:spPr>
+        <p:txBody>
+          <a:bodyPr wrap="none" rtlCol="0">
+            <a:spAutoFit/>
+          </a:bodyPr>
+          <a:lstStyle/>
+          <a:p>
+            <a:pPr algn="ctr"/>
+            <a:r>
+              <a:rPr lang="en-US" dirty="0"/>
+              <a:t>+5V</a:t>
+            </a:r>
+          </a:p>
+        </p:txBody>
+      </p:sp>
+      <p:sp>
+        <p:nvSpPr>
+          <p:cNvPr id="171" name="Rectangle 170">
+            <a:extLst>
+              <a:ext uri="{FF2B5EF4-FFF2-40B4-BE49-F238E27FC236}">
+                <a16:creationId xmlns:a16="http://schemas.microsoft.com/office/drawing/2014/main" id="{D23A42A3-CF56-48ED-8BD9-601D7A3E894B}"/>
+              </a:ext>
+            </a:extLst>
+          </p:cNvPr>
+          <p:cNvSpPr/>
+          <p:nvPr/>
+        </p:nvSpPr>
+        <p:spPr>
+          <a:xfrm>
+            <a:off x="126770" y="2218178"/>
+            <a:ext cx="1283044" cy="996633"/>
+          </a:xfrm>
+          <a:prstGeom prst="rect">
+            <a:avLst/>
+          </a:prstGeom>
+          <a:noFill/>
+          <a:ln w="38100">
+            <a:solidFill>
+              <a:schemeClr val="tx1"/>
+            </a:solidFill>
+            <a:prstDash val="solid"/>
+          </a:ln>
+        </p:spPr>
+        <p:style>
+          <a:lnRef idx="2">
+            <a:schemeClr val="accent1">
+              <a:shade val="50000"/>
+            </a:schemeClr>
+          </a:lnRef>
+          <a:fillRef idx="1">
+            <a:schemeClr val="accent1"/>
+          </a:fillRef>
+          <a:effectRef idx="0">
+            <a:schemeClr val="accent1"/>
+          </a:effectRef>
+          <a:fontRef idx="minor">
+            <a:schemeClr val="lt1"/>
+          </a:fontRef>
+        </p:style>
+        <p:txBody>
+          <a:bodyPr rtlCol="0" anchor="ctr"/>
+          <a:lstStyle/>
+          <a:p>
+            <a:pPr algn="ctr"/>
+            <a:r>
+              <a:rPr lang="en-US" b="1" dirty="0">
+                <a:solidFill>
+                  <a:schemeClr val="tx1"/>
+                </a:solidFill>
+              </a:rPr>
+              <a:t>SD</a:t>
+            </a:r>
+          </a:p>
+        </p:txBody>
+      </p:sp>
+      <p:cxnSp>
+        <p:nvCxnSpPr>
+          <p:cNvPr id="172" name="Straight Arrow Connector 171">
+            <a:extLst>
+              <a:ext uri="{FF2B5EF4-FFF2-40B4-BE49-F238E27FC236}">
+                <a16:creationId xmlns:a16="http://schemas.microsoft.com/office/drawing/2014/main" id="{F97DB135-99F0-4D14-87D0-35873F8C2A76}"/>
+              </a:ext>
+            </a:extLst>
+          </p:cNvPr>
+          <p:cNvCxnSpPr>
+            <a:cxnSpLocks/>
+          </p:cNvCxnSpPr>
+          <p:nvPr/>
+        </p:nvCxnSpPr>
+        <p:spPr>
+          <a:xfrm>
+            <a:off x="1687387" y="1626044"/>
+            <a:ext cx="382180" cy="0"/>
+          </a:xfrm>
+          <a:prstGeom prst="straightConnector1">
+            <a:avLst/>
+          </a:prstGeom>
+          <a:ln w="38100">
+            <a:solidFill>
+              <a:schemeClr val="tx1"/>
+            </a:solidFill>
+            <a:tailEnd type="triangle"/>
+          </a:ln>
+        </p:spPr>
+        <p:style>
+          <a:lnRef idx="1">
+            <a:schemeClr val="accent1"/>
+          </a:lnRef>
+          <a:fillRef idx="0">
+            <a:schemeClr val="accent1"/>
+          </a:fillRef>
+          <a:effectRef idx="0">
+            <a:schemeClr val="accent1"/>
+          </a:effectRef>
+          <a:fontRef idx="minor">
+            <a:schemeClr val="tx1"/>
+          </a:fontRef>
+        </p:style>
+      </p:cxnSp>
+      <p:sp>
+        <p:nvSpPr>
+          <p:cNvPr id="173" name="TextBox 172">
+            <a:extLst>
+              <a:ext uri="{FF2B5EF4-FFF2-40B4-BE49-F238E27FC236}">
+                <a16:creationId xmlns:a16="http://schemas.microsoft.com/office/drawing/2014/main" id="{B6F27E45-63BB-4A7C-96EB-C2FDD45A993B}"/>
+              </a:ext>
+            </a:extLst>
+          </p:cNvPr>
+          <p:cNvSpPr txBox="1"/>
+          <p:nvPr/>
+        </p:nvSpPr>
+        <p:spPr>
+          <a:xfrm>
+            <a:off x="1130237" y="1441378"/>
+            <a:ext cx="548548" cy="369332"/>
+          </a:xfrm>
+          <a:prstGeom prst="rect">
+            <a:avLst/>
+          </a:prstGeom>
+          <a:noFill/>
+        </p:spPr>
+        <p:txBody>
+          <a:bodyPr wrap="none" rtlCol="0">
+            <a:spAutoFit/>
+          </a:bodyPr>
+          <a:lstStyle/>
+          <a:p>
+            <a:pPr algn="ctr"/>
+            <a:r>
+              <a:rPr lang="en-US" dirty="0"/>
+              <a:t>+9V</a:t>
+            </a:r>
+          </a:p>
+        </p:txBody>
+      </p:sp>
+      <p:cxnSp>
+        <p:nvCxnSpPr>
+          <p:cNvPr id="174" name="Straight Arrow Connector 173">
+            <a:extLst>
+              <a:ext uri="{FF2B5EF4-FFF2-40B4-BE49-F238E27FC236}">
+                <a16:creationId xmlns:a16="http://schemas.microsoft.com/office/drawing/2014/main" id="{655FD4DD-734A-4515-8532-3BC3E4A26298}"/>
+              </a:ext>
+            </a:extLst>
+          </p:cNvPr>
+          <p:cNvCxnSpPr>
+            <a:cxnSpLocks/>
+          </p:cNvCxnSpPr>
+          <p:nvPr/>
+        </p:nvCxnSpPr>
+        <p:spPr>
+          <a:xfrm>
+            <a:off x="1687387" y="1943962"/>
+            <a:ext cx="382180" cy="0"/>
+          </a:xfrm>
+          <a:prstGeom prst="straightConnector1">
+            <a:avLst/>
+          </a:prstGeom>
+          <a:ln w="38100">
+            <a:solidFill>
+              <a:schemeClr val="tx1"/>
+            </a:solidFill>
+            <a:tailEnd type="triangle"/>
+          </a:ln>
+        </p:spPr>
+        <p:style>
+          <a:lnRef idx="1">
+            <a:schemeClr val="accent1"/>
+          </a:lnRef>
+          <a:fillRef idx="0">
+            <a:schemeClr val="accent1"/>
+          </a:fillRef>
+          <a:effectRef idx="0">
+            <a:schemeClr val="accent1"/>
+          </a:effectRef>
+          <a:fontRef idx="minor">
+            <a:schemeClr val="tx1"/>
+          </a:fontRef>
+        </p:style>
+      </p:cxnSp>
+      <p:sp>
+        <p:nvSpPr>
+          <p:cNvPr id="175" name="TextBox 174">
+            <a:extLst>
+              <a:ext uri="{FF2B5EF4-FFF2-40B4-BE49-F238E27FC236}">
+                <a16:creationId xmlns:a16="http://schemas.microsoft.com/office/drawing/2014/main" id="{4EA6141E-83F1-43C7-A30D-2CB6DB475424}"/>
+              </a:ext>
+            </a:extLst>
+          </p:cNvPr>
+          <p:cNvSpPr txBox="1"/>
+          <p:nvPr/>
+        </p:nvSpPr>
+        <p:spPr>
+          <a:xfrm>
+            <a:off x="1093368" y="1759296"/>
+            <a:ext cx="622286" cy="369332"/>
+          </a:xfrm>
+          <a:prstGeom prst="rect">
+            <a:avLst/>
+          </a:prstGeom>
+          <a:noFill/>
+        </p:spPr>
+        <p:txBody>
+          <a:bodyPr wrap="none" rtlCol="0">
+            <a:spAutoFit/>
+          </a:bodyPr>
+          <a:lstStyle/>
+          <a:p>
+            <a:pPr algn="ctr"/>
+            <a:r>
+              <a:rPr lang="en-US" dirty="0"/>
+              <a:t>GND</a:t>
+            </a:r>
+          </a:p>
+        </p:txBody>
+      </p:sp>
+      <p:cxnSp>
+        <p:nvCxnSpPr>
+          <p:cNvPr id="192" name="Straight Arrow Connector 191">
+            <a:extLst>
+              <a:ext uri="{FF2B5EF4-FFF2-40B4-BE49-F238E27FC236}">
+                <a16:creationId xmlns:a16="http://schemas.microsoft.com/office/drawing/2014/main" id="{2EEE8CDD-8C05-4D6C-ABA6-DDE30810DA1F}"/>
+              </a:ext>
+            </a:extLst>
+          </p:cNvPr>
+          <p:cNvCxnSpPr>
+            <a:cxnSpLocks/>
+          </p:cNvCxnSpPr>
+          <p:nvPr/>
+        </p:nvCxnSpPr>
+        <p:spPr>
+          <a:xfrm>
+            <a:off x="7194278" y="6296066"/>
+            <a:ext cx="360566" cy="0"/>
+          </a:xfrm>
+          <a:prstGeom prst="straightConnector1">
+            <a:avLst/>
+          </a:prstGeom>
+          <a:ln w="38100">
+            <a:solidFill>
+              <a:schemeClr val="tx1"/>
+            </a:solidFill>
+            <a:tailEnd type="triangle"/>
+          </a:ln>
+        </p:spPr>
+        <p:style>
+          <a:lnRef idx="1">
+            <a:schemeClr val="accent1"/>
+          </a:lnRef>
+          <a:fillRef idx="0">
+            <a:schemeClr val="accent1"/>
+          </a:fillRef>
+          <a:effectRef idx="0">
+            <a:schemeClr val="accent1"/>
+          </a:effectRef>
+          <a:fontRef idx="minor">
+            <a:schemeClr val="tx1"/>
+          </a:fontRef>
+        </p:style>
+      </p:cxnSp>
+      <p:sp>
+        <p:nvSpPr>
+          <p:cNvPr id="198" name="TextBox 197">
+            <a:extLst>
+              <a:ext uri="{FF2B5EF4-FFF2-40B4-BE49-F238E27FC236}">
+                <a16:creationId xmlns:a16="http://schemas.microsoft.com/office/drawing/2014/main" id="{F7A53BF6-BA02-4000-B356-41A722DBD65A}"/>
+              </a:ext>
+            </a:extLst>
+          </p:cNvPr>
+          <p:cNvSpPr txBox="1"/>
+          <p:nvPr/>
+        </p:nvSpPr>
+        <p:spPr>
+          <a:xfrm>
+            <a:off x="8724231" y="5440876"/>
+            <a:ext cx="602857" cy="338554"/>
+          </a:xfrm>
+          <a:prstGeom prst="rect">
+            <a:avLst/>
+          </a:prstGeom>
+          <a:noFill/>
+        </p:spPr>
+        <p:txBody>
+          <a:bodyPr wrap="none" rtlCol="0">
+            <a:spAutoFit/>
+          </a:bodyPr>
+          <a:lstStyle/>
+          <a:p>
+            <a:r>
+              <a:rPr lang="en-SG" sz="1600" dirty="0"/>
+              <a:t>COM</a:t>
+            </a:r>
+          </a:p>
+        </p:txBody>
+      </p:sp>
+      <p:sp>
+        <p:nvSpPr>
+          <p:cNvPr id="201" name="TextBox 200">
+            <a:extLst>
+              <a:ext uri="{FF2B5EF4-FFF2-40B4-BE49-F238E27FC236}">
+                <a16:creationId xmlns:a16="http://schemas.microsoft.com/office/drawing/2014/main" id="{2683EB18-D2A7-4F04-A042-A54A1A5C4F2C}"/>
+              </a:ext>
+            </a:extLst>
+          </p:cNvPr>
+          <p:cNvSpPr txBox="1"/>
+          <p:nvPr/>
+        </p:nvSpPr>
+        <p:spPr>
+          <a:xfrm>
+            <a:off x="8824885" y="5797468"/>
+            <a:ext cx="453970" cy="338554"/>
+          </a:xfrm>
+          <a:prstGeom prst="rect">
+            <a:avLst/>
+          </a:prstGeom>
+          <a:noFill/>
+        </p:spPr>
+        <p:txBody>
+          <a:bodyPr wrap="none" rtlCol="0">
+            <a:spAutoFit/>
+          </a:bodyPr>
+          <a:lstStyle/>
+          <a:p>
+            <a:r>
+              <a:rPr lang="en-SG" sz="1600" dirty="0"/>
+              <a:t>NO</a:t>
+            </a:r>
+          </a:p>
+        </p:txBody>
+      </p:sp>
+      <p:sp>
+        <p:nvSpPr>
+          <p:cNvPr id="202" name="TextBox 201">
+            <a:extLst>
+              <a:ext uri="{FF2B5EF4-FFF2-40B4-BE49-F238E27FC236}">
+                <a16:creationId xmlns:a16="http://schemas.microsoft.com/office/drawing/2014/main" id="{2373893D-D5AD-4B38-BDC3-5FAD4D6C7298}"/>
+              </a:ext>
+            </a:extLst>
+          </p:cNvPr>
+          <p:cNvSpPr txBox="1"/>
+          <p:nvPr/>
+        </p:nvSpPr>
+        <p:spPr>
+          <a:xfrm>
+            <a:off x="9588132" y="5410098"/>
+            <a:ext cx="665567" cy="369332"/>
+          </a:xfrm>
+          <a:prstGeom prst="rect">
+            <a:avLst/>
+          </a:prstGeom>
+          <a:noFill/>
+        </p:spPr>
+        <p:txBody>
+          <a:bodyPr wrap="none" rtlCol="0">
+            <a:spAutoFit/>
+          </a:bodyPr>
+          <a:lstStyle/>
+          <a:p>
+            <a:pPr algn="ctr"/>
+            <a:r>
+              <a:rPr lang="en-US" dirty="0"/>
+              <a:t>+24V</a:t>
+            </a:r>
+          </a:p>
+        </p:txBody>
+      </p:sp>
+      <p:cxnSp>
+        <p:nvCxnSpPr>
+          <p:cNvPr id="204" name="Straight Arrow Connector 203">
+            <a:extLst>
+              <a:ext uri="{FF2B5EF4-FFF2-40B4-BE49-F238E27FC236}">
+                <a16:creationId xmlns:a16="http://schemas.microsoft.com/office/drawing/2014/main" id="{15205418-5393-479D-8A27-EC4E7C21C6C1}"/>
+              </a:ext>
+            </a:extLst>
+          </p:cNvPr>
+          <p:cNvCxnSpPr>
+            <a:cxnSpLocks/>
+          </p:cNvCxnSpPr>
+          <p:nvPr/>
+        </p:nvCxnSpPr>
+        <p:spPr>
+          <a:xfrm flipH="1">
+            <a:off x="9318059" y="5594764"/>
+            <a:ext cx="314936" cy="0"/>
+          </a:xfrm>
+          <a:prstGeom prst="straightConnector1">
+            <a:avLst/>
+          </a:prstGeom>
+          <a:ln w="38100">
+            <a:solidFill>
+              <a:schemeClr val="tx1"/>
+            </a:solidFill>
+            <a:tailEnd type="triangle"/>
+          </a:ln>
+        </p:spPr>
+        <p:style>
+          <a:lnRef idx="1">
+            <a:schemeClr val="accent1"/>
+          </a:lnRef>
+          <a:fillRef idx="0">
+            <a:schemeClr val="accent1"/>
+          </a:fillRef>
+          <a:effectRef idx="0">
+            <a:schemeClr val="accent1"/>
+          </a:effectRef>
+          <a:fontRef idx="minor">
+            <a:schemeClr val="tx1"/>
+          </a:fontRef>
+        </p:style>
+      </p:cxnSp>
+      <p:cxnSp>
+        <p:nvCxnSpPr>
+          <p:cNvPr id="205" name="Straight Arrow Connector 204">
+            <a:extLst>
+              <a:ext uri="{FF2B5EF4-FFF2-40B4-BE49-F238E27FC236}">
+                <a16:creationId xmlns:a16="http://schemas.microsoft.com/office/drawing/2014/main" id="{D15E65C4-0826-48E9-9502-FED1573434D8}"/>
+              </a:ext>
+            </a:extLst>
+          </p:cNvPr>
+          <p:cNvCxnSpPr>
+            <a:cxnSpLocks/>
+          </p:cNvCxnSpPr>
+          <p:nvPr/>
+        </p:nvCxnSpPr>
+        <p:spPr>
+          <a:xfrm>
+            <a:off x="9307724" y="5969013"/>
+            <a:ext cx="1150487" cy="0"/>
+          </a:xfrm>
+          <a:prstGeom prst="straightConnector1">
+            <a:avLst/>
+          </a:prstGeom>
+          <a:ln w="38100">
+            <a:solidFill>
+              <a:schemeClr val="tx1"/>
+            </a:solidFill>
+            <a:tailEnd type="triangle"/>
+          </a:ln>
+        </p:spPr>
+        <p:style>
+          <a:lnRef idx="1">
+            <a:schemeClr val="accent1"/>
+          </a:lnRef>
+          <a:fillRef idx="0">
+            <a:schemeClr val="accent1"/>
+          </a:fillRef>
+          <a:effectRef idx="0">
+            <a:schemeClr val="accent1"/>
+          </a:effectRef>
+          <a:fontRef idx="minor">
+            <a:schemeClr val="tx1"/>
+          </a:fontRef>
+        </p:style>
+      </p:cxnSp>
+      <p:sp>
+        <p:nvSpPr>
+          <p:cNvPr id="206" name="TextBox 205">
+            <a:extLst>
+              <a:ext uri="{FF2B5EF4-FFF2-40B4-BE49-F238E27FC236}">
+                <a16:creationId xmlns:a16="http://schemas.microsoft.com/office/drawing/2014/main" id="{3496F6AF-7468-4C5F-8D27-BF803F10B3C4}"/>
+              </a:ext>
+            </a:extLst>
+          </p:cNvPr>
+          <p:cNvSpPr txBox="1"/>
+          <p:nvPr/>
+        </p:nvSpPr>
+        <p:spPr>
+          <a:xfrm>
+            <a:off x="9554362" y="5999525"/>
+            <a:ext cx="622286" cy="369332"/>
+          </a:xfrm>
+          <a:prstGeom prst="rect">
+            <a:avLst/>
+          </a:prstGeom>
+          <a:noFill/>
+        </p:spPr>
+        <p:txBody>
+          <a:bodyPr wrap="none" rtlCol="0">
+            <a:spAutoFit/>
+          </a:bodyPr>
+          <a:lstStyle/>
+          <a:p>
+            <a:pPr algn="ctr"/>
+            <a:r>
+              <a:rPr lang="en-US" dirty="0"/>
+              <a:t>GND</a:t>
+            </a:r>
+          </a:p>
+        </p:txBody>
+      </p:sp>
+      <p:cxnSp>
+        <p:nvCxnSpPr>
+          <p:cNvPr id="207" name="Straight Arrow Connector 206">
+            <a:extLst>
+              <a:ext uri="{FF2B5EF4-FFF2-40B4-BE49-F238E27FC236}">
+                <a16:creationId xmlns:a16="http://schemas.microsoft.com/office/drawing/2014/main" id="{94C97408-1C1C-4758-9DAA-CCCA910F5D4C}"/>
+              </a:ext>
+            </a:extLst>
+          </p:cNvPr>
+          <p:cNvCxnSpPr>
+            <a:cxnSpLocks/>
+          </p:cNvCxnSpPr>
+          <p:nvPr/>
+        </p:nvCxnSpPr>
+        <p:spPr>
+          <a:xfrm>
+            <a:off x="10108904" y="6184191"/>
+            <a:ext cx="391436" cy="0"/>
+          </a:xfrm>
+          <a:prstGeom prst="straightConnector1">
+            <a:avLst/>
+          </a:prstGeom>
+          <a:ln w="38100">
+            <a:solidFill>
+              <a:schemeClr val="tx1"/>
+            </a:solidFill>
+            <a:tailEnd type="triangle"/>
+          </a:ln>
+        </p:spPr>
+        <p:style>
+          <a:lnRef idx="1">
+            <a:schemeClr val="accent1"/>
+          </a:lnRef>
+          <a:fillRef idx="0">
+            <a:schemeClr val="accent1"/>
+          </a:fillRef>
+          <a:effectRef idx="0">
+            <a:schemeClr val="accent1"/>
+          </a:effectRef>
+          <a:fontRef idx="minor">
+            <a:schemeClr val="tx1"/>
+          </a:fontRef>
+        </p:style>
+      </p:cxnSp>
+      <p:sp>
+        <p:nvSpPr>
+          <p:cNvPr id="208" name="Rectangle 207">
+            <a:extLst>
+              <a:ext uri="{FF2B5EF4-FFF2-40B4-BE49-F238E27FC236}">
+                <a16:creationId xmlns:a16="http://schemas.microsoft.com/office/drawing/2014/main" id="{DC4B1438-95E6-4431-8BB0-AFC6715AAED8}"/>
+              </a:ext>
+            </a:extLst>
+          </p:cNvPr>
+          <p:cNvSpPr/>
+          <p:nvPr/>
+        </p:nvSpPr>
+        <p:spPr>
+          <a:xfrm>
+            <a:off x="10487080" y="5440876"/>
+            <a:ext cx="1222258" cy="954285"/>
+          </a:xfrm>
+          <a:prstGeom prst="rect">
+            <a:avLst/>
+          </a:prstGeom>
+          <a:noFill/>
+          <a:ln w="38100">
+            <a:solidFill>
+              <a:schemeClr val="tx1"/>
+            </a:solidFill>
+          </a:ln>
+        </p:spPr>
+        <p:style>
+          <a:lnRef idx="2">
+            <a:schemeClr val="accent1">
+              <a:shade val="50000"/>
+            </a:schemeClr>
+          </a:lnRef>
+          <a:fillRef idx="1">
+            <a:schemeClr val="accent1"/>
+          </a:fillRef>
+          <a:effectRef idx="0">
+            <a:schemeClr val="accent1"/>
+          </a:effectRef>
+          <a:fontRef idx="minor">
+            <a:schemeClr val="lt1"/>
+          </a:fontRef>
+        </p:style>
+        <p:txBody>
+          <a:bodyPr rtlCol="0" anchor="ctr"/>
+          <a:lstStyle/>
+          <a:p>
+            <a:pPr algn="ctr"/>
+            <a:r>
+              <a:rPr lang="en-SG" b="1" dirty="0">
+                <a:solidFill>
+                  <a:schemeClr val="tx1"/>
+                </a:solidFill>
+              </a:rPr>
+              <a:t>Solenoid</a:t>
+            </a:r>
+          </a:p>
+          <a:p>
+            <a:pPr algn="ctr"/>
+            <a:r>
+              <a:rPr lang="en-SG" b="1" dirty="0">
+                <a:solidFill>
+                  <a:schemeClr val="tx1"/>
+                </a:solidFill>
+              </a:rPr>
+              <a:t>Valve</a:t>
+            </a:r>
+            <a:endParaRPr lang="en-US" b="1" dirty="0">
+              <a:solidFill>
+                <a:schemeClr val="tx1"/>
+              </a:solidFill>
+            </a:endParaRPr>
+          </a:p>
+        </p:txBody>
+      </p:sp>
+      <p:cxnSp>
+        <p:nvCxnSpPr>
+          <p:cNvPr id="126" name="Straight Arrow Connector 125">
+            <a:extLst>
+              <a:ext uri="{FF2B5EF4-FFF2-40B4-BE49-F238E27FC236}">
+                <a16:creationId xmlns:a16="http://schemas.microsoft.com/office/drawing/2014/main" id="{278F078C-F413-49DB-9242-45C53C5D6230}"/>
+              </a:ext>
+            </a:extLst>
+          </p:cNvPr>
+          <p:cNvCxnSpPr>
+            <a:cxnSpLocks/>
+          </p:cNvCxnSpPr>
+          <p:nvPr/>
+        </p:nvCxnSpPr>
+        <p:spPr>
+          <a:xfrm>
+            <a:off x="6801056" y="1456493"/>
+            <a:ext cx="382180" cy="0"/>
+          </a:xfrm>
+          <a:prstGeom prst="straightConnector1">
+            <a:avLst/>
+          </a:prstGeom>
+          <a:ln w="38100">
+            <a:solidFill>
+              <a:schemeClr val="tx1"/>
+            </a:solidFill>
+            <a:tailEnd type="triangle"/>
+          </a:ln>
+        </p:spPr>
+        <p:style>
+          <a:lnRef idx="1">
+            <a:schemeClr val="accent1"/>
+          </a:lnRef>
+          <a:fillRef idx="0">
+            <a:schemeClr val="accent1"/>
+          </a:fillRef>
+          <a:effectRef idx="0">
+            <a:schemeClr val="accent1"/>
+          </a:effectRef>
+          <a:fontRef idx="minor">
+            <a:schemeClr val="tx1"/>
+          </a:fontRef>
+        </p:style>
+      </p:cxnSp>
+      <p:sp>
+        <p:nvSpPr>
+          <p:cNvPr id="127" name="TextBox 126">
+            <a:extLst>
+              <a:ext uri="{FF2B5EF4-FFF2-40B4-BE49-F238E27FC236}">
+                <a16:creationId xmlns:a16="http://schemas.microsoft.com/office/drawing/2014/main" id="{04737E8B-C4DA-4A13-9657-1391232F25A6}"/>
+              </a:ext>
+            </a:extLst>
+          </p:cNvPr>
+          <p:cNvSpPr txBox="1"/>
+          <p:nvPr/>
+        </p:nvSpPr>
+        <p:spPr>
+          <a:xfrm>
+            <a:off x="6243906" y="1271827"/>
+            <a:ext cx="548548" cy="369332"/>
+          </a:xfrm>
+          <a:prstGeom prst="rect">
+            <a:avLst/>
+          </a:prstGeom>
+          <a:noFill/>
+        </p:spPr>
+        <p:txBody>
+          <a:bodyPr wrap="none" rtlCol="0">
+            <a:spAutoFit/>
+          </a:bodyPr>
+          <a:lstStyle/>
+          <a:p>
+            <a:pPr algn="ctr"/>
+            <a:r>
+              <a:rPr lang="en-US" dirty="0"/>
+              <a:t>+5V</a:t>
+            </a:r>
+          </a:p>
+        </p:txBody>
+      </p:sp>
+      <p:cxnSp>
+        <p:nvCxnSpPr>
+          <p:cNvPr id="129" name="Straight Arrow Connector 128">
+            <a:extLst>
+              <a:ext uri="{FF2B5EF4-FFF2-40B4-BE49-F238E27FC236}">
+                <a16:creationId xmlns:a16="http://schemas.microsoft.com/office/drawing/2014/main" id="{193E38E7-FDF9-4DE6-A9A7-4BF6385F9269}"/>
+              </a:ext>
+            </a:extLst>
+          </p:cNvPr>
+          <p:cNvCxnSpPr>
+            <a:cxnSpLocks/>
+          </p:cNvCxnSpPr>
+          <p:nvPr/>
+        </p:nvCxnSpPr>
+        <p:spPr>
+          <a:xfrm>
+            <a:off x="6792454" y="2703264"/>
+            <a:ext cx="382180" cy="0"/>
+          </a:xfrm>
+          <a:prstGeom prst="straightConnector1">
+            <a:avLst/>
+          </a:prstGeom>
+          <a:ln w="38100">
+            <a:solidFill>
+              <a:schemeClr val="tx1"/>
+            </a:solidFill>
+            <a:tailEnd type="triangle"/>
+          </a:ln>
+        </p:spPr>
+        <p:style>
+          <a:lnRef idx="1">
+            <a:schemeClr val="accent1"/>
+          </a:lnRef>
+          <a:fillRef idx="0">
+            <a:schemeClr val="accent1"/>
+          </a:fillRef>
+          <a:effectRef idx="0">
+            <a:schemeClr val="accent1"/>
+          </a:effectRef>
+          <a:fontRef idx="minor">
+            <a:schemeClr val="tx1"/>
+          </a:fontRef>
+        </p:style>
+      </p:cxnSp>
+      <p:sp>
+        <p:nvSpPr>
+          <p:cNvPr id="130" name="TextBox 129">
+            <a:extLst>
+              <a:ext uri="{FF2B5EF4-FFF2-40B4-BE49-F238E27FC236}">
+                <a16:creationId xmlns:a16="http://schemas.microsoft.com/office/drawing/2014/main" id="{DF20A006-4A1F-4BFB-857E-2C123CD94796}"/>
+              </a:ext>
+            </a:extLst>
+          </p:cNvPr>
+          <p:cNvSpPr txBox="1"/>
+          <p:nvPr/>
+        </p:nvSpPr>
+        <p:spPr>
+          <a:xfrm>
+            <a:off x="6198435" y="2518598"/>
+            <a:ext cx="622286" cy="369332"/>
+          </a:xfrm>
+          <a:prstGeom prst="rect">
+            <a:avLst/>
+          </a:prstGeom>
+          <a:noFill/>
+        </p:spPr>
+        <p:txBody>
+          <a:bodyPr wrap="none" rtlCol="0">
+            <a:spAutoFit/>
+          </a:bodyPr>
+          <a:lstStyle/>
+          <a:p>
+            <a:pPr algn="ctr"/>
+            <a:r>
+              <a:rPr lang="en-US" dirty="0"/>
+              <a:t>GND</a:t>
+            </a:r>
+          </a:p>
+        </p:txBody>
+      </p:sp>
+      <p:sp>
+        <p:nvSpPr>
+          <p:cNvPr id="107" name="TextBox 106">
+            <a:extLst>
+              <a:ext uri="{FF2B5EF4-FFF2-40B4-BE49-F238E27FC236}">
+                <a16:creationId xmlns:a16="http://schemas.microsoft.com/office/drawing/2014/main" id="{658C4B58-AF91-4DBB-B975-BB8F7503E7CB}"/>
+              </a:ext>
+            </a:extLst>
+          </p:cNvPr>
+          <p:cNvSpPr txBox="1"/>
+          <p:nvPr/>
+        </p:nvSpPr>
+        <p:spPr>
+          <a:xfrm>
+            <a:off x="7189722" y="2290509"/>
+            <a:ext cx="447558" cy="338554"/>
+          </a:xfrm>
+          <a:prstGeom prst="rect">
+            <a:avLst/>
+          </a:prstGeom>
+          <a:noFill/>
+        </p:spPr>
+        <p:txBody>
+          <a:bodyPr wrap="none" rtlCol="0">
+            <a:spAutoFit/>
+          </a:bodyPr>
+          <a:lstStyle/>
+          <a:p>
+            <a:r>
+              <a:rPr lang="en-US" sz="1600" dirty="0"/>
+              <a:t>DO</a:t>
+            </a:r>
+            <a:endParaRPr lang="en-SG" sz="1600" dirty="0"/>
+          </a:p>
+        </p:txBody>
+      </p:sp>
+      <p:sp>
+        <p:nvSpPr>
+          <p:cNvPr id="108" name="TextBox 107">
+            <a:extLst>
+              <a:ext uri="{FF2B5EF4-FFF2-40B4-BE49-F238E27FC236}">
+                <a16:creationId xmlns:a16="http://schemas.microsoft.com/office/drawing/2014/main" id="{1C2EAB91-F874-4CEA-B8F0-862BBEFCF6A0}"/>
+              </a:ext>
+            </a:extLst>
+          </p:cNvPr>
+          <p:cNvSpPr txBox="1"/>
+          <p:nvPr/>
+        </p:nvSpPr>
+        <p:spPr>
+          <a:xfrm>
+            <a:off x="7183959" y="1823992"/>
+            <a:ext cx="362600" cy="338554"/>
+          </a:xfrm>
+          <a:prstGeom prst="rect">
+            <a:avLst/>
+          </a:prstGeom>
+          <a:noFill/>
+        </p:spPr>
+        <p:txBody>
+          <a:bodyPr wrap="none" rtlCol="0">
+            <a:spAutoFit/>
+          </a:bodyPr>
+          <a:lstStyle/>
+          <a:p>
+            <a:r>
+              <a:rPr lang="en-US" sz="1600" dirty="0"/>
+              <a:t>DI</a:t>
+            </a:r>
+            <a:endParaRPr lang="en-SG" sz="1600" dirty="0"/>
+          </a:p>
+        </p:txBody>
+      </p:sp>
+      <p:sp>
+        <p:nvSpPr>
+          <p:cNvPr id="111" name="TextBox 110">
+            <a:extLst>
+              <a:ext uri="{FF2B5EF4-FFF2-40B4-BE49-F238E27FC236}">
+                <a16:creationId xmlns:a16="http://schemas.microsoft.com/office/drawing/2014/main" id="{FED7A168-45ED-48E4-B7BF-C6C720FCF81F}"/>
+              </a:ext>
+            </a:extLst>
+          </p:cNvPr>
+          <p:cNvSpPr txBox="1"/>
+          <p:nvPr/>
+        </p:nvSpPr>
+        <p:spPr>
+          <a:xfrm>
+            <a:off x="5429326" y="1521976"/>
+            <a:ext cx="288862" cy="338554"/>
+          </a:xfrm>
+          <a:prstGeom prst="rect">
+            <a:avLst/>
+          </a:prstGeom>
+          <a:noFill/>
+        </p:spPr>
+        <p:txBody>
+          <a:bodyPr wrap="none" rtlCol="0">
+            <a:spAutoFit/>
+          </a:bodyPr>
+          <a:lstStyle/>
+          <a:p>
+            <a:r>
+              <a:rPr lang="en-SG" sz="1600" dirty="0"/>
+              <a:t>8</a:t>
+            </a:r>
+          </a:p>
+        </p:txBody>
+      </p:sp>
+      <p:cxnSp>
+        <p:nvCxnSpPr>
+          <p:cNvPr id="112" name="Straight Arrow Connector 111">
+            <a:extLst>
+              <a:ext uri="{FF2B5EF4-FFF2-40B4-BE49-F238E27FC236}">
+                <a16:creationId xmlns:a16="http://schemas.microsoft.com/office/drawing/2014/main" id="{05498ED9-B8DC-4DF0-AE72-54FA4059BCBD}"/>
+              </a:ext>
+            </a:extLst>
+          </p:cNvPr>
+          <p:cNvCxnSpPr>
+            <a:cxnSpLocks/>
+          </p:cNvCxnSpPr>
+          <p:nvPr/>
+        </p:nvCxnSpPr>
+        <p:spPr>
+          <a:xfrm flipH="1">
+            <a:off x="5861760" y="1737983"/>
+            <a:ext cx="1327962" cy="0"/>
+          </a:xfrm>
+          <a:prstGeom prst="straightConnector1">
+            <a:avLst/>
+          </a:prstGeom>
+          <a:ln w="38100">
+            <a:solidFill>
+              <a:schemeClr val="tx1"/>
+            </a:solidFill>
+            <a:tailEnd type="triangle"/>
+          </a:ln>
+        </p:spPr>
+        <p:style>
+          <a:lnRef idx="1">
+            <a:schemeClr val="accent1"/>
+          </a:lnRef>
+          <a:fillRef idx="0">
+            <a:schemeClr val="accent1"/>
+          </a:fillRef>
+          <a:effectRef idx="0">
+            <a:schemeClr val="accent1"/>
+          </a:effectRef>
+          <a:fontRef idx="minor">
+            <a:schemeClr val="tx1"/>
+          </a:fontRef>
+        </p:style>
+      </p:cxnSp>
+      <p:sp>
+        <p:nvSpPr>
+          <p:cNvPr id="120" name="TextBox 119">
+            <a:extLst>
+              <a:ext uri="{FF2B5EF4-FFF2-40B4-BE49-F238E27FC236}">
+                <a16:creationId xmlns:a16="http://schemas.microsoft.com/office/drawing/2014/main" id="{ECA929CC-8A1F-4779-B505-809456E2F6EA}"/>
+              </a:ext>
+            </a:extLst>
+          </p:cNvPr>
+          <p:cNvSpPr txBox="1"/>
+          <p:nvPr/>
+        </p:nvSpPr>
+        <p:spPr>
+          <a:xfrm>
+            <a:off x="7183959" y="1567960"/>
+            <a:ext cx="487634" cy="338554"/>
+          </a:xfrm>
+          <a:prstGeom prst="rect">
+            <a:avLst/>
+          </a:prstGeom>
+          <a:noFill/>
+        </p:spPr>
+        <p:txBody>
+          <a:bodyPr wrap="none" rtlCol="0">
+            <a:spAutoFit/>
+          </a:bodyPr>
+          <a:lstStyle/>
+          <a:p>
+            <a:r>
+              <a:rPr lang="en-US" sz="1600" dirty="0"/>
+              <a:t>CLK</a:t>
+            </a:r>
+            <a:endParaRPr lang="en-SG" sz="1600" dirty="0"/>
+          </a:p>
+        </p:txBody>
+      </p:sp>
+      <p:cxnSp>
+        <p:nvCxnSpPr>
+          <p:cNvPr id="131" name="Straight Arrow Connector 130">
+            <a:extLst>
+              <a:ext uri="{FF2B5EF4-FFF2-40B4-BE49-F238E27FC236}">
+                <a16:creationId xmlns:a16="http://schemas.microsoft.com/office/drawing/2014/main" id="{83F67591-DF0D-43EF-8E46-8D2B4B889315}"/>
+              </a:ext>
+            </a:extLst>
+          </p:cNvPr>
+          <p:cNvCxnSpPr>
+            <a:cxnSpLocks/>
+          </p:cNvCxnSpPr>
+          <p:nvPr/>
+        </p:nvCxnSpPr>
+        <p:spPr>
+          <a:xfrm>
+            <a:off x="1416491" y="2382123"/>
+            <a:ext cx="653076" cy="0"/>
+          </a:xfrm>
+          <a:prstGeom prst="straightConnector1">
+            <a:avLst/>
+          </a:prstGeom>
+          <a:ln w="38100">
+            <a:solidFill>
+              <a:schemeClr val="tx1"/>
+            </a:solidFill>
+            <a:tailEnd type="triangle"/>
+          </a:ln>
+        </p:spPr>
+        <p:style>
+          <a:lnRef idx="1">
+            <a:schemeClr val="accent1"/>
+          </a:lnRef>
+          <a:fillRef idx="0">
+            <a:schemeClr val="accent1"/>
+          </a:fillRef>
+          <a:effectRef idx="0">
+            <a:schemeClr val="accent1"/>
+          </a:effectRef>
+          <a:fontRef idx="minor">
+            <a:schemeClr val="tx1"/>
+          </a:fontRef>
+        </p:style>
+      </p:cxnSp>
+      <p:cxnSp>
+        <p:nvCxnSpPr>
+          <p:cNvPr id="132" name="Straight Arrow Connector 131">
+            <a:extLst>
+              <a:ext uri="{FF2B5EF4-FFF2-40B4-BE49-F238E27FC236}">
+                <a16:creationId xmlns:a16="http://schemas.microsoft.com/office/drawing/2014/main" id="{2F0E4DC4-E964-4427-AF38-2BB4B4FF157C}"/>
+              </a:ext>
+            </a:extLst>
+          </p:cNvPr>
+          <p:cNvCxnSpPr>
+            <a:cxnSpLocks/>
+          </p:cNvCxnSpPr>
+          <p:nvPr/>
+        </p:nvCxnSpPr>
+        <p:spPr>
+          <a:xfrm>
+            <a:off x="1423169" y="2598761"/>
+            <a:ext cx="653076" cy="0"/>
+          </a:xfrm>
+          <a:prstGeom prst="straightConnector1">
+            <a:avLst/>
+          </a:prstGeom>
+          <a:ln w="38100">
+            <a:solidFill>
+              <a:schemeClr val="tx1"/>
+            </a:solidFill>
+            <a:tailEnd type="triangle"/>
+          </a:ln>
+        </p:spPr>
+        <p:style>
+          <a:lnRef idx="1">
+            <a:schemeClr val="accent1"/>
+          </a:lnRef>
+          <a:fillRef idx="0">
+            <a:schemeClr val="accent1"/>
+          </a:fillRef>
+          <a:effectRef idx="0">
+            <a:schemeClr val="accent1"/>
+          </a:effectRef>
+          <a:fontRef idx="minor">
+            <a:schemeClr val="tx1"/>
+          </a:fontRef>
+        </p:style>
+      </p:cxnSp>
+      <p:cxnSp>
+        <p:nvCxnSpPr>
+          <p:cNvPr id="133" name="Straight Arrow Connector 132">
+            <a:extLst>
+              <a:ext uri="{FF2B5EF4-FFF2-40B4-BE49-F238E27FC236}">
+                <a16:creationId xmlns:a16="http://schemas.microsoft.com/office/drawing/2014/main" id="{8863889F-7E0B-4936-A799-C934491996B0}"/>
+              </a:ext>
+            </a:extLst>
+          </p:cNvPr>
+          <p:cNvCxnSpPr>
+            <a:cxnSpLocks/>
+          </p:cNvCxnSpPr>
+          <p:nvPr/>
+        </p:nvCxnSpPr>
+        <p:spPr>
+          <a:xfrm>
+            <a:off x="1433345" y="2835579"/>
+            <a:ext cx="653076" cy="0"/>
+          </a:xfrm>
+          <a:prstGeom prst="straightConnector1">
+            <a:avLst/>
+          </a:prstGeom>
+          <a:ln w="38100">
+            <a:solidFill>
+              <a:schemeClr val="tx1"/>
+            </a:solidFill>
+            <a:tailEnd type="triangle"/>
+          </a:ln>
+        </p:spPr>
+        <p:style>
+          <a:lnRef idx="1">
+            <a:schemeClr val="accent1"/>
+          </a:lnRef>
+          <a:fillRef idx="0">
+            <a:schemeClr val="accent1"/>
+          </a:fillRef>
+          <a:effectRef idx="0">
+            <a:schemeClr val="accent1"/>
+          </a:effectRef>
+          <a:fontRef idx="minor">
+            <a:schemeClr val="tx1"/>
+          </a:fontRef>
+        </p:style>
+      </p:cxnSp>
+      <p:cxnSp>
+        <p:nvCxnSpPr>
+          <p:cNvPr id="136" name="Straight Arrow Connector 135">
+            <a:extLst>
+              <a:ext uri="{FF2B5EF4-FFF2-40B4-BE49-F238E27FC236}">
+                <a16:creationId xmlns:a16="http://schemas.microsoft.com/office/drawing/2014/main" id="{BA1A45C9-59D2-4D12-B0A1-7EF824FB3917}"/>
+              </a:ext>
+            </a:extLst>
+          </p:cNvPr>
+          <p:cNvCxnSpPr>
+            <a:cxnSpLocks/>
+          </p:cNvCxnSpPr>
+          <p:nvPr/>
+        </p:nvCxnSpPr>
+        <p:spPr>
+          <a:xfrm>
+            <a:off x="1440023" y="3052217"/>
+            <a:ext cx="653076" cy="0"/>
+          </a:xfrm>
+          <a:prstGeom prst="straightConnector1">
+            <a:avLst/>
+          </a:prstGeom>
+          <a:ln w="38100">
+            <a:solidFill>
+              <a:schemeClr val="tx1"/>
+            </a:solidFill>
+            <a:tailEnd type="triangle"/>
+          </a:ln>
+        </p:spPr>
+        <p:style>
+          <a:lnRef idx="1">
+            <a:schemeClr val="accent1"/>
+          </a:lnRef>
+          <a:fillRef idx="0">
+            <a:schemeClr val="accent1"/>
+          </a:fillRef>
+          <a:effectRef idx="0">
+            <a:schemeClr val="accent1"/>
+          </a:effectRef>
+          <a:fontRef idx="minor">
+            <a:schemeClr val="tx1"/>
+          </a:fontRef>
+        </p:style>
+      </p:cxnSp>
+      <p:sp>
+        <p:nvSpPr>
+          <p:cNvPr id="137" name="TextBox 136">
+            <a:extLst>
+              <a:ext uri="{FF2B5EF4-FFF2-40B4-BE49-F238E27FC236}">
+                <a16:creationId xmlns:a16="http://schemas.microsoft.com/office/drawing/2014/main" id="{040B63E7-000D-47FA-AB22-9BB9DD5A20EA}"/>
+              </a:ext>
+            </a:extLst>
+          </p:cNvPr>
+          <p:cNvSpPr txBox="1"/>
+          <p:nvPr/>
+        </p:nvSpPr>
+        <p:spPr>
+          <a:xfrm>
+            <a:off x="1038099" y="2435185"/>
+            <a:ext cx="373820" cy="338554"/>
+          </a:xfrm>
+          <a:prstGeom prst="rect">
+            <a:avLst/>
+          </a:prstGeom>
+          <a:noFill/>
+        </p:spPr>
+        <p:txBody>
+          <a:bodyPr wrap="none" rtlCol="0">
+            <a:spAutoFit/>
+          </a:bodyPr>
+          <a:lstStyle/>
+          <a:p>
+            <a:r>
+              <a:rPr lang="en-SG" sz="1600" dirty="0"/>
+              <a:t>SS</a:t>
+            </a:r>
+          </a:p>
+        </p:txBody>
+      </p:sp>
+      <p:sp>
+        <p:nvSpPr>
+          <p:cNvPr id="138" name="TextBox 137">
+            <a:extLst>
+              <a:ext uri="{FF2B5EF4-FFF2-40B4-BE49-F238E27FC236}">
+                <a16:creationId xmlns:a16="http://schemas.microsoft.com/office/drawing/2014/main" id="{E2C55243-60AD-44D8-B75A-9643D4BD1324}"/>
+              </a:ext>
+            </a:extLst>
+          </p:cNvPr>
+          <p:cNvSpPr txBox="1"/>
+          <p:nvPr/>
+        </p:nvSpPr>
+        <p:spPr>
+          <a:xfrm>
+            <a:off x="751196" y="2880109"/>
+            <a:ext cx="641522" cy="338554"/>
+          </a:xfrm>
+          <a:prstGeom prst="rect">
+            <a:avLst/>
+          </a:prstGeom>
+          <a:noFill/>
+        </p:spPr>
+        <p:txBody>
+          <a:bodyPr wrap="none" rtlCol="0">
+            <a:spAutoFit/>
+          </a:bodyPr>
+          <a:lstStyle/>
+          <a:p>
+            <a:r>
+              <a:rPr lang="en-SG" sz="1600" dirty="0"/>
+              <a:t>MOSI</a:t>
+            </a:r>
+          </a:p>
+        </p:txBody>
+      </p:sp>
+      <p:sp>
+        <p:nvSpPr>
+          <p:cNvPr id="139" name="TextBox 138">
+            <a:extLst>
+              <a:ext uri="{FF2B5EF4-FFF2-40B4-BE49-F238E27FC236}">
+                <a16:creationId xmlns:a16="http://schemas.microsoft.com/office/drawing/2014/main" id="{29C8120C-FF4E-49AE-A7B0-6A2C5EE5B966}"/>
+              </a:ext>
+            </a:extLst>
+          </p:cNvPr>
+          <p:cNvSpPr txBox="1"/>
+          <p:nvPr/>
+        </p:nvSpPr>
+        <p:spPr>
+          <a:xfrm>
+            <a:off x="929269" y="2658106"/>
+            <a:ext cx="495649" cy="338554"/>
+          </a:xfrm>
+          <a:prstGeom prst="rect">
+            <a:avLst/>
+          </a:prstGeom>
+          <a:noFill/>
+        </p:spPr>
+        <p:txBody>
+          <a:bodyPr wrap="none" rtlCol="0">
+            <a:spAutoFit/>
+          </a:bodyPr>
+          <a:lstStyle/>
+          <a:p>
+            <a:r>
+              <a:rPr lang="en-SG" sz="1600" dirty="0"/>
+              <a:t>SCK</a:t>
+            </a:r>
+          </a:p>
+        </p:txBody>
+      </p:sp>
+      <p:sp>
+        <p:nvSpPr>
+          <p:cNvPr id="140" name="TextBox 139">
+            <a:extLst>
+              <a:ext uri="{FF2B5EF4-FFF2-40B4-BE49-F238E27FC236}">
+                <a16:creationId xmlns:a16="http://schemas.microsoft.com/office/drawing/2014/main" id="{9AE34BA9-3E22-41E5-935C-4CE1409D7F8B}"/>
+              </a:ext>
+            </a:extLst>
+          </p:cNvPr>
+          <p:cNvSpPr txBox="1"/>
+          <p:nvPr/>
+        </p:nvSpPr>
+        <p:spPr>
+          <a:xfrm>
+            <a:off x="785834" y="2230966"/>
+            <a:ext cx="641522" cy="338554"/>
+          </a:xfrm>
+          <a:prstGeom prst="rect">
+            <a:avLst/>
+          </a:prstGeom>
+          <a:noFill/>
+        </p:spPr>
+        <p:txBody>
+          <a:bodyPr wrap="none" rtlCol="0">
+            <a:spAutoFit/>
+          </a:bodyPr>
+          <a:lstStyle/>
+          <a:p>
+            <a:r>
+              <a:rPr lang="en-SG" sz="1600" dirty="0"/>
+              <a:t>MISO</a:t>
+            </a:r>
+          </a:p>
+        </p:txBody>
+      </p:sp>
+      <p:sp>
+        <p:nvSpPr>
+          <p:cNvPr id="141" name="TextBox 140">
+            <a:extLst>
+              <a:ext uri="{FF2B5EF4-FFF2-40B4-BE49-F238E27FC236}">
+                <a16:creationId xmlns:a16="http://schemas.microsoft.com/office/drawing/2014/main" id="{362A6A18-FEBF-4053-8767-C4E9C07436CC}"/>
+              </a:ext>
+            </a:extLst>
+          </p:cNvPr>
+          <p:cNvSpPr txBox="1"/>
+          <p:nvPr/>
+        </p:nvSpPr>
+        <p:spPr>
+          <a:xfrm>
+            <a:off x="2122783" y="2668284"/>
+            <a:ext cx="393056" cy="338554"/>
+          </a:xfrm>
+          <a:prstGeom prst="rect">
+            <a:avLst/>
+          </a:prstGeom>
+          <a:noFill/>
+        </p:spPr>
+        <p:txBody>
+          <a:bodyPr wrap="none" rtlCol="0">
+            <a:spAutoFit/>
+          </a:bodyPr>
+          <a:lstStyle/>
+          <a:p>
+            <a:r>
+              <a:rPr lang="en-SG" sz="1600" dirty="0"/>
+              <a:t>52</a:t>
+            </a:r>
+          </a:p>
+        </p:txBody>
+      </p:sp>
+      <p:sp>
+        <p:nvSpPr>
+          <p:cNvPr id="142" name="TextBox 141">
+            <a:extLst>
+              <a:ext uri="{FF2B5EF4-FFF2-40B4-BE49-F238E27FC236}">
+                <a16:creationId xmlns:a16="http://schemas.microsoft.com/office/drawing/2014/main" id="{687DFAD1-8E6A-4C4D-8C05-C60071E56F79}"/>
+              </a:ext>
+            </a:extLst>
+          </p:cNvPr>
+          <p:cNvSpPr txBox="1"/>
+          <p:nvPr/>
+        </p:nvSpPr>
+        <p:spPr>
+          <a:xfrm>
+            <a:off x="2132569" y="2897887"/>
+            <a:ext cx="393056" cy="338554"/>
+          </a:xfrm>
+          <a:prstGeom prst="rect">
+            <a:avLst/>
+          </a:prstGeom>
+          <a:noFill/>
+        </p:spPr>
+        <p:txBody>
+          <a:bodyPr wrap="none" rtlCol="0">
+            <a:spAutoFit/>
+          </a:bodyPr>
+          <a:lstStyle/>
+          <a:p>
+            <a:r>
+              <a:rPr lang="en-SG" sz="1600" dirty="0"/>
+              <a:t>51</a:t>
+            </a:r>
+          </a:p>
+        </p:txBody>
+      </p:sp>
+      <p:sp>
+        <p:nvSpPr>
+          <p:cNvPr id="146" name="TextBox 145">
+            <a:extLst>
+              <a:ext uri="{FF2B5EF4-FFF2-40B4-BE49-F238E27FC236}">
+                <a16:creationId xmlns:a16="http://schemas.microsoft.com/office/drawing/2014/main" id="{66AC7DAF-0765-4D53-A1BC-FD9784BAD290}"/>
+              </a:ext>
+            </a:extLst>
+          </p:cNvPr>
+          <p:cNvSpPr txBox="1"/>
+          <p:nvPr/>
+        </p:nvSpPr>
+        <p:spPr>
+          <a:xfrm>
+            <a:off x="2119786" y="2424271"/>
+            <a:ext cx="393056" cy="338554"/>
+          </a:xfrm>
+          <a:prstGeom prst="rect">
+            <a:avLst/>
+          </a:prstGeom>
+          <a:noFill/>
+        </p:spPr>
+        <p:txBody>
+          <a:bodyPr wrap="none" rtlCol="0">
+            <a:spAutoFit/>
+          </a:bodyPr>
+          <a:lstStyle/>
+          <a:p>
+            <a:r>
+              <a:rPr lang="en-SG" sz="1600" dirty="0"/>
+              <a:t>53</a:t>
+            </a:r>
+          </a:p>
+        </p:txBody>
+      </p:sp>
+      <p:sp>
+        <p:nvSpPr>
+          <p:cNvPr id="152" name="TextBox 151">
+            <a:extLst>
+              <a:ext uri="{FF2B5EF4-FFF2-40B4-BE49-F238E27FC236}">
+                <a16:creationId xmlns:a16="http://schemas.microsoft.com/office/drawing/2014/main" id="{981EBEA9-2776-4B09-AB16-3BB64A64D66E}"/>
+              </a:ext>
+            </a:extLst>
+          </p:cNvPr>
+          <p:cNvSpPr txBox="1"/>
+          <p:nvPr/>
+        </p:nvSpPr>
+        <p:spPr>
+          <a:xfrm>
+            <a:off x="2112799" y="2212846"/>
+            <a:ext cx="393056" cy="338554"/>
+          </a:xfrm>
+          <a:prstGeom prst="rect">
+            <a:avLst/>
+          </a:prstGeom>
+          <a:noFill/>
+        </p:spPr>
+        <p:txBody>
+          <a:bodyPr wrap="none" rtlCol="0">
+            <a:spAutoFit/>
+          </a:bodyPr>
+          <a:lstStyle/>
+          <a:p>
+            <a:r>
+              <a:rPr lang="en-SG" sz="1600" dirty="0"/>
+              <a:t>50</a:t>
+            </a:r>
+          </a:p>
+        </p:txBody>
+      </p:sp>
+      <p:cxnSp>
+        <p:nvCxnSpPr>
+          <p:cNvPr id="154" name="Straight Arrow Connector 153">
+            <a:extLst>
+              <a:ext uri="{FF2B5EF4-FFF2-40B4-BE49-F238E27FC236}">
+                <a16:creationId xmlns:a16="http://schemas.microsoft.com/office/drawing/2014/main" id="{AAB8003B-E34B-47E3-A494-1B231423DB46}"/>
+              </a:ext>
+            </a:extLst>
+          </p:cNvPr>
+          <p:cNvCxnSpPr>
+            <a:cxnSpLocks/>
+          </p:cNvCxnSpPr>
+          <p:nvPr/>
+        </p:nvCxnSpPr>
+        <p:spPr>
+          <a:xfrm>
+            <a:off x="5848909" y="4718594"/>
+            <a:ext cx="773362" cy="0"/>
+          </a:xfrm>
+          <a:prstGeom prst="straightConnector1">
+            <a:avLst/>
+          </a:prstGeom>
+          <a:ln w="38100">
+            <a:solidFill>
+              <a:schemeClr val="tx1"/>
+            </a:solidFill>
+            <a:tailEnd type="triangle"/>
+          </a:ln>
+        </p:spPr>
+        <p:style>
+          <a:lnRef idx="1">
+            <a:schemeClr val="accent1"/>
+          </a:lnRef>
+          <a:fillRef idx="0">
+            <a:schemeClr val="accent1"/>
+          </a:fillRef>
+          <a:effectRef idx="0">
+            <a:schemeClr val="accent1"/>
+          </a:effectRef>
+          <a:fontRef idx="minor">
+            <a:schemeClr val="tx1"/>
+          </a:fontRef>
+        </p:style>
+      </p:cxnSp>
+      <p:cxnSp>
+        <p:nvCxnSpPr>
+          <p:cNvPr id="155" name="Straight Arrow Connector 154">
+            <a:extLst>
+              <a:ext uri="{FF2B5EF4-FFF2-40B4-BE49-F238E27FC236}">
+                <a16:creationId xmlns:a16="http://schemas.microsoft.com/office/drawing/2014/main" id="{12BE1C83-02C0-45FC-879F-42AE2F3684E8}"/>
+              </a:ext>
+            </a:extLst>
+          </p:cNvPr>
+          <p:cNvCxnSpPr>
+            <a:cxnSpLocks/>
+          </p:cNvCxnSpPr>
+          <p:nvPr/>
+        </p:nvCxnSpPr>
+        <p:spPr>
+          <a:xfrm>
+            <a:off x="5844676" y="4993760"/>
+            <a:ext cx="773362" cy="0"/>
+          </a:xfrm>
+          <a:prstGeom prst="straightConnector1">
+            <a:avLst/>
+          </a:prstGeom>
+          <a:ln w="38100">
+            <a:solidFill>
+              <a:schemeClr val="tx1"/>
+            </a:solidFill>
+            <a:tailEnd type="triangle"/>
+          </a:ln>
+        </p:spPr>
+        <p:style>
+          <a:lnRef idx="1">
+            <a:schemeClr val="accent1"/>
+          </a:lnRef>
+          <a:fillRef idx="0">
+            <a:schemeClr val="accent1"/>
+          </a:fillRef>
+          <a:effectRef idx="0">
+            <a:schemeClr val="accent1"/>
+          </a:effectRef>
+          <a:fontRef idx="minor">
+            <a:schemeClr val="tx1"/>
+          </a:fontRef>
+        </p:style>
+      </p:cxnSp>
+      <p:sp>
+        <p:nvSpPr>
+          <p:cNvPr id="156" name="TextBox 155">
+            <a:extLst>
+              <a:ext uri="{FF2B5EF4-FFF2-40B4-BE49-F238E27FC236}">
+                <a16:creationId xmlns:a16="http://schemas.microsoft.com/office/drawing/2014/main" id="{FB884A68-4B14-48EE-8853-D16BB03C8330}"/>
+              </a:ext>
+            </a:extLst>
+          </p:cNvPr>
+          <p:cNvSpPr txBox="1"/>
+          <p:nvPr/>
+        </p:nvSpPr>
+        <p:spPr>
+          <a:xfrm>
+            <a:off x="6622271" y="4795092"/>
+            <a:ext cx="314510" cy="338554"/>
+          </a:xfrm>
+          <a:prstGeom prst="rect">
+            <a:avLst/>
+          </a:prstGeom>
+          <a:noFill/>
+        </p:spPr>
+        <p:txBody>
+          <a:bodyPr wrap="none" rtlCol="0">
+            <a:spAutoFit/>
+          </a:bodyPr>
+          <a:lstStyle/>
+          <a:p>
+            <a:r>
+              <a:rPr lang="en-SG" sz="1600" dirty="0"/>
+              <a:t>G</a:t>
+            </a:r>
+          </a:p>
+        </p:txBody>
+      </p:sp>
+      <p:sp>
+        <p:nvSpPr>
+          <p:cNvPr id="157" name="TextBox 156">
+            <a:extLst>
+              <a:ext uri="{FF2B5EF4-FFF2-40B4-BE49-F238E27FC236}">
+                <a16:creationId xmlns:a16="http://schemas.microsoft.com/office/drawing/2014/main" id="{CF56BE27-98B4-474F-AAAB-C049277EB07A}"/>
+              </a:ext>
+            </a:extLst>
+          </p:cNvPr>
+          <p:cNvSpPr txBox="1"/>
+          <p:nvPr/>
+        </p:nvSpPr>
+        <p:spPr>
+          <a:xfrm>
+            <a:off x="5409480" y="4811686"/>
+            <a:ext cx="393056" cy="338554"/>
+          </a:xfrm>
+          <a:prstGeom prst="rect">
+            <a:avLst/>
+          </a:prstGeom>
+          <a:noFill/>
+        </p:spPr>
+        <p:txBody>
+          <a:bodyPr wrap="none" rtlCol="0">
+            <a:spAutoFit/>
+          </a:bodyPr>
+          <a:lstStyle/>
+          <a:p>
+            <a:r>
+              <a:rPr lang="en-SG" sz="1600" dirty="0"/>
+              <a:t>36</a:t>
+            </a:r>
+          </a:p>
+        </p:txBody>
+      </p:sp>
+      <p:sp>
+        <p:nvSpPr>
+          <p:cNvPr id="158" name="Rectangle 157">
+            <a:extLst>
+              <a:ext uri="{FF2B5EF4-FFF2-40B4-BE49-F238E27FC236}">
+                <a16:creationId xmlns:a16="http://schemas.microsoft.com/office/drawing/2014/main" id="{827C9488-AED6-4E3E-90F5-058458B24F8E}"/>
+              </a:ext>
+            </a:extLst>
+          </p:cNvPr>
+          <p:cNvSpPr/>
+          <p:nvPr/>
+        </p:nvSpPr>
+        <p:spPr>
+          <a:xfrm>
+            <a:off x="9738178" y="1733843"/>
+            <a:ext cx="787151" cy="603292"/>
+          </a:xfrm>
+          <a:prstGeom prst="rect">
+            <a:avLst/>
+          </a:prstGeom>
+          <a:noFill/>
+          <a:ln w="38100">
+            <a:solidFill>
+              <a:schemeClr val="tx1"/>
+            </a:solidFill>
+            <a:prstDash val="solid"/>
+          </a:ln>
+        </p:spPr>
+        <p:style>
+          <a:lnRef idx="2">
+            <a:schemeClr val="accent1">
+              <a:shade val="50000"/>
+            </a:schemeClr>
+          </a:lnRef>
+          <a:fillRef idx="1">
+            <a:schemeClr val="accent1"/>
+          </a:fillRef>
+          <a:effectRef idx="0">
+            <a:schemeClr val="accent1"/>
+          </a:effectRef>
+          <a:fontRef idx="minor">
+            <a:schemeClr val="lt1"/>
+          </a:fontRef>
+        </p:style>
+        <p:txBody>
+          <a:bodyPr rtlCol="0" anchor="ctr"/>
+          <a:lstStyle/>
+          <a:p>
+            <a:pPr algn="ctr"/>
+            <a:r>
+              <a:rPr lang="en-US" b="1" dirty="0">
+                <a:solidFill>
+                  <a:schemeClr val="tx1"/>
+                </a:solidFill>
+              </a:rPr>
+              <a:t>PT100</a:t>
+            </a:r>
+          </a:p>
+        </p:txBody>
+      </p:sp>
+      <p:cxnSp>
+        <p:nvCxnSpPr>
+          <p:cNvPr id="159" name="Straight Arrow Connector 158">
+            <a:extLst>
+              <a:ext uri="{FF2B5EF4-FFF2-40B4-BE49-F238E27FC236}">
+                <a16:creationId xmlns:a16="http://schemas.microsoft.com/office/drawing/2014/main" id="{3E89F4A4-6D98-42AC-95D8-BCB46930C7EE}"/>
+              </a:ext>
+            </a:extLst>
+          </p:cNvPr>
+          <p:cNvCxnSpPr>
+            <a:cxnSpLocks/>
+          </p:cNvCxnSpPr>
+          <p:nvPr/>
+        </p:nvCxnSpPr>
+        <p:spPr>
+          <a:xfrm flipH="1">
+            <a:off x="5855274" y="1972933"/>
+            <a:ext cx="1327962" cy="0"/>
+          </a:xfrm>
+          <a:prstGeom prst="straightConnector1">
+            <a:avLst/>
+          </a:prstGeom>
+          <a:ln w="38100">
+            <a:solidFill>
+              <a:schemeClr val="tx1"/>
+            </a:solidFill>
+            <a:tailEnd type="triangle"/>
+          </a:ln>
+        </p:spPr>
+        <p:style>
+          <a:lnRef idx="1">
+            <a:schemeClr val="accent1"/>
+          </a:lnRef>
+          <a:fillRef idx="0">
+            <a:schemeClr val="accent1"/>
+          </a:fillRef>
+          <a:effectRef idx="0">
+            <a:schemeClr val="accent1"/>
+          </a:effectRef>
+          <a:fontRef idx="minor">
+            <a:schemeClr val="tx1"/>
+          </a:fontRef>
+        </p:style>
+      </p:cxnSp>
+      <p:cxnSp>
+        <p:nvCxnSpPr>
+          <p:cNvPr id="161" name="Straight Arrow Connector 160">
+            <a:extLst>
+              <a:ext uri="{FF2B5EF4-FFF2-40B4-BE49-F238E27FC236}">
+                <a16:creationId xmlns:a16="http://schemas.microsoft.com/office/drawing/2014/main" id="{45339952-14B8-4D3A-AD20-9554DCBA46BE}"/>
+              </a:ext>
+            </a:extLst>
+          </p:cNvPr>
+          <p:cNvCxnSpPr>
+            <a:cxnSpLocks/>
+          </p:cNvCxnSpPr>
+          <p:nvPr/>
+        </p:nvCxnSpPr>
+        <p:spPr>
+          <a:xfrm flipH="1">
+            <a:off x="5861760" y="2230108"/>
+            <a:ext cx="1327962" cy="0"/>
+          </a:xfrm>
+          <a:prstGeom prst="straightConnector1">
+            <a:avLst/>
+          </a:prstGeom>
+          <a:ln w="38100">
+            <a:solidFill>
+              <a:schemeClr val="tx1"/>
+            </a:solidFill>
+            <a:tailEnd type="triangle"/>
+          </a:ln>
+        </p:spPr>
+        <p:style>
+          <a:lnRef idx="1">
+            <a:schemeClr val="accent1"/>
+          </a:lnRef>
+          <a:fillRef idx="0">
+            <a:schemeClr val="accent1"/>
+          </a:fillRef>
+          <a:effectRef idx="0">
+            <a:schemeClr val="accent1"/>
+          </a:effectRef>
+          <a:fontRef idx="minor">
+            <a:schemeClr val="tx1"/>
+          </a:fontRef>
+        </p:style>
+      </p:cxnSp>
+      <p:cxnSp>
+        <p:nvCxnSpPr>
+          <p:cNvPr id="167" name="Straight Arrow Connector 166">
+            <a:extLst>
+              <a:ext uri="{FF2B5EF4-FFF2-40B4-BE49-F238E27FC236}">
+                <a16:creationId xmlns:a16="http://schemas.microsoft.com/office/drawing/2014/main" id="{BBB53F4F-6D8D-4CE1-B596-623927C4744A}"/>
+              </a:ext>
+            </a:extLst>
+          </p:cNvPr>
+          <p:cNvCxnSpPr>
+            <a:cxnSpLocks/>
+          </p:cNvCxnSpPr>
+          <p:nvPr/>
+        </p:nvCxnSpPr>
+        <p:spPr>
+          <a:xfrm flipH="1">
+            <a:off x="5855274" y="2465058"/>
+            <a:ext cx="1327962" cy="0"/>
+          </a:xfrm>
+          <a:prstGeom prst="straightConnector1">
+            <a:avLst/>
+          </a:prstGeom>
+          <a:ln w="38100">
+            <a:solidFill>
+              <a:schemeClr val="tx1"/>
+            </a:solidFill>
+            <a:tailEnd type="triangle"/>
+          </a:ln>
+        </p:spPr>
+        <p:style>
+          <a:lnRef idx="1">
+            <a:schemeClr val="accent1"/>
+          </a:lnRef>
+          <a:fillRef idx="0">
+            <a:schemeClr val="accent1"/>
+          </a:fillRef>
+          <a:effectRef idx="0">
+            <a:schemeClr val="accent1"/>
+          </a:effectRef>
+          <a:fontRef idx="minor">
+            <a:schemeClr val="tx1"/>
+          </a:fontRef>
+        </p:style>
+      </p:cxnSp>
+      <p:sp>
+        <p:nvSpPr>
+          <p:cNvPr id="176" name="Rectangle 175">
+            <a:extLst>
+              <a:ext uri="{FF2B5EF4-FFF2-40B4-BE49-F238E27FC236}">
+                <a16:creationId xmlns:a16="http://schemas.microsoft.com/office/drawing/2014/main" id="{895E30D5-FCA9-4E54-9BC0-B4D3626658A2}"/>
+              </a:ext>
+            </a:extLst>
+          </p:cNvPr>
+          <p:cNvSpPr/>
+          <p:nvPr/>
+        </p:nvSpPr>
+        <p:spPr>
+          <a:xfrm>
+            <a:off x="10226323" y="3715414"/>
+            <a:ext cx="1483015" cy="1174515"/>
+          </a:xfrm>
+          <a:prstGeom prst="rect">
+            <a:avLst/>
+          </a:prstGeom>
+          <a:noFill/>
+          <a:ln w="38100">
+            <a:solidFill>
+              <a:schemeClr val="tx1"/>
+            </a:solidFill>
+            <a:prstDash val="solid"/>
+          </a:ln>
+        </p:spPr>
+        <p:style>
+          <a:lnRef idx="2">
+            <a:schemeClr val="accent1">
+              <a:shade val="50000"/>
+            </a:schemeClr>
+          </a:lnRef>
+          <a:fillRef idx="1">
+            <a:schemeClr val="accent1"/>
+          </a:fillRef>
+          <a:effectRef idx="0">
+            <a:schemeClr val="accent1"/>
+          </a:effectRef>
+          <a:fontRef idx="minor">
+            <a:schemeClr val="lt1"/>
+          </a:fontRef>
+        </p:style>
+        <p:txBody>
+          <a:bodyPr rtlCol="0" anchor="ctr"/>
+          <a:lstStyle/>
+          <a:p>
+            <a:pPr algn="ctr"/>
+            <a:r>
+              <a:rPr lang="en-US" b="1" dirty="0">
+                <a:solidFill>
+                  <a:schemeClr val="tx1"/>
+                </a:solidFill>
+              </a:rPr>
+              <a:t>LED</a:t>
+            </a:r>
+          </a:p>
+          <a:p>
+            <a:pPr algn="ctr"/>
+            <a:r>
+              <a:rPr lang="en-US" b="1" dirty="0">
+                <a:solidFill>
+                  <a:schemeClr val="tx1"/>
+                </a:solidFill>
+              </a:rPr>
+              <a:t>Module</a:t>
+            </a:r>
+          </a:p>
+        </p:txBody>
+      </p:sp>
+      <p:cxnSp>
+        <p:nvCxnSpPr>
+          <p:cNvPr id="177" name="Straight Arrow Connector 176">
+            <a:extLst>
+              <a:ext uri="{FF2B5EF4-FFF2-40B4-BE49-F238E27FC236}">
+                <a16:creationId xmlns:a16="http://schemas.microsoft.com/office/drawing/2014/main" id="{67D02812-39B8-49CD-86AD-025DC0FF1431}"/>
+              </a:ext>
+            </a:extLst>
+          </p:cNvPr>
+          <p:cNvCxnSpPr>
+            <a:cxnSpLocks/>
+          </p:cNvCxnSpPr>
+          <p:nvPr/>
+        </p:nvCxnSpPr>
+        <p:spPr>
+          <a:xfrm>
+            <a:off x="9864580" y="3903523"/>
+            <a:ext cx="360566" cy="0"/>
+          </a:xfrm>
+          <a:prstGeom prst="straightConnector1">
+            <a:avLst/>
+          </a:prstGeom>
+          <a:ln w="38100">
+            <a:solidFill>
+              <a:schemeClr val="tx1"/>
+            </a:solidFill>
+            <a:tailEnd type="triangle"/>
+          </a:ln>
+        </p:spPr>
+        <p:style>
+          <a:lnRef idx="1">
+            <a:schemeClr val="accent1"/>
+          </a:lnRef>
+          <a:fillRef idx="0">
+            <a:schemeClr val="accent1"/>
+          </a:fillRef>
+          <a:effectRef idx="0">
+            <a:schemeClr val="accent1"/>
+          </a:effectRef>
+          <a:fontRef idx="minor">
+            <a:schemeClr val="tx1"/>
+          </a:fontRef>
+        </p:style>
+      </p:cxnSp>
+      <p:sp>
+        <p:nvSpPr>
+          <p:cNvPr id="178" name="TextBox 177">
+            <a:extLst>
+              <a:ext uri="{FF2B5EF4-FFF2-40B4-BE49-F238E27FC236}">
+                <a16:creationId xmlns:a16="http://schemas.microsoft.com/office/drawing/2014/main" id="{CE3FE45C-EFF5-417B-8DE0-EE550B7C4F4C}"/>
+              </a:ext>
+            </a:extLst>
+          </p:cNvPr>
+          <p:cNvSpPr txBox="1"/>
+          <p:nvPr/>
+        </p:nvSpPr>
+        <p:spPr>
+          <a:xfrm>
+            <a:off x="9342403" y="3715117"/>
+            <a:ext cx="548547" cy="369332"/>
+          </a:xfrm>
+          <a:prstGeom prst="rect">
+            <a:avLst/>
+          </a:prstGeom>
+          <a:noFill/>
+        </p:spPr>
+        <p:txBody>
+          <a:bodyPr wrap="none" rtlCol="0">
+            <a:spAutoFit/>
+          </a:bodyPr>
+          <a:lstStyle/>
+          <a:p>
+            <a:pPr algn="ctr"/>
+            <a:r>
+              <a:rPr lang="en-US" dirty="0"/>
+              <a:t>+5V</a:t>
+            </a:r>
+          </a:p>
+        </p:txBody>
+      </p:sp>
+      <p:sp>
+        <p:nvSpPr>
+          <p:cNvPr id="179" name="TextBox 178">
+            <a:extLst>
+              <a:ext uri="{FF2B5EF4-FFF2-40B4-BE49-F238E27FC236}">
+                <a16:creationId xmlns:a16="http://schemas.microsoft.com/office/drawing/2014/main" id="{7F49AE2C-741E-4FF6-AB27-3334B31ACFDC}"/>
+              </a:ext>
+            </a:extLst>
+          </p:cNvPr>
+          <p:cNvSpPr txBox="1"/>
+          <p:nvPr/>
+        </p:nvSpPr>
+        <p:spPr>
+          <a:xfrm>
+            <a:off x="9304939" y="4565872"/>
+            <a:ext cx="622286" cy="369332"/>
+          </a:xfrm>
+          <a:prstGeom prst="rect">
+            <a:avLst/>
+          </a:prstGeom>
+          <a:noFill/>
+        </p:spPr>
+        <p:txBody>
+          <a:bodyPr wrap="none" rtlCol="0">
+            <a:spAutoFit/>
+          </a:bodyPr>
+          <a:lstStyle/>
+          <a:p>
+            <a:pPr algn="ctr"/>
+            <a:r>
+              <a:rPr lang="en-US" dirty="0"/>
+              <a:t>GND</a:t>
+            </a:r>
+          </a:p>
+        </p:txBody>
+      </p:sp>
+      <p:cxnSp>
+        <p:nvCxnSpPr>
+          <p:cNvPr id="180" name="Straight Arrow Connector 179">
+            <a:extLst>
+              <a:ext uri="{FF2B5EF4-FFF2-40B4-BE49-F238E27FC236}">
+                <a16:creationId xmlns:a16="http://schemas.microsoft.com/office/drawing/2014/main" id="{7DCCB5BB-7F35-46B6-907E-52F55524E129}"/>
+              </a:ext>
+            </a:extLst>
+          </p:cNvPr>
+          <p:cNvCxnSpPr>
+            <a:cxnSpLocks/>
+          </p:cNvCxnSpPr>
+          <p:nvPr/>
+        </p:nvCxnSpPr>
+        <p:spPr>
+          <a:xfrm>
+            <a:off x="9864580" y="4750538"/>
+            <a:ext cx="360566" cy="0"/>
+          </a:xfrm>
+          <a:prstGeom prst="straightConnector1">
+            <a:avLst/>
+          </a:prstGeom>
+          <a:ln w="38100">
+            <a:solidFill>
+              <a:schemeClr val="tx1"/>
+            </a:solidFill>
+            <a:tailEnd type="triangle"/>
+          </a:ln>
+        </p:spPr>
+        <p:style>
+          <a:lnRef idx="1">
+            <a:schemeClr val="accent1"/>
+          </a:lnRef>
+          <a:fillRef idx="0">
+            <a:schemeClr val="accent1"/>
+          </a:fillRef>
+          <a:effectRef idx="0">
+            <a:schemeClr val="accent1"/>
+          </a:effectRef>
+          <a:fontRef idx="minor">
+            <a:schemeClr val="tx1"/>
+          </a:fontRef>
+        </p:style>
+      </p:cxnSp>
+      <p:cxnSp>
+        <p:nvCxnSpPr>
+          <p:cNvPr id="181" name="Straight Arrow Connector 180">
+            <a:extLst>
+              <a:ext uri="{FF2B5EF4-FFF2-40B4-BE49-F238E27FC236}">
+                <a16:creationId xmlns:a16="http://schemas.microsoft.com/office/drawing/2014/main" id="{F446EC7F-E09F-455B-959E-F430EC224408}"/>
+              </a:ext>
+            </a:extLst>
+          </p:cNvPr>
+          <p:cNvCxnSpPr>
+            <a:cxnSpLocks/>
+          </p:cNvCxnSpPr>
+          <p:nvPr/>
+        </p:nvCxnSpPr>
+        <p:spPr>
+          <a:xfrm>
+            <a:off x="9864580" y="4196894"/>
+            <a:ext cx="360566" cy="0"/>
+          </a:xfrm>
+          <a:prstGeom prst="straightConnector1">
+            <a:avLst/>
+          </a:prstGeom>
+          <a:ln w="38100">
+            <a:solidFill>
+              <a:schemeClr val="tx1"/>
+            </a:solidFill>
+            <a:tailEnd type="triangle"/>
+          </a:ln>
+        </p:spPr>
+        <p:style>
+          <a:lnRef idx="1">
+            <a:schemeClr val="accent1"/>
+          </a:lnRef>
+          <a:fillRef idx="0">
+            <a:schemeClr val="accent1"/>
+          </a:fillRef>
+          <a:effectRef idx="0">
+            <a:schemeClr val="accent1"/>
+          </a:effectRef>
+          <a:fontRef idx="minor">
+            <a:schemeClr val="tx1"/>
+          </a:fontRef>
+        </p:style>
+      </p:cxnSp>
+      <p:cxnSp>
+        <p:nvCxnSpPr>
+          <p:cNvPr id="182" name="Straight Arrow Connector 181">
+            <a:extLst>
+              <a:ext uri="{FF2B5EF4-FFF2-40B4-BE49-F238E27FC236}">
+                <a16:creationId xmlns:a16="http://schemas.microsoft.com/office/drawing/2014/main" id="{080FF988-5651-4219-B5AD-28BB5E204056}"/>
+              </a:ext>
+            </a:extLst>
+          </p:cNvPr>
+          <p:cNvCxnSpPr>
+            <a:cxnSpLocks/>
+          </p:cNvCxnSpPr>
+          <p:nvPr/>
+        </p:nvCxnSpPr>
+        <p:spPr>
+          <a:xfrm>
+            <a:off x="9864580" y="4479483"/>
+            <a:ext cx="360566" cy="0"/>
+          </a:xfrm>
+          <a:prstGeom prst="straightConnector1">
+            <a:avLst/>
+          </a:prstGeom>
+          <a:ln w="38100">
+            <a:solidFill>
+              <a:schemeClr val="tx1"/>
+            </a:solidFill>
+            <a:tailEnd type="triangle"/>
+          </a:ln>
+        </p:spPr>
+        <p:style>
+          <a:lnRef idx="1">
+            <a:schemeClr val="accent1"/>
+          </a:lnRef>
+          <a:fillRef idx="0">
+            <a:schemeClr val="accent1"/>
+          </a:fillRef>
+          <a:effectRef idx="0">
+            <a:schemeClr val="accent1"/>
+          </a:effectRef>
+          <a:fontRef idx="minor">
+            <a:schemeClr val="tx1"/>
+          </a:fontRef>
+        </p:style>
+      </p:cxnSp>
+      <p:sp>
+        <p:nvSpPr>
+          <p:cNvPr id="183" name="TextBox 182">
+            <a:extLst>
+              <a:ext uri="{FF2B5EF4-FFF2-40B4-BE49-F238E27FC236}">
+                <a16:creationId xmlns:a16="http://schemas.microsoft.com/office/drawing/2014/main" id="{3DC7F93C-2177-4CF8-B24D-741C85E3C1EE}"/>
+              </a:ext>
+            </a:extLst>
+          </p:cNvPr>
+          <p:cNvSpPr txBox="1"/>
+          <p:nvPr/>
+        </p:nvSpPr>
+        <p:spPr>
+          <a:xfrm>
+            <a:off x="9253739" y="4006958"/>
+            <a:ext cx="562783" cy="369332"/>
+          </a:xfrm>
+          <a:prstGeom prst="rect">
+            <a:avLst/>
+          </a:prstGeom>
+          <a:noFill/>
+        </p:spPr>
+        <p:txBody>
+          <a:bodyPr wrap="none" rtlCol="0">
+            <a:spAutoFit/>
+          </a:bodyPr>
+          <a:lstStyle/>
+          <a:p>
+            <a:pPr algn="ctr"/>
+            <a:r>
+              <a:rPr lang="en-US" dirty="0"/>
+              <a:t>SDA</a:t>
+            </a:r>
+          </a:p>
+        </p:txBody>
+      </p:sp>
+      <p:sp>
+        <p:nvSpPr>
+          <p:cNvPr id="184" name="TextBox 183">
+            <a:extLst>
+              <a:ext uri="{FF2B5EF4-FFF2-40B4-BE49-F238E27FC236}">
+                <a16:creationId xmlns:a16="http://schemas.microsoft.com/office/drawing/2014/main" id="{479FFCE9-0992-48F0-91B5-A2FD6F8D3C8E}"/>
+              </a:ext>
+            </a:extLst>
+          </p:cNvPr>
+          <p:cNvSpPr txBox="1"/>
+          <p:nvPr/>
+        </p:nvSpPr>
+        <p:spPr>
+          <a:xfrm>
+            <a:off x="9289608" y="4280351"/>
+            <a:ext cx="511680" cy="369332"/>
+          </a:xfrm>
+          <a:prstGeom prst="rect">
+            <a:avLst/>
+          </a:prstGeom>
+          <a:noFill/>
+        </p:spPr>
+        <p:txBody>
+          <a:bodyPr wrap="none" rtlCol="0">
+            <a:spAutoFit/>
+          </a:bodyPr>
+          <a:lstStyle/>
+          <a:p>
+            <a:pPr algn="ctr"/>
+            <a:r>
+              <a:rPr lang="en-US" dirty="0"/>
+              <a:t>SCL</a:t>
+            </a:r>
+          </a:p>
+        </p:txBody>
+      </p:sp>
+      <p:cxnSp>
+        <p:nvCxnSpPr>
+          <p:cNvPr id="185" name="Straight Arrow Connector 184">
+            <a:extLst>
+              <a:ext uri="{FF2B5EF4-FFF2-40B4-BE49-F238E27FC236}">
+                <a16:creationId xmlns:a16="http://schemas.microsoft.com/office/drawing/2014/main" id="{5C38A06E-0A97-4BF3-AFE9-AEB9DD347785}"/>
+              </a:ext>
+            </a:extLst>
+          </p:cNvPr>
+          <p:cNvCxnSpPr>
+            <a:cxnSpLocks/>
+          </p:cNvCxnSpPr>
+          <p:nvPr/>
+        </p:nvCxnSpPr>
+        <p:spPr>
+          <a:xfrm>
+            <a:off x="5865315" y="6050931"/>
+            <a:ext cx="360566" cy="0"/>
+          </a:xfrm>
+          <a:prstGeom prst="straightConnector1">
+            <a:avLst/>
+          </a:prstGeom>
+          <a:ln w="38100">
+            <a:solidFill>
+              <a:schemeClr val="tx1"/>
+            </a:solidFill>
+            <a:tailEnd type="triangle"/>
+          </a:ln>
+        </p:spPr>
+        <p:style>
+          <a:lnRef idx="1">
+            <a:schemeClr val="accent1"/>
+          </a:lnRef>
+          <a:fillRef idx="0">
+            <a:schemeClr val="accent1"/>
+          </a:fillRef>
+          <a:effectRef idx="0">
+            <a:schemeClr val="accent1"/>
+          </a:effectRef>
+          <a:fontRef idx="minor">
+            <a:schemeClr val="tx1"/>
+          </a:fontRef>
+        </p:style>
+      </p:cxnSp>
+      <p:cxnSp>
+        <p:nvCxnSpPr>
+          <p:cNvPr id="186" name="Straight Arrow Connector 185">
+            <a:extLst>
+              <a:ext uri="{FF2B5EF4-FFF2-40B4-BE49-F238E27FC236}">
+                <a16:creationId xmlns:a16="http://schemas.microsoft.com/office/drawing/2014/main" id="{B4B24AF4-D675-4D06-BCAB-9EE43B0AE60B}"/>
+              </a:ext>
+            </a:extLst>
+          </p:cNvPr>
+          <p:cNvCxnSpPr>
+            <a:cxnSpLocks/>
+          </p:cNvCxnSpPr>
+          <p:nvPr/>
+        </p:nvCxnSpPr>
+        <p:spPr>
+          <a:xfrm>
+            <a:off x="5865315" y="6333520"/>
+            <a:ext cx="360566" cy="0"/>
+          </a:xfrm>
+          <a:prstGeom prst="straightConnector1">
+            <a:avLst/>
+          </a:prstGeom>
+          <a:ln w="38100">
+            <a:solidFill>
+              <a:schemeClr val="tx1"/>
+            </a:solidFill>
+            <a:tailEnd type="triangle"/>
+          </a:ln>
+        </p:spPr>
+        <p:style>
+          <a:lnRef idx="1">
+            <a:schemeClr val="accent1"/>
+          </a:lnRef>
+          <a:fillRef idx="0">
+            <a:schemeClr val="accent1"/>
+          </a:fillRef>
+          <a:effectRef idx="0">
+            <a:schemeClr val="accent1"/>
+          </a:effectRef>
+          <a:fontRef idx="minor">
+            <a:schemeClr val="tx1"/>
+          </a:fontRef>
+        </p:style>
+      </p:cxnSp>
+      <p:sp>
+        <p:nvSpPr>
+          <p:cNvPr id="187" name="TextBox 186">
+            <a:extLst>
+              <a:ext uri="{FF2B5EF4-FFF2-40B4-BE49-F238E27FC236}">
+                <a16:creationId xmlns:a16="http://schemas.microsoft.com/office/drawing/2014/main" id="{E6B56C3D-08C5-4D87-8B78-FB1FC0D96FD2}"/>
+              </a:ext>
+            </a:extLst>
+          </p:cNvPr>
+          <p:cNvSpPr txBox="1"/>
+          <p:nvPr/>
+        </p:nvSpPr>
+        <p:spPr>
+          <a:xfrm>
+            <a:off x="6176378" y="5851357"/>
+            <a:ext cx="562783" cy="369332"/>
+          </a:xfrm>
+          <a:prstGeom prst="rect">
+            <a:avLst/>
+          </a:prstGeom>
+          <a:noFill/>
+        </p:spPr>
+        <p:txBody>
+          <a:bodyPr wrap="none" rtlCol="0">
+            <a:spAutoFit/>
+          </a:bodyPr>
+          <a:lstStyle/>
+          <a:p>
+            <a:pPr algn="ctr"/>
+            <a:r>
+              <a:rPr lang="en-US" dirty="0"/>
+              <a:t>SDA</a:t>
+            </a:r>
+          </a:p>
+        </p:txBody>
+      </p:sp>
+      <p:sp>
+        <p:nvSpPr>
+          <p:cNvPr id="188" name="TextBox 187">
+            <a:extLst>
+              <a:ext uri="{FF2B5EF4-FFF2-40B4-BE49-F238E27FC236}">
+                <a16:creationId xmlns:a16="http://schemas.microsoft.com/office/drawing/2014/main" id="{B5E44B14-133A-4B24-870F-65141AAB9BA1}"/>
+              </a:ext>
+            </a:extLst>
+          </p:cNvPr>
+          <p:cNvSpPr txBox="1"/>
+          <p:nvPr/>
+        </p:nvSpPr>
+        <p:spPr>
+          <a:xfrm>
+            <a:off x="6212247" y="6124750"/>
+            <a:ext cx="511680" cy="369332"/>
+          </a:xfrm>
+          <a:prstGeom prst="rect">
+            <a:avLst/>
+          </a:prstGeom>
+          <a:noFill/>
+        </p:spPr>
+        <p:txBody>
+          <a:bodyPr wrap="none" rtlCol="0">
+            <a:spAutoFit/>
+          </a:bodyPr>
+          <a:lstStyle/>
+          <a:p>
+            <a:pPr algn="ctr"/>
+            <a:r>
+              <a:rPr lang="en-US" dirty="0"/>
+              <a:t>SCL</a:t>
+            </a:r>
+          </a:p>
+        </p:txBody>
+      </p:sp>
+      <p:sp>
+        <p:nvSpPr>
+          <p:cNvPr id="189" name="TextBox 188">
+            <a:extLst>
+              <a:ext uri="{FF2B5EF4-FFF2-40B4-BE49-F238E27FC236}">
+                <a16:creationId xmlns:a16="http://schemas.microsoft.com/office/drawing/2014/main" id="{A0BCEEAA-53AB-4FA4-9AC4-AFAA0058367F}"/>
+              </a:ext>
+            </a:extLst>
+          </p:cNvPr>
+          <p:cNvSpPr txBox="1"/>
+          <p:nvPr/>
+        </p:nvSpPr>
+        <p:spPr>
+          <a:xfrm>
+            <a:off x="5435723" y="5857939"/>
+            <a:ext cx="393056" cy="338554"/>
+          </a:xfrm>
+          <a:prstGeom prst="rect">
+            <a:avLst/>
+          </a:prstGeom>
+          <a:noFill/>
+        </p:spPr>
+        <p:txBody>
+          <a:bodyPr wrap="none" rtlCol="0">
+            <a:spAutoFit/>
+          </a:bodyPr>
+          <a:lstStyle/>
+          <a:p>
+            <a:r>
+              <a:rPr lang="en-SG" sz="1600" dirty="0"/>
+              <a:t>20</a:t>
+            </a:r>
+          </a:p>
+        </p:txBody>
+      </p:sp>
+      <p:sp>
+        <p:nvSpPr>
+          <p:cNvPr id="190" name="TextBox 189">
+            <a:extLst>
+              <a:ext uri="{FF2B5EF4-FFF2-40B4-BE49-F238E27FC236}">
+                <a16:creationId xmlns:a16="http://schemas.microsoft.com/office/drawing/2014/main" id="{EA66DC5E-A22F-4BF3-BD0A-169DDA1EB362}"/>
+              </a:ext>
+            </a:extLst>
+          </p:cNvPr>
+          <p:cNvSpPr txBox="1"/>
+          <p:nvPr/>
+        </p:nvSpPr>
+        <p:spPr>
+          <a:xfrm>
+            <a:off x="5451620" y="6142178"/>
+            <a:ext cx="393056" cy="338554"/>
+          </a:xfrm>
+          <a:prstGeom prst="rect">
+            <a:avLst/>
+          </a:prstGeom>
+          <a:noFill/>
+        </p:spPr>
+        <p:txBody>
+          <a:bodyPr wrap="none" rtlCol="0">
+            <a:spAutoFit/>
+          </a:bodyPr>
+          <a:lstStyle/>
+          <a:p>
+            <a:r>
+              <a:rPr lang="en-SG" sz="1600" dirty="0"/>
+              <a:t>21</a:t>
+            </a:r>
+          </a:p>
+        </p:txBody>
+      </p:sp>
+    </p:spTree>
+    <p:extLst>
+      <p:ext uri="{BB962C8B-B14F-4D97-AF65-F5344CB8AC3E}">
+        <p14:creationId xmlns:p14="http://schemas.microsoft.com/office/powerpoint/2010/main" val="1312586816"/>
+      </p:ext>
+    </p:extLst>
+  </p:cSld>
+  <p:clrMapOvr>
+    <a:masterClrMapping/>
+  </p:clrMapOvr>
+</p:sld>
+</file>
+
+<file path=ppt/slides/slide7.xml><?xml version="1.0" encoding="utf-8"?>
+<p:sld xmlns:a="http://schemas.openxmlformats.org/drawingml/2006/main" xmlns:r="http://schemas.openxmlformats.org/officeDocument/2006/relationships" xmlns:p="http://schemas.openxmlformats.org/presentationml/2006/main">
+  <p:cSld>
+    <p:spTree>
+      <p:nvGrpSpPr>
+        <p:cNvPr id="1" name=""/>
+        <p:cNvGrpSpPr/>
+        <p:nvPr/>
+      </p:nvGrpSpPr>
+      <p:grpSpPr>
+        <a:xfrm>
+          <a:off x="0" y="0"/>
+          <a:ext cx="0" cy="0"/>
+          <a:chOff x="0" y="0"/>
+          <a:chExt cx="0" cy="0"/>
+        </a:xfrm>
+      </p:grpSpPr>
+      <p:sp>
+        <p:nvSpPr>
+          <p:cNvPr id="3" name="Flowchart: Alternate Process 2">
+            <a:extLst>
+              <a:ext uri="{FF2B5EF4-FFF2-40B4-BE49-F238E27FC236}">
+                <a16:creationId xmlns:a16="http://schemas.microsoft.com/office/drawing/2014/main" id="{3B30FFE2-2CBA-4DB2-89F0-3BA152EA5199}"/>
+              </a:ext>
+            </a:extLst>
+          </p:cNvPr>
+          <p:cNvSpPr/>
+          <p:nvPr/>
+        </p:nvSpPr>
+        <p:spPr>
+          <a:xfrm>
+            <a:off x="221422" y="506609"/>
+            <a:ext cx="5600606" cy="1093618"/>
+          </a:xfrm>
+          <a:prstGeom prst="flowChartAlternateProcess">
+            <a:avLst/>
+          </a:prstGeom>
+          <a:noFill/>
+          <a:ln w="19050">
+            <a:solidFill>
+              <a:schemeClr val="tx1"/>
+            </a:solidFill>
+          </a:ln>
+        </p:spPr>
+        <p:style>
+          <a:lnRef idx="2">
+            <a:schemeClr val="accent1">
+              <a:shade val="50000"/>
+            </a:schemeClr>
+          </a:lnRef>
+          <a:fillRef idx="1">
+            <a:schemeClr val="accent1"/>
+          </a:fillRef>
+          <a:effectRef idx="0">
+            <a:schemeClr val="accent1"/>
+          </a:effectRef>
+          <a:fontRef idx="minor">
+            <a:schemeClr val="lt1"/>
+          </a:fontRef>
+        </p:style>
+        <p:txBody>
+          <a:bodyPr wrap="none" rtlCol="0" anchor="ctr" anchorCtr="1"/>
+          <a:lstStyle/>
+          <a:p>
+            <a:pPr algn="ctr"/>
+            <a:r>
+              <a:rPr lang="en-US" b="1" u="sng" dirty="0">
+                <a:solidFill>
+                  <a:schemeClr val="tx1"/>
+                </a:solidFill>
+              </a:rPr>
+              <a:t>Setup:</a:t>
+            </a:r>
+          </a:p>
+          <a:p>
+            <a:pPr algn="ctr"/>
+            <a:r>
+              <a:rPr lang="en-US" dirty="0">
+                <a:solidFill>
+                  <a:schemeClr val="tx1"/>
+                </a:solidFill>
+              </a:rPr>
+              <a:t>Serial Terminal, Initialize variables, Display LEDs, RTC</a:t>
+            </a:r>
+          </a:p>
+          <a:p>
+            <a:pPr algn="ctr"/>
+            <a:r>
+              <a:rPr lang="en-US" dirty="0">
+                <a:solidFill>
+                  <a:schemeClr val="tx1"/>
+                </a:solidFill>
+              </a:rPr>
+              <a:t>Max31865, Relay, Mode and ONOFF Switches, microSD</a:t>
+            </a:r>
+            <a:endParaRPr lang="en-SG" dirty="0">
+              <a:solidFill>
+                <a:schemeClr val="tx1"/>
+              </a:solidFill>
+            </a:endParaRPr>
+          </a:p>
+        </p:txBody>
+      </p:sp>
+      <p:sp>
+        <p:nvSpPr>
+          <p:cNvPr id="5" name="Flowchart: Alternate Process 4">
+            <a:extLst>
+              <a:ext uri="{FF2B5EF4-FFF2-40B4-BE49-F238E27FC236}">
+                <a16:creationId xmlns:a16="http://schemas.microsoft.com/office/drawing/2014/main" id="{D4497769-D382-48F2-B6A2-C0B593A60CE7}"/>
+              </a:ext>
+            </a:extLst>
+          </p:cNvPr>
+          <p:cNvSpPr/>
+          <p:nvPr/>
+        </p:nvSpPr>
+        <p:spPr>
+          <a:xfrm>
+            <a:off x="1839311" y="3744158"/>
+            <a:ext cx="2364828" cy="924911"/>
+          </a:xfrm>
+          <a:prstGeom prst="flowChartAlternateProcess">
+            <a:avLst/>
+          </a:prstGeom>
+          <a:noFill/>
+          <a:ln w="19050">
+            <a:solidFill>
+              <a:schemeClr val="tx1"/>
+            </a:solidFill>
+          </a:ln>
+        </p:spPr>
+        <p:style>
+          <a:lnRef idx="2">
+            <a:schemeClr val="accent1">
+              <a:shade val="50000"/>
+            </a:schemeClr>
+          </a:lnRef>
+          <a:fillRef idx="1">
+            <a:schemeClr val="accent1"/>
+          </a:fillRef>
+          <a:effectRef idx="0">
+            <a:schemeClr val="accent1"/>
+          </a:effectRef>
+          <a:fontRef idx="minor">
+            <a:schemeClr val="lt1"/>
+          </a:fontRef>
+        </p:style>
+        <p:txBody>
+          <a:bodyPr rtlCol="0" anchor="ctr"/>
+          <a:lstStyle/>
+          <a:p>
+            <a:pPr algn="ctr"/>
+            <a:r>
+              <a:rPr lang="en-US" dirty="0">
+                <a:solidFill>
+                  <a:schemeClr val="tx1"/>
+                </a:solidFill>
+              </a:rPr>
+              <a:t>Get time from RTC</a:t>
+            </a:r>
+            <a:endParaRPr lang="en-SG" dirty="0">
+              <a:solidFill>
+                <a:schemeClr val="tx1"/>
+              </a:solidFill>
+            </a:endParaRPr>
+          </a:p>
+        </p:txBody>
+      </p:sp>
+      <p:sp>
+        <p:nvSpPr>
+          <p:cNvPr id="153" name="Flowchart: Alternate Process 152">
+            <a:extLst>
+              <a:ext uri="{FF2B5EF4-FFF2-40B4-BE49-F238E27FC236}">
+                <a16:creationId xmlns:a16="http://schemas.microsoft.com/office/drawing/2014/main" id="{4876E00E-A9A8-4B15-A3D8-0BA3D90272A7}"/>
+              </a:ext>
+            </a:extLst>
+          </p:cNvPr>
+          <p:cNvSpPr/>
+          <p:nvPr/>
+        </p:nvSpPr>
+        <p:spPr>
+          <a:xfrm>
+            <a:off x="1271753" y="5278579"/>
+            <a:ext cx="3499944" cy="924911"/>
+          </a:xfrm>
+          <a:prstGeom prst="flowChartAlternateProcess">
+            <a:avLst/>
+          </a:prstGeom>
+          <a:noFill/>
+          <a:ln w="19050">
+            <a:solidFill>
+              <a:schemeClr val="tx1"/>
+            </a:solidFill>
+          </a:ln>
+        </p:spPr>
+        <p:style>
+          <a:lnRef idx="2">
+            <a:schemeClr val="accent1">
+              <a:shade val="50000"/>
+            </a:schemeClr>
+          </a:lnRef>
+          <a:fillRef idx="1">
+            <a:schemeClr val="accent1"/>
+          </a:fillRef>
+          <a:effectRef idx="0">
+            <a:schemeClr val="accent1"/>
+          </a:effectRef>
+          <a:fontRef idx="minor">
+            <a:schemeClr val="lt1"/>
+          </a:fontRef>
+        </p:style>
+        <p:txBody>
+          <a:bodyPr rtlCol="0" anchor="ctr"/>
+          <a:lstStyle/>
+          <a:p>
+            <a:pPr algn="ctr"/>
+            <a:r>
+              <a:rPr lang="en-US" dirty="0">
+                <a:solidFill>
+                  <a:schemeClr val="tx1"/>
+                </a:solidFill>
+              </a:rPr>
+              <a:t>Get temperature from Max31865</a:t>
+            </a:r>
+            <a:endParaRPr lang="en-SG" dirty="0">
+              <a:solidFill>
+                <a:schemeClr val="tx1"/>
+              </a:solidFill>
+            </a:endParaRPr>
+          </a:p>
+        </p:txBody>
+      </p:sp>
+      <p:sp>
+        <p:nvSpPr>
+          <p:cNvPr id="160" name="Flowchart: Alternate Process 159">
+            <a:extLst>
+              <a:ext uri="{FF2B5EF4-FFF2-40B4-BE49-F238E27FC236}">
+                <a16:creationId xmlns:a16="http://schemas.microsoft.com/office/drawing/2014/main" id="{FEBE8708-F46C-43AD-BB0D-B2C8E90BA906}"/>
+              </a:ext>
+            </a:extLst>
+          </p:cNvPr>
+          <p:cNvSpPr/>
+          <p:nvPr/>
+        </p:nvSpPr>
+        <p:spPr>
+          <a:xfrm>
+            <a:off x="6823545" y="1137771"/>
+            <a:ext cx="3499944" cy="924911"/>
+          </a:xfrm>
+          <a:prstGeom prst="flowChartAlternateProcess">
+            <a:avLst/>
+          </a:prstGeom>
+          <a:noFill/>
+          <a:ln w="19050">
+            <a:solidFill>
+              <a:schemeClr val="tx1"/>
+            </a:solidFill>
+          </a:ln>
+        </p:spPr>
+        <p:style>
+          <a:lnRef idx="2">
+            <a:schemeClr val="accent1">
+              <a:shade val="50000"/>
+            </a:schemeClr>
+          </a:lnRef>
+          <a:fillRef idx="1">
+            <a:schemeClr val="accent1"/>
+          </a:fillRef>
+          <a:effectRef idx="0">
+            <a:schemeClr val="accent1"/>
+          </a:effectRef>
+          <a:fontRef idx="minor">
+            <a:schemeClr val="lt1"/>
+          </a:fontRef>
+        </p:style>
+        <p:txBody>
+          <a:bodyPr rtlCol="0" anchor="ctr"/>
+          <a:lstStyle/>
+          <a:p>
+            <a:pPr algn="ctr"/>
+            <a:r>
+              <a:rPr lang="en-US" dirty="0">
+                <a:solidFill>
+                  <a:schemeClr val="tx1"/>
+                </a:solidFill>
+              </a:rPr>
+              <a:t>Display temperature on LEDs &amp; Serial Terminal</a:t>
+            </a:r>
+            <a:endParaRPr lang="en-SG" dirty="0">
+              <a:solidFill>
+                <a:schemeClr val="tx1"/>
+              </a:solidFill>
+            </a:endParaRPr>
+          </a:p>
+        </p:txBody>
+      </p:sp>
+      <p:sp>
+        <p:nvSpPr>
+          <p:cNvPr id="6" name="Flowchart: Decision 5">
+            <a:extLst>
+              <a:ext uri="{FF2B5EF4-FFF2-40B4-BE49-F238E27FC236}">
+                <a16:creationId xmlns:a16="http://schemas.microsoft.com/office/drawing/2014/main" id="{0CF47009-520F-4465-A0CA-CF764E09F90E}"/>
+              </a:ext>
+            </a:extLst>
+          </p:cNvPr>
+          <p:cNvSpPr/>
+          <p:nvPr/>
+        </p:nvSpPr>
+        <p:spPr>
+          <a:xfrm>
+            <a:off x="7480006" y="2448207"/>
+            <a:ext cx="2187019" cy="1234912"/>
+          </a:xfrm>
+          <a:prstGeom prst="flowChartDecision">
+            <a:avLst/>
+          </a:prstGeom>
+          <a:noFill/>
+          <a:ln w="19050">
+            <a:solidFill>
+              <a:schemeClr val="tx1"/>
+            </a:solidFill>
+          </a:ln>
+        </p:spPr>
+        <p:style>
+          <a:lnRef idx="2">
+            <a:schemeClr val="accent1">
+              <a:shade val="50000"/>
+            </a:schemeClr>
+          </a:lnRef>
+          <a:fillRef idx="1">
+            <a:schemeClr val="accent1"/>
+          </a:fillRef>
+          <a:effectRef idx="0">
+            <a:schemeClr val="accent1"/>
+          </a:effectRef>
+          <a:fontRef idx="minor">
+            <a:schemeClr val="lt1"/>
+          </a:fontRef>
+        </p:style>
+        <p:txBody>
+          <a:bodyPr rtlCol="0" anchor="ctr"/>
+          <a:lstStyle/>
+          <a:p>
+            <a:pPr algn="ctr"/>
+            <a:r>
+              <a:rPr lang="en-US" dirty="0">
+                <a:solidFill>
+                  <a:schemeClr val="tx1"/>
+                </a:solidFill>
+              </a:rPr>
+              <a:t>Manual Mode?</a:t>
+            </a:r>
+            <a:endParaRPr lang="en-SG" dirty="0">
+              <a:solidFill>
+                <a:schemeClr val="tx1"/>
+              </a:solidFill>
+            </a:endParaRPr>
+          </a:p>
+        </p:txBody>
+      </p:sp>
+      <p:sp>
+        <p:nvSpPr>
+          <p:cNvPr id="191" name="Flowchart: Alternate Process 190">
+            <a:extLst>
+              <a:ext uri="{FF2B5EF4-FFF2-40B4-BE49-F238E27FC236}">
+                <a16:creationId xmlns:a16="http://schemas.microsoft.com/office/drawing/2014/main" id="{6524414B-8D13-4F1F-8545-F0F210AACACD}"/>
+              </a:ext>
+            </a:extLst>
+          </p:cNvPr>
+          <p:cNvSpPr/>
+          <p:nvPr/>
+        </p:nvSpPr>
+        <p:spPr>
+          <a:xfrm>
+            <a:off x="872956" y="2209737"/>
+            <a:ext cx="4297538" cy="924911"/>
+          </a:xfrm>
+          <a:prstGeom prst="flowChartAlternateProcess">
+            <a:avLst/>
+          </a:prstGeom>
+          <a:noFill/>
+          <a:ln w="19050">
+            <a:solidFill>
+              <a:schemeClr val="tx1"/>
+            </a:solidFill>
+          </a:ln>
+        </p:spPr>
+        <p:style>
+          <a:lnRef idx="2">
+            <a:schemeClr val="accent1">
+              <a:shade val="50000"/>
+            </a:schemeClr>
+          </a:lnRef>
+          <a:fillRef idx="1">
+            <a:schemeClr val="accent1"/>
+          </a:fillRef>
+          <a:effectRef idx="0">
+            <a:schemeClr val="accent1"/>
+          </a:effectRef>
+          <a:fontRef idx="minor">
+            <a:schemeClr val="lt1"/>
+          </a:fontRef>
+        </p:style>
+        <p:txBody>
+          <a:bodyPr rtlCol="0" anchor="ctr"/>
+          <a:lstStyle/>
+          <a:p>
+            <a:pPr algn="ctr"/>
+            <a:r>
+              <a:rPr lang="en-US" dirty="0">
+                <a:solidFill>
+                  <a:schemeClr val="tx1"/>
+                </a:solidFill>
+              </a:rPr>
+              <a:t>Read states of MODE and ONOFF switches</a:t>
+            </a:r>
+            <a:endParaRPr lang="en-SG" dirty="0">
+              <a:solidFill>
+                <a:schemeClr val="tx1"/>
+              </a:solidFill>
+            </a:endParaRPr>
+          </a:p>
+        </p:txBody>
+      </p:sp>
+      <p:sp>
+        <p:nvSpPr>
+          <p:cNvPr id="193" name="Flowchart: Alternate Process 192">
+            <a:extLst>
+              <a:ext uri="{FF2B5EF4-FFF2-40B4-BE49-F238E27FC236}">
+                <a16:creationId xmlns:a16="http://schemas.microsoft.com/office/drawing/2014/main" id="{B1E8AA41-CA4F-46AA-BA21-0F8CCCAE668C}"/>
+              </a:ext>
+            </a:extLst>
+          </p:cNvPr>
+          <p:cNvSpPr/>
+          <p:nvPr/>
+        </p:nvSpPr>
+        <p:spPr>
+          <a:xfrm>
+            <a:off x="6725134" y="4515905"/>
+            <a:ext cx="3696768" cy="924911"/>
+          </a:xfrm>
+          <a:prstGeom prst="flowChartAlternateProcess">
+            <a:avLst/>
+          </a:prstGeom>
+          <a:noFill/>
+          <a:ln w="19050">
+            <a:solidFill>
+              <a:schemeClr val="tx1"/>
+            </a:solidFill>
+          </a:ln>
+        </p:spPr>
+        <p:style>
+          <a:lnRef idx="2">
+            <a:schemeClr val="accent1">
+              <a:shade val="50000"/>
+            </a:schemeClr>
+          </a:lnRef>
+          <a:fillRef idx="1">
+            <a:schemeClr val="accent1"/>
+          </a:fillRef>
+          <a:effectRef idx="0">
+            <a:schemeClr val="accent1"/>
+          </a:effectRef>
+          <a:fontRef idx="minor">
+            <a:schemeClr val="lt1"/>
+          </a:fontRef>
+        </p:style>
+        <p:txBody>
+          <a:bodyPr rtlCol="0" anchor="ctr"/>
+          <a:lstStyle/>
+          <a:p>
+            <a:pPr algn="ctr"/>
+            <a:r>
+              <a:rPr lang="en-US" dirty="0">
+                <a:solidFill>
+                  <a:schemeClr val="tx1"/>
+                </a:solidFill>
+              </a:rPr>
+              <a:t>Turn on/off Relay and light corresponding LED according to ONOFF switch</a:t>
+            </a:r>
+            <a:endParaRPr lang="en-SG" dirty="0">
+              <a:solidFill>
+                <a:schemeClr val="tx1"/>
+              </a:solidFill>
+            </a:endParaRPr>
+          </a:p>
+        </p:txBody>
+      </p:sp>
+      <p:cxnSp>
+        <p:nvCxnSpPr>
+          <p:cNvPr id="8" name="Straight Arrow Connector 7">
+            <a:extLst>
+              <a:ext uri="{FF2B5EF4-FFF2-40B4-BE49-F238E27FC236}">
+                <a16:creationId xmlns:a16="http://schemas.microsoft.com/office/drawing/2014/main" id="{9C7757EB-C525-48C6-9AD4-BE9B0C7446FF}"/>
+              </a:ext>
+            </a:extLst>
+          </p:cNvPr>
+          <p:cNvCxnSpPr>
+            <a:stCxn id="3" idx="2"/>
+            <a:endCxn id="191" idx="0"/>
+          </p:cNvCxnSpPr>
+          <p:nvPr/>
+        </p:nvCxnSpPr>
+        <p:spPr>
+          <a:xfrm>
+            <a:off x="3021725" y="1600227"/>
+            <a:ext cx="0" cy="609510"/>
+          </a:xfrm>
+          <a:prstGeom prst="straightConnector1">
+            <a:avLst/>
+          </a:prstGeom>
+          <a:ln w="19050">
+            <a:solidFill>
+              <a:schemeClr val="tx1"/>
+            </a:solidFill>
+            <a:tailEnd type="triangle"/>
+          </a:ln>
+        </p:spPr>
+        <p:style>
+          <a:lnRef idx="1">
+            <a:schemeClr val="accent1"/>
+          </a:lnRef>
+          <a:fillRef idx="0">
+            <a:schemeClr val="accent1"/>
+          </a:fillRef>
+          <a:effectRef idx="0">
+            <a:schemeClr val="accent1"/>
+          </a:effectRef>
+          <a:fontRef idx="minor">
+            <a:schemeClr val="tx1"/>
+          </a:fontRef>
+        </p:style>
+      </p:cxnSp>
+      <p:cxnSp>
+        <p:nvCxnSpPr>
+          <p:cNvPr id="9" name="Straight Arrow Connector 8">
+            <a:extLst>
+              <a:ext uri="{FF2B5EF4-FFF2-40B4-BE49-F238E27FC236}">
+                <a16:creationId xmlns:a16="http://schemas.microsoft.com/office/drawing/2014/main" id="{96AC824B-1F3C-48C1-B174-A8D790B90BFA}"/>
+              </a:ext>
+            </a:extLst>
+          </p:cNvPr>
+          <p:cNvCxnSpPr>
+            <a:cxnSpLocks/>
+            <a:stCxn id="191" idx="2"/>
+            <a:endCxn id="5" idx="0"/>
+          </p:cNvCxnSpPr>
+          <p:nvPr/>
+        </p:nvCxnSpPr>
+        <p:spPr>
+          <a:xfrm>
+            <a:off x="3021725" y="3134648"/>
+            <a:ext cx="0" cy="609510"/>
+          </a:xfrm>
+          <a:prstGeom prst="straightConnector1">
+            <a:avLst/>
+          </a:prstGeom>
+          <a:ln w="19050">
+            <a:solidFill>
+              <a:schemeClr val="tx1"/>
+            </a:solidFill>
+            <a:tailEnd type="triangle"/>
+          </a:ln>
+        </p:spPr>
+        <p:style>
+          <a:lnRef idx="1">
+            <a:schemeClr val="accent1"/>
+          </a:lnRef>
+          <a:fillRef idx="0">
+            <a:schemeClr val="accent1"/>
+          </a:fillRef>
+          <a:effectRef idx="0">
+            <a:schemeClr val="accent1"/>
+          </a:effectRef>
+          <a:fontRef idx="minor">
+            <a:schemeClr val="tx1"/>
+          </a:fontRef>
+        </p:style>
+      </p:cxnSp>
+      <p:cxnSp>
+        <p:nvCxnSpPr>
+          <p:cNvPr id="195" name="Straight Arrow Connector 194">
+            <a:extLst>
+              <a:ext uri="{FF2B5EF4-FFF2-40B4-BE49-F238E27FC236}">
+                <a16:creationId xmlns:a16="http://schemas.microsoft.com/office/drawing/2014/main" id="{49F91612-1050-4ACB-A6E7-ADE96DDE3981}"/>
+              </a:ext>
+            </a:extLst>
+          </p:cNvPr>
+          <p:cNvCxnSpPr>
+            <a:cxnSpLocks/>
+            <a:stCxn id="5" idx="2"/>
+            <a:endCxn id="153" idx="0"/>
+          </p:cNvCxnSpPr>
+          <p:nvPr/>
+        </p:nvCxnSpPr>
+        <p:spPr>
+          <a:xfrm>
+            <a:off x="3021725" y="4669069"/>
+            <a:ext cx="0" cy="609510"/>
+          </a:xfrm>
+          <a:prstGeom prst="straightConnector1">
+            <a:avLst/>
+          </a:prstGeom>
+          <a:ln w="19050">
+            <a:solidFill>
+              <a:schemeClr val="tx1"/>
+            </a:solidFill>
+            <a:tailEnd type="triangle"/>
+          </a:ln>
+        </p:spPr>
+        <p:style>
+          <a:lnRef idx="1">
+            <a:schemeClr val="accent1"/>
+          </a:lnRef>
+          <a:fillRef idx="0">
+            <a:schemeClr val="accent1"/>
+          </a:fillRef>
+          <a:effectRef idx="0">
+            <a:schemeClr val="accent1"/>
+          </a:effectRef>
+          <a:fontRef idx="minor">
+            <a:schemeClr val="tx1"/>
+          </a:fontRef>
+        </p:style>
+      </p:cxnSp>
+      <p:cxnSp>
+        <p:nvCxnSpPr>
+          <p:cNvPr id="196" name="Straight Arrow Connector 195">
+            <a:extLst>
+              <a:ext uri="{FF2B5EF4-FFF2-40B4-BE49-F238E27FC236}">
+                <a16:creationId xmlns:a16="http://schemas.microsoft.com/office/drawing/2014/main" id="{2A199E70-01FC-420C-A0EF-FB8318A8A776}"/>
+              </a:ext>
+            </a:extLst>
+          </p:cNvPr>
+          <p:cNvCxnSpPr>
+            <a:cxnSpLocks/>
+            <a:stCxn id="160" idx="2"/>
+            <a:endCxn id="6" idx="0"/>
+          </p:cNvCxnSpPr>
+          <p:nvPr/>
+        </p:nvCxnSpPr>
+        <p:spPr>
+          <a:xfrm flipH="1">
+            <a:off x="8573516" y="2062682"/>
+            <a:ext cx="1" cy="385525"/>
+          </a:xfrm>
+          <a:prstGeom prst="straightConnector1">
+            <a:avLst/>
+          </a:prstGeom>
+          <a:ln w="19050">
+            <a:solidFill>
+              <a:schemeClr val="tx1"/>
+            </a:solidFill>
+            <a:tailEnd type="triangle"/>
+          </a:ln>
+        </p:spPr>
+        <p:style>
+          <a:lnRef idx="1">
+            <a:schemeClr val="accent1"/>
+          </a:lnRef>
+          <a:fillRef idx="0">
+            <a:schemeClr val="accent1"/>
+          </a:fillRef>
+          <a:effectRef idx="0">
+            <a:schemeClr val="accent1"/>
+          </a:effectRef>
+          <a:fontRef idx="minor">
+            <a:schemeClr val="tx1"/>
+          </a:fontRef>
+        </p:style>
+      </p:cxnSp>
+      <p:cxnSp>
+        <p:nvCxnSpPr>
+          <p:cNvPr id="197" name="Straight Arrow Connector 196">
+            <a:extLst>
+              <a:ext uri="{FF2B5EF4-FFF2-40B4-BE49-F238E27FC236}">
+                <a16:creationId xmlns:a16="http://schemas.microsoft.com/office/drawing/2014/main" id="{1D06AF27-07AA-4A6D-BF5F-7A65DC13489D}"/>
+              </a:ext>
+            </a:extLst>
+          </p:cNvPr>
+          <p:cNvCxnSpPr>
+            <a:cxnSpLocks/>
+            <a:stCxn id="6" idx="2"/>
+            <a:endCxn id="193" idx="0"/>
+          </p:cNvCxnSpPr>
+          <p:nvPr/>
+        </p:nvCxnSpPr>
+        <p:spPr>
+          <a:xfrm>
+            <a:off x="8573516" y="3683119"/>
+            <a:ext cx="2" cy="832786"/>
+          </a:xfrm>
+          <a:prstGeom prst="straightConnector1">
+            <a:avLst/>
+          </a:prstGeom>
+          <a:ln w="19050">
+            <a:solidFill>
+              <a:schemeClr val="tx1"/>
+            </a:solidFill>
+            <a:tailEnd type="triangle"/>
+          </a:ln>
+        </p:spPr>
+        <p:style>
+          <a:lnRef idx="1">
+            <a:schemeClr val="accent1"/>
+          </a:lnRef>
+          <a:fillRef idx="0">
+            <a:schemeClr val="accent1"/>
+          </a:fillRef>
+          <a:effectRef idx="0">
+            <a:schemeClr val="accent1"/>
+          </a:effectRef>
+          <a:fontRef idx="minor">
+            <a:schemeClr val="tx1"/>
+          </a:fontRef>
+        </p:style>
+      </p:cxnSp>
+      <p:cxnSp>
+        <p:nvCxnSpPr>
+          <p:cNvPr id="29" name="Connector: Elbow 28">
+            <a:extLst>
+              <a:ext uri="{FF2B5EF4-FFF2-40B4-BE49-F238E27FC236}">
+                <a16:creationId xmlns:a16="http://schemas.microsoft.com/office/drawing/2014/main" id="{05D1C3F5-4B85-48EB-9D1E-AA1113784BD7}"/>
+              </a:ext>
+            </a:extLst>
+          </p:cNvPr>
+          <p:cNvCxnSpPr>
+            <a:stCxn id="153" idx="2"/>
+            <a:endCxn id="160" idx="0"/>
+          </p:cNvCxnSpPr>
+          <p:nvPr/>
+        </p:nvCxnSpPr>
+        <p:spPr>
+          <a:xfrm rot="5400000" flipH="1" flipV="1">
+            <a:off x="3264761" y="894735"/>
+            <a:ext cx="5065719" cy="5551792"/>
+          </a:xfrm>
+          <a:prstGeom prst="bentConnector5">
+            <a:avLst>
+              <a:gd name="adj1" fmla="val -4513"/>
+              <a:gd name="adj2" fmla="val 56962"/>
+              <a:gd name="adj3" fmla="val 114376"/>
+            </a:avLst>
+          </a:prstGeom>
+          <a:ln w="19050">
+            <a:solidFill>
+              <a:schemeClr val="tx1"/>
+            </a:solidFill>
+            <a:tailEnd type="triangle"/>
+          </a:ln>
+        </p:spPr>
+        <p:style>
+          <a:lnRef idx="1">
+            <a:schemeClr val="accent1"/>
+          </a:lnRef>
+          <a:fillRef idx="0">
+            <a:schemeClr val="accent1"/>
+          </a:fillRef>
+          <a:effectRef idx="0">
+            <a:schemeClr val="accent1"/>
+          </a:effectRef>
+          <a:fontRef idx="minor">
+            <a:schemeClr val="tx1"/>
+          </a:fontRef>
+        </p:style>
+      </p:cxnSp>
+      <p:cxnSp>
+        <p:nvCxnSpPr>
+          <p:cNvPr id="199" name="Straight Arrow Connector 198">
+            <a:extLst>
+              <a:ext uri="{FF2B5EF4-FFF2-40B4-BE49-F238E27FC236}">
+                <a16:creationId xmlns:a16="http://schemas.microsoft.com/office/drawing/2014/main" id="{4C233BE3-1B7B-4214-A009-1208CEDF2DFD}"/>
+              </a:ext>
+            </a:extLst>
+          </p:cNvPr>
+          <p:cNvCxnSpPr>
+            <a:cxnSpLocks/>
+            <a:stCxn id="193" idx="2"/>
+            <a:endCxn id="213" idx="0"/>
+          </p:cNvCxnSpPr>
+          <p:nvPr/>
+        </p:nvCxnSpPr>
+        <p:spPr>
+          <a:xfrm>
+            <a:off x="8573518" y="5440816"/>
+            <a:ext cx="0" cy="493263"/>
+          </a:xfrm>
+          <a:prstGeom prst="straightConnector1">
+            <a:avLst/>
+          </a:prstGeom>
+          <a:ln w="19050">
+            <a:solidFill>
+              <a:schemeClr val="tx1"/>
+            </a:solidFill>
+            <a:tailEnd type="triangle"/>
+          </a:ln>
+        </p:spPr>
+        <p:style>
+          <a:lnRef idx="1">
+            <a:schemeClr val="accent1"/>
+          </a:lnRef>
+          <a:fillRef idx="0">
+            <a:schemeClr val="accent1"/>
+          </a:fillRef>
+          <a:effectRef idx="0">
+            <a:schemeClr val="accent1"/>
+          </a:effectRef>
+          <a:fontRef idx="minor">
+            <a:schemeClr val="tx1"/>
+          </a:fontRef>
+        </p:style>
+      </p:cxnSp>
+      <p:cxnSp>
+        <p:nvCxnSpPr>
+          <p:cNvPr id="200" name="Straight Arrow Connector 199">
+            <a:extLst>
+              <a:ext uri="{FF2B5EF4-FFF2-40B4-BE49-F238E27FC236}">
+                <a16:creationId xmlns:a16="http://schemas.microsoft.com/office/drawing/2014/main" id="{5F6E8971-E561-4FAF-A1C4-DB8ACA08EEF9}"/>
+              </a:ext>
+            </a:extLst>
+          </p:cNvPr>
+          <p:cNvCxnSpPr>
+            <a:cxnSpLocks/>
+            <a:stCxn id="6" idx="3"/>
+            <a:endCxn id="211" idx="1"/>
+          </p:cNvCxnSpPr>
+          <p:nvPr/>
+        </p:nvCxnSpPr>
+        <p:spPr>
+          <a:xfrm>
+            <a:off x="9667025" y="3065663"/>
+            <a:ext cx="1145186" cy="0"/>
+          </a:xfrm>
+          <a:prstGeom prst="straightConnector1">
+            <a:avLst/>
+          </a:prstGeom>
+          <a:ln>
+            <a:tailEnd type="triangle"/>
+          </a:ln>
+        </p:spPr>
+        <p:style>
+          <a:lnRef idx="1">
+            <a:schemeClr val="accent1"/>
+          </a:lnRef>
+          <a:fillRef idx="0">
+            <a:schemeClr val="accent1"/>
+          </a:fillRef>
+          <a:effectRef idx="0">
+            <a:schemeClr val="accent1"/>
+          </a:effectRef>
+          <a:fontRef idx="minor">
+            <a:schemeClr val="tx1"/>
+          </a:fontRef>
+        </p:style>
+      </p:cxnSp>
+      <p:sp>
+        <p:nvSpPr>
+          <p:cNvPr id="42" name="TextBox 41">
+            <a:extLst>
+              <a:ext uri="{FF2B5EF4-FFF2-40B4-BE49-F238E27FC236}">
+                <a16:creationId xmlns:a16="http://schemas.microsoft.com/office/drawing/2014/main" id="{3BBCAAD2-F96B-43E6-AD3E-21B41CD114C9}"/>
+              </a:ext>
+            </a:extLst>
+          </p:cNvPr>
+          <p:cNvSpPr txBox="1"/>
+          <p:nvPr/>
+        </p:nvSpPr>
+        <p:spPr>
+          <a:xfrm>
+            <a:off x="343918" y="2357777"/>
+            <a:ext cx="448666" cy="707886"/>
+          </a:xfrm>
+          <a:prstGeom prst="rect">
+            <a:avLst/>
+          </a:prstGeom>
+          <a:noFill/>
+          <a:ln w="19050">
+            <a:noFill/>
+          </a:ln>
+        </p:spPr>
+        <p:txBody>
+          <a:bodyPr wrap="square" rtlCol="0">
+            <a:spAutoFit/>
+          </a:bodyPr>
+          <a:lstStyle/>
+          <a:p>
+            <a:r>
+              <a:rPr lang="en-US" sz="4000" dirty="0"/>
+              <a:t>*</a:t>
+            </a:r>
+            <a:endParaRPr lang="en-SG" sz="4000" dirty="0"/>
+          </a:p>
+        </p:txBody>
+      </p:sp>
+      <p:sp>
+        <p:nvSpPr>
+          <p:cNvPr id="209" name="TextBox 208">
+            <a:extLst>
+              <a:ext uri="{FF2B5EF4-FFF2-40B4-BE49-F238E27FC236}">
+                <a16:creationId xmlns:a16="http://schemas.microsoft.com/office/drawing/2014/main" id="{78143F43-6741-47E5-8FEC-57F3603C8AFC}"/>
+              </a:ext>
+            </a:extLst>
+          </p:cNvPr>
+          <p:cNvSpPr txBox="1"/>
+          <p:nvPr/>
+        </p:nvSpPr>
+        <p:spPr>
+          <a:xfrm>
+            <a:off x="8539415" y="3624047"/>
+            <a:ext cx="335348" cy="461665"/>
+          </a:xfrm>
+          <a:prstGeom prst="rect">
+            <a:avLst/>
+          </a:prstGeom>
+          <a:noFill/>
+        </p:spPr>
+        <p:txBody>
+          <a:bodyPr wrap="square" rtlCol="0">
+            <a:spAutoFit/>
+          </a:bodyPr>
+          <a:lstStyle/>
+          <a:p>
+            <a:r>
+              <a:rPr lang="en-US" sz="2400" dirty="0"/>
+              <a:t>Y</a:t>
+            </a:r>
+            <a:endParaRPr lang="en-SG" sz="2400" dirty="0"/>
+          </a:p>
+        </p:txBody>
+      </p:sp>
+      <p:sp>
+        <p:nvSpPr>
+          <p:cNvPr id="210" name="TextBox 209">
+            <a:extLst>
+              <a:ext uri="{FF2B5EF4-FFF2-40B4-BE49-F238E27FC236}">
+                <a16:creationId xmlns:a16="http://schemas.microsoft.com/office/drawing/2014/main" id="{217215F9-60D9-4624-B955-40D67EA74753}"/>
+              </a:ext>
+            </a:extLst>
+          </p:cNvPr>
+          <p:cNvSpPr txBox="1"/>
+          <p:nvPr/>
+        </p:nvSpPr>
+        <p:spPr>
+          <a:xfrm>
+            <a:off x="9628774" y="2664999"/>
+            <a:ext cx="335348" cy="461665"/>
+          </a:xfrm>
+          <a:prstGeom prst="rect">
+            <a:avLst/>
+          </a:prstGeom>
+          <a:noFill/>
+        </p:spPr>
+        <p:txBody>
+          <a:bodyPr wrap="square" rtlCol="0">
+            <a:spAutoFit/>
+          </a:bodyPr>
+          <a:lstStyle/>
+          <a:p>
+            <a:r>
+              <a:rPr lang="en-US" sz="2400" dirty="0"/>
+              <a:t>N</a:t>
+            </a:r>
+            <a:endParaRPr lang="en-SG" sz="2400" dirty="0"/>
+          </a:p>
+        </p:txBody>
+      </p:sp>
+      <p:sp>
+        <p:nvSpPr>
+          <p:cNvPr id="211" name="TextBox 210">
+            <a:extLst>
+              <a:ext uri="{FF2B5EF4-FFF2-40B4-BE49-F238E27FC236}">
+                <a16:creationId xmlns:a16="http://schemas.microsoft.com/office/drawing/2014/main" id="{76EA9DD5-9C28-4CED-A331-01DB91748110}"/>
+              </a:ext>
+            </a:extLst>
+          </p:cNvPr>
+          <p:cNvSpPr txBox="1"/>
+          <p:nvPr/>
+        </p:nvSpPr>
+        <p:spPr>
+          <a:xfrm>
+            <a:off x="10812211" y="2650164"/>
+            <a:ext cx="1164326" cy="830997"/>
+          </a:xfrm>
+          <a:prstGeom prst="rect">
+            <a:avLst/>
+          </a:prstGeom>
+          <a:noFill/>
+        </p:spPr>
+        <p:txBody>
+          <a:bodyPr wrap="square" rtlCol="0">
+            <a:spAutoFit/>
+          </a:bodyPr>
+          <a:lstStyle/>
+          <a:p>
+            <a:r>
+              <a:rPr lang="en-US" sz="2400" dirty="0" err="1"/>
+              <a:t>Cont</a:t>
+            </a:r>
+            <a:r>
+              <a:rPr lang="en-US" sz="2400" dirty="0"/>
+              <a:t> on</a:t>
+            </a:r>
+          </a:p>
+          <a:p>
+            <a:r>
+              <a:rPr lang="en-US" sz="2400" dirty="0"/>
+              <a:t>next </a:t>
+            </a:r>
+            <a:r>
+              <a:rPr lang="en-US" sz="2400" dirty="0" err="1"/>
+              <a:t>pg</a:t>
+            </a:r>
+            <a:endParaRPr lang="en-SG" sz="2400" dirty="0"/>
+          </a:p>
+        </p:txBody>
+      </p:sp>
+      <p:sp>
+        <p:nvSpPr>
+          <p:cNvPr id="213" name="TextBox 212">
+            <a:extLst>
+              <a:ext uri="{FF2B5EF4-FFF2-40B4-BE49-F238E27FC236}">
+                <a16:creationId xmlns:a16="http://schemas.microsoft.com/office/drawing/2014/main" id="{3422BB09-D096-4B6E-96A8-296DB76B5114}"/>
+              </a:ext>
+            </a:extLst>
+          </p:cNvPr>
+          <p:cNvSpPr txBox="1"/>
+          <p:nvPr/>
+        </p:nvSpPr>
+        <p:spPr>
+          <a:xfrm>
+            <a:off x="8078611" y="5934079"/>
+            <a:ext cx="989814" cy="707886"/>
+          </a:xfrm>
+          <a:prstGeom prst="rect">
+            <a:avLst/>
+          </a:prstGeom>
+          <a:noFill/>
+        </p:spPr>
+        <p:txBody>
+          <a:bodyPr wrap="square" rtlCol="0">
+            <a:spAutoFit/>
+          </a:bodyPr>
+          <a:lstStyle/>
+          <a:p>
+            <a:r>
+              <a:rPr lang="en-US" sz="4000" dirty="0"/>
+              <a:t>To*</a:t>
+            </a:r>
+            <a:endParaRPr lang="en-SG" sz="4000" dirty="0"/>
+          </a:p>
+        </p:txBody>
+      </p:sp>
+    </p:spTree>
+    <p:extLst>
+      <p:ext uri="{BB962C8B-B14F-4D97-AF65-F5344CB8AC3E}">
+        <p14:creationId xmlns:p14="http://schemas.microsoft.com/office/powerpoint/2010/main" val="1907060922"/>
+      </p:ext>
+    </p:extLst>
+  </p:cSld>
+  <p:clrMapOvr>
+    <a:masterClrMapping/>
+  </p:clrMapOvr>
+</p:sld>
+</file>
+
+<file path=ppt/slides/slide8.xml><?xml version="1.0" encoding="utf-8"?>
+<p:sld xmlns:a="http://schemas.openxmlformats.org/drawingml/2006/main" xmlns:r="http://schemas.openxmlformats.org/officeDocument/2006/relationships" xmlns:p="http://schemas.openxmlformats.org/presentationml/2006/main">
+  <p:cSld>
+    <p:spTree>
+      <p:nvGrpSpPr>
+        <p:cNvPr id="1" name=""/>
+        <p:cNvGrpSpPr/>
+        <p:nvPr/>
+      </p:nvGrpSpPr>
+      <p:grpSpPr>
+        <a:xfrm>
+          <a:off x="0" y="0"/>
+          <a:ext cx="0" cy="0"/>
+          <a:chOff x="0" y="0"/>
+          <a:chExt cx="0" cy="0"/>
+        </a:xfrm>
+      </p:grpSpPr>
+      <p:sp>
+        <p:nvSpPr>
+          <p:cNvPr id="194" name="Flowchart: Decision 193">
+            <a:extLst>
+              <a:ext uri="{FF2B5EF4-FFF2-40B4-BE49-F238E27FC236}">
+                <a16:creationId xmlns:a16="http://schemas.microsoft.com/office/drawing/2014/main" id="{E29249EC-2739-4E96-9125-A05CDEC4B147}"/>
+              </a:ext>
+            </a:extLst>
+          </p:cNvPr>
+          <p:cNvSpPr/>
+          <p:nvPr/>
+        </p:nvSpPr>
+        <p:spPr>
+          <a:xfrm>
+            <a:off x="2968764" y="497337"/>
+            <a:ext cx="2187019" cy="1234912"/>
+          </a:xfrm>
+          <a:prstGeom prst="flowChartDecision">
+            <a:avLst/>
+          </a:prstGeom>
+          <a:noFill/>
+          <a:ln w="19050"/>
+        </p:spPr>
+        <p:style>
+          <a:lnRef idx="2">
+            <a:schemeClr val="accent1">
+              <a:shade val="50000"/>
+            </a:schemeClr>
+          </a:lnRef>
+          <a:fillRef idx="1">
+            <a:schemeClr val="accent1"/>
+          </a:fillRef>
+          <a:effectRef idx="0">
+            <a:schemeClr val="accent1"/>
+          </a:effectRef>
+          <a:fontRef idx="minor">
+            <a:schemeClr val="lt1"/>
+          </a:fontRef>
+        </p:style>
+        <p:txBody>
+          <a:bodyPr rtlCol="0" anchor="ctr"/>
+          <a:lstStyle/>
+          <a:p>
+            <a:pPr algn="ctr"/>
+            <a:r>
+              <a:rPr lang="en-US" dirty="0">
+                <a:solidFill>
+                  <a:schemeClr val="tx1"/>
+                </a:solidFill>
+              </a:rPr>
+              <a:t>Cooling?</a:t>
+            </a:r>
+            <a:endParaRPr lang="en-SG" dirty="0">
+              <a:solidFill>
+                <a:schemeClr val="tx1"/>
+              </a:solidFill>
+            </a:endParaRPr>
+          </a:p>
+        </p:txBody>
+      </p:sp>
+      <p:sp>
+        <p:nvSpPr>
+          <p:cNvPr id="10" name="Flowchart: Alternate Process 9">
+            <a:extLst>
+              <a:ext uri="{FF2B5EF4-FFF2-40B4-BE49-F238E27FC236}">
+                <a16:creationId xmlns:a16="http://schemas.microsoft.com/office/drawing/2014/main" id="{7ECFEA9F-9606-4C28-ACAA-FE93E5886216}"/>
+              </a:ext>
+            </a:extLst>
+          </p:cNvPr>
+          <p:cNvSpPr/>
+          <p:nvPr/>
+        </p:nvSpPr>
+        <p:spPr>
+          <a:xfrm>
+            <a:off x="2711437" y="2104357"/>
+            <a:ext cx="2701672" cy="924911"/>
+          </a:xfrm>
+          <a:prstGeom prst="flowChartAlternateProcess">
+            <a:avLst/>
+          </a:prstGeom>
+          <a:noFill/>
+          <a:ln w="19050"/>
+        </p:spPr>
+        <p:style>
+          <a:lnRef idx="2">
+            <a:schemeClr val="accent1">
+              <a:shade val="50000"/>
+            </a:schemeClr>
+          </a:lnRef>
+          <a:fillRef idx="1">
+            <a:schemeClr val="accent1"/>
+          </a:fillRef>
+          <a:effectRef idx="0">
+            <a:schemeClr val="accent1"/>
+          </a:effectRef>
+          <a:fontRef idx="minor">
+            <a:schemeClr val="lt1"/>
+          </a:fontRef>
+        </p:style>
+        <p:txBody>
+          <a:bodyPr rtlCol="0" anchor="ctr"/>
+          <a:lstStyle/>
+          <a:p>
+            <a:pPr algn="ctr"/>
+            <a:r>
+              <a:rPr lang="en-US" dirty="0">
+                <a:solidFill>
+                  <a:schemeClr val="tx1"/>
+                </a:solidFill>
+              </a:rPr>
+              <a:t>Turn on Relay and corresponding LED</a:t>
+            </a:r>
+            <a:endParaRPr lang="en-SG" dirty="0">
+              <a:solidFill>
+                <a:schemeClr val="tx1"/>
+              </a:solidFill>
+            </a:endParaRPr>
+          </a:p>
+        </p:txBody>
+      </p:sp>
+      <p:sp>
+        <p:nvSpPr>
+          <p:cNvPr id="11" name="Flowchart: Decision 10">
+            <a:extLst>
+              <a:ext uri="{FF2B5EF4-FFF2-40B4-BE49-F238E27FC236}">
+                <a16:creationId xmlns:a16="http://schemas.microsoft.com/office/drawing/2014/main" id="{BA82065C-DE15-4011-B52B-C47236410889}"/>
+              </a:ext>
+            </a:extLst>
+          </p:cNvPr>
+          <p:cNvSpPr/>
+          <p:nvPr/>
+        </p:nvSpPr>
+        <p:spPr>
+          <a:xfrm>
+            <a:off x="2968764" y="3451235"/>
+            <a:ext cx="2187019" cy="1234912"/>
+          </a:xfrm>
+          <a:prstGeom prst="flowChartDecision">
+            <a:avLst/>
+          </a:prstGeom>
+          <a:noFill/>
+          <a:ln w="19050"/>
+        </p:spPr>
+        <p:style>
+          <a:lnRef idx="2">
+            <a:schemeClr val="accent1">
+              <a:shade val="50000"/>
+            </a:schemeClr>
+          </a:lnRef>
+          <a:fillRef idx="1">
+            <a:schemeClr val="accent1"/>
+          </a:fillRef>
+          <a:effectRef idx="0">
+            <a:schemeClr val="accent1"/>
+          </a:effectRef>
+          <a:fontRef idx="minor">
+            <a:schemeClr val="lt1"/>
+          </a:fontRef>
+        </p:style>
+        <p:txBody>
+          <a:bodyPr rtlCol="0" anchor="ctr"/>
+          <a:lstStyle/>
+          <a:p>
+            <a:pPr algn="ctr"/>
+            <a:r>
+              <a:rPr lang="en-US" dirty="0">
+                <a:solidFill>
+                  <a:schemeClr val="tx1"/>
+                </a:solidFill>
+              </a:rPr>
+              <a:t>Temp &lt; Lower Limit?</a:t>
+            </a:r>
+            <a:endParaRPr lang="en-SG" dirty="0">
+              <a:solidFill>
+                <a:schemeClr val="tx1"/>
+              </a:solidFill>
+            </a:endParaRPr>
+          </a:p>
+        </p:txBody>
+      </p:sp>
+      <p:sp>
+        <p:nvSpPr>
+          <p:cNvPr id="12" name="Flowchart: Alternate Process 11">
+            <a:extLst>
+              <a:ext uri="{FF2B5EF4-FFF2-40B4-BE49-F238E27FC236}">
+                <a16:creationId xmlns:a16="http://schemas.microsoft.com/office/drawing/2014/main" id="{B55162AD-8EDC-4FB5-8A79-23992EB3C37D}"/>
+              </a:ext>
+            </a:extLst>
+          </p:cNvPr>
+          <p:cNvSpPr/>
+          <p:nvPr/>
+        </p:nvSpPr>
+        <p:spPr>
+          <a:xfrm>
+            <a:off x="2711437" y="5048644"/>
+            <a:ext cx="2701672" cy="924911"/>
+          </a:xfrm>
+          <a:prstGeom prst="flowChartAlternateProcess">
+            <a:avLst/>
+          </a:prstGeom>
+          <a:noFill/>
+          <a:ln w="19050"/>
+        </p:spPr>
+        <p:style>
+          <a:lnRef idx="2">
+            <a:schemeClr val="accent1">
+              <a:shade val="50000"/>
+            </a:schemeClr>
+          </a:lnRef>
+          <a:fillRef idx="1">
+            <a:schemeClr val="accent1"/>
+          </a:fillRef>
+          <a:effectRef idx="0">
+            <a:schemeClr val="accent1"/>
+          </a:effectRef>
+          <a:fontRef idx="minor">
+            <a:schemeClr val="lt1"/>
+          </a:fontRef>
+        </p:style>
+        <p:txBody>
+          <a:bodyPr rtlCol="0" anchor="ctr"/>
+          <a:lstStyle/>
+          <a:p>
+            <a:pPr algn="ctr"/>
+            <a:r>
+              <a:rPr lang="en-US" dirty="0">
+                <a:solidFill>
+                  <a:schemeClr val="tx1"/>
+                </a:solidFill>
+              </a:rPr>
+              <a:t>Turn off Relay and corresponding LED. Set cooling = false</a:t>
+            </a:r>
+            <a:endParaRPr lang="en-SG" dirty="0">
+              <a:solidFill>
+                <a:schemeClr val="tx1"/>
+              </a:solidFill>
+            </a:endParaRPr>
+          </a:p>
+        </p:txBody>
+      </p:sp>
+      <p:sp>
+        <p:nvSpPr>
+          <p:cNvPr id="13" name="Flowchart: Alternate Process 12">
+            <a:extLst>
+              <a:ext uri="{FF2B5EF4-FFF2-40B4-BE49-F238E27FC236}">
+                <a16:creationId xmlns:a16="http://schemas.microsoft.com/office/drawing/2014/main" id="{B64BC88B-10D1-4B78-B1EA-511092A61ABE}"/>
+              </a:ext>
+            </a:extLst>
+          </p:cNvPr>
+          <p:cNvSpPr/>
+          <p:nvPr/>
+        </p:nvSpPr>
+        <p:spPr>
+          <a:xfrm>
+            <a:off x="6823670" y="652336"/>
+            <a:ext cx="2701672" cy="924911"/>
+          </a:xfrm>
+          <a:prstGeom prst="flowChartAlternateProcess">
+            <a:avLst/>
+          </a:prstGeom>
+          <a:noFill/>
+          <a:ln w="19050"/>
+        </p:spPr>
+        <p:style>
+          <a:lnRef idx="2">
+            <a:schemeClr val="accent1">
+              <a:shade val="50000"/>
+            </a:schemeClr>
+          </a:lnRef>
+          <a:fillRef idx="1">
+            <a:schemeClr val="accent1"/>
+          </a:fillRef>
+          <a:effectRef idx="0">
+            <a:schemeClr val="accent1"/>
+          </a:effectRef>
+          <a:fontRef idx="minor">
+            <a:schemeClr val="lt1"/>
+          </a:fontRef>
+        </p:style>
+        <p:txBody>
+          <a:bodyPr rtlCol="0" anchor="ctr"/>
+          <a:lstStyle/>
+          <a:p>
+            <a:pPr algn="ctr"/>
+            <a:r>
+              <a:rPr lang="en-US" dirty="0">
+                <a:solidFill>
+                  <a:schemeClr val="tx1"/>
+                </a:solidFill>
+              </a:rPr>
+              <a:t>Turn off Relay and corresponding LED</a:t>
+            </a:r>
+            <a:endParaRPr lang="en-SG" dirty="0">
+              <a:solidFill>
+                <a:schemeClr val="tx1"/>
+              </a:solidFill>
+            </a:endParaRPr>
+          </a:p>
+        </p:txBody>
+      </p:sp>
+      <p:sp>
+        <p:nvSpPr>
+          <p:cNvPr id="14" name="Flowchart: Decision 13">
+            <a:extLst>
+              <a:ext uri="{FF2B5EF4-FFF2-40B4-BE49-F238E27FC236}">
+                <a16:creationId xmlns:a16="http://schemas.microsoft.com/office/drawing/2014/main" id="{1D2FEC2D-8754-4AF1-8C16-D4FFB17B95B6}"/>
+              </a:ext>
+            </a:extLst>
+          </p:cNvPr>
+          <p:cNvSpPr/>
+          <p:nvPr/>
+        </p:nvSpPr>
+        <p:spPr>
+          <a:xfrm>
+            <a:off x="7080995" y="1944351"/>
+            <a:ext cx="2187019" cy="1234912"/>
+          </a:xfrm>
+          <a:prstGeom prst="flowChartDecision">
+            <a:avLst/>
+          </a:prstGeom>
+          <a:noFill/>
+          <a:ln w="19050"/>
+        </p:spPr>
+        <p:style>
+          <a:lnRef idx="2">
+            <a:schemeClr val="accent1">
+              <a:shade val="50000"/>
+            </a:schemeClr>
+          </a:lnRef>
+          <a:fillRef idx="1">
+            <a:schemeClr val="accent1"/>
+          </a:fillRef>
+          <a:effectRef idx="0">
+            <a:schemeClr val="accent1"/>
+          </a:effectRef>
+          <a:fontRef idx="minor">
+            <a:schemeClr val="lt1"/>
+          </a:fontRef>
+        </p:style>
+        <p:txBody>
+          <a:bodyPr rtlCol="0" anchor="ctr"/>
+          <a:lstStyle/>
+          <a:p>
+            <a:pPr algn="ctr"/>
+            <a:r>
+              <a:rPr lang="en-US" dirty="0">
+                <a:solidFill>
+                  <a:schemeClr val="tx1"/>
+                </a:solidFill>
+              </a:rPr>
+              <a:t>Temp &lt; Upper Limit?</a:t>
+            </a:r>
+            <a:endParaRPr lang="en-SG" dirty="0">
+              <a:solidFill>
+                <a:schemeClr val="tx1"/>
+              </a:solidFill>
+            </a:endParaRPr>
+          </a:p>
+        </p:txBody>
+      </p:sp>
+      <p:sp>
+        <p:nvSpPr>
+          <p:cNvPr id="15" name="Flowchart: Alternate Process 14">
+            <a:extLst>
+              <a:ext uri="{FF2B5EF4-FFF2-40B4-BE49-F238E27FC236}">
+                <a16:creationId xmlns:a16="http://schemas.microsoft.com/office/drawing/2014/main" id="{E6C4EF27-DCAB-4333-9371-018C63415561}"/>
+              </a:ext>
+            </a:extLst>
+          </p:cNvPr>
+          <p:cNvSpPr/>
+          <p:nvPr/>
+        </p:nvSpPr>
+        <p:spPr>
+          <a:xfrm>
+            <a:off x="6823670" y="3606234"/>
+            <a:ext cx="2701672" cy="924911"/>
+          </a:xfrm>
+          <a:prstGeom prst="flowChartAlternateProcess">
+            <a:avLst/>
+          </a:prstGeom>
+          <a:noFill/>
+          <a:ln w="19050"/>
+        </p:spPr>
+        <p:style>
+          <a:lnRef idx="2">
+            <a:schemeClr val="accent1">
+              <a:shade val="50000"/>
+            </a:schemeClr>
+          </a:lnRef>
+          <a:fillRef idx="1">
+            <a:schemeClr val="accent1"/>
+          </a:fillRef>
+          <a:effectRef idx="0">
+            <a:schemeClr val="accent1"/>
+          </a:effectRef>
+          <a:fontRef idx="minor">
+            <a:schemeClr val="lt1"/>
+          </a:fontRef>
+        </p:style>
+        <p:txBody>
+          <a:bodyPr rtlCol="0" anchor="ctr"/>
+          <a:lstStyle/>
+          <a:p>
+            <a:pPr algn="ctr"/>
+            <a:r>
+              <a:rPr lang="en-US" dirty="0">
+                <a:solidFill>
+                  <a:schemeClr val="tx1"/>
+                </a:solidFill>
+              </a:rPr>
+              <a:t>Turn off Relay and corresponding LED. Set cooling = true</a:t>
+            </a:r>
+            <a:endParaRPr lang="en-SG" dirty="0">
+              <a:solidFill>
+                <a:schemeClr val="tx1"/>
+              </a:solidFill>
+            </a:endParaRPr>
+          </a:p>
+        </p:txBody>
+      </p:sp>
+      <p:cxnSp>
+        <p:nvCxnSpPr>
+          <p:cNvPr id="4" name="Straight Arrow Connector 3">
+            <a:extLst>
+              <a:ext uri="{FF2B5EF4-FFF2-40B4-BE49-F238E27FC236}">
+                <a16:creationId xmlns:a16="http://schemas.microsoft.com/office/drawing/2014/main" id="{062D4107-1EBD-4314-9681-2490B175BF60}"/>
+              </a:ext>
+            </a:extLst>
+          </p:cNvPr>
+          <p:cNvCxnSpPr>
+            <a:stCxn id="194" idx="2"/>
+            <a:endCxn id="10" idx="0"/>
+          </p:cNvCxnSpPr>
+          <p:nvPr/>
+        </p:nvCxnSpPr>
+        <p:spPr>
+          <a:xfrm flipH="1">
+            <a:off x="4062273" y="1732249"/>
+            <a:ext cx="1" cy="372108"/>
+          </a:xfrm>
+          <a:prstGeom prst="straightConnector1">
+            <a:avLst/>
+          </a:prstGeom>
+          <a:ln w="19050">
+            <a:tailEnd type="triangle"/>
+          </a:ln>
+        </p:spPr>
+        <p:style>
+          <a:lnRef idx="1">
+            <a:schemeClr val="accent1"/>
+          </a:lnRef>
+          <a:fillRef idx="0">
+            <a:schemeClr val="accent1"/>
+          </a:fillRef>
+          <a:effectRef idx="0">
+            <a:schemeClr val="accent1"/>
+          </a:effectRef>
+          <a:fontRef idx="minor">
+            <a:schemeClr val="tx1"/>
+          </a:fontRef>
+        </p:style>
+      </p:cxnSp>
+      <p:cxnSp>
+        <p:nvCxnSpPr>
+          <p:cNvPr id="25" name="Connector: Elbow 24">
+            <a:extLst>
+              <a:ext uri="{FF2B5EF4-FFF2-40B4-BE49-F238E27FC236}">
+                <a16:creationId xmlns:a16="http://schemas.microsoft.com/office/drawing/2014/main" id="{347D58BC-DC94-4831-BA69-02A697254B3B}"/>
+              </a:ext>
+            </a:extLst>
+          </p:cNvPr>
+          <p:cNvCxnSpPr>
+            <a:cxnSpLocks/>
+            <a:endCxn id="194" idx="0"/>
+          </p:cNvCxnSpPr>
+          <p:nvPr/>
+        </p:nvCxnSpPr>
+        <p:spPr>
+          <a:xfrm flipV="1">
+            <a:off x="630226" y="497337"/>
+            <a:ext cx="3432048" cy="2037436"/>
+          </a:xfrm>
+          <a:prstGeom prst="bentConnector4">
+            <a:avLst>
+              <a:gd name="adj1" fmla="val 34069"/>
+              <a:gd name="adj2" fmla="val 111220"/>
+            </a:avLst>
+          </a:prstGeom>
+          <a:ln w="19050">
+            <a:tailEnd type="triangle"/>
+          </a:ln>
+        </p:spPr>
+        <p:style>
+          <a:lnRef idx="1">
+            <a:schemeClr val="accent1"/>
+          </a:lnRef>
+          <a:fillRef idx="0">
+            <a:schemeClr val="accent1"/>
+          </a:fillRef>
+          <a:effectRef idx="0">
+            <a:schemeClr val="accent1"/>
+          </a:effectRef>
+          <a:fontRef idx="minor">
+            <a:schemeClr val="tx1"/>
+          </a:fontRef>
+        </p:style>
+      </p:cxnSp>
+      <p:cxnSp>
+        <p:nvCxnSpPr>
+          <p:cNvPr id="27" name="Straight Arrow Connector 26">
+            <a:extLst>
+              <a:ext uri="{FF2B5EF4-FFF2-40B4-BE49-F238E27FC236}">
+                <a16:creationId xmlns:a16="http://schemas.microsoft.com/office/drawing/2014/main" id="{97AD8DA8-1358-42FF-8E58-BE5BFF6639A7}"/>
+              </a:ext>
+            </a:extLst>
+          </p:cNvPr>
+          <p:cNvCxnSpPr>
+            <a:stCxn id="194" idx="3"/>
+            <a:endCxn id="13" idx="1"/>
+          </p:cNvCxnSpPr>
+          <p:nvPr/>
+        </p:nvCxnSpPr>
+        <p:spPr>
+          <a:xfrm flipV="1">
+            <a:off x="5155783" y="1114792"/>
+            <a:ext cx="1667887" cy="1"/>
+          </a:xfrm>
+          <a:prstGeom prst="straightConnector1">
+            <a:avLst/>
+          </a:prstGeom>
+          <a:ln w="19050">
+            <a:tailEnd type="triangle"/>
+          </a:ln>
+        </p:spPr>
+        <p:style>
+          <a:lnRef idx="1">
+            <a:schemeClr val="accent1"/>
+          </a:lnRef>
+          <a:fillRef idx="0">
+            <a:schemeClr val="accent1"/>
+          </a:fillRef>
+          <a:effectRef idx="0">
+            <a:schemeClr val="accent1"/>
+          </a:effectRef>
+          <a:fontRef idx="minor">
+            <a:schemeClr val="tx1"/>
+          </a:fontRef>
+        </p:style>
+      </p:cxnSp>
+      <p:cxnSp>
+        <p:nvCxnSpPr>
+          <p:cNvPr id="36" name="Straight Arrow Connector 35">
+            <a:extLst>
+              <a:ext uri="{FF2B5EF4-FFF2-40B4-BE49-F238E27FC236}">
+                <a16:creationId xmlns:a16="http://schemas.microsoft.com/office/drawing/2014/main" id="{13AD6A7A-3F15-4ED8-BB91-9D646279162D}"/>
+              </a:ext>
+            </a:extLst>
+          </p:cNvPr>
+          <p:cNvCxnSpPr>
+            <a:cxnSpLocks/>
+            <a:stCxn id="10" idx="2"/>
+            <a:endCxn id="11" idx="0"/>
+          </p:cNvCxnSpPr>
+          <p:nvPr/>
+        </p:nvCxnSpPr>
+        <p:spPr>
+          <a:xfrm>
+            <a:off x="4062273" y="3029268"/>
+            <a:ext cx="1" cy="421967"/>
+          </a:xfrm>
+          <a:prstGeom prst="straightConnector1">
+            <a:avLst/>
+          </a:prstGeom>
+          <a:ln w="19050">
+            <a:tailEnd type="triangle"/>
+          </a:ln>
+        </p:spPr>
+        <p:style>
+          <a:lnRef idx="1">
+            <a:schemeClr val="accent1"/>
+          </a:lnRef>
+          <a:fillRef idx="0">
+            <a:schemeClr val="accent1"/>
+          </a:fillRef>
+          <a:effectRef idx="0">
+            <a:schemeClr val="accent1"/>
+          </a:effectRef>
+          <a:fontRef idx="minor">
+            <a:schemeClr val="tx1"/>
+          </a:fontRef>
+        </p:style>
+      </p:cxnSp>
+      <p:cxnSp>
+        <p:nvCxnSpPr>
+          <p:cNvPr id="40" name="Straight Arrow Connector 39">
+            <a:extLst>
+              <a:ext uri="{FF2B5EF4-FFF2-40B4-BE49-F238E27FC236}">
+                <a16:creationId xmlns:a16="http://schemas.microsoft.com/office/drawing/2014/main" id="{1AA0C09B-6B46-42F4-9CE2-71784E93A5FD}"/>
+              </a:ext>
+            </a:extLst>
+          </p:cNvPr>
+          <p:cNvCxnSpPr>
+            <a:cxnSpLocks/>
+            <a:stCxn id="11" idx="2"/>
+            <a:endCxn id="12" idx="0"/>
+          </p:cNvCxnSpPr>
+          <p:nvPr/>
+        </p:nvCxnSpPr>
+        <p:spPr>
+          <a:xfrm flipH="1">
+            <a:off x="4062273" y="4686147"/>
+            <a:ext cx="1" cy="362497"/>
+          </a:xfrm>
+          <a:prstGeom prst="straightConnector1">
+            <a:avLst/>
+          </a:prstGeom>
+          <a:ln w="19050">
+            <a:tailEnd type="triangle"/>
+          </a:ln>
+        </p:spPr>
+        <p:style>
+          <a:lnRef idx="1">
+            <a:schemeClr val="accent1"/>
+          </a:lnRef>
+          <a:fillRef idx="0">
+            <a:schemeClr val="accent1"/>
+          </a:fillRef>
+          <a:effectRef idx="0">
+            <a:schemeClr val="accent1"/>
+          </a:effectRef>
+          <a:fontRef idx="minor">
+            <a:schemeClr val="tx1"/>
+          </a:fontRef>
+        </p:style>
+      </p:cxnSp>
+      <p:cxnSp>
+        <p:nvCxnSpPr>
+          <p:cNvPr id="44" name="Straight Arrow Connector 43">
+            <a:extLst>
+              <a:ext uri="{FF2B5EF4-FFF2-40B4-BE49-F238E27FC236}">
+                <a16:creationId xmlns:a16="http://schemas.microsoft.com/office/drawing/2014/main" id="{3DECFDF3-7768-402C-90EC-D84C1FD511F2}"/>
+              </a:ext>
+            </a:extLst>
+          </p:cNvPr>
+          <p:cNvCxnSpPr>
+            <a:cxnSpLocks/>
+            <a:stCxn id="13" idx="2"/>
+            <a:endCxn id="14" idx="0"/>
+          </p:cNvCxnSpPr>
+          <p:nvPr/>
+        </p:nvCxnSpPr>
+        <p:spPr>
+          <a:xfrm flipH="1">
+            <a:off x="8174505" y="1577247"/>
+            <a:ext cx="1" cy="367104"/>
+          </a:xfrm>
+          <a:prstGeom prst="straightConnector1">
+            <a:avLst/>
+          </a:prstGeom>
+          <a:ln w="19050">
+            <a:tailEnd type="triangle"/>
+          </a:ln>
+        </p:spPr>
+        <p:style>
+          <a:lnRef idx="1">
+            <a:schemeClr val="accent1"/>
+          </a:lnRef>
+          <a:fillRef idx="0">
+            <a:schemeClr val="accent1"/>
+          </a:fillRef>
+          <a:effectRef idx="0">
+            <a:schemeClr val="accent1"/>
+          </a:effectRef>
+          <a:fontRef idx="minor">
+            <a:schemeClr val="tx1"/>
+          </a:fontRef>
+        </p:style>
+      </p:cxnSp>
+      <p:cxnSp>
+        <p:nvCxnSpPr>
+          <p:cNvPr id="48" name="Straight Arrow Connector 47">
+            <a:extLst>
+              <a:ext uri="{FF2B5EF4-FFF2-40B4-BE49-F238E27FC236}">
+                <a16:creationId xmlns:a16="http://schemas.microsoft.com/office/drawing/2014/main" id="{4D6ADBFC-23B6-4B64-807D-8A13243772D2}"/>
+              </a:ext>
+            </a:extLst>
+          </p:cNvPr>
+          <p:cNvCxnSpPr>
+            <a:cxnSpLocks/>
+            <a:stCxn id="14" idx="2"/>
+            <a:endCxn id="15" idx="0"/>
+          </p:cNvCxnSpPr>
+          <p:nvPr/>
+        </p:nvCxnSpPr>
+        <p:spPr>
+          <a:xfrm>
+            <a:off x="8174505" y="3179263"/>
+            <a:ext cx="1" cy="426971"/>
+          </a:xfrm>
+          <a:prstGeom prst="straightConnector1">
+            <a:avLst/>
+          </a:prstGeom>
+          <a:ln w="19050">
+            <a:tailEnd type="triangle"/>
+          </a:ln>
+        </p:spPr>
+        <p:style>
+          <a:lnRef idx="1">
+            <a:schemeClr val="accent1"/>
+          </a:lnRef>
+          <a:fillRef idx="0">
+            <a:schemeClr val="accent1"/>
+          </a:fillRef>
+          <a:effectRef idx="0">
+            <a:schemeClr val="accent1"/>
+          </a:effectRef>
+          <a:fontRef idx="minor">
+            <a:schemeClr val="tx1"/>
+          </a:fontRef>
+        </p:style>
+      </p:cxnSp>
+      <p:cxnSp>
+        <p:nvCxnSpPr>
+          <p:cNvPr id="51" name="Straight Arrow Connector 50">
+            <a:extLst>
+              <a:ext uri="{FF2B5EF4-FFF2-40B4-BE49-F238E27FC236}">
+                <a16:creationId xmlns:a16="http://schemas.microsoft.com/office/drawing/2014/main" id="{5668E5DE-F8A9-4998-B1A6-3482755DCA87}"/>
+              </a:ext>
+            </a:extLst>
+          </p:cNvPr>
+          <p:cNvCxnSpPr>
+            <a:cxnSpLocks/>
+            <a:stCxn id="15" idx="2"/>
+          </p:cNvCxnSpPr>
+          <p:nvPr/>
+        </p:nvCxnSpPr>
+        <p:spPr>
+          <a:xfrm flipH="1">
+            <a:off x="8174504" y="4531145"/>
+            <a:ext cx="2" cy="1307112"/>
+          </a:xfrm>
+          <a:prstGeom prst="straightConnector1">
+            <a:avLst/>
+          </a:prstGeom>
+          <a:ln w="19050">
+            <a:tailEnd type="triangle"/>
+          </a:ln>
+        </p:spPr>
+        <p:style>
+          <a:lnRef idx="1">
+            <a:schemeClr val="accent1"/>
+          </a:lnRef>
+          <a:fillRef idx="0">
+            <a:schemeClr val="accent1"/>
+          </a:fillRef>
+          <a:effectRef idx="0">
+            <a:schemeClr val="accent1"/>
+          </a:effectRef>
+          <a:fontRef idx="minor">
+            <a:schemeClr val="tx1"/>
+          </a:fontRef>
+        </p:style>
+      </p:cxnSp>
+      <p:sp>
+        <p:nvSpPr>
+          <p:cNvPr id="60" name="TextBox 59">
+            <a:extLst>
+              <a:ext uri="{FF2B5EF4-FFF2-40B4-BE49-F238E27FC236}">
+                <a16:creationId xmlns:a16="http://schemas.microsoft.com/office/drawing/2014/main" id="{D7F52D8D-EEBA-4201-8D33-2245D253B90F}"/>
+              </a:ext>
+            </a:extLst>
+          </p:cNvPr>
+          <p:cNvSpPr txBox="1"/>
+          <p:nvPr/>
+        </p:nvSpPr>
+        <p:spPr>
+          <a:xfrm>
+            <a:off x="7790595" y="5800045"/>
+            <a:ext cx="989814" cy="707886"/>
+          </a:xfrm>
+          <a:prstGeom prst="rect">
+            <a:avLst/>
+          </a:prstGeom>
+          <a:noFill/>
+        </p:spPr>
+        <p:txBody>
+          <a:bodyPr wrap="square" rtlCol="0">
+            <a:spAutoFit/>
+          </a:bodyPr>
+          <a:lstStyle/>
+          <a:p>
+            <a:r>
+              <a:rPr lang="en-US" sz="4000" dirty="0"/>
+              <a:t>To*</a:t>
+            </a:r>
+            <a:endParaRPr lang="en-SG" sz="4000" dirty="0"/>
+          </a:p>
+        </p:txBody>
+      </p:sp>
+      <p:cxnSp>
+        <p:nvCxnSpPr>
+          <p:cNvPr id="62" name="Connector: Elbow 61">
+            <a:extLst>
+              <a:ext uri="{FF2B5EF4-FFF2-40B4-BE49-F238E27FC236}">
+                <a16:creationId xmlns:a16="http://schemas.microsoft.com/office/drawing/2014/main" id="{EE95AF48-6C69-4EBE-B028-901438917EE8}"/>
+              </a:ext>
+            </a:extLst>
+          </p:cNvPr>
+          <p:cNvCxnSpPr>
+            <a:cxnSpLocks/>
+            <a:stCxn id="12" idx="2"/>
+          </p:cNvCxnSpPr>
+          <p:nvPr/>
+        </p:nvCxnSpPr>
+        <p:spPr>
+          <a:xfrm rot="16200000" flipH="1">
+            <a:off x="5558873" y="4476954"/>
+            <a:ext cx="310001" cy="3303201"/>
+          </a:xfrm>
+          <a:prstGeom prst="bentConnector2">
+            <a:avLst/>
+          </a:prstGeom>
+          <a:ln>
+            <a:tailEnd type="triangle"/>
+          </a:ln>
+        </p:spPr>
+        <p:style>
+          <a:lnRef idx="1">
+            <a:schemeClr val="accent1"/>
+          </a:lnRef>
+          <a:fillRef idx="0">
+            <a:schemeClr val="accent1"/>
+          </a:fillRef>
+          <a:effectRef idx="0">
+            <a:schemeClr val="accent1"/>
+          </a:effectRef>
+          <a:fontRef idx="minor">
+            <a:schemeClr val="tx1"/>
+          </a:fontRef>
+        </p:style>
+      </p:cxnSp>
+      <p:cxnSp>
+        <p:nvCxnSpPr>
+          <p:cNvPr id="128" name="Connector: Elbow 127">
+            <a:extLst>
+              <a:ext uri="{FF2B5EF4-FFF2-40B4-BE49-F238E27FC236}">
+                <a16:creationId xmlns:a16="http://schemas.microsoft.com/office/drawing/2014/main" id="{C1725EC9-98E6-476D-84A9-395B649AF61A}"/>
+              </a:ext>
+            </a:extLst>
+          </p:cNvPr>
+          <p:cNvCxnSpPr>
+            <a:cxnSpLocks/>
+          </p:cNvCxnSpPr>
+          <p:nvPr/>
+        </p:nvCxnSpPr>
+        <p:spPr>
+          <a:xfrm>
+            <a:off x="5155783" y="4068690"/>
+            <a:ext cx="2099501" cy="1859920"/>
+          </a:xfrm>
+          <a:prstGeom prst="bentConnector3">
+            <a:avLst>
+              <a:gd name="adj1" fmla="val 50000"/>
+            </a:avLst>
+          </a:prstGeom>
+          <a:ln w="19050">
+            <a:tailEnd type="triangle"/>
+          </a:ln>
+        </p:spPr>
+        <p:style>
+          <a:lnRef idx="1">
+            <a:schemeClr val="accent1"/>
+          </a:lnRef>
+          <a:fillRef idx="0">
+            <a:schemeClr val="accent1"/>
+          </a:fillRef>
+          <a:effectRef idx="0">
+            <a:schemeClr val="accent1"/>
+          </a:effectRef>
+          <a:fontRef idx="minor">
+            <a:schemeClr val="tx1"/>
+          </a:fontRef>
+        </p:style>
+      </p:cxnSp>
+      <p:cxnSp>
+        <p:nvCxnSpPr>
+          <p:cNvPr id="131" name="Connector: Elbow 130">
+            <a:extLst>
+              <a:ext uri="{FF2B5EF4-FFF2-40B4-BE49-F238E27FC236}">
+                <a16:creationId xmlns:a16="http://schemas.microsoft.com/office/drawing/2014/main" id="{604565C1-ADD1-4B0A-AD49-646EF596E35F}"/>
+              </a:ext>
+            </a:extLst>
+          </p:cNvPr>
+          <p:cNvCxnSpPr>
+            <a:cxnSpLocks/>
+            <a:stCxn id="14" idx="3"/>
+          </p:cNvCxnSpPr>
+          <p:nvPr/>
+        </p:nvCxnSpPr>
+        <p:spPr>
+          <a:xfrm flipH="1">
+            <a:off x="9033360" y="2561807"/>
+            <a:ext cx="234654" cy="3600927"/>
+          </a:xfrm>
+          <a:prstGeom prst="bentConnector4">
+            <a:avLst>
+              <a:gd name="adj1" fmla="val -375262"/>
+              <a:gd name="adj2" fmla="val 99909"/>
+            </a:avLst>
+          </a:prstGeom>
+          <a:ln>
+            <a:tailEnd type="triangle"/>
+          </a:ln>
+        </p:spPr>
+        <p:style>
+          <a:lnRef idx="1">
+            <a:schemeClr val="accent1"/>
+          </a:lnRef>
+          <a:fillRef idx="0">
+            <a:schemeClr val="accent1"/>
+          </a:fillRef>
+          <a:effectRef idx="0">
+            <a:schemeClr val="accent1"/>
+          </a:effectRef>
+          <a:fontRef idx="minor">
+            <a:schemeClr val="tx1"/>
+          </a:fontRef>
+        </p:style>
+      </p:cxnSp>
+      <p:sp>
+        <p:nvSpPr>
+          <p:cNvPr id="102" name="TextBox 101">
+            <a:extLst>
+              <a:ext uri="{FF2B5EF4-FFF2-40B4-BE49-F238E27FC236}">
+                <a16:creationId xmlns:a16="http://schemas.microsoft.com/office/drawing/2014/main" id="{3280A1E7-427B-43A1-806E-E5C93E9A0762}"/>
+              </a:ext>
+            </a:extLst>
+          </p:cNvPr>
+          <p:cNvSpPr txBox="1"/>
+          <p:nvPr/>
+        </p:nvSpPr>
+        <p:spPr>
+          <a:xfrm>
+            <a:off x="4068218" y="4591298"/>
+            <a:ext cx="335348" cy="461665"/>
+          </a:xfrm>
+          <a:prstGeom prst="rect">
+            <a:avLst/>
+          </a:prstGeom>
+          <a:noFill/>
+        </p:spPr>
+        <p:txBody>
+          <a:bodyPr wrap="square" rtlCol="0">
+            <a:spAutoFit/>
+          </a:bodyPr>
+          <a:lstStyle/>
+          <a:p>
+            <a:r>
+              <a:rPr lang="en-US" sz="2400" dirty="0"/>
+              <a:t>Y</a:t>
+            </a:r>
+            <a:endParaRPr lang="en-SG" sz="2400" dirty="0"/>
+          </a:p>
+        </p:txBody>
+      </p:sp>
+      <p:sp>
+        <p:nvSpPr>
+          <p:cNvPr id="103" name="TextBox 102">
+            <a:extLst>
+              <a:ext uri="{FF2B5EF4-FFF2-40B4-BE49-F238E27FC236}">
+                <a16:creationId xmlns:a16="http://schemas.microsoft.com/office/drawing/2014/main" id="{1394ED71-38DF-4540-AA66-7FE2DE93F3AB}"/>
+              </a:ext>
+            </a:extLst>
+          </p:cNvPr>
+          <p:cNvSpPr txBox="1"/>
+          <p:nvPr/>
+        </p:nvSpPr>
+        <p:spPr>
+          <a:xfrm>
+            <a:off x="8220992" y="3136262"/>
+            <a:ext cx="335348" cy="461665"/>
+          </a:xfrm>
+          <a:prstGeom prst="rect">
+            <a:avLst/>
+          </a:prstGeom>
+          <a:noFill/>
+        </p:spPr>
+        <p:txBody>
+          <a:bodyPr wrap="square" rtlCol="0">
+            <a:spAutoFit/>
+          </a:bodyPr>
+          <a:lstStyle/>
+          <a:p>
+            <a:r>
+              <a:rPr lang="en-US" sz="2400" dirty="0"/>
+              <a:t>Y</a:t>
+            </a:r>
+            <a:endParaRPr lang="en-SG" sz="2400" dirty="0"/>
+          </a:p>
+        </p:txBody>
+      </p:sp>
+      <p:sp>
+        <p:nvSpPr>
+          <p:cNvPr id="104" name="TextBox 103">
+            <a:extLst>
+              <a:ext uri="{FF2B5EF4-FFF2-40B4-BE49-F238E27FC236}">
+                <a16:creationId xmlns:a16="http://schemas.microsoft.com/office/drawing/2014/main" id="{D724BF7C-12C4-464D-9789-15F844A28C49}"/>
+              </a:ext>
+            </a:extLst>
+          </p:cNvPr>
+          <p:cNvSpPr txBox="1"/>
+          <p:nvPr/>
+        </p:nvSpPr>
+        <p:spPr>
+          <a:xfrm>
+            <a:off x="4094039" y="1674535"/>
+            <a:ext cx="335348" cy="461665"/>
+          </a:xfrm>
+          <a:prstGeom prst="rect">
+            <a:avLst/>
+          </a:prstGeom>
+          <a:noFill/>
+        </p:spPr>
+        <p:txBody>
+          <a:bodyPr wrap="square" rtlCol="0">
+            <a:spAutoFit/>
+          </a:bodyPr>
+          <a:lstStyle/>
+          <a:p>
+            <a:r>
+              <a:rPr lang="en-US" sz="2400" dirty="0"/>
+              <a:t>Y</a:t>
+            </a:r>
+            <a:endParaRPr lang="en-SG" sz="2400" dirty="0"/>
+          </a:p>
+        </p:txBody>
+      </p:sp>
+      <p:sp>
+        <p:nvSpPr>
+          <p:cNvPr id="105" name="TextBox 104">
+            <a:extLst>
+              <a:ext uri="{FF2B5EF4-FFF2-40B4-BE49-F238E27FC236}">
+                <a16:creationId xmlns:a16="http://schemas.microsoft.com/office/drawing/2014/main" id="{AE0BE1A6-0828-4940-9CE4-01FA257BBD12}"/>
+              </a:ext>
+            </a:extLst>
+          </p:cNvPr>
+          <p:cNvSpPr txBox="1"/>
+          <p:nvPr/>
+        </p:nvSpPr>
+        <p:spPr>
+          <a:xfrm>
+            <a:off x="5125889" y="698071"/>
+            <a:ext cx="335348" cy="461665"/>
+          </a:xfrm>
+          <a:prstGeom prst="rect">
+            <a:avLst/>
+          </a:prstGeom>
+          <a:noFill/>
+        </p:spPr>
+        <p:txBody>
+          <a:bodyPr wrap="square" rtlCol="0">
+            <a:spAutoFit/>
+          </a:bodyPr>
+          <a:lstStyle/>
+          <a:p>
+            <a:r>
+              <a:rPr lang="en-US" sz="2400" dirty="0"/>
+              <a:t>N</a:t>
+            </a:r>
+            <a:endParaRPr lang="en-SG" sz="2400" dirty="0"/>
+          </a:p>
+        </p:txBody>
+      </p:sp>
+      <p:sp>
+        <p:nvSpPr>
+          <p:cNvPr id="106" name="TextBox 105">
+            <a:extLst>
+              <a:ext uri="{FF2B5EF4-FFF2-40B4-BE49-F238E27FC236}">
+                <a16:creationId xmlns:a16="http://schemas.microsoft.com/office/drawing/2014/main" id="{73AFC09C-1690-49D3-BDB4-E922EBAEF13F}"/>
+              </a:ext>
+            </a:extLst>
+          </p:cNvPr>
+          <p:cNvSpPr txBox="1"/>
+          <p:nvPr/>
+        </p:nvSpPr>
+        <p:spPr>
+          <a:xfrm>
+            <a:off x="9268014" y="2130075"/>
+            <a:ext cx="335348" cy="461665"/>
+          </a:xfrm>
+          <a:prstGeom prst="rect">
+            <a:avLst/>
+          </a:prstGeom>
+          <a:noFill/>
+        </p:spPr>
+        <p:txBody>
+          <a:bodyPr wrap="square" rtlCol="0">
+            <a:spAutoFit/>
+          </a:bodyPr>
+          <a:lstStyle/>
+          <a:p>
+            <a:r>
+              <a:rPr lang="en-US" sz="2400" dirty="0"/>
+              <a:t>N</a:t>
+            </a:r>
+            <a:endParaRPr lang="en-SG" sz="2400" dirty="0"/>
+          </a:p>
+        </p:txBody>
+      </p:sp>
+      <p:sp>
+        <p:nvSpPr>
+          <p:cNvPr id="107" name="TextBox 106">
+            <a:extLst>
+              <a:ext uri="{FF2B5EF4-FFF2-40B4-BE49-F238E27FC236}">
+                <a16:creationId xmlns:a16="http://schemas.microsoft.com/office/drawing/2014/main" id="{7C0EC392-72D7-4E6D-AC81-9218B35467C4}"/>
+              </a:ext>
+            </a:extLst>
+          </p:cNvPr>
+          <p:cNvSpPr txBox="1"/>
+          <p:nvPr/>
+        </p:nvSpPr>
+        <p:spPr>
+          <a:xfrm>
+            <a:off x="5073386" y="3628944"/>
+            <a:ext cx="335348" cy="461665"/>
+          </a:xfrm>
+          <a:prstGeom prst="rect">
+            <a:avLst/>
+          </a:prstGeom>
+          <a:noFill/>
+        </p:spPr>
+        <p:txBody>
+          <a:bodyPr wrap="square" rtlCol="0">
+            <a:spAutoFit/>
+          </a:bodyPr>
+          <a:lstStyle/>
+          <a:p>
+            <a:r>
+              <a:rPr lang="en-US" sz="2400" dirty="0"/>
+              <a:t>N</a:t>
+            </a:r>
+            <a:endParaRPr lang="en-SG" sz="2400" dirty="0"/>
+          </a:p>
+        </p:txBody>
+      </p:sp>
+      <p:sp>
+        <p:nvSpPr>
+          <p:cNvPr id="108" name="TextBox 107">
+            <a:extLst>
+              <a:ext uri="{FF2B5EF4-FFF2-40B4-BE49-F238E27FC236}">
+                <a16:creationId xmlns:a16="http://schemas.microsoft.com/office/drawing/2014/main" id="{54BA4EC6-4D93-4CD2-92BA-6BC60AB42EB5}"/>
+              </a:ext>
+            </a:extLst>
+          </p:cNvPr>
+          <p:cNvSpPr txBox="1"/>
+          <p:nvPr/>
+        </p:nvSpPr>
+        <p:spPr>
+          <a:xfrm>
+            <a:off x="598461" y="2130075"/>
+            <a:ext cx="335348" cy="461665"/>
+          </a:xfrm>
+          <a:prstGeom prst="rect">
+            <a:avLst/>
+          </a:prstGeom>
+          <a:noFill/>
+        </p:spPr>
+        <p:txBody>
+          <a:bodyPr wrap="square" rtlCol="0">
+            <a:spAutoFit/>
+          </a:bodyPr>
+          <a:lstStyle/>
+          <a:p>
+            <a:r>
+              <a:rPr lang="en-US" sz="2400" dirty="0"/>
+              <a:t>N</a:t>
+            </a:r>
+            <a:endParaRPr lang="en-SG" sz="2400" dirty="0"/>
+          </a:p>
+        </p:txBody>
+      </p:sp>
+    </p:spTree>
+    <p:extLst>
+      <p:ext uri="{BB962C8B-B14F-4D97-AF65-F5344CB8AC3E}">
+        <p14:creationId xmlns:p14="http://schemas.microsoft.com/office/powerpoint/2010/main" val="3502155469"/>
       </p:ext>
     </p:extLst>
   </p:cSld>
@@ -22880,6 +30968,15 @@
 </file>
 
 <file path=customXml/item1.xml><?xml version="1.0" encoding="utf-8"?>
+<?mso-contentType ?>
+<FormTemplates xmlns="http://schemas.microsoft.com/sharepoint/v3/contenttype/forms">
+  <Display>DocumentLibraryForm</Display>
+  <Edit>DocumentLibraryForm</Edit>
+  <New>DocumentLibraryForm</New>
+</FormTemplates>
+</file>
+
+<file path=customXml/item2.xml><?xml version="1.0" encoding="utf-8"?>
 <ct:contentTypeSchema xmlns:ct="http://schemas.microsoft.com/office/2006/metadata/contentType" xmlns:ma="http://schemas.microsoft.com/office/2006/metadata/properties/metaAttributes" ct:_="" ma:_="" ma:contentTypeName="Document" ma:contentTypeID="0x010100E6E1031C48018C4292DBDBD68C3F63E2" ma:contentTypeVersion="6" ma:contentTypeDescription="Create a new document." ma:contentTypeScope="" ma:versionID="9ae9a2a5b07300798953ecdd28312694">
   <xsd:schema xmlns:xsd="http://www.w3.org/2001/XMLSchema" xmlns:xs="http://www.w3.org/2001/XMLSchema" xmlns:p="http://schemas.microsoft.com/office/2006/metadata/properties" xmlns:ns2="0ad04f26-a780-43bf-835f-b79ff52a29dc" xmlns:ns3="a1518579-73ee-42fe-aa96-2836fc14ff9f" xmlns:ns4="d1583c34-73a0-4f2f-ba6b-1ac8359f2b78" targetNamespace="http://schemas.microsoft.com/office/2006/metadata/properties" ma:root="true" ma:fieldsID="9faae2f6251647047d77e859e5fe7bf2" ns2:_="" ns3:_="" ns4:_="">
     <xsd:import namespace="0ad04f26-a780-43bf-835f-b79ff52a29dc"/>
@@ -23088,40 +31185,7 @@
 </ct:contentTypeSchema>
 </file>
 
-<file path=customXml/item2.xml><?xml version="1.0" encoding="utf-8"?>
-<?mso-contentType ?>
-<FormTemplates xmlns="http://schemas.microsoft.com/sharepoint/v3/contenttype/forms">
-  <Display>DocumentLibraryForm</Display>
-  <Edit>DocumentLibraryForm</Edit>
-  <New>DocumentLibraryForm</New>
-</FormTemplates>
-</file>
-
 <file path=customXml/item3.xml><?xml version="1.0" encoding="utf-8"?>
-<p:properties xmlns:p="http://schemas.microsoft.com/office/2006/metadata/properties" xmlns:xsi="http://www.w3.org/2001/XMLSchema-instance" xmlns:pc="http://schemas.microsoft.com/office/infopath/2007/PartnerControls">
-  <documentManagement>
-    <SharedWithUsers xmlns="d1583c34-73a0-4f2f-ba6b-1ac8359f2b78">
-      <UserInfo>
-        <DisplayName>Karen Boh Lee Gek</DisplayName>
-        <AccountId>1403</AccountId>
-        <AccountType/>
-      </UserInfo>
-      <UserInfo>
-        <DisplayName>Kris Chur San Yee</DisplayName>
-        <AccountId>1798</AccountId>
-        <AccountType/>
-      </UserInfo>
-    </SharedWithUsers>
-    <_dlc_DocId xmlns="0ad04f26-a780-43bf-835f-b79ff52a29dc">U3ZV22ZJXESJ-1142709787-4964</_dlc_DocId>
-    <_dlc_DocIdUrl xmlns="0ad04f26-a780-43bf-835f-b79ff52a29dc">
-      <Url>https://sitsingaporetechedu.sharepoint.com/sites/PO/Leads/_layouts/15/DocIdRedir.aspx?ID=U3ZV22ZJXESJ-1142709787-4964</Url>
-      <Description>U3ZV22ZJXESJ-1142709787-4964</Description>
-    </_dlc_DocIdUrl>
-  </documentManagement>
-</p:properties>
-</file>
-
-<file path=customXml/item4.xml><?xml version="1.0" encoding="utf-8"?>
 <?mso-contentType ?>
 <spe:Receivers xmlns:spe="http://schemas.microsoft.com/sharepoint/events">
   <Receiver>
@@ -23171,7 +31235,39 @@
 </spe:Receivers>
 </file>
 
+<file path=customXml/item4.xml><?xml version="1.0" encoding="utf-8"?>
+<p:properties xmlns:p="http://schemas.microsoft.com/office/2006/metadata/properties" xmlns:xsi="http://www.w3.org/2001/XMLSchema-instance" xmlns:pc="http://schemas.microsoft.com/office/infopath/2007/PartnerControls">
+  <documentManagement>
+    <SharedWithUsers xmlns="d1583c34-73a0-4f2f-ba6b-1ac8359f2b78">
+      <UserInfo>
+        <DisplayName>Karen Boh Lee Gek</DisplayName>
+        <AccountId>1403</AccountId>
+        <AccountType/>
+      </UserInfo>
+      <UserInfo>
+        <DisplayName>Kris Chur San Yee</DisplayName>
+        <AccountId>1798</AccountId>
+        <AccountType/>
+      </UserInfo>
+    </SharedWithUsers>
+    <_dlc_DocId xmlns="0ad04f26-a780-43bf-835f-b79ff52a29dc">U3ZV22ZJXESJ-1142709787-4964</_dlc_DocId>
+    <_dlc_DocIdUrl xmlns="0ad04f26-a780-43bf-835f-b79ff52a29dc">
+      <Url>https://sitsingaporetechedu.sharepoint.com/sites/PO/Leads/_layouts/15/DocIdRedir.aspx?ID=U3ZV22ZJXESJ-1142709787-4964</Url>
+      <Description>U3ZV22ZJXESJ-1142709787-4964</Description>
+    </_dlc_DocIdUrl>
+  </documentManagement>
+</p:properties>
+</file>
+
 <file path=customXml/itemProps1.xml><?xml version="1.0" encoding="utf-8"?>
+<ds:datastoreItem xmlns:ds="http://schemas.openxmlformats.org/officeDocument/2006/customXml" ds:itemID="{7D7D58FF-6E5B-409D-8B4D-B0E0073025D5}">
+  <ds:schemaRefs>
+    <ds:schemaRef ds:uri="http://schemas.microsoft.com/sharepoint/v3/contenttype/forms"/>
+  </ds:schemaRefs>
+</ds:datastoreItem>
+</file>
+
+<file path=customXml/itemProps2.xml><?xml version="1.0" encoding="utf-8"?>
 <ds:datastoreItem xmlns:ds="http://schemas.openxmlformats.org/officeDocument/2006/customXml" ds:itemID="{C20F4E18-A5EC-4A34-B7AA-397D2B188B6A}">
   <ds:schemaRefs>
     <ds:schemaRef ds:uri="http://schemas.microsoft.com/office/2006/metadata/contentType"/>
@@ -23191,15 +31287,15 @@
 </ds:datastoreItem>
 </file>
 
-<file path=customXml/itemProps2.xml><?xml version="1.0" encoding="utf-8"?>
-<ds:datastoreItem xmlns:ds="http://schemas.openxmlformats.org/officeDocument/2006/customXml" ds:itemID="{7D7D58FF-6E5B-409D-8B4D-B0E0073025D5}">
+<file path=customXml/itemProps3.xml><?xml version="1.0" encoding="utf-8"?>
+<ds:datastoreItem xmlns:ds="http://schemas.openxmlformats.org/officeDocument/2006/customXml" ds:itemID="{DBE60198-3F54-4377-AFC2-746F792EC1FE}">
   <ds:schemaRefs>
-    <ds:schemaRef ds:uri="http://schemas.microsoft.com/sharepoint/v3/contenttype/forms"/>
+    <ds:schemaRef ds:uri="http://schemas.microsoft.com/sharepoint/events"/>
   </ds:schemaRefs>
 </ds:datastoreItem>
 </file>
 
-<file path=customXml/itemProps3.xml><?xml version="1.0" encoding="utf-8"?>
+<file path=customXml/itemProps4.xml><?xml version="1.0" encoding="utf-8"?>
 <ds:datastoreItem xmlns:ds="http://schemas.openxmlformats.org/officeDocument/2006/customXml" ds:itemID="{07B7BCB4-6752-4067-9BBF-537E18945997}">
   <ds:schemaRefs>
     <ds:schemaRef ds:uri="http://schemas.microsoft.com/office/2006/documentManagement/types"/>
@@ -23215,12 +31311,4 @@
     <ds:schemaRef ds:uri="http://purl.org/dc/dcmitype/"/>
   </ds:schemaRefs>
 </ds:datastoreItem>
-</file>
-
-<file path=customXml/itemProps4.xml><?xml version="1.0" encoding="utf-8"?>
-<ds:datastoreItem xmlns:ds="http://schemas.openxmlformats.org/officeDocument/2006/customXml" ds:itemID="{DBE60198-3F54-4377-AFC2-746F792EC1FE}">
-  <ds:schemaRefs>
-    <ds:schemaRef ds:uri="http://schemas.microsoft.com/sharepoint/events"/>
-  </ds:schemaRefs>
-</ds:datastoreItem>
 </file>
--- a/Docs/thermal_controller_blockdiagram.pptx
+++ b/Docs/thermal_controller_blockdiagram.pptx
@@ -5,17 +5,20 @@
     <p:sldMasterId id="2147483648" r:id="rId5"/>
   </p:sldMasterIdLst>
   <p:notesMasterIdLst>
-    <p:notesMasterId r:id="rId14"/>
+    <p:notesMasterId r:id="rId17"/>
   </p:notesMasterIdLst>
   <p:sldIdLst>
-    <p:sldId id="3526" r:id="rId6"/>
-    <p:sldId id="3527" r:id="rId7"/>
-    <p:sldId id="3528" r:id="rId8"/>
-    <p:sldId id="3529" r:id="rId9"/>
-    <p:sldId id="3530" r:id="rId10"/>
-    <p:sldId id="3531" r:id="rId11"/>
-    <p:sldId id="3532" r:id="rId12"/>
-    <p:sldId id="3533" r:id="rId13"/>
+    <p:sldId id="3535" r:id="rId6"/>
+    <p:sldId id="3526" r:id="rId7"/>
+    <p:sldId id="3527" r:id="rId8"/>
+    <p:sldId id="3528" r:id="rId9"/>
+    <p:sldId id="3529" r:id="rId10"/>
+    <p:sldId id="3530" r:id="rId11"/>
+    <p:sldId id="3531" r:id="rId12"/>
+    <p:sldId id="3536" r:id="rId13"/>
+    <p:sldId id="3534" r:id="rId14"/>
+    <p:sldId id="3532" r:id="rId15"/>
+    <p:sldId id="3533" r:id="rId16"/>
   </p:sldIdLst>
   <p:sldSz cx="12192000" cy="6858000"/>
   <p:notesSz cx="6797675" cy="9926638"/>
@@ -216,7 +219,7 @@
           <a:p>
             <a:fld id="{8A2540B5-C657-4695-96F0-0059BA46A3EC}" type="datetimeFigureOut">
               <a:rPr lang="en-US" smtClean="0"/>
-              <a:t>11/3/2022</a:t>
+              <a:t>11/10/2022</a:t>
             </a:fld>
             <a:endParaRPr lang="en-US"/>
           </a:p>
@@ -548,7 +551,7 @@
           <a:p>
             <a:fld id="{D7A1C63D-6A0D-4A97-AF70-6DEF9E93A01A}" type="slidenum">
               <a:rPr lang="en-US" smtClean="0"/>
-              <a:t>8</a:t>
+              <a:t>11</a:t>
             </a:fld>
             <a:endParaRPr lang="en-US"/>
           </a:p>
@@ -839,7 +842,7 @@
           <a:p>
             <a:fld id="{CD9FC7CE-19E2-4257-9F45-8977FC4F3E4A}" type="datetimeFigureOut">
               <a:rPr lang="en-US" smtClean="0"/>
-              <a:t>11/3/2022</a:t>
+              <a:t>11/10/2022</a:t>
             </a:fld>
             <a:endParaRPr lang="en-US"/>
           </a:p>
@@ -1148,7 +1151,7 @@
           <a:p>
             <a:fld id="{CD9FC7CE-19E2-4257-9F45-8977FC4F3E4A}" type="datetimeFigureOut">
               <a:rPr lang="en-US" smtClean="0"/>
-              <a:t>11/3/2022</a:t>
+              <a:t>11/10/2022</a:t>
             </a:fld>
             <a:endParaRPr lang="en-US"/>
           </a:p>
@@ -1364,7 +1367,7 @@
           <a:p>
             <a:fld id="{CD9FC7CE-19E2-4257-9F45-8977FC4F3E4A}" type="datetimeFigureOut">
               <a:rPr lang="en-US" smtClean="0"/>
-              <a:t>11/3/2022</a:t>
+              <a:t>11/10/2022</a:t>
             </a:fld>
             <a:endParaRPr lang="en-US"/>
           </a:p>
@@ -1764,7 +1767,7 @@
           <a:p>
             <a:fld id="{CD9FC7CE-19E2-4257-9F45-8977FC4F3E4A}" type="datetimeFigureOut">
               <a:rPr lang="en-US" smtClean="0"/>
-              <a:t>11/3/2022</a:t>
+              <a:t>11/10/2022</a:t>
             </a:fld>
             <a:endParaRPr lang="en-US"/>
           </a:p>
@@ -1881,7 +1884,7 @@
           <a:p>
             <a:fld id="{CD9FC7CE-19E2-4257-9F45-8977FC4F3E4A}" type="datetimeFigureOut">
               <a:rPr lang="en-US" smtClean="0"/>
-              <a:t>11/3/2022</a:t>
+              <a:t>11/10/2022</a:t>
             </a:fld>
             <a:endParaRPr lang="en-US"/>
           </a:p>
@@ -1976,7 +1979,7 @@
           <a:p>
             <a:fld id="{CD9FC7CE-19E2-4257-9F45-8977FC4F3E4A}" type="datetimeFigureOut">
               <a:rPr lang="en-US" smtClean="0"/>
-              <a:t>11/3/2022</a:t>
+              <a:t>11/10/2022</a:t>
             </a:fld>
             <a:endParaRPr lang="en-US"/>
           </a:p>
@@ -2203,7 +2206,7 @@
           <a:p>
             <a:fld id="{CD9FC7CE-19E2-4257-9F45-8977FC4F3E4A}" type="datetimeFigureOut">
               <a:rPr lang="en-US" smtClean="0"/>
-              <a:t>11/3/2022</a:t>
+              <a:t>11/10/2022</a:t>
             </a:fld>
             <a:endParaRPr lang="en-US" dirty="0"/>
           </a:p>
@@ -2655,6 +2658,2347 @@
       </p:grpSpPr>
       <p:sp>
         <p:nvSpPr>
+          <p:cNvPr id="2" name="TextBox 1">
+            <a:extLst>
+              <a:ext uri="{FF2B5EF4-FFF2-40B4-BE49-F238E27FC236}">
+                <a16:creationId xmlns:a16="http://schemas.microsoft.com/office/drawing/2014/main" id="{0C77847F-94E9-45BD-B42B-0F7EA47639CA}"/>
+              </a:ext>
+            </a:extLst>
+          </p:cNvPr>
+          <p:cNvSpPr txBox="1"/>
+          <p:nvPr/>
+        </p:nvSpPr>
+        <p:spPr>
+          <a:xfrm>
+            <a:off x="2824207" y="2105561"/>
+            <a:ext cx="6543586" cy="1323439"/>
+          </a:xfrm>
+          <a:prstGeom prst="rect">
+            <a:avLst/>
+          </a:prstGeom>
+          <a:noFill/>
+        </p:spPr>
+        <p:txBody>
+          <a:bodyPr wrap="none" rtlCol="0">
+            <a:spAutoFit/>
+          </a:bodyPr>
+          <a:lstStyle/>
+          <a:p>
+            <a:r>
+              <a:rPr lang="en-US" sz="8000" dirty="0"/>
+              <a:t>Block Diagrams</a:t>
+            </a:r>
+            <a:endParaRPr lang="en-SG" sz="8000" dirty="0"/>
+          </a:p>
+        </p:txBody>
+      </p:sp>
+    </p:spTree>
+    <p:extLst>
+      <p:ext uri="{BB962C8B-B14F-4D97-AF65-F5344CB8AC3E}">
+        <p14:creationId xmlns:p14="http://schemas.microsoft.com/office/powerpoint/2010/main" val="2812113956"/>
+      </p:ext>
+    </p:extLst>
+  </p:cSld>
+  <p:clrMapOvr>
+    <a:masterClrMapping/>
+  </p:clrMapOvr>
+</p:sld>
+</file>
+
+<file path=ppt/slides/slide10.xml><?xml version="1.0" encoding="utf-8"?>
+<p:sld xmlns:a="http://schemas.openxmlformats.org/drawingml/2006/main" xmlns:r="http://schemas.openxmlformats.org/officeDocument/2006/relationships" xmlns:p="http://schemas.openxmlformats.org/presentationml/2006/main">
+  <p:cSld>
+    <p:spTree>
+      <p:nvGrpSpPr>
+        <p:cNvPr id="1" name=""/>
+        <p:cNvGrpSpPr/>
+        <p:nvPr/>
+      </p:nvGrpSpPr>
+      <p:grpSpPr>
+        <a:xfrm>
+          <a:off x="0" y="0"/>
+          <a:ext cx="0" cy="0"/>
+          <a:chOff x="0" y="0"/>
+          <a:chExt cx="0" cy="0"/>
+        </a:xfrm>
+      </p:grpSpPr>
+      <p:sp>
+        <p:nvSpPr>
+          <p:cNvPr id="3" name="Flowchart: Alternate Process 2">
+            <a:extLst>
+              <a:ext uri="{FF2B5EF4-FFF2-40B4-BE49-F238E27FC236}">
+                <a16:creationId xmlns:a16="http://schemas.microsoft.com/office/drawing/2014/main" id="{3B30FFE2-2CBA-4DB2-89F0-3BA152EA5199}"/>
+              </a:ext>
+            </a:extLst>
+          </p:cNvPr>
+          <p:cNvSpPr/>
+          <p:nvPr/>
+        </p:nvSpPr>
+        <p:spPr>
+          <a:xfrm>
+            <a:off x="221422" y="506609"/>
+            <a:ext cx="5600606" cy="1093618"/>
+          </a:xfrm>
+          <a:prstGeom prst="flowChartAlternateProcess">
+            <a:avLst/>
+          </a:prstGeom>
+          <a:noFill/>
+          <a:ln w="19050">
+            <a:solidFill>
+              <a:schemeClr val="tx1"/>
+            </a:solidFill>
+          </a:ln>
+        </p:spPr>
+        <p:style>
+          <a:lnRef idx="2">
+            <a:schemeClr val="accent1">
+              <a:shade val="50000"/>
+            </a:schemeClr>
+          </a:lnRef>
+          <a:fillRef idx="1">
+            <a:schemeClr val="accent1"/>
+          </a:fillRef>
+          <a:effectRef idx="0">
+            <a:schemeClr val="accent1"/>
+          </a:effectRef>
+          <a:fontRef idx="minor">
+            <a:schemeClr val="lt1"/>
+          </a:fontRef>
+        </p:style>
+        <p:txBody>
+          <a:bodyPr wrap="none" rtlCol="0" anchor="ctr" anchorCtr="1"/>
+          <a:lstStyle/>
+          <a:p>
+            <a:pPr algn="ctr"/>
+            <a:r>
+              <a:rPr lang="en-US" b="1" u="sng" dirty="0">
+                <a:solidFill>
+                  <a:schemeClr val="tx1"/>
+                </a:solidFill>
+              </a:rPr>
+              <a:t>Setup:</a:t>
+            </a:r>
+          </a:p>
+          <a:p>
+            <a:pPr algn="ctr"/>
+            <a:r>
+              <a:rPr lang="en-US" dirty="0">
+                <a:solidFill>
+                  <a:schemeClr val="tx1"/>
+                </a:solidFill>
+              </a:rPr>
+              <a:t>Serial Terminal, Initialize variables, Display LEDs, RTC</a:t>
+            </a:r>
+          </a:p>
+          <a:p>
+            <a:pPr algn="ctr"/>
+            <a:r>
+              <a:rPr lang="en-US" dirty="0">
+                <a:solidFill>
+                  <a:schemeClr val="tx1"/>
+                </a:solidFill>
+              </a:rPr>
+              <a:t>Max31865, Relay, Mode and ONOFF Switches, microSD</a:t>
+            </a:r>
+            <a:endParaRPr lang="en-SG" dirty="0">
+              <a:solidFill>
+                <a:schemeClr val="tx1"/>
+              </a:solidFill>
+            </a:endParaRPr>
+          </a:p>
+        </p:txBody>
+      </p:sp>
+      <p:sp>
+        <p:nvSpPr>
+          <p:cNvPr id="5" name="Flowchart: Alternate Process 4">
+            <a:extLst>
+              <a:ext uri="{FF2B5EF4-FFF2-40B4-BE49-F238E27FC236}">
+                <a16:creationId xmlns:a16="http://schemas.microsoft.com/office/drawing/2014/main" id="{D4497769-D382-48F2-B6A2-C0B593A60CE7}"/>
+              </a:ext>
+            </a:extLst>
+          </p:cNvPr>
+          <p:cNvSpPr/>
+          <p:nvPr/>
+        </p:nvSpPr>
+        <p:spPr>
+          <a:xfrm>
+            <a:off x="1839311" y="3744158"/>
+            <a:ext cx="2364828" cy="924911"/>
+          </a:xfrm>
+          <a:prstGeom prst="flowChartAlternateProcess">
+            <a:avLst/>
+          </a:prstGeom>
+          <a:noFill/>
+          <a:ln w="19050">
+            <a:solidFill>
+              <a:schemeClr val="tx1"/>
+            </a:solidFill>
+          </a:ln>
+        </p:spPr>
+        <p:style>
+          <a:lnRef idx="2">
+            <a:schemeClr val="accent1">
+              <a:shade val="50000"/>
+            </a:schemeClr>
+          </a:lnRef>
+          <a:fillRef idx="1">
+            <a:schemeClr val="accent1"/>
+          </a:fillRef>
+          <a:effectRef idx="0">
+            <a:schemeClr val="accent1"/>
+          </a:effectRef>
+          <a:fontRef idx="minor">
+            <a:schemeClr val="lt1"/>
+          </a:fontRef>
+        </p:style>
+        <p:txBody>
+          <a:bodyPr rtlCol="0" anchor="ctr"/>
+          <a:lstStyle/>
+          <a:p>
+            <a:pPr algn="ctr"/>
+            <a:r>
+              <a:rPr lang="en-US" dirty="0">
+                <a:solidFill>
+                  <a:schemeClr val="tx1"/>
+                </a:solidFill>
+              </a:rPr>
+              <a:t>Get time from RTC</a:t>
+            </a:r>
+            <a:endParaRPr lang="en-SG" dirty="0">
+              <a:solidFill>
+                <a:schemeClr val="tx1"/>
+              </a:solidFill>
+            </a:endParaRPr>
+          </a:p>
+        </p:txBody>
+      </p:sp>
+      <p:sp>
+        <p:nvSpPr>
+          <p:cNvPr id="153" name="Flowchart: Alternate Process 152">
+            <a:extLst>
+              <a:ext uri="{FF2B5EF4-FFF2-40B4-BE49-F238E27FC236}">
+                <a16:creationId xmlns:a16="http://schemas.microsoft.com/office/drawing/2014/main" id="{4876E00E-A9A8-4B15-A3D8-0BA3D90272A7}"/>
+              </a:ext>
+            </a:extLst>
+          </p:cNvPr>
+          <p:cNvSpPr/>
+          <p:nvPr/>
+        </p:nvSpPr>
+        <p:spPr>
+          <a:xfrm>
+            <a:off x="1271753" y="5278579"/>
+            <a:ext cx="3499944" cy="924911"/>
+          </a:xfrm>
+          <a:prstGeom prst="flowChartAlternateProcess">
+            <a:avLst/>
+          </a:prstGeom>
+          <a:noFill/>
+          <a:ln w="19050">
+            <a:solidFill>
+              <a:schemeClr val="tx1"/>
+            </a:solidFill>
+          </a:ln>
+        </p:spPr>
+        <p:style>
+          <a:lnRef idx="2">
+            <a:schemeClr val="accent1">
+              <a:shade val="50000"/>
+            </a:schemeClr>
+          </a:lnRef>
+          <a:fillRef idx="1">
+            <a:schemeClr val="accent1"/>
+          </a:fillRef>
+          <a:effectRef idx="0">
+            <a:schemeClr val="accent1"/>
+          </a:effectRef>
+          <a:fontRef idx="minor">
+            <a:schemeClr val="lt1"/>
+          </a:fontRef>
+        </p:style>
+        <p:txBody>
+          <a:bodyPr rtlCol="0" anchor="ctr"/>
+          <a:lstStyle/>
+          <a:p>
+            <a:pPr algn="ctr"/>
+            <a:r>
+              <a:rPr lang="en-US" dirty="0">
+                <a:solidFill>
+                  <a:schemeClr val="tx1"/>
+                </a:solidFill>
+              </a:rPr>
+              <a:t>Get temperature from Max31865</a:t>
+            </a:r>
+            <a:endParaRPr lang="en-SG" dirty="0">
+              <a:solidFill>
+                <a:schemeClr val="tx1"/>
+              </a:solidFill>
+            </a:endParaRPr>
+          </a:p>
+        </p:txBody>
+      </p:sp>
+      <p:sp>
+        <p:nvSpPr>
+          <p:cNvPr id="160" name="Flowchart: Alternate Process 159">
+            <a:extLst>
+              <a:ext uri="{FF2B5EF4-FFF2-40B4-BE49-F238E27FC236}">
+                <a16:creationId xmlns:a16="http://schemas.microsoft.com/office/drawing/2014/main" id="{FEBE8708-F46C-43AD-BB0D-B2C8E90BA906}"/>
+              </a:ext>
+            </a:extLst>
+          </p:cNvPr>
+          <p:cNvSpPr/>
+          <p:nvPr/>
+        </p:nvSpPr>
+        <p:spPr>
+          <a:xfrm>
+            <a:off x="6823545" y="1137771"/>
+            <a:ext cx="3499944" cy="924911"/>
+          </a:xfrm>
+          <a:prstGeom prst="flowChartAlternateProcess">
+            <a:avLst/>
+          </a:prstGeom>
+          <a:noFill/>
+          <a:ln w="19050">
+            <a:solidFill>
+              <a:schemeClr val="tx1"/>
+            </a:solidFill>
+          </a:ln>
+        </p:spPr>
+        <p:style>
+          <a:lnRef idx="2">
+            <a:schemeClr val="accent1">
+              <a:shade val="50000"/>
+            </a:schemeClr>
+          </a:lnRef>
+          <a:fillRef idx="1">
+            <a:schemeClr val="accent1"/>
+          </a:fillRef>
+          <a:effectRef idx="0">
+            <a:schemeClr val="accent1"/>
+          </a:effectRef>
+          <a:fontRef idx="minor">
+            <a:schemeClr val="lt1"/>
+          </a:fontRef>
+        </p:style>
+        <p:txBody>
+          <a:bodyPr rtlCol="0" anchor="ctr"/>
+          <a:lstStyle/>
+          <a:p>
+            <a:pPr algn="ctr"/>
+            <a:r>
+              <a:rPr lang="en-US" dirty="0">
+                <a:solidFill>
+                  <a:schemeClr val="tx1"/>
+                </a:solidFill>
+              </a:rPr>
+              <a:t>Display temperature on LEDs &amp; Serial Terminal</a:t>
+            </a:r>
+            <a:endParaRPr lang="en-SG" dirty="0">
+              <a:solidFill>
+                <a:schemeClr val="tx1"/>
+              </a:solidFill>
+            </a:endParaRPr>
+          </a:p>
+        </p:txBody>
+      </p:sp>
+      <p:sp>
+        <p:nvSpPr>
+          <p:cNvPr id="6" name="Flowchart: Decision 5">
+            <a:extLst>
+              <a:ext uri="{FF2B5EF4-FFF2-40B4-BE49-F238E27FC236}">
+                <a16:creationId xmlns:a16="http://schemas.microsoft.com/office/drawing/2014/main" id="{0CF47009-520F-4465-A0CA-CF764E09F90E}"/>
+              </a:ext>
+            </a:extLst>
+          </p:cNvPr>
+          <p:cNvSpPr/>
+          <p:nvPr/>
+        </p:nvSpPr>
+        <p:spPr>
+          <a:xfrm>
+            <a:off x="7480006" y="2448207"/>
+            <a:ext cx="2187019" cy="1234912"/>
+          </a:xfrm>
+          <a:prstGeom prst="flowChartDecision">
+            <a:avLst/>
+          </a:prstGeom>
+          <a:noFill/>
+          <a:ln w="19050">
+            <a:solidFill>
+              <a:schemeClr val="tx1"/>
+            </a:solidFill>
+          </a:ln>
+        </p:spPr>
+        <p:style>
+          <a:lnRef idx="2">
+            <a:schemeClr val="accent1">
+              <a:shade val="50000"/>
+            </a:schemeClr>
+          </a:lnRef>
+          <a:fillRef idx="1">
+            <a:schemeClr val="accent1"/>
+          </a:fillRef>
+          <a:effectRef idx="0">
+            <a:schemeClr val="accent1"/>
+          </a:effectRef>
+          <a:fontRef idx="minor">
+            <a:schemeClr val="lt1"/>
+          </a:fontRef>
+        </p:style>
+        <p:txBody>
+          <a:bodyPr rtlCol="0" anchor="ctr"/>
+          <a:lstStyle/>
+          <a:p>
+            <a:pPr algn="ctr"/>
+            <a:r>
+              <a:rPr lang="en-US" dirty="0">
+                <a:solidFill>
+                  <a:schemeClr val="tx1"/>
+                </a:solidFill>
+              </a:rPr>
+              <a:t>Manual Mode?</a:t>
+            </a:r>
+            <a:endParaRPr lang="en-SG" dirty="0">
+              <a:solidFill>
+                <a:schemeClr val="tx1"/>
+              </a:solidFill>
+            </a:endParaRPr>
+          </a:p>
+        </p:txBody>
+      </p:sp>
+      <p:sp>
+        <p:nvSpPr>
+          <p:cNvPr id="191" name="Flowchart: Alternate Process 190">
+            <a:extLst>
+              <a:ext uri="{FF2B5EF4-FFF2-40B4-BE49-F238E27FC236}">
+                <a16:creationId xmlns:a16="http://schemas.microsoft.com/office/drawing/2014/main" id="{6524414B-8D13-4F1F-8545-F0F210AACACD}"/>
+              </a:ext>
+            </a:extLst>
+          </p:cNvPr>
+          <p:cNvSpPr/>
+          <p:nvPr/>
+        </p:nvSpPr>
+        <p:spPr>
+          <a:xfrm>
+            <a:off x="872956" y="2209737"/>
+            <a:ext cx="4297538" cy="924911"/>
+          </a:xfrm>
+          <a:prstGeom prst="flowChartAlternateProcess">
+            <a:avLst/>
+          </a:prstGeom>
+          <a:noFill/>
+          <a:ln w="19050">
+            <a:solidFill>
+              <a:schemeClr val="tx1"/>
+            </a:solidFill>
+          </a:ln>
+        </p:spPr>
+        <p:style>
+          <a:lnRef idx="2">
+            <a:schemeClr val="accent1">
+              <a:shade val="50000"/>
+            </a:schemeClr>
+          </a:lnRef>
+          <a:fillRef idx="1">
+            <a:schemeClr val="accent1"/>
+          </a:fillRef>
+          <a:effectRef idx="0">
+            <a:schemeClr val="accent1"/>
+          </a:effectRef>
+          <a:fontRef idx="minor">
+            <a:schemeClr val="lt1"/>
+          </a:fontRef>
+        </p:style>
+        <p:txBody>
+          <a:bodyPr rtlCol="0" anchor="ctr"/>
+          <a:lstStyle/>
+          <a:p>
+            <a:pPr algn="ctr"/>
+            <a:r>
+              <a:rPr lang="en-US" dirty="0">
+                <a:solidFill>
+                  <a:schemeClr val="tx1"/>
+                </a:solidFill>
+              </a:rPr>
+              <a:t>Read states of MODE and ONOFF switches</a:t>
+            </a:r>
+            <a:endParaRPr lang="en-SG" dirty="0">
+              <a:solidFill>
+                <a:schemeClr val="tx1"/>
+              </a:solidFill>
+            </a:endParaRPr>
+          </a:p>
+        </p:txBody>
+      </p:sp>
+      <p:sp>
+        <p:nvSpPr>
+          <p:cNvPr id="193" name="Flowchart: Alternate Process 192">
+            <a:extLst>
+              <a:ext uri="{FF2B5EF4-FFF2-40B4-BE49-F238E27FC236}">
+                <a16:creationId xmlns:a16="http://schemas.microsoft.com/office/drawing/2014/main" id="{B1E8AA41-CA4F-46AA-BA21-0F8CCCAE668C}"/>
+              </a:ext>
+            </a:extLst>
+          </p:cNvPr>
+          <p:cNvSpPr/>
+          <p:nvPr/>
+        </p:nvSpPr>
+        <p:spPr>
+          <a:xfrm>
+            <a:off x="6725134" y="4515905"/>
+            <a:ext cx="3696768" cy="924911"/>
+          </a:xfrm>
+          <a:prstGeom prst="flowChartAlternateProcess">
+            <a:avLst/>
+          </a:prstGeom>
+          <a:noFill/>
+          <a:ln w="19050">
+            <a:solidFill>
+              <a:schemeClr val="tx1"/>
+            </a:solidFill>
+          </a:ln>
+        </p:spPr>
+        <p:style>
+          <a:lnRef idx="2">
+            <a:schemeClr val="accent1">
+              <a:shade val="50000"/>
+            </a:schemeClr>
+          </a:lnRef>
+          <a:fillRef idx="1">
+            <a:schemeClr val="accent1"/>
+          </a:fillRef>
+          <a:effectRef idx="0">
+            <a:schemeClr val="accent1"/>
+          </a:effectRef>
+          <a:fontRef idx="minor">
+            <a:schemeClr val="lt1"/>
+          </a:fontRef>
+        </p:style>
+        <p:txBody>
+          <a:bodyPr rtlCol="0" anchor="ctr"/>
+          <a:lstStyle/>
+          <a:p>
+            <a:pPr algn="ctr"/>
+            <a:r>
+              <a:rPr lang="en-US" dirty="0">
+                <a:solidFill>
+                  <a:schemeClr val="tx1"/>
+                </a:solidFill>
+              </a:rPr>
+              <a:t>Turn on/off Relay and light corresponding LED according to ONOFF switch</a:t>
+            </a:r>
+            <a:endParaRPr lang="en-SG" dirty="0">
+              <a:solidFill>
+                <a:schemeClr val="tx1"/>
+              </a:solidFill>
+            </a:endParaRPr>
+          </a:p>
+        </p:txBody>
+      </p:sp>
+      <p:cxnSp>
+        <p:nvCxnSpPr>
+          <p:cNvPr id="8" name="Straight Arrow Connector 7">
+            <a:extLst>
+              <a:ext uri="{FF2B5EF4-FFF2-40B4-BE49-F238E27FC236}">
+                <a16:creationId xmlns:a16="http://schemas.microsoft.com/office/drawing/2014/main" id="{9C7757EB-C525-48C6-9AD4-BE9B0C7446FF}"/>
+              </a:ext>
+            </a:extLst>
+          </p:cNvPr>
+          <p:cNvCxnSpPr>
+            <a:stCxn id="3" idx="2"/>
+            <a:endCxn id="191" idx="0"/>
+          </p:cNvCxnSpPr>
+          <p:nvPr/>
+        </p:nvCxnSpPr>
+        <p:spPr>
+          <a:xfrm>
+            <a:off x="3021725" y="1600227"/>
+            <a:ext cx="0" cy="609510"/>
+          </a:xfrm>
+          <a:prstGeom prst="straightConnector1">
+            <a:avLst/>
+          </a:prstGeom>
+          <a:ln w="19050">
+            <a:solidFill>
+              <a:schemeClr val="tx1"/>
+            </a:solidFill>
+            <a:tailEnd type="triangle"/>
+          </a:ln>
+        </p:spPr>
+        <p:style>
+          <a:lnRef idx="1">
+            <a:schemeClr val="accent1"/>
+          </a:lnRef>
+          <a:fillRef idx="0">
+            <a:schemeClr val="accent1"/>
+          </a:fillRef>
+          <a:effectRef idx="0">
+            <a:schemeClr val="accent1"/>
+          </a:effectRef>
+          <a:fontRef idx="minor">
+            <a:schemeClr val="tx1"/>
+          </a:fontRef>
+        </p:style>
+      </p:cxnSp>
+      <p:cxnSp>
+        <p:nvCxnSpPr>
+          <p:cNvPr id="9" name="Straight Arrow Connector 8">
+            <a:extLst>
+              <a:ext uri="{FF2B5EF4-FFF2-40B4-BE49-F238E27FC236}">
+                <a16:creationId xmlns:a16="http://schemas.microsoft.com/office/drawing/2014/main" id="{96AC824B-1F3C-48C1-B174-A8D790B90BFA}"/>
+              </a:ext>
+            </a:extLst>
+          </p:cNvPr>
+          <p:cNvCxnSpPr>
+            <a:cxnSpLocks/>
+            <a:stCxn id="191" idx="2"/>
+            <a:endCxn id="5" idx="0"/>
+          </p:cNvCxnSpPr>
+          <p:nvPr/>
+        </p:nvCxnSpPr>
+        <p:spPr>
+          <a:xfrm>
+            <a:off x="3021725" y="3134648"/>
+            <a:ext cx="0" cy="609510"/>
+          </a:xfrm>
+          <a:prstGeom prst="straightConnector1">
+            <a:avLst/>
+          </a:prstGeom>
+          <a:ln w="19050">
+            <a:solidFill>
+              <a:schemeClr val="tx1"/>
+            </a:solidFill>
+            <a:tailEnd type="triangle"/>
+          </a:ln>
+        </p:spPr>
+        <p:style>
+          <a:lnRef idx="1">
+            <a:schemeClr val="accent1"/>
+          </a:lnRef>
+          <a:fillRef idx="0">
+            <a:schemeClr val="accent1"/>
+          </a:fillRef>
+          <a:effectRef idx="0">
+            <a:schemeClr val="accent1"/>
+          </a:effectRef>
+          <a:fontRef idx="minor">
+            <a:schemeClr val="tx1"/>
+          </a:fontRef>
+        </p:style>
+      </p:cxnSp>
+      <p:cxnSp>
+        <p:nvCxnSpPr>
+          <p:cNvPr id="195" name="Straight Arrow Connector 194">
+            <a:extLst>
+              <a:ext uri="{FF2B5EF4-FFF2-40B4-BE49-F238E27FC236}">
+                <a16:creationId xmlns:a16="http://schemas.microsoft.com/office/drawing/2014/main" id="{49F91612-1050-4ACB-A6E7-ADE96DDE3981}"/>
+              </a:ext>
+            </a:extLst>
+          </p:cNvPr>
+          <p:cNvCxnSpPr>
+            <a:cxnSpLocks/>
+            <a:stCxn id="5" idx="2"/>
+            <a:endCxn id="153" idx="0"/>
+          </p:cNvCxnSpPr>
+          <p:nvPr/>
+        </p:nvCxnSpPr>
+        <p:spPr>
+          <a:xfrm>
+            <a:off x="3021725" y="4669069"/>
+            <a:ext cx="0" cy="609510"/>
+          </a:xfrm>
+          <a:prstGeom prst="straightConnector1">
+            <a:avLst/>
+          </a:prstGeom>
+          <a:ln w="19050">
+            <a:solidFill>
+              <a:schemeClr val="tx1"/>
+            </a:solidFill>
+            <a:tailEnd type="triangle"/>
+          </a:ln>
+        </p:spPr>
+        <p:style>
+          <a:lnRef idx="1">
+            <a:schemeClr val="accent1"/>
+          </a:lnRef>
+          <a:fillRef idx="0">
+            <a:schemeClr val="accent1"/>
+          </a:fillRef>
+          <a:effectRef idx="0">
+            <a:schemeClr val="accent1"/>
+          </a:effectRef>
+          <a:fontRef idx="minor">
+            <a:schemeClr val="tx1"/>
+          </a:fontRef>
+        </p:style>
+      </p:cxnSp>
+      <p:cxnSp>
+        <p:nvCxnSpPr>
+          <p:cNvPr id="196" name="Straight Arrow Connector 195">
+            <a:extLst>
+              <a:ext uri="{FF2B5EF4-FFF2-40B4-BE49-F238E27FC236}">
+                <a16:creationId xmlns:a16="http://schemas.microsoft.com/office/drawing/2014/main" id="{2A199E70-01FC-420C-A0EF-FB8318A8A776}"/>
+              </a:ext>
+            </a:extLst>
+          </p:cNvPr>
+          <p:cNvCxnSpPr>
+            <a:cxnSpLocks/>
+            <a:stCxn id="160" idx="2"/>
+            <a:endCxn id="6" idx="0"/>
+          </p:cNvCxnSpPr>
+          <p:nvPr/>
+        </p:nvCxnSpPr>
+        <p:spPr>
+          <a:xfrm flipH="1">
+            <a:off x="8573516" y="2062682"/>
+            <a:ext cx="1" cy="385525"/>
+          </a:xfrm>
+          <a:prstGeom prst="straightConnector1">
+            <a:avLst/>
+          </a:prstGeom>
+          <a:ln w="19050">
+            <a:solidFill>
+              <a:schemeClr val="tx1"/>
+            </a:solidFill>
+            <a:tailEnd type="triangle"/>
+          </a:ln>
+        </p:spPr>
+        <p:style>
+          <a:lnRef idx="1">
+            <a:schemeClr val="accent1"/>
+          </a:lnRef>
+          <a:fillRef idx="0">
+            <a:schemeClr val="accent1"/>
+          </a:fillRef>
+          <a:effectRef idx="0">
+            <a:schemeClr val="accent1"/>
+          </a:effectRef>
+          <a:fontRef idx="minor">
+            <a:schemeClr val="tx1"/>
+          </a:fontRef>
+        </p:style>
+      </p:cxnSp>
+      <p:cxnSp>
+        <p:nvCxnSpPr>
+          <p:cNvPr id="197" name="Straight Arrow Connector 196">
+            <a:extLst>
+              <a:ext uri="{FF2B5EF4-FFF2-40B4-BE49-F238E27FC236}">
+                <a16:creationId xmlns:a16="http://schemas.microsoft.com/office/drawing/2014/main" id="{1D06AF27-07AA-4A6D-BF5F-7A65DC13489D}"/>
+              </a:ext>
+            </a:extLst>
+          </p:cNvPr>
+          <p:cNvCxnSpPr>
+            <a:cxnSpLocks/>
+            <a:stCxn id="6" idx="2"/>
+            <a:endCxn id="193" idx="0"/>
+          </p:cNvCxnSpPr>
+          <p:nvPr/>
+        </p:nvCxnSpPr>
+        <p:spPr>
+          <a:xfrm>
+            <a:off x="8573516" y="3683119"/>
+            <a:ext cx="2" cy="832786"/>
+          </a:xfrm>
+          <a:prstGeom prst="straightConnector1">
+            <a:avLst/>
+          </a:prstGeom>
+          <a:ln w="19050">
+            <a:solidFill>
+              <a:schemeClr val="tx1"/>
+            </a:solidFill>
+            <a:tailEnd type="triangle"/>
+          </a:ln>
+        </p:spPr>
+        <p:style>
+          <a:lnRef idx="1">
+            <a:schemeClr val="accent1"/>
+          </a:lnRef>
+          <a:fillRef idx="0">
+            <a:schemeClr val="accent1"/>
+          </a:fillRef>
+          <a:effectRef idx="0">
+            <a:schemeClr val="accent1"/>
+          </a:effectRef>
+          <a:fontRef idx="minor">
+            <a:schemeClr val="tx1"/>
+          </a:fontRef>
+        </p:style>
+      </p:cxnSp>
+      <p:cxnSp>
+        <p:nvCxnSpPr>
+          <p:cNvPr id="29" name="Connector: Elbow 28">
+            <a:extLst>
+              <a:ext uri="{FF2B5EF4-FFF2-40B4-BE49-F238E27FC236}">
+                <a16:creationId xmlns:a16="http://schemas.microsoft.com/office/drawing/2014/main" id="{05D1C3F5-4B85-48EB-9D1E-AA1113784BD7}"/>
+              </a:ext>
+            </a:extLst>
+          </p:cNvPr>
+          <p:cNvCxnSpPr>
+            <a:stCxn id="153" idx="2"/>
+            <a:endCxn id="160" idx="0"/>
+          </p:cNvCxnSpPr>
+          <p:nvPr/>
+        </p:nvCxnSpPr>
+        <p:spPr>
+          <a:xfrm rot="5400000" flipH="1" flipV="1">
+            <a:off x="3264761" y="894735"/>
+            <a:ext cx="5065719" cy="5551792"/>
+          </a:xfrm>
+          <a:prstGeom prst="bentConnector5">
+            <a:avLst>
+              <a:gd name="adj1" fmla="val -4513"/>
+              <a:gd name="adj2" fmla="val 56962"/>
+              <a:gd name="adj3" fmla="val 114376"/>
+            </a:avLst>
+          </a:prstGeom>
+          <a:ln w="19050">
+            <a:solidFill>
+              <a:schemeClr val="tx1"/>
+            </a:solidFill>
+            <a:tailEnd type="triangle"/>
+          </a:ln>
+        </p:spPr>
+        <p:style>
+          <a:lnRef idx="1">
+            <a:schemeClr val="accent1"/>
+          </a:lnRef>
+          <a:fillRef idx="0">
+            <a:schemeClr val="accent1"/>
+          </a:fillRef>
+          <a:effectRef idx="0">
+            <a:schemeClr val="accent1"/>
+          </a:effectRef>
+          <a:fontRef idx="minor">
+            <a:schemeClr val="tx1"/>
+          </a:fontRef>
+        </p:style>
+      </p:cxnSp>
+      <p:cxnSp>
+        <p:nvCxnSpPr>
+          <p:cNvPr id="199" name="Straight Arrow Connector 198">
+            <a:extLst>
+              <a:ext uri="{FF2B5EF4-FFF2-40B4-BE49-F238E27FC236}">
+                <a16:creationId xmlns:a16="http://schemas.microsoft.com/office/drawing/2014/main" id="{4C233BE3-1B7B-4214-A009-1208CEDF2DFD}"/>
+              </a:ext>
+            </a:extLst>
+          </p:cNvPr>
+          <p:cNvCxnSpPr>
+            <a:cxnSpLocks/>
+            <a:stCxn id="193" idx="2"/>
+            <a:endCxn id="213" idx="0"/>
+          </p:cNvCxnSpPr>
+          <p:nvPr/>
+        </p:nvCxnSpPr>
+        <p:spPr>
+          <a:xfrm>
+            <a:off x="8573518" y="5440816"/>
+            <a:ext cx="0" cy="493263"/>
+          </a:xfrm>
+          <a:prstGeom prst="straightConnector1">
+            <a:avLst/>
+          </a:prstGeom>
+          <a:ln w="19050">
+            <a:solidFill>
+              <a:schemeClr val="tx1"/>
+            </a:solidFill>
+            <a:tailEnd type="triangle"/>
+          </a:ln>
+        </p:spPr>
+        <p:style>
+          <a:lnRef idx="1">
+            <a:schemeClr val="accent1"/>
+          </a:lnRef>
+          <a:fillRef idx="0">
+            <a:schemeClr val="accent1"/>
+          </a:fillRef>
+          <a:effectRef idx="0">
+            <a:schemeClr val="accent1"/>
+          </a:effectRef>
+          <a:fontRef idx="minor">
+            <a:schemeClr val="tx1"/>
+          </a:fontRef>
+        </p:style>
+      </p:cxnSp>
+      <p:cxnSp>
+        <p:nvCxnSpPr>
+          <p:cNvPr id="200" name="Straight Arrow Connector 199">
+            <a:extLst>
+              <a:ext uri="{FF2B5EF4-FFF2-40B4-BE49-F238E27FC236}">
+                <a16:creationId xmlns:a16="http://schemas.microsoft.com/office/drawing/2014/main" id="{5F6E8971-E561-4FAF-A1C4-DB8ACA08EEF9}"/>
+              </a:ext>
+            </a:extLst>
+          </p:cNvPr>
+          <p:cNvCxnSpPr>
+            <a:cxnSpLocks/>
+            <a:stCxn id="6" idx="3"/>
+            <a:endCxn id="211" idx="1"/>
+          </p:cNvCxnSpPr>
+          <p:nvPr/>
+        </p:nvCxnSpPr>
+        <p:spPr>
+          <a:xfrm>
+            <a:off x="9667025" y="3065663"/>
+            <a:ext cx="1145186" cy="0"/>
+          </a:xfrm>
+          <a:prstGeom prst="straightConnector1">
+            <a:avLst/>
+          </a:prstGeom>
+          <a:ln>
+            <a:tailEnd type="triangle"/>
+          </a:ln>
+        </p:spPr>
+        <p:style>
+          <a:lnRef idx="1">
+            <a:schemeClr val="accent1"/>
+          </a:lnRef>
+          <a:fillRef idx="0">
+            <a:schemeClr val="accent1"/>
+          </a:fillRef>
+          <a:effectRef idx="0">
+            <a:schemeClr val="accent1"/>
+          </a:effectRef>
+          <a:fontRef idx="minor">
+            <a:schemeClr val="tx1"/>
+          </a:fontRef>
+        </p:style>
+      </p:cxnSp>
+      <p:sp>
+        <p:nvSpPr>
+          <p:cNvPr id="42" name="TextBox 41">
+            <a:extLst>
+              <a:ext uri="{FF2B5EF4-FFF2-40B4-BE49-F238E27FC236}">
+                <a16:creationId xmlns:a16="http://schemas.microsoft.com/office/drawing/2014/main" id="{3BBCAAD2-F96B-43E6-AD3E-21B41CD114C9}"/>
+              </a:ext>
+            </a:extLst>
+          </p:cNvPr>
+          <p:cNvSpPr txBox="1"/>
+          <p:nvPr/>
+        </p:nvSpPr>
+        <p:spPr>
+          <a:xfrm>
+            <a:off x="343918" y="2357777"/>
+            <a:ext cx="448666" cy="707886"/>
+          </a:xfrm>
+          <a:prstGeom prst="rect">
+            <a:avLst/>
+          </a:prstGeom>
+          <a:noFill/>
+          <a:ln w="19050">
+            <a:noFill/>
+          </a:ln>
+        </p:spPr>
+        <p:txBody>
+          <a:bodyPr wrap="square" rtlCol="0">
+            <a:spAutoFit/>
+          </a:bodyPr>
+          <a:lstStyle/>
+          <a:p>
+            <a:r>
+              <a:rPr lang="en-US" sz="4000" dirty="0"/>
+              <a:t>*</a:t>
+            </a:r>
+            <a:endParaRPr lang="en-SG" sz="4000" dirty="0"/>
+          </a:p>
+        </p:txBody>
+      </p:sp>
+      <p:sp>
+        <p:nvSpPr>
+          <p:cNvPr id="209" name="TextBox 208">
+            <a:extLst>
+              <a:ext uri="{FF2B5EF4-FFF2-40B4-BE49-F238E27FC236}">
+                <a16:creationId xmlns:a16="http://schemas.microsoft.com/office/drawing/2014/main" id="{78143F43-6741-47E5-8FEC-57F3603C8AFC}"/>
+              </a:ext>
+            </a:extLst>
+          </p:cNvPr>
+          <p:cNvSpPr txBox="1"/>
+          <p:nvPr/>
+        </p:nvSpPr>
+        <p:spPr>
+          <a:xfrm>
+            <a:off x="8539415" y="3624047"/>
+            <a:ext cx="335348" cy="461665"/>
+          </a:xfrm>
+          <a:prstGeom prst="rect">
+            <a:avLst/>
+          </a:prstGeom>
+          <a:noFill/>
+        </p:spPr>
+        <p:txBody>
+          <a:bodyPr wrap="square" rtlCol="0">
+            <a:spAutoFit/>
+          </a:bodyPr>
+          <a:lstStyle/>
+          <a:p>
+            <a:r>
+              <a:rPr lang="en-US" sz="2400" dirty="0"/>
+              <a:t>Y</a:t>
+            </a:r>
+            <a:endParaRPr lang="en-SG" sz="2400" dirty="0"/>
+          </a:p>
+        </p:txBody>
+      </p:sp>
+      <p:sp>
+        <p:nvSpPr>
+          <p:cNvPr id="210" name="TextBox 209">
+            <a:extLst>
+              <a:ext uri="{FF2B5EF4-FFF2-40B4-BE49-F238E27FC236}">
+                <a16:creationId xmlns:a16="http://schemas.microsoft.com/office/drawing/2014/main" id="{217215F9-60D9-4624-B955-40D67EA74753}"/>
+              </a:ext>
+            </a:extLst>
+          </p:cNvPr>
+          <p:cNvSpPr txBox="1"/>
+          <p:nvPr/>
+        </p:nvSpPr>
+        <p:spPr>
+          <a:xfrm>
+            <a:off x="9628774" y="2664999"/>
+            <a:ext cx="335348" cy="461665"/>
+          </a:xfrm>
+          <a:prstGeom prst="rect">
+            <a:avLst/>
+          </a:prstGeom>
+          <a:noFill/>
+        </p:spPr>
+        <p:txBody>
+          <a:bodyPr wrap="square" rtlCol="0">
+            <a:spAutoFit/>
+          </a:bodyPr>
+          <a:lstStyle/>
+          <a:p>
+            <a:r>
+              <a:rPr lang="en-US" sz="2400" dirty="0"/>
+              <a:t>N</a:t>
+            </a:r>
+            <a:endParaRPr lang="en-SG" sz="2400" dirty="0"/>
+          </a:p>
+        </p:txBody>
+      </p:sp>
+      <p:sp>
+        <p:nvSpPr>
+          <p:cNvPr id="211" name="TextBox 210">
+            <a:extLst>
+              <a:ext uri="{FF2B5EF4-FFF2-40B4-BE49-F238E27FC236}">
+                <a16:creationId xmlns:a16="http://schemas.microsoft.com/office/drawing/2014/main" id="{76EA9DD5-9C28-4CED-A331-01DB91748110}"/>
+              </a:ext>
+            </a:extLst>
+          </p:cNvPr>
+          <p:cNvSpPr txBox="1"/>
+          <p:nvPr/>
+        </p:nvSpPr>
+        <p:spPr>
+          <a:xfrm>
+            <a:off x="10812211" y="2650164"/>
+            <a:ext cx="1164326" cy="830997"/>
+          </a:xfrm>
+          <a:prstGeom prst="rect">
+            <a:avLst/>
+          </a:prstGeom>
+          <a:noFill/>
+        </p:spPr>
+        <p:txBody>
+          <a:bodyPr wrap="square" rtlCol="0">
+            <a:spAutoFit/>
+          </a:bodyPr>
+          <a:lstStyle/>
+          <a:p>
+            <a:r>
+              <a:rPr lang="en-US" sz="2400" dirty="0" err="1"/>
+              <a:t>Cont</a:t>
+            </a:r>
+            <a:r>
+              <a:rPr lang="en-US" sz="2400" dirty="0"/>
+              <a:t> on</a:t>
+            </a:r>
+          </a:p>
+          <a:p>
+            <a:r>
+              <a:rPr lang="en-US" sz="2400" dirty="0"/>
+              <a:t>next </a:t>
+            </a:r>
+            <a:r>
+              <a:rPr lang="en-US" sz="2400" dirty="0" err="1"/>
+              <a:t>pg</a:t>
+            </a:r>
+            <a:endParaRPr lang="en-SG" sz="2400" dirty="0"/>
+          </a:p>
+        </p:txBody>
+      </p:sp>
+      <p:sp>
+        <p:nvSpPr>
+          <p:cNvPr id="213" name="TextBox 212">
+            <a:extLst>
+              <a:ext uri="{FF2B5EF4-FFF2-40B4-BE49-F238E27FC236}">
+                <a16:creationId xmlns:a16="http://schemas.microsoft.com/office/drawing/2014/main" id="{3422BB09-D096-4B6E-96A8-296DB76B5114}"/>
+              </a:ext>
+            </a:extLst>
+          </p:cNvPr>
+          <p:cNvSpPr txBox="1"/>
+          <p:nvPr/>
+        </p:nvSpPr>
+        <p:spPr>
+          <a:xfrm>
+            <a:off x="8078611" y="5934079"/>
+            <a:ext cx="989814" cy="707886"/>
+          </a:xfrm>
+          <a:prstGeom prst="rect">
+            <a:avLst/>
+          </a:prstGeom>
+          <a:noFill/>
+        </p:spPr>
+        <p:txBody>
+          <a:bodyPr wrap="square" rtlCol="0">
+            <a:spAutoFit/>
+          </a:bodyPr>
+          <a:lstStyle/>
+          <a:p>
+            <a:r>
+              <a:rPr lang="en-US" sz="4000" dirty="0"/>
+              <a:t>To*</a:t>
+            </a:r>
+            <a:endParaRPr lang="en-SG" sz="4000" dirty="0"/>
+          </a:p>
+        </p:txBody>
+      </p:sp>
+    </p:spTree>
+    <p:extLst>
+      <p:ext uri="{BB962C8B-B14F-4D97-AF65-F5344CB8AC3E}">
+        <p14:creationId xmlns:p14="http://schemas.microsoft.com/office/powerpoint/2010/main" val="1907060922"/>
+      </p:ext>
+    </p:extLst>
+  </p:cSld>
+  <p:clrMapOvr>
+    <a:masterClrMapping/>
+  </p:clrMapOvr>
+</p:sld>
+</file>
+
+<file path=ppt/slides/slide11.xml><?xml version="1.0" encoding="utf-8"?>
+<p:sld xmlns:a="http://schemas.openxmlformats.org/drawingml/2006/main" xmlns:r="http://schemas.openxmlformats.org/officeDocument/2006/relationships" xmlns:p="http://schemas.openxmlformats.org/presentationml/2006/main">
+  <p:cSld>
+    <p:spTree>
+      <p:nvGrpSpPr>
+        <p:cNvPr id="1" name=""/>
+        <p:cNvGrpSpPr/>
+        <p:nvPr/>
+      </p:nvGrpSpPr>
+      <p:grpSpPr>
+        <a:xfrm>
+          <a:off x="0" y="0"/>
+          <a:ext cx="0" cy="0"/>
+          <a:chOff x="0" y="0"/>
+          <a:chExt cx="0" cy="0"/>
+        </a:xfrm>
+      </p:grpSpPr>
+      <p:sp>
+        <p:nvSpPr>
+          <p:cNvPr id="194" name="Flowchart: Decision 193">
+            <a:extLst>
+              <a:ext uri="{FF2B5EF4-FFF2-40B4-BE49-F238E27FC236}">
+                <a16:creationId xmlns:a16="http://schemas.microsoft.com/office/drawing/2014/main" id="{E29249EC-2739-4E96-9125-A05CDEC4B147}"/>
+              </a:ext>
+            </a:extLst>
+          </p:cNvPr>
+          <p:cNvSpPr/>
+          <p:nvPr/>
+        </p:nvSpPr>
+        <p:spPr>
+          <a:xfrm>
+            <a:off x="2968764" y="497337"/>
+            <a:ext cx="2187019" cy="1234912"/>
+          </a:xfrm>
+          <a:prstGeom prst="flowChartDecision">
+            <a:avLst/>
+          </a:prstGeom>
+          <a:noFill/>
+          <a:ln w="19050"/>
+        </p:spPr>
+        <p:style>
+          <a:lnRef idx="2">
+            <a:schemeClr val="accent1">
+              <a:shade val="50000"/>
+            </a:schemeClr>
+          </a:lnRef>
+          <a:fillRef idx="1">
+            <a:schemeClr val="accent1"/>
+          </a:fillRef>
+          <a:effectRef idx="0">
+            <a:schemeClr val="accent1"/>
+          </a:effectRef>
+          <a:fontRef idx="minor">
+            <a:schemeClr val="lt1"/>
+          </a:fontRef>
+        </p:style>
+        <p:txBody>
+          <a:bodyPr rtlCol="0" anchor="ctr"/>
+          <a:lstStyle/>
+          <a:p>
+            <a:pPr algn="ctr"/>
+            <a:r>
+              <a:rPr lang="en-US" dirty="0">
+                <a:solidFill>
+                  <a:schemeClr val="tx1"/>
+                </a:solidFill>
+              </a:rPr>
+              <a:t>Cooling?</a:t>
+            </a:r>
+            <a:endParaRPr lang="en-SG" dirty="0">
+              <a:solidFill>
+                <a:schemeClr val="tx1"/>
+              </a:solidFill>
+            </a:endParaRPr>
+          </a:p>
+        </p:txBody>
+      </p:sp>
+      <p:sp>
+        <p:nvSpPr>
+          <p:cNvPr id="10" name="Flowchart: Alternate Process 9">
+            <a:extLst>
+              <a:ext uri="{FF2B5EF4-FFF2-40B4-BE49-F238E27FC236}">
+                <a16:creationId xmlns:a16="http://schemas.microsoft.com/office/drawing/2014/main" id="{7ECFEA9F-9606-4C28-ACAA-FE93E5886216}"/>
+              </a:ext>
+            </a:extLst>
+          </p:cNvPr>
+          <p:cNvSpPr/>
+          <p:nvPr/>
+        </p:nvSpPr>
+        <p:spPr>
+          <a:xfrm>
+            <a:off x="2711437" y="2104357"/>
+            <a:ext cx="2701672" cy="924911"/>
+          </a:xfrm>
+          <a:prstGeom prst="flowChartAlternateProcess">
+            <a:avLst/>
+          </a:prstGeom>
+          <a:noFill/>
+          <a:ln w="19050"/>
+        </p:spPr>
+        <p:style>
+          <a:lnRef idx="2">
+            <a:schemeClr val="accent1">
+              <a:shade val="50000"/>
+            </a:schemeClr>
+          </a:lnRef>
+          <a:fillRef idx="1">
+            <a:schemeClr val="accent1"/>
+          </a:fillRef>
+          <a:effectRef idx="0">
+            <a:schemeClr val="accent1"/>
+          </a:effectRef>
+          <a:fontRef idx="minor">
+            <a:schemeClr val="lt1"/>
+          </a:fontRef>
+        </p:style>
+        <p:txBody>
+          <a:bodyPr rtlCol="0" anchor="ctr"/>
+          <a:lstStyle/>
+          <a:p>
+            <a:pPr algn="ctr"/>
+            <a:r>
+              <a:rPr lang="en-US" dirty="0">
+                <a:solidFill>
+                  <a:schemeClr val="tx1"/>
+                </a:solidFill>
+              </a:rPr>
+              <a:t>Turn on Relay and corresponding LED</a:t>
+            </a:r>
+            <a:endParaRPr lang="en-SG" dirty="0">
+              <a:solidFill>
+                <a:schemeClr val="tx1"/>
+              </a:solidFill>
+            </a:endParaRPr>
+          </a:p>
+        </p:txBody>
+      </p:sp>
+      <p:sp>
+        <p:nvSpPr>
+          <p:cNvPr id="11" name="Flowchart: Decision 10">
+            <a:extLst>
+              <a:ext uri="{FF2B5EF4-FFF2-40B4-BE49-F238E27FC236}">
+                <a16:creationId xmlns:a16="http://schemas.microsoft.com/office/drawing/2014/main" id="{BA82065C-DE15-4011-B52B-C47236410889}"/>
+              </a:ext>
+            </a:extLst>
+          </p:cNvPr>
+          <p:cNvSpPr/>
+          <p:nvPr/>
+        </p:nvSpPr>
+        <p:spPr>
+          <a:xfrm>
+            <a:off x="2968764" y="3451235"/>
+            <a:ext cx="2187019" cy="1234912"/>
+          </a:xfrm>
+          <a:prstGeom prst="flowChartDecision">
+            <a:avLst/>
+          </a:prstGeom>
+          <a:noFill/>
+          <a:ln w="19050"/>
+        </p:spPr>
+        <p:style>
+          <a:lnRef idx="2">
+            <a:schemeClr val="accent1">
+              <a:shade val="50000"/>
+            </a:schemeClr>
+          </a:lnRef>
+          <a:fillRef idx="1">
+            <a:schemeClr val="accent1"/>
+          </a:fillRef>
+          <a:effectRef idx="0">
+            <a:schemeClr val="accent1"/>
+          </a:effectRef>
+          <a:fontRef idx="minor">
+            <a:schemeClr val="lt1"/>
+          </a:fontRef>
+        </p:style>
+        <p:txBody>
+          <a:bodyPr rtlCol="0" anchor="ctr"/>
+          <a:lstStyle/>
+          <a:p>
+            <a:pPr algn="ctr"/>
+            <a:r>
+              <a:rPr lang="en-US" dirty="0">
+                <a:solidFill>
+                  <a:schemeClr val="tx1"/>
+                </a:solidFill>
+              </a:rPr>
+              <a:t>Temp &lt; Lower Limit?</a:t>
+            </a:r>
+            <a:endParaRPr lang="en-SG" dirty="0">
+              <a:solidFill>
+                <a:schemeClr val="tx1"/>
+              </a:solidFill>
+            </a:endParaRPr>
+          </a:p>
+        </p:txBody>
+      </p:sp>
+      <p:sp>
+        <p:nvSpPr>
+          <p:cNvPr id="12" name="Flowchart: Alternate Process 11">
+            <a:extLst>
+              <a:ext uri="{FF2B5EF4-FFF2-40B4-BE49-F238E27FC236}">
+                <a16:creationId xmlns:a16="http://schemas.microsoft.com/office/drawing/2014/main" id="{B55162AD-8EDC-4FB5-8A79-23992EB3C37D}"/>
+              </a:ext>
+            </a:extLst>
+          </p:cNvPr>
+          <p:cNvSpPr/>
+          <p:nvPr/>
+        </p:nvSpPr>
+        <p:spPr>
+          <a:xfrm>
+            <a:off x="2711437" y="5048644"/>
+            <a:ext cx="2701672" cy="924911"/>
+          </a:xfrm>
+          <a:prstGeom prst="flowChartAlternateProcess">
+            <a:avLst/>
+          </a:prstGeom>
+          <a:noFill/>
+          <a:ln w="19050"/>
+        </p:spPr>
+        <p:style>
+          <a:lnRef idx="2">
+            <a:schemeClr val="accent1">
+              <a:shade val="50000"/>
+            </a:schemeClr>
+          </a:lnRef>
+          <a:fillRef idx="1">
+            <a:schemeClr val="accent1"/>
+          </a:fillRef>
+          <a:effectRef idx="0">
+            <a:schemeClr val="accent1"/>
+          </a:effectRef>
+          <a:fontRef idx="minor">
+            <a:schemeClr val="lt1"/>
+          </a:fontRef>
+        </p:style>
+        <p:txBody>
+          <a:bodyPr rtlCol="0" anchor="ctr"/>
+          <a:lstStyle/>
+          <a:p>
+            <a:pPr algn="ctr"/>
+            <a:r>
+              <a:rPr lang="en-US" dirty="0">
+                <a:solidFill>
+                  <a:schemeClr val="tx1"/>
+                </a:solidFill>
+              </a:rPr>
+              <a:t>Turn off Relay and corresponding LED. Set cooling = false</a:t>
+            </a:r>
+            <a:endParaRPr lang="en-SG" dirty="0">
+              <a:solidFill>
+                <a:schemeClr val="tx1"/>
+              </a:solidFill>
+            </a:endParaRPr>
+          </a:p>
+        </p:txBody>
+      </p:sp>
+      <p:sp>
+        <p:nvSpPr>
+          <p:cNvPr id="13" name="Flowchart: Alternate Process 12">
+            <a:extLst>
+              <a:ext uri="{FF2B5EF4-FFF2-40B4-BE49-F238E27FC236}">
+                <a16:creationId xmlns:a16="http://schemas.microsoft.com/office/drawing/2014/main" id="{B64BC88B-10D1-4B78-B1EA-511092A61ABE}"/>
+              </a:ext>
+            </a:extLst>
+          </p:cNvPr>
+          <p:cNvSpPr/>
+          <p:nvPr/>
+        </p:nvSpPr>
+        <p:spPr>
+          <a:xfrm>
+            <a:off x="6823670" y="652336"/>
+            <a:ext cx="2701672" cy="924911"/>
+          </a:xfrm>
+          <a:prstGeom prst="flowChartAlternateProcess">
+            <a:avLst/>
+          </a:prstGeom>
+          <a:noFill/>
+          <a:ln w="19050"/>
+        </p:spPr>
+        <p:style>
+          <a:lnRef idx="2">
+            <a:schemeClr val="accent1">
+              <a:shade val="50000"/>
+            </a:schemeClr>
+          </a:lnRef>
+          <a:fillRef idx="1">
+            <a:schemeClr val="accent1"/>
+          </a:fillRef>
+          <a:effectRef idx="0">
+            <a:schemeClr val="accent1"/>
+          </a:effectRef>
+          <a:fontRef idx="minor">
+            <a:schemeClr val="lt1"/>
+          </a:fontRef>
+        </p:style>
+        <p:txBody>
+          <a:bodyPr rtlCol="0" anchor="ctr"/>
+          <a:lstStyle/>
+          <a:p>
+            <a:pPr algn="ctr"/>
+            <a:r>
+              <a:rPr lang="en-US" dirty="0">
+                <a:solidFill>
+                  <a:schemeClr val="tx1"/>
+                </a:solidFill>
+              </a:rPr>
+              <a:t>Turn off Relay and corresponding LED</a:t>
+            </a:r>
+            <a:endParaRPr lang="en-SG" dirty="0">
+              <a:solidFill>
+                <a:schemeClr val="tx1"/>
+              </a:solidFill>
+            </a:endParaRPr>
+          </a:p>
+        </p:txBody>
+      </p:sp>
+      <p:sp>
+        <p:nvSpPr>
+          <p:cNvPr id="14" name="Flowchart: Decision 13">
+            <a:extLst>
+              <a:ext uri="{FF2B5EF4-FFF2-40B4-BE49-F238E27FC236}">
+                <a16:creationId xmlns:a16="http://schemas.microsoft.com/office/drawing/2014/main" id="{1D2FEC2D-8754-4AF1-8C16-D4FFB17B95B6}"/>
+              </a:ext>
+            </a:extLst>
+          </p:cNvPr>
+          <p:cNvSpPr/>
+          <p:nvPr/>
+        </p:nvSpPr>
+        <p:spPr>
+          <a:xfrm>
+            <a:off x="7080995" y="1944351"/>
+            <a:ext cx="2187019" cy="1234912"/>
+          </a:xfrm>
+          <a:prstGeom prst="flowChartDecision">
+            <a:avLst/>
+          </a:prstGeom>
+          <a:noFill/>
+          <a:ln w="19050"/>
+        </p:spPr>
+        <p:style>
+          <a:lnRef idx="2">
+            <a:schemeClr val="accent1">
+              <a:shade val="50000"/>
+            </a:schemeClr>
+          </a:lnRef>
+          <a:fillRef idx="1">
+            <a:schemeClr val="accent1"/>
+          </a:fillRef>
+          <a:effectRef idx="0">
+            <a:schemeClr val="accent1"/>
+          </a:effectRef>
+          <a:fontRef idx="minor">
+            <a:schemeClr val="lt1"/>
+          </a:fontRef>
+        </p:style>
+        <p:txBody>
+          <a:bodyPr rtlCol="0" anchor="ctr"/>
+          <a:lstStyle/>
+          <a:p>
+            <a:pPr algn="ctr"/>
+            <a:r>
+              <a:rPr lang="en-US" dirty="0">
+                <a:solidFill>
+                  <a:schemeClr val="tx1"/>
+                </a:solidFill>
+              </a:rPr>
+              <a:t>Temp &lt; Upper Limit?</a:t>
+            </a:r>
+            <a:endParaRPr lang="en-SG" dirty="0">
+              <a:solidFill>
+                <a:schemeClr val="tx1"/>
+              </a:solidFill>
+            </a:endParaRPr>
+          </a:p>
+        </p:txBody>
+      </p:sp>
+      <p:sp>
+        <p:nvSpPr>
+          <p:cNvPr id="15" name="Flowchart: Alternate Process 14">
+            <a:extLst>
+              <a:ext uri="{FF2B5EF4-FFF2-40B4-BE49-F238E27FC236}">
+                <a16:creationId xmlns:a16="http://schemas.microsoft.com/office/drawing/2014/main" id="{E6C4EF27-DCAB-4333-9371-018C63415561}"/>
+              </a:ext>
+            </a:extLst>
+          </p:cNvPr>
+          <p:cNvSpPr/>
+          <p:nvPr/>
+        </p:nvSpPr>
+        <p:spPr>
+          <a:xfrm>
+            <a:off x="6823670" y="3606234"/>
+            <a:ext cx="2701672" cy="924911"/>
+          </a:xfrm>
+          <a:prstGeom prst="flowChartAlternateProcess">
+            <a:avLst/>
+          </a:prstGeom>
+          <a:noFill/>
+          <a:ln w="19050"/>
+        </p:spPr>
+        <p:style>
+          <a:lnRef idx="2">
+            <a:schemeClr val="accent1">
+              <a:shade val="50000"/>
+            </a:schemeClr>
+          </a:lnRef>
+          <a:fillRef idx="1">
+            <a:schemeClr val="accent1"/>
+          </a:fillRef>
+          <a:effectRef idx="0">
+            <a:schemeClr val="accent1"/>
+          </a:effectRef>
+          <a:fontRef idx="minor">
+            <a:schemeClr val="lt1"/>
+          </a:fontRef>
+        </p:style>
+        <p:txBody>
+          <a:bodyPr rtlCol="0" anchor="ctr"/>
+          <a:lstStyle/>
+          <a:p>
+            <a:pPr algn="ctr"/>
+            <a:r>
+              <a:rPr lang="en-US" dirty="0">
+                <a:solidFill>
+                  <a:schemeClr val="tx1"/>
+                </a:solidFill>
+              </a:rPr>
+              <a:t>Turn off Relay and corresponding LED. Set cooling = true</a:t>
+            </a:r>
+            <a:endParaRPr lang="en-SG" dirty="0">
+              <a:solidFill>
+                <a:schemeClr val="tx1"/>
+              </a:solidFill>
+            </a:endParaRPr>
+          </a:p>
+        </p:txBody>
+      </p:sp>
+      <p:cxnSp>
+        <p:nvCxnSpPr>
+          <p:cNvPr id="4" name="Straight Arrow Connector 3">
+            <a:extLst>
+              <a:ext uri="{FF2B5EF4-FFF2-40B4-BE49-F238E27FC236}">
+                <a16:creationId xmlns:a16="http://schemas.microsoft.com/office/drawing/2014/main" id="{062D4107-1EBD-4314-9681-2490B175BF60}"/>
+              </a:ext>
+            </a:extLst>
+          </p:cNvPr>
+          <p:cNvCxnSpPr>
+            <a:stCxn id="194" idx="2"/>
+            <a:endCxn id="10" idx="0"/>
+          </p:cNvCxnSpPr>
+          <p:nvPr/>
+        </p:nvCxnSpPr>
+        <p:spPr>
+          <a:xfrm flipH="1">
+            <a:off x="4062273" y="1732249"/>
+            <a:ext cx="1" cy="372108"/>
+          </a:xfrm>
+          <a:prstGeom prst="straightConnector1">
+            <a:avLst/>
+          </a:prstGeom>
+          <a:ln w="19050">
+            <a:tailEnd type="triangle"/>
+          </a:ln>
+        </p:spPr>
+        <p:style>
+          <a:lnRef idx="1">
+            <a:schemeClr val="accent1"/>
+          </a:lnRef>
+          <a:fillRef idx="0">
+            <a:schemeClr val="accent1"/>
+          </a:fillRef>
+          <a:effectRef idx="0">
+            <a:schemeClr val="accent1"/>
+          </a:effectRef>
+          <a:fontRef idx="minor">
+            <a:schemeClr val="tx1"/>
+          </a:fontRef>
+        </p:style>
+      </p:cxnSp>
+      <p:cxnSp>
+        <p:nvCxnSpPr>
+          <p:cNvPr id="25" name="Connector: Elbow 24">
+            <a:extLst>
+              <a:ext uri="{FF2B5EF4-FFF2-40B4-BE49-F238E27FC236}">
+                <a16:creationId xmlns:a16="http://schemas.microsoft.com/office/drawing/2014/main" id="{347D58BC-DC94-4831-BA69-02A697254B3B}"/>
+              </a:ext>
+            </a:extLst>
+          </p:cNvPr>
+          <p:cNvCxnSpPr>
+            <a:cxnSpLocks/>
+            <a:endCxn id="194" idx="0"/>
+          </p:cNvCxnSpPr>
+          <p:nvPr/>
+        </p:nvCxnSpPr>
+        <p:spPr>
+          <a:xfrm flipV="1">
+            <a:off x="630226" y="497337"/>
+            <a:ext cx="3432048" cy="2037436"/>
+          </a:xfrm>
+          <a:prstGeom prst="bentConnector4">
+            <a:avLst>
+              <a:gd name="adj1" fmla="val 34069"/>
+              <a:gd name="adj2" fmla="val 111220"/>
+            </a:avLst>
+          </a:prstGeom>
+          <a:ln w="19050">
+            <a:tailEnd type="triangle"/>
+          </a:ln>
+        </p:spPr>
+        <p:style>
+          <a:lnRef idx="1">
+            <a:schemeClr val="accent1"/>
+          </a:lnRef>
+          <a:fillRef idx="0">
+            <a:schemeClr val="accent1"/>
+          </a:fillRef>
+          <a:effectRef idx="0">
+            <a:schemeClr val="accent1"/>
+          </a:effectRef>
+          <a:fontRef idx="minor">
+            <a:schemeClr val="tx1"/>
+          </a:fontRef>
+        </p:style>
+      </p:cxnSp>
+      <p:cxnSp>
+        <p:nvCxnSpPr>
+          <p:cNvPr id="27" name="Straight Arrow Connector 26">
+            <a:extLst>
+              <a:ext uri="{FF2B5EF4-FFF2-40B4-BE49-F238E27FC236}">
+                <a16:creationId xmlns:a16="http://schemas.microsoft.com/office/drawing/2014/main" id="{97AD8DA8-1358-42FF-8E58-BE5BFF6639A7}"/>
+              </a:ext>
+            </a:extLst>
+          </p:cNvPr>
+          <p:cNvCxnSpPr>
+            <a:stCxn id="194" idx="3"/>
+            <a:endCxn id="13" idx="1"/>
+          </p:cNvCxnSpPr>
+          <p:nvPr/>
+        </p:nvCxnSpPr>
+        <p:spPr>
+          <a:xfrm flipV="1">
+            <a:off x="5155783" y="1114792"/>
+            <a:ext cx="1667887" cy="1"/>
+          </a:xfrm>
+          <a:prstGeom prst="straightConnector1">
+            <a:avLst/>
+          </a:prstGeom>
+          <a:ln w="19050">
+            <a:tailEnd type="triangle"/>
+          </a:ln>
+        </p:spPr>
+        <p:style>
+          <a:lnRef idx="1">
+            <a:schemeClr val="accent1"/>
+          </a:lnRef>
+          <a:fillRef idx="0">
+            <a:schemeClr val="accent1"/>
+          </a:fillRef>
+          <a:effectRef idx="0">
+            <a:schemeClr val="accent1"/>
+          </a:effectRef>
+          <a:fontRef idx="minor">
+            <a:schemeClr val="tx1"/>
+          </a:fontRef>
+        </p:style>
+      </p:cxnSp>
+      <p:cxnSp>
+        <p:nvCxnSpPr>
+          <p:cNvPr id="36" name="Straight Arrow Connector 35">
+            <a:extLst>
+              <a:ext uri="{FF2B5EF4-FFF2-40B4-BE49-F238E27FC236}">
+                <a16:creationId xmlns:a16="http://schemas.microsoft.com/office/drawing/2014/main" id="{13AD6A7A-3F15-4ED8-BB91-9D646279162D}"/>
+              </a:ext>
+            </a:extLst>
+          </p:cNvPr>
+          <p:cNvCxnSpPr>
+            <a:cxnSpLocks/>
+            <a:stCxn id="10" idx="2"/>
+            <a:endCxn id="11" idx="0"/>
+          </p:cNvCxnSpPr>
+          <p:nvPr/>
+        </p:nvCxnSpPr>
+        <p:spPr>
+          <a:xfrm>
+            <a:off x="4062273" y="3029268"/>
+            <a:ext cx="1" cy="421967"/>
+          </a:xfrm>
+          <a:prstGeom prst="straightConnector1">
+            <a:avLst/>
+          </a:prstGeom>
+          <a:ln w="19050">
+            <a:tailEnd type="triangle"/>
+          </a:ln>
+        </p:spPr>
+        <p:style>
+          <a:lnRef idx="1">
+            <a:schemeClr val="accent1"/>
+          </a:lnRef>
+          <a:fillRef idx="0">
+            <a:schemeClr val="accent1"/>
+          </a:fillRef>
+          <a:effectRef idx="0">
+            <a:schemeClr val="accent1"/>
+          </a:effectRef>
+          <a:fontRef idx="minor">
+            <a:schemeClr val="tx1"/>
+          </a:fontRef>
+        </p:style>
+      </p:cxnSp>
+      <p:cxnSp>
+        <p:nvCxnSpPr>
+          <p:cNvPr id="40" name="Straight Arrow Connector 39">
+            <a:extLst>
+              <a:ext uri="{FF2B5EF4-FFF2-40B4-BE49-F238E27FC236}">
+                <a16:creationId xmlns:a16="http://schemas.microsoft.com/office/drawing/2014/main" id="{1AA0C09B-6B46-42F4-9CE2-71784E93A5FD}"/>
+              </a:ext>
+            </a:extLst>
+          </p:cNvPr>
+          <p:cNvCxnSpPr>
+            <a:cxnSpLocks/>
+            <a:stCxn id="11" idx="2"/>
+            <a:endCxn id="12" idx="0"/>
+          </p:cNvCxnSpPr>
+          <p:nvPr/>
+        </p:nvCxnSpPr>
+        <p:spPr>
+          <a:xfrm flipH="1">
+            <a:off x="4062273" y="4686147"/>
+            <a:ext cx="1" cy="362497"/>
+          </a:xfrm>
+          <a:prstGeom prst="straightConnector1">
+            <a:avLst/>
+          </a:prstGeom>
+          <a:ln w="19050">
+            <a:tailEnd type="triangle"/>
+          </a:ln>
+        </p:spPr>
+        <p:style>
+          <a:lnRef idx="1">
+            <a:schemeClr val="accent1"/>
+          </a:lnRef>
+          <a:fillRef idx="0">
+            <a:schemeClr val="accent1"/>
+          </a:fillRef>
+          <a:effectRef idx="0">
+            <a:schemeClr val="accent1"/>
+          </a:effectRef>
+          <a:fontRef idx="minor">
+            <a:schemeClr val="tx1"/>
+          </a:fontRef>
+        </p:style>
+      </p:cxnSp>
+      <p:cxnSp>
+        <p:nvCxnSpPr>
+          <p:cNvPr id="44" name="Straight Arrow Connector 43">
+            <a:extLst>
+              <a:ext uri="{FF2B5EF4-FFF2-40B4-BE49-F238E27FC236}">
+                <a16:creationId xmlns:a16="http://schemas.microsoft.com/office/drawing/2014/main" id="{3DECFDF3-7768-402C-90EC-D84C1FD511F2}"/>
+              </a:ext>
+            </a:extLst>
+          </p:cNvPr>
+          <p:cNvCxnSpPr>
+            <a:cxnSpLocks/>
+            <a:stCxn id="13" idx="2"/>
+            <a:endCxn id="14" idx="0"/>
+          </p:cNvCxnSpPr>
+          <p:nvPr/>
+        </p:nvCxnSpPr>
+        <p:spPr>
+          <a:xfrm flipH="1">
+            <a:off x="8174505" y="1577247"/>
+            <a:ext cx="1" cy="367104"/>
+          </a:xfrm>
+          <a:prstGeom prst="straightConnector1">
+            <a:avLst/>
+          </a:prstGeom>
+          <a:ln w="19050">
+            <a:tailEnd type="triangle"/>
+          </a:ln>
+        </p:spPr>
+        <p:style>
+          <a:lnRef idx="1">
+            <a:schemeClr val="accent1"/>
+          </a:lnRef>
+          <a:fillRef idx="0">
+            <a:schemeClr val="accent1"/>
+          </a:fillRef>
+          <a:effectRef idx="0">
+            <a:schemeClr val="accent1"/>
+          </a:effectRef>
+          <a:fontRef idx="minor">
+            <a:schemeClr val="tx1"/>
+          </a:fontRef>
+        </p:style>
+      </p:cxnSp>
+      <p:cxnSp>
+        <p:nvCxnSpPr>
+          <p:cNvPr id="48" name="Straight Arrow Connector 47">
+            <a:extLst>
+              <a:ext uri="{FF2B5EF4-FFF2-40B4-BE49-F238E27FC236}">
+                <a16:creationId xmlns:a16="http://schemas.microsoft.com/office/drawing/2014/main" id="{4D6ADBFC-23B6-4B64-807D-8A13243772D2}"/>
+              </a:ext>
+            </a:extLst>
+          </p:cNvPr>
+          <p:cNvCxnSpPr>
+            <a:cxnSpLocks/>
+            <a:stCxn id="14" idx="2"/>
+            <a:endCxn id="15" idx="0"/>
+          </p:cNvCxnSpPr>
+          <p:nvPr/>
+        </p:nvCxnSpPr>
+        <p:spPr>
+          <a:xfrm>
+            <a:off x="8174505" y="3179263"/>
+            <a:ext cx="1" cy="426971"/>
+          </a:xfrm>
+          <a:prstGeom prst="straightConnector1">
+            <a:avLst/>
+          </a:prstGeom>
+          <a:ln w="19050">
+            <a:tailEnd type="triangle"/>
+          </a:ln>
+        </p:spPr>
+        <p:style>
+          <a:lnRef idx="1">
+            <a:schemeClr val="accent1"/>
+          </a:lnRef>
+          <a:fillRef idx="0">
+            <a:schemeClr val="accent1"/>
+          </a:fillRef>
+          <a:effectRef idx="0">
+            <a:schemeClr val="accent1"/>
+          </a:effectRef>
+          <a:fontRef idx="minor">
+            <a:schemeClr val="tx1"/>
+          </a:fontRef>
+        </p:style>
+      </p:cxnSp>
+      <p:cxnSp>
+        <p:nvCxnSpPr>
+          <p:cNvPr id="51" name="Straight Arrow Connector 50">
+            <a:extLst>
+              <a:ext uri="{FF2B5EF4-FFF2-40B4-BE49-F238E27FC236}">
+                <a16:creationId xmlns:a16="http://schemas.microsoft.com/office/drawing/2014/main" id="{5668E5DE-F8A9-4998-B1A6-3482755DCA87}"/>
+              </a:ext>
+            </a:extLst>
+          </p:cNvPr>
+          <p:cNvCxnSpPr>
+            <a:cxnSpLocks/>
+            <a:stCxn id="15" idx="2"/>
+          </p:cNvCxnSpPr>
+          <p:nvPr/>
+        </p:nvCxnSpPr>
+        <p:spPr>
+          <a:xfrm flipH="1">
+            <a:off x="8174504" y="4531145"/>
+            <a:ext cx="2" cy="1307112"/>
+          </a:xfrm>
+          <a:prstGeom prst="straightConnector1">
+            <a:avLst/>
+          </a:prstGeom>
+          <a:ln w="19050">
+            <a:tailEnd type="triangle"/>
+          </a:ln>
+        </p:spPr>
+        <p:style>
+          <a:lnRef idx="1">
+            <a:schemeClr val="accent1"/>
+          </a:lnRef>
+          <a:fillRef idx="0">
+            <a:schemeClr val="accent1"/>
+          </a:fillRef>
+          <a:effectRef idx="0">
+            <a:schemeClr val="accent1"/>
+          </a:effectRef>
+          <a:fontRef idx="minor">
+            <a:schemeClr val="tx1"/>
+          </a:fontRef>
+        </p:style>
+      </p:cxnSp>
+      <p:sp>
+        <p:nvSpPr>
+          <p:cNvPr id="60" name="TextBox 59">
+            <a:extLst>
+              <a:ext uri="{FF2B5EF4-FFF2-40B4-BE49-F238E27FC236}">
+                <a16:creationId xmlns:a16="http://schemas.microsoft.com/office/drawing/2014/main" id="{D7F52D8D-EEBA-4201-8D33-2245D253B90F}"/>
+              </a:ext>
+            </a:extLst>
+          </p:cNvPr>
+          <p:cNvSpPr txBox="1"/>
+          <p:nvPr/>
+        </p:nvSpPr>
+        <p:spPr>
+          <a:xfrm>
+            <a:off x="7790595" y="5800045"/>
+            <a:ext cx="989814" cy="707886"/>
+          </a:xfrm>
+          <a:prstGeom prst="rect">
+            <a:avLst/>
+          </a:prstGeom>
+          <a:noFill/>
+        </p:spPr>
+        <p:txBody>
+          <a:bodyPr wrap="square" rtlCol="0">
+            <a:spAutoFit/>
+          </a:bodyPr>
+          <a:lstStyle/>
+          <a:p>
+            <a:r>
+              <a:rPr lang="en-US" sz="4000" dirty="0"/>
+              <a:t>To*</a:t>
+            </a:r>
+            <a:endParaRPr lang="en-SG" sz="4000" dirty="0"/>
+          </a:p>
+        </p:txBody>
+      </p:sp>
+      <p:cxnSp>
+        <p:nvCxnSpPr>
+          <p:cNvPr id="62" name="Connector: Elbow 61">
+            <a:extLst>
+              <a:ext uri="{FF2B5EF4-FFF2-40B4-BE49-F238E27FC236}">
+                <a16:creationId xmlns:a16="http://schemas.microsoft.com/office/drawing/2014/main" id="{EE95AF48-6C69-4EBE-B028-901438917EE8}"/>
+              </a:ext>
+            </a:extLst>
+          </p:cNvPr>
+          <p:cNvCxnSpPr>
+            <a:cxnSpLocks/>
+            <a:stCxn id="12" idx="2"/>
+          </p:cNvCxnSpPr>
+          <p:nvPr/>
+        </p:nvCxnSpPr>
+        <p:spPr>
+          <a:xfrm rot="16200000" flipH="1">
+            <a:off x="5558873" y="4476954"/>
+            <a:ext cx="310001" cy="3303201"/>
+          </a:xfrm>
+          <a:prstGeom prst="bentConnector2">
+            <a:avLst/>
+          </a:prstGeom>
+          <a:ln>
+            <a:tailEnd type="triangle"/>
+          </a:ln>
+        </p:spPr>
+        <p:style>
+          <a:lnRef idx="1">
+            <a:schemeClr val="accent1"/>
+          </a:lnRef>
+          <a:fillRef idx="0">
+            <a:schemeClr val="accent1"/>
+          </a:fillRef>
+          <a:effectRef idx="0">
+            <a:schemeClr val="accent1"/>
+          </a:effectRef>
+          <a:fontRef idx="minor">
+            <a:schemeClr val="tx1"/>
+          </a:fontRef>
+        </p:style>
+      </p:cxnSp>
+      <p:cxnSp>
+        <p:nvCxnSpPr>
+          <p:cNvPr id="128" name="Connector: Elbow 127">
+            <a:extLst>
+              <a:ext uri="{FF2B5EF4-FFF2-40B4-BE49-F238E27FC236}">
+                <a16:creationId xmlns:a16="http://schemas.microsoft.com/office/drawing/2014/main" id="{C1725EC9-98E6-476D-84A9-395B649AF61A}"/>
+              </a:ext>
+            </a:extLst>
+          </p:cNvPr>
+          <p:cNvCxnSpPr>
+            <a:cxnSpLocks/>
+          </p:cNvCxnSpPr>
+          <p:nvPr/>
+        </p:nvCxnSpPr>
+        <p:spPr>
+          <a:xfrm>
+            <a:off x="5155783" y="4068690"/>
+            <a:ext cx="2099501" cy="1859920"/>
+          </a:xfrm>
+          <a:prstGeom prst="bentConnector3">
+            <a:avLst>
+              <a:gd name="adj1" fmla="val 50000"/>
+            </a:avLst>
+          </a:prstGeom>
+          <a:ln w="19050">
+            <a:tailEnd type="triangle"/>
+          </a:ln>
+        </p:spPr>
+        <p:style>
+          <a:lnRef idx="1">
+            <a:schemeClr val="accent1"/>
+          </a:lnRef>
+          <a:fillRef idx="0">
+            <a:schemeClr val="accent1"/>
+          </a:fillRef>
+          <a:effectRef idx="0">
+            <a:schemeClr val="accent1"/>
+          </a:effectRef>
+          <a:fontRef idx="minor">
+            <a:schemeClr val="tx1"/>
+          </a:fontRef>
+        </p:style>
+      </p:cxnSp>
+      <p:cxnSp>
+        <p:nvCxnSpPr>
+          <p:cNvPr id="131" name="Connector: Elbow 130">
+            <a:extLst>
+              <a:ext uri="{FF2B5EF4-FFF2-40B4-BE49-F238E27FC236}">
+                <a16:creationId xmlns:a16="http://schemas.microsoft.com/office/drawing/2014/main" id="{604565C1-ADD1-4B0A-AD49-646EF596E35F}"/>
+              </a:ext>
+            </a:extLst>
+          </p:cNvPr>
+          <p:cNvCxnSpPr>
+            <a:cxnSpLocks/>
+            <a:stCxn id="14" idx="3"/>
+          </p:cNvCxnSpPr>
+          <p:nvPr/>
+        </p:nvCxnSpPr>
+        <p:spPr>
+          <a:xfrm flipH="1">
+            <a:off x="9033360" y="2561807"/>
+            <a:ext cx="234654" cy="3600927"/>
+          </a:xfrm>
+          <a:prstGeom prst="bentConnector4">
+            <a:avLst>
+              <a:gd name="adj1" fmla="val -375262"/>
+              <a:gd name="adj2" fmla="val 99909"/>
+            </a:avLst>
+          </a:prstGeom>
+          <a:ln>
+            <a:tailEnd type="triangle"/>
+          </a:ln>
+        </p:spPr>
+        <p:style>
+          <a:lnRef idx="1">
+            <a:schemeClr val="accent1"/>
+          </a:lnRef>
+          <a:fillRef idx="0">
+            <a:schemeClr val="accent1"/>
+          </a:fillRef>
+          <a:effectRef idx="0">
+            <a:schemeClr val="accent1"/>
+          </a:effectRef>
+          <a:fontRef idx="minor">
+            <a:schemeClr val="tx1"/>
+          </a:fontRef>
+        </p:style>
+      </p:cxnSp>
+      <p:sp>
+        <p:nvSpPr>
+          <p:cNvPr id="102" name="TextBox 101">
+            <a:extLst>
+              <a:ext uri="{FF2B5EF4-FFF2-40B4-BE49-F238E27FC236}">
+                <a16:creationId xmlns:a16="http://schemas.microsoft.com/office/drawing/2014/main" id="{3280A1E7-427B-43A1-806E-E5C93E9A0762}"/>
+              </a:ext>
+            </a:extLst>
+          </p:cNvPr>
+          <p:cNvSpPr txBox="1"/>
+          <p:nvPr/>
+        </p:nvSpPr>
+        <p:spPr>
+          <a:xfrm>
+            <a:off x="4068218" y="4591298"/>
+            <a:ext cx="335348" cy="461665"/>
+          </a:xfrm>
+          <a:prstGeom prst="rect">
+            <a:avLst/>
+          </a:prstGeom>
+          <a:noFill/>
+        </p:spPr>
+        <p:txBody>
+          <a:bodyPr wrap="square" rtlCol="0">
+            <a:spAutoFit/>
+          </a:bodyPr>
+          <a:lstStyle/>
+          <a:p>
+            <a:r>
+              <a:rPr lang="en-US" sz="2400" dirty="0"/>
+              <a:t>Y</a:t>
+            </a:r>
+            <a:endParaRPr lang="en-SG" sz="2400" dirty="0"/>
+          </a:p>
+        </p:txBody>
+      </p:sp>
+      <p:sp>
+        <p:nvSpPr>
+          <p:cNvPr id="103" name="TextBox 102">
+            <a:extLst>
+              <a:ext uri="{FF2B5EF4-FFF2-40B4-BE49-F238E27FC236}">
+                <a16:creationId xmlns:a16="http://schemas.microsoft.com/office/drawing/2014/main" id="{1394ED71-38DF-4540-AA66-7FE2DE93F3AB}"/>
+              </a:ext>
+            </a:extLst>
+          </p:cNvPr>
+          <p:cNvSpPr txBox="1"/>
+          <p:nvPr/>
+        </p:nvSpPr>
+        <p:spPr>
+          <a:xfrm>
+            <a:off x="8220992" y="3136262"/>
+            <a:ext cx="335348" cy="461665"/>
+          </a:xfrm>
+          <a:prstGeom prst="rect">
+            <a:avLst/>
+          </a:prstGeom>
+          <a:noFill/>
+        </p:spPr>
+        <p:txBody>
+          <a:bodyPr wrap="square" rtlCol="0">
+            <a:spAutoFit/>
+          </a:bodyPr>
+          <a:lstStyle/>
+          <a:p>
+            <a:r>
+              <a:rPr lang="en-US" sz="2400" dirty="0"/>
+              <a:t>Y</a:t>
+            </a:r>
+            <a:endParaRPr lang="en-SG" sz="2400" dirty="0"/>
+          </a:p>
+        </p:txBody>
+      </p:sp>
+      <p:sp>
+        <p:nvSpPr>
+          <p:cNvPr id="104" name="TextBox 103">
+            <a:extLst>
+              <a:ext uri="{FF2B5EF4-FFF2-40B4-BE49-F238E27FC236}">
+                <a16:creationId xmlns:a16="http://schemas.microsoft.com/office/drawing/2014/main" id="{D724BF7C-12C4-464D-9789-15F844A28C49}"/>
+              </a:ext>
+            </a:extLst>
+          </p:cNvPr>
+          <p:cNvSpPr txBox="1"/>
+          <p:nvPr/>
+        </p:nvSpPr>
+        <p:spPr>
+          <a:xfrm>
+            <a:off x="4094039" y="1674535"/>
+            <a:ext cx="335348" cy="461665"/>
+          </a:xfrm>
+          <a:prstGeom prst="rect">
+            <a:avLst/>
+          </a:prstGeom>
+          <a:noFill/>
+        </p:spPr>
+        <p:txBody>
+          <a:bodyPr wrap="square" rtlCol="0">
+            <a:spAutoFit/>
+          </a:bodyPr>
+          <a:lstStyle/>
+          <a:p>
+            <a:r>
+              <a:rPr lang="en-US" sz="2400" dirty="0"/>
+              <a:t>Y</a:t>
+            </a:r>
+            <a:endParaRPr lang="en-SG" sz="2400" dirty="0"/>
+          </a:p>
+        </p:txBody>
+      </p:sp>
+      <p:sp>
+        <p:nvSpPr>
+          <p:cNvPr id="105" name="TextBox 104">
+            <a:extLst>
+              <a:ext uri="{FF2B5EF4-FFF2-40B4-BE49-F238E27FC236}">
+                <a16:creationId xmlns:a16="http://schemas.microsoft.com/office/drawing/2014/main" id="{AE0BE1A6-0828-4940-9CE4-01FA257BBD12}"/>
+              </a:ext>
+            </a:extLst>
+          </p:cNvPr>
+          <p:cNvSpPr txBox="1"/>
+          <p:nvPr/>
+        </p:nvSpPr>
+        <p:spPr>
+          <a:xfrm>
+            <a:off x="5125889" y="698071"/>
+            <a:ext cx="335348" cy="461665"/>
+          </a:xfrm>
+          <a:prstGeom prst="rect">
+            <a:avLst/>
+          </a:prstGeom>
+          <a:noFill/>
+        </p:spPr>
+        <p:txBody>
+          <a:bodyPr wrap="square" rtlCol="0">
+            <a:spAutoFit/>
+          </a:bodyPr>
+          <a:lstStyle/>
+          <a:p>
+            <a:r>
+              <a:rPr lang="en-US" sz="2400" dirty="0"/>
+              <a:t>N</a:t>
+            </a:r>
+            <a:endParaRPr lang="en-SG" sz="2400" dirty="0"/>
+          </a:p>
+        </p:txBody>
+      </p:sp>
+      <p:sp>
+        <p:nvSpPr>
+          <p:cNvPr id="106" name="TextBox 105">
+            <a:extLst>
+              <a:ext uri="{FF2B5EF4-FFF2-40B4-BE49-F238E27FC236}">
+                <a16:creationId xmlns:a16="http://schemas.microsoft.com/office/drawing/2014/main" id="{73AFC09C-1690-49D3-BDB4-E922EBAEF13F}"/>
+              </a:ext>
+            </a:extLst>
+          </p:cNvPr>
+          <p:cNvSpPr txBox="1"/>
+          <p:nvPr/>
+        </p:nvSpPr>
+        <p:spPr>
+          <a:xfrm>
+            <a:off x="9268014" y="2130075"/>
+            <a:ext cx="335348" cy="461665"/>
+          </a:xfrm>
+          <a:prstGeom prst="rect">
+            <a:avLst/>
+          </a:prstGeom>
+          <a:noFill/>
+        </p:spPr>
+        <p:txBody>
+          <a:bodyPr wrap="square" rtlCol="0">
+            <a:spAutoFit/>
+          </a:bodyPr>
+          <a:lstStyle/>
+          <a:p>
+            <a:r>
+              <a:rPr lang="en-US" sz="2400" dirty="0"/>
+              <a:t>N</a:t>
+            </a:r>
+            <a:endParaRPr lang="en-SG" sz="2400" dirty="0"/>
+          </a:p>
+        </p:txBody>
+      </p:sp>
+      <p:sp>
+        <p:nvSpPr>
+          <p:cNvPr id="107" name="TextBox 106">
+            <a:extLst>
+              <a:ext uri="{FF2B5EF4-FFF2-40B4-BE49-F238E27FC236}">
+                <a16:creationId xmlns:a16="http://schemas.microsoft.com/office/drawing/2014/main" id="{7C0EC392-72D7-4E6D-AC81-9218B35467C4}"/>
+              </a:ext>
+            </a:extLst>
+          </p:cNvPr>
+          <p:cNvSpPr txBox="1"/>
+          <p:nvPr/>
+        </p:nvSpPr>
+        <p:spPr>
+          <a:xfrm>
+            <a:off x="5073386" y="3628944"/>
+            <a:ext cx="335348" cy="461665"/>
+          </a:xfrm>
+          <a:prstGeom prst="rect">
+            <a:avLst/>
+          </a:prstGeom>
+          <a:noFill/>
+        </p:spPr>
+        <p:txBody>
+          <a:bodyPr wrap="square" rtlCol="0">
+            <a:spAutoFit/>
+          </a:bodyPr>
+          <a:lstStyle/>
+          <a:p>
+            <a:r>
+              <a:rPr lang="en-US" sz="2400" dirty="0"/>
+              <a:t>N</a:t>
+            </a:r>
+            <a:endParaRPr lang="en-SG" sz="2400" dirty="0"/>
+          </a:p>
+        </p:txBody>
+      </p:sp>
+      <p:sp>
+        <p:nvSpPr>
+          <p:cNvPr id="108" name="TextBox 107">
+            <a:extLst>
+              <a:ext uri="{FF2B5EF4-FFF2-40B4-BE49-F238E27FC236}">
+                <a16:creationId xmlns:a16="http://schemas.microsoft.com/office/drawing/2014/main" id="{54BA4EC6-4D93-4CD2-92BA-6BC60AB42EB5}"/>
+              </a:ext>
+            </a:extLst>
+          </p:cNvPr>
+          <p:cNvSpPr txBox="1"/>
+          <p:nvPr/>
+        </p:nvSpPr>
+        <p:spPr>
+          <a:xfrm>
+            <a:off x="598461" y="2130075"/>
+            <a:ext cx="335348" cy="461665"/>
+          </a:xfrm>
+          <a:prstGeom prst="rect">
+            <a:avLst/>
+          </a:prstGeom>
+          <a:noFill/>
+        </p:spPr>
+        <p:txBody>
+          <a:bodyPr wrap="square" rtlCol="0">
+            <a:spAutoFit/>
+          </a:bodyPr>
+          <a:lstStyle/>
+          <a:p>
+            <a:r>
+              <a:rPr lang="en-US" sz="2400" dirty="0"/>
+              <a:t>N</a:t>
+            </a:r>
+            <a:endParaRPr lang="en-SG" sz="2400" dirty="0"/>
+          </a:p>
+        </p:txBody>
+      </p:sp>
+    </p:spTree>
+    <p:extLst>
+      <p:ext uri="{BB962C8B-B14F-4D97-AF65-F5344CB8AC3E}">
+        <p14:creationId xmlns:p14="http://schemas.microsoft.com/office/powerpoint/2010/main" val="3502155469"/>
+      </p:ext>
+    </p:extLst>
+  </p:cSld>
+  <p:clrMapOvr>
+    <a:masterClrMapping/>
+  </p:clrMapOvr>
+</p:sld>
+</file>
+
+<file path=ppt/slides/slide2.xml><?xml version="1.0" encoding="utf-8"?>
+<p:sld xmlns:a="http://schemas.openxmlformats.org/drawingml/2006/main" xmlns:r="http://schemas.openxmlformats.org/officeDocument/2006/relationships" xmlns:p="http://schemas.openxmlformats.org/presentationml/2006/main">
+  <p:cSld>
+    <p:spTree>
+      <p:nvGrpSpPr>
+        <p:cNvPr id="1" name=""/>
+        <p:cNvGrpSpPr/>
+        <p:nvPr/>
+      </p:nvGrpSpPr>
+      <p:grpSpPr>
+        <a:xfrm>
+          <a:off x="0" y="0"/>
+          <a:ext cx="0" cy="0"/>
+          <a:chOff x="0" y="0"/>
+          <a:chExt cx="0" cy="0"/>
+        </a:xfrm>
+      </p:grpSpPr>
+      <p:sp>
+        <p:nvSpPr>
           <p:cNvPr id="3" name="Rectangle: Rounded Corners 2">
             <a:extLst>
               <a:ext uri="{FF2B5EF4-FFF2-40B4-BE49-F238E27FC236}">
@@ -4263,7 +6607,7 @@
 </p:sld>
 </file>
 
-<file path=ppt/slides/slide2.xml><?xml version="1.0" encoding="utf-8"?>
+<file path=ppt/slides/slide3.xml><?xml version="1.0" encoding="utf-8"?>
 <p:sld xmlns:a="http://schemas.openxmlformats.org/drawingml/2006/main" xmlns:r="http://schemas.openxmlformats.org/officeDocument/2006/relationships" xmlns:p="http://schemas.openxmlformats.org/presentationml/2006/main">
   <p:cSld>
     <p:spTree>
@@ -9117,7 +11461,7 @@
 </p:sld>
 </file>
 
-<file path=ppt/slides/slide3.xml><?xml version="1.0" encoding="utf-8"?>
+<file path=ppt/slides/slide4.xml><?xml version="1.0" encoding="utf-8"?>
 <p:sld xmlns:a="http://schemas.openxmlformats.org/drawingml/2006/main" xmlns:r="http://schemas.openxmlformats.org/officeDocument/2006/relationships" xmlns:p="http://schemas.openxmlformats.org/presentationml/2006/main">
   <p:cSld>
     <p:spTree>
@@ -13356,7 +15700,7 @@
 </p:sld>
 </file>
 
-<file path=ppt/slides/slide4.xml><?xml version="1.0" encoding="utf-8"?>
+<file path=ppt/slides/slide5.xml><?xml version="1.0" encoding="utf-8"?>
 <p:sld xmlns:a="http://schemas.openxmlformats.org/drawingml/2006/main" xmlns:r="http://schemas.openxmlformats.org/officeDocument/2006/relationships" xmlns:p="http://schemas.openxmlformats.org/presentationml/2006/main">
   <p:cSld>
     <p:spTree>
@@ -17825,7 +20169,7 @@
 </p:sld>
 </file>
 
-<file path=ppt/slides/slide5.xml><?xml version="1.0" encoding="utf-8"?>
+<file path=ppt/slides/slide6.xml><?xml version="1.0" encoding="utf-8"?>
 <p:sld xmlns:a="http://schemas.openxmlformats.org/drawingml/2006/main" xmlns:r="http://schemas.openxmlformats.org/officeDocument/2006/relationships" xmlns:p="http://schemas.openxmlformats.org/presentationml/2006/main">
   <p:cSld>
     <p:spTree>
@@ -22470,7 +24814,7 @@
 </p:sld>
 </file>
 
-<file path=ppt/slides/slide6.xml><?xml version="1.0" encoding="utf-8"?>
+<file path=ppt/slides/slide7.xml><?xml version="1.0" encoding="utf-8"?>
 <p:sld xmlns:a="http://schemas.openxmlformats.org/drawingml/2006/main" xmlns:r="http://schemas.openxmlformats.org/officeDocument/2006/relationships" xmlns:p="http://schemas.openxmlformats.org/presentationml/2006/main">
   <p:cSld>
     <p:spTree>
@@ -28136,1070 +30480,6 @@
 </p:sld>
 </file>
 
-<file path=ppt/slides/slide7.xml><?xml version="1.0" encoding="utf-8"?>
-<p:sld xmlns:a="http://schemas.openxmlformats.org/drawingml/2006/main" xmlns:r="http://schemas.openxmlformats.org/officeDocument/2006/relationships" xmlns:p="http://schemas.openxmlformats.org/presentationml/2006/main">
-  <p:cSld>
-    <p:spTree>
-      <p:nvGrpSpPr>
-        <p:cNvPr id="1" name=""/>
-        <p:cNvGrpSpPr/>
-        <p:nvPr/>
-      </p:nvGrpSpPr>
-      <p:grpSpPr>
-        <a:xfrm>
-          <a:off x="0" y="0"/>
-          <a:ext cx="0" cy="0"/>
-          <a:chOff x="0" y="0"/>
-          <a:chExt cx="0" cy="0"/>
-        </a:xfrm>
-      </p:grpSpPr>
-      <p:sp>
-        <p:nvSpPr>
-          <p:cNvPr id="3" name="Flowchart: Alternate Process 2">
-            <a:extLst>
-              <a:ext uri="{FF2B5EF4-FFF2-40B4-BE49-F238E27FC236}">
-                <a16:creationId xmlns:a16="http://schemas.microsoft.com/office/drawing/2014/main" id="{3B30FFE2-2CBA-4DB2-89F0-3BA152EA5199}"/>
-              </a:ext>
-            </a:extLst>
-          </p:cNvPr>
-          <p:cNvSpPr/>
-          <p:nvPr/>
-        </p:nvSpPr>
-        <p:spPr>
-          <a:xfrm>
-            <a:off x="221422" y="506609"/>
-            <a:ext cx="5600606" cy="1093618"/>
-          </a:xfrm>
-          <a:prstGeom prst="flowChartAlternateProcess">
-            <a:avLst/>
-          </a:prstGeom>
-          <a:noFill/>
-          <a:ln w="19050">
-            <a:solidFill>
-              <a:schemeClr val="tx1"/>
-            </a:solidFill>
-          </a:ln>
-        </p:spPr>
-        <p:style>
-          <a:lnRef idx="2">
-            <a:schemeClr val="accent1">
-              <a:shade val="50000"/>
-            </a:schemeClr>
-          </a:lnRef>
-          <a:fillRef idx="1">
-            <a:schemeClr val="accent1"/>
-          </a:fillRef>
-          <a:effectRef idx="0">
-            <a:schemeClr val="accent1"/>
-          </a:effectRef>
-          <a:fontRef idx="minor">
-            <a:schemeClr val="lt1"/>
-          </a:fontRef>
-        </p:style>
-        <p:txBody>
-          <a:bodyPr wrap="none" rtlCol="0" anchor="ctr" anchorCtr="1"/>
-          <a:lstStyle/>
-          <a:p>
-            <a:pPr algn="ctr"/>
-            <a:r>
-              <a:rPr lang="en-US" b="1" u="sng" dirty="0">
-                <a:solidFill>
-                  <a:schemeClr val="tx1"/>
-                </a:solidFill>
-              </a:rPr>
-              <a:t>Setup:</a:t>
-            </a:r>
-          </a:p>
-          <a:p>
-            <a:pPr algn="ctr"/>
-            <a:r>
-              <a:rPr lang="en-US" dirty="0">
-                <a:solidFill>
-                  <a:schemeClr val="tx1"/>
-                </a:solidFill>
-              </a:rPr>
-              <a:t>Serial Terminal, Initialize variables, Display LEDs, RTC</a:t>
-            </a:r>
-          </a:p>
-          <a:p>
-            <a:pPr algn="ctr"/>
-            <a:r>
-              <a:rPr lang="en-US" dirty="0">
-                <a:solidFill>
-                  <a:schemeClr val="tx1"/>
-                </a:solidFill>
-              </a:rPr>
-              <a:t>Max31865, Relay, Mode and ONOFF Switches, microSD</a:t>
-            </a:r>
-            <a:endParaRPr lang="en-SG" dirty="0">
-              <a:solidFill>
-                <a:schemeClr val="tx1"/>
-              </a:solidFill>
-            </a:endParaRPr>
-          </a:p>
-        </p:txBody>
-      </p:sp>
-      <p:sp>
-        <p:nvSpPr>
-          <p:cNvPr id="5" name="Flowchart: Alternate Process 4">
-            <a:extLst>
-              <a:ext uri="{FF2B5EF4-FFF2-40B4-BE49-F238E27FC236}">
-                <a16:creationId xmlns:a16="http://schemas.microsoft.com/office/drawing/2014/main" id="{D4497769-D382-48F2-B6A2-C0B593A60CE7}"/>
-              </a:ext>
-            </a:extLst>
-          </p:cNvPr>
-          <p:cNvSpPr/>
-          <p:nvPr/>
-        </p:nvSpPr>
-        <p:spPr>
-          <a:xfrm>
-            <a:off x="1839311" y="3744158"/>
-            <a:ext cx="2364828" cy="924911"/>
-          </a:xfrm>
-          <a:prstGeom prst="flowChartAlternateProcess">
-            <a:avLst/>
-          </a:prstGeom>
-          <a:noFill/>
-          <a:ln w="19050">
-            <a:solidFill>
-              <a:schemeClr val="tx1"/>
-            </a:solidFill>
-          </a:ln>
-        </p:spPr>
-        <p:style>
-          <a:lnRef idx="2">
-            <a:schemeClr val="accent1">
-              <a:shade val="50000"/>
-            </a:schemeClr>
-          </a:lnRef>
-          <a:fillRef idx="1">
-            <a:schemeClr val="accent1"/>
-          </a:fillRef>
-          <a:effectRef idx="0">
-            <a:schemeClr val="accent1"/>
-          </a:effectRef>
-          <a:fontRef idx="minor">
-            <a:schemeClr val="lt1"/>
-          </a:fontRef>
-        </p:style>
-        <p:txBody>
-          <a:bodyPr rtlCol="0" anchor="ctr"/>
-          <a:lstStyle/>
-          <a:p>
-            <a:pPr algn="ctr"/>
-            <a:r>
-              <a:rPr lang="en-US" dirty="0">
-                <a:solidFill>
-                  <a:schemeClr val="tx1"/>
-                </a:solidFill>
-              </a:rPr>
-              <a:t>Get time from RTC</a:t>
-            </a:r>
-            <a:endParaRPr lang="en-SG" dirty="0">
-              <a:solidFill>
-                <a:schemeClr val="tx1"/>
-              </a:solidFill>
-            </a:endParaRPr>
-          </a:p>
-        </p:txBody>
-      </p:sp>
-      <p:sp>
-        <p:nvSpPr>
-          <p:cNvPr id="153" name="Flowchart: Alternate Process 152">
-            <a:extLst>
-              <a:ext uri="{FF2B5EF4-FFF2-40B4-BE49-F238E27FC236}">
-                <a16:creationId xmlns:a16="http://schemas.microsoft.com/office/drawing/2014/main" id="{4876E00E-A9A8-4B15-A3D8-0BA3D90272A7}"/>
-              </a:ext>
-            </a:extLst>
-          </p:cNvPr>
-          <p:cNvSpPr/>
-          <p:nvPr/>
-        </p:nvSpPr>
-        <p:spPr>
-          <a:xfrm>
-            <a:off x="1271753" y="5278579"/>
-            <a:ext cx="3499944" cy="924911"/>
-          </a:xfrm>
-          <a:prstGeom prst="flowChartAlternateProcess">
-            <a:avLst/>
-          </a:prstGeom>
-          <a:noFill/>
-          <a:ln w="19050">
-            <a:solidFill>
-              <a:schemeClr val="tx1"/>
-            </a:solidFill>
-          </a:ln>
-        </p:spPr>
-        <p:style>
-          <a:lnRef idx="2">
-            <a:schemeClr val="accent1">
-              <a:shade val="50000"/>
-            </a:schemeClr>
-          </a:lnRef>
-          <a:fillRef idx="1">
-            <a:schemeClr val="accent1"/>
-          </a:fillRef>
-          <a:effectRef idx="0">
-            <a:schemeClr val="accent1"/>
-          </a:effectRef>
-          <a:fontRef idx="minor">
-            <a:schemeClr val="lt1"/>
-          </a:fontRef>
-        </p:style>
-        <p:txBody>
-          <a:bodyPr rtlCol="0" anchor="ctr"/>
-          <a:lstStyle/>
-          <a:p>
-            <a:pPr algn="ctr"/>
-            <a:r>
-              <a:rPr lang="en-US" dirty="0">
-                <a:solidFill>
-                  <a:schemeClr val="tx1"/>
-                </a:solidFill>
-              </a:rPr>
-              <a:t>Get temperature from Max31865</a:t>
-            </a:r>
-            <a:endParaRPr lang="en-SG" dirty="0">
-              <a:solidFill>
-                <a:schemeClr val="tx1"/>
-              </a:solidFill>
-            </a:endParaRPr>
-          </a:p>
-        </p:txBody>
-      </p:sp>
-      <p:sp>
-        <p:nvSpPr>
-          <p:cNvPr id="160" name="Flowchart: Alternate Process 159">
-            <a:extLst>
-              <a:ext uri="{FF2B5EF4-FFF2-40B4-BE49-F238E27FC236}">
-                <a16:creationId xmlns:a16="http://schemas.microsoft.com/office/drawing/2014/main" id="{FEBE8708-F46C-43AD-BB0D-B2C8E90BA906}"/>
-              </a:ext>
-            </a:extLst>
-          </p:cNvPr>
-          <p:cNvSpPr/>
-          <p:nvPr/>
-        </p:nvSpPr>
-        <p:spPr>
-          <a:xfrm>
-            <a:off x="6823545" y="1137771"/>
-            <a:ext cx="3499944" cy="924911"/>
-          </a:xfrm>
-          <a:prstGeom prst="flowChartAlternateProcess">
-            <a:avLst/>
-          </a:prstGeom>
-          <a:noFill/>
-          <a:ln w="19050">
-            <a:solidFill>
-              <a:schemeClr val="tx1"/>
-            </a:solidFill>
-          </a:ln>
-        </p:spPr>
-        <p:style>
-          <a:lnRef idx="2">
-            <a:schemeClr val="accent1">
-              <a:shade val="50000"/>
-            </a:schemeClr>
-          </a:lnRef>
-          <a:fillRef idx="1">
-            <a:schemeClr val="accent1"/>
-          </a:fillRef>
-          <a:effectRef idx="0">
-            <a:schemeClr val="accent1"/>
-          </a:effectRef>
-          <a:fontRef idx="minor">
-            <a:schemeClr val="lt1"/>
-          </a:fontRef>
-        </p:style>
-        <p:txBody>
-          <a:bodyPr rtlCol="0" anchor="ctr"/>
-          <a:lstStyle/>
-          <a:p>
-            <a:pPr algn="ctr"/>
-            <a:r>
-              <a:rPr lang="en-US" dirty="0">
-                <a:solidFill>
-                  <a:schemeClr val="tx1"/>
-                </a:solidFill>
-              </a:rPr>
-              <a:t>Display temperature on LEDs &amp; Serial Terminal</a:t>
-            </a:r>
-            <a:endParaRPr lang="en-SG" dirty="0">
-              <a:solidFill>
-                <a:schemeClr val="tx1"/>
-              </a:solidFill>
-            </a:endParaRPr>
-          </a:p>
-        </p:txBody>
-      </p:sp>
-      <p:sp>
-        <p:nvSpPr>
-          <p:cNvPr id="6" name="Flowchart: Decision 5">
-            <a:extLst>
-              <a:ext uri="{FF2B5EF4-FFF2-40B4-BE49-F238E27FC236}">
-                <a16:creationId xmlns:a16="http://schemas.microsoft.com/office/drawing/2014/main" id="{0CF47009-520F-4465-A0CA-CF764E09F90E}"/>
-              </a:ext>
-            </a:extLst>
-          </p:cNvPr>
-          <p:cNvSpPr/>
-          <p:nvPr/>
-        </p:nvSpPr>
-        <p:spPr>
-          <a:xfrm>
-            <a:off x="7480006" y="2448207"/>
-            <a:ext cx="2187019" cy="1234912"/>
-          </a:xfrm>
-          <a:prstGeom prst="flowChartDecision">
-            <a:avLst/>
-          </a:prstGeom>
-          <a:noFill/>
-          <a:ln w="19050">
-            <a:solidFill>
-              <a:schemeClr val="tx1"/>
-            </a:solidFill>
-          </a:ln>
-        </p:spPr>
-        <p:style>
-          <a:lnRef idx="2">
-            <a:schemeClr val="accent1">
-              <a:shade val="50000"/>
-            </a:schemeClr>
-          </a:lnRef>
-          <a:fillRef idx="1">
-            <a:schemeClr val="accent1"/>
-          </a:fillRef>
-          <a:effectRef idx="0">
-            <a:schemeClr val="accent1"/>
-          </a:effectRef>
-          <a:fontRef idx="minor">
-            <a:schemeClr val="lt1"/>
-          </a:fontRef>
-        </p:style>
-        <p:txBody>
-          <a:bodyPr rtlCol="0" anchor="ctr"/>
-          <a:lstStyle/>
-          <a:p>
-            <a:pPr algn="ctr"/>
-            <a:r>
-              <a:rPr lang="en-US" dirty="0">
-                <a:solidFill>
-                  <a:schemeClr val="tx1"/>
-                </a:solidFill>
-              </a:rPr>
-              <a:t>Manual Mode?</a:t>
-            </a:r>
-            <a:endParaRPr lang="en-SG" dirty="0">
-              <a:solidFill>
-                <a:schemeClr val="tx1"/>
-              </a:solidFill>
-            </a:endParaRPr>
-          </a:p>
-        </p:txBody>
-      </p:sp>
-      <p:sp>
-        <p:nvSpPr>
-          <p:cNvPr id="191" name="Flowchart: Alternate Process 190">
-            <a:extLst>
-              <a:ext uri="{FF2B5EF4-FFF2-40B4-BE49-F238E27FC236}">
-                <a16:creationId xmlns:a16="http://schemas.microsoft.com/office/drawing/2014/main" id="{6524414B-8D13-4F1F-8545-F0F210AACACD}"/>
-              </a:ext>
-            </a:extLst>
-          </p:cNvPr>
-          <p:cNvSpPr/>
-          <p:nvPr/>
-        </p:nvSpPr>
-        <p:spPr>
-          <a:xfrm>
-            <a:off x="872956" y="2209737"/>
-            <a:ext cx="4297538" cy="924911"/>
-          </a:xfrm>
-          <a:prstGeom prst="flowChartAlternateProcess">
-            <a:avLst/>
-          </a:prstGeom>
-          <a:noFill/>
-          <a:ln w="19050">
-            <a:solidFill>
-              <a:schemeClr val="tx1"/>
-            </a:solidFill>
-          </a:ln>
-        </p:spPr>
-        <p:style>
-          <a:lnRef idx="2">
-            <a:schemeClr val="accent1">
-              <a:shade val="50000"/>
-            </a:schemeClr>
-          </a:lnRef>
-          <a:fillRef idx="1">
-            <a:schemeClr val="accent1"/>
-          </a:fillRef>
-          <a:effectRef idx="0">
-            <a:schemeClr val="accent1"/>
-          </a:effectRef>
-          <a:fontRef idx="minor">
-            <a:schemeClr val="lt1"/>
-          </a:fontRef>
-        </p:style>
-        <p:txBody>
-          <a:bodyPr rtlCol="0" anchor="ctr"/>
-          <a:lstStyle/>
-          <a:p>
-            <a:pPr algn="ctr"/>
-            <a:r>
-              <a:rPr lang="en-US" dirty="0">
-                <a:solidFill>
-                  <a:schemeClr val="tx1"/>
-                </a:solidFill>
-              </a:rPr>
-              <a:t>Read states of MODE and ONOFF switches</a:t>
-            </a:r>
-            <a:endParaRPr lang="en-SG" dirty="0">
-              <a:solidFill>
-                <a:schemeClr val="tx1"/>
-              </a:solidFill>
-            </a:endParaRPr>
-          </a:p>
-        </p:txBody>
-      </p:sp>
-      <p:sp>
-        <p:nvSpPr>
-          <p:cNvPr id="193" name="Flowchart: Alternate Process 192">
-            <a:extLst>
-              <a:ext uri="{FF2B5EF4-FFF2-40B4-BE49-F238E27FC236}">
-                <a16:creationId xmlns:a16="http://schemas.microsoft.com/office/drawing/2014/main" id="{B1E8AA41-CA4F-46AA-BA21-0F8CCCAE668C}"/>
-              </a:ext>
-            </a:extLst>
-          </p:cNvPr>
-          <p:cNvSpPr/>
-          <p:nvPr/>
-        </p:nvSpPr>
-        <p:spPr>
-          <a:xfrm>
-            <a:off x="6725134" y="4515905"/>
-            <a:ext cx="3696768" cy="924911"/>
-          </a:xfrm>
-          <a:prstGeom prst="flowChartAlternateProcess">
-            <a:avLst/>
-          </a:prstGeom>
-          <a:noFill/>
-          <a:ln w="19050">
-            <a:solidFill>
-              <a:schemeClr val="tx1"/>
-            </a:solidFill>
-          </a:ln>
-        </p:spPr>
-        <p:style>
-          <a:lnRef idx="2">
-            <a:schemeClr val="accent1">
-              <a:shade val="50000"/>
-            </a:schemeClr>
-          </a:lnRef>
-          <a:fillRef idx="1">
-            <a:schemeClr val="accent1"/>
-          </a:fillRef>
-          <a:effectRef idx="0">
-            <a:schemeClr val="accent1"/>
-          </a:effectRef>
-          <a:fontRef idx="minor">
-            <a:schemeClr val="lt1"/>
-          </a:fontRef>
-        </p:style>
-        <p:txBody>
-          <a:bodyPr rtlCol="0" anchor="ctr"/>
-          <a:lstStyle/>
-          <a:p>
-            <a:pPr algn="ctr"/>
-            <a:r>
-              <a:rPr lang="en-US" dirty="0">
-                <a:solidFill>
-                  <a:schemeClr val="tx1"/>
-                </a:solidFill>
-              </a:rPr>
-              <a:t>Turn on/off Relay and light corresponding LED according to ONOFF switch</a:t>
-            </a:r>
-            <a:endParaRPr lang="en-SG" dirty="0">
-              <a:solidFill>
-                <a:schemeClr val="tx1"/>
-              </a:solidFill>
-            </a:endParaRPr>
-          </a:p>
-        </p:txBody>
-      </p:sp>
-      <p:cxnSp>
-        <p:nvCxnSpPr>
-          <p:cNvPr id="8" name="Straight Arrow Connector 7">
-            <a:extLst>
-              <a:ext uri="{FF2B5EF4-FFF2-40B4-BE49-F238E27FC236}">
-                <a16:creationId xmlns:a16="http://schemas.microsoft.com/office/drawing/2014/main" id="{9C7757EB-C525-48C6-9AD4-BE9B0C7446FF}"/>
-              </a:ext>
-            </a:extLst>
-          </p:cNvPr>
-          <p:cNvCxnSpPr>
-            <a:stCxn id="3" idx="2"/>
-            <a:endCxn id="191" idx="0"/>
-          </p:cNvCxnSpPr>
-          <p:nvPr/>
-        </p:nvCxnSpPr>
-        <p:spPr>
-          <a:xfrm>
-            <a:off x="3021725" y="1600227"/>
-            <a:ext cx="0" cy="609510"/>
-          </a:xfrm>
-          <a:prstGeom prst="straightConnector1">
-            <a:avLst/>
-          </a:prstGeom>
-          <a:ln w="19050">
-            <a:solidFill>
-              <a:schemeClr val="tx1"/>
-            </a:solidFill>
-            <a:tailEnd type="triangle"/>
-          </a:ln>
-        </p:spPr>
-        <p:style>
-          <a:lnRef idx="1">
-            <a:schemeClr val="accent1"/>
-          </a:lnRef>
-          <a:fillRef idx="0">
-            <a:schemeClr val="accent1"/>
-          </a:fillRef>
-          <a:effectRef idx="0">
-            <a:schemeClr val="accent1"/>
-          </a:effectRef>
-          <a:fontRef idx="minor">
-            <a:schemeClr val="tx1"/>
-          </a:fontRef>
-        </p:style>
-      </p:cxnSp>
-      <p:cxnSp>
-        <p:nvCxnSpPr>
-          <p:cNvPr id="9" name="Straight Arrow Connector 8">
-            <a:extLst>
-              <a:ext uri="{FF2B5EF4-FFF2-40B4-BE49-F238E27FC236}">
-                <a16:creationId xmlns:a16="http://schemas.microsoft.com/office/drawing/2014/main" id="{96AC824B-1F3C-48C1-B174-A8D790B90BFA}"/>
-              </a:ext>
-            </a:extLst>
-          </p:cNvPr>
-          <p:cNvCxnSpPr>
-            <a:cxnSpLocks/>
-            <a:stCxn id="191" idx="2"/>
-            <a:endCxn id="5" idx="0"/>
-          </p:cNvCxnSpPr>
-          <p:nvPr/>
-        </p:nvCxnSpPr>
-        <p:spPr>
-          <a:xfrm>
-            <a:off x="3021725" y="3134648"/>
-            <a:ext cx="0" cy="609510"/>
-          </a:xfrm>
-          <a:prstGeom prst="straightConnector1">
-            <a:avLst/>
-          </a:prstGeom>
-          <a:ln w="19050">
-            <a:solidFill>
-              <a:schemeClr val="tx1"/>
-            </a:solidFill>
-            <a:tailEnd type="triangle"/>
-          </a:ln>
-        </p:spPr>
-        <p:style>
-          <a:lnRef idx="1">
-            <a:schemeClr val="accent1"/>
-          </a:lnRef>
-          <a:fillRef idx="0">
-            <a:schemeClr val="accent1"/>
-          </a:fillRef>
-          <a:effectRef idx="0">
-            <a:schemeClr val="accent1"/>
-          </a:effectRef>
-          <a:fontRef idx="minor">
-            <a:schemeClr val="tx1"/>
-          </a:fontRef>
-        </p:style>
-      </p:cxnSp>
-      <p:cxnSp>
-        <p:nvCxnSpPr>
-          <p:cNvPr id="195" name="Straight Arrow Connector 194">
-            <a:extLst>
-              <a:ext uri="{FF2B5EF4-FFF2-40B4-BE49-F238E27FC236}">
-                <a16:creationId xmlns:a16="http://schemas.microsoft.com/office/drawing/2014/main" id="{49F91612-1050-4ACB-A6E7-ADE96DDE3981}"/>
-              </a:ext>
-            </a:extLst>
-          </p:cNvPr>
-          <p:cNvCxnSpPr>
-            <a:cxnSpLocks/>
-            <a:stCxn id="5" idx="2"/>
-            <a:endCxn id="153" idx="0"/>
-          </p:cNvCxnSpPr>
-          <p:nvPr/>
-        </p:nvCxnSpPr>
-        <p:spPr>
-          <a:xfrm>
-            <a:off x="3021725" y="4669069"/>
-            <a:ext cx="0" cy="609510"/>
-          </a:xfrm>
-          <a:prstGeom prst="straightConnector1">
-            <a:avLst/>
-          </a:prstGeom>
-          <a:ln w="19050">
-            <a:solidFill>
-              <a:schemeClr val="tx1"/>
-            </a:solidFill>
-            <a:tailEnd type="triangle"/>
-          </a:ln>
-        </p:spPr>
-        <p:style>
-          <a:lnRef idx="1">
-            <a:schemeClr val="accent1"/>
-          </a:lnRef>
-          <a:fillRef idx="0">
-            <a:schemeClr val="accent1"/>
-          </a:fillRef>
-          <a:effectRef idx="0">
-            <a:schemeClr val="accent1"/>
-          </a:effectRef>
-          <a:fontRef idx="minor">
-            <a:schemeClr val="tx1"/>
-          </a:fontRef>
-        </p:style>
-      </p:cxnSp>
-      <p:cxnSp>
-        <p:nvCxnSpPr>
-          <p:cNvPr id="196" name="Straight Arrow Connector 195">
-            <a:extLst>
-              <a:ext uri="{FF2B5EF4-FFF2-40B4-BE49-F238E27FC236}">
-                <a16:creationId xmlns:a16="http://schemas.microsoft.com/office/drawing/2014/main" id="{2A199E70-01FC-420C-A0EF-FB8318A8A776}"/>
-              </a:ext>
-            </a:extLst>
-          </p:cNvPr>
-          <p:cNvCxnSpPr>
-            <a:cxnSpLocks/>
-            <a:stCxn id="160" idx="2"/>
-            <a:endCxn id="6" idx="0"/>
-          </p:cNvCxnSpPr>
-          <p:nvPr/>
-        </p:nvCxnSpPr>
-        <p:spPr>
-          <a:xfrm flipH="1">
-            <a:off x="8573516" y="2062682"/>
-            <a:ext cx="1" cy="385525"/>
-          </a:xfrm>
-          <a:prstGeom prst="straightConnector1">
-            <a:avLst/>
-          </a:prstGeom>
-          <a:ln w="19050">
-            <a:solidFill>
-              <a:schemeClr val="tx1"/>
-            </a:solidFill>
-            <a:tailEnd type="triangle"/>
-          </a:ln>
-        </p:spPr>
-        <p:style>
-          <a:lnRef idx="1">
-            <a:schemeClr val="accent1"/>
-          </a:lnRef>
-          <a:fillRef idx="0">
-            <a:schemeClr val="accent1"/>
-          </a:fillRef>
-          <a:effectRef idx="0">
-            <a:schemeClr val="accent1"/>
-          </a:effectRef>
-          <a:fontRef idx="minor">
-            <a:schemeClr val="tx1"/>
-          </a:fontRef>
-        </p:style>
-      </p:cxnSp>
-      <p:cxnSp>
-        <p:nvCxnSpPr>
-          <p:cNvPr id="197" name="Straight Arrow Connector 196">
-            <a:extLst>
-              <a:ext uri="{FF2B5EF4-FFF2-40B4-BE49-F238E27FC236}">
-                <a16:creationId xmlns:a16="http://schemas.microsoft.com/office/drawing/2014/main" id="{1D06AF27-07AA-4A6D-BF5F-7A65DC13489D}"/>
-              </a:ext>
-            </a:extLst>
-          </p:cNvPr>
-          <p:cNvCxnSpPr>
-            <a:cxnSpLocks/>
-            <a:stCxn id="6" idx="2"/>
-            <a:endCxn id="193" idx="0"/>
-          </p:cNvCxnSpPr>
-          <p:nvPr/>
-        </p:nvCxnSpPr>
-        <p:spPr>
-          <a:xfrm>
-            <a:off x="8573516" y="3683119"/>
-            <a:ext cx="2" cy="832786"/>
-          </a:xfrm>
-          <a:prstGeom prst="straightConnector1">
-            <a:avLst/>
-          </a:prstGeom>
-          <a:ln w="19050">
-            <a:solidFill>
-              <a:schemeClr val="tx1"/>
-            </a:solidFill>
-            <a:tailEnd type="triangle"/>
-          </a:ln>
-        </p:spPr>
-        <p:style>
-          <a:lnRef idx="1">
-            <a:schemeClr val="accent1"/>
-          </a:lnRef>
-          <a:fillRef idx="0">
-            <a:schemeClr val="accent1"/>
-          </a:fillRef>
-          <a:effectRef idx="0">
-            <a:schemeClr val="accent1"/>
-          </a:effectRef>
-          <a:fontRef idx="minor">
-            <a:schemeClr val="tx1"/>
-          </a:fontRef>
-        </p:style>
-      </p:cxnSp>
-      <p:cxnSp>
-        <p:nvCxnSpPr>
-          <p:cNvPr id="29" name="Connector: Elbow 28">
-            <a:extLst>
-              <a:ext uri="{FF2B5EF4-FFF2-40B4-BE49-F238E27FC236}">
-                <a16:creationId xmlns:a16="http://schemas.microsoft.com/office/drawing/2014/main" id="{05D1C3F5-4B85-48EB-9D1E-AA1113784BD7}"/>
-              </a:ext>
-            </a:extLst>
-          </p:cNvPr>
-          <p:cNvCxnSpPr>
-            <a:stCxn id="153" idx="2"/>
-            <a:endCxn id="160" idx="0"/>
-          </p:cNvCxnSpPr>
-          <p:nvPr/>
-        </p:nvCxnSpPr>
-        <p:spPr>
-          <a:xfrm rot="5400000" flipH="1" flipV="1">
-            <a:off x="3264761" y="894735"/>
-            <a:ext cx="5065719" cy="5551792"/>
-          </a:xfrm>
-          <a:prstGeom prst="bentConnector5">
-            <a:avLst>
-              <a:gd name="adj1" fmla="val -4513"/>
-              <a:gd name="adj2" fmla="val 56962"/>
-              <a:gd name="adj3" fmla="val 114376"/>
-            </a:avLst>
-          </a:prstGeom>
-          <a:ln w="19050">
-            <a:solidFill>
-              <a:schemeClr val="tx1"/>
-            </a:solidFill>
-            <a:tailEnd type="triangle"/>
-          </a:ln>
-        </p:spPr>
-        <p:style>
-          <a:lnRef idx="1">
-            <a:schemeClr val="accent1"/>
-          </a:lnRef>
-          <a:fillRef idx="0">
-            <a:schemeClr val="accent1"/>
-          </a:fillRef>
-          <a:effectRef idx="0">
-            <a:schemeClr val="accent1"/>
-          </a:effectRef>
-          <a:fontRef idx="minor">
-            <a:schemeClr val="tx1"/>
-          </a:fontRef>
-        </p:style>
-      </p:cxnSp>
-      <p:cxnSp>
-        <p:nvCxnSpPr>
-          <p:cNvPr id="199" name="Straight Arrow Connector 198">
-            <a:extLst>
-              <a:ext uri="{FF2B5EF4-FFF2-40B4-BE49-F238E27FC236}">
-                <a16:creationId xmlns:a16="http://schemas.microsoft.com/office/drawing/2014/main" id="{4C233BE3-1B7B-4214-A009-1208CEDF2DFD}"/>
-              </a:ext>
-            </a:extLst>
-          </p:cNvPr>
-          <p:cNvCxnSpPr>
-            <a:cxnSpLocks/>
-            <a:stCxn id="193" idx="2"/>
-            <a:endCxn id="213" idx="0"/>
-          </p:cNvCxnSpPr>
-          <p:nvPr/>
-        </p:nvCxnSpPr>
-        <p:spPr>
-          <a:xfrm>
-            <a:off x="8573518" y="5440816"/>
-            <a:ext cx="0" cy="493263"/>
-          </a:xfrm>
-          <a:prstGeom prst="straightConnector1">
-            <a:avLst/>
-          </a:prstGeom>
-          <a:ln w="19050">
-            <a:solidFill>
-              <a:schemeClr val="tx1"/>
-            </a:solidFill>
-            <a:tailEnd type="triangle"/>
-          </a:ln>
-        </p:spPr>
-        <p:style>
-          <a:lnRef idx="1">
-            <a:schemeClr val="accent1"/>
-          </a:lnRef>
-          <a:fillRef idx="0">
-            <a:schemeClr val="accent1"/>
-          </a:fillRef>
-          <a:effectRef idx="0">
-            <a:schemeClr val="accent1"/>
-          </a:effectRef>
-          <a:fontRef idx="minor">
-            <a:schemeClr val="tx1"/>
-          </a:fontRef>
-        </p:style>
-      </p:cxnSp>
-      <p:cxnSp>
-        <p:nvCxnSpPr>
-          <p:cNvPr id="200" name="Straight Arrow Connector 199">
-            <a:extLst>
-              <a:ext uri="{FF2B5EF4-FFF2-40B4-BE49-F238E27FC236}">
-                <a16:creationId xmlns:a16="http://schemas.microsoft.com/office/drawing/2014/main" id="{5F6E8971-E561-4FAF-A1C4-DB8ACA08EEF9}"/>
-              </a:ext>
-            </a:extLst>
-          </p:cNvPr>
-          <p:cNvCxnSpPr>
-            <a:cxnSpLocks/>
-            <a:stCxn id="6" idx="3"/>
-            <a:endCxn id="211" idx="1"/>
-          </p:cNvCxnSpPr>
-          <p:nvPr/>
-        </p:nvCxnSpPr>
-        <p:spPr>
-          <a:xfrm>
-            <a:off x="9667025" y="3065663"/>
-            <a:ext cx="1145186" cy="0"/>
-          </a:xfrm>
-          <a:prstGeom prst="straightConnector1">
-            <a:avLst/>
-          </a:prstGeom>
-          <a:ln>
-            <a:tailEnd type="triangle"/>
-          </a:ln>
-        </p:spPr>
-        <p:style>
-          <a:lnRef idx="1">
-            <a:schemeClr val="accent1"/>
-          </a:lnRef>
-          <a:fillRef idx="0">
-            <a:schemeClr val="accent1"/>
-          </a:fillRef>
-          <a:effectRef idx="0">
-            <a:schemeClr val="accent1"/>
-          </a:effectRef>
-          <a:fontRef idx="minor">
-            <a:schemeClr val="tx1"/>
-          </a:fontRef>
-        </p:style>
-      </p:cxnSp>
-      <p:sp>
-        <p:nvSpPr>
-          <p:cNvPr id="42" name="TextBox 41">
-            <a:extLst>
-              <a:ext uri="{FF2B5EF4-FFF2-40B4-BE49-F238E27FC236}">
-                <a16:creationId xmlns:a16="http://schemas.microsoft.com/office/drawing/2014/main" id="{3BBCAAD2-F96B-43E6-AD3E-21B41CD114C9}"/>
-              </a:ext>
-            </a:extLst>
-          </p:cNvPr>
-          <p:cNvSpPr txBox="1"/>
-          <p:nvPr/>
-        </p:nvSpPr>
-        <p:spPr>
-          <a:xfrm>
-            <a:off x="343918" y="2357777"/>
-            <a:ext cx="448666" cy="707886"/>
-          </a:xfrm>
-          <a:prstGeom prst="rect">
-            <a:avLst/>
-          </a:prstGeom>
-          <a:noFill/>
-          <a:ln w="19050">
-            <a:noFill/>
-          </a:ln>
-        </p:spPr>
-        <p:txBody>
-          <a:bodyPr wrap="square" rtlCol="0">
-            <a:spAutoFit/>
-          </a:bodyPr>
-          <a:lstStyle/>
-          <a:p>
-            <a:r>
-              <a:rPr lang="en-US" sz="4000" dirty="0"/>
-              <a:t>*</a:t>
-            </a:r>
-            <a:endParaRPr lang="en-SG" sz="4000" dirty="0"/>
-          </a:p>
-        </p:txBody>
-      </p:sp>
-      <p:sp>
-        <p:nvSpPr>
-          <p:cNvPr id="209" name="TextBox 208">
-            <a:extLst>
-              <a:ext uri="{FF2B5EF4-FFF2-40B4-BE49-F238E27FC236}">
-                <a16:creationId xmlns:a16="http://schemas.microsoft.com/office/drawing/2014/main" id="{78143F43-6741-47E5-8FEC-57F3603C8AFC}"/>
-              </a:ext>
-            </a:extLst>
-          </p:cNvPr>
-          <p:cNvSpPr txBox="1"/>
-          <p:nvPr/>
-        </p:nvSpPr>
-        <p:spPr>
-          <a:xfrm>
-            <a:off x="8539415" y="3624047"/>
-            <a:ext cx="335348" cy="461665"/>
-          </a:xfrm>
-          <a:prstGeom prst="rect">
-            <a:avLst/>
-          </a:prstGeom>
-          <a:noFill/>
-        </p:spPr>
-        <p:txBody>
-          <a:bodyPr wrap="square" rtlCol="0">
-            <a:spAutoFit/>
-          </a:bodyPr>
-          <a:lstStyle/>
-          <a:p>
-            <a:r>
-              <a:rPr lang="en-US" sz="2400" dirty="0"/>
-              <a:t>Y</a:t>
-            </a:r>
-            <a:endParaRPr lang="en-SG" sz="2400" dirty="0"/>
-          </a:p>
-        </p:txBody>
-      </p:sp>
-      <p:sp>
-        <p:nvSpPr>
-          <p:cNvPr id="210" name="TextBox 209">
-            <a:extLst>
-              <a:ext uri="{FF2B5EF4-FFF2-40B4-BE49-F238E27FC236}">
-                <a16:creationId xmlns:a16="http://schemas.microsoft.com/office/drawing/2014/main" id="{217215F9-60D9-4624-B955-40D67EA74753}"/>
-              </a:ext>
-            </a:extLst>
-          </p:cNvPr>
-          <p:cNvSpPr txBox="1"/>
-          <p:nvPr/>
-        </p:nvSpPr>
-        <p:spPr>
-          <a:xfrm>
-            <a:off x="9628774" y="2664999"/>
-            <a:ext cx="335348" cy="461665"/>
-          </a:xfrm>
-          <a:prstGeom prst="rect">
-            <a:avLst/>
-          </a:prstGeom>
-          <a:noFill/>
-        </p:spPr>
-        <p:txBody>
-          <a:bodyPr wrap="square" rtlCol="0">
-            <a:spAutoFit/>
-          </a:bodyPr>
-          <a:lstStyle/>
-          <a:p>
-            <a:r>
-              <a:rPr lang="en-US" sz="2400" dirty="0"/>
-              <a:t>N</a:t>
-            </a:r>
-            <a:endParaRPr lang="en-SG" sz="2400" dirty="0"/>
-          </a:p>
-        </p:txBody>
-      </p:sp>
-      <p:sp>
-        <p:nvSpPr>
-          <p:cNvPr id="211" name="TextBox 210">
-            <a:extLst>
-              <a:ext uri="{FF2B5EF4-FFF2-40B4-BE49-F238E27FC236}">
-                <a16:creationId xmlns:a16="http://schemas.microsoft.com/office/drawing/2014/main" id="{76EA9DD5-9C28-4CED-A331-01DB91748110}"/>
-              </a:ext>
-            </a:extLst>
-          </p:cNvPr>
-          <p:cNvSpPr txBox="1"/>
-          <p:nvPr/>
-        </p:nvSpPr>
-        <p:spPr>
-          <a:xfrm>
-            <a:off x="10812211" y="2650164"/>
-            <a:ext cx="1164326" cy="830997"/>
-          </a:xfrm>
-          <a:prstGeom prst="rect">
-            <a:avLst/>
-          </a:prstGeom>
-          <a:noFill/>
-        </p:spPr>
-        <p:txBody>
-          <a:bodyPr wrap="square" rtlCol="0">
-            <a:spAutoFit/>
-          </a:bodyPr>
-          <a:lstStyle/>
-          <a:p>
-            <a:r>
-              <a:rPr lang="en-US" sz="2400" dirty="0" err="1"/>
-              <a:t>Cont</a:t>
-            </a:r>
-            <a:r>
-              <a:rPr lang="en-US" sz="2400" dirty="0"/>
-              <a:t> on</a:t>
-            </a:r>
-          </a:p>
-          <a:p>
-            <a:r>
-              <a:rPr lang="en-US" sz="2400" dirty="0"/>
-              <a:t>next </a:t>
-            </a:r>
-            <a:r>
-              <a:rPr lang="en-US" sz="2400" dirty="0" err="1"/>
-              <a:t>pg</a:t>
-            </a:r>
-            <a:endParaRPr lang="en-SG" sz="2400" dirty="0"/>
-          </a:p>
-        </p:txBody>
-      </p:sp>
-      <p:sp>
-        <p:nvSpPr>
-          <p:cNvPr id="213" name="TextBox 212">
-            <a:extLst>
-              <a:ext uri="{FF2B5EF4-FFF2-40B4-BE49-F238E27FC236}">
-                <a16:creationId xmlns:a16="http://schemas.microsoft.com/office/drawing/2014/main" id="{3422BB09-D096-4B6E-96A8-296DB76B5114}"/>
-              </a:ext>
-            </a:extLst>
-          </p:cNvPr>
-          <p:cNvSpPr txBox="1"/>
-          <p:nvPr/>
-        </p:nvSpPr>
-        <p:spPr>
-          <a:xfrm>
-            <a:off x="8078611" y="5934079"/>
-            <a:ext cx="989814" cy="707886"/>
-          </a:xfrm>
-          <a:prstGeom prst="rect">
-            <a:avLst/>
-          </a:prstGeom>
-          <a:noFill/>
-        </p:spPr>
-        <p:txBody>
-          <a:bodyPr wrap="square" rtlCol="0">
-            <a:spAutoFit/>
-          </a:bodyPr>
-          <a:lstStyle/>
-          <a:p>
-            <a:r>
-              <a:rPr lang="en-US" sz="4000" dirty="0"/>
-              <a:t>To*</a:t>
-            </a:r>
-            <a:endParaRPr lang="en-SG" sz="4000" dirty="0"/>
-          </a:p>
-        </p:txBody>
-      </p:sp>
-    </p:spTree>
-    <p:extLst>
-      <p:ext uri="{BB962C8B-B14F-4D97-AF65-F5344CB8AC3E}">
-        <p14:creationId xmlns:p14="http://schemas.microsoft.com/office/powerpoint/2010/main" val="1907060922"/>
-      </p:ext>
-    </p:extLst>
-  </p:cSld>
-  <p:clrMapOvr>
-    <a:masterClrMapping/>
-  </p:clrMapOvr>
-</p:sld>
-</file>
-
 <file path=ppt/slides/slide8.xml><?xml version="1.0" encoding="utf-8"?>
 <p:sld xmlns:a="http://schemas.openxmlformats.org/drawingml/2006/main" xmlns:r="http://schemas.openxmlformats.org/officeDocument/2006/relationships" xmlns:p="http://schemas.openxmlformats.org/presentationml/2006/main">
   <p:cSld>
@@ -29219,10 +30499,10 @@
       </p:grpSpPr>
       <p:sp>
         <p:nvSpPr>
-          <p:cNvPr id="194" name="Flowchart: Decision 193">
-            <a:extLst>
-              <a:ext uri="{FF2B5EF4-FFF2-40B4-BE49-F238E27FC236}">
-                <a16:creationId xmlns:a16="http://schemas.microsoft.com/office/drawing/2014/main" id="{E29249EC-2739-4E96-9125-A05CDEC4B147}"/>
+          <p:cNvPr id="44" name="Rectangle 43">
+            <a:extLst>
+              <a:ext uri="{FF2B5EF4-FFF2-40B4-BE49-F238E27FC236}">
+                <a16:creationId xmlns:a16="http://schemas.microsoft.com/office/drawing/2014/main" id="{F21C0551-3D56-4A70-A5DD-57100B576499}"/>
               </a:ext>
             </a:extLst>
           </p:cNvPr>
@@ -29231,14 +30511,18 @@
         </p:nvSpPr>
         <p:spPr>
           <a:xfrm>
-            <a:off x="2968764" y="497337"/>
-            <a:ext cx="2187019" cy="1234912"/>
-          </a:xfrm>
-          <a:prstGeom prst="flowChartDecision">
-            <a:avLst/>
-          </a:prstGeom>
-          <a:noFill/>
-          <a:ln w="19050"/>
+            <a:off x="1900926" y="1568786"/>
+            <a:ext cx="3760251" cy="4764199"/>
+          </a:xfrm>
+          <a:prstGeom prst="rect">
+            <a:avLst/>
+          </a:prstGeom>
+          <a:noFill/>
+          <a:ln w="38100">
+            <a:solidFill>
+              <a:schemeClr val="tx1"/>
+            </a:solidFill>
+          </a:ln>
         </p:spPr>
         <p:style>
           <a:lnRef idx="2">
@@ -29262,14 +30546,521 @@
           <a:p>
             <a:pPr algn="ctr"/>
             <a:r>
-              <a:rPr lang="en-US" dirty="0">
+              <a:rPr lang="en-US" b="1" dirty="0">
                 <a:solidFill>
                   <a:schemeClr val="tx1"/>
                 </a:solidFill>
               </a:rPr>
-              <a:t>Cooling?</a:t>
-            </a:r>
-            <a:endParaRPr lang="en-SG" dirty="0">
+              <a:t>Microcontroller</a:t>
+            </a:r>
+          </a:p>
+          <a:p>
+            <a:pPr algn="ctr"/>
+            <a:r>
+              <a:rPr lang="en-US" b="1" dirty="0">
+                <a:solidFill>
+                  <a:schemeClr val="tx1"/>
+                </a:solidFill>
+              </a:rPr>
+              <a:t>(Arduino Uno)</a:t>
+            </a:r>
+          </a:p>
+        </p:txBody>
+      </p:sp>
+      <p:cxnSp>
+        <p:nvCxnSpPr>
+          <p:cNvPr id="250" name="Straight Arrow Connector 249">
+            <a:extLst>
+              <a:ext uri="{FF2B5EF4-FFF2-40B4-BE49-F238E27FC236}">
+                <a16:creationId xmlns:a16="http://schemas.microsoft.com/office/drawing/2014/main" id="{A203D7EF-04CA-4FDB-9ABE-F974DB80A422}"/>
+              </a:ext>
+            </a:extLst>
+          </p:cNvPr>
+          <p:cNvCxnSpPr>
+            <a:cxnSpLocks/>
+            <a:endCxn id="275" idx="1"/>
+          </p:cNvCxnSpPr>
+          <p:nvPr/>
+        </p:nvCxnSpPr>
+        <p:spPr>
+          <a:xfrm flipV="1">
+            <a:off x="8134070" y="708149"/>
+            <a:ext cx="389779" cy="1"/>
+          </a:xfrm>
+          <a:prstGeom prst="straightConnector1">
+            <a:avLst/>
+          </a:prstGeom>
+          <a:ln w="38100">
+            <a:solidFill>
+              <a:schemeClr val="tx1"/>
+            </a:solidFill>
+            <a:tailEnd type="triangle"/>
+          </a:ln>
+        </p:spPr>
+        <p:style>
+          <a:lnRef idx="1">
+            <a:schemeClr val="accent1"/>
+          </a:lnRef>
+          <a:fillRef idx="0">
+            <a:schemeClr val="accent1"/>
+          </a:fillRef>
+          <a:effectRef idx="0">
+            <a:schemeClr val="accent1"/>
+          </a:effectRef>
+          <a:fontRef idx="minor">
+            <a:schemeClr val="tx1"/>
+          </a:fontRef>
+        </p:style>
+      </p:cxnSp>
+      <p:sp>
+        <p:nvSpPr>
+          <p:cNvPr id="275" name="TextBox 274">
+            <a:extLst>
+              <a:ext uri="{FF2B5EF4-FFF2-40B4-BE49-F238E27FC236}">
+                <a16:creationId xmlns:a16="http://schemas.microsoft.com/office/drawing/2014/main" id="{775B6F79-D287-41C3-93CD-F0D1DA0A13FF}"/>
+              </a:ext>
+            </a:extLst>
+          </p:cNvPr>
+          <p:cNvSpPr txBox="1"/>
+          <p:nvPr/>
+        </p:nvSpPr>
+        <p:spPr>
+          <a:xfrm>
+            <a:off x="8523849" y="523483"/>
+            <a:ext cx="548547" cy="369332"/>
+          </a:xfrm>
+          <a:prstGeom prst="rect">
+            <a:avLst/>
+          </a:prstGeom>
+          <a:noFill/>
+        </p:spPr>
+        <p:txBody>
+          <a:bodyPr wrap="none" rtlCol="0">
+            <a:spAutoFit/>
+          </a:bodyPr>
+          <a:lstStyle/>
+          <a:p>
+            <a:pPr algn="ctr"/>
+            <a:r>
+              <a:rPr lang="en-US" dirty="0"/>
+              <a:t>+5V</a:t>
+            </a:r>
+          </a:p>
+        </p:txBody>
+      </p:sp>
+      <p:sp>
+        <p:nvSpPr>
+          <p:cNvPr id="79" name="TextBox 78">
+            <a:extLst>
+              <a:ext uri="{FF2B5EF4-FFF2-40B4-BE49-F238E27FC236}">
+                <a16:creationId xmlns:a16="http://schemas.microsoft.com/office/drawing/2014/main" id="{90EB199C-1C46-4C18-A980-17B586B8B71C}"/>
+              </a:ext>
+            </a:extLst>
+          </p:cNvPr>
+          <p:cNvSpPr txBox="1"/>
+          <p:nvPr/>
+        </p:nvSpPr>
+        <p:spPr>
+          <a:xfrm>
+            <a:off x="2721232" y="525015"/>
+            <a:ext cx="665567" cy="369332"/>
+          </a:xfrm>
+          <a:prstGeom prst="rect">
+            <a:avLst/>
+          </a:prstGeom>
+          <a:noFill/>
+        </p:spPr>
+        <p:txBody>
+          <a:bodyPr wrap="none" rtlCol="0">
+            <a:spAutoFit/>
+          </a:bodyPr>
+          <a:lstStyle/>
+          <a:p>
+            <a:pPr algn="ctr"/>
+            <a:r>
+              <a:rPr lang="en-US" dirty="0"/>
+              <a:t>+24V</a:t>
+            </a:r>
+          </a:p>
+        </p:txBody>
+      </p:sp>
+      <p:cxnSp>
+        <p:nvCxnSpPr>
+          <p:cNvPr id="51" name="Straight Arrow Connector 50">
+            <a:extLst>
+              <a:ext uri="{FF2B5EF4-FFF2-40B4-BE49-F238E27FC236}">
+                <a16:creationId xmlns:a16="http://schemas.microsoft.com/office/drawing/2014/main" id="{07F04B4E-8A0A-4ACC-8E16-E1FB7495FA0C}"/>
+              </a:ext>
+            </a:extLst>
+          </p:cNvPr>
+          <p:cNvCxnSpPr>
+            <a:cxnSpLocks/>
+          </p:cNvCxnSpPr>
+          <p:nvPr/>
+        </p:nvCxnSpPr>
+        <p:spPr>
+          <a:xfrm>
+            <a:off x="6276837" y="709681"/>
+            <a:ext cx="382180" cy="0"/>
+          </a:xfrm>
+          <a:prstGeom prst="straightConnector1">
+            <a:avLst/>
+          </a:prstGeom>
+          <a:ln w="38100">
+            <a:solidFill>
+              <a:schemeClr val="tx1"/>
+            </a:solidFill>
+            <a:tailEnd type="triangle"/>
+          </a:ln>
+        </p:spPr>
+        <p:style>
+          <a:lnRef idx="1">
+            <a:schemeClr val="accent1"/>
+          </a:lnRef>
+          <a:fillRef idx="0">
+            <a:schemeClr val="accent1"/>
+          </a:fillRef>
+          <a:effectRef idx="0">
+            <a:schemeClr val="accent1"/>
+          </a:effectRef>
+          <a:fontRef idx="minor">
+            <a:schemeClr val="tx1"/>
+          </a:fontRef>
+        </p:style>
+      </p:cxnSp>
+      <p:sp>
+        <p:nvSpPr>
+          <p:cNvPr id="37" name="Rectangle 36">
+            <a:extLst>
+              <a:ext uri="{FF2B5EF4-FFF2-40B4-BE49-F238E27FC236}">
+                <a16:creationId xmlns:a16="http://schemas.microsoft.com/office/drawing/2014/main" id="{9E78489F-4ACE-449C-8AE4-43ECD219CE5F}"/>
+              </a:ext>
+            </a:extLst>
+          </p:cNvPr>
+          <p:cNvSpPr/>
+          <p:nvPr/>
+        </p:nvSpPr>
+        <p:spPr>
+          <a:xfrm>
+            <a:off x="3797222" y="361129"/>
+            <a:ext cx="1461325" cy="713937"/>
+          </a:xfrm>
+          <a:prstGeom prst="rect">
+            <a:avLst/>
+          </a:prstGeom>
+          <a:noFill/>
+          <a:ln w="38100">
+            <a:solidFill>
+              <a:schemeClr val="tx1"/>
+            </a:solidFill>
+          </a:ln>
+        </p:spPr>
+        <p:style>
+          <a:lnRef idx="2">
+            <a:schemeClr val="accent1">
+              <a:shade val="50000"/>
+            </a:schemeClr>
+          </a:lnRef>
+          <a:fillRef idx="1">
+            <a:schemeClr val="accent1"/>
+          </a:fillRef>
+          <a:effectRef idx="0">
+            <a:schemeClr val="accent1"/>
+          </a:effectRef>
+          <a:fontRef idx="minor">
+            <a:schemeClr val="lt1"/>
+          </a:fontRef>
+        </p:style>
+        <p:txBody>
+          <a:bodyPr rtlCol="0" anchor="ctr"/>
+          <a:lstStyle/>
+          <a:p>
+            <a:pPr algn="ctr"/>
+            <a:r>
+              <a:rPr lang="en-US" b="1" dirty="0">
+                <a:solidFill>
+                  <a:schemeClr val="tx1"/>
+                </a:solidFill>
+              </a:rPr>
+              <a:t>DC-DC</a:t>
+            </a:r>
+          </a:p>
+          <a:p>
+            <a:pPr algn="ctr"/>
+            <a:r>
+              <a:rPr lang="en-US" b="1" dirty="0">
+                <a:solidFill>
+                  <a:schemeClr val="tx1"/>
+                </a:solidFill>
+              </a:rPr>
+              <a:t>Converter</a:t>
+            </a:r>
+          </a:p>
+        </p:txBody>
+      </p:sp>
+      <p:cxnSp>
+        <p:nvCxnSpPr>
+          <p:cNvPr id="38" name="Straight Arrow Connector 37">
+            <a:extLst>
+              <a:ext uri="{FF2B5EF4-FFF2-40B4-BE49-F238E27FC236}">
+                <a16:creationId xmlns:a16="http://schemas.microsoft.com/office/drawing/2014/main" id="{D867A68A-354F-439F-B4F4-1F9944846B8B}"/>
+              </a:ext>
+            </a:extLst>
+          </p:cNvPr>
+          <p:cNvCxnSpPr>
+            <a:cxnSpLocks/>
+          </p:cNvCxnSpPr>
+          <p:nvPr/>
+        </p:nvCxnSpPr>
+        <p:spPr>
+          <a:xfrm>
+            <a:off x="3380913" y="709681"/>
+            <a:ext cx="403535" cy="0"/>
+          </a:xfrm>
+          <a:prstGeom prst="straightConnector1">
+            <a:avLst/>
+          </a:prstGeom>
+          <a:ln w="38100">
+            <a:solidFill>
+              <a:schemeClr val="tx1"/>
+            </a:solidFill>
+            <a:tailEnd type="triangle"/>
+          </a:ln>
+        </p:spPr>
+        <p:style>
+          <a:lnRef idx="1">
+            <a:schemeClr val="accent1"/>
+          </a:lnRef>
+          <a:fillRef idx="0">
+            <a:schemeClr val="accent1"/>
+          </a:fillRef>
+          <a:effectRef idx="0">
+            <a:schemeClr val="accent1"/>
+          </a:effectRef>
+          <a:fontRef idx="minor">
+            <a:schemeClr val="tx1"/>
+          </a:fontRef>
+        </p:style>
+      </p:cxnSp>
+      <p:sp>
+        <p:nvSpPr>
+          <p:cNvPr id="39" name="TextBox 38">
+            <a:extLst>
+              <a:ext uri="{FF2B5EF4-FFF2-40B4-BE49-F238E27FC236}">
+                <a16:creationId xmlns:a16="http://schemas.microsoft.com/office/drawing/2014/main" id="{807E1ED7-9074-472F-A950-8FD0F00132D0}"/>
+              </a:ext>
+            </a:extLst>
+          </p:cNvPr>
+          <p:cNvSpPr txBox="1"/>
+          <p:nvPr/>
+        </p:nvSpPr>
+        <p:spPr>
+          <a:xfrm>
+            <a:off x="5661177" y="525015"/>
+            <a:ext cx="665568" cy="369332"/>
+          </a:xfrm>
+          <a:prstGeom prst="rect">
+            <a:avLst/>
+          </a:prstGeom>
+          <a:noFill/>
+        </p:spPr>
+        <p:txBody>
+          <a:bodyPr wrap="none" rtlCol="0">
+            <a:spAutoFit/>
+          </a:bodyPr>
+          <a:lstStyle/>
+          <a:p>
+            <a:pPr algn="ctr"/>
+            <a:r>
+              <a:rPr lang="en-US" dirty="0"/>
+              <a:t>+12V</a:t>
+            </a:r>
+          </a:p>
+        </p:txBody>
+      </p:sp>
+      <p:cxnSp>
+        <p:nvCxnSpPr>
+          <p:cNvPr id="40" name="Straight Arrow Connector 39">
+            <a:extLst>
+              <a:ext uri="{FF2B5EF4-FFF2-40B4-BE49-F238E27FC236}">
+                <a16:creationId xmlns:a16="http://schemas.microsoft.com/office/drawing/2014/main" id="{3E9F741C-40D1-4A81-B446-DF1645019AAA}"/>
+              </a:ext>
+            </a:extLst>
+          </p:cNvPr>
+          <p:cNvCxnSpPr>
+            <a:cxnSpLocks/>
+            <a:endCxn id="39" idx="1"/>
+          </p:cNvCxnSpPr>
+          <p:nvPr/>
+        </p:nvCxnSpPr>
+        <p:spPr>
+          <a:xfrm>
+            <a:off x="5278997" y="709681"/>
+            <a:ext cx="382180" cy="0"/>
+          </a:xfrm>
+          <a:prstGeom prst="straightConnector1">
+            <a:avLst/>
+          </a:prstGeom>
+          <a:ln w="38100">
+            <a:solidFill>
+              <a:schemeClr val="tx1"/>
+            </a:solidFill>
+            <a:tailEnd type="triangle"/>
+          </a:ln>
+        </p:spPr>
+        <p:style>
+          <a:lnRef idx="1">
+            <a:schemeClr val="accent1"/>
+          </a:lnRef>
+          <a:fillRef idx="0">
+            <a:schemeClr val="accent1"/>
+          </a:fillRef>
+          <a:effectRef idx="0">
+            <a:schemeClr val="accent1"/>
+          </a:effectRef>
+          <a:fontRef idx="minor">
+            <a:schemeClr val="tx1"/>
+          </a:fontRef>
+        </p:style>
+      </p:cxnSp>
+      <p:sp>
+        <p:nvSpPr>
+          <p:cNvPr id="41" name="Rectangle 40">
+            <a:extLst>
+              <a:ext uri="{FF2B5EF4-FFF2-40B4-BE49-F238E27FC236}">
+                <a16:creationId xmlns:a16="http://schemas.microsoft.com/office/drawing/2014/main" id="{DF77EDA3-EB6B-4BAE-8D2F-A389897794F7}"/>
+              </a:ext>
+            </a:extLst>
+          </p:cNvPr>
+          <p:cNvSpPr/>
+          <p:nvPr/>
+        </p:nvSpPr>
+        <p:spPr>
+          <a:xfrm>
+            <a:off x="6659017" y="356990"/>
+            <a:ext cx="1461325" cy="713937"/>
+          </a:xfrm>
+          <a:prstGeom prst="rect">
+            <a:avLst/>
+          </a:prstGeom>
+          <a:noFill/>
+          <a:ln w="38100">
+            <a:solidFill>
+              <a:schemeClr val="tx1"/>
+            </a:solidFill>
+          </a:ln>
+        </p:spPr>
+        <p:style>
+          <a:lnRef idx="2">
+            <a:schemeClr val="accent1">
+              <a:shade val="50000"/>
+            </a:schemeClr>
+          </a:lnRef>
+          <a:fillRef idx="1">
+            <a:schemeClr val="accent1"/>
+          </a:fillRef>
+          <a:effectRef idx="0">
+            <a:schemeClr val="accent1"/>
+          </a:effectRef>
+          <a:fontRef idx="minor">
+            <a:schemeClr val="lt1"/>
+          </a:fontRef>
+        </p:style>
+        <p:txBody>
+          <a:bodyPr rtlCol="0" anchor="ctr"/>
+          <a:lstStyle/>
+          <a:p>
+            <a:pPr algn="ctr"/>
+            <a:r>
+              <a:rPr lang="en-US" b="1" dirty="0">
+                <a:solidFill>
+                  <a:schemeClr val="tx1"/>
+                </a:solidFill>
+              </a:rPr>
+              <a:t>DC-DC</a:t>
+            </a:r>
+          </a:p>
+          <a:p>
+            <a:pPr algn="ctr"/>
+            <a:r>
+              <a:rPr lang="en-US" b="1" dirty="0">
+                <a:solidFill>
+                  <a:schemeClr val="tx1"/>
+                </a:solidFill>
+              </a:rPr>
+              <a:t>Converter</a:t>
+            </a:r>
+          </a:p>
+        </p:txBody>
+      </p:sp>
+      <p:sp>
+        <p:nvSpPr>
+          <p:cNvPr id="48" name="Rectangle 47">
+            <a:extLst>
+              <a:ext uri="{FF2B5EF4-FFF2-40B4-BE49-F238E27FC236}">
+                <a16:creationId xmlns:a16="http://schemas.microsoft.com/office/drawing/2014/main" id="{0F9C6AE6-7C4B-41BC-ADC4-0A5EE799925C}"/>
+              </a:ext>
+            </a:extLst>
+          </p:cNvPr>
+          <p:cNvSpPr/>
+          <p:nvPr/>
+        </p:nvSpPr>
+        <p:spPr>
+          <a:xfrm>
+            <a:off x="8380800" y="1450962"/>
+            <a:ext cx="2042640" cy="1570151"/>
+          </a:xfrm>
+          <a:prstGeom prst="rect">
+            <a:avLst/>
+          </a:prstGeom>
+          <a:noFill/>
+          <a:ln w="38100">
+            <a:solidFill>
+              <a:schemeClr val="tx1"/>
+            </a:solidFill>
+          </a:ln>
+        </p:spPr>
+        <p:style>
+          <a:lnRef idx="2">
+            <a:schemeClr val="accent1">
+              <a:shade val="50000"/>
+            </a:schemeClr>
+          </a:lnRef>
+          <a:fillRef idx="1">
+            <a:schemeClr val="accent1"/>
+          </a:fillRef>
+          <a:effectRef idx="0">
+            <a:schemeClr val="accent1"/>
+          </a:effectRef>
+          <a:fontRef idx="minor">
+            <a:schemeClr val="lt1"/>
+          </a:fontRef>
+        </p:style>
+        <p:txBody>
+          <a:bodyPr rtlCol="0" anchor="ctr"/>
+          <a:lstStyle/>
+          <a:p>
+            <a:pPr algn="ctr"/>
+            <a:r>
+              <a:rPr lang="en-US" b="1" dirty="0">
+                <a:solidFill>
+                  <a:schemeClr val="tx1"/>
+                </a:solidFill>
+              </a:rPr>
+              <a:t>Max31865</a:t>
+            </a:r>
+          </a:p>
+          <a:p>
+            <a:pPr algn="ctr"/>
+            <a:r>
+              <a:rPr lang="en-US" b="1" dirty="0">
+                <a:solidFill>
+                  <a:schemeClr val="tx1"/>
+                </a:solidFill>
+              </a:rPr>
+              <a:t>Module</a:t>
+            </a:r>
+            <a:endParaRPr lang="en-SG" b="1" dirty="0">
               <a:solidFill>
                 <a:schemeClr val="tx1"/>
               </a:solidFill>
@@ -29277,12 +31068,955 @@
           </a:p>
         </p:txBody>
       </p:sp>
-      <p:sp>
-        <p:nvSpPr>
-          <p:cNvPr id="10" name="Flowchart: Alternate Process 9">
-            <a:extLst>
-              <a:ext uri="{FF2B5EF4-FFF2-40B4-BE49-F238E27FC236}">
-                <a16:creationId xmlns:a16="http://schemas.microsoft.com/office/drawing/2014/main" id="{7ECFEA9F-9606-4C28-ACAA-FE93E5886216}"/>
+      <p:cxnSp>
+        <p:nvCxnSpPr>
+          <p:cNvPr id="55" name="Straight Arrow Connector 54">
+            <a:extLst>
+              <a:ext uri="{FF2B5EF4-FFF2-40B4-BE49-F238E27FC236}">
+                <a16:creationId xmlns:a16="http://schemas.microsoft.com/office/drawing/2014/main" id="{66C62CB9-7BC8-4E14-AE57-60A8D511E2BF}"/>
+              </a:ext>
+            </a:extLst>
+          </p:cNvPr>
+          <p:cNvCxnSpPr>
+            <a:cxnSpLocks/>
+          </p:cNvCxnSpPr>
+          <p:nvPr/>
+        </p:nvCxnSpPr>
+        <p:spPr>
+          <a:xfrm flipH="1">
+            <a:off x="5638564" y="2635659"/>
+            <a:ext cx="2728652" cy="18116"/>
+          </a:xfrm>
+          <a:prstGeom prst="straightConnector1">
+            <a:avLst/>
+          </a:prstGeom>
+          <a:ln w="38100">
+            <a:solidFill>
+              <a:schemeClr val="tx1"/>
+            </a:solidFill>
+            <a:tailEnd type="triangle"/>
+          </a:ln>
+        </p:spPr>
+        <p:style>
+          <a:lnRef idx="1">
+            <a:schemeClr val="accent1"/>
+          </a:lnRef>
+          <a:fillRef idx="0">
+            <a:schemeClr val="accent1"/>
+          </a:fillRef>
+          <a:effectRef idx="0">
+            <a:schemeClr val="accent1"/>
+          </a:effectRef>
+          <a:fontRef idx="minor">
+            <a:schemeClr val="tx1"/>
+          </a:fontRef>
+        </p:style>
+      </p:cxnSp>
+      <p:sp>
+        <p:nvSpPr>
+          <p:cNvPr id="16" name="TextBox 15">
+            <a:extLst>
+              <a:ext uri="{FF2B5EF4-FFF2-40B4-BE49-F238E27FC236}">
+                <a16:creationId xmlns:a16="http://schemas.microsoft.com/office/drawing/2014/main" id="{39F93C44-5F59-4779-BCF7-EF6FEEF7F991}"/>
+              </a:ext>
+            </a:extLst>
+          </p:cNvPr>
+          <p:cNvSpPr txBox="1"/>
+          <p:nvPr/>
+        </p:nvSpPr>
+        <p:spPr>
+          <a:xfrm>
+            <a:off x="8376245" y="2208157"/>
+            <a:ext cx="388248" cy="338554"/>
+          </a:xfrm>
+          <a:prstGeom prst="rect">
+            <a:avLst/>
+          </a:prstGeom>
+          <a:noFill/>
+        </p:spPr>
+        <p:txBody>
+          <a:bodyPr wrap="none" rtlCol="0">
+            <a:spAutoFit/>
+          </a:bodyPr>
+          <a:lstStyle/>
+          <a:p>
+            <a:r>
+              <a:rPr lang="en-US" sz="1600" dirty="0"/>
+              <a:t>CS</a:t>
+            </a:r>
+            <a:endParaRPr lang="en-SG" sz="1600" dirty="0"/>
+          </a:p>
+        </p:txBody>
+      </p:sp>
+      <p:sp>
+        <p:nvSpPr>
+          <p:cNvPr id="64" name="TextBox 63">
+            <a:extLst>
+              <a:ext uri="{FF2B5EF4-FFF2-40B4-BE49-F238E27FC236}">
+                <a16:creationId xmlns:a16="http://schemas.microsoft.com/office/drawing/2014/main" id="{166CA98A-ED71-44BC-B8A5-B02A1EE1D9A2}"/>
+              </a:ext>
+            </a:extLst>
+          </p:cNvPr>
+          <p:cNvSpPr txBox="1"/>
+          <p:nvPr/>
+        </p:nvSpPr>
+        <p:spPr>
+          <a:xfrm>
+            <a:off x="5234802" y="2209567"/>
+            <a:ext cx="288862" cy="338554"/>
+          </a:xfrm>
+          <a:prstGeom prst="rect">
+            <a:avLst/>
+          </a:prstGeom>
+          <a:noFill/>
+        </p:spPr>
+        <p:txBody>
+          <a:bodyPr wrap="none" rtlCol="0">
+            <a:spAutoFit/>
+          </a:bodyPr>
+          <a:lstStyle/>
+          <a:p>
+            <a:r>
+              <a:rPr lang="en-US" sz="1600" dirty="0"/>
+              <a:t>9</a:t>
+            </a:r>
+            <a:endParaRPr lang="en-SG" sz="1600" dirty="0"/>
+          </a:p>
+        </p:txBody>
+      </p:sp>
+      <p:sp>
+        <p:nvSpPr>
+          <p:cNvPr id="65" name="TextBox 64">
+            <a:extLst>
+              <a:ext uri="{FF2B5EF4-FFF2-40B4-BE49-F238E27FC236}">
+                <a16:creationId xmlns:a16="http://schemas.microsoft.com/office/drawing/2014/main" id="{9E00DD7B-E44F-4D9A-931C-4A7165AD7945}"/>
+              </a:ext>
+            </a:extLst>
+          </p:cNvPr>
+          <p:cNvSpPr txBox="1"/>
+          <p:nvPr/>
+        </p:nvSpPr>
+        <p:spPr>
+          <a:xfrm>
+            <a:off x="5234802" y="2476538"/>
+            <a:ext cx="288862" cy="338554"/>
+          </a:xfrm>
+          <a:prstGeom prst="rect">
+            <a:avLst/>
+          </a:prstGeom>
+          <a:noFill/>
+        </p:spPr>
+        <p:txBody>
+          <a:bodyPr wrap="none" rtlCol="0">
+            <a:spAutoFit/>
+          </a:bodyPr>
+          <a:lstStyle/>
+          <a:p>
+            <a:r>
+              <a:rPr lang="en-SG" sz="1600" dirty="0"/>
+              <a:t>8</a:t>
+            </a:r>
+          </a:p>
+        </p:txBody>
+      </p:sp>
+      <p:sp>
+        <p:nvSpPr>
+          <p:cNvPr id="67" name="TextBox 66">
+            <a:extLst>
+              <a:ext uri="{FF2B5EF4-FFF2-40B4-BE49-F238E27FC236}">
+                <a16:creationId xmlns:a16="http://schemas.microsoft.com/office/drawing/2014/main" id="{77D1A4B0-B0EA-4890-BC95-A4A111070448}"/>
+              </a:ext>
+            </a:extLst>
+          </p:cNvPr>
+          <p:cNvSpPr txBox="1"/>
+          <p:nvPr/>
+        </p:nvSpPr>
+        <p:spPr>
+          <a:xfrm>
+            <a:off x="5234802" y="1942596"/>
+            <a:ext cx="393056" cy="338554"/>
+          </a:xfrm>
+          <a:prstGeom prst="rect">
+            <a:avLst/>
+          </a:prstGeom>
+          <a:noFill/>
+        </p:spPr>
+        <p:txBody>
+          <a:bodyPr wrap="none" rtlCol="0">
+            <a:spAutoFit/>
+          </a:bodyPr>
+          <a:lstStyle/>
+          <a:p>
+            <a:r>
+              <a:rPr lang="en-SG" sz="1600" dirty="0"/>
+              <a:t>10</a:t>
+            </a:r>
+          </a:p>
+        </p:txBody>
+      </p:sp>
+      <p:sp>
+        <p:nvSpPr>
+          <p:cNvPr id="143" name="TextBox 142">
+            <a:extLst>
+              <a:ext uri="{FF2B5EF4-FFF2-40B4-BE49-F238E27FC236}">
+                <a16:creationId xmlns:a16="http://schemas.microsoft.com/office/drawing/2014/main" id="{581E7DBC-906A-4F72-A869-858EDA0800BA}"/>
+              </a:ext>
+            </a:extLst>
+          </p:cNvPr>
+          <p:cNvSpPr txBox="1"/>
+          <p:nvPr/>
+        </p:nvSpPr>
+        <p:spPr>
+          <a:xfrm>
+            <a:off x="10097025" y="1947848"/>
+            <a:ext cx="287258" cy="338554"/>
+          </a:xfrm>
+          <a:prstGeom prst="rect">
+            <a:avLst/>
+          </a:prstGeom>
+          <a:noFill/>
+        </p:spPr>
+        <p:txBody>
+          <a:bodyPr wrap="none" rtlCol="0">
+            <a:spAutoFit/>
+          </a:bodyPr>
+          <a:lstStyle/>
+          <a:p>
+            <a:r>
+              <a:rPr lang="en-US" sz="1600" dirty="0"/>
+              <a:t>+</a:t>
+            </a:r>
+            <a:endParaRPr lang="en-SG" sz="1600" dirty="0"/>
+          </a:p>
+        </p:txBody>
+      </p:sp>
+      <p:sp>
+        <p:nvSpPr>
+          <p:cNvPr id="144" name="TextBox 143">
+            <a:extLst>
+              <a:ext uri="{FF2B5EF4-FFF2-40B4-BE49-F238E27FC236}">
+                <a16:creationId xmlns:a16="http://schemas.microsoft.com/office/drawing/2014/main" id="{B37A610B-74A8-41F6-ACC4-026557852D91}"/>
+              </a:ext>
+            </a:extLst>
+          </p:cNvPr>
+          <p:cNvSpPr txBox="1"/>
+          <p:nvPr/>
+        </p:nvSpPr>
+        <p:spPr>
+          <a:xfrm>
+            <a:off x="10097025" y="2214819"/>
+            <a:ext cx="247184" cy="338554"/>
+          </a:xfrm>
+          <a:prstGeom prst="rect">
+            <a:avLst/>
+          </a:prstGeom>
+          <a:noFill/>
+        </p:spPr>
+        <p:txBody>
+          <a:bodyPr wrap="none" rtlCol="0">
+            <a:spAutoFit/>
+          </a:bodyPr>
+          <a:lstStyle/>
+          <a:p>
+            <a:r>
+              <a:rPr lang="en-US" sz="1600" dirty="0"/>
+              <a:t>-</a:t>
+            </a:r>
+            <a:endParaRPr lang="en-SG" sz="1600" dirty="0"/>
+          </a:p>
+        </p:txBody>
+      </p:sp>
+      <p:cxnSp>
+        <p:nvCxnSpPr>
+          <p:cNvPr id="145" name="Straight Arrow Connector 144">
+            <a:extLst>
+              <a:ext uri="{FF2B5EF4-FFF2-40B4-BE49-F238E27FC236}">
+                <a16:creationId xmlns:a16="http://schemas.microsoft.com/office/drawing/2014/main" id="{39A13FB6-33F2-4B32-A2E3-F2015543C5DE}"/>
+              </a:ext>
+            </a:extLst>
+          </p:cNvPr>
+          <p:cNvCxnSpPr>
+            <a:cxnSpLocks/>
+          </p:cNvCxnSpPr>
+          <p:nvPr/>
+        </p:nvCxnSpPr>
+        <p:spPr>
+          <a:xfrm flipH="1">
+            <a:off x="10423440" y="2108550"/>
+            <a:ext cx="581080" cy="5774"/>
+          </a:xfrm>
+          <a:prstGeom prst="straightConnector1">
+            <a:avLst/>
+          </a:prstGeom>
+          <a:ln w="38100">
+            <a:solidFill>
+              <a:schemeClr val="tx1"/>
+            </a:solidFill>
+            <a:headEnd type="triangle" w="med" len="med"/>
+            <a:tailEnd type="triangle" w="med" len="med"/>
+          </a:ln>
+        </p:spPr>
+        <p:style>
+          <a:lnRef idx="1">
+            <a:schemeClr val="accent1"/>
+          </a:lnRef>
+          <a:fillRef idx="0">
+            <a:schemeClr val="accent1"/>
+          </a:fillRef>
+          <a:effectRef idx="0">
+            <a:schemeClr val="accent1"/>
+          </a:effectRef>
+          <a:fontRef idx="minor">
+            <a:schemeClr val="tx1"/>
+          </a:fontRef>
+        </p:style>
+      </p:cxnSp>
+      <p:cxnSp>
+        <p:nvCxnSpPr>
+          <p:cNvPr id="147" name="Straight Arrow Connector 146">
+            <a:extLst>
+              <a:ext uri="{FF2B5EF4-FFF2-40B4-BE49-F238E27FC236}">
+                <a16:creationId xmlns:a16="http://schemas.microsoft.com/office/drawing/2014/main" id="{8FD258A3-0038-4AB8-A8DF-EB766BB96D45}"/>
+              </a:ext>
+            </a:extLst>
+          </p:cNvPr>
+          <p:cNvCxnSpPr>
+            <a:cxnSpLocks/>
+          </p:cNvCxnSpPr>
+          <p:nvPr/>
+        </p:nvCxnSpPr>
+        <p:spPr>
+          <a:xfrm flipH="1">
+            <a:off x="10423440" y="2378494"/>
+            <a:ext cx="581080" cy="0"/>
+          </a:xfrm>
+          <a:prstGeom prst="straightConnector1">
+            <a:avLst/>
+          </a:prstGeom>
+          <a:ln w="38100">
+            <a:solidFill>
+              <a:schemeClr val="tx1"/>
+            </a:solidFill>
+            <a:headEnd type="triangle" w="med" len="med"/>
+            <a:tailEnd type="triangle" w="med" len="med"/>
+          </a:ln>
+        </p:spPr>
+        <p:style>
+          <a:lnRef idx="1">
+            <a:schemeClr val="accent1"/>
+          </a:lnRef>
+          <a:fillRef idx="0">
+            <a:schemeClr val="accent1"/>
+          </a:fillRef>
+          <a:effectRef idx="0">
+            <a:schemeClr val="accent1"/>
+          </a:effectRef>
+          <a:fontRef idx="minor">
+            <a:schemeClr val="tx1"/>
+          </a:fontRef>
+        </p:style>
+      </p:cxnSp>
+      <p:cxnSp>
+        <p:nvCxnSpPr>
+          <p:cNvPr id="172" name="Straight Arrow Connector 171">
+            <a:extLst>
+              <a:ext uri="{FF2B5EF4-FFF2-40B4-BE49-F238E27FC236}">
+                <a16:creationId xmlns:a16="http://schemas.microsoft.com/office/drawing/2014/main" id="{F97DB135-99F0-4D14-87D0-35873F8C2A76}"/>
+              </a:ext>
+            </a:extLst>
+          </p:cNvPr>
+          <p:cNvCxnSpPr>
+            <a:cxnSpLocks/>
+          </p:cNvCxnSpPr>
+          <p:nvPr/>
+        </p:nvCxnSpPr>
+        <p:spPr>
+          <a:xfrm>
+            <a:off x="1501892" y="1753453"/>
+            <a:ext cx="382180" cy="0"/>
+          </a:xfrm>
+          <a:prstGeom prst="straightConnector1">
+            <a:avLst/>
+          </a:prstGeom>
+          <a:ln w="38100">
+            <a:solidFill>
+              <a:schemeClr val="tx1"/>
+            </a:solidFill>
+            <a:tailEnd type="triangle"/>
+          </a:ln>
+        </p:spPr>
+        <p:style>
+          <a:lnRef idx="1">
+            <a:schemeClr val="accent1"/>
+          </a:lnRef>
+          <a:fillRef idx="0">
+            <a:schemeClr val="accent1"/>
+          </a:fillRef>
+          <a:effectRef idx="0">
+            <a:schemeClr val="accent1"/>
+          </a:effectRef>
+          <a:fontRef idx="minor">
+            <a:schemeClr val="tx1"/>
+          </a:fontRef>
+        </p:style>
+      </p:cxnSp>
+      <p:sp>
+        <p:nvSpPr>
+          <p:cNvPr id="173" name="TextBox 172">
+            <a:extLst>
+              <a:ext uri="{FF2B5EF4-FFF2-40B4-BE49-F238E27FC236}">
+                <a16:creationId xmlns:a16="http://schemas.microsoft.com/office/drawing/2014/main" id="{B6F27E45-63BB-4A7C-96EB-C2FDD45A993B}"/>
+              </a:ext>
+            </a:extLst>
+          </p:cNvPr>
+          <p:cNvSpPr txBox="1"/>
+          <p:nvPr/>
+        </p:nvSpPr>
+        <p:spPr>
+          <a:xfrm>
+            <a:off x="886232" y="1568787"/>
+            <a:ext cx="665568" cy="369332"/>
+          </a:xfrm>
+          <a:prstGeom prst="rect">
+            <a:avLst/>
+          </a:prstGeom>
+          <a:noFill/>
+        </p:spPr>
+        <p:txBody>
+          <a:bodyPr wrap="none" rtlCol="0">
+            <a:spAutoFit/>
+          </a:bodyPr>
+          <a:lstStyle/>
+          <a:p>
+            <a:pPr algn="ctr"/>
+            <a:r>
+              <a:rPr lang="en-US" dirty="0"/>
+              <a:t>+12V</a:t>
+            </a:r>
+          </a:p>
+        </p:txBody>
+      </p:sp>
+      <p:cxnSp>
+        <p:nvCxnSpPr>
+          <p:cNvPr id="174" name="Straight Arrow Connector 173">
+            <a:extLst>
+              <a:ext uri="{FF2B5EF4-FFF2-40B4-BE49-F238E27FC236}">
+                <a16:creationId xmlns:a16="http://schemas.microsoft.com/office/drawing/2014/main" id="{655FD4DD-734A-4515-8532-3BC3E4A26298}"/>
+              </a:ext>
+            </a:extLst>
+          </p:cNvPr>
+          <p:cNvCxnSpPr>
+            <a:cxnSpLocks/>
+          </p:cNvCxnSpPr>
+          <p:nvPr/>
+        </p:nvCxnSpPr>
+        <p:spPr>
+          <a:xfrm>
+            <a:off x="1501892" y="2071371"/>
+            <a:ext cx="382180" cy="0"/>
+          </a:xfrm>
+          <a:prstGeom prst="straightConnector1">
+            <a:avLst/>
+          </a:prstGeom>
+          <a:ln w="38100">
+            <a:solidFill>
+              <a:schemeClr val="tx1"/>
+            </a:solidFill>
+            <a:tailEnd type="triangle"/>
+          </a:ln>
+        </p:spPr>
+        <p:style>
+          <a:lnRef idx="1">
+            <a:schemeClr val="accent1"/>
+          </a:lnRef>
+          <a:fillRef idx="0">
+            <a:schemeClr val="accent1"/>
+          </a:fillRef>
+          <a:effectRef idx="0">
+            <a:schemeClr val="accent1"/>
+          </a:effectRef>
+          <a:fontRef idx="minor">
+            <a:schemeClr val="tx1"/>
+          </a:fontRef>
+        </p:style>
+      </p:cxnSp>
+      <p:sp>
+        <p:nvSpPr>
+          <p:cNvPr id="175" name="TextBox 174">
+            <a:extLst>
+              <a:ext uri="{FF2B5EF4-FFF2-40B4-BE49-F238E27FC236}">
+                <a16:creationId xmlns:a16="http://schemas.microsoft.com/office/drawing/2014/main" id="{4EA6141E-83F1-43C7-A30D-2CB6DB475424}"/>
+              </a:ext>
+            </a:extLst>
+          </p:cNvPr>
+          <p:cNvSpPr txBox="1"/>
+          <p:nvPr/>
+        </p:nvSpPr>
+        <p:spPr>
+          <a:xfrm>
+            <a:off x="907873" y="1886705"/>
+            <a:ext cx="622286" cy="369332"/>
+          </a:xfrm>
+          <a:prstGeom prst="rect">
+            <a:avLst/>
+          </a:prstGeom>
+          <a:noFill/>
+        </p:spPr>
+        <p:txBody>
+          <a:bodyPr wrap="none" rtlCol="0">
+            <a:spAutoFit/>
+          </a:bodyPr>
+          <a:lstStyle/>
+          <a:p>
+            <a:pPr algn="ctr"/>
+            <a:r>
+              <a:rPr lang="en-US" dirty="0"/>
+              <a:t>GND</a:t>
+            </a:r>
+          </a:p>
+        </p:txBody>
+      </p:sp>
+      <p:cxnSp>
+        <p:nvCxnSpPr>
+          <p:cNvPr id="126" name="Straight Arrow Connector 125">
+            <a:extLst>
+              <a:ext uri="{FF2B5EF4-FFF2-40B4-BE49-F238E27FC236}">
+                <a16:creationId xmlns:a16="http://schemas.microsoft.com/office/drawing/2014/main" id="{278F078C-F413-49DB-9242-45C53C5D6230}"/>
+              </a:ext>
+            </a:extLst>
+          </p:cNvPr>
+          <p:cNvCxnSpPr>
+            <a:cxnSpLocks/>
+          </p:cNvCxnSpPr>
+          <p:nvPr/>
+        </p:nvCxnSpPr>
+        <p:spPr>
+          <a:xfrm>
+            <a:off x="7987579" y="1620906"/>
+            <a:ext cx="382180" cy="0"/>
+          </a:xfrm>
+          <a:prstGeom prst="straightConnector1">
+            <a:avLst/>
+          </a:prstGeom>
+          <a:ln w="38100">
+            <a:solidFill>
+              <a:schemeClr val="tx1"/>
+            </a:solidFill>
+            <a:tailEnd type="triangle"/>
+          </a:ln>
+        </p:spPr>
+        <p:style>
+          <a:lnRef idx="1">
+            <a:schemeClr val="accent1"/>
+          </a:lnRef>
+          <a:fillRef idx="0">
+            <a:schemeClr val="accent1"/>
+          </a:fillRef>
+          <a:effectRef idx="0">
+            <a:schemeClr val="accent1"/>
+          </a:effectRef>
+          <a:fontRef idx="minor">
+            <a:schemeClr val="tx1"/>
+          </a:fontRef>
+        </p:style>
+      </p:cxnSp>
+      <p:sp>
+        <p:nvSpPr>
+          <p:cNvPr id="127" name="TextBox 126">
+            <a:extLst>
+              <a:ext uri="{FF2B5EF4-FFF2-40B4-BE49-F238E27FC236}">
+                <a16:creationId xmlns:a16="http://schemas.microsoft.com/office/drawing/2014/main" id="{04737E8B-C4DA-4A13-9657-1391232F25A6}"/>
+              </a:ext>
+            </a:extLst>
+          </p:cNvPr>
+          <p:cNvSpPr txBox="1"/>
+          <p:nvPr/>
+        </p:nvSpPr>
+        <p:spPr>
+          <a:xfrm>
+            <a:off x="7430429" y="1436240"/>
+            <a:ext cx="548548" cy="369332"/>
+          </a:xfrm>
+          <a:prstGeom prst="rect">
+            <a:avLst/>
+          </a:prstGeom>
+          <a:noFill/>
+        </p:spPr>
+        <p:txBody>
+          <a:bodyPr wrap="none" rtlCol="0">
+            <a:spAutoFit/>
+          </a:bodyPr>
+          <a:lstStyle/>
+          <a:p>
+            <a:pPr algn="ctr"/>
+            <a:r>
+              <a:rPr lang="en-US" dirty="0"/>
+              <a:t>+5V</a:t>
+            </a:r>
+          </a:p>
+        </p:txBody>
+      </p:sp>
+      <p:cxnSp>
+        <p:nvCxnSpPr>
+          <p:cNvPr id="129" name="Straight Arrow Connector 128">
+            <a:extLst>
+              <a:ext uri="{FF2B5EF4-FFF2-40B4-BE49-F238E27FC236}">
+                <a16:creationId xmlns:a16="http://schemas.microsoft.com/office/drawing/2014/main" id="{193E38E7-FDF9-4DE6-A9A7-4BF6385F9269}"/>
+              </a:ext>
+            </a:extLst>
+          </p:cNvPr>
+          <p:cNvCxnSpPr>
+            <a:cxnSpLocks/>
+          </p:cNvCxnSpPr>
+          <p:nvPr/>
+        </p:nvCxnSpPr>
+        <p:spPr>
+          <a:xfrm>
+            <a:off x="7978977" y="2867677"/>
+            <a:ext cx="382180" cy="0"/>
+          </a:xfrm>
+          <a:prstGeom prst="straightConnector1">
+            <a:avLst/>
+          </a:prstGeom>
+          <a:ln w="38100">
+            <a:solidFill>
+              <a:schemeClr val="tx1"/>
+            </a:solidFill>
+            <a:tailEnd type="triangle"/>
+          </a:ln>
+        </p:spPr>
+        <p:style>
+          <a:lnRef idx="1">
+            <a:schemeClr val="accent1"/>
+          </a:lnRef>
+          <a:fillRef idx="0">
+            <a:schemeClr val="accent1"/>
+          </a:fillRef>
+          <a:effectRef idx="0">
+            <a:schemeClr val="accent1"/>
+          </a:effectRef>
+          <a:fontRef idx="minor">
+            <a:schemeClr val="tx1"/>
+          </a:fontRef>
+        </p:style>
+      </p:cxnSp>
+      <p:sp>
+        <p:nvSpPr>
+          <p:cNvPr id="130" name="TextBox 129">
+            <a:extLst>
+              <a:ext uri="{FF2B5EF4-FFF2-40B4-BE49-F238E27FC236}">
+                <a16:creationId xmlns:a16="http://schemas.microsoft.com/office/drawing/2014/main" id="{DF20A006-4A1F-4BFB-857E-2C123CD94796}"/>
+              </a:ext>
+            </a:extLst>
+          </p:cNvPr>
+          <p:cNvSpPr txBox="1"/>
+          <p:nvPr/>
+        </p:nvSpPr>
+        <p:spPr>
+          <a:xfrm>
+            <a:off x="7384958" y="2683011"/>
+            <a:ext cx="622286" cy="369332"/>
+          </a:xfrm>
+          <a:prstGeom prst="rect">
+            <a:avLst/>
+          </a:prstGeom>
+          <a:noFill/>
+        </p:spPr>
+        <p:txBody>
+          <a:bodyPr wrap="none" rtlCol="0">
+            <a:spAutoFit/>
+          </a:bodyPr>
+          <a:lstStyle/>
+          <a:p>
+            <a:pPr algn="ctr"/>
+            <a:r>
+              <a:rPr lang="en-US" dirty="0"/>
+              <a:t>GND</a:t>
+            </a:r>
+          </a:p>
+        </p:txBody>
+      </p:sp>
+      <p:cxnSp>
+        <p:nvCxnSpPr>
+          <p:cNvPr id="104" name="Straight Arrow Connector 103">
+            <a:extLst>
+              <a:ext uri="{FF2B5EF4-FFF2-40B4-BE49-F238E27FC236}">
+                <a16:creationId xmlns:a16="http://schemas.microsoft.com/office/drawing/2014/main" id="{51B1463B-A454-40BE-9E90-8BA480755196}"/>
+              </a:ext>
+            </a:extLst>
+          </p:cNvPr>
+          <p:cNvCxnSpPr>
+            <a:cxnSpLocks/>
+          </p:cNvCxnSpPr>
+          <p:nvPr/>
+        </p:nvCxnSpPr>
+        <p:spPr>
+          <a:xfrm flipH="1">
+            <a:off x="5667236" y="2378494"/>
+            <a:ext cx="2728652" cy="18116"/>
+          </a:xfrm>
+          <a:prstGeom prst="straightConnector1">
+            <a:avLst/>
+          </a:prstGeom>
+          <a:ln w="38100">
+            <a:solidFill>
+              <a:schemeClr val="tx1"/>
+            </a:solidFill>
+            <a:tailEnd type="triangle"/>
+          </a:ln>
+        </p:spPr>
+        <p:style>
+          <a:lnRef idx="1">
+            <a:schemeClr val="accent1"/>
+          </a:lnRef>
+          <a:fillRef idx="0">
+            <a:schemeClr val="accent1"/>
+          </a:fillRef>
+          <a:effectRef idx="0">
+            <a:schemeClr val="accent1"/>
+          </a:effectRef>
+          <a:fontRef idx="minor">
+            <a:schemeClr val="tx1"/>
+          </a:fontRef>
+        </p:style>
+      </p:cxnSp>
+      <p:cxnSp>
+        <p:nvCxnSpPr>
+          <p:cNvPr id="106" name="Straight Arrow Connector 105">
+            <a:extLst>
+              <a:ext uri="{FF2B5EF4-FFF2-40B4-BE49-F238E27FC236}">
+                <a16:creationId xmlns:a16="http://schemas.microsoft.com/office/drawing/2014/main" id="{7D148EED-5E92-4E8F-B270-9032114BE336}"/>
+              </a:ext>
+            </a:extLst>
+          </p:cNvPr>
+          <p:cNvCxnSpPr>
+            <a:cxnSpLocks/>
+          </p:cNvCxnSpPr>
+          <p:nvPr/>
+        </p:nvCxnSpPr>
+        <p:spPr>
+          <a:xfrm flipH="1">
+            <a:off x="5656622" y="2142737"/>
+            <a:ext cx="2728652" cy="18116"/>
+          </a:xfrm>
+          <a:prstGeom prst="straightConnector1">
+            <a:avLst/>
+          </a:prstGeom>
+          <a:ln w="38100">
+            <a:solidFill>
+              <a:schemeClr val="tx1"/>
+            </a:solidFill>
+            <a:tailEnd type="triangle"/>
+          </a:ln>
+        </p:spPr>
+        <p:style>
+          <a:lnRef idx="1">
+            <a:schemeClr val="accent1"/>
+          </a:lnRef>
+          <a:fillRef idx="0">
+            <a:schemeClr val="accent1"/>
+          </a:fillRef>
+          <a:effectRef idx="0">
+            <a:schemeClr val="accent1"/>
+          </a:effectRef>
+          <a:fontRef idx="minor">
+            <a:schemeClr val="tx1"/>
+          </a:fontRef>
+        </p:style>
+      </p:cxnSp>
+      <p:sp>
+        <p:nvSpPr>
+          <p:cNvPr id="107" name="TextBox 106">
+            <a:extLst>
+              <a:ext uri="{FF2B5EF4-FFF2-40B4-BE49-F238E27FC236}">
+                <a16:creationId xmlns:a16="http://schemas.microsoft.com/office/drawing/2014/main" id="{658C4B58-AF91-4DBB-B975-BB8F7503E7CB}"/>
+              </a:ext>
+            </a:extLst>
+          </p:cNvPr>
+          <p:cNvSpPr txBox="1"/>
+          <p:nvPr/>
+        </p:nvSpPr>
+        <p:spPr>
+          <a:xfrm>
+            <a:off x="8376245" y="2454922"/>
+            <a:ext cx="447558" cy="338554"/>
+          </a:xfrm>
+          <a:prstGeom prst="rect">
+            <a:avLst/>
+          </a:prstGeom>
+          <a:noFill/>
+        </p:spPr>
+        <p:txBody>
+          <a:bodyPr wrap="none" rtlCol="0">
+            <a:spAutoFit/>
+          </a:bodyPr>
+          <a:lstStyle/>
+          <a:p>
+            <a:r>
+              <a:rPr lang="en-US" sz="1600" dirty="0"/>
+              <a:t>DO</a:t>
+            </a:r>
+            <a:endParaRPr lang="en-SG" sz="1600" dirty="0"/>
+          </a:p>
+        </p:txBody>
+      </p:sp>
+      <p:sp>
+        <p:nvSpPr>
+          <p:cNvPr id="108" name="TextBox 107">
+            <a:extLst>
+              <a:ext uri="{FF2B5EF4-FFF2-40B4-BE49-F238E27FC236}">
+                <a16:creationId xmlns:a16="http://schemas.microsoft.com/office/drawing/2014/main" id="{1C2EAB91-F874-4CEA-B8F0-862BBEFCF6A0}"/>
+              </a:ext>
+            </a:extLst>
+          </p:cNvPr>
+          <p:cNvSpPr txBox="1"/>
+          <p:nvPr/>
+        </p:nvSpPr>
+        <p:spPr>
+          <a:xfrm>
+            <a:off x="8370482" y="1988405"/>
+            <a:ext cx="362600" cy="338554"/>
+          </a:xfrm>
+          <a:prstGeom prst="rect">
+            <a:avLst/>
+          </a:prstGeom>
+          <a:noFill/>
+        </p:spPr>
+        <p:txBody>
+          <a:bodyPr wrap="none" rtlCol="0">
+            <a:spAutoFit/>
+          </a:bodyPr>
+          <a:lstStyle/>
+          <a:p>
+            <a:r>
+              <a:rPr lang="en-US" sz="1600" dirty="0"/>
+              <a:t>DI</a:t>
+            </a:r>
+            <a:endParaRPr lang="en-SG" sz="1600" dirty="0"/>
+          </a:p>
+        </p:txBody>
+      </p:sp>
+      <p:sp>
+        <p:nvSpPr>
+          <p:cNvPr id="111" name="TextBox 110">
+            <a:extLst>
+              <a:ext uri="{FF2B5EF4-FFF2-40B4-BE49-F238E27FC236}">
+                <a16:creationId xmlns:a16="http://schemas.microsoft.com/office/drawing/2014/main" id="{FED7A168-45ED-48E4-B7BF-C6C720FCF81F}"/>
+              </a:ext>
+            </a:extLst>
+          </p:cNvPr>
+          <p:cNvSpPr txBox="1"/>
+          <p:nvPr/>
+        </p:nvSpPr>
+        <p:spPr>
+          <a:xfrm>
+            <a:off x="5234802" y="1686564"/>
+            <a:ext cx="393056" cy="338554"/>
+          </a:xfrm>
+          <a:prstGeom prst="rect">
+            <a:avLst/>
+          </a:prstGeom>
+          <a:noFill/>
+        </p:spPr>
+        <p:txBody>
+          <a:bodyPr wrap="none" rtlCol="0">
+            <a:spAutoFit/>
+          </a:bodyPr>
+          <a:lstStyle/>
+          <a:p>
+            <a:r>
+              <a:rPr lang="en-SG" sz="1600" dirty="0"/>
+              <a:t>12</a:t>
+            </a:r>
+          </a:p>
+        </p:txBody>
+      </p:sp>
+      <p:cxnSp>
+        <p:nvCxnSpPr>
+          <p:cNvPr id="112" name="Straight Arrow Connector 111">
+            <a:extLst>
+              <a:ext uri="{FF2B5EF4-FFF2-40B4-BE49-F238E27FC236}">
+                <a16:creationId xmlns:a16="http://schemas.microsoft.com/office/drawing/2014/main" id="{05498ED9-B8DC-4DF0-AE72-54FA4059BCBD}"/>
+              </a:ext>
+            </a:extLst>
+          </p:cNvPr>
+          <p:cNvCxnSpPr>
+            <a:cxnSpLocks/>
+          </p:cNvCxnSpPr>
+          <p:nvPr/>
+        </p:nvCxnSpPr>
+        <p:spPr>
+          <a:xfrm flipH="1">
+            <a:off x="5656622" y="1886705"/>
+            <a:ext cx="2728652" cy="18116"/>
+          </a:xfrm>
+          <a:prstGeom prst="straightConnector1">
+            <a:avLst/>
+          </a:prstGeom>
+          <a:ln w="38100">
+            <a:solidFill>
+              <a:schemeClr val="tx1"/>
+            </a:solidFill>
+            <a:tailEnd type="triangle"/>
+          </a:ln>
+        </p:spPr>
+        <p:style>
+          <a:lnRef idx="1">
+            <a:schemeClr val="accent1"/>
+          </a:lnRef>
+          <a:fillRef idx="0">
+            <a:schemeClr val="accent1"/>
+          </a:fillRef>
+          <a:effectRef idx="0">
+            <a:schemeClr val="accent1"/>
+          </a:effectRef>
+          <a:fontRef idx="minor">
+            <a:schemeClr val="tx1"/>
+          </a:fontRef>
+        </p:style>
+      </p:cxnSp>
+      <p:sp>
+        <p:nvSpPr>
+          <p:cNvPr id="120" name="TextBox 119">
+            <a:extLst>
+              <a:ext uri="{FF2B5EF4-FFF2-40B4-BE49-F238E27FC236}">
+                <a16:creationId xmlns:a16="http://schemas.microsoft.com/office/drawing/2014/main" id="{ECA929CC-8A1F-4779-B505-809456E2F6EA}"/>
+              </a:ext>
+            </a:extLst>
+          </p:cNvPr>
+          <p:cNvSpPr txBox="1"/>
+          <p:nvPr/>
+        </p:nvSpPr>
+        <p:spPr>
+          <a:xfrm>
+            <a:off x="8370482" y="1732373"/>
+            <a:ext cx="487634" cy="338554"/>
+          </a:xfrm>
+          <a:prstGeom prst="rect">
+            <a:avLst/>
+          </a:prstGeom>
+          <a:noFill/>
+        </p:spPr>
+        <p:txBody>
+          <a:bodyPr wrap="none" rtlCol="0">
+            <a:spAutoFit/>
+          </a:bodyPr>
+          <a:lstStyle/>
+          <a:p>
+            <a:r>
+              <a:rPr lang="en-US" sz="1600" dirty="0"/>
+              <a:t>CLK</a:t>
+            </a:r>
+            <a:endParaRPr lang="en-SG" sz="1600" dirty="0"/>
+          </a:p>
+        </p:txBody>
+      </p:sp>
+      <p:sp>
+        <p:nvSpPr>
+          <p:cNvPr id="121" name="Rectangle 120">
+            <a:extLst>
+              <a:ext uri="{FF2B5EF4-FFF2-40B4-BE49-F238E27FC236}">
+                <a16:creationId xmlns:a16="http://schemas.microsoft.com/office/drawing/2014/main" id="{63A2772D-C19D-4980-A043-E918E38A0F37}"/>
               </a:ext>
             </a:extLst>
           </p:cNvPr>
@@ -29291,14 +32025,19 @@
         </p:nvSpPr>
         <p:spPr>
           <a:xfrm>
-            <a:off x="2711437" y="2104357"/>
-            <a:ext cx="2701672" cy="924911"/>
-          </a:xfrm>
-          <a:prstGeom prst="flowChartAlternateProcess">
-            <a:avLst/>
-          </a:prstGeom>
-          <a:noFill/>
-          <a:ln w="19050"/>
+            <a:off x="11001529" y="1950081"/>
+            <a:ext cx="787151" cy="603292"/>
+          </a:xfrm>
+          <a:prstGeom prst="rect">
+            <a:avLst/>
+          </a:prstGeom>
+          <a:noFill/>
+          <a:ln w="38100">
+            <a:solidFill>
+              <a:schemeClr val="tx1"/>
+            </a:solidFill>
+            <a:prstDash val="solid"/>
+          </a:ln>
         </p:spPr>
         <p:style>
           <a:lnRef idx="2">
@@ -29322,14 +32061,126 @@
           <a:p>
             <a:pPr algn="ctr"/>
             <a:r>
-              <a:rPr lang="en-US" dirty="0">
+              <a:rPr lang="en-US" b="1" dirty="0">
                 <a:solidFill>
                   <a:schemeClr val="tx1"/>
                 </a:solidFill>
               </a:rPr>
-              <a:t>Turn on Relay and corresponding LED</a:t>
-            </a:r>
-            <a:endParaRPr lang="en-SG" dirty="0">
+              <a:t>PT100</a:t>
+            </a:r>
+          </a:p>
+        </p:txBody>
+      </p:sp>
+      <p:sp>
+        <p:nvSpPr>
+          <p:cNvPr id="2" name="TextBox 1">
+            <a:extLst>
+              <a:ext uri="{FF2B5EF4-FFF2-40B4-BE49-F238E27FC236}">
+                <a16:creationId xmlns:a16="http://schemas.microsoft.com/office/drawing/2014/main" id="{DA749E1B-95AB-47BE-8E4B-E0EF25147A1B}"/>
+              </a:ext>
+            </a:extLst>
+          </p:cNvPr>
+          <p:cNvSpPr txBox="1"/>
+          <p:nvPr/>
+        </p:nvSpPr>
+        <p:spPr>
+          <a:xfrm>
+            <a:off x="0" y="71433"/>
+            <a:ext cx="2049535" cy="1077218"/>
+          </a:xfrm>
+          <a:prstGeom prst="rect">
+            <a:avLst/>
+          </a:prstGeom>
+          <a:noFill/>
+        </p:spPr>
+        <p:txBody>
+          <a:bodyPr wrap="none" rtlCol="0">
+            <a:spAutoFit/>
+          </a:bodyPr>
+          <a:lstStyle/>
+          <a:p>
+            <a:r>
+              <a:rPr lang="en-US" sz="3200" dirty="0"/>
+              <a:t>Distributed</a:t>
+            </a:r>
+          </a:p>
+          <a:p>
+            <a:r>
+              <a:rPr lang="en-US" sz="3200" dirty="0"/>
+              <a:t>Controller</a:t>
+            </a:r>
+            <a:endParaRPr lang="en-SG" sz="3200" dirty="0"/>
+          </a:p>
+        </p:txBody>
+      </p:sp>
+      <p:sp>
+        <p:nvSpPr>
+          <p:cNvPr id="131" name="Rectangle 130">
+            <a:extLst>
+              <a:ext uri="{FF2B5EF4-FFF2-40B4-BE49-F238E27FC236}">
+                <a16:creationId xmlns:a16="http://schemas.microsoft.com/office/drawing/2014/main" id="{8FB5DFC7-4E28-4DBE-A60D-867EE1C29BAA}"/>
+              </a:ext>
+            </a:extLst>
+          </p:cNvPr>
+          <p:cNvSpPr/>
+          <p:nvPr/>
+        </p:nvSpPr>
+        <p:spPr>
+          <a:xfrm>
+            <a:off x="6440578" y="3382509"/>
+            <a:ext cx="1817552" cy="1163373"/>
+          </a:xfrm>
+          <a:prstGeom prst="rect">
+            <a:avLst/>
+          </a:prstGeom>
+          <a:noFill/>
+          <a:ln w="38100">
+            <a:solidFill>
+              <a:schemeClr val="tx1"/>
+            </a:solidFill>
+          </a:ln>
+        </p:spPr>
+        <p:style>
+          <a:lnRef idx="2">
+            <a:schemeClr val="accent1">
+              <a:shade val="50000"/>
+            </a:schemeClr>
+          </a:lnRef>
+          <a:fillRef idx="1">
+            <a:schemeClr val="accent1"/>
+          </a:fillRef>
+          <a:effectRef idx="0">
+            <a:schemeClr val="accent1"/>
+          </a:effectRef>
+          <a:fontRef idx="minor">
+            <a:schemeClr val="lt1"/>
+          </a:fontRef>
+        </p:style>
+        <p:txBody>
+          <a:bodyPr rtlCol="0" anchor="ctr"/>
+          <a:lstStyle/>
+          <a:p>
+            <a:pPr algn="ctr"/>
+            <a:r>
+              <a:rPr lang="en-US" b="1" dirty="0">
+                <a:solidFill>
+                  <a:schemeClr val="tx1"/>
+                </a:solidFill>
+              </a:rPr>
+              <a:t>Max485</a:t>
+            </a:r>
+          </a:p>
+          <a:p>
+            <a:pPr algn="ctr"/>
+            <a:r>
+              <a:rPr lang="en-US" b="1" dirty="0">
+                <a:solidFill>
+                  <a:schemeClr val="tx1"/>
+                </a:solidFill>
+              </a:rPr>
+              <a:t>Module</a:t>
+            </a:r>
+            <a:endParaRPr lang="en-SG" b="1" dirty="0">
               <a:solidFill>
                 <a:schemeClr val="tx1"/>
               </a:solidFill>
@@ -29337,12 +32188,868 @@
           </a:p>
         </p:txBody>
       </p:sp>
-      <p:sp>
-        <p:nvSpPr>
-          <p:cNvPr id="11" name="Flowchart: Decision 10">
-            <a:extLst>
-              <a:ext uri="{FF2B5EF4-FFF2-40B4-BE49-F238E27FC236}">
-                <a16:creationId xmlns:a16="http://schemas.microsoft.com/office/drawing/2014/main" id="{BA82065C-DE15-4011-B52B-C47236410889}"/>
+      <p:cxnSp>
+        <p:nvCxnSpPr>
+          <p:cNvPr id="132" name="Straight Arrow Connector 131">
+            <a:extLst>
+              <a:ext uri="{FF2B5EF4-FFF2-40B4-BE49-F238E27FC236}">
+                <a16:creationId xmlns:a16="http://schemas.microsoft.com/office/drawing/2014/main" id="{5549A641-C445-452F-B4CB-338DD0A0E991}"/>
+              </a:ext>
+            </a:extLst>
+          </p:cNvPr>
+          <p:cNvCxnSpPr>
+            <a:cxnSpLocks/>
+          </p:cNvCxnSpPr>
+          <p:nvPr/>
+        </p:nvCxnSpPr>
+        <p:spPr>
+          <a:xfrm>
+            <a:off x="5667216" y="3548353"/>
+            <a:ext cx="773362" cy="0"/>
+          </a:xfrm>
+          <a:prstGeom prst="straightConnector1">
+            <a:avLst/>
+          </a:prstGeom>
+          <a:ln w="38100">
+            <a:solidFill>
+              <a:schemeClr val="tx1"/>
+            </a:solidFill>
+            <a:tailEnd type="triangle"/>
+          </a:ln>
+        </p:spPr>
+        <p:style>
+          <a:lnRef idx="1">
+            <a:schemeClr val="accent1"/>
+          </a:lnRef>
+          <a:fillRef idx="0">
+            <a:schemeClr val="accent1"/>
+          </a:fillRef>
+          <a:effectRef idx="0">
+            <a:schemeClr val="accent1"/>
+          </a:effectRef>
+          <a:fontRef idx="minor">
+            <a:schemeClr val="tx1"/>
+          </a:fontRef>
+        </p:style>
+      </p:cxnSp>
+      <p:cxnSp>
+        <p:nvCxnSpPr>
+          <p:cNvPr id="133" name="Straight Arrow Connector 132">
+            <a:extLst>
+              <a:ext uri="{FF2B5EF4-FFF2-40B4-BE49-F238E27FC236}">
+                <a16:creationId xmlns:a16="http://schemas.microsoft.com/office/drawing/2014/main" id="{E38DC774-9E2B-4C2A-9DDC-7E9335B3B658}"/>
+              </a:ext>
+            </a:extLst>
+          </p:cNvPr>
+          <p:cNvCxnSpPr>
+            <a:cxnSpLocks/>
+          </p:cNvCxnSpPr>
+          <p:nvPr/>
+        </p:nvCxnSpPr>
+        <p:spPr>
+          <a:xfrm flipH="1">
+            <a:off x="5667216" y="4368088"/>
+            <a:ext cx="773362" cy="0"/>
+          </a:xfrm>
+          <a:prstGeom prst="straightConnector1">
+            <a:avLst/>
+          </a:prstGeom>
+          <a:ln w="38100">
+            <a:solidFill>
+              <a:schemeClr val="tx1"/>
+            </a:solidFill>
+            <a:tailEnd type="triangle"/>
+          </a:ln>
+        </p:spPr>
+        <p:style>
+          <a:lnRef idx="1">
+            <a:schemeClr val="accent1"/>
+          </a:lnRef>
+          <a:fillRef idx="0">
+            <a:schemeClr val="accent1"/>
+          </a:fillRef>
+          <a:effectRef idx="0">
+            <a:schemeClr val="accent1"/>
+          </a:effectRef>
+          <a:fontRef idx="minor">
+            <a:schemeClr val="tx1"/>
+          </a:fontRef>
+        </p:style>
+      </p:cxnSp>
+      <p:cxnSp>
+        <p:nvCxnSpPr>
+          <p:cNvPr id="136" name="Straight Arrow Connector 135">
+            <a:extLst>
+              <a:ext uri="{FF2B5EF4-FFF2-40B4-BE49-F238E27FC236}">
+                <a16:creationId xmlns:a16="http://schemas.microsoft.com/office/drawing/2014/main" id="{517F8E7E-84FA-4968-B79B-EBA73975564B}"/>
+              </a:ext>
+            </a:extLst>
+          </p:cNvPr>
+          <p:cNvCxnSpPr>
+            <a:cxnSpLocks/>
+          </p:cNvCxnSpPr>
+          <p:nvPr/>
+        </p:nvCxnSpPr>
+        <p:spPr>
+          <a:xfrm flipH="1">
+            <a:off x="5667216" y="3821598"/>
+            <a:ext cx="773362" cy="0"/>
+          </a:xfrm>
+          <a:prstGeom prst="straightConnector1">
+            <a:avLst/>
+          </a:prstGeom>
+          <a:ln w="38100">
+            <a:solidFill>
+              <a:schemeClr val="tx1"/>
+            </a:solidFill>
+            <a:tailEnd type="triangle"/>
+          </a:ln>
+        </p:spPr>
+        <p:style>
+          <a:lnRef idx="1">
+            <a:schemeClr val="accent1"/>
+          </a:lnRef>
+          <a:fillRef idx="0">
+            <a:schemeClr val="accent1"/>
+          </a:fillRef>
+          <a:effectRef idx="0">
+            <a:schemeClr val="accent1"/>
+          </a:effectRef>
+          <a:fontRef idx="minor">
+            <a:schemeClr val="tx1"/>
+          </a:fontRef>
+        </p:style>
+      </p:cxnSp>
+      <p:cxnSp>
+        <p:nvCxnSpPr>
+          <p:cNvPr id="137" name="Straight Arrow Connector 136">
+            <a:extLst>
+              <a:ext uri="{FF2B5EF4-FFF2-40B4-BE49-F238E27FC236}">
+                <a16:creationId xmlns:a16="http://schemas.microsoft.com/office/drawing/2014/main" id="{F77F2E54-3360-4417-8DD3-3AADB16C6EA2}"/>
+              </a:ext>
+            </a:extLst>
+          </p:cNvPr>
+          <p:cNvCxnSpPr>
+            <a:cxnSpLocks/>
+          </p:cNvCxnSpPr>
+          <p:nvPr/>
+        </p:nvCxnSpPr>
+        <p:spPr>
+          <a:xfrm flipH="1">
+            <a:off x="5667216" y="4094843"/>
+            <a:ext cx="773362" cy="0"/>
+          </a:xfrm>
+          <a:prstGeom prst="straightConnector1">
+            <a:avLst/>
+          </a:prstGeom>
+          <a:ln w="38100">
+            <a:solidFill>
+              <a:schemeClr val="tx1"/>
+            </a:solidFill>
+            <a:tailEnd type="triangle"/>
+          </a:ln>
+        </p:spPr>
+        <p:style>
+          <a:lnRef idx="1">
+            <a:schemeClr val="accent1"/>
+          </a:lnRef>
+          <a:fillRef idx="0">
+            <a:schemeClr val="accent1"/>
+          </a:fillRef>
+          <a:effectRef idx="0">
+            <a:schemeClr val="accent1"/>
+          </a:effectRef>
+          <a:fontRef idx="minor">
+            <a:schemeClr val="tx1"/>
+          </a:fontRef>
+        </p:style>
+      </p:cxnSp>
+      <p:sp>
+        <p:nvSpPr>
+          <p:cNvPr id="138" name="TextBox 137">
+            <a:extLst>
+              <a:ext uri="{FF2B5EF4-FFF2-40B4-BE49-F238E27FC236}">
+                <a16:creationId xmlns:a16="http://schemas.microsoft.com/office/drawing/2014/main" id="{BE6AE4EE-A83C-4441-A972-6CA884A4A066}"/>
+              </a:ext>
+            </a:extLst>
+          </p:cNvPr>
+          <p:cNvSpPr txBox="1"/>
+          <p:nvPr/>
+        </p:nvSpPr>
+        <p:spPr>
+          <a:xfrm>
+            <a:off x="6426086" y="3646047"/>
+            <a:ext cx="412292" cy="338554"/>
+          </a:xfrm>
+          <a:prstGeom prst="rect">
+            <a:avLst/>
+          </a:prstGeom>
+          <a:noFill/>
+        </p:spPr>
+        <p:txBody>
+          <a:bodyPr wrap="none" rtlCol="0">
+            <a:spAutoFit/>
+          </a:bodyPr>
+          <a:lstStyle/>
+          <a:p>
+            <a:r>
+              <a:rPr lang="en-SG" sz="1600" dirty="0"/>
+              <a:t>DE</a:t>
+            </a:r>
+          </a:p>
+        </p:txBody>
+      </p:sp>
+      <p:sp>
+        <p:nvSpPr>
+          <p:cNvPr id="139" name="TextBox 138">
+            <a:extLst>
+              <a:ext uri="{FF2B5EF4-FFF2-40B4-BE49-F238E27FC236}">
+                <a16:creationId xmlns:a16="http://schemas.microsoft.com/office/drawing/2014/main" id="{261DFEB0-88E7-4976-9C1A-C832B9F5C2DD}"/>
+              </a:ext>
+            </a:extLst>
+          </p:cNvPr>
+          <p:cNvSpPr txBox="1"/>
+          <p:nvPr/>
+        </p:nvSpPr>
+        <p:spPr>
+          <a:xfrm>
+            <a:off x="6426086" y="3913018"/>
+            <a:ext cx="397866" cy="338554"/>
+          </a:xfrm>
+          <a:prstGeom prst="rect">
+            <a:avLst/>
+          </a:prstGeom>
+          <a:noFill/>
+        </p:spPr>
+        <p:txBody>
+          <a:bodyPr wrap="none" rtlCol="0">
+            <a:spAutoFit/>
+          </a:bodyPr>
+          <a:lstStyle/>
+          <a:p>
+            <a:r>
+              <a:rPr lang="en-SG" sz="1600" dirty="0"/>
+              <a:t>RE</a:t>
+            </a:r>
+          </a:p>
+        </p:txBody>
+      </p:sp>
+      <p:sp>
+        <p:nvSpPr>
+          <p:cNvPr id="140" name="TextBox 139">
+            <a:extLst>
+              <a:ext uri="{FF2B5EF4-FFF2-40B4-BE49-F238E27FC236}">
+                <a16:creationId xmlns:a16="http://schemas.microsoft.com/office/drawing/2014/main" id="{54C16374-CB87-430C-9D49-35D203686392}"/>
+              </a:ext>
+            </a:extLst>
+          </p:cNvPr>
+          <p:cNvSpPr txBox="1"/>
+          <p:nvPr/>
+        </p:nvSpPr>
+        <p:spPr>
+          <a:xfrm>
+            <a:off x="6426086" y="4179990"/>
+            <a:ext cx="431144" cy="338554"/>
+          </a:xfrm>
+          <a:prstGeom prst="rect">
+            <a:avLst/>
+          </a:prstGeom>
+          <a:noFill/>
+        </p:spPr>
+        <p:txBody>
+          <a:bodyPr wrap="none" rtlCol="0">
+            <a:spAutoFit/>
+          </a:bodyPr>
+          <a:lstStyle/>
+          <a:p>
+            <a:r>
+              <a:rPr lang="en-SG" sz="1600" dirty="0"/>
+              <a:t>RO</a:t>
+            </a:r>
+          </a:p>
+        </p:txBody>
+      </p:sp>
+      <p:sp>
+        <p:nvSpPr>
+          <p:cNvPr id="141" name="TextBox 140">
+            <a:extLst>
+              <a:ext uri="{FF2B5EF4-FFF2-40B4-BE49-F238E27FC236}">
+                <a16:creationId xmlns:a16="http://schemas.microsoft.com/office/drawing/2014/main" id="{0EF3ACBB-E814-4CEA-9AFC-F51FB6D50BB2}"/>
+              </a:ext>
+            </a:extLst>
+          </p:cNvPr>
+          <p:cNvSpPr txBox="1"/>
+          <p:nvPr/>
+        </p:nvSpPr>
+        <p:spPr>
+          <a:xfrm>
+            <a:off x="6426086" y="3379076"/>
+            <a:ext cx="362600" cy="338554"/>
+          </a:xfrm>
+          <a:prstGeom prst="rect">
+            <a:avLst/>
+          </a:prstGeom>
+          <a:noFill/>
+        </p:spPr>
+        <p:txBody>
+          <a:bodyPr wrap="none" rtlCol="0">
+            <a:spAutoFit/>
+          </a:bodyPr>
+          <a:lstStyle/>
+          <a:p>
+            <a:r>
+              <a:rPr lang="en-SG" sz="1600" dirty="0"/>
+              <a:t>DI</a:t>
+            </a:r>
+          </a:p>
+        </p:txBody>
+      </p:sp>
+      <p:sp>
+        <p:nvSpPr>
+          <p:cNvPr id="142" name="TextBox 141">
+            <a:extLst>
+              <a:ext uri="{FF2B5EF4-FFF2-40B4-BE49-F238E27FC236}">
+                <a16:creationId xmlns:a16="http://schemas.microsoft.com/office/drawing/2014/main" id="{D1EBF455-D72F-4139-924A-0D9E20CD7F85}"/>
+              </a:ext>
+            </a:extLst>
+          </p:cNvPr>
+          <p:cNvSpPr txBox="1"/>
+          <p:nvPr/>
+        </p:nvSpPr>
+        <p:spPr>
+          <a:xfrm>
+            <a:off x="5254425" y="3646047"/>
+            <a:ext cx="288862" cy="338554"/>
+          </a:xfrm>
+          <a:prstGeom prst="rect">
+            <a:avLst/>
+          </a:prstGeom>
+          <a:noFill/>
+        </p:spPr>
+        <p:txBody>
+          <a:bodyPr wrap="none" rtlCol="0">
+            <a:spAutoFit/>
+          </a:bodyPr>
+          <a:lstStyle/>
+          <a:p>
+            <a:r>
+              <a:rPr lang="en-SG" sz="1600" dirty="0"/>
+              <a:t>8</a:t>
+            </a:r>
+          </a:p>
+        </p:txBody>
+      </p:sp>
+      <p:sp>
+        <p:nvSpPr>
+          <p:cNvPr id="146" name="TextBox 145">
+            <a:extLst>
+              <a:ext uri="{FF2B5EF4-FFF2-40B4-BE49-F238E27FC236}">
+                <a16:creationId xmlns:a16="http://schemas.microsoft.com/office/drawing/2014/main" id="{FEBCC0BA-AC6B-43A3-B78E-E6C1A8BC96E2}"/>
+              </a:ext>
+            </a:extLst>
+          </p:cNvPr>
+          <p:cNvSpPr txBox="1"/>
+          <p:nvPr/>
+        </p:nvSpPr>
+        <p:spPr>
+          <a:xfrm>
+            <a:off x="5254425" y="3913018"/>
+            <a:ext cx="288862" cy="338554"/>
+          </a:xfrm>
+          <a:prstGeom prst="rect">
+            <a:avLst/>
+          </a:prstGeom>
+          <a:noFill/>
+        </p:spPr>
+        <p:txBody>
+          <a:bodyPr wrap="none" rtlCol="0">
+            <a:spAutoFit/>
+          </a:bodyPr>
+          <a:lstStyle/>
+          <a:p>
+            <a:r>
+              <a:rPr lang="en-SG" sz="1600" dirty="0"/>
+              <a:t>8</a:t>
+            </a:r>
+          </a:p>
+        </p:txBody>
+      </p:sp>
+      <p:sp>
+        <p:nvSpPr>
+          <p:cNvPr id="152" name="TextBox 151">
+            <a:extLst>
+              <a:ext uri="{FF2B5EF4-FFF2-40B4-BE49-F238E27FC236}">
+                <a16:creationId xmlns:a16="http://schemas.microsoft.com/office/drawing/2014/main" id="{42131031-E4E6-4143-8D7E-B5B2940DEF13}"/>
+              </a:ext>
+            </a:extLst>
+          </p:cNvPr>
+          <p:cNvSpPr txBox="1"/>
+          <p:nvPr/>
+        </p:nvSpPr>
+        <p:spPr>
+          <a:xfrm>
+            <a:off x="5254425" y="4179990"/>
+            <a:ext cx="288862" cy="338554"/>
+          </a:xfrm>
+          <a:prstGeom prst="rect">
+            <a:avLst/>
+          </a:prstGeom>
+          <a:noFill/>
+        </p:spPr>
+        <p:txBody>
+          <a:bodyPr wrap="none" rtlCol="0">
+            <a:spAutoFit/>
+          </a:bodyPr>
+          <a:lstStyle/>
+          <a:p>
+            <a:r>
+              <a:rPr lang="en-SG" sz="1600" dirty="0"/>
+              <a:t>9</a:t>
+            </a:r>
+          </a:p>
+        </p:txBody>
+      </p:sp>
+      <p:sp>
+        <p:nvSpPr>
+          <p:cNvPr id="153" name="TextBox 152">
+            <a:extLst>
+              <a:ext uri="{FF2B5EF4-FFF2-40B4-BE49-F238E27FC236}">
+                <a16:creationId xmlns:a16="http://schemas.microsoft.com/office/drawing/2014/main" id="{4B1087C3-C1A2-43FC-834C-B767800CA0AE}"/>
+              </a:ext>
+            </a:extLst>
+          </p:cNvPr>
+          <p:cNvSpPr txBox="1"/>
+          <p:nvPr/>
+        </p:nvSpPr>
+        <p:spPr>
+          <a:xfrm>
+            <a:off x="5254425" y="3379076"/>
+            <a:ext cx="393056" cy="338554"/>
+          </a:xfrm>
+          <a:prstGeom prst="rect">
+            <a:avLst/>
+          </a:prstGeom>
+          <a:noFill/>
+        </p:spPr>
+        <p:txBody>
+          <a:bodyPr wrap="none" rtlCol="0">
+            <a:spAutoFit/>
+          </a:bodyPr>
+          <a:lstStyle/>
+          <a:p>
+            <a:r>
+              <a:rPr lang="en-SG" sz="1600" dirty="0"/>
+              <a:t>10</a:t>
+            </a:r>
+          </a:p>
+        </p:txBody>
+      </p:sp>
+      <p:cxnSp>
+        <p:nvCxnSpPr>
+          <p:cNvPr id="154" name="Straight Arrow Connector 153">
+            <a:extLst>
+              <a:ext uri="{FF2B5EF4-FFF2-40B4-BE49-F238E27FC236}">
+                <a16:creationId xmlns:a16="http://schemas.microsoft.com/office/drawing/2014/main" id="{41A53201-1237-4E7A-BBDD-13E0C0B586BE}"/>
+              </a:ext>
+            </a:extLst>
+          </p:cNvPr>
+          <p:cNvCxnSpPr>
+            <a:cxnSpLocks/>
+          </p:cNvCxnSpPr>
+          <p:nvPr/>
+        </p:nvCxnSpPr>
+        <p:spPr>
+          <a:xfrm flipH="1">
+            <a:off x="8272417" y="3548353"/>
+            <a:ext cx="314936" cy="0"/>
+          </a:xfrm>
+          <a:prstGeom prst="straightConnector1">
+            <a:avLst/>
+          </a:prstGeom>
+          <a:ln w="38100">
+            <a:solidFill>
+              <a:schemeClr val="tx1"/>
+            </a:solidFill>
+            <a:tailEnd type="triangle"/>
+          </a:ln>
+        </p:spPr>
+        <p:style>
+          <a:lnRef idx="1">
+            <a:schemeClr val="accent1"/>
+          </a:lnRef>
+          <a:fillRef idx="0">
+            <a:schemeClr val="accent1"/>
+          </a:fillRef>
+          <a:effectRef idx="0">
+            <a:schemeClr val="accent1"/>
+          </a:effectRef>
+          <a:fontRef idx="minor">
+            <a:schemeClr val="tx1"/>
+          </a:fontRef>
+        </p:style>
+      </p:cxnSp>
+      <p:sp>
+        <p:nvSpPr>
+          <p:cNvPr id="155" name="TextBox 154">
+            <a:extLst>
+              <a:ext uri="{FF2B5EF4-FFF2-40B4-BE49-F238E27FC236}">
+                <a16:creationId xmlns:a16="http://schemas.microsoft.com/office/drawing/2014/main" id="{D424817A-15FA-4771-9374-B2380007D92D}"/>
+              </a:ext>
+            </a:extLst>
+          </p:cNvPr>
+          <p:cNvSpPr txBox="1"/>
+          <p:nvPr/>
+        </p:nvSpPr>
+        <p:spPr>
+          <a:xfrm>
+            <a:off x="8530914" y="3348298"/>
+            <a:ext cx="548547" cy="369332"/>
+          </a:xfrm>
+          <a:prstGeom prst="rect">
+            <a:avLst/>
+          </a:prstGeom>
+          <a:noFill/>
+        </p:spPr>
+        <p:txBody>
+          <a:bodyPr wrap="none" rtlCol="0">
+            <a:spAutoFit/>
+          </a:bodyPr>
+          <a:lstStyle/>
+          <a:p>
+            <a:pPr algn="ctr"/>
+            <a:r>
+              <a:rPr lang="en-US" dirty="0"/>
+              <a:t>+5V</a:t>
+            </a:r>
+          </a:p>
+        </p:txBody>
+      </p:sp>
+      <p:cxnSp>
+        <p:nvCxnSpPr>
+          <p:cNvPr id="156" name="Straight Arrow Connector 155">
+            <a:extLst>
+              <a:ext uri="{FF2B5EF4-FFF2-40B4-BE49-F238E27FC236}">
+                <a16:creationId xmlns:a16="http://schemas.microsoft.com/office/drawing/2014/main" id="{26C87DAE-10DF-46BA-84A4-43922F166193}"/>
+              </a:ext>
+            </a:extLst>
+          </p:cNvPr>
+          <p:cNvCxnSpPr>
+            <a:cxnSpLocks/>
+          </p:cNvCxnSpPr>
+          <p:nvPr/>
+        </p:nvCxnSpPr>
+        <p:spPr>
+          <a:xfrm flipH="1">
+            <a:off x="8272417" y="4340864"/>
+            <a:ext cx="314936" cy="0"/>
+          </a:xfrm>
+          <a:prstGeom prst="straightConnector1">
+            <a:avLst/>
+          </a:prstGeom>
+          <a:ln w="38100">
+            <a:solidFill>
+              <a:schemeClr val="tx1"/>
+            </a:solidFill>
+            <a:tailEnd type="triangle"/>
+          </a:ln>
+        </p:spPr>
+        <p:style>
+          <a:lnRef idx="1">
+            <a:schemeClr val="accent1"/>
+          </a:lnRef>
+          <a:fillRef idx="0">
+            <a:schemeClr val="accent1"/>
+          </a:fillRef>
+          <a:effectRef idx="0">
+            <a:schemeClr val="accent1"/>
+          </a:effectRef>
+          <a:fontRef idx="minor">
+            <a:schemeClr val="tx1"/>
+          </a:fontRef>
+        </p:style>
+      </p:cxnSp>
+      <p:sp>
+        <p:nvSpPr>
+          <p:cNvPr id="157" name="TextBox 156">
+            <a:extLst>
+              <a:ext uri="{FF2B5EF4-FFF2-40B4-BE49-F238E27FC236}">
+                <a16:creationId xmlns:a16="http://schemas.microsoft.com/office/drawing/2014/main" id="{D509F8CE-2641-4377-A310-1B743748794D}"/>
+              </a:ext>
+            </a:extLst>
+          </p:cNvPr>
+          <p:cNvSpPr txBox="1"/>
+          <p:nvPr/>
+        </p:nvSpPr>
+        <p:spPr>
+          <a:xfrm>
+            <a:off x="8530914" y="4149121"/>
+            <a:ext cx="622286" cy="369332"/>
+          </a:xfrm>
+          <a:prstGeom prst="rect">
+            <a:avLst/>
+          </a:prstGeom>
+          <a:noFill/>
+        </p:spPr>
+        <p:txBody>
+          <a:bodyPr wrap="none" rtlCol="0">
+            <a:spAutoFit/>
+          </a:bodyPr>
+          <a:lstStyle/>
+          <a:p>
+            <a:pPr algn="ctr"/>
+            <a:r>
+              <a:rPr lang="en-US" dirty="0"/>
+              <a:t>GND</a:t>
+            </a:r>
+          </a:p>
+        </p:txBody>
+      </p:sp>
+      <p:sp>
+        <p:nvSpPr>
+          <p:cNvPr id="158" name="TextBox 157">
+            <a:extLst>
+              <a:ext uri="{FF2B5EF4-FFF2-40B4-BE49-F238E27FC236}">
+                <a16:creationId xmlns:a16="http://schemas.microsoft.com/office/drawing/2014/main" id="{990290F8-12A6-4D0F-95E0-C2BA13F5AF89}"/>
+              </a:ext>
+            </a:extLst>
+          </p:cNvPr>
+          <p:cNvSpPr txBox="1"/>
+          <p:nvPr/>
+        </p:nvSpPr>
+        <p:spPr>
+          <a:xfrm>
+            <a:off x="7946002" y="3646047"/>
+            <a:ext cx="303288" cy="338554"/>
+          </a:xfrm>
+          <a:prstGeom prst="rect">
+            <a:avLst/>
+          </a:prstGeom>
+          <a:noFill/>
+        </p:spPr>
+        <p:txBody>
+          <a:bodyPr wrap="none" rtlCol="0">
+            <a:spAutoFit/>
+          </a:bodyPr>
+          <a:lstStyle/>
+          <a:p>
+            <a:r>
+              <a:rPr lang="en-SG" sz="1600" dirty="0"/>
+              <a:t>A</a:t>
+            </a:r>
+          </a:p>
+        </p:txBody>
+      </p:sp>
+      <p:sp>
+        <p:nvSpPr>
+          <p:cNvPr id="159" name="TextBox 158">
+            <a:extLst>
+              <a:ext uri="{FF2B5EF4-FFF2-40B4-BE49-F238E27FC236}">
+                <a16:creationId xmlns:a16="http://schemas.microsoft.com/office/drawing/2014/main" id="{C2ECE688-FD22-456C-ABDE-B6BAC399F859}"/>
+              </a:ext>
+            </a:extLst>
+          </p:cNvPr>
+          <p:cNvSpPr txBox="1"/>
+          <p:nvPr/>
+        </p:nvSpPr>
+        <p:spPr>
+          <a:xfrm>
+            <a:off x="7946002" y="3913018"/>
+            <a:ext cx="296876" cy="338554"/>
+          </a:xfrm>
+          <a:prstGeom prst="rect">
+            <a:avLst/>
+          </a:prstGeom>
+          <a:noFill/>
+        </p:spPr>
+        <p:txBody>
+          <a:bodyPr wrap="none" rtlCol="0">
+            <a:spAutoFit/>
+          </a:bodyPr>
+          <a:lstStyle/>
+          <a:p>
+            <a:r>
+              <a:rPr lang="en-SG" sz="1600" dirty="0"/>
+              <a:t>B</a:t>
+            </a:r>
+          </a:p>
+        </p:txBody>
+      </p:sp>
+      <p:cxnSp>
+        <p:nvCxnSpPr>
+          <p:cNvPr id="161" name="Straight Arrow Connector 160">
+            <a:extLst>
+              <a:ext uri="{FF2B5EF4-FFF2-40B4-BE49-F238E27FC236}">
+                <a16:creationId xmlns:a16="http://schemas.microsoft.com/office/drawing/2014/main" id="{EFF63F53-D886-4718-A643-178F70E6B39E}"/>
+              </a:ext>
+            </a:extLst>
+          </p:cNvPr>
+          <p:cNvCxnSpPr>
+            <a:cxnSpLocks/>
+          </p:cNvCxnSpPr>
+          <p:nvPr/>
+        </p:nvCxnSpPr>
+        <p:spPr>
+          <a:xfrm flipH="1">
+            <a:off x="8272417" y="3812523"/>
+            <a:ext cx="2208743" cy="0"/>
+          </a:xfrm>
+          <a:prstGeom prst="straightConnector1">
+            <a:avLst/>
+          </a:prstGeom>
+          <a:ln w="38100">
+            <a:solidFill>
+              <a:schemeClr val="tx1"/>
+            </a:solidFill>
+            <a:headEnd type="triangle" w="med" len="med"/>
+            <a:tailEnd type="triangle" w="med" len="med"/>
+          </a:ln>
+        </p:spPr>
+        <p:style>
+          <a:lnRef idx="1">
+            <a:schemeClr val="accent1"/>
+          </a:lnRef>
+          <a:fillRef idx="0">
+            <a:schemeClr val="accent1"/>
+          </a:fillRef>
+          <a:effectRef idx="0">
+            <a:schemeClr val="accent1"/>
+          </a:effectRef>
+          <a:fontRef idx="minor">
+            <a:schemeClr val="tx1"/>
+          </a:fontRef>
+        </p:style>
+      </p:cxnSp>
+      <p:cxnSp>
+        <p:nvCxnSpPr>
+          <p:cNvPr id="167" name="Straight Arrow Connector 166">
+            <a:extLst>
+              <a:ext uri="{FF2B5EF4-FFF2-40B4-BE49-F238E27FC236}">
+                <a16:creationId xmlns:a16="http://schemas.microsoft.com/office/drawing/2014/main" id="{DE7B5798-3369-4B61-9668-FDA6DA94ED5B}"/>
+              </a:ext>
+            </a:extLst>
+          </p:cNvPr>
+          <p:cNvCxnSpPr>
+            <a:cxnSpLocks/>
+          </p:cNvCxnSpPr>
+          <p:nvPr/>
+        </p:nvCxnSpPr>
+        <p:spPr>
+          <a:xfrm flipH="1">
+            <a:off x="8272417" y="4076693"/>
+            <a:ext cx="2208743" cy="0"/>
+          </a:xfrm>
+          <a:prstGeom prst="straightConnector1">
+            <a:avLst/>
+          </a:prstGeom>
+          <a:ln w="38100">
+            <a:solidFill>
+              <a:schemeClr val="tx1"/>
+            </a:solidFill>
+            <a:headEnd type="triangle" w="med" len="med"/>
+            <a:tailEnd type="triangle" w="med" len="med"/>
+          </a:ln>
+        </p:spPr>
+        <p:style>
+          <a:lnRef idx="1">
+            <a:schemeClr val="accent1"/>
+          </a:lnRef>
+          <a:fillRef idx="0">
+            <a:schemeClr val="accent1"/>
+          </a:fillRef>
+          <a:effectRef idx="0">
+            <a:schemeClr val="accent1"/>
+          </a:effectRef>
+          <a:fontRef idx="minor">
+            <a:schemeClr val="tx1"/>
+          </a:fontRef>
+        </p:style>
+      </p:cxnSp>
+      <p:cxnSp>
+        <p:nvCxnSpPr>
+          <p:cNvPr id="176" name="Straight Arrow Connector 175">
+            <a:extLst>
+              <a:ext uri="{FF2B5EF4-FFF2-40B4-BE49-F238E27FC236}">
+                <a16:creationId xmlns:a16="http://schemas.microsoft.com/office/drawing/2014/main" id="{29415BFB-7F98-40C9-8155-3FFF439301F6}"/>
+              </a:ext>
+            </a:extLst>
+          </p:cNvPr>
+          <p:cNvCxnSpPr>
+            <a:cxnSpLocks/>
+          </p:cNvCxnSpPr>
+          <p:nvPr/>
+        </p:nvCxnSpPr>
+        <p:spPr>
+          <a:xfrm>
+            <a:off x="10098980" y="3531232"/>
+            <a:ext cx="382180" cy="0"/>
+          </a:xfrm>
+          <a:prstGeom prst="straightConnector1">
+            <a:avLst/>
+          </a:prstGeom>
+          <a:ln w="38100">
+            <a:solidFill>
+              <a:schemeClr val="tx1"/>
+            </a:solidFill>
+            <a:tailEnd type="triangle"/>
+          </a:ln>
+        </p:spPr>
+        <p:style>
+          <a:lnRef idx="1">
+            <a:schemeClr val="accent1"/>
+          </a:lnRef>
+          <a:fillRef idx="0">
+            <a:schemeClr val="accent1"/>
+          </a:fillRef>
+          <a:effectRef idx="0">
+            <a:schemeClr val="accent1"/>
+          </a:effectRef>
+          <a:fontRef idx="minor">
+            <a:schemeClr val="tx1"/>
+          </a:fontRef>
+        </p:style>
+      </p:cxnSp>
+      <p:sp>
+        <p:nvSpPr>
+          <p:cNvPr id="177" name="TextBox 176">
+            <a:extLst>
+              <a:ext uri="{FF2B5EF4-FFF2-40B4-BE49-F238E27FC236}">
+                <a16:creationId xmlns:a16="http://schemas.microsoft.com/office/drawing/2014/main" id="{591934FD-A447-4B41-AB8F-5A023FF23984}"/>
+              </a:ext>
+            </a:extLst>
+          </p:cNvPr>
+          <p:cNvSpPr txBox="1"/>
+          <p:nvPr/>
+        </p:nvSpPr>
+        <p:spPr>
+          <a:xfrm>
+            <a:off x="9483320" y="3346566"/>
+            <a:ext cx="665568" cy="369332"/>
+          </a:xfrm>
+          <a:prstGeom prst="rect">
+            <a:avLst/>
+          </a:prstGeom>
+          <a:noFill/>
+        </p:spPr>
+        <p:txBody>
+          <a:bodyPr wrap="none" rtlCol="0">
+            <a:spAutoFit/>
+          </a:bodyPr>
+          <a:lstStyle/>
+          <a:p>
+            <a:pPr algn="ctr"/>
+            <a:r>
+              <a:rPr lang="en-US" dirty="0"/>
+              <a:t>+12V</a:t>
+            </a:r>
+          </a:p>
+        </p:txBody>
+      </p:sp>
+      <p:sp>
+        <p:nvSpPr>
+          <p:cNvPr id="178" name="Rectangle 177">
+            <a:extLst>
+              <a:ext uri="{FF2B5EF4-FFF2-40B4-BE49-F238E27FC236}">
+                <a16:creationId xmlns:a16="http://schemas.microsoft.com/office/drawing/2014/main" id="{CEEFC173-FB8A-43BA-9F7B-6EAD91635EC1}"/>
               </a:ext>
             </a:extLst>
           </p:cNvPr>
@@ -29351,14 +33058,18 @@
         </p:nvSpPr>
         <p:spPr>
           <a:xfrm>
-            <a:off x="2968764" y="3451235"/>
-            <a:ext cx="2187019" cy="1234912"/>
-          </a:xfrm>
-          <a:prstGeom prst="flowChartDecision">
-            <a:avLst/>
-          </a:prstGeom>
-          <a:noFill/>
-          <a:ln w="19050"/>
+            <a:off x="10495447" y="3346566"/>
+            <a:ext cx="1222258" cy="1199316"/>
+          </a:xfrm>
+          <a:prstGeom prst="rect">
+            <a:avLst/>
+          </a:prstGeom>
+          <a:noFill/>
+          <a:ln w="38100">
+            <a:solidFill>
+              <a:schemeClr val="tx1"/>
+            </a:solidFill>
+          </a:ln>
         </p:spPr>
         <p:style>
           <a:lnRef idx="2">
@@ -29382,27 +33093,159 @@
           <a:p>
             <a:pPr algn="ctr"/>
             <a:r>
-              <a:rPr lang="en-US" dirty="0">
+              <a:rPr lang="en-US" b="1" dirty="0">
                 <a:solidFill>
                   <a:schemeClr val="tx1"/>
                 </a:solidFill>
               </a:rPr>
-              <a:t>Temp &lt; Lower Limit?</a:t>
-            </a:r>
-            <a:endParaRPr lang="en-SG" dirty="0">
+              <a:t>RK330-2</a:t>
+            </a:r>
+            <a:endParaRPr lang="en-SG" b="1" dirty="0">
               <a:solidFill>
                 <a:schemeClr val="tx1"/>
               </a:solidFill>
             </a:endParaRPr>
           </a:p>
-        </p:txBody>
-      </p:sp>
-      <p:sp>
-        <p:nvSpPr>
-          <p:cNvPr id="12" name="Flowchart: Alternate Process 11">
-            <a:extLst>
-              <a:ext uri="{FF2B5EF4-FFF2-40B4-BE49-F238E27FC236}">
-                <a16:creationId xmlns:a16="http://schemas.microsoft.com/office/drawing/2014/main" id="{B55162AD-8EDC-4FB5-8A79-23992EB3C37D}"/>
+          <a:p>
+            <a:pPr algn="ctr"/>
+            <a:r>
+              <a:rPr lang="en-SG" b="1" dirty="0">
+                <a:solidFill>
+                  <a:schemeClr val="tx1"/>
+                </a:solidFill>
+              </a:rPr>
+              <a:t>Sensor</a:t>
+            </a:r>
+            <a:endParaRPr lang="en-US" b="1" dirty="0">
+              <a:solidFill>
+                <a:schemeClr val="tx1"/>
+              </a:solidFill>
+            </a:endParaRPr>
+          </a:p>
+        </p:txBody>
+      </p:sp>
+      <p:cxnSp>
+        <p:nvCxnSpPr>
+          <p:cNvPr id="179" name="Straight Arrow Connector 178">
+            <a:extLst>
+              <a:ext uri="{FF2B5EF4-FFF2-40B4-BE49-F238E27FC236}">
+                <a16:creationId xmlns:a16="http://schemas.microsoft.com/office/drawing/2014/main" id="{D3FF6E63-D51A-4148-95F2-D81D95600B05}"/>
+              </a:ext>
+            </a:extLst>
+          </p:cNvPr>
+          <p:cNvCxnSpPr>
+            <a:cxnSpLocks/>
+          </p:cNvCxnSpPr>
+          <p:nvPr/>
+        </p:nvCxnSpPr>
+        <p:spPr>
+          <a:xfrm>
+            <a:off x="10120621" y="4368090"/>
+            <a:ext cx="382180" cy="0"/>
+          </a:xfrm>
+          <a:prstGeom prst="straightConnector1">
+            <a:avLst/>
+          </a:prstGeom>
+          <a:ln w="38100">
+            <a:solidFill>
+              <a:schemeClr val="tx1"/>
+            </a:solidFill>
+            <a:tailEnd type="triangle"/>
+          </a:ln>
+        </p:spPr>
+        <p:style>
+          <a:lnRef idx="1">
+            <a:schemeClr val="accent1"/>
+          </a:lnRef>
+          <a:fillRef idx="0">
+            <a:schemeClr val="accent1"/>
+          </a:fillRef>
+          <a:effectRef idx="0">
+            <a:schemeClr val="accent1"/>
+          </a:effectRef>
+          <a:fontRef idx="minor">
+            <a:schemeClr val="tx1"/>
+          </a:fontRef>
+        </p:style>
+      </p:cxnSp>
+      <p:sp>
+        <p:nvSpPr>
+          <p:cNvPr id="180" name="TextBox 179">
+            <a:extLst>
+              <a:ext uri="{FF2B5EF4-FFF2-40B4-BE49-F238E27FC236}">
+                <a16:creationId xmlns:a16="http://schemas.microsoft.com/office/drawing/2014/main" id="{7745CADA-8E7B-408C-8726-E96A69E6D347}"/>
+              </a:ext>
+            </a:extLst>
+          </p:cNvPr>
+          <p:cNvSpPr txBox="1"/>
+          <p:nvPr/>
+        </p:nvSpPr>
+        <p:spPr>
+          <a:xfrm>
+            <a:off x="9526602" y="4183424"/>
+            <a:ext cx="622286" cy="369332"/>
+          </a:xfrm>
+          <a:prstGeom prst="rect">
+            <a:avLst/>
+          </a:prstGeom>
+          <a:noFill/>
+        </p:spPr>
+        <p:txBody>
+          <a:bodyPr wrap="none" rtlCol="0">
+            <a:spAutoFit/>
+          </a:bodyPr>
+          <a:lstStyle/>
+          <a:p>
+            <a:pPr algn="ctr"/>
+            <a:r>
+              <a:rPr lang="en-US" dirty="0"/>
+              <a:t>GND</a:t>
+            </a:r>
+          </a:p>
+        </p:txBody>
+      </p:sp>
+      <p:sp>
+        <p:nvSpPr>
+          <p:cNvPr id="181" name="TextBox 180">
+            <a:extLst>
+              <a:ext uri="{FF2B5EF4-FFF2-40B4-BE49-F238E27FC236}">
+                <a16:creationId xmlns:a16="http://schemas.microsoft.com/office/drawing/2014/main" id="{796E785F-91C2-4B03-AB41-E6F2C44B71A1}"/>
+              </a:ext>
+            </a:extLst>
+          </p:cNvPr>
+          <p:cNvSpPr txBox="1"/>
+          <p:nvPr/>
+        </p:nvSpPr>
+        <p:spPr>
+          <a:xfrm>
+            <a:off x="8900721" y="3750176"/>
+            <a:ext cx="958917" cy="369332"/>
+          </a:xfrm>
+          <a:prstGeom prst="rect">
+            <a:avLst/>
+          </a:prstGeom>
+          <a:noFill/>
+        </p:spPr>
+        <p:txBody>
+          <a:bodyPr wrap="none" rtlCol="0">
+            <a:spAutoFit/>
+          </a:bodyPr>
+          <a:lstStyle/>
+          <a:p>
+            <a:pPr algn="ctr"/>
+            <a:r>
+              <a:rPr lang="en-US" dirty="0"/>
+              <a:t>Modbus</a:t>
+            </a:r>
+          </a:p>
+        </p:txBody>
+      </p:sp>
+      <p:sp>
+        <p:nvSpPr>
+          <p:cNvPr id="211" name="Rectangle 210">
+            <a:extLst>
+              <a:ext uri="{FF2B5EF4-FFF2-40B4-BE49-F238E27FC236}">
+                <a16:creationId xmlns:a16="http://schemas.microsoft.com/office/drawing/2014/main" id="{F4A58CA3-2A23-49D9-9277-B9D1AE06A87F}"/>
               </a:ext>
             </a:extLst>
           </p:cNvPr>
@@ -29411,14 +33254,18 @@
         </p:nvSpPr>
         <p:spPr>
           <a:xfrm>
-            <a:off x="2711437" y="5048644"/>
-            <a:ext cx="2701672" cy="924911"/>
-          </a:xfrm>
-          <a:prstGeom prst="flowChartAlternateProcess">
-            <a:avLst/>
-          </a:prstGeom>
-          <a:noFill/>
-          <a:ln w="19050"/>
+            <a:off x="6440578" y="4939141"/>
+            <a:ext cx="1817552" cy="1163373"/>
+          </a:xfrm>
+          <a:prstGeom prst="rect">
+            <a:avLst/>
+          </a:prstGeom>
+          <a:noFill/>
+          <a:ln w="38100">
+            <a:solidFill>
+              <a:schemeClr val="tx1"/>
+            </a:solidFill>
+          </a:ln>
         </p:spPr>
         <p:style>
           <a:lnRef idx="2">
@@ -29442,14 +33289,25 @@
           <a:p>
             <a:pPr algn="ctr"/>
             <a:r>
-              <a:rPr lang="en-US" dirty="0">
+              <a:rPr lang="en-US" b="1" dirty="0">
                 <a:solidFill>
                   <a:schemeClr val="tx1"/>
                 </a:solidFill>
               </a:rPr>
-              <a:t>Turn off Relay and corresponding LED. Set cooling = false</a:t>
-            </a:r>
-            <a:endParaRPr lang="en-SG" dirty="0">
+              <a:t>Max485</a:t>
+            </a:r>
+          </a:p>
+          <a:p>
+            <a:pPr algn="ctr"/>
+            <a:r>
+              <a:rPr lang="en-US" b="1" dirty="0">
+                <a:solidFill>
+                  <a:schemeClr val="tx1"/>
+                </a:solidFill>
+              </a:rPr>
+              <a:t>Module</a:t>
+            </a:r>
+            <a:endParaRPr lang="en-SG" b="1" dirty="0">
               <a:solidFill>
                 <a:schemeClr val="tx1"/>
               </a:solidFill>
@@ -29457,12 +33315,868 @@
           </a:p>
         </p:txBody>
       </p:sp>
-      <p:sp>
-        <p:nvSpPr>
-          <p:cNvPr id="13" name="Flowchart: Alternate Process 12">
-            <a:extLst>
-              <a:ext uri="{FF2B5EF4-FFF2-40B4-BE49-F238E27FC236}">
-                <a16:creationId xmlns:a16="http://schemas.microsoft.com/office/drawing/2014/main" id="{B64BC88B-10D1-4B78-B1EA-511092A61ABE}"/>
+      <p:cxnSp>
+        <p:nvCxnSpPr>
+          <p:cNvPr id="212" name="Straight Arrow Connector 211">
+            <a:extLst>
+              <a:ext uri="{FF2B5EF4-FFF2-40B4-BE49-F238E27FC236}">
+                <a16:creationId xmlns:a16="http://schemas.microsoft.com/office/drawing/2014/main" id="{55745C06-72FE-4139-B88D-AA05D63ADE41}"/>
+              </a:ext>
+            </a:extLst>
+          </p:cNvPr>
+          <p:cNvCxnSpPr>
+            <a:cxnSpLocks/>
+          </p:cNvCxnSpPr>
+          <p:nvPr/>
+        </p:nvCxnSpPr>
+        <p:spPr>
+          <a:xfrm>
+            <a:off x="5667216" y="5104985"/>
+            <a:ext cx="773362" cy="0"/>
+          </a:xfrm>
+          <a:prstGeom prst="straightConnector1">
+            <a:avLst/>
+          </a:prstGeom>
+          <a:ln w="38100">
+            <a:solidFill>
+              <a:schemeClr val="tx1"/>
+            </a:solidFill>
+            <a:tailEnd type="triangle"/>
+          </a:ln>
+        </p:spPr>
+        <p:style>
+          <a:lnRef idx="1">
+            <a:schemeClr val="accent1"/>
+          </a:lnRef>
+          <a:fillRef idx="0">
+            <a:schemeClr val="accent1"/>
+          </a:fillRef>
+          <a:effectRef idx="0">
+            <a:schemeClr val="accent1"/>
+          </a:effectRef>
+          <a:fontRef idx="minor">
+            <a:schemeClr val="tx1"/>
+          </a:fontRef>
+        </p:style>
+      </p:cxnSp>
+      <p:cxnSp>
+        <p:nvCxnSpPr>
+          <p:cNvPr id="213" name="Straight Arrow Connector 212">
+            <a:extLst>
+              <a:ext uri="{FF2B5EF4-FFF2-40B4-BE49-F238E27FC236}">
+                <a16:creationId xmlns:a16="http://schemas.microsoft.com/office/drawing/2014/main" id="{D07529AE-E1A8-48F8-95A7-853BB0509CFE}"/>
+              </a:ext>
+            </a:extLst>
+          </p:cNvPr>
+          <p:cNvCxnSpPr>
+            <a:cxnSpLocks/>
+          </p:cNvCxnSpPr>
+          <p:nvPr/>
+        </p:nvCxnSpPr>
+        <p:spPr>
+          <a:xfrm flipH="1">
+            <a:off x="5667216" y="5924720"/>
+            <a:ext cx="773362" cy="0"/>
+          </a:xfrm>
+          <a:prstGeom prst="straightConnector1">
+            <a:avLst/>
+          </a:prstGeom>
+          <a:ln w="38100">
+            <a:solidFill>
+              <a:schemeClr val="tx1"/>
+            </a:solidFill>
+            <a:tailEnd type="triangle"/>
+          </a:ln>
+        </p:spPr>
+        <p:style>
+          <a:lnRef idx="1">
+            <a:schemeClr val="accent1"/>
+          </a:lnRef>
+          <a:fillRef idx="0">
+            <a:schemeClr val="accent1"/>
+          </a:fillRef>
+          <a:effectRef idx="0">
+            <a:schemeClr val="accent1"/>
+          </a:effectRef>
+          <a:fontRef idx="minor">
+            <a:schemeClr val="tx1"/>
+          </a:fontRef>
+        </p:style>
+      </p:cxnSp>
+      <p:cxnSp>
+        <p:nvCxnSpPr>
+          <p:cNvPr id="214" name="Straight Arrow Connector 213">
+            <a:extLst>
+              <a:ext uri="{FF2B5EF4-FFF2-40B4-BE49-F238E27FC236}">
+                <a16:creationId xmlns:a16="http://schemas.microsoft.com/office/drawing/2014/main" id="{3C6C17C1-9F50-4F22-B459-6F2D3096916D}"/>
+              </a:ext>
+            </a:extLst>
+          </p:cNvPr>
+          <p:cNvCxnSpPr>
+            <a:cxnSpLocks/>
+          </p:cNvCxnSpPr>
+          <p:nvPr/>
+        </p:nvCxnSpPr>
+        <p:spPr>
+          <a:xfrm flipH="1">
+            <a:off x="5667216" y="5378230"/>
+            <a:ext cx="773362" cy="0"/>
+          </a:xfrm>
+          <a:prstGeom prst="straightConnector1">
+            <a:avLst/>
+          </a:prstGeom>
+          <a:ln w="38100">
+            <a:solidFill>
+              <a:schemeClr val="tx1"/>
+            </a:solidFill>
+            <a:tailEnd type="triangle"/>
+          </a:ln>
+        </p:spPr>
+        <p:style>
+          <a:lnRef idx="1">
+            <a:schemeClr val="accent1"/>
+          </a:lnRef>
+          <a:fillRef idx="0">
+            <a:schemeClr val="accent1"/>
+          </a:fillRef>
+          <a:effectRef idx="0">
+            <a:schemeClr val="accent1"/>
+          </a:effectRef>
+          <a:fontRef idx="minor">
+            <a:schemeClr val="tx1"/>
+          </a:fontRef>
+        </p:style>
+      </p:cxnSp>
+      <p:cxnSp>
+        <p:nvCxnSpPr>
+          <p:cNvPr id="215" name="Straight Arrow Connector 214">
+            <a:extLst>
+              <a:ext uri="{FF2B5EF4-FFF2-40B4-BE49-F238E27FC236}">
+                <a16:creationId xmlns:a16="http://schemas.microsoft.com/office/drawing/2014/main" id="{7270C5AD-AB33-4425-B60D-8D858ADF02EF}"/>
+              </a:ext>
+            </a:extLst>
+          </p:cNvPr>
+          <p:cNvCxnSpPr>
+            <a:cxnSpLocks/>
+          </p:cNvCxnSpPr>
+          <p:nvPr/>
+        </p:nvCxnSpPr>
+        <p:spPr>
+          <a:xfrm flipH="1">
+            <a:off x="5667216" y="5651475"/>
+            <a:ext cx="773362" cy="0"/>
+          </a:xfrm>
+          <a:prstGeom prst="straightConnector1">
+            <a:avLst/>
+          </a:prstGeom>
+          <a:ln w="38100">
+            <a:solidFill>
+              <a:schemeClr val="tx1"/>
+            </a:solidFill>
+            <a:tailEnd type="triangle"/>
+          </a:ln>
+        </p:spPr>
+        <p:style>
+          <a:lnRef idx="1">
+            <a:schemeClr val="accent1"/>
+          </a:lnRef>
+          <a:fillRef idx="0">
+            <a:schemeClr val="accent1"/>
+          </a:fillRef>
+          <a:effectRef idx="0">
+            <a:schemeClr val="accent1"/>
+          </a:effectRef>
+          <a:fontRef idx="minor">
+            <a:schemeClr val="tx1"/>
+          </a:fontRef>
+        </p:style>
+      </p:cxnSp>
+      <p:sp>
+        <p:nvSpPr>
+          <p:cNvPr id="216" name="TextBox 215">
+            <a:extLst>
+              <a:ext uri="{FF2B5EF4-FFF2-40B4-BE49-F238E27FC236}">
+                <a16:creationId xmlns:a16="http://schemas.microsoft.com/office/drawing/2014/main" id="{CC39FAE1-35E6-448D-8869-01CB1D594AFE}"/>
+              </a:ext>
+            </a:extLst>
+          </p:cNvPr>
+          <p:cNvSpPr txBox="1"/>
+          <p:nvPr/>
+        </p:nvSpPr>
+        <p:spPr>
+          <a:xfrm>
+            <a:off x="6426086" y="5202679"/>
+            <a:ext cx="412292" cy="338554"/>
+          </a:xfrm>
+          <a:prstGeom prst="rect">
+            <a:avLst/>
+          </a:prstGeom>
+          <a:noFill/>
+        </p:spPr>
+        <p:txBody>
+          <a:bodyPr wrap="none" rtlCol="0">
+            <a:spAutoFit/>
+          </a:bodyPr>
+          <a:lstStyle/>
+          <a:p>
+            <a:r>
+              <a:rPr lang="en-SG" sz="1600" dirty="0"/>
+              <a:t>DE</a:t>
+            </a:r>
+          </a:p>
+        </p:txBody>
+      </p:sp>
+      <p:sp>
+        <p:nvSpPr>
+          <p:cNvPr id="217" name="TextBox 216">
+            <a:extLst>
+              <a:ext uri="{FF2B5EF4-FFF2-40B4-BE49-F238E27FC236}">
+                <a16:creationId xmlns:a16="http://schemas.microsoft.com/office/drawing/2014/main" id="{86829FA0-3FF0-4845-8C48-6FD288C10FE9}"/>
+              </a:ext>
+            </a:extLst>
+          </p:cNvPr>
+          <p:cNvSpPr txBox="1"/>
+          <p:nvPr/>
+        </p:nvSpPr>
+        <p:spPr>
+          <a:xfrm>
+            <a:off x="6426086" y="5469650"/>
+            <a:ext cx="397866" cy="338554"/>
+          </a:xfrm>
+          <a:prstGeom prst="rect">
+            <a:avLst/>
+          </a:prstGeom>
+          <a:noFill/>
+        </p:spPr>
+        <p:txBody>
+          <a:bodyPr wrap="none" rtlCol="0">
+            <a:spAutoFit/>
+          </a:bodyPr>
+          <a:lstStyle/>
+          <a:p>
+            <a:r>
+              <a:rPr lang="en-SG" sz="1600" dirty="0"/>
+              <a:t>RE</a:t>
+            </a:r>
+          </a:p>
+        </p:txBody>
+      </p:sp>
+      <p:sp>
+        <p:nvSpPr>
+          <p:cNvPr id="218" name="TextBox 217">
+            <a:extLst>
+              <a:ext uri="{FF2B5EF4-FFF2-40B4-BE49-F238E27FC236}">
+                <a16:creationId xmlns:a16="http://schemas.microsoft.com/office/drawing/2014/main" id="{40F24914-4610-4756-A46E-B06E1CAFE0B6}"/>
+              </a:ext>
+            </a:extLst>
+          </p:cNvPr>
+          <p:cNvSpPr txBox="1"/>
+          <p:nvPr/>
+        </p:nvSpPr>
+        <p:spPr>
+          <a:xfrm>
+            <a:off x="6426086" y="5736622"/>
+            <a:ext cx="431144" cy="338554"/>
+          </a:xfrm>
+          <a:prstGeom prst="rect">
+            <a:avLst/>
+          </a:prstGeom>
+          <a:noFill/>
+        </p:spPr>
+        <p:txBody>
+          <a:bodyPr wrap="none" rtlCol="0">
+            <a:spAutoFit/>
+          </a:bodyPr>
+          <a:lstStyle/>
+          <a:p>
+            <a:r>
+              <a:rPr lang="en-SG" sz="1600" dirty="0"/>
+              <a:t>RO</a:t>
+            </a:r>
+          </a:p>
+        </p:txBody>
+      </p:sp>
+      <p:sp>
+        <p:nvSpPr>
+          <p:cNvPr id="219" name="TextBox 218">
+            <a:extLst>
+              <a:ext uri="{FF2B5EF4-FFF2-40B4-BE49-F238E27FC236}">
+                <a16:creationId xmlns:a16="http://schemas.microsoft.com/office/drawing/2014/main" id="{AE3EA28D-63E7-4E60-AD01-290616BD9578}"/>
+              </a:ext>
+            </a:extLst>
+          </p:cNvPr>
+          <p:cNvSpPr txBox="1"/>
+          <p:nvPr/>
+        </p:nvSpPr>
+        <p:spPr>
+          <a:xfrm>
+            <a:off x="6426086" y="4935708"/>
+            <a:ext cx="362600" cy="338554"/>
+          </a:xfrm>
+          <a:prstGeom prst="rect">
+            <a:avLst/>
+          </a:prstGeom>
+          <a:noFill/>
+        </p:spPr>
+        <p:txBody>
+          <a:bodyPr wrap="none" rtlCol="0">
+            <a:spAutoFit/>
+          </a:bodyPr>
+          <a:lstStyle/>
+          <a:p>
+            <a:r>
+              <a:rPr lang="en-SG" sz="1600" dirty="0"/>
+              <a:t>DI</a:t>
+            </a:r>
+          </a:p>
+        </p:txBody>
+      </p:sp>
+      <p:sp>
+        <p:nvSpPr>
+          <p:cNvPr id="220" name="TextBox 219">
+            <a:extLst>
+              <a:ext uri="{FF2B5EF4-FFF2-40B4-BE49-F238E27FC236}">
+                <a16:creationId xmlns:a16="http://schemas.microsoft.com/office/drawing/2014/main" id="{3E0A5233-F5D5-4C7B-8728-22E151CC0250}"/>
+              </a:ext>
+            </a:extLst>
+          </p:cNvPr>
+          <p:cNvSpPr txBox="1"/>
+          <p:nvPr/>
+        </p:nvSpPr>
+        <p:spPr>
+          <a:xfrm>
+            <a:off x="5254425" y="5202679"/>
+            <a:ext cx="288862" cy="338554"/>
+          </a:xfrm>
+          <a:prstGeom prst="rect">
+            <a:avLst/>
+          </a:prstGeom>
+          <a:noFill/>
+        </p:spPr>
+        <p:txBody>
+          <a:bodyPr wrap="none" rtlCol="0">
+            <a:spAutoFit/>
+          </a:bodyPr>
+          <a:lstStyle/>
+          <a:p>
+            <a:r>
+              <a:rPr lang="en-SG" sz="1600" dirty="0"/>
+              <a:t>8</a:t>
+            </a:r>
+          </a:p>
+        </p:txBody>
+      </p:sp>
+      <p:sp>
+        <p:nvSpPr>
+          <p:cNvPr id="221" name="TextBox 220">
+            <a:extLst>
+              <a:ext uri="{FF2B5EF4-FFF2-40B4-BE49-F238E27FC236}">
+                <a16:creationId xmlns:a16="http://schemas.microsoft.com/office/drawing/2014/main" id="{BC48C7D0-43F3-4759-930B-8742F8066C7E}"/>
+              </a:ext>
+            </a:extLst>
+          </p:cNvPr>
+          <p:cNvSpPr txBox="1"/>
+          <p:nvPr/>
+        </p:nvSpPr>
+        <p:spPr>
+          <a:xfrm>
+            <a:off x="5254425" y="5469650"/>
+            <a:ext cx="288862" cy="338554"/>
+          </a:xfrm>
+          <a:prstGeom prst="rect">
+            <a:avLst/>
+          </a:prstGeom>
+          <a:noFill/>
+        </p:spPr>
+        <p:txBody>
+          <a:bodyPr wrap="none" rtlCol="0">
+            <a:spAutoFit/>
+          </a:bodyPr>
+          <a:lstStyle/>
+          <a:p>
+            <a:r>
+              <a:rPr lang="en-SG" sz="1600" dirty="0"/>
+              <a:t>8</a:t>
+            </a:r>
+          </a:p>
+        </p:txBody>
+      </p:sp>
+      <p:sp>
+        <p:nvSpPr>
+          <p:cNvPr id="222" name="TextBox 221">
+            <a:extLst>
+              <a:ext uri="{FF2B5EF4-FFF2-40B4-BE49-F238E27FC236}">
+                <a16:creationId xmlns:a16="http://schemas.microsoft.com/office/drawing/2014/main" id="{907B71F9-CE58-461B-B2D3-D5FF0A4C175B}"/>
+              </a:ext>
+            </a:extLst>
+          </p:cNvPr>
+          <p:cNvSpPr txBox="1"/>
+          <p:nvPr/>
+        </p:nvSpPr>
+        <p:spPr>
+          <a:xfrm>
+            <a:off x="5254425" y="5736622"/>
+            <a:ext cx="288862" cy="338554"/>
+          </a:xfrm>
+          <a:prstGeom prst="rect">
+            <a:avLst/>
+          </a:prstGeom>
+          <a:noFill/>
+        </p:spPr>
+        <p:txBody>
+          <a:bodyPr wrap="none" rtlCol="0">
+            <a:spAutoFit/>
+          </a:bodyPr>
+          <a:lstStyle/>
+          <a:p>
+            <a:r>
+              <a:rPr lang="en-SG" sz="1600" dirty="0"/>
+              <a:t>9</a:t>
+            </a:r>
+          </a:p>
+        </p:txBody>
+      </p:sp>
+      <p:sp>
+        <p:nvSpPr>
+          <p:cNvPr id="223" name="TextBox 222">
+            <a:extLst>
+              <a:ext uri="{FF2B5EF4-FFF2-40B4-BE49-F238E27FC236}">
+                <a16:creationId xmlns:a16="http://schemas.microsoft.com/office/drawing/2014/main" id="{13DC0BC0-6FE6-4319-90F4-4EA137F0CF59}"/>
+              </a:ext>
+            </a:extLst>
+          </p:cNvPr>
+          <p:cNvSpPr txBox="1"/>
+          <p:nvPr/>
+        </p:nvSpPr>
+        <p:spPr>
+          <a:xfrm>
+            <a:off x="5254425" y="4935708"/>
+            <a:ext cx="393056" cy="338554"/>
+          </a:xfrm>
+          <a:prstGeom prst="rect">
+            <a:avLst/>
+          </a:prstGeom>
+          <a:noFill/>
+        </p:spPr>
+        <p:txBody>
+          <a:bodyPr wrap="none" rtlCol="0">
+            <a:spAutoFit/>
+          </a:bodyPr>
+          <a:lstStyle/>
+          <a:p>
+            <a:r>
+              <a:rPr lang="en-SG" sz="1600" dirty="0"/>
+              <a:t>10</a:t>
+            </a:r>
+          </a:p>
+        </p:txBody>
+      </p:sp>
+      <p:cxnSp>
+        <p:nvCxnSpPr>
+          <p:cNvPr id="224" name="Straight Arrow Connector 223">
+            <a:extLst>
+              <a:ext uri="{FF2B5EF4-FFF2-40B4-BE49-F238E27FC236}">
+                <a16:creationId xmlns:a16="http://schemas.microsoft.com/office/drawing/2014/main" id="{07E6A170-0058-4226-9F7F-E1F3D2C0CE3F}"/>
+              </a:ext>
+            </a:extLst>
+          </p:cNvPr>
+          <p:cNvCxnSpPr>
+            <a:cxnSpLocks/>
+          </p:cNvCxnSpPr>
+          <p:nvPr/>
+        </p:nvCxnSpPr>
+        <p:spPr>
+          <a:xfrm flipH="1">
+            <a:off x="8272417" y="5104985"/>
+            <a:ext cx="314936" cy="0"/>
+          </a:xfrm>
+          <a:prstGeom prst="straightConnector1">
+            <a:avLst/>
+          </a:prstGeom>
+          <a:ln w="38100">
+            <a:solidFill>
+              <a:schemeClr val="tx1"/>
+            </a:solidFill>
+            <a:tailEnd type="triangle"/>
+          </a:ln>
+        </p:spPr>
+        <p:style>
+          <a:lnRef idx="1">
+            <a:schemeClr val="accent1"/>
+          </a:lnRef>
+          <a:fillRef idx="0">
+            <a:schemeClr val="accent1"/>
+          </a:fillRef>
+          <a:effectRef idx="0">
+            <a:schemeClr val="accent1"/>
+          </a:effectRef>
+          <a:fontRef idx="minor">
+            <a:schemeClr val="tx1"/>
+          </a:fontRef>
+        </p:style>
+      </p:cxnSp>
+      <p:sp>
+        <p:nvSpPr>
+          <p:cNvPr id="225" name="TextBox 224">
+            <a:extLst>
+              <a:ext uri="{FF2B5EF4-FFF2-40B4-BE49-F238E27FC236}">
+                <a16:creationId xmlns:a16="http://schemas.microsoft.com/office/drawing/2014/main" id="{DBC1789B-F626-4296-9870-DC2D24799C84}"/>
+              </a:ext>
+            </a:extLst>
+          </p:cNvPr>
+          <p:cNvSpPr txBox="1"/>
+          <p:nvPr/>
+        </p:nvSpPr>
+        <p:spPr>
+          <a:xfrm>
+            <a:off x="8530914" y="4904930"/>
+            <a:ext cx="548547" cy="369332"/>
+          </a:xfrm>
+          <a:prstGeom prst="rect">
+            <a:avLst/>
+          </a:prstGeom>
+          <a:noFill/>
+        </p:spPr>
+        <p:txBody>
+          <a:bodyPr wrap="none" rtlCol="0">
+            <a:spAutoFit/>
+          </a:bodyPr>
+          <a:lstStyle/>
+          <a:p>
+            <a:pPr algn="ctr"/>
+            <a:r>
+              <a:rPr lang="en-US" dirty="0"/>
+              <a:t>+5V</a:t>
+            </a:r>
+          </a:p>
+        </p:txBody>
+      </p:sp>
+      <p:cxnSp>
+        <p:nvCxnSpPr>
+          <p:cNvPr id="226" name="Straight Arrow Connector 225">
+            <a:extLst>
+              <a:ext uri="{FF2B5EF4-FFF2-40B4-BE49-F238E27FC236}">
+                <a16:creationId xmlns:a16="http://schemas.microsoft.com/office/drawing/2014/main" id="{E7E13A6B-D128-4E0A-9B55-340C9A76C996}"/>
+              </a:ext>
+            </a:extLst>
+          </p:cNvPr>
+          <p:cNvCxnSpPr>
+            <a:cxnSpLocks/>
+          </p:cNvCxnSpPr>
+          <p:nvPr/>
+        </p:nvCxnSpPr>
+        <p:spPr>
+          <a:xfrm flipH="1">
+            <a:off x="8272417" y="5897496"/>
+            <a:ext cx="314936" cy="0"/>
+          </a:xfrm>
+          <a:prstGeom prst="straightConnector1">
+            <a:avLst/>
+          </a:prstGeom>
+          <a:ln w="38100">
+            <a:solidFill>
+              <a:schemeClr val="tx1"/>
+            </a:solidFill>
+            <a:tailEnd type="triangle"/>
+          </a:ln>
+        </p:spPr>
+        <p:style>
+          <a:lnRef idx="1">
+            <a:schemeClr val="accent1"/>
+          </a:lnRef>
+          <a:fillRef idx="0">
+            <a:schemeClr val="accent1"/>
+          </a:fillRef>
+          <a:effectRef idx="0">
+            <a:schemeClr val="accent1"/>
+          </a:effectRef>
+          <a:fontRef idx="minor">
+            <a:schemeClr val="tx1"/>
+          </a:fontRef>
+        </p:style>
+      </p:cxnSp>
+      <p:sp>
+        <p:nvSpPr>
+          <p:cNvPr id="227" name="TextBox 226">
+            <a:extLst>
+              <a:ext uri="{FF2B5EF4-FFF2-40B4-BE49-F238E27FC236}">
+                <a16:creationId xmlns:a16="http://schemas.microsoft.com/office/drawing/2014/main" id="{B657D08E-615A-44EA-A92E-C2121D8BE9EE}"/>
+              </a:ext>
+            </a:extLst>
+          </p:cNvPr>
+          <p:cNvSpPr txBox="1"/>
+          <p:nvPr/>
+        </p:nvSpPr>
+        <p:spPr>
+          <a:xfrm>
+            <a:off x="8530914" y="5705753"/>
+            <a:ext cx="622286" cy="369332"/>
+          </a:xfrm>
+          <a:prstGeom prst="rect">
+            <a:avLst/>
+          </a:prstGeom>
+          <a:noFill/>
+        </p:spPr>
+        <p:txBody>
+          <a:bodyPr wrap="none" rtlCol="0">
+            <a:spAutoFit/>
+          </a:bodyPr>
+          <a:lstStyle/>
+          <a:p>
+            <a:pPr algn="ctr"/>
+            <a:r>
+              <a:rPr lang="en-US" dirty="0"/>
+              <a:t>GND</a:t>
+            </a:r>
+          </a:p>
+        </p:txBody>
+      </p:sp>
+      <p:sp>
+        <p:nvSpPr>
+          <p:cNvPr id="228" name="TextBox 227">
+            <a:extLst>
+              <a:ext uri="{FF2B5EF4-FFF2-40B4-BE49-F238E27FC236}">
+                <a16:creationId xmlns:a16="http://schemas.microsoft.com/office/drawing/2014/main" id="{792AE389-0353-4987-B3EB-DCD5AAE3DC10}"/>
+              </a:ext>
+            </a:extLst>
+          </p:cNvPr>
+          <p:cNvSpPr txBox="1"/>
+          <p:nvPr/>
+        </p:nvSpPr>
+        <p:spPr>
+          <a:xfrm>
+            <a:off x="7946002" y="5202679"/>
+            <a:ext cx="303288" cy="338554"/>
+          </a:xfrm>
+          <a:prstGeom prst="rect">
+            <a:avLst/>
+          </a:prstGeom>
+          <a:noFill/>
+        </p:spPr>
+        <p:txBody>
+          <a:bodyPr wrap="none" rtlCol="0">
+            <a:spAutoFit/>
+          </a:bodyPr>
+          <a:lstStyle/>
+          <a:p>
+            <a:r>
+              <a:rPr lang="en-SG" sz="1600" dirty="0"/>
+              <a:t>A</a:t>
+            </a:r>
+          </a:p>
+        </p:txBody>
+      </p:sp>
+      <p:sp>
+        <p:nvSpPr>
+          <p:cNvPr id="229" name="TextBox 228">
+            <a:extLst>
+              <a:ext uri="{FF2B5EF4-FFF2-40B4-BE49-F238E27FC236}">
+                <a16:creationId xmlns:a16="http://schemas.microsoft.com/office/drawing/2014/main" id="{A3612CFA-C047-4BCB-9FC5-FED9BBA0FB9D}"/>
+              </a:ext>
+            </a:extLst>
+          </p:cNvPr>
+          <p:cNvSpPr txBox="1"/>
+          <p:nvPr/>
+        </p:nvSpPr>
+        <p:spPr>
+          <a:xfrm>
+            <a:off x="7946002" y="5469650"/>
+            <a:ext cx="296876" cy="338554"/>
+          </a:xfrm>
+          <a:prstGeom prst="rect">
+            <a:avLst/>
+          </a:prstGeom>
+          <a:noFill/>
+        </p:spPr>
+        <p:txBody>
+          <a:bodyPr wrap="none" rtlCol="0">
+            <a:spAutoFit/>
+          </a:bodyPr>
+          <a:lstStyle/>
+          <a:p>
+            <a:r>
+              <a:rPr lang="en-SG" sz="1600" dirty="0"/>
+              <a:t>B</a:t>
+            </a:r>
+          </a:p>
+        </p:txBody>
+      </p:sp>
+      <p:cxnSp>
+        <p:nvCxnSpPr>
+          <p:cNvPr id="230" name="Straight Arrow Connector 229">
+            <a:extLst>
+              <a:ext uri="{FF2B5EF4-FFF2-40B4-BE49-F238E27FC236}">
+                <a16:creationId xmlns:a16="http://schemas.microsoft.com/office/drawing/2014/main" id="{4D70B6F1-EC75-4E75-8104-36E402BDCFF7}"/>
+              </a:ext>
+            </a:extLst>
+          </p:cNvPr>
+          <p:cNvCxnSpPr>
+            <a:cxnSpLocks/>
+          </p:cNvCxnSpPr>
+          <p:nvPr/>
+        </p:nvCxnSpPr>
+        <p:spPr>
+          <a:xfrm flipH="1">
+            <a:off x="8272417" y="5369155"/>
+            <a:ext cx="2208743" cy="0"/>
+          </a:xfrm>
+          <a:prstGeom prst="straightConnector1">
+            <a:avLst/>
+          </a:prstGeom>
+          <a:ln w="38100">
+            <a:solidFill>
+              <a:schemeClr val="tx1"/>
+            </a:solidFill>
+            <a:headEnd type="triangle" w="med" len="med"/>
+            <a:tailEnd type="triangle" w="med" len="med"/>
+          </a:ln>
+        </p:spPr>
+        <p:style>
+          <a:lnRef idx="1">
+            <a:schemeClr val="accent1"/>
+          </a:lnRef>
+          <a:fillRef idx="0">
+            <a:schemeClr val="accent1"/>
+          </a:fillRef>
+          <a:effectRef idx="0">
+            <a:schemeClr val="accent1"/>
+          </a:effectRef>
+          <a:fontRef idx="minor">
+            <a:schemeClr val="tx1"/>
+          </a:fontRef>
+        </p:style>
+      </p:cxnSp>
+      <p:cxnSp>
+        <p:nvCxnSpPr>
+          <p:cNvPr id="231" name="Straight Arrow Connector 230">
+            <a:extLst>
+              <a:ext uri="{FF2B5EF4-FFF2-40B4-BE49-F238E27FC236}">
+                <a16:creationId xmlns:a16="http://schemas.microsoft.com/office/drawing/2014/main" id="{DCF096E3-8504-4573-AC94-6FE8C33F24FB}"/>
+              </a:ext>
+            </a:extLst>
+          </p:cNvPr>
+          <p:cNvCxnSpPr>
+            <a:cxnSpLocks/>
+          </p:cNvCxnSpPr>
+          <p:nvPr/>
+        </p:nvCxnSpPr>
+        <p:spPr>
+          <a:xfrm flipH="1">
+            <a:off x="8272417" y="5633325"/>
+            <a:ext cx="2208743" cy="0"/>
+          </a:xfrm>
+          <a:prstGeom prst="straightConnector1">
+            <a:avLst/>
+          </a:prstGeom>
+          <a:ln w="38100">
+            <a:solidFill>
+              <a:schemeClr val="tx1"/>
+            </a:solidFill>
+            <a:headEnd type="triangle" w="med" len="med"/>
+            <a:tailEnd type="triangle" w="med" len="med"/>
+          </a:ln>
+        </p:spPr>
+        <p:style>
+          <a:lnRef idx="1">
+            <a:schemeClr val="accent1"/>
+          </a:lnRef>
+          <a:fillRef idx="0">
+            <a:schemeClr val="accent1"/>
+          </a:fillRef>
+          <a:effectRef idx="0">
+            <a:schemeClr val="accent1"/>
+          </a:effectRef>
+          <a:fontRef idx="minor">
+            <a:schemeClr val="tx1"/>
+          </a:fontRef>
+        </p:style>
+      </p:cxnSp>
+      <p:cxnSp>
+        <p:nvCxnSpPr>
+          <p:cNvPr id="232" name="Straight Arrow Connector 231">
+            <a:extLst>
+              <a:ext uri="{FF2B5EF4-FFF2-40B4-BE49-F238E27FC236}">
+                <a16:creationId xmlns:a16="http://schemas.microsoft.com/office/drawing/2014/main" id="{8A69DF89-D1B1-4212-86CA-79A2C8A75AF5}"/>
+              </a:ext>
+            </a:extLst>
+          </p:cNvPr>
+          <p:cNvCxnSpPr>
+            <a:cxnSpLocks/>
+          </p:cNvCxnSpPr>
+          <p:nvPr/>
+        </p:nvCxnSpPr>
+        <p:spPr>
+          <a:xfrm flipH="1" flipV="1">
+            <a:off x="10127764" y="5098714"/>
+            <a:ext cx="367683" cy="6271"/>
+          </a:xfrm>
+          <a:prstGeom prst="straightConnector1">
+            <a:avLst/>
+          </a:prstGeom>
+          <a:ln w="38100">
+            <a:solidFill>
+              <a:schemeClr val="tx1"/>
+            </a:solidFill>
+            <a:tailEnd type="triangle"/>
+          </a:ln>
+        </p:spPr>
+        <p:style>
+          <a:lnRef idx="1">
+            <a:schemeClr val="accent1"/>
+          </a:lnRef>
+          <a:fillRef idx="0">
+            <a:schemeClr val="accent1"/>
+          </a:fillRef>
+          <a:effectRef idx="0">
+            <a:schemeClr val="accent1"/>
+          </a:effectRef>
+          <a:fontRef idx="minor">
+            <a:schemeClr val="tx1"/>
+          </a:fontRef>
+        </p:style>
+      </p:cxnSp>
+      <p:sp>
+        <p:nvSpPr>
+          <p:cNvPr id="233" name="TextBox 232">
+            <a:extLst>
+              <a:ext uri="{FF2B5EF4-FFF2-40B4-BE49-F238E27FC236}">
+                <a16:creationId xmlns:a16="http://schemas.microsoft.com/office/drawing/2014/main" id="{62771BDD-3F91-4039-BF13-E47C4DC18236}"/>
+              </a:ext>
+            </a:extLst>
+          </p:cNvPr>
+          <p:cNvSpPr txBox="1"/>
+          <p:nvPr/>
+        </p:nvSpPr>
+        <p:spPr>
+          <a:xfrm>
+            <a:off x="9483320" y="4903198"/>
+            <a:ext cx="665568" cy="369332"/>
+          </a:xfrm>
+          <a:prstGeom prst="rect">
+            <a:avLst/>
+          </a:prstGeom>
+          <a:noFill/>
+        </p:spPr>
+        <p:txBody>
+          <a:bodyPr wrap="none" rtlCol="0">
+            <a:spAutoFit/>
+          </a:bodyPr>
+          <a:lstStyle/>
+          <a:p>
+            <a:pPr algn="ctr"/>
+            <a:r>
+              <a:rPr lang="en-US" dirty="0"/>
+              <a:t>+24V</a:t>
+            </a:r>
+          </a:p>
+        </p:txBody>
+      </p:sp>
+      <p:sp>
+        <p:nvSpPr>
+          <p:cNvPr id="234" name="Rectangle 233">
+            <a:extLst>
+              <a:ext uri="{FF2B5EF4-FFF2-40B4-BE49-F238E27FC236}">
+                <a16:creationId xmlns:a16="http://schemas.microsoft.com/office/drawing/2014/main" id="{041603E9-896F-465B-AB2A-E7DBCEBD34F3}"/>
               </a:ext>
             </a:extLst>
           </p:cNvPr>
@@ -29471,14 +34185,18 @@
         </p:nvSpPr>
         <p:spPr>
           <a:xfrm>
-            <a:off x="6823670" y="652336"/>
-            <a:ext cx="2701672" cy="924911"/>
-          </a:xfrm>
-          <a:prstGeom prst="flowChartAlternateProcess">
-            <a:avLst/>
-          </a:prstGeom>
-          <a:noFill/>
-          <a:ln w="19050"/>
+            <a:off x="10495447" y="4903198"/>
+            <a:ext cx="1222258" cy="1199316"/>
+          </a:xfrm>
+          <a:prstGeom prst="rect">
+            <a:avLst/>
+          </a:prstGeom>
+          <a:noFill/>
+          <a:ln w="38100">
+            <a:solidFill>
+              <a:schemeClr val="tx1"/>
+            </a:solidFill>
+          </a:ln>
         </p:spPr>
         <p:style>
           <a:lnRef idx="2">
@@ -29502,14 +34220,25 @@
           <a:p>
             <a:pPr algn="ctr"/>
             <a:r>
-              <a:rPr lang="en-US" dirty="0">
+              <a:rPr lang="en-US" b="1" dirty="0">
                 <a:solidFill>
                   <a:schemeClr val="tx1"/>
                 </a:solidFill>
               </a:rPr>
-              <a:t>Turn off Relay and corresponding LED</a:t>
-            </a:r>
-            <a:endParaRPr lang="en-SG" dirty="0">
+              <a:t>Arduino</a:t>
+            </a:r>
+          </a:p>
+          <a:p>
+            <a:pPr algn="ctr"/>
+            <a:r>
+              <a:rPr lang="en-US" b="1" dirty="0">
+                <a:solidFill>
+                  <a:schemeClr val="tx1"/>
+                </a:solidFill>
+              </a:rPr>
+              <a:t>Mega</a:t>
+            </a:r>
+            <a:endParaRPr lang="en-SG" b="1" dirty="0">
               <a:solidFill>
                 <a:schemeClr val="tx1"/>
               </a:solidFill>
@@ -29519,551 +34248,82 @@
       </p:sp>
       <p:sp>
         <p:nvSpPr>
-          <p:cNvPr id="14" name="Flowchart: Decision 13">
-            <a:extLst>
-              <a:ext uri="{FF2B5EF4-FFF2-40B4-BE49-F238E27FC236}">
-                <a16:creationId xmlns:a16="http://schemas.microsoft.com/office/drawing/2014/main" id="{1D2FEC2D-8754-4AF1-8C16-D4FFB17B95B6}"/>
-              </a:ext>
-            </a:extLst>
-          </p:cNvPr>
-          <p:cNvSpPr/>
-          <p:nvPr/>
-        </p:nvSpPr>
-        <p:spPr>
-          <a:xfrm>
-            <a:off x="7080995" y="1944351"/>
-            <a:ext cx="2187019" cy="1234912"/>
-          </a:xfrm>
-          <a:prstGeom prst="flowChartDecision">
-            <a:avLst/>
-          </a:prstGeom>
-          <a:noFill/>
-          <a:ln w="19050"/>
-        </p:spPr>
-        <p:style>
-          <a:lnRef idx="2">
-            <a:schemeClr val="accent1">
-              <a:shade val="50000"/>
-            </a:schemeClr>
-          </a:lnRef>
-          <a:fillRef idx="1">
-            <a:schemeClr val="accent1"/>
-          </a:fillRef>
-          <a:effectRef idx="0">
-            <a:schemeClr val="accent1"/>
-          </a:effectRef>
-          <a:fontRef idx="minor">
-            <a:schemeClr val="lt1"/>
-          </a:fontRef>
-        </p:style>
-        <p:txBody>
-          <a:bodyPr rtlCol="0" anchor="ctr"/>
+          <p:cNvPr id="236" name="TextBox 235">
+            <a:extLst>
+              <a:ext uri="{FF2B5EF4-FFF2-40B4-BE49-F238E27FC236}">
+                <a16:creationId xmlns:a16="http://schemas.microsoft.com/office/drawing/2014/main" id="{FD897CB8-B98B-4140-BEBC-DE2D7FDBCBC0}"/>
+              </a:ext>
+            </a:extLst>
+          </p:cNvPr>
+          <p:cNvSpPr txBox="1"/>
+          <p:nvPr/>
+        </p:nvSpPr>
+        <p:spPr>
+          <a:xfrm>
+            <a:off x="9526602" y="5740056"/>
+            <a:ext cx="622286" cy="369332"/>
+          </a:xfrm>
+          <a:prstGeom prst="rect">
+            <a:avLst/>
+          </a:prstGeom>
+          <a:noFill/>
+        </p:spPr>
+        <p:txBody>
+          <a:bodyPr wrap="none" rtlCol="0">
+            <a:spAutoFit/>
+          </a:bodyPr>
           <a:lstStyle/>
           <a:p>
             <a:pPr algn="ctr"/>
             <a:r>
-              <a:rPr lang="en-US" dirty="0">
-                <a:solidFill>
-                  <a:schemeClr val="tx1"/>
-                </a:solidFill>
-              </a:rPr>
-              <a:t>Temp &lt; Upper Limit?</a:t>
-            </a:r>
-            <a:endParaRPr lang="en-SG" dirty="0">
-              <a:solidFill>
-                <a:schemeClr val="tx1"/>
-              </a:solidFill>
-            </a:endParaRPr>
-          </a:p>
-        </p:txBody>
-      </p:sp>
-      <p:sp>
-        <p:nvSpPr>
-          <p:cNvPr id="15" name="Flowchart: Alternate Process 14">
-            <a:extLst>
-              <a:ext uri="{FF2B5EF4-FFF2-40B4-BE49-F238E27FC236}">
-                <a16:creationId xmlns:a16="http://schemas.microsoft.com/office/drawing/2014/main" id="{E6C4EF27-DCAB-4333-9371-018C63415561}"/>
-              </a:ext>
-            </a:extLst>
-          </p:cNvPr>
-          <p:cNvSpPr/>
-          <p:nvPr/>
-        </p:nvSpPr>
-        <p:spPr>
-          <a:xfrm>
-            <a:off x="6823670" y="3606234"/>
-            <a:ext cx="2701672" cy="924911"/>
-          </a:xfrm>
-          <a:prstGeom prst="flowChartAlternateProcess">
-            <a:avLst/>
-          </a:prstGeom>
-          <a:noFill/>
-          <a:ln w="19050"/>
-        </p:spPr>
-        <p:style>
-          <a:lnRef idx="2">
-            <a:schemeClr val="accent1">
-              <a:shade val="50000"/>
-            </a:schemeClr>
-          </a:lnRef>
-          <a:fillRef idx="1">
-            <a:schemeClr val="accent1"/>
-          </a:fillRef>
-          <a:effectRef idx="0">
-            <a:schemeClr val="accent1"/>
-          </a:effectRef>
-          <a:fontRef idx="minor">
-            <a:schemeClr val="lt1"/>
-          </a:fontRef>
-        </p:style>
-        <p:txBody>
-          <a:bodyPr rtlCol="0" anchor="ctr"/>
+              <a:rPr lang="en-US" dirty="0"/>
+              <a:t>GND</a:t>
+            </a:r>
+          </a:p>
+        </p:txBody>
+      </p:sp>
+      <p:sp>
+        <p:nvSpPr>
+          <p:cNvPr id="237" name="TextBox 236">
+            <a:extLst>
+              <a:ext uri="{FF2B5EF4-FFF2-40B4-BE49-F238E27FC236}">
+                <a16:creationId xmlns:a16="http://schemas.microsoft.com/office/drawing/2014/main" id="{4D4C325A-E223-4476-9514-7BA27B386A9A}"/>
+              </a:ext>
+            </a:extLst>
+          </p:cNvPr>
+          <p:cNvSpPr txBox="1"/>
+          <p:nvPr/>
+        </p:nvSpPr>
+        <p:spPr>
+          <a:xfrm>
+            <a:off x="8900721" y="5306808"/>
+            <a:ext cx="958917" cy="369332"/>
+          </a:xfrm>
+          <a:prstGeom prst="rect">
+            <a:avLst/>
+          </a:prstGeom>
+          <a:noFill/>
+        </p:spPr>
+        <p:txBody>
+          <a:bodyPr wrap="none" rtlCol="0">
+            <a:spAutoFit/>
+          </a:bodyPr>
           <a:lstStyle/>
           <a:p>
             <a:pPr algn="ctr"/>
             <a:r>
-              <a:rPr lang="en-US" dirty="0">
-                <a:solidFill>
-                  <a:schemeClr val="tx1"/>
-                </a:solidFill>
-              </a:rPr>
-              <a:t>Turn off Relay and corresponding LED. Set cooling = true</a:t>
-            </a:r>
-            <a:endParaRPr lang="en-SG" dirty="0">
-              <a:solidFill>
-                <a:schemeClr val="tx1"/>
-              </a:solidFill>
-            </a:endParaRPr>
+              <a:rPr lang="en-US" dirty="0"/>
+              <a:t>Modbus</a:t>
+            </a:r>
           </a:p>
         </p:txBody>
       </p:sp>
       <p:cxnSp>
         <p:nvCxnSpPr>
-          <p:cNvPr id="4" name="Straight Arrow Connector 3">
-            <a:extLst>
-              <a:ext uri="{FF2B5EF4-FFF2-40B4-BE49-F238E27FC236}">
-                <a16:creationId xmlns:a16="http://schemas.microsoft.com/office/drawing/2014/main" id="{062D4107-1EBD-4314-9681-2490B175BF60}"/>
-              </a:ext>
-            </a:extLst>
-          </p:cNvPr>
-          <p:cNvCxnSpPr>
-            <a:stCxn id="194" idx="2"/>
-            <a:endCxn id="10" idx="0"/>
-          </p:cNvCxnSpPr>
-          <p:nvPr/>
-        </p:nvCxnSpPr>
-        <p:spPr>
-          <a:xfrm flipH="1">
-            <a:off x="4062273" y="1732249"/>
-            <a:ext cx="1" cy="372108"/>
-          </a:xfrm>
-          <a:prstGeom prst="straightConnector1">
-            <a:avLst/>
-          </a:prstGeom>
-          <a:ln w="19050">
-            <a:tailEnd type="triangle"/>
-          </a:ln>
-        </p:spPr>
-        <p:style>
-          <a:lnRef idx="1">
-            <a:schemeClr val="accent1"/>
-          </a:lnRef>
-          <a:fillRef idx="0">
-            <a:schemeClr val="accent1"/>
-          </a:fillRef>
-          <a:effectRef idx="0">
-            <a:schemeClr val="accent1"/>
-          </a:effectRef>
-          <a:fontRef idx="minor">
-            <a:schemeClr val="tx1"/>
-          </a:fontRef>
-        </p:style>
-      </p:cxnSp>
-      <p:cxnSp>
-        <p:nvCxnSpPr>
-          <p:cNvPr id="25" name="Connector: Elbow 24">
-            <a:extLst>
-              <a:ext uri="{FF2B5EF4-FFF2-40B4-BE49-F238E27FC236}">
-                <a16:creationId xmlns:a16="http://schemas.microsoft.com/office/drawing/2014/main" id="{347D58BC-DC94-4831-BA69-02A697254B3B}"/>
-              </a:ext>
-            </a:extLst>
-          </p:cNvPr>
-          <p:cNvCxnSpPr>
-            <a:cxnSpLocks/>
-            <a:endCxn id="194" idx="0"/>
-          </p:cNvCxnSpPr>
-          <p:nvPr/>
-        </p:nvCxnSpPr>
-        <p:spPr>
-          <a:xfrm flipV="1">
-            <a:off x="630226" y="497337"/>
-            <a:ext cx="3432048" cy="2037436"/>
-          </a:xfrm>
-          <a:prstGeom prst="bentConnector4">
-            <a:avLst>
-              <a:gd name="adj1" fmla="val 34069"/>
-              <a:gd name="adj2" fmla="val 111220"/>
-            </a:avLst>
-          </a:prstGeom>
-          <a:ln w="19050">
-            <a:tailEnd type="triangle"/>
-          </a:ln>
-        </p:spPr>
-        <p:style>
-          <a:lnRef idx="1">
-            <a:schemeClr val="accent1"/>
-          </a:lnRef>
-          <a:fillRef idx="0">
-            <a:schemeClr val="accent1"/>
-          </a:fillRef>
-          <a:effectRef idx="0">
-            <a:schemeClr val="accent1"/>
-          </a:effectRef>
-          <a:fontRef idx="minor">
-            <a:schemeClr val="tx1"/>
-          </a:fontRef>
-        </p:style>
-      </p:cxnSp>
-      <p:cxnSp>
-        <p:nvCxnSpPr>
-          <p:cNvPr id="27" name="Straight Arrow Connector 26">
-            <a:extLst>
-              <a:ext uri="{FF2B5EF4-FFF2-40B4-BE49-F238E27FC236}">
-                <a16:creationId xmlns:a16="http://schemas.microsoft.com/office/drawing/2014/main" id="{97AD8DA8-1358-42FF-8E58-BE5BFF6639A7}"/>
-              </a:ext>
-            </a:extLst>
-          </p:cNvPr>
-          <p:cNvCxnSpPr>
-            <a:stCxn id="194" idx="3"/>
-            <a:endCxn id="13" idx="1"/>
-          </p:cNvCxnSpPr>
-          <p:nvPr/>
-        </p:nvCxnSpPr>
-        <p:spPr>
-          <a:xfrm flipV="1">
-            <a:off x="5155783" y="1114792"/>
-            <a:ext cx="1667887" cy="1"/>
-          </a:xfrm>
-          <a:prstGeom prst="straightConnector1">
-            <a:avLst/>
-          </a:prstGeom>
-          <a:ln w="19050">
-            <a:tailEnd type="triangle"/>
-          </a:ln>
-        </p:spPr>
-        <p:style>
-          <a:lnRef idx="1">
-            <a:schemeClr val="accent1"/>
-          </a:lnRef>
-          <a:fillRef idx="0">
-            <a:schemeClr val="accent1"/>
-          </a:fillRef>
-          <a:effectRef idx="0">
-            <a:schemeClr val="accent1"/>
-          </a:effectRef>
-          <a:fontRef idx="minor">
-            <a:schemeClr val="tx1"/>
-          </a:fontRef>
-        </p:style>
-      </p:cxnSp>
-      <p:cxnSp>
-        <p:nvCxnSpPr>
-          <p:cNvPr id="36" name="Straight Arrow Connector 35">
-            <a:extLst>
-              <a:ext uri="{FF2B5EF4-FFF2-40B4-BE49-F238E27FC236}">
-                <a16:creationId xmlns:a16="http://schemas.microsoft.com/office/drawing/2014/main" id="{13AD6A7A-3F15-4ED8-BB91-9D646279162D}"/>
-              </a:ext>
-            </a:extLst>
-          </p:cNvPr>
-          <p:cNvCxnSpPr>
-            <a:cxnSpLocks/>
-            <a:stCxn id="10" idx="2"/>
-            <a:endCxn id="11" idx="0"/>
-          </p:cNvCxnSpPr>
-          <p:nvPr/>
-        </p:nvCxnSpPr>
-        <p:spPr>
-          <a:xfrm>
-            <a:off x="4062273" y="3029268"/>
-            <a:ext cx="1" cy="421967"/>
-          </a:xfrm>
-          <a:prstGeom prst="straightConnector1">
-            <a:avLst/>
-          </a:prstGeom>
-          <a:ln w="19050">
-            <a:tailEnd type="triangle"/>
-          </a:ln>
-        </p:spPr>
-        <p:style>
-          <a:lnRef idx="1">
-            <a:schemeClr val="accent1"/>
-          </a:lnRef>
-          <a:fillRef idx="0">
-            <a:schemeClr val="accent1"/>
-          </a:fillRef>
-          <a:effectRef idx="0">
-            <a:schemeClr val="accent1"/>
-          </a:effectRef>
-          <a:fontRef idx="minor">
-            <a:schemeClr val="tx1"/>
-          </a:fontRef>
-        </p:style>
-      </p:cxnSp>
-      <p:cxnSp>
-        <p:nvCxnSpPr>
-          <p:cNvPr id="40" name="Straight Arrow Connector 39">
-            <a:extLst>
-              <a:ext uri="{FF2B5EF4-FFF2-40B4-BE49-F238E27FC236}">
-                <a16:creationId xmlns:a16="http://schemas.microsoft.com/office/drawing/2014/main" id="{1AA0C09B-6B46-42F4-9CE2-71784E93A5FD}"/>
-              </a:ext>
-            </a:extLst>
-          </p:cNvPr>
-          <p:cNvCxnSpPr>
-            <a:cxnSpLocks/>
-            <a:stCxn id="11" idx="2"/>
-            <a:endCxn id="12" idx="0"/>
-          </p:cNvCxnSpPr>
-          <p:nvPr/>
-        </p:nvCxnSpPr>
-        <p:spPr>
-          <a:xfrm flipH="1">
-            <a:off x="4062273" y="4686147"/>
-            <a:ext cx="1" cy="362497"/>
-          </a:xfrm>
-          <a:prstGeom prst="straightConnector1">
-            <a:avLst/>
-          </a:prstGeom>
-          <a:ln w="19050">
-            <a:tailEnd type="triangle"/>
-          </a:ln>
-        </p:spPr>
-        <p:style>
-          <a:lnRef idx="1">
-            <a:schemeClr val="accent1"/>
-          </a:lnRef>
-          <a:fillRef idx="0">
-            <a:schemeClr val="accent1"/>
-          </a:fillRef>
-          <a:effectRef idx="0">
-            <a:schemeClr val="accent1"/>
-          </a:effectRef>
-          <a:fontRef idx="minor">
-            <a:schemeClr val="tx1"/>
-          </a:fontRef>
-        </p:style>
-      </p:cxnSp>
-      <p:cxnSp>
-        <p:nvCxnSpPr>
-          <p:cNvPr id="44" name="Straight Arrow Connector 43">
-            <a:extLst>
-              <a:ext uri="{FF2B5EF4-FFF2-40B4-BE49-F238E27FC236}">
-                <a16:creationId xmlns:a16="http://schemas.microsoft.com/office/drawing/2014/main" id="{3DECFDF3-7768-402C-90EC-D84C1FD511F2}"/>
-              </a:ext>
-            </a:extLst>
-          </p:cNvPr>
-          <p:cNvCxnSpPr>
-            <a:cxnSpLocks/>
-            <a:stCxn id="13" idx="2"/>
-            <a:endCxn id="14" idx="0"/>
-          </p:cNvCxnSpPr>
-          <p:nvPr/>
-        </p:nvCxnSpPr>
-        <p:spPr>
-          <a:xfrm flipH="1">
-            <a:off x="8174505" y="1577247"/>
-            <a:ext cx="1" cy="367104"/>
-          </a:xfrm>
-          <a:prstGeom prst="straightConnector1">
-            <a:avLst/>
-          </a:prstGeom>
-          <a:ln w="19050">
-            <a:tailEnd type="triangle"/>
-          </a:ln>
-        </p:spPr>
-        <p:style>
-          <a:lnRef idx="1">
-            <a:schemeClr val="accent1"/>
-          </a:lnRef>
-          <a:fillRef idx="0">
-            <a:schemeClr val="accent1"/>
-          </a:fillRef>
-          <a:effectRef idx="0">
-            <a:schemeClr val="accent1"/>
-          </a:effectRef>
-          <a:fontRef idx="minor">
-            <a:schemeClr val="tx1"/>
-          </a:fontRef>
-        </p:style>
-      </p:cxnSp>
-      <p:cxnSp>
-        <p:nvCxnSpPr>
-          <p:cNvPr id="48" name="Straight Arrow Connector 47">
-            <a:extLst>
-              <a:ext uri="{FF2B5EF4-FFF2-40B4-BE49-F238E27FC236}">
-                <a16:creationId xmlns:a16="http://schemas.microsoft.com/office/drawing/2014/main" id="{4D6ADBFC-23B6-4B64-807D-8A13243772D2}"/>
-              </a:ext>
-            </a:extLst>
-          </p:cNvPr>
-          <p:cNvCxnSpPr>
-            <a:cxnSpLocks/>
-            <a:stCxn id="14" idx="2"/>
-            <a:endCxn id="15" idx="0"/>
-          </p:cNvCxnSpPr>
-          <p:nvPr/>
-        </p:nvCxnSpPr>
-        <p:spPr>
-          <a:xfrm>
-            <a:off x="8174505" y="3179263"/>
-            <a:ext cx="1" cy="426971"/>
-          </a:xfrm>
-          <a:prstGeom prst="straightConnector1">
-            <a:avLst/>
-          </a:prstGeom>
-          <a:ln w="19050">
-            <a:tailEnd type="triangle"/>
-          </a:ln>
-        </p:spPr>
-        <p:style>
-          <a:lnRef idx="1">
-            <a:schemeClr val="accent1"/>
-          </a:lnRef>
-          <a:fillRef idx="0">
-            <a:schemeClr val="accent1"/>
-          </a:fillRef>
-          <a:effectRef idx="0">
-            <a:schemeClr val="accent1"/>
-          </a:effectRef>
-          <a:fontRef idx="minor">
-            <a:schemeClr val="tx1"/>
-          </a:fontRef>
-        </p:style>
-      </p:cxnSp>
-      <p:cxnSp>
-        <p:nvCxnSpPr>
-          <p:cNvPr id="51" name="Straight Arrow Connector 50">
-            <a:extLst>
-              <a:ext uri="{FF2B5EF4-FFF2-40B4-BE49-F238E27FC236}">
-                <a16:creationId xmlns:a16="http://schemas.microsoft.com/office/drawing/2014/main" id="{5668E5DE-F8A9-4998-B1A6-3482755DCA87}"/>
-              </a:ext>
-            </a:extLst>
-          </p:cNvPr>
-          <p:cNvCxnSpPr>
-            <a:cxnSpLocks/>
-            <a:stCxn id="15" idx="2"/>
-          </p:cNvCxnSpPr>
-          <p:nvPr/>
-        </p:nvCxnSpPr>
-        <p:spPr>
-          <a:xfrm flipH="1">
-            <a:off x="8174504" y="4531145"/>
-            <a:ext cx="2" cy="1307112"/>
-          </a:xfrm>
-          <a:prstGeom prst="straightConnector1">
-            <a:avLst/>
-          </a:prstGeom>
-          <a:ln w="19050">
-            <a:tailEnd type="triangle"/>
-          </a:ln>
-        </p:spPr>
-        <p:style>
-          <a:lnRef idx="1">
-            <a:schemeClr val="accent1"/>
-          </a:lnRef>
-          <a:fillRef idx="0">
-            <a:schemeClr val="accent1"/>
-          </a:fillRef>
-          <a:effectRef idx="0">
-            <a:schemeClr val="accent1"/>
-          </a:effectRef>
-          <a:fontRef idx="minor">
-            <a:schemeClr val="tx1"/>
-          </a:fontRef>
-        </p:style>
-      </p:cxnSp>
-      <p:sp>
-        <p:nvSpPr>
-          <p:cNvPr id="60" name="TextBox 59">
-            <a:extLst>
-              <a:ext uri="{FF2B5EF4-FFF2-40B4-BE49-F238E27FC236}">
-                <a16:creationId xmlns:a16="http://schemas.microsoft.com/office/drawing/2014/main" id="{D7F52D8D-EEBA-4201-8D33-2245D253B90F}"/>
-              </a:ext>
-            </a:extLst>
-          </p:cNvPr>
-          <p:cNvSpPr txBox="1"/>
-          <p:nvPr/>
-        </p:nvSpPr>
-        <p:spPr>
-          <a:xfrm>
-            <a:off x="7790595" y="5800045"/>
-            <a:ext cx="989814" cy="707886"/>
-          </a:xfrm>
-          <a:prstGeom prst="rect">
-            <a:avLst/>
-          </a:prstGeom>
-          <a:noFill/>
-        </p:spPr>
-        <p:txBody>
-          <a:bodyPr wrap="square" rtlCol="0">
-            <a:spAutoFit/>
-          </a:bodyPr>
-          <a:lstStyle/>
-          <a:p>
-            <a:r>
-              <a:rPr lang="en-US" sz="4000" dirty="0"/>
-              <a:t>To*</a:t>
-            </a:r>
-            <a:endParaRPr lang="en-SG" sz="4000" dirty="0"/>
-          </a:p>
-        </p:txBody>
-      </p:sp>
-      <p:cxnSp>
-        <p:nvCxnSpPr>
-          <p:cNvPr id="62" name="Connector: Elbow 61">
-            <a:extLst>
-              <a:ext uri="{FF2B5EF4-FFF2-40B4-BE49-F238E27FC236}">
-                <a16:creationId xmlns:a16="http://schemas.microsoft.com/office/drawing/2014/main" id="{EE95AF48-6C69-4EBE-B028-901438917EE8}"/>
-              </a:ext>
-            </a:extLst>
-          </p:cNvPr>
-          <p:cNvCxnSpPr>
-            <a:cxnSpLocks/>
-            <a:stCxn id="12" idx="2"/>
-          </p:cNvCxnSpPr>
-          <p:nvPr/>
-        </p:nvCxnSpPr>
-        <p:spPr>
-          <a:xfrm rot="16200000" flipH="1">
-            <a:off x="5558873" y="4476954"/>
-            <a:ext cx="310001" cy="3303201"/>
-          </a:xfrm>
-          <a:prstGeom prst="bentConnector2">
-            <a:avLst/>
-          </a:prstGeom>
-          <a:ln>
-            <a:tailEnd type="triangle"/>
-          </a:ln>
-        </p:spPr>
-        <p:style>
-          <a:lnRef idx="1">
-            <a:schemeClr val="accent1"/>
-          </a:lnRef>
-          <a:fillRef idx="0">
-            <a:schemeClr val="accent1"/>
-          </a:fillRef>
-          <a:effectRef idx="0">
-            <a:schemeClr val="accent1"/>
-          </a:effectRef>
-          <a:fontRef idx="minor">
-            <a:schemeClr val="tx1"/>
-          </a:fontRef>
-        </p:style>
-      </p:cxnSp>
-      <p:cxnSp>
-        <p:nvCxnSpPr>
-          <p:cNvPr id="128" name="Connector: Elbow 127">
-            <a:extLst>
-              <a:ext uri="{FF2B5EF4-FFF2-40B4-BE49-F238E27FC236}">
-                <a16:creationId xmlns:a16="http://schemas.microsoft.com/office/drawing/2014/main" id="{C1725EC9-98E6-476D-84A9-395B649AF61A}"/>
+          <p:cNvPr id="238" name="Straight Arrow Connector 237">
+            <a:extLst>
+              <a:ext uri="{FF2B5EF4-FFF2-40B4-BE49-F238E27FC236}">
+                <a16:creationId xmlns:a16="http://schemas.microsoft.com/office/drawing/2014/main" id="{DE6DAC89-A8B5-4917-A1D8-FF9A1168592B}"/>
               </a:ext>
             </a:extLst>
           </p:cNvPr>
@@ -30073,16 +34333,17 @@
           <p:nvPr/>
         </p:nvCxnSpPr>
         <p:spPr>
-          <a:xfrm>
-            <a:off x="5155783" y="4068690"/>
-            <a:ext cx="2099501" cy="1859920"/>
-          </a:xfrm>
-          <a:prstGeom prst="bentConnector3">
-            <a:avLst>
-              <a:gd name="adj1" fmla="val 50000"/>
-            </a:avLst>
-          </a:prstGeom>
-          <a:ln w="19050">
+          <a:xfrm flipH="1" flipV="1">
+            <a:off x="10127764" y="5928344"/>
+            <a:ext cx="367683" cy="6271"/>
+          </a:xfrm>
+          <a:prstGeom prst="straightConnector1">
+            <a:avLst/>
+          </a:prstGeom>
+          <a:ln w="38100">
+            <a:solidFill>
+              <a:schemeClr val="tx1"/>
+            </a:solidFill>
             <a:tailEnd type="triangle"/>
           </a:ln>
         </p:spPr>
@@ -30101,307 +34362,76 @@
           </a:fontRef>
         </p:style>
       </p:cxnSp>
-      <p:cxnSp>
-        <p:nvCxnSpPr>
-          <p:cNvPr id="131" name="Connector: Elbow 130">
-            <a:extLst>
-              <a:ext uri="{FF2B5EF4-FFF2-40B4-BE49-F238E27FC236}">
-                <a16:creationId xmlns:a16="http://schemas.microsoft.com/office/drawing/2014/main" id="{604565C1-ADD1-4B0A-AD49-646EF596E35F}"/>
-              </a:ext>
-            </a:extLst>
-          </p:cNvPr>
-          <p:cNvCxnSpPr>
-            <a:cxnSpLocks/>
-            <a:stCxn id="14" idx="3"/>
-          </p:cNvCxnSpPr>
-          <p:nvPr/>
-        </p:nvCxnSpPr>
-        <p:spPr>
-          <a:xfrm flipH="1">
-            <a:off x="9033360" y="2561807"/>
-            <a:ext cx="234654" cy="3600927"/>
-          </a:xfrm>
-          <a:prstGeom prst="bentConnector4">
-            <a:avLst>
-              <a:gd name="adj1" fmla="val -375262"/>
-              <a:gd name="adj2" fmla="val 99909"/>
-            </a:avLst>
-          </a:prstGeom>
-          <a:ln>
-            <a:tailEnd type="triangle"/>
-          </a:ln>
-        </p:spPr>
-        <p:style>
-          <a:lnRef idx="1">
-            <a:schemeClr val="accent1"/>
-          </a:lnRef>
-          <a:fillRef idx="0">
-            <a:schemeClr val="accent1"/>
-          </a:fillRef>
-          <a:effectRef idx="0">
-            <a:schemeClr val="accent1"/>
-          </a:effectRef>
-          <a:fontRef idx="minor">
-            <a:schemeClr val="tx1"/>
-          </a:fontRef>
-        </p:style>
-      </p:cxnSp>
-      <p:sp>
-        <p:nvSpPr>
-          <p:cNvPr id="102" name="TextBox 101">
-            <a:extLst>
-              <a:ext uri="{FF2B5EF4-FFF2-40B4-BE49-F238E27FC236}">
-                <a16:creationId xmlns:a16="http://schemas.microsoft.com/office/drawing/2014/main" id="{3280A1E7-427B-43A1-806E-E5C93E9A0762}"/>
-              </a:ext>
-            </a:extLst>
-          </p:cNvPr>
-          <p:cNvSpPr txBox="1"/>
-          <p:nvPr/>
-        </p:nvSpPr>
-        <p:spPr>
-          <a:xfrm>
-            <a:off x="4068218" y="4591298"/>
-            <a:ext cx="335348" cy="461665"/>
-          </a:xfrm>
-          <a:prstGeom prst="rect">
-            <a:avLst/>
-          </a:prstGeom>
-          <a:noFill/>
-        </p:spPr>
-        <p:txBody>
-          <a:bodyPr wrap="square" rtlCol="0">
-            <a:spAutoFit/>
-          </a:bodyPr>
-          <a:lstStyle/>
-          <a:p>
-            <a:r>
-              <a:rPr lang="en-US" sz="2400" dirty="0"/>
-              <a:t>Y</a:t>
-            </a:r>
-            <a:endParaRPr lang="en-SG" sz="2400" dirty="0"/>
-          </a:p>
-        </p:txBody>
-      </p:sp>
-      <p:sp>
-        <p:nvSpPr>
-          <p:cNvPr id="103" name="TextBox 102">
-            <a:extLst>
-              <a:ext uri="{FF2B5EF4-FFF2-40B4-BE49-F238E27FC236}">
-                <a16:creationId xmlns:a16="http://schemas.microsoft.com/office/drawing/2014/main" id="{1394ED71-38DF-4540-AA66-7FE2DE93F3AB}"/>
-              </a:ext>
-            </a:extLst>
-          </p:cNvPr>
-          <p:cNvSpPr txBox="1"/>
-          <p:nvPr/>
-        </p:nvSpPr>
-        <p:spPr>
-          <a:xfrm>
-            <a:off x="8220992" y="3136262"/>
-            <a:ext cx="335348" cy="461665"/>
-          </a:xfrm>
-          <a:prstGeom prst="rect">
-            <a:avLst/>
-          </a:prstGeom>
-          <a:noFill/>
-        </p:spPr>
-        <p:txBody>
-          <a:bodyPr wrap="square" rtlCol="0">
-            <a:spAutoFit/>
-          </a:bodyPr>
-          <a:lstStyle/>
-          <a:p>
-            <a:r>
-              <a:rPr lang="en-US" sz="2400" dirty="0"/>
-              <a:t>Y</a:t>
-            </a:r>
-            <a:endParaRPr lang="en-SG" sz="2400" dirty="0"/>
-          </a:p>
-        </p:txBody>
-      </p:sp>
-      <p:sp>
-        <p:nvSpPr>
-          <p:cNvPr id="104" name="TextBox 103">
-            <a:extLst>
-              <a:ext uri="{FF2B5EF4-FFF2-40B4-BE49-F238E27FC236}">
-                <a16:creationId xmlns:a16="http://schemas.microsoft.com/office/drawing/2014/main" id="{D724BF7C-12C4-464D-9789-15F844A28C49}"/>
-              </a:ext>
-            </a:extLst>
-          </p:cNvPr>
-          <p:cNvSpPr txBox="1"/>
-          <p:nvPr/>
-        </p:nvSpPr>
-        <p:spPr>
-          <a:xfrm>
-            <a:off x="4094039" y="1674535"/>
-            <a:ext cx="335348" cy="461665"/>
-          </a:xfrm>
-          <a:prstGeom prst="rect">
-            <a:avLst/>
-          </a:prstGeom>
-          <a:noFill/>
-        </p:spPr>
-        <p:txBody>
-          <a:bodyPr wrap="square" rtlCol="0">
-            <a:spAutoFit/>
-          </a:bodyPr>
-          <a:lstStyle/>
-          <a:p>
-            <a:r>
-              <a:rPr lang="en-US" sz="2400" dirty="0"/>
-              <a:t>Y</a:t>
-            </a:r>
-            <a:endParaRPr lang="en-SG" sz="2400" dirty="0"/>
-          </a:p>
-        </p:txBody>
-      </p:sp>
-      <p:sp>
-        <p:nvSpPr>
-          <p:cNvPr id="105" name="TextBox 104">
-            <a:extLst>
-              <a:ext uri="{FF2B5EF4-FFF2-40B4-BE49-F238E27FC236}">
-                <a16:creationId xmlns:a16="http://schemas.microsoft.com/office/drawing/2014/main" id="{AE0BE1A6-0828-4940-9CE4-01FA257BBD12}"/>
-              </a:ext>
-            </a:extLst>
-          </p:cNvPr>
-          <p:cNvSpPr txBox="1"/>
-          <p:nvPr/>
-        </p:nvSpPr>
-        <p:spPr>
-          <a:xfrm>
-            <a:off x="5125889" y="698071"/>
-            <a:ext cx="335348" cy="461665"/>
-          </a:xfrm>
-          <a:prstGeom prst="rect">
-            <a:avLst/>
-          </a:prstGeom>
-          <a:noFill/>
-        </p:spPr>
-        <p:txBody>
-          <a:bodyPr wrap="square" rtlCol="0">
-            <a:spAutoFit/>
-          </a:bodyPr>
-          <a:lstStyle/>
-          <a:p>
-            <a:r>
-              <a:rPr lang="en-US" sz="2400" dirty="0"/>
-              <a:t>N</a:t>
-            </a:r>
-            <a:endParaRPr lang="en-SG" sz="2400" dirty="0"/>
-          </a:p>
-        </p:txBody>
-      </p:sp>
-      <p:sp>
-        <p:nvSpPr>
-          <p:cNvPr id="106" name="TextBox 105">
-            <a:extLst>
-              <a:ext uri="{FF2B5EF4-FFF2-40B4-BE49-F238E27FC236}">
-                <a16:creationId xmlns:a16="http://schemas.microsoft.com/office/drawing/2014/main" id="{73AFC09C-1690-49D3-BDB4-E922EBAEF13F}"/>
-              </a:ext>
-            </a:extLst>
-          </p:cNvPr>
-          <p:cNvSpPr txBox="1"/>
-          <p:nvPr/>
-        </p:nvSpPr>
-        <p:spPr>
-          <a:xfrm>
-            <a:off x="9268014" y="2130075"/>
-            <a:ext cx="335348" cy="461665"/>
-          </a:xfrm>
-          <a:prstGeom prst="rect">
-            <a:avLst/>
-          </a:prstGeom>
-          <a:noFill/>
-        </p:spPr>
-        <p:txBody>
-          <a:bodyPr wrap="square" rtlCol="0">
-            <a:spAutoFit/>
-          </a:bodyPr>
-          <a:lstStyle/>
-          <a:p>
-            <a:r>
-              <a:rPr lang="en-US" sz="2400" dirty="0"/>
-              <a:t>N</a:t>
-            </a:r>
-            <a:endParaRPr lang="en-SG" sz="2400" dirty="0"/>
-          </a:p>
-        </p:txBody>
-      </p:sp>
-      <p:sp>
-        <p:nvSpPr>
-          <p:cNvPr id="107" name="TextBox 106">
-            <a:extLst>
-              <a:ext uri="{FF2B5EF4-FFF2-40B4-BE49-F238E27FC236}">
-                <a16:creationId xmlns:a16="http://schemas.microsoft.com/office/drawing/2014/main" id="{7C0EC392-72D7-4E6D-AC81-9218B35467C4}"/>
-              </a:ext>
-            </a:extLst>
-          </p:cNvPr>
-          <p:cNvSpPr txBox="1"/>
-          <p:nvPr/>
-        </p:nvSpPr>
-        <p:spPr>
-          <a:xfrm>
-            <a:off x="5073386" y="3628944"/>
-            <a:ext cx="335348" cy="461665"/>
-          </a:xfrm>
-          <a:prstGeom prst="rect">
-            <a:avLst/>
-          </a:prstGeom>
-          <a:noFill/>
-        </p:spPr>
-        <p:txBody>
-          <a:bodyPr wrap="square" rtlCol="0">
-            <a:spAutoFit/>
-          </a:bodyPr>
-          <a:lstStyle/>
-          <a:p>
-            <a:r>
-              <a:rPr lang="en-US" sz="2400" dirty="0"/>
-              <a:t>N</a:t>
-            </a:r>
-            <a:endParaRPr lang="en-SG" sz="2400" dirty="0"/>
-          </a:p>
-        </p:txBody>
-      </p:sp>
-      <p:sp>
-        <p:nvSpPr>
-          <p:cNvPr id="108" name="TextBox 107">
-            <a:extLst>
-              <a:ext uri="{FF2B5EF4-FFF2-40B4-BE49-F238E27FC236}">
-                <a16:creationId xmlns:a16="http://schemas.microsoft.com/office/drawing/2014/main" id="{54BA4EC6-4D93-4CD2-92BA-6BC60AB42EB5}"/>
-              </a:ext>
-            </a:extLst>
-          </p:cNvPr>
-          <p:cNvSpPr txBox="1"/>
-          <p:nvPr/>
-        </p:nvSpPr>
-        <p:spPr>
-          <a:xfrm>
-            <a:off x="598461" y="2130075"/>
-            <a:ext cx="335348" cy="461665"/>
-          </a:xfrm>
-          <a:prstGeom prst="rect">
-            <a:avLst/>
-          </a:prstGeom>
-          <a:noFill/>
-        </p:spPr>
-        <p:txBody>
-          <a:bodyPr wrap="square" rtlCol="0">
-            <a:spAutoFit/>
-          </a:bodyPr>
-          <a:lstStyle/>
-          <a:p>
-            <a:r>
-              <a:rPr lang="en-US" sz="2400" dirty="0"/>
-              <a:t>N</a:t>
-            </a:r>
-            <a:endParaRPr lang="en-SG" sz="2400" dirty="0"/>
-          </a:p>
-        </p:txBody>
-      </p:sp>
     </p:spTree>
     <p:extLst>
       <p:ext uri="{BB962C8B-B14F-4D97-AF65-F5344CB8AC3E}">
-        <p14:creationId xmlns:p14="http://schemas.microsoft.com/office/powerpoint/2010/main" val="3502155469"/>
+        <p14:creationId xmlns:p14="http://schemas.microsoft.com/office/powerpoint/2010/main" val="1435877751"/>
+      </p:ext>
+    </p:extLst>
+  </p:cSld>
+  <p:clrMapOvr>
+    <a:masterClrMapping/>
+  </p:clrMapOvr>
+</p:sld>
+</file>
+
+<file path=ppt/slides/slide9.xml><?xml version="1.0" encoding="utf-8"?>
+<p:sld xmlns:a="http://schemas.openxmlformats.org/drawingml/2006/main" xmlns:r="http://schemas.openxmlformats.org/officeDocument/2006/relationships" xmlns:p="http://schemas.openxmlformats.org/presentationml/2006/main">
+  <p:cSld>
+    <p:spTree>
+      <p:nvGrpSpPr>
+        <p:cNvPr id="1" name=""/>
+        <p:cNvGrpSpPr/>
+        <p:nvPr/>
+      </p:nvGrpSpPr>
+      <p:grpSpPr>
+        <a:xfrm>
+          <a:off x="0" y="0"/>
+          <a:ext cx="0" cy="0"/>
+          <a:chOff x="0" y="0"/>
+          <a:chExt cx="0" cy="0"/>
+        </a:xfrm>
+      </p:grpSpPr>
+      <p:sp>
+        <p:nvSpPr>
+          <p:cNvPr id="2" name="TextBox 1">
+            <a:extLst>
+              <a:ext uri="{FF2B5EF4-FFF2-40B4-BE49-F238E27FC236}">
+                <a16:creationId xmlns:a16="http://schemas.microsoft.com/office/drawing/2014/main" id="{0C77847F-94E9-45BD-B42B-0F7EA47639CA}"/>
+              </a:ext>
+            </a:extLst>
+          </p:cNvPr>
+          <p:cNvSpPr txBox="1"/>
+          <p:nvPr/>
+        </p:nvSpPr>
+        <p:spPr>
+          <a:xfrm>
+            <a:off x="2048417" y="2105561"/>
+            <a:ext cx="8095165" cy="1323439"/>
+          </a:xfrm>
+          <a:prstGeom prst="rect">
+            <a:avLst/>
+          </a:prstGeom>
+          <a:noFill/>
+        </p:spPr>
+        <p:txBody>
+          <a:bodyPr wrap="none" rtlCol="0">
+            <a:spAutoFit/>
+          </a:bodyPr>
+          <a:lstStyle/>
+          <a:p>
+            <a:r>
+              <a:rPr lang="en-US" sz="8000" dirty="0"/>
+              <a:t>Program Flowchart</a:t>
+            </a:r>
+            <a:endParaRPr lang="en-SG" sz="8000" dirty="0"/>
+          </a:p>
+        </p:txBody>
+      </p:sp>
+    </p:spTree>
+    <p:extLst>
+      <p:ext uri="{BB962C8B-B14F-4D97-AF65-F5344CB8AC3E}">
+        <p14:creationId xmlns:p14="http://schemas.microsoft.com/office/powerpoint/2010/main" val="4261081992"/>
       </p:ext>
     </p:extLst>
   </p:cSld>
@@ -30968,15 +34998,6 @@
 </file>
 
 <file path=customXml/item1.xml><?xml version="1.0" encoding="utf-8"?>
-<?mso-contentType ?>
-<FormTemplates xmlns="http://schemas.microsoft.com/sharepoint/v3/contenttype/forms">
-  <Display>DocumentLibraryForm</Display>
-  <Edit>DocumentLibraryForm</Edit>
-  <New>DocumentLibraryForm</New>
-</FormTemplates>
-</file>
-
-<file path=customXml/item2.xml><?xml version="1.0" encoding="utf-8"?>
 <ct:contentTypeSchema xmlns:ct="http://schemas.microsoft.com/office/2006/metadata/contentType" xmlns:ma="http://schemas.microsoft.com/office/2006/metadata/properties/metaAttributes" ct:_="" ma:_="" ma:contentTypeName="Document" ma:contentTypeID="0x010100E6E1031C48018C4292DBDBD68C3F63E2" ma:contentTypeVersion="6" ma:contentTypeDescription="Create a new document." ma:contentTypeScope="" ma:versionID="9ae9a2a5b07300798953ecdd28312694">
   <xsd:schema xmlns:xsd="http://www.w3.org/2001/XMLSchema" xmlns:xs="http://www.w3.org/2001/XMLSchema" xmlns:p="http://schemas.microsoft.com/office/2006/metadata/properties" xmlns:ns2="0ad04f26-a780-43bf-835f-b79ff52a29dc" xmlns:ns3="a1518579-73ee-42fe-aa96-2836fc14ff9f" xmlns:ns4="d1583c34-73a0-4f2f-ba6b-1ac8359f2b78" targetNamespace="http://schemas.microsoft.com/office/2006/metadata/properties" ma:root="true" ma:fieldsID="9faae2f6251647047d77e859e5fe7bf2" ns2:_="" ns3:_="" ns4:_="">
     <xsd:import namespace="0ad04f26-a780-43bf-835f-b79ff52a29dc"/>
@@ -31185,7 +35206,40 @@
 </ct:contentTypeSchema>
 </file>
 
+<file path=customXml/item2.xml><?xml version="1.0" encoding="utf-8"?>
+<?mso-contentType ?>
+<FormTemplates xmlns="http://schemas.microsoft.com/sharepoint/v3/contenttype/forms">
+  <Display>DocumentLibraryForm</Display>
+  <Edit>DocumentLibraryForm</Edit>
+  <New>DocumentLibraryForm</New>
+</FormTemplates>
+</file>
+
 <file path=customXml/item3.xml><?xml version="1.0" encoding="utf-8"?>
+<p:properties xmlns:p="http://schemas.microsoft.com/office/2006/metadata/properties" xmlns:xsi="http://www.w3.org/2001/XMLSchema-instance" xmlns:pc="http://schemas.microsoft.com/office/infopath/2007/PartnerControls">
+  <documentManagement>
+    <SharedWithUsers xmlns="d1583c34-73a0-4f2f-ba6b-1ac8359f2b78">
+      <UserInfo>
+        <DisplayName>Karen Boh Lee Gek</DisplayName>
+        <AccountId>1403</AccountId>
+        <AccountType/>
+      </UserInfo>
+      <UserInfo>
+        <DisplayName>Kris Chur San Yee</DisplayName>
+        <AccountId>1798</AccountId>
+        <AccountType/>
+      </UserInfo>
+    </SharedWithUsers>
+    <_dlc_DocId xmlns="0ad04f26-a780-43bf-835f-b79ff52a29dc">U3ZV22ZJXESJ-1142709787-4964</_dlc_DocId>
+    <_dlc_DocIdUrl xmlns="0ad04f26-a780-43bf-835f-b79ff52a29dc">
+      <Url>https://sitsingaporetechedu.sharepoint.com/sites/PO/Leads/_layouts/15/DocIdRedir.aspx?ID=U3ZV22ZJXESJ-1142709787-4964</Url>
+      <Description>U3ZV22ZJXESJ-1142709787-4964</Description>
+    </_dlc_DocIdUrl>
+  </documentManagement>
+</p:properties>
+</file>
+
+<file path=customXml/item4.xml><?xml version="1.0" encoding="utf-8"?>
 <?mso-contentType ?>
 <spe:Receivers xmlns:spe="http://schemas.microsoft.com/sharepoint/events">
   <Receiver>
@@ -31235,39 +35289,7 @@
 </spe:Receivers>
 </file>
 
-<file path=customXml/item4.xml><?xml version="1.0" encoding="utf-8"?>
-<p:properties xmlns:p="http://schemas.microsoft.com/office/2006/metadata/properties" xmlns:xsi="http://www.w3.org/2001/XMLSchema-instance" xmlns:pc="http://schemas.microsoft.com/office/infopath/2007/PartnerControls">
-  <documentManagement>
-    <SharedWithUsers xmlns="d1583c34-73a0-4f2f-ba6b-1ac8359f2b78">
-      <UserInfo>
-        <DisplayName>Karen Boh Lee Gek</DisplayName>
-        <AccountId>1403</AccountId>
-        <AccountType/>
-      </UserInfo>
-      <UserInfo>
-        <DisplayName>Kris Chur San Yee</DisplayName>
-        <AccountId>1798</AccountId>
-        <AccountType/>
-      </UserInfo>
-    </SharedWithUsers>
-    <_dlc_DocId xmlns="0ad04f26-a780-43bf-835f-b79ff52a29dc">U3ZV22ZJXESJ-1142709787-4964</_dlc_DocId>
-    <_dlc_DocIdUrl xmlns="0ad04f26-a780-43bf-835f-b79ff52a29dc">
-      <Url>https://sitsingaporetechedu.sharepoint.com/sites/PO/Leads/_layouts/15/DocIdRedir.aspx?ID=U3ZV22ZJXESJ-1142709787-4964</Url>
-      <Description>U3ZV22ZJXESJ-1142709787-4964</Description>
-    </_dlc_DocIdUrl>
-  </documentManagement>
-</p:properties>
-</file>
-
 <file path=customXml/itemProps1.xml><?xml version="1.0" encoding="utf-8"?>
-<ds:datastoreItem xmlns:ds="http://schemas.openxmlformats.org/officeDocument/2006/customXml" ds:itemID="{7D7D58FF-6E5B-409D-8B4D-B0E0073025D5}">
-  <ds:schemaRefs>
-    <ds:schemaRef ds:uri="http://schemas.microsoft.com/sharepoint/v3/contenttype/forms"/>
-  </ds:schemaRefs>
-</ds:datastoreItem>
-</file>
-
-<file path=customXml/itemProps2.xml><?xml version="1.0" encoding="utf-8"?>
 <ds:datastoreItem xmlns:ds="http://schemas.openxmlformats.org/officeDocument/2006/customXml" ds:itemID="{C20F4E18-A5EC-4A34-B7AA-397D2B188B6A}">
   <ds:schemaRefs>
     <ds:schemaRef ds:uri="http://schemas.microsoft.com/office/2006/metadata/contentType"/>
@@ -31287,15 +35309,15 @@
 </ds:datastoreItem>
 </file>
 
-<file path=customXml/itemProps3.xml><?xml version="1.0" encoding="utf-8"?>
-<ds:datastoreItem xmlns:ds="http://schemas.openxmlformats.org/officeDocument/2006/customXml" ds:itemID="{DBE60198-3F54-4377-AFC2-746F792EC1FE}">
+<file path=customXml/itemProps2.xml><?xml version="1.0" encoding="utf-8"?>
+<ds:datastoreItem xmlns:ds="http://schemas.openxmlformats.org/officeDocument/2006/customXml" ds:itemID="{7D7D58FF-6E5B-409D-8B4D-B0E0073025D5}">
   <ds:schemaRefs>
-    <ds:schemaRef ds:uri="http://schemas.microsoft.com/sharepoint/events"/>
+    <ds:schemaRef ds:uri="http://schemas.microsoft.com/sharepoint/v3/contenttype/forms"/>
   </ds:schemaRefs>
 </ds:datastoreItem>
 </file>
 
-<file path=customXml/itemProps4.xml><?xml version="1.0" encoding="utf-8"?>
+<file path=customXml/itemProps3.xml><?xml version="1.0" encoding="utf-8"?>
 <ds:datastoreItem xmlns:ds="http://schemas.openxmlformats.org/officeDocument/2006/customXml" ds:itemID="{07B7BCB4-6752-4067-9BBF-537E18945997}">
   <ds:schemaRefs>
     <ds:schemaRef ds:uri="http://schemas.microsoft.com/office/2006/documentManagement/types"/>
@@ -31311,4 +35333,12 @@
     <ds:schemaRef ds:uri="http://purl.org/dc/dcmitype/"/>
   </ds:schemaRefs>
 </ds:datastoreItem>
+</file>
+
+<file path=customXml/itemProps4.xml><?xml version="1.0" encoding="utf-8"?>
+<ds:datastoreItem xmlns:ds="http://schemas.openxmlformats.org/officeDocument/2006/customXml" ds:itemID="{DBE60198-3F54-4377-AFC2-746F792EC1FE}">
+  <ds:schemaRefs>
+    <ds:schemaRef ds:uri="http://schemas.microsoft.com/sharepoint/events"/>
+  </ds:schemaRefs>
+</ds:datastoreItem>
 </file>
--- a/Docs/thermal_controller_blockdiagram.pptx
+++ b/Docs/thermal_controller_blockdiagram.pptx
@@ -6708,7 +6708,7 @@
         </p:nvSpPr>
         <p:spPr>
           <a:xfrm>
-            <a:off x="12377" y="533096"/>
+            <a:off x="71607" y="667186"/>
             <a:ext cx="974882" cy="369332"/>
           </a:xfrm>
           <a:prstGeom prst="rect">
@@ -6746,7 +6746,7 @@
         </p:nvCxnSpPr>
         <p:spPr>
           <a:xfrm>
-            <a:off x="987259" y="717762"/>
+            <a:off x="1046489" y="851852"/>
             <a:ext cx="713912" cy="0"/>
           </a:xfrm>
           <a:prstGeom prst="straightConnector1">
@@ -6791,7 +6791,7 @@
         </p:nvCxnSpPr>
         <p:spPr>
           <a:xfrm flipV="1">
-            <a:off x="8987171" y="707813"/>
+            <a:off x="9046401" y="841903"/>
             <a:ext cx="389779" cy="1"/>
           </a:xfrm>
           <a:prstGeom prst="straightConnector1">
@@ -6833,7 +6833,7 @@
         </p:nvSpPr>
         <p:spPr>
           <a:xfrm>
-            <a:off x="9376950" y="523147"/>
+            <a:off x="9436180" y="657237"/>
             <a:ext cx="548547" cy="369332"/>
           </a:xfrm>
           <a:prstGeom prst="rect">
@@ -6872,7 +6872,7 @@
         </p:nvCxnSpPr>
         <p:spPr>
           <a:xfrm>
-            <a:off x="3170798" y="709345"/>
+            <a:off x="3230028" y="843435"/>
             <a:ext cx="403535" cy="0"/>
           </a:xfrm>
           <a:prstGeom prst="straightConnector1">
@@ -6914,7 +6914,7 @@
         </p:nvSpPr>
         <p:spPr>
           <a:xfrm>
-            <a:off x="1701171" y="360793"/>
+            <a:off x="1760401" y="494883"/>
             <a:ext cx="1461325" cy="713937"/>
           </a:xfrm>
           <a:prstGeom prst="rect">
@@ -6984,7 +6984,7 @@
         </p:nvSpPr>
         <p:spPr>
           <a:xfrm>
-            <a:off x="3574333" y="524679"/>
+            <a:off x="3633563" y="658769"/>
             <a:ext cx="665567" cy="369332"/>
           </a:xfrm>
           <a:prstGeom prst="rect">
@@ -7022,7 +7022,7 @@
         </p:nvCxnSpPr>
         <p:spPr>
           <a:xfrm>
-            <a:off x="7129938" y="709345"/>
+            <a:off x="7189168" y="843435"/>
             <a:ext cx="382180" cy="0"/>
           </a:xfrm>
           <a:prstGeom prst="straightConnector1">
@@ -7064,7 +7064,7 @@
         </p:nvSpPr>
         <p:spPr>
           <a:xfrm>
-            <a:off x="4650323" y="360793"/>
+            <a:off x="4709553" y="494883"/>
             <a:ext cx="1461325" cy="713937"/>
           </a:xfrm>
           <a:prstGeom prst="rect">
@@ -7136,7 +7136,7 @@
         </p:nvCxnSpPr>
         <p:spPr>
           <a:xfrm>
-            <a:off x="4234014" y="709345"/>
+            <a:off x="4293244" y="843435"/>
             <a:ext cx="403535" cy="0"/>
           </a:xfrm>
           <a:prstGeom prst="straightConnector1">
@@ -7178,7 +7178,7 @@
         </p:nvSpPr>
         <p:spPr>
           <a:xfrm>
-            <a:off x="6514278" y="524679"/>
+            <a:off x="6573508" y="658769"/>
             <a:ext cx="665568" cy="369332"/>
           </a:xfrm>
           <a:prstGeom prst="rect">
@@ -7217,7 +7217,7 @@
         </p:nvCxnSpPr>
         <p:spPr>
           <a:xfrm>
-            <a:off x="6132098" y="709345"/>
+            <a:off x="6191328" y="843435"/>
             <a:ext cx="382180" cy="0"/>
           </a:xfrm>
           <a:prstGeom prst="straightConnector1">
@@ -7259,7 +7259,7 @@
         </p:nvSpPr>
         <p:spPr>
           <a:xfrm>
-            <a:off x="7512118" y="356654"/>
+            <a:off x="7571348" y="490744"/>
             <a:ext cx="1461325" cy="713937"/>
           </a:xfrm>
           <a:prstGeom prst="rect">
@@ -11448,6 +11448,42 @@
           </a:p>
         </p:txBody>
       </p:sp>
+      <p:sp>
+        <p:nvSpPr>
+          <p:cNvPr id="120" name="TextBox 119">
+            <a:extLst>
+              <a:ext uri="{FF2B5EF4-FFF2-40B4-BE49-F238E27FC236}">
+                <a16:creationId xmlns:a16="http://schemas.microsoft.com/office/drawing/2014/main" id="{DAF1DB96-F4C0-462C-B059-C60D50240179}"/>
+              </a:ext>
+            </a:extLst>
+          </p:cNvPr>
+          <p:cNvSpPr txBox="1"/>
+          <p:nvPr/>
+        </p:nvSpPr>
+        <p:spPr>
+          <a:xfrm>
+            <a:off x="1" y="71433"/>
+            <a:ext cx="1489410" cy="400110"/>
+          </a:xfrm>
+          <a:prstGeom prst="rect">
+            <a:avLst/>
+          </a:prstGeom>
+          <a:noFill/>
+        </p:spPr>
+        <p:txBody>
+          <a:bodyPr wrap="square" rtlCol="0">
+            <a:spAutoFit/>
+          </a:bodyPr>
+          <a:lstStyle/>
+          <a:p>
+            <a:r>
+              <a:rPr lang="en-US" sz="2000" dirty="0"/>
+              <a:t>Box 1</a:t>
+            </a:r>
+            <a:endParaRPr lang="en-SG" sz="2000" dirty="0"/>
+          </a:p>
+        </p:txBody>
+      </p:sp>
     </p:spTree>
     <p:extLst>
       <p:ext uri="{BB962C8B-B14F-4D97-AF65-F5344CB8AC3E}">
@@ -11562,7 +11598,7 @@
         </p:nvSpPr>
         <p:spPr>
           <a:xfrm>
-            <a:off x="12377" y="533096"/>
+            <a:off x="116999" y="700654"/>
             <a:ext cx="974882" cy="369332"/>
           </a:xfrm>
           <a:prstGeom prst="rect">
@@ -11600,7 +11636,7 @@
         </p:nvCxnSpPr>
         <p:spPr>
           <a:xfrm>
-            <a:off x="987259" y="717762"/>
+            <a:off x="1091881" y="885320"/>
             <a:ext cx="713912" cy="0"/>
           </a:xfrm>
           <a:prstGeom prst="straightConnector1">
@@ -11645,7 +11681,7 @@
         </p:nvCxnSpPr>
         <p:spPr>
           <a:xfrm flipV="1">
-            <a:off x="8987171" y="707813"/>
+            <a:off x="9091793" y="875371"/>
             <a:ext cx="389779" cy="1"/>
           </a:xfrm>
           <a:prstGeom prst="straightConnector1">
@@ -11687,7 +11723,7 @@
         </p:nvSpPr>
         <p:spPr>
           <a:xfrm>
-            <a:off x="9376950" y="523147"/>
+            <a:off x="9481572" y="690705"/>
             <a:ext cx="548547" cy="369332"/>
           </a:xfrm>
           <a:prstGeom prst="rect">
@@ -11726,7 +11762,7 @@
         </p:nvCxnSpPr>
         <p:spPr>
           <a:xfrm>
-            <a:off x="3170798" y="709345"/>
+            <a:off x="3275420" y="876903"/>
             <a:ext cx="403535" cy="0"/>
           </a:xfrm>
           <a:prstGeom prst="straightConnector1">
@@ -11768,7 +11804,7 @@
         </p:nvSpPr>
         <p:spPr>
           <a:xfrm>
-            <a:off x="1701171" y="360793"/>
+            <a:off x="1805793" y="528351"/>
             <a:ext cx="1461325" cy="713937"/>
           </a:xfrm>
           <a:prstGeom prst="rect">
@@ -11838,7 +11874,7 @@
         </p:nvSpPr>
         <p:spPr>
           <a:xfrm>
-            <a:off x="3574333" y="524679"/>
+            <a:off x="3678955" y="692237"/>
             <a:ext cx="665567" cy="369332"/>
           </a:xfrm>
           <a:prstGeom prst="rect">
@@ -11876,7 +11912,7 @@
         </p:nvCxnSpPr>
         <p:spPr>
           <a:xfrm>
-            <a:off x="7129938" y="709345"/>
+            <a:off x="7234560" y="876903"/>
             <a:ext cx="382180" cy="0"/>
           </a:xfrm>
           <a:prstGeom prst="straightConnector1">
@@ -11918,7 +11954,7 @@
         </p:nvSpPr>
         <p:spPr>
           <a:xfrm>
-            <a:off x="4650323" y="360793"/>
+            <a:off x="4754945" y="528351"/>
             <a:ext cx="1461325" cy="713937"/>
           </a:xfrm>
           <a:prstGeom prst="rect">
@@ -11990,7 +12026,7 @@
         </p:nvCxnSpPr>
         <p:spPr>
           <a:xfrm>
-            <a:off x="4234014" y="709345"/>
+            <a:off x="4338636" y="876903"/>
             <a:ext cx="403535" cy="0"/>
           </a:xfrm>
           <a:prstGeom prst="straightConnector1">
@@ -12032,7 +12068,7 @@
         </p:nvSpPr>
         <p:spPr>
           <a:xfrm>
-            <a:off x="6514278" y="524679"/>
+            <a:off x="6618900" y="692237"/>
             <a:ext cx="665568" cy="369332"/>
           </a:xfrm>
           <a:prstGeom prst="rect">
@@ -12071,7 +12107,7 @@
         </p:nvCxnSpPr>
         <p:spPr>
           <a:xfrm>
-            <a:off x="6132098" y="709345"/>
+            <a:off x="6236720" y="876903"/>
             <a:ext cx="382180" cy="0"/>
           </a:xfrm>
           <a:prstGeom prst="straightConnector1">
@@ -12113,7 +12149,7 @@
         </p:nvSpPr>
         <p:spPr>
           <a:xfrm>
-            <a:off x="7512118" y="356654"/>
+            <a:off x="7616740" y="524212"/>
             <a:ext cx="1461325" cy="713937"/>
           </a:xfrm>
           <a:prstGeom prst="rect">
@@ -15687,6 +15723,42 @@
           </a:p>
         </p:txBody>
       </p:sp>
+      <p:sp>
+        <p:nvSpPr>
+          <p:cNvPr id="101" name="TextBox 100">
+            <a:extLst>
+              <a:ext uri="{FF2B5EF4-FFF2-40B4-BE49-F238E27FC236}">
+                <a16:creationId xmlns:a16="http://schemas.microsoft.com/office/drawing/2014/main" id="{3F4D7934-373C-4B06-9B9E-E9E98F89E275}"/>
+              </a:ext>
+            </a:extLst>
+          </p:cNvPr>
+          <p:cNvSpPr txBox="1"/>
+          <p:nvPr/>
+        </p:nvSpPr>
+        <p:spPr>
+          <a:xfrm>
+            <a:off x="0" y="71433"/>
+            <a:ext cx="3025785" cy="400110"/>
+          </a:xfrm>
+          <a:prstGeom prst="rect">
+            <a:avLst/>
+          </a:prstGeom>
+          <a:noFill/>
+        </p:spPr>
+        <p:txBody>
+          <a:bodyPr wrap="square" rtlCol="0">
+            <a:spAutoFit/>
+          </a:bodyPr>
+          <a:lstStyle/>
+          <a:p>
+            <a:r>
+              <a:rPr lang="en-US" sz="2000" dirty="0"/>
+              <a:t>Box 1 (change sensor)</a:t>
+            </a:r>
+            <a:endParaRPr lang="en-SG" sz="2000" dirty="0"/>
+          </a:p>
+        </p:txBody>
+      </p:sp>
     </p:spTree>
     <p:extLst>
       <p:ext uri="{BB962C8B-B14F-4D97-AF65-F5344CB8AC3E}">
@@ -15801,7 +15873,7 @@
         </p:nvSpPr>
         <p:spPr>
           <a:xfrm>
-            <a:off x="12377" y="533096"/>
+            <a:off x="99312" y="659179"/>
             <a:ext cx="974882" cy="369332"/>
           </a:xfrm>
           <a:prstGeom prst="rect">
@@ -15839,7 +15911,7 @@
         </p:nvCxnSpPr>
         <p:spPr>
           <a:xfrm>
-            <a:off x="987259" y="717762"/>
+            <a:off x="1074194" y="843845"/>
             <a:ext cx="713912" cy="0"/>
           </a:xfrm>
           <a:prstGeom prst="straightConnector1">
@@ -15884,7 +15956,7 @@
         </p:nvCxnSpPr>
         <p:spPr>
           <a:xfrm flipV="1">
-            <a:off x="8987171" y="707813"/>
+            <a:off x="9074106" y="833896"/>
             <a:ext cx="389779" cy="1"/>
           </a:xfrm>
           <a:prstGeom prst="straightConnector1">
@@ -15926,7 +15998,7 @@
         </p:nvSpPr>
         <p:spPr>
           <a:xfrm>
-            <a:off x="9376950" y="523147"/>
+            <a:off x="9463885" y="649230"/>
             <a:ext cx="548547" cy="369332"/>
           </a:xfrm>
           <a:prstGeom prst="rect">
@@ -15965,7 +16037,7 @@
         </p:nvCxnSpPr>
         <p:spPr>
           <a:xfrm>
-            <a:off x="3170798" y="709345"/>
+            <a:off x="3257733" y="835428"/>
             <a:ext cx="403535" cy="0"/>
           </a:xfrm>
           <a:prstGeom prst="straightConnector1">
@@ -16007,7 +16079,7 @@
         </p:nvSpPr>
         <p:spPr>
           <a:xfrm>
-            <a:off x="1701171" y="360793"/>
+            <a:off x="1788106" y="486876"/>
             <a:ext cx="1461325" cy="713937"/>
           </a:xfrm>
           <a:prstGeom prst="rect">
@@ -16077,7 +16149,7 @@
         </p:nvSpPr>
         <p:spPr>
           <a:xfrm>
-            <a:off x="3574333" y="524679"/>
+            <a:off x="3661268" y="650762"/>
             <a:ext cx="665567" cy="369332"/>
           </a:xfrm>
           <a:prstGeom prst="rect">
@@ -16115,7 +16187,7 @@
         </p:nvCxnSpPr>
         <p:spPr>
           <a:xfrm>
-            <a:off x="7129938" y="709345"/>
+            <a:off x="7216873" y="835428"/>
             <a:ext cx="382180" cy="0"/>
           </a:xfrm>
           <a:prstGeom prst="straightConnector1">
@@ -16157,7 +16229,7 @@
         </p:nvSpPr>
         <p:spPr>
           <a:xfrm>
-            <a:off x="4650323" y="360793"/>
+            <a:off x="4737258" y="486876"/>
             <a:ext cx="1461325" cy="713937"/>
           </a:xfrm>
           <a:prstGeom prst="rect">
@@ -16229,7 +16301,7 @@
         </p:nvCxnSpPr>
         <p:spPr>
           <a:xfrm>
-            <a:off x="4234014" y="709345"/>
+            <a:off x="4320949" y="835428"/>
             <a:ext cx="403535" cy="0"/>
           </a:xfrm>
           <a:prstGeom prst="straightConnector1">
@@ -16271,7 +16343,7 @@
         </p:nvSpPr>
         <p:spPr>
           <a:xfrm>
-            <a:off x="6514278" y="524679"/>
+            <a:off x="6601213" y="650762"/>
             <a:ext cx="665568" cy="369332"/>
           </a:xfrm>
           <a:prstGeom prst="rect">
@@ -16310,7 +16382,7 @@
         </p:nvCxnSpPr>
         <p:spPr>
           <a:xfrm>
-            <a:off x="6132098" y="709345"/>
+            <a:off x="6219033" y="835428"/>
             <a:ext cx="382180" cy="0"/>
           </a:xfrm>
           <a:prstGeom prst="straightConnector1">
@@ -16352,7 +16424,7 @@
         </p:nvSpPr>
         <p:spPr>
           <a:xfrm>
-            <a:off x="7512118" y="356654"/>
+            <a:off x="7599053" y="482737"/>
             <a:ext cx="1461325" cy="713937"/>
           </a:xfrm>
           <a:prstGeom prst="rect">
@@ -20156,6 +20228,42 @@
           </a:p>
         </p:txBody>
       </p:sp>
+      <p:sp>
+        <p:nvSpPr>
+          <p:cNvPr id="111" name="TextBox 110">
+            <a:extLst>
+              <a:ext uri="{FF2B5EF4-FFF2-40B4-BE49-F238E27FC236}">
+                <a16:creationId xmlns:a16="http://schemas.microsoft.com/office/drawing/2014/main" id="{C2E892E6-E4FB-42B3-B3BE-67EB337BAB73}"/>
+              </a:ext>
+            </a:extLst>
+          </p:cNvPr>
+          <p:cNvSpPr txBox="1"/>
+          <p:nvPr/>
+        </p:nvSpPr>
+        <p:spPr>
+          <a:xfrm>
+            <a:off x="0" y="71433"/>
+            <a:ext cx="3025785" cy="400110"/>
+          </a:xfrm>
+          <a:prstGeom prst="rect">
+            <a:avLst/>
+          </a:prstGeom>
+          <a:noFill/>
+        </p:spPr>
+        <p:txBody>
+          <a:bodyPr wrap="square" rtlCol="0">
+            <a:spAutoFit/>
+          </a:bodyPr>
+          <a:lstStyle/>
+          <a:p>
+            <a:r>
+              <a:rPr lang="en-US" sz="2000" dirty="0"/>
+              <a:t>Box 1 (change sensor)</a:t>
+            </a:r>
+            <a:endParaRPr lang="en-SG" sz="2000" dirty="0"/>
+          </a:p>
+        </p:txBody>
+      </p:sp>
     </p:spTree>
     <p:extLst>
       <p:ext uri="{BB962C8B-B14F-4D97-AF65-F5344CB8AC3E}">
@@ -20270,7 +20378,7 @@
         </p:nvSpPr>
         <p:spPr>
           <a:xfrm>
-            <a:off x="12377" y="533096"/>
+            <a:off x="156153" y="668227"/>
             <a:ext cx="974882" cy="369332"/>
           </a:xfrm>
           <a:prstGeom prst="rect">
@@ -20308,7 +20416,7 @@
         </p:nvCxnSpPr>
         <p:spPr>
           <a:xfrm>
-            <a:off x="987259" y="717762"/>
+            <a:off x="1131035" y="852893"/>
             <a:ext cx="713912" cy="0"/>
           </a:xfrm>
           <a:prstGeom prst="straightConnector1">
@@ -20353,7 +20461,7 @@
         </p:nvCxnSpPr>
         <p:spPr>
           <a:xfrm flipV="1">
-            <a:off x="8987171" y="707813"/>
+            <a:off x="9130947" y="842944"/>
             <a:ext cx="389779" cy="1"/>
           </a:xfrm>
           <a:prstGeom prst="straightConnector1">
@@ -20395,7 +20503,7 @@
         </p:nvSpPr>
         <p:spPr>
           <a:xfrm>
-            <a:off x="9376950" y="523147"/>
+            <a:off x="9520726" y="658278"/>
             <a:ext cx="548547" cy="369332"/>
           </a:xfrm>
           <a:prstGeom prst="rect">
@@ -20434,7 +20542,7 @@
         </p:nvCxnSpPr>
         <p:spPr>
           <a:xfrm>
-            <a:off x="3170798" y="709345"/>
+            <a:off x="3314574" y="844476"/>
             <a:ext cx="403535" cy="0"/>
           </a:xfrm>
           <a:prstGeom prst="straightConnector1">
@@ -20476,7 +20584,7 @@
         </p:nvSpPr>
         <p:spPr>
           <a:xfrm>
-            <a:off x="1701171" y="360793"/>
+            <a:off x="1844947" y="495924"/>
             <a:ext cx="1461325" cy="713937"/>
           </a:xfrm>
           <a:prstGeom prst="rect">
@@ -20546,7 +20654,7 @@
         </p:nvSpPr>
         <p:spPr>
           <a:xfrm>
-            <a:off x="3574333" y="524679"/>
+            <a:off x="3718109" y="659810"/>
             <a:ext cx="665567" cy="369332"/>
           </a:xfrm>
           <a:prstGeom prst="rect">
@@ -20584,7 +20692,7 @@
         </p:nvCxnSpPr>
         <p:spPr>
           <a:xfrm>
-            <a:off x="7129938" y="709345"/>
+            <a:off x="7273714" y="844476"/>
             <a:ext cx="382180" cy="0"/>
           </a:xfrm>
           <a:prstGeom prst="straightConnector1">
@@ -20626,7 +20734,7 @@
         </p:nvSpPr>
         <p:spPr>
           <a:xfrm>
-            <a:off x="4650323" y="360793"/>
+            <a:off x="4794099" y="495924"/>
             <a:ext cx="1461325" cy="713937"/>
           </a:xfrm>
           <a:prstGeom prst="rect">
@@ -20698,7 +20806,7 @@
         </p:nvCxnSpPr>
         <p:spPr>
           <a:xfrm>
-            <a:off x="4234014" y="709345"/>
+            <a:off x="4377790" y="844476"/>
             <a:ext cx="403535" cy="0"/>
           </a:xfrm>
           <a:prstGeom prst="straightConnector1">
@@ -20740,7 +20848,7 @@
         </p:nvSpPr>
         <p:spPr>
           <a:xfrm>
-            <a:off x="6514278" y="524679"/>
+            <a:off x="6658054" y="659810"/>
             <a:ext cx="665568" cy="369332"/>
           </a:xfrm>
           <a:prstGeom prst="rect">
@@ -20779,7 +20887,7 @@
         </p:nvCxnSpPr>
         <p:spPr>
           <a:xfrm>
-            <a:off x="6132098" y="709345"/>
+            <a:off x="6275874" y="844476"/>
             <a:ext cx="382180" cy="0"/>
           </a:xfrm>
           <a:prstGeom prst="straightConnector1">
@@ -20821,7 +20929,7 @@
         </p:nvSpPr>
         <p:spPr>
           <a:xfrm>
-            <a:off x="7512118" y="356654"/>
+            <a:off x="7655894" y="491785"/>
             <a:ext cx="1461325" cy="713937"/>
           </a:xfrm>
           <a:prstGeom prst="rect">
@@ -24801,6 +24909,42 @@
           </a:p>
         </p:txBody>
       </p:sp>
+      <p:sp>
+        <p:nvSpPr>
+          <p:cNvPr id="131" name="TextBox 130">
+            <a:extLst>
+              <a:ext uri="{FF2B5EF4-FFF2-40B4-BE49-F238E27FC236}">
+                <a16:creationId xmlns:a16="http://schemas.microsoft.com/office/drawing/2014/main" id="{F0E6336D-7899-435C-9375-E52B777513A0}"/>
+              </a:ext>
+            </a:extLst>
+          </p:cNvPr>
+          <p:cNvSpPr txBox="1"/>
+          <p:nvPr/>
+        </p:nvSpPr>
+        <p:spPr>
+          <a:xfrm>
+            <a:off x="0" y="71433"/>
+            <a:ext cx="3371353" cy="400110"/>
+          </a:xfrm>
+          <a:prstGeom prst="rect">
+            <a:avLst/>
+          </a:prstGeom>
+          <a:noFill/>
+        </p:spPr>
+        <p:txBody>
+          <a:bodyPr wrap="square" rtlCol="0">
+            <a:spAutoFit/>
+          </a:bodyPr>
+          <a:lstStyle/>
+          <a:p>
+            <a:r>
+              <a:rPr lang="en-US" sz="2000" dirty="0"/>
+              <a:t>Box 1 (change sensor, PT100)</a:t>
+            </a:r>
+            <a:endParaRPr lang="en-SG" sz="2000" dirty="0"/>
+          </a:p>
+        </p:txBody>
+      </p:sp>
     </p:spTree>
     <p:extLst>
       <p:ext uri="{BB962C8B-B14F-4D97-AF65-F5344CB8AC3E}">
@@ -30467,6 +30611,42 @@
           </a:p>
         </p:txBody>
       </p:sp>
+      <p:sp>
+        <p:nvSpPr>
+          <p:cNvPr id="153" name="TextBox 152">
+            <a:extLst>
+              <a:ext uri="{FF2B5EF4-FFF2-40B4-BE49-F238E27FC236}">
+                <a16:creationId xmlns:a16="http://schemas.microsoft.com/office/drawing/2014/main" id="{DFEEAB31-ED59-45E7-BBB2-FEDBE7B478B7}"/>
+              </a:ext>
+            </a:extLst>
+          </p:cNvPr>
+          <p:cNvSpPr txBox="1"/>
+          <p:nvPr/>
+        </p:nvSpPr>
+        <p:spPr>
+          <a:xfrm>
+            <a:off x="0" y="71433"/>
+            <a:ext cx="3371353" cy="400110"/>
+          </a:xfrm>
+          <a:prstGeom prst="rect">
+            <a:avLst/>
+          </a:prstGeom>
+          <a:noFill/>
+        </p:spPr>
+        <p:txBody>
+          <a:bodyPr wrap="square" rtlCol="0">
+            <a:spAutoFit/>
+          </a:bodyPr>
+          <a:lstStyle/>
+          <a:p>
+            <a:r>
+              <a:rPr lang="en-US" sz="2000" dirty="0"/>
+              <a:t>Box 2 (Mega)</a:t>
+            </a:r>
+            <a:endParaRPr lang="en-SG" sz="2000" dirty="0"/>
+          </a:p>
+        </p:txBody>
+      </p:sp>
     </p:spTree>
     <p:extLst>
       <p:ext uri="{BB962C8B-B14F-4D97-AF65-F5344CB8AC3E}">
@@ -30511,8 +30691,8 @@
         </p:nvSpPr>
         <p:spPr>
           <a:xfrm>
-            <a:off x="1900926" y="1568786"/>
-            <a:ext cx="3760251" cy="4764199"/>
+            <a:off x="1199965" y="1614591"/>
+            <a:ext cx="3141296" cy="4555883"/>
           </a:xfrm>
           <a:prstGeom prst="rect">
             <a:avLst/>
@@ -31007,7 +31187,7 @@
         </p:nvSpPr>
         <p:spPr>
           <a:xfrm>
-            <a:off x="8380800" y="1450962"/>
+            <a:off x="5669375" y="1497280"/>
             <a:ext cx="2042640" cy="1570151"/>
           </a:xfrm>
           <a:prstGeom prst="rect">
@@ -31083,9 +31263,9 @@
           <p:nvPr/>
         </p:nvCxnSpPr>
         <p:spPr>
-          <a:xfrm flipH="1">
-            <a:off x="5638564" y="2635659"/>
-            <a:ext cx="2728652" cy="18116"/>
+          <a:xfrm flipH="1" flipV="1">
+            <a:off x="4360904" y="2672646"/>
+            <a:ext cx="1307902" cy="1511"/>
           </a:xfrm>
           <a:prstGeom prst="straightConnector1">
             <a:avLst/>
@@ -31126,7 +31306,7 @@
         </p:nvSpPr>
         <p:spPr>
           <a:xfrm>
-            <a:off x="8376245" y="2208157"/>
+            <a:off x="5664820" y="2254475"/>
             <a:ext cx="388248" cy="338554"/>
           </a:xfrm>
           <a:prstGeom prst="rect">
@@ -31162,7 +31342,7 @@
         </p:nvSpPr>
         <p:spPr>
           <a:xfrm>
-            <a:off x="5234802" y="2209567"/>
+            <a:off x="3914886" y="2255372"/>
             <a:ext cx="288862" cy="338554"/>
           </a:xfrm>
           <a:prstGeom prst="rect">
@@ -31198,7 +31378,7 @@
         </p:nvSpPr>
         <p:spPr>
           <a:xfrm>
-            <a:off x="5234802" y="2476538"/>
+            <a:off x="3914886" y="2522343"/>
             <a:ext cx="288862" cy="338554"/>
           </a:xfrm>
           <a:prstGeom prst="rect">
@@ -31233,7 +31413,7 @@
         </p:nvSpPr>
         <p:spPr>
           <a:xfrm>
-            <a:off x="5234802" y="1942596"/>
+            <a:off x="3914886" y="1988401"/>
             <a:ext cx="393056" cy="338554"/>
           </a:xfrm>
           <a:prstGeom prst="rect">
@@ -31268,7 +31448,7 @@
         </p:nvSpPr>
         <p:spPr>
           <a:xfrm>
-            <a:off x="10097025" y="1947848"/>
+            <a:off x="7385600" y="1994166"/>
             <a:ext cx="287258" cy="338554"/>
           </a:xfrm>
           <a:prstGeom prst="rect">
@@ -31304,7 +31484,7 @@
         </p:nvSpPr>
         <p:spPr>
           <a:xfrm>
-            <a:off x="10097025" y="2214819"/>
+            <a:off x="7385600" y="2261137"/>
             <a:ext cx="247184" cy="338554"/>
           </a:xfrm>
           <a:prstGeom prst="rect">
@@ -31342,7 +31522,7 @@
         </p:nvCxnSpPr>
         <p:spPr>
           <a:xfrm flipH="1">
-            <a:off x="10423440" y="2108550"/>
+            <a:off x="7712015" y="2154868"/>
             <a:ext cx="581080" cy="5774"/>
           </a:xfrm>
           <a:prstGeom prst="straightConnector1">
@@ -31387,7 +31567,7 @@
         </p:nvCxnSpPr>
         <p:spPr>
           <a:xfrm flipH="1">
-            <a:off x="10423440" y="2378494"/>
+            <a:off x="7712015" y="2424812"/>
             <a:ext cx="581080" cy="0"/>
           </a:xfrm>
           <a:prstGeom prst="straightConnector1">
@@ -31432,7 +31612,7 @@
         </p:nvCxnSpPr>
         <p:spPr>
           <a:xfrm>
-            <a:off x="1501892" y="1753453"/>
+            <a:off x="817785" y="1761628"/>
             <a:ext cx="382180" cy="0"/>
           </a:xfrm>
           <a:prstGeom prst="straightConnector1">
@@ -31474,7 +31654,7 @@
         </p:nvSpPr>
         <p:spPr>
           <a:xfrm>
-            <a:off x="886232" y="1568787"/>
+            <a:off x="202125" y="1576962"/>
             <a:ext cx="665568" cy="369332"/>
           </a:xfrm>
           <a:prstGeom prst="rect">
@@ -31512,7 +31692,7 @@
         </p:nvCxnSpPr>
         <p:spPr>
           <a:xfrm>
-            <a:off x="1501892" y="2071371"/>
+            <a:off x="817785" y="2079546"/>
             <a:ext cx="382180" cy="0"/>
           </a:xfrm>
           <a:prstGeom prst="straightConnector1">
@@ -31554,7 +31734,7 @@
         </p:nvSpPr>
         <p:spPr>
           <a:xfrm>
-            <a:off x="907873" y="1886705"/>
+            <a:off x="223766" y="1894880"/>
             <a:ext cx="622286" cy="369332"/>
           </a:xfrm>
           <a:prstGeom prst="rect">
@@ -31592,7 +31772,7 @@
         </p:nvCxnSpPr>
         <p:spPr>
           <a:xfrm>
-            <a:off x="7987579" y="1620906"/>
+            <a:off x="5276154" y="1667224"/>
             <a:ext cx="382180" cy="0"/>
           </a:xfrm>
           <a:prstGeom prst="straightConnector1">
@@ -31634,7 +31814,7 @@
         </p:nvSpPr>
         <p:spPr>
           <a:xfrm>
-            <a:off x="7430429" y="1436240"/>
+            <a:off x="4719004" y="1482558"/>
             <a:ext cx="548548" cy="369332"/>
           </a:xfrm>
           <a:prstGeom prst="rect">
@@ -31672,7 +31852,7 @@
         </p:nvCxnSpPr>
         <p:spPr>
           <a:xfrm>
-            <a:off x="7978977" y="2867677"/>
+            <a:off x="5267552" y="2913995"/>
             <a:ext cx="382180" cy="0"/>
           </a:xfrm>
           <a:prstGeom prst="straightConnector1">
@@ -31714,7 +31894,7 @@
         </p:nvSpPr>
         <p:spPr>
           <a:xfrm>
-            <a:off x="7384958" y="2683011"/>
+            <a:off x="4673533" y="2729329"/>
             <a:ext cx="622286" cy="369332"/>
           </a:xfrm>
           <a:prstGeom prst="rect">
@@ -31752,8 +31932,8 @@
         </p:nvCxnSpPr>
         <p:spPr>
           <a:xfrm flipH="1">
-            <a:off x="5667236" y="2378494"/>
-            <a:ext cx="2728652" cy="18116"/>
+            <a:off x="4347320" y="2431345"/>
+            <a:ext cx="1311014" cy="11070"/>
           </a:xfrm>
           <a:prstGeom prst="straightConnector1">
             <a:avLst/>
@@ -31795,9 +31975,9 @@
           <p:nvPr/>
         </p:nvCxnSpPr>
         <p:spPr>
-          <a:xfrm flipH="1">
-            <a:off x="5656622" y="2142737"/>
-            <a:ext cx="2728652" cy="18116"/>
+          <a:xfrm flipH="1" flipV="1">
+            <a:off x="4326199" y="2179212"/>
+            <a:ext cx="1327428" cy="6755"/>
           </a:xfrm>
           <a:prstGeom prst="straightConnector1">
             <a:avLst/>
@@ -31838,7 +32018,7 @@
         </p:nvSpPr>
         <p:spPr>
           <a:xfrm>
-            <a:off x="8376245" y="2454922"/>
+            <a:off x="5664820" y="2501240"/>
             <a:ext cx="447558" cy="338554"/>
           </a:xfrm>
           <a:prstGeom prst="rect">
@@ -31874,7 +32054,7 @@
         </p:nvSpPr>
         <p:spPr>
           <a:xfrm>
-            <a:off x="8370482" y="1988405"/>
+            <a:off x="5659057" y="2034723"/>
             <a:ext cx="362600" cy="338554"/>
           </a:xfrm>
           <a:prstGeom prst="rect">
@@ -31910,7 +32090,7 @@
         </p:nvSpPr>
         <p:spPr>
           <a:xfrm>
-            <a:off x="5234802" y="1686564"/>
+            <a:off x="3914886" y="1732369"/>
             <a:ext cx="393056" cy="338554"/>
           </a:xfrm>
           <a:prstGeom prst="rect">
@@ -31947,8 +32127,8 @@
         </p:nvCxnSpPr>
         <p:spPr>
           <a:xfrm flipH="1">
-            <a:off x="5656622" y="1886705"/>
-            <a:ext cx="2728652" cy="18116"/>
+            <a:off x="4336706" y="1950626"/>
+            <a:ext cx="1321628" cy="0"/>
           </a:xfrm>
           <a:prstGeom prst="straightConnector1">
             <a:avLst/>
@@ -31989,7 +32169,7 @@
         </p:nvSpPr>
         <p:spPr>
           <a:xfrm>
-            <a:off x="8370482" y="1732373"/>
+            <a:off x="5659057" y="1778691"/>
             <a:ext cx="487634" cy="338554"/>
           </a:xfrm>
           <a:prstGeom prst="rect">
@@ -32025,7 +32205,7 @@
         </p:nvSpPr>
         <p:spPr>
           <a:xfrm>
-            <a:off x="11001529" y="1950081"/>
+            <a:off x="8290104" y="1996399"/>
             <a:ext cx="787151" cy="603292"/>
           </a:xfrm>
           <a:prstGeom prst="rect">
@@ -32086,7 +32266,7 @@
         <p:spPr>
           <a:xfrm>
             <a:off x="0" y="71433"/>
-            <a:ext cx="2049535" cy="1077218"/>
+            <a:ext cx="2455224" cy="400110"/>
           </a:xfrm>
           <a:prstGeom prst="rect">
             <a:avLst/>
@@ -32100,16 +32280,10 @@
           <a:lstStyle/>
           <a:p>
             <a:r>
-              <a:rPr lang="en-US" sz="3200" dirty="0"/>
-              <a:t>Distributed</a:t>
-            </a:r>
-          </a:p>
-          <a:p>
-            <a:r>
-              <a:rPr lang="en-US" sz="3200" dirty="0"/>
-              <a:t>Controller</a:t>
-            </a:r>
-            <a:endParaRPr lang="en-SG" sz="3200" dirty="0"/>
+              <a:rPr lang="en-US" sz="2000" dirty="0"/>
+              <a:t>Distributed Controller</a:t>
+            </a:r>
+            <a:endParaRPr lang="en-SG" sz="2000" dirty="0"/>
           </a:p>
         </p:txBody>
       </p:sp>
@@ -32127,7 +32301,7 @@
         </p:nvSpPr>
         <p:spPr>
           <a:xfrm>
-            <a:off x="6440578" y="3382509"/>
+            <a:off x="5120662" y="3428314"/>
             <a:ext cx="1817552" cy="1163373"/>
           </a:xfrm>
           <a:prstGeom prst="rect">
@@ -32204,7 +32378,7 @@
         </p:nvCxnSpPr>
         <p:spPr>
           <a:xfrm>
-            <a:off x="5667216" y="3548353"/>
+            <a:off x="4347300" y="3594158"/>
             <a:ext cx="773362" cy="0"/>
           </a:xfrm>
           <a:prstGeom prst="straightConnector1">
@@ -32248,7 +32422,7 @@
         </p:nvCxnSpPr>
         <p:spPr>
           <a:xfrm flipH="1">
-            <a:off x="5667216" y="4368088"/>
+            <a:off x="4347300" y="4413893"/>
             <a:ext cx="773362" cy="0"/>
           </a:xfrm>
           <a:prstGeom prst="straightConnector1">
@@ -32292,7 +32466,7 @@
         </p:nvCxnSpPr>
         <p:spPr>
           <a:xfrm flipH="1">
-            <a:off x="5667216" y="3821598"/>
+            <a:off x="4347300" y="3867403"/>
             <a:ext cx="773362" cy="0"/>
           </a:xfrm>
           <a:prstGeom prst="straightConnector1">
@@ -32336,7 +32510,7 @@
         </p:nvCxnSpPr>
         <p:spPr>
           <a:xfrm flipH="1">
-            <a:off x="5667216" y="4094843"/>
+            <a:off x="4347300" y="4140648"/>
             <a:ext cx="773362" cy="0"/>
           </a:xfrm>
           <a:prstGeom prst="straightConnector1">
@@ -32378,7 +32552,7 @@
         </p:nvSpPr>
         <p:spPr>
           <a:xfrm>
-            <a:off x="6426086" y="3646047"/>
+            <a:off x="5106170" y="3691852"/>
             <a:ext cx="412292" cy="338554"/>
           </a:xfrm>
           <a:prstGeom prst="rect">
@@ -32413,7 +32587,7 @@
         </p:nvSpPr>
         <p:spPr>
           <a:xfrm>
-            <a:off x="6426086" y="3913018"/>
+            <a:off x="5106170" y="3958823"/>
             <a:ext cx="397866" cy="338554"/>
           </a:xfrm>
           <a:prstGeom prst="rect">
@@ -32448,7 +32622,7 @@
         </p:nvSpPr>
         <p:spPr>
           <a:xfrm>
-            <a:off x="6426086" y="4179990"/>
+            <a:off x="5106170" y="4225795"/>
             <a:ext cx="431144" cy="338554"/>
           </a:xfrm>
           <a:prstGeom prst="rect">
@@ -32483,7 +32657,7 @@
         </p:nvSpPr>
         <p:spPr>
           <a:xfrm>
-            <a:off x="6426086" y="3379076"/>
+            <a:off x="5106170" y="3424881"/>
             <a:ext cx="362600" cy="338554"/>
           </a:xfrm>
           <a:prstGeom prst="rect">
@@ -32518,7 +32692,7 @@
         </p:nvSpPr>
         <p:spPr>
           <a:xfrm>
-            <a:off x="5254425" y="3646047"/>
+            <a:off x="3934509" y="3691852"/>
             <a:ext cx="288862" cy="338554"/>
           </a:xfrm>
           <a:prstGeom prst="rect">
@@ -32553,7 +32727,7 @@
         </p:nvSpPr>
         <p:spPr>
           <a:xfrm>
-            <a:off x="5254425" y="3913018"/>
+            <a:off x="3934509" y="3958823"/>
             <a:ext cx="288862" cy="338554"/>
           </a:xfrm>
           <a:prstGeom prst="rect">
@@ -32588,7 +32762,7 @@
         </p:nvSpPr>
         <p:spPr>
           <a:xfrm>
-            <a:off x="5254425" y="4179990"/>
+            <a:off x="3934509" y="4225795"/>
             <a:ext cx="288862" cy="338554"/>
           </a:xfrm>
           <a:prstGeom prst="rect">
@@ -32623,7 +32797,7 @@
         </p:nvSpPr>
         <p:spPr>
           <a:xfrm>
-            <a:off x="5254425" y="3379076"/>
+            <a:off x="3934509" y="3424881"/>
             <a:ext cx="393056" cy="338554"/>
           </a:xfrm>
           <a:prstGeom prst="rect">
@@ -32660,7 +32834,7 @@
         </p:nvCxnSpPr>
         <p:spPr>
           <a:xfrm flipH="1">
-            <a:off x="8272417" y="3548353"/>
+            <a:off x="6952501" y="3594158"/>
             <a:ext cx="314936" cy="0"/>
           </a:xfrm>
           <a:prstGeom prst="straightConnector1">
@@ -32702,7 +32876,7 @@
         </p:nvSpPr>
         <p:spPr>
           <a:xfrm>
-            <a:off x="8530914" y="3348298"/>
+            <a:off x="7210998" y="3394103"/>
             <a:ext cx="548547" cy="369332"/>
           </a:xfrm>
           <a:prstGeom prst="rect">
@@ -32740,7 +32914,7 @@
         </p:nvCxnSpPr>
         <p:spPr>
           <a:xfrm flipH="1">
-            <a:off x="8272417" y="4340864"/>
+            <a:off x="6952501" y="4386669"/>
             <a:ext cx="314936" cy="0"/>
           </a:xfrm>
           <a:prstGeom prst="straightConnector1">
@@ -32782,7 +32956,7 @@
         </p:nvSpPr>
         <p:spPr>
           <a:xfrm>
-            <a:off x="8530914" y="4149121"/>
+            <a:off x="7210998" y="4194926"/>
             <a:ext cx="622286" cy="369332"/>
           </a:xfrm>
           <a:prstGeom prst="rect">
@@ -32818,7 +32992,7 @@
         </p:nvSpPr>
         <p:spPr>
           <a:xfrm>
-            <a:off x="7946002" y="3646047"/>
+            <a:off x="6626086" y="3691852"/>
             <a:ext cx="303288" cy="338554"/>
           </a:xfrm>
           <a:prstGeom prst="rect">
@@ -32853,7 +33027,7 @@
         </p:nvSpPr>
         <p:spPr>
           <a:xfrm>
-            <a:off x="7946002" y="3913018"/>
+            <a:off x="6626086" y="3958823"/>
             <a:ext cx="296876" cy="338554"/>
           </a:xfrm>
           <a:prstGeom prst="rect">
@@ -32890,7 +33064,7 @@
         </p:nvCxnSpPr>
         <p:spPr>
           <a:xfrm flipH="1">
-            <a:off x="8272417" y="3812523"/>
+            <a:off x="6952501" y="3858328"/>
             <a:ext cx="2208743" cy="0"/>
           </a:xfrm>
           <a:prstGeom prst="straightConnector1">
@@ -32935,7 +33109,7 @@
         </p:nvCxnSpPr>
         <p:spPr>
           <a:xfrm flipH="1">
-            <a:off x="8272417" y="4076693"/>
+            <a:off x="6952501" y="4122498"/>
             <a:ext cx="2208743" cy="0"/>
           </a:xfrm>
           <a:prstGeom prst="straightConnector1">
@@ -32980,7 +33154,7 @@
         </p:nvCxnSpPr>
         <p:spPr>
           <a:xfrm>
-            <a:off x="10098980" y="3531232"/>
+            <a:off x="8779064" y="3577037"/>
             <a:ext cx="382180" cy="0"/>
           </a:xfrm>
           <a:prstGeom prst="straightConnector1">
@@ -33022,7 +33196,7 @@
         </p:nvSpPr>
         <p:spPr>
           <a:xfrm>
-            <a:off x="9483320" y="3346566"/>
+            <a:off x="8163404" y="3392371"/>
             <a:ext cx="665568" cy="369332"/>
           </a:xfrm>
           <a:prstGeom prst="rect">
@@ -33058,7 +33232,7 @@
         </p:nvSpPr>
         <p:spPr>
           <a:xfrm>
-            <a:off x="10495447" y="3346566"/>
+            <a:off x="9175531" y="3392371"/>
             <a:ext cx="1222258" cy="1199316"/>
           </a:xfrm>
           <a:prstGeom prst="rect">
@@ -33140,7 +33314,7 @@
         </p:nvCxnSpPr>
         <p:spPr>
           <a:xfrm>
-            <a:off x="10120621" y="4368090"/>
+            <a:off x="8800705" y="4413895"/>
             <a:ext cx="382180" cy="0"/>
           </a:xfrm>
           <a:prstGeom prst="straightConnector1">
@@ -33182,7 +33356,7 @@
         </p:nvSpPr>
         <p:spPr>
           <a:xfrm>
-            <a:off x="9526602" y="4183424"/>
+            <a:off x="8206686" y="4229229"/>
             <a:ext cx="622286" cy="369332"/>
           </a:xfrm>
           <a:prstGeom prst="rect">
@@ -33218,7 +33392,7 @@
         </p:nvSpPr>
         <p:spPr>
           <a:xfrm>
-            <a:off x="8900721" y="3750176"/>
+            <a:off x="7580805" y="3795981"/>
             <a:ext cx="958917" cy="369332"/>
           </a:xfrm>
           <a:prstGeom prst="rect">
@@ -33254,7 +33428,7 @@
         </p:nvSpPr>
         <p:spPr>
           <a:xfrm>
-            <a:off x="6440578" y="4939141"/>
+            <a:off x="5120662" y="4984946"/>
             <a:ext cx="1817552" cy="1163373"/>
           </a:xfrm>
           <a:prstGeom prst="rect">
@@ -33331,7 +33505,7 @@
         </p:nvCxnSpPr>
         <p:spPr>
           <a:xfrm>
-            <a:off x="5667216" y="5104985"/>
+            <a:off x="4347300" y="5150790"/>
             <a:ext cx="773362" cy="0"/>
           </a:xfrm>
           <a:prstGeom prst="straightConnector1">
@@ -33375,7 +33549,7 @@
         </p:nvCxnSpPr>
         <p:spPr>
           <a:xfrm flipH="1">
-            <a:off x="5667216" y="5924720"/>
+            <a:off x="4347300" y="5970525"/>
             <a:ext cx="773362" cy="0"/>
           </a:xfrm>
           <a:prstGeom prst="straightConnector1">
@@ -33419,7 +33593,7 @@
         </p:nvCxnSpPr>
         <p:spPr>
           <a:xfrm flipH="1">
-            <a:off x="5667216" y="5378230"/>
+            <a:off x="4347300" y="5424035"/>
             <a:ext cx="773362" cy="0"/>
           </a:xfrm>
           <a:prstGeom prst="straightConnector1">
@@ -33463,7 +33637,7 @@
         </p:nvCxnSpPr>
         <p:spPr>
           <a:xfrm flipH="1">
-            <a:off x="5667216" y="5651475"/>
+            <a:off x="4347300" y="5697280"/>
             <a:ext cx="773362" cy="0"/>
           </a:xfrm>
           <a:prstGeom prst="straightConnector1">
@@ -33505,7 +33679,7 @@
         </p:nvSpPr>
         <p:spPr>
           <a:xfrm>
-            <a:off x="6426086" y="5202679"/>
+            <a:off x="5106170" y="5248484"/>
             <a:ext cx="412292" cy="338554"/>
           </a:xfrm>
           <a:prstGeom prst="rect">
@@ -33540,7 +33714,7 @@
         </p:nvSpPr>
         <p:spPr>
           <a:xfrm>
-            <a:off x="6426086" y="5469650"/>
+            <a:off x="5106170" y="5515455"/>
             <a:ext cx="397866" cy="338554"/>
           </a:xfrm>
           <a:prstGeom prst="rect">
@@ -33575,7 +33749,7 @@
         </p:nvSpPr>
         <p:spPr>
           <a:xfrm>
-            <a:off x="6426086" y="5736622"/>
+            <a:off x="5106170" y="5782427"/>
             <a:ext cx="431144" cy="338554"/>
           </a:xfrm>
           <a:prstGeom prst="rect">
@@ -33610,7 +33784,7 @@
         </p:nvSpPr>
         <p:spPr>
           <a:xfrm>
-            <a:off x="6426086" y="4935708"/>
+            <a:off x="5106170" y="4981513"/>
             <a:ext cx="362600" cy="338554"/>
           </a:xfrm>
           <a:prstGeom prst="rect">
@@ -33645,7 +33819,7 @@
         </p:nvSpPr>
         <p:spPr>
           <a:xfrm>
-            <a:off x="5254425" y="5202679"/>
+            <a:off x="3934509" y="5248484"/>
             <a:ext cx="288862" cy="338554"/>
           </a:xfrm>
           <a:prstGeom prst="rect">
@@ -33680,7 +33854,7 @@
         </p:nvSpPr>
         <p:spPr>
           <a:xfrm>
-            <a:off x="5254425" y="5469650"/>
+            <a:off x="3934509" y="5515455"/>
             <a:ext cx="288862" cy="338554"/>
           </a:xfrm>
           <a:prstGeom prst="rect">
@@ -33715,7 +33889,7 @@
         </p:nvSpPr>
         <p:spPr>
           <a:xfrm>
-            <a:off x="5254425" y="5736622"/>
+            <a:off x="3934509" y="5782427"/>
             <a:ext cx="288862" cy="338554"/>
           </a:xfrm>
           <a:prstGeom prst="rect">
@@ -33750,7 +33924,7 @@
         </p:nvSpPr>
         <p:spPr>
           <a:xfrm>
-            <a:off x="5254425" y="4935708"/>
+            <a:off x="3934509" y="4981513"/>
             <a:ext cx="393056" cy="338554"/>
           </a:xfrm>
           <a:prstGeom prst="rect">
@@ -33787,7 +33961,7 @@
         </p:nvCxnSpPr>
         <p:spPr>
           <a:xfrm flipH="1">
-            <a:off x="8272417" y="5104985"/>
+            <a:off x="6952501" y="5150790"/>
             <a:ext cx="314936" cy="0"/>
           </a:xfrm>
           <a:prstGeom prst="straightConnector1">
@@ -33829,7 +34003,7 @@
         </p:nvSpPr>
         <p:spPr>
           <a:xfrm>
-            <a:off x="8530914" y="4904930"/>
+            <a:off x="7210998" y="4950735"/>
             <a:ext cx="548547" cy="369332"/>
           </a:xfrm>
           <a:prstGeom prst="rect">
@@ -33867,7 +34041,7 @@
         </p:nvCxnSpPr>
         <p:spPr>
           <a:xfrm flipH="1">
-            <a:off x="8272417" y="5897496"/>
+            <a:off x="6952501" y="5943301"/>
             <a:ext cx="314936" cy="0"/>
           </a:xfrm>
           <a:prstGeom prst="straightConnector1">
@@ -33909,7 +34083,7 @@
         </p:nvSpPr>
         <p:spPr>
           <a:xfrm>
-            <a:off x="8530914" y="5705753"/>
+            <a:off x="7210998" y="5751558"/>
             <a:ext cx="622286" cy="369332"/>
           </a:xfrm>
           <a:prstGeom prst="rect">
@@ -33945,7 +34119,7 @@
         </p:nvSpPr>
         <p:spPr>
           <a:xfrm>
-            <a:off x="7946002" y="5202679"/>
+            <a:off x="6626086" y="5248484"/>
             <a:ext cx="303288" cy="338554"/>
           </a:xfrm>
           <a:prstGeom prst="rect">
@@ -33980,7 +34154,7 @@
         </p:nvSpPr>
         <p:spPr>
           <a:xfrm>
-            <a:off x="7946002" y="5469650"/>
+            <a:off x="6626086" y="5515455"/>
             <a:ext cx="296876" cy="338554"/>
           </a:xfrm>
           <a:prstGeom prst="rect">
@@ -34017,7 +34191,7 @@
         </p:nvCxnSpPr>
         <p:spPr>
           <a:xfrm flipH="1">
-            <a:off x="8272417" y="5369155"/>
+            <a:off x="6952501" y="5414960"/>
             <a:ext cx="2208743" cy="0"/>
           </a:xfrm>
           <a:prstGeom prst="straightConnector1">
@@ -34062,7 +34236,7 @@
         </p:nvCxnSpPr>
         <p:spPr>
           <a:xfrm flipH="1">
-            <a:off x="8272417" y="5633325"/>
+            <a:off x="6952501" y="5679130"/>
             <a:ext cx="2208743" cy="0"/>
           </a:xfrm>
           <a:prstGeom prst="straightConnector1">
@@ -34107,7 +34281,7 @@
         </p:nvCxnSpPr>
         <p:spPr>
           <a:xfrm flipH="1" flipV="1">
-            <a:off x="10127764" y="5098714"/>
+            <a:off x="8807848" y="5144519"/>
             <a:ext cx="367683" cy="6271"/>
           </a:xfrm>
           <a:prstGeom prst="straightConnector1">
@@ -34149,7 +34323,7 @@
         </p:nvSpPr>
         <p:spPr>
           <a:xfrm>
-            <a:off x="9483320" y="4903198"/>
+            <a:off x="8163404" y="4949003"/>
             <a:ext cx="665568" cy="369332"/>
           </a:xfrm>
           <a:prstGeom prst="rect">
@@ -34185,7 +34359,7 @@
         </p:nvSpPr>
         <p:spPr>
           <a:xfrm>
-            <a:off x="10495447" y="4903198"/>
+            <a:off x="9175531" y="4949003"/>
             <a:ext cx="1222258" cy="1199316"/>
           </a:xfrm>
           <a:prstGeom prst="rect">
@@ -34260,7 +34434,7 @@
         </p:nvSpPr>
         <p:spPr>
           <a:xfrm>
-            <a:off x="9526602" y="5740056"/>
+            <a:off x="8206686" y="5785861"/>
             <a:ext cx="622286" cy="369332"/>
           </a:xfrm>
           <a:prstGeom prst="rect">
@@ -34296,7 +34470,7 @@
         </p:nvSpPr>
         <p:spPr>
           <a:xfrm>
-            <a:off x="8900721" y="5306808"/>
+            <a:off x="7580805" y="5352613"/>
             <a:ext cx="958917" cy="369332"/>
           </a:xfrm>
           <a:prstGeom prst="rect">
@@ -34334,7 +34508,7 @@
         </p:nvCxnSpPr>
         <p:spPr>
           <a:xfrm flipH="1" flipV="1">
-            <a:off x="10127764" y="5928344"/>
+            <a:off x="8807848" y="5974149"/>
             <a:ext cx="367683" cy="6271"/>
           </a:xfrm>
           <a:prstGeom prst="straightConnector1">
@@ -34998,6 +35172,15 @@
 </file>
 
 <file path=customXml/item1.xml><?xml version="1.0" encoding="utf-8"?>
+<?mso-contentType ?>
+<FormTemplates xmlns="http://schemas.microsoft.com/sharepoint/v3/contenttype/forms">
+  <Display>DocumentLibraryForm</Display>
+  <Edit>DocumentLibraryForm</Edit>
+  <New>DocumentLibraryForm</New>
+</FormTemplates>
+</file>
+
+<file path=customXml/item2.xml><?xml version="1.0" encoding="utf-8"?>
 <ct:contentTypeSchema xmlns:ct="http://schemas.microsoft.com/office/2006/metadata/contentType" xmlns:ma="http://schemas.microsoft.com/office/2006/metadata/properties/metaAttributes" ct:_="" ma:_="" ma:contentTypeName="Document" ma:contentTypeID="0x010100E6E1031C48018C4292DBDBD68C3F63E2" ma:contentTypeVersion="6" ma:contentTypeDescription="Create a new document." ma:contentTypeScope="" ma:versionID="9ae9a2a5b07300798953ecdd28312694">
   <xsd:schema xmlns:xsd="http://www.w3.org/2001/XMLSchema" xmlns:xs="http://www.w3.org/2001/XMLSchema" xmlns:p="http://schemas.microsoft.com/office/2006/metadata/properties" xmlns:ns2="0ad04f26-a780-43bf-835f-b79ff52a29dc" xmlns:ns3="a1518579-73ee-42fe-aa96-2836fc14ff9f" xmlns:ns4="d1583c34-73a0-4f2f-ba6b-1ac8359f2b78" targetNamespace="http://schemas.microsoft.com/office/2006/metadata/properties" ma:root="true" ma:fieldsID="9faae2f6251647047d77e859e5fe7bf2" ns2:_="" ns3:_="" ns4:_="">
     <xsd:import namespace="0ad04f26-a780-43bf-835f-b79ff52a29dc"/>
@@ -35206,40 +35389,7 @@
 </ct:contentTypeSchema>
 </file>
 
-<file path=customXml/item2.xml><?xml version="1.0" encoding="utf-8"?>
-<?mso-contentType ?>
-<FormTemplates xmlns="http://schemas.microsoft.com/sharepoint/v3/contenttype/forms">
-  <Display>DocumentLibraryForm</Display>
-  <Edit>DocumentLibraryForm</Edit>
-  <New>DocumentLibraryForm</New>
-</FormTemplates>
-</file>
-
 <file path=customXml/item3.xml><?xml version="1.0" encoding="utf-8"?>
-<p:properties xmlns:p="http://schemas.microsoft.com/office/2006/metadata/properties" xmlns:xsi="http://www.w3.org/2001/XMLSchema-instance" xmlns:pc="http://schemas.microsoft.com/office/infopath/2007/PartnerControls">
-  <documentManagement>
-    <SharedWithUsers xmlns="d1583c34-73a0-4f2f-ba6b-1ac8359f2b78">
-      <UserInfo>
-        <DisplayName>Karen Boh Lee Gek</DisplayName>
-        <AccountId>1403</AccountId>
-        <AccountType/>
-      </UserInfo>
-      <UserInfo>
-        <DisplayName>Kris Chur San Yee</DisplayName>
-        <AccountId>1798</AccountId>
-        <AccountType/>
-      </UserInfo>
-    </SharedWithUsers>
-    <_dlc_DocId xmlns="0ad04f26-a780-43bf-835f-b79ff52a29dc">U3ZV22ZJXESJ-1142709787-4964</_dlc_DocId>
-    <_dlc_DocIdUrl xmlns="0ad04f26-a780-43bf-835f-b79ff52a29dc">
-      <Url>https://sitsingaporetechedu.sharepoint.com/sites/PO/Leads/_layouts/15/DocIdRedir.aspx?ID=U3ZV22ZJXESJ-1142709787-4964</Url>
-      <Description>U3ZV22ZJXESJ-1142709787-4964</Description>
-    </_dlc_DocIdUrl>
-  </documentManagement>
-</p:properties>
-</file>
-
-<file path=customXml/item4.xml><?xml version="1.0" encoding="utf-8"?>
 <?mso-contentType ?>
 <spe:Receivers xmlns:spe="http://schemas.microsoft.com/sharepoint/events">
   <Receiver>
@@ -35289,7 +35439,39 @@
 </spe:Receivers>
 </file>
 
+<file path=customXml/item4.xml><?xml version="1.0" encoding="utf-8"?>
+<p:properties xmlns:p="http://schemas.microsoft.com/office/2006/metadata/properties" xmlns:xsi="http://www.w3.org/2001/XMLSchema-instance" xmlns:pc="http://schemas.microsoft.com/office/infopath/2007/PartnerControls">
+  <documentManagement>
+    <SharedWithUsers xmlns="d1583c34-73a0-4f2f-ba6b-1ac8359f2b78">
+      <UserInfo>
+        <DisplayName>Karen Boh Lee Gek</DisplayName>
+        <AccountId>1403</AccountId>
+        <AccountType/>
+      </UserInfo>
+      <UserInfo>
+        <DisplayName>Kris Chur San Yee</DisplayName>
+        <AccountId>1798</AccountId>
+        <AccountType/>
+      </UserInfo>
+    </SharedWithUsers>
+    <_dlc_DocId xmlns="0ad04f26-a780-43bf-835f-b79ff52a29dc">U3ZV22ZJXESJ-1142709787-4964</_dlc_DocId>
+    <_dlc_DocIdUrl xmlns="0ad04f26-a780-43bf-835f-b79ff52a29dc">
+      <Url>https://sitsingaporetechedu.sharepoint.com/sites/PO/Leads/_layouts/15/DocIdRedir.aspx?ID=U3ZV22ZJXESJ-1142709787-4964</Url>
+      <Description>U3ZV22ZJXESJ-1142709787-4964</Description>
+    </_dlc_DocIdUrl>
+  </documentManagement>
+</p:properties>
+</file>
+
 <file path=customXml/itemProps1.xml><?xml version="1.0" encoding="utf-8"?>
+<ds:datastoreItem xmlns:ds="http://schemas.openxmlformats.org/officeDocument/2006/customXml" ds:itemID="{7D7D58FF-6E5B-409D-8B4D-B0E0073025D5}">
+  <ds:schemaRefs>
+    <ds:schemaRef ds:uri="http://schemas.microsoft.com/sharepoint/v3/contenttype/forms"/>
+  </ds:schemaRefs>
+</ds:datastoreItem>
+</file>
+
+<file path=customXml/itemProps2.xml><?xml version="1.0" encoding="utf-8"?>
 <ds:datastoreItem xmlns:ds="http://schemas.openxmlformats.org/officeDocument/2006/customXml" ds:itemID="{C20F4E18-A5EC-4A34-B7AA-397D2B188B6A}">
   <ds:schemaRefs>
     <ds:schemaRef ds:uri="http://schemas.microsoft.com/office/2006/metadata/contentType"/>
@@ -35309,15 +35491,15 @@
 </ds:datastoreItem>
 </file>
 
-<file path=customXml/itemProps2.xml><?xml version="1.0" encoding="utf-8"?>
-<ds:datastoreItem xmlns:ds="http://schemas.openxmlformats.org/officeDocument/2006/customXml" ds:itemID="{7D7D58FF-6E5B-409D-8B4D-B0E0073025D5}">
+<file path=customXml/itemProps3.xml><?xml version="1.0" encoding="utf-8"?>
+<ds:datastoreItem xmlns:ds="http://schemas.openxmlformats.org/officeDocument/2006/customXml" ds:itemID="{DBE60198-3F54-4377-AFC2-746F792EC1FE}">
   <ds:schemaRefs>
-    <ds:schemaRef ds:uri="http://schemas.microsoft.com/sharepoint/v3/contenttype/forms"/>
+    <ds:schemaRef ds:uri="http://schemas.microsoft.com/sharepoint/events"/>
   </ds:schemaRefs>
 </ds:datastoreItem>
 </file>
 
-<file path=customXml/itemProps3.xml><?xml version="1.0" encoding="utf-8"?>
+<file path=customXml/itemProps4.xml><?xml version="1.0" encoding="utf-8"?>
 <ds:datastoreItem xmlns:ds="http://schemas.openxmlformats.org/officeDocument/2006/customXml" ds:itemID="{07B7BCB4-6752-4067-9BBF-537E18945997}">
   <ds:schemaRefs>
     <ds:schemaRef ds:uri="http://schemas.microsoft.com/office/2006/documentManagement/types"/>
@@ -35333,12 +35515,4 @@
     <ds:schemaRef ds:uri="http://purl.org/dc/dcmitype/"/>
   </ds:schemaRefs>
 </ds:datastoreItem>
-</file>
-
-<file path=customXml/itemProps4.xml><?xml version="1.0" encoding="utf-8"?>
-<ds:datastoreItem xmlns:ds="http://schemas.openxmlformats.org/officeDocument/2006/customXml" ds:itemID="{DBE60198-3F54-4377-AFC2-746F792EC1FE}">
-  <ds:schemaRefs>
-    <ds:schemaRef ds:uri="http://schemas.microsoft.com/sharepoint/events"/>
-  </ds:schemaRefs>
-</ds:datastoreItem>
 </file>
--- a/Docs/thermal_controller_blockdiagram.pptx
+++ b/Docs/thermal_controller_blockdiagram.pptx
@@ -487,6 +487,177 @@
 </file>
 
 <file path=ppt/notesSlides/notesSlide1.xml><?xml version="1.0" encoding="utf-8"?>
+<p:notes xmlns:a="http://schemas.openxmlformats.org/drawingml/2006/main" xmlns:r="http://schemas.openxmlformats.org/officeDocument/2006/relationships" xmlns:p="http://schemas.openxmlformats.org/presentationml/2006/main">
+  <p:cSld>
+    <p:spTree>
+      <p:nvGrpSpPr>
+        <p:cNvPr id="1" name=""/>
+        <p:cNvGrpSpPr/>
+        <p:nvPr/>
+      </p:nvGrpSpPr>
+      <p:grpSpPr>
+        <a:xfrm>
+          <a:off x="0" y="0"/>
+          <a:ext cx="0" cy="0"/>
+          <a:chOff x="0" y="0"/>
+          <a:chExt cx="0" cy="0"/>
+        </a:xfrm>
+      </p:grpSpPr>
+      <p:sp>
+        <p:nvSpPr>
+          <p:cNvPr id="2" name="Slide Image Placeholder 1"/>
+          <p:cNvSpPr>
+            <a:spLocks noGrp="1" noRot="1" noChangeAspect="1"/>
+          </p:cNvSpPr>
+          <p:nvPr>
+            <p:ph type="sldImg"/>
+          </p:nvPr>
+        </p:nvSpPr>
+        <p:spPr/>
+      </p:sp>
+      <p:sp>
+        <p:nvSpPr>
+          <p:cNvPr id="3" name="Notes Placeholder 2"/>
+          <p:cNvSpPr>
+            <a:spLocks noGrp="1"/>
+          </p:cNvSpPr>
+          <p:nvPr>
+            <p:ph type="body" idx="1"/>
+          </p:nvPr>
+        </p:nvSpPr>
+        <p:spPr/>
+        <p:txBody>
+          <a:bodyPr/>
+          <a:lstStyle/>
+          <a:p>
+            <a:endParaRPr lang="en-SG" dirty="0"/>
+          </a:p>
+        </p:txBody>
+      </p:sp>
+      <p:sp>
+        <p:nvSpPr>
+          <p:cNvPr id="4" name="Slide Number Placeholder 3"/>
+          <p:cNvSpPr>
+            <a:spLocks noGrp="1"/>
+          </p:cNvSpPr>
+          <p:nvPr>
+            <p:ph type="sldNum" sz="quarter" idx="5"/>
+          </p:nvPr>
+        </p:nvSpPr>
+        <p:spPr/>
+        <p:txBody>
+          <a:bodyPr/>
+          <a:lstStyle/>
+          <a:p>
+            <a:fld id="{D7A1C63D-6A0D-4A97-AF70-6DEF9E93A01A}" type="slidenum">
+              <a:rPr lang="en-US" smtClean="0"/>
+              <a:t>7</a:t>
+            </a:fld>
+            <a:endParaRPr lang="en-US"/>
+          </a:p>
+        </p:txBody>
+      </p:sp>
+    </p:spTree>
+    <p:extLst>
+      <p:ext uri="{BB962C8B-B14F-4D97-AF65-F5344CB8AC3E}">
+        <p14:creationId xmlns:p14="http://schemas.microsoft.com/office/powerpoint/2010/main" val="3059579323"/>
+      </p:ext>
+    </p:extLst>
+  </p:cSld>
+  <p:clrMapOvr>
+    <a:masterClrMapping/>
+  </p:clrMapOvr>
+</p:notes>
+</file>
+
+<file path=ppt/notesSlides/notesSlide2.xml><?xml version="1.0" encoding="utf-8"?>
+<p:notes xmlns:a="http://schemas.openxmlformats.org/drawingml/2006/main" xmlns:r="http://schemas.openxmlformats.org/officeDocument/2006/relationships" xmlns:p="http://schemas.openxmlformats.org/presentationml/2006/main">
+  <p:cSld>
+    <p:spTree>
+      <p:nvGrpSpPr>
+        <p:cNvPr id="1" name=""/>
+        <p:cNvGrpSpPr/>
+        <p:nvPr/>
+      </p:nvGrpSpPr>
+      <p:grpSpPr>
+        <a:xfrm>
+          <a:off x="0" y="0"/>
+          <a:ext cx="0" cy="0"/>
+          <a:chOff x="0" y="0"/>
+          <a:chExt cx="0" cy="0"/>
+        </a:xfrm>
+      </p:grpSpPr>
+      <p:sp>
+        <p:nvSpPr>
+          <p:cNvPr id="2" name="Slide Image Placeholder 1"/>
+          <p:cNvSpPr>
+            <a:spLocks noGrp="1" noRot="1" noChangeAspect="1"/>
+          </p:cNvSpPr>
+          <p:nvPr>
+            <p:ph type="sldImg"/>
+          </p:nvPr>
+        </p:nvSpPr>
+        <p:spPr/>
+      </p:sp>
+      <p:sp>
+        <p:nvSpPr>
+          <p:cNvPr id="3" name="Notes Placeholder 2"/>
+          <p:cNvSpPr>
+            <a:spLocks noGrp="1"/>
+          </p:cNvSpPr>
+          <p:nvPr>
+            <p:ph type="body" idx="1"/>
+          </p:nvPr>
+        </p:nvSpPr>
+        <p:spPr/>
+        <p:txBody>
+          <a:bodyPr/>
+          <a:lstStyle/>
+          <a:p>
+            <a:r>
+              <a:rPr lang="en-SG" dirty="0"/>
+              <a:t>Need to update pin numbers and arrow directions.</a:t>
+            </a:r>
+          </a:p>
+        </p:txBody>
+      </p:sp>
+      <p:sp>
+        <p:nvSpPr>
+          <p:cNvPr id="4" name="Slide Number Placeholder 3"/>
+          <p:cNvSpPr>
+            <a:spLocks noGrp="1"/>
+          </p:cNvSpPr>
+          <p:nvPr>
+            <p:ph type="sldNum" sz="quarter" idx="5"/>
+          </p:nvPr>
+        </p:nvSpPr>
+        <p:spPr/>
+        <p:txBody>
+          <a:bodyPr/>
+          <a:lstStyle/>
+          <a:p>
+            <a:fld id="{D7A1C63D-6A0D-4A97-AF70-6DEF9E93A01A}" type="slidenum">
+              <a:rPr lang="en-US" smtClean="0"/>
+              <a:t>8</a:t>
+            </a:fld>
+            <a:endParaRPr lang="en-US"/>
+          </a:p>
+        </p:txBody>
+      </p:sp>
+    </p:spTree>
+    <p:extLst>
+      <p:ext uri="{BB962C8B-B14F-4D97-AF65-F5344CB8AC3E}">
+        <p14:creationId xmlns:p14="http://schemas.microsoft.com/office/powerpoint/2010/main" val="2310143874"/>
+      </p:ext>
+    </p:extLst>
+  </p:cSld>
+  <p:clrMapOvr>
+    <a:masterClrMapping/>
+  </p:clrMapOvr>
+</p:notes>
+</file>
+
+<file path=ppt/notesSlides/notesSlide3.xml><?xml version="1.0" encoding="utf-8"?>
 <p:notes xmlns:a="http://schemas.openxmlformats.org/drawingml/2006/main" xmlns:r="http://schemas.openxmlformats.org/officeDocument/2006/relationships" xmlns:p="http://schemas.openxmlformats.org/presentationml/2006/main">
   <p:cSld>
     <p:spTree>
@@ -4265,13 +4436,13 @@
         </p:nvCxnSpPr>
         <p:spPr>
           <a:xfrm flipV="1">
-            <a:off x="630226" y="497337"/>
-            <a:ext cx="3432048" cy="2037436"/>
+            <a:off x="1314489" y="497337"/>
+            <a:ext cx="2747785" cy="2022518"/>
           </a:xfrm>
           <a:prstGeom prst="bentConnector4">
             <a:avLst>
-              <a:gd name="adj1" fmla="val 34069"/>
-              <a:gd name="adj2" fmla="val 111220"/>
+              <a:gd name="adj1" fmla="val 30102"/>
+              <a:gd name="adj2" fmla="val 111303"/>
             </a:avLst>
           </a:prstGeom>
           <a:ln w="19050">
@@ -4945,7 +5116,7 @@
         </p:nvSpPr>
         <p:spPr>
           <a:xfrm>
-            <a:off x="598461" y="2130075"/>
+            <a:off x="1374472" y="2058190"/>
             <a:ext cx="335348" cy="461665"/>
           </a:xfrm>
           <a:prstGeom prst="rect">
@@ -4962,6 +5133,56 @@
             <a:r>
               <a:rPr lang="en-US" sz="2400" dirty="0"/>
               <a:t>N</a:t>
+            </a:r>
+            <a:endParaRPr lang="en-SG" sz="2400" dirty="0"/>
+          </a:p>
+        </p:txBody>
+      </p:sp>
+      <p:sp>
+        <p:nvSpPr>
+          <p:cNvPr id="28" name="TextBox 27">
+            <a:extLst>
+              <a:ext uri="{FF2B5EF4-FFF2-40B4-BE49-F238E27FC236}">
+                <a16:creationId xmlns:a16="http://schemas.microsoft.com/office/drawing/2014/main" id="{F5881000-7F49-4238-A255-ABADF7D8DEB2}"/>
+              </a:ext>
+            </a:extLst>
+          </p:cNvPr>
+          <p:cNvSpPr txBox="1"/>
+          <p:nvPr/>
+        </p:nvSpPr>
+        <p:spPr>
+          <a:xfrm>
+            <a:off x="152535" y="2058190"/>
+            <a:ext cx="1123966" cy="830997"/>
+          </a:xfrm>
+          <a:prstGeom prst="rect">
+            <a:avLst/>
+          </a:prstGeom>
+          <a:noFill/>
+        </p:spPr>
+        <p:txBody>
+          <a:bodyPr wrap="square" rtlCol="0">
+            <a:spAutoFit/>
+          </a:bodyPr>
+          <a:lstStyle/>
+          <a:p>
+            <a:r>
+              <a:rPr lang="en-US" sz="2400" dirty="0"/>
+              <a:t>From</a:t>
+            </a:r>
+          </a:p>
+          <a:p>
+            <a:r>
+              <a:rPr lang="en-US" sz="2400" dirty="0" err="1"/>
+              <a:t>prev</a:t>
+            </a:r>
+            <a:r>
+              <a:rPr lang="en-US" sz="2400" dirty="0"/>
+              <a:t> </a:t>
+            </a:r>
+            <a:r>
+              <a:rPr lang="en-US" sz="2400" dirty="0" err="1"/>
+              <a:t>pg</a:t>
             </a:r>
             <a:endParaRPr lang="en-SG" sz="2400" dirty="0"/>
           </a:p>
@@ -30691,8 +30912,8 @@
         </p:nvSpPr>
         <p:spPr>
           <a:xfrm>
-            <a:off x="1199965" y="1614591"/>
-            <a:ext cx="3141296" cy="4555883"/>
+            <a:off x="4689261" y="1777102"/>
+            <a:ext cx="2451257" cy="4555883"/>
           </a:xfrm>
           <a:prstGeom prst="rect">
             <a:avLst/>
@@ -31187,7 +31408,7 @@
         </p:nvSpPr>
         <p:spPr>
           <a:xfrm>
-            <a:off x="5669375" y="1497280"/>
+            <a:off x="8141580" y="1652775"/>
             <a:ext cx="2042640" cy="1570151"/>
           </a:xfrm>
           <a:prstGeom prst="rect">
@@ -31248,12 +31469,226 @@
           </a:p>
         </p:txBody>
       </p:sp>
+      <p:sp>
+        <p:nvSpPr>
+          <p:cNvPr id="16" name="TextBox 15">
+            <a:extLst>
+              <a:ext uri="{FF2B5EF4-FFF2-40B4-BE49-F238E27FC236}">
+                <a16:creationId xmlns:a16="http://schemas.microsoft.com/office/drawing/2014/main" id="{39F93C44-5F59-4779-BCF7-EF6FEEF7F991}"/>
+              </a:ext>
+            </a:extLst>
+          </p:cNvPr>
+          <p:cNvSpPr txBox="1"/>
+          <p:nvPr/>
+        </p:nvSpPr>
+        <p:spPr>
+          <a:xfrm>
+            <a:off x="8137025" y="2409970"/>
+            <a:ext cx="388248" cy="338554"/>
+          </a:xfrm>
+          <a:prstGeom prst="rect">
+            <a:avLst/>
+          </a:prstGeom>
+          <a:noFill/>
+        </p:spPr>
+        <p:txBody>
+          <a:bodyPr wrap="none" rtlCol="0">
+            <a:spAutoFit/>
+          </a:bodyPr>
+          <a:lstStyle/>
+          <a:p>
+            <a:r>
+              <a:rPr lang="en-US" sz="1600" dirty="0"/>
+              <a:t>CS</a:t>
+            </a:r>
+            <a:endParaRPr lang="en-SG" sz="1600" dirty="0"/>
+          </a:p>
+        </p:txBody>
+      </p:sp>
+      <p:sp>
+        <p:nvSpPr>
+          <p:cNvPr id="64" name="TextBox 63">
+            <a:extLst>
+              <a:ext uri="{FF2B5EF4-FFF2-40B4-BE49-F238E27FC236}">
+                <a16:creationId xmlns:a16="http://schemas.microsoft.com/office/drawing/2014/main" id="{166CA98A-ED71-44BC-B8A5-B02A1EE1D9A2}"/>
+              </a:ext>
+            </a:extLst>
+          </p:cNvPr>
+          <p:cNvSpPr txBox="1"/>
+          <p:nvPr/>
+        </p:nvSpPr>
+        <p:spPr>
+          <a:xfrm>
+            <a:off x="6714144" y="2417883"/>
+            <a:ext cx="288862" cy="338554"/>
+          </a:xfrm>
+          <a:prstGeom prst="rect">
+            <a:avLst/>
+          </a:prstGeom>
+          <a:noFill/>
+        </p:spPr>
+        <p:txBody>
+          <a:bodyPr wrap="none" rtlCol="0">
+            <a:spAutoFit/>
+          </a:bodyPr>
+          <a:lstStyle/>
+          <a:p>
+            <a:r>
+              <a:rPr lang="en-US" sz="1600" dirty="0"/>
+              <a:t>9</a:t>
+            </a:r>
+            <a:endParaRPr lang="en-SG" sz="1600" dirty="0"/>
+          </a:p>
+        </p:txBody>
+      </p:sp>
+      <p:sp>
+        <p:nvSpPr>
+          <p:cNvPr id="65" name="TextBox 64">
+            <a:extLst>
+              <a:ext uri="{FF2B5EF4-FFF2-40B4-BE49-F238E27FC236}">
+                <a16:creationId xmlns:a16="http://schemas.microsoft.com/office/drawing/2014/main" id="{9E00DD7B-E44F-4D9A-931C-4A7165AD7945}"/>
+              </a:ext>
+            </a:extLst>
+          </p:cNvPr>
+          <p:cNvSpPr txBox="1"/>
+          <p:nvPr/>
+        </p:nvSpPr>
+        <p:spPr>
+          <a:xfrm>
+            <a:off x="6714144" y="2684854"/>
+            <a:ext cx="288862" cy="338554"/>
+          </a:xfrm>
+          <a:prstGeom prst="rect">
+            <a:avLst/>
+          </a:prstGeom>
+          <a:noFill/>
+        </p:spPr>
+        <p:txBody>
+          <a:bodyPr wrap="none" rtlCol="0">
+            <a:spAutoFit/>
+          </a:bodyPr>
+          <a:lstStyle/>
+          <a:p>
+            <a:r>
+              <a:rPr lang="en-SG" sz="1600" dirty="0"/>
+              <a:t>8</a:t>
+            </a:r>
+          </a:p>
+        </p:txBody>
+      </p:sp>
+      <p:sp>
+        <p:nvSpPr>
+          <p:cNvPr id="67" name="TextBox 66">
+            <a:extLst>
+              <a:ext uri="{FF2B5EF4-FFF2-40B4-BE49-F238E27FC236}">
+                <a16:creationId xmlns:a16="http://schemas.microsoft.com/office/drawing/2014/main" id="{77D1A4B0-B0EA-4890-BC95-A4A111070448}"/>
+              </a:ext>
+            </a:extLst>
+          </p:cNvPr>
+          <p:cNvSpPr txBox="1"/>
+          <p:nvPr/>
+        </p:nvSpPr>
+        <p:spPr>
+          <a:xfrm>
+            <a:off x="6714144" y="2150912"/>
+            <a:ext cx="393056" cy="338554"/>
+          </a:xfrm>
+          <a:prstGeom prst="rect">
+            <a:avLst/>
+          </a:prstGeom>
+          <a:noFill/>
+        </p:spPr>
+        <p:txBody>
+          <a:bodyPr wrap="none" rtlCol="0">
+            <a:spAutoFit/>
+          </a:bodyPr>
+          <a:lstStyle/>
+          <a:p>
+            <a:r>
+              <a:rPr lang="en-SG" sz="1600" dirty="0"/>
+              <a:t>10</a:t>
+            </a:r>
+          </a:p>
+        </p:txBody>
+      </p:sp>
+      <p:sp>
+        <p:nvSpPr>
+          <p:cNvPr id="143" name="TextBox 142">
+            <a:extLst>
+              <a:ext uri="{FF2B5EF4-FFF2-40B4-BE49-F238E27FC236}">
+                <a16:creationId xmlns:a16="http://schemas.microsoft.com/office/drawing/2014/main" id="{581E7DBC-906A-4F72-A869-858EDA0800BA}"/>
+              </a:ext>
+            </a:extLst>
+          </p:cNvPr>
+          <p:cNvSpPr txBox="1"/>
+          <p:nvPr/>
+        </p:nvSpPr>
+        <p:spPr>
+          <a:xfrm>
+            <a:off x="9857805" y="2149661"/>
+            <a:ext cx="287258" cy="338554"/>
+          </a:xfrm>
+          <a:prstGeom prst="rect">
+            <a:avLst/>
+          </a:prstGeom>
+          <a:noFill/>
+        </p:spPr>
+        <p:txBody>
+          <a:bodyPr wrap="none" rtlCol="0">
+            <a:spAutoFit/>
+          </a:bodyPr>
+          <a:lstStyle/>
+          <a:p>
+            <a:r>
+              <a:rPr lang="en-US" sz="1600" dirty="0"/>
+              <a:t>+</a:t>
+            </a:r>
+            <a:endParaRPr lang="en-SG" sz="1600" dirty="0"/>
+          </a:p>
+        </p:txBody>
+      </p:sp>
+      <p:sp>
+        <p:nvSpPr>
+          <p:cNvPr id="144" name="TextBox 143">
+            <a:extLst>
+              <a:ext uri="{FF2B5EF4-FFF2-40B4-BE49-F238E27FC236}">
+                <a16:creationId xmlns:a16="http://schemas.microsoft.com/office/drawing/2014/main" id="{B37A610B-74A8-41F6-ACC4-026557852D91}"/>
+              </a:ext>
+            </a:extLst>
+          </p:cNvPr>
+          <p:cNvSpPr txBox="1"/>
+          <p:nvPr/>
+        </p:nvSpPr>
+        <p:spPr>
+          <a:xfrm>
+            <a:off x="9857805" y="2416632"/>
+            <a:ext cx="247184" cy="338554"/>
+          </a:xfrm>
+          <a:prstGeom prst="rect">
+            <a:avLst/>
+          </a:prstGeom>
+          <a:noFill/>
+        </p:spPr>
+        <p:txBody>
+          <a:bodyPr wrap="none" rtlCol="0">
+            <a:spAutoFit/>
+          </a:bodyPr>
+          <a:lstStyle/>
+          <a:p>
+            <a:r>
+              <a:rPr lang="en-US" sz="1600" dirty="0"/>
+              <a:t>-</a:t>
+            </a:r>
+            <a:endParaRPr lang="en-SG" sz="1600" dirty="0"/>
+          </a:p>
+        </p:txBody>
+      </p:sp>
       <p:cxnSp>
         <p:nvCxnSpPr>
-          <p:cNvPr id="55" name="Straight Arrow Connector 54">
-            <a:extLst>
-              <a:ext uri="{FF2B5EF4-FFF2-40B4-BE49-F238E27FC236}">
-                <a16:creationId xmlns:a16="http://schemas.microsoft.com/office/drawing/2014/main" id="{66C62CB9-7BC8-4E14-AE57-60A8D511E2BF}"/>
+          <p:cNvPr id="145" name="Straight Arrow Connector 144">
+            <a:extLst>
+              <a:ext uri="{FF2B5EF4-FFF2-40B4-BE49-F238E27FC236}">
+                <a16:creationId xmlns:a16="http://schemas.microsoft.com/office/drawing/2014/main" id="{39A13FB6-33F2-4B32-A2E3-F2015543C5DE}"/>
               </a:ext>
             </a:extLst>
           </p:cNvPr>
@@ -31263,266 +31698,8 @@
           <p:nvPr/>
         </p:nvCxnSpPr>
         <p:spPr>
-          <a:xfrm flipH="1" flipV="1">
-            <a:off x="4360904" y="2672646"/>
-            <a:ext cx="1307902" cy="1511"/>
-          </a:xfrm>
-          <a:prstGeom prst="straightConnector1">
-            <a:avLst/>
-          </a:prstGeom>
-          <a:ln w="38100">
-            <a:solidFill>
-              <a:schemeClr val="tx1"/>
-            </a:solidFill>
-            <a:tailEnd type="triangle"/>
-          </a:ln>
-        </p:spPr>
-        <p:style>
-          <a:lnRef idx="1">
-            <a:schemeClr val="accent1"/>
-          </a:lnRef>
-          <a:fillRef idx="0">
-            <a:schemeClr val="accent1"/>
-          </a:fillRef>
-          <a:effectRef idx="0">
-            <a:schemeClr val="accent1"/>
-          </a:effectRef>
-          <a:fontRef idx="minor">
-            <a:schemeClr val="tx1"/>
-          </a:fontRef>
-        </p:style>
-      </p:cxnSp>
-      <p:sp>
-        <p:nvSpPr>
-          <p:cNvPr id="16" name="TextBox 15">
-            <a:extLst>
-              <a:ext uri="{FF2B5EF4-FFF2-40B4-BE49-F238E27FC236}">
-                <a16:creationId xmlns:a16="http://schemas.microsoft.com/office/drawing/2014/main" id="{39F93C44-5F59-4779-BCF7-EF6FEEF7F991}"/>
-              </a:ext>
-            </a:extLst>
-          </p:cNvPr>
-          <p:cNvSpPr txBox="1"/>
-          <p:nvPr/>
-        </p:nvSpPr>
-        <p:spPr>
-          <a:xfrm>
-            <a:off x="5664820" y="2254475"/>
-            <a:ext cx="388248" cy="338554"/>
-          </a:xfrm>
-          <a:prstGeom prst="rect">
-            <a:avLst/>
-          </a:prstGeom>
-          <a:noFill/>
-        </p:spPr>
-        <p:txBody>
-          <a:bodyPr wrap="none" rtlCol="0">
-            <a:spAutoFit/>
-          </a:bodyPr>
-          <a:lstStyle/>
-          <a:p>
-            <a:r>
-              <a:rPr lang="en-US" sz="1600" dirty="0"/>
-              <a:t>CS</a:t>
-            </a:r>
-            <a:endParaRPr lang="en-SG" sz="1600" dirty="0"/>
-          </a:p>
-        </p:txBody>
-      </p:sp>
-      <p:sp>
-        <p:nvSpPr>
-          <p:cNvPr id="64" name="TextBox 63">
-            <a:extLst>
-              <a:ext uri="{FF2B5EF4-FFF2-40B4-BE49-F238E27FC236}">
-                <a16:creationId xmlns:a16="http://schemas.microsoft.com/office/drawing/2014/main" id="{166CA98A-ED71-44BC-B8A5-B02A1EE1D9A2}"/>
-              </a:ext>
-            </a:extLst>
-          </p:cNvPr>
-          <p:cNvSpPr txBox="1"/>
-          <p:nvPr/>
-        </p:nvSpPr>
-        <p:spPr>
-          <a:xfrm>
-            <a:off x="3914886" y="2255372"/>
-            <a:ext cx="288862" cy="338554"/>
-          </a:xfrm>
-          <a:prstGeom prst="rect">
-            <a:avLst/>
-          </a:prstGeom>
-          <a:noFill/>
-        </p:spPr>
-        <p:txBody>
-          <a:bodyPr wrap="none" rtlCol="0">
-            <a:spAutoFit/>
-          </a:bodyPr>
-          <a:lstStyle/>
-          <a:p>
-            <a:r>
-              <a:rPr lang="en-US" sz="1600" dirty="0"/>
-              <a:t>9</a:t>
-            </a:r>
-            <a:endParaRPr lang="en-SG" sz="1600" dirty="0"/>
-          </a:p>
-        </p:txBody>
-      </p:sp>
-      <p:sp>
-        <p:nvSpPr>
-          <p:cNvPr id="65" name="TextBox 64">
-            <a:extLst>
-              <a:ext uri="{FF2B5EF4-FFF2-40B4-BE49-F238E27FC236}">
-                <a16:creationId xmlns:a16="http://schemas.microsoft.com/office/drawing/2014/main" id="{9E00DD7B-E44F-4D9A-931C-4A7165AD7945}"/>
-              </a:ext>
-            </a:extLst>
-          </p:cNvPr>
-          <p:cNvSpPr txBox="1"/>
-          <p:nvPr/>
-        </p:nvSpPr>
-        <p:spPr>
-          <a:xfrm>
-            <a:off x="3914886" y="2522343"/>
-            <a:ext cx="288862" cy="338554"/>
-          </a:xfrm>
-          <a:prstGeom prst="rect">
-            <a:avLst/>
-          </a:prstGeom>
-          <a:noFill/>
-        </p:spPr>
-        <p:txBody>
-          <a:bodyPr wrap="none" rtlCol="0">
-            <a:spAutoFit/>
-          </a:bodyPr>
-          <a:lstStyle/>
-          <a:p>
-            <a:r>
-              <a:rPr lang="en-SG" sz="1600" dirty="0"/>
-              <a:t>8</a:t>
-            </a:r>
-          </a:p>
-        </p:txBody>
-      </p:sp>
-      <p:sp>
-        <p:nvSpPr>
-          <p:cNvPr id="67" name="TextBox 66">
-            <a:extLst>
-              <a:ext uri="{FF2B5EF4-FFF2-40B4-BE49-F238E27FC236}">
-                <a16:creationId xmlns:a16="http://schemas.microsoft.com/office/drawing/2014/main" id="{77D1A4B0-B0EA-4890-BC95-A4A111070448}"/>
-              </a:ext>
-            </a:extLst>
-          </p:cNvPr>
-          <p:cNvSpPr txBox="1"/>
-          <p:nvPr/>
-        </p:nvSpPr>
-        <p:spPr>
-          <a:xfrm>
-            <a:off x="3914886" y="1988401"/>
-            <a:ext cx="393056" cy="338554"/>
-          </a:xfrm>
-          <a:prstGeom prst="rect">
-            <a:avLst/>
-          </a:prstGeom>
-          <a:noFill/>
-        </p:spPr>
-        <p:txBody>
-          <a:bodyPr wrap="none" rtlCol="0">
-            <a:spAutoFit/>
-          </a:bodyPr>
-          <a:lstStyle/>
-          <a:p>
-            <a:r>
-              <a:rPr lang="en-SG" sz="1600" dirty="0"/>
-              <a:t>10</a:t>
-            </a:r>
-          </a:p>
-        </p:txBody>
-      </p:sp>
-      <p:sp>
-        <p:nvSpPr>
-          <p:cNvPr id="143" name="TextBox 142">
-            <a:extLst>
-              <a:ext uri="{FF2B5EF4-FFF2-40B4-BE49-F238E27FC236}">
-                <a16:creationId xmlns:a16="http://schemas.microsoft.com/office/drawing/2014/main" id="{581E7DBC-906A-4F72-A869-858EDA0800BA}"/>
-              </a:ext>
-            </a:extLst>
-          </p:cNvPr>
-          <p:cNvSpPr txBox="1"/>
-          <p:nvPr/>
-        </p:nvSpPr>
-        <p:spPr>
-          <a:xfrm>
-            <a:off x="7385600" y="1994166"/>
-            <a:ext cx="287258" cy="338554"/>
-          </a:xfrm>
-          <a:prstGeom prst="rect">
-            <a:avLst/>
-          </a:prstGeom>
-          <a:noFill/>
-        </p:spPr>
-        <p:txBody>
-          <a:bodyPr wrap="none" rtlCol="0">
-            <a:spAutoFit/>
-          </a:bodyPr>
-          <a:lstStyle/>
-          <a:p>
-            <a:r>
-              <a:rPr lang="en-US" sz="1600" dirty="0"/>
-              <a:t>+</a:t>
-            </a:r>
-            <a:endParaRPr lang="en-SG" sz="1600" dirty="0"/>
-          </a:p>
-        </p:txBody>
-      </p:sp>
-      <p:sp>
-        <p:nvSpPr>
-          <p:cNvPr id="144" name="TextBox 143">
-            <a:extLst>
-              <a:ext uri="{FF2B5EF4-FFF2-40B4-BE49-F238E27FC236}">
-                <a16:creationId xmlns:a16="http://schemas.microsoft.com/office/drawing/2014/main" id="{B37A610B-74A8-41F6-ACC4-026557852D91}"/>
-              </a:ext>
-            </a:extLst>
-          </p:cNvPr>
-          <p:cNvSpPr txBox="1"/>
-          <p:nvPr/>
-        </p:nvSpPr>
-        <p:spPr>
-          <a:xfrm>
-            <a:off x="7385600" y="2261137"/>
-            <a:ext cx="247184" cy="338554"/>
-          </a:xfrm>
-          <a:prstGeom prst="rect">
-            <a:avLst/>
-          </a:prstGeom>
-          <a:noFill/>
-        </p:spPr>
-        <p:txBody>
-          <a:bodyPr wrap="none" rtlCol="0">
-            <a:spAutoFit/>
-          </a:bodyPr>
-          <a:lstStyle/>
-          <a:p>
-            <a:r>
-              <a:rPr lang="en-US" sz="1600" dirty="0"/>
-              <a:t>-</a:t>
-            </a:r>
-            <a:endParaRPr lang="en-SG" sz="1600" dirty="0"/>
-          </a:p>
-        </p:txBody>
-      </p:sp>
-      <p:cxnSp>
-        <p:nvCxnSpPr>
-          <p:cNvPr id="145" name="Straight Arrow Connector 144">
-            <a:extLst>
-              <a:ext uri="{FF2B5EF4-FFF2-40B4-BE49-F238E27FC236}">
-                <a16:creationId xmlns:a16="http://schemas.microsoft.com/office/drawing/2014/main" id="{39A13FB6-33F2-4B32-A2E3-F2015543C5DE}"/>
-              </a:ext>
-            </a:extLst>
-          </p:cNvPr>
-          <p:cNvCxnSpPr>
-            <a:cxnSpLocks/>
-          </p:cNvCxnSpPr>
-          <p:nvPr/>
-        </p:nvCxnSpPr>
-        <p:spPr>
           <a:xfrm flipH="1">
-            <a:off x="7712015" y="2154868"/>
+            <a:off x="10184220" y="2310363"/>
             <a:ext cx="581080" cy="5774"/>
           </a:xfrm>
           <a:prstGeom prst="straightConnector1">
@@ -31567,7 +31744,7 @@
         </p:nvCxnSpPr>
         <p:spPr>
           <a:xfrm flipH="1">
-            <a:off x="7712015" y="2424812"/>
+            <a:off x="10184220" y="2580307"/>
             <a:ext cx="581080" cy="0"/>
           </a:xfrm>
           <a:prstGeom prst="straightConnector1">
@@ -31612,7 +31789,7 @@
         </p:nvCxnSpPr>
         <p:spPr>
           <a:xfrm>
-            <a:off x="817785" y="1761628"/>
+            <a:off x="4307118" y="1973001"/>
             <a:ext cx="382180" cy="0"/>
           </a:xfrm>
           <a:prstGeom prst="straightConnector1">
@@ -31654,7 +31831,7 @@
         </p:nvSpPr>
         <p:spPr>
           <a:xfrm>
-            <a:off x="202125" y="1576962"/>
+            <a:off x="3691458" y="1788335"/>
             <a:ext cx="665568" cy="369332"/>
           </a:xfrm>
           <a:prstGeom prst="rect">
@@ -31692,7 +31869,7 @@
         </p:nvCxnSpPr>
         <p:spPr>
           <a:xfrm>
-            <a:off x="817785" y="2079546"/>
+            <a:off x="4307118" y="2290919"/>
             <a:ext cx="382180" cy="0"/>
           </a:xfrm>
           <a:prstGeom prst="straightConnector1">
@@ -31734,7 +31911,7 @@
         </p:nvSpPr>
         <p:spPr>
           <a:xfrm>
-            <a:off x="223766" y="1894880"/>
+            <a:off x="3713099" y="2106253"/>
             <a:ext cx="622286" cy="369332"/>
           </a:xfrm>
           <a:prstGeom prst="rect">
@@ -31772,7 +31949,7 @@
         </p:nvCxnSpPr>
         <p:spPr>
           <a:xfrm>
-            <a:off x="5276154" y="1667224"/>
+            <a:off x="7748359" y="1822719"/>
             <a:ext cx="382180" cy="0"/>
           </a:xfrm>
           <a:prstGeom prst="straightConnector1">
@@ -31814,7 +31991,7 @@
         </p:nvSpPr>
         <p:spPr>
           <a:xfrm>
-            <a:off x="4719004" y="1482558"/>
+            <a:off x="7191209" y="1638053"/>
             <a:ext cx="548548" cy="369332"/>
           </a:xfrm>
           <a:prstGeom prst="rect">
@@ -31852,7 +32029,7 @@
         </p:nvCxnSpPr>
         <p:spPr>
           <a:xfrm>
-            <a:off x="5267552" y="2913995"/>
+            <a:off x="7739757" y="3069490"/>
             <a:ext cx="382180" cy="0"/>
           </a:xfrm>
           <a:prstGeom prst="straightConnector1">
@@ -31894,7 +32071,7 @@
         </p:nvSpPr>
         <p:spPr>
           <a:xfrm>
-            <a:off x="4673533" y="2729329"/>
+            <a:off x="7145738" y="2884824"/>
             <a:ext cx="622286" cy="369332"/>
           </a:xfrm>
           <a:prstGeom prst="rect">
@@ -31916,12 +32093,119 @@
           </a:p>
         </p:txBody>
       </p:sp>
+      <p:sp>
+        <p:nvSpPr>
+          <p:cNvPr id="107" name="TextBox 106">
+            <a:extLst>
+              <a:ext uri="{FF2B5EF4-FFF2-40B4-BE49-F238E27FC236}">
+                <a16:creationId xmlns:a16="http://schemas.microsoft.com/office/drawing/2014/main" id="{658C4B58-AF91-4DBB-B975-BB8F7503E7CB}"/>
+              </a:ext>
+            </a:extLst>
+          </p:cNvPr>
+          <p:cNvSpPr txBox="1"/>
+          <p:nvPr/>
+        </p:nvSpPr>
+        <p:spPr>
+          <a:xfrm>
+            <a:off x="8137025" y="2656735"/>
+            <a:ext cx="447558" cy="338554"/>
+          </a:xfrm>
+          <a:prstGeom prst="rect">
+            <a:avLst/>
+          </a:prstGeom>
+          <a:noFill/>
+        </p:spPr>
+        <p:txBody>
+          <a:bodyPr wrap="none" rtlCol="0">
+            <a:spAutoFit/>
+          </a:bodyPr>
+          <a:lstStyle/>
+          <a:p>
+            <a:r>
+              <a:rPr lang="en-US" sz="1600" dirty="0"/>
+              <a:t>DO</a:t>
+            </a:r>
+            <a:endParaRPr lang="en-SG" sz="1600" dirty="0"/>
+          </a:p>
+        </p:txBody>
+      </p:sp>
+      <p:sp>
+        <p:nvSpPr>
+          <p:cNvPr id="108" name="TextBox 107">
+            <a:extLst>
+              <a:ext uri="{FF2B5EF4-FFF2-40B4-BE49-F238E27FC236}">
+                <a16:creationId xmlns:a16="http://schemas.microsoft.com/office/drawing/2014/main" id="{1C2EAB91-F874-4CEA-B8F0-862BBEFCF6A0}"/>
+              </a:ext>
+            </a:extLst>
+          </p:cNvPr>
+          <p:cNvSpPr txBox="1"/>
+          <p:nvPr/>
+        </p:nvSpPr>
+        <p:spPr>
+          <a:xfrm>
+            <a:off x="8131262" y="2190218"/>
+            <a:ext cx="362600" cy="338554"/>
+          </a:xfrm>
+          <a:prstGeom prst="rect">
+            <a:avLst/>
+          </a:prstGeom>
+          <a:noFill/>
+        </p:spPr>
+        <p:txBody>
+          <a:bodyPr wrap="none" rtlCol="0">
+            <a:spAutoFit/>
+          </a:bodyPr>
+          <a:lstStyle/>
+          <a:p>
+            <a:r>
+              <a:rPr lang="en-US" sz="1600" dirty="0"/>
+              <a:t>DI</a:t>
+            </a:r>
+            <a:endParaRPr lang="en-SG" sz="1600" dirty="0"/>
+          </a:p>
+        </p:txBody>
+      </p:sp>
+      <p:sp>
+        <p:nvSpPr>
+          <p:cNvPr id="111" name="TextBox 110">
+            <a:extLst>
+              <a:ext uri="{FF2B5EF4-FFF2-40B4-BE49-F238E27FC236}">
+                <a16:creationId xmlns:a16="http://schemas.microsoft.com/office/drawing/2014/main" id="{FED7A168-45ED-48E4-B7BF-C6C720FCF81F}"/>
+              </a:ext>
+            </a:extLst>
+          </p:cNvPr>
+          <p:cNvSpPr txBox="1"/>
+          <p:nvPr/>
+        </p:nvSpPr>
+        <p:spPr>
+          <a:xfrm>
+            <a:off x="6714144" y="1894880"/>
+            <a:ext cx="393056" cy="338554"/>
+          </a:xfrm>
+          <a:prstGeom prst="rect">
+            <a:avLst/>
+          </a:prstGeom>
+          <a:noFill/>
+        </p:spPr>
+        <p:txBody>
+          <a:bodyPr wrap="none" rtlCol="0">
+            <a:spAutoFit/>
+          </a:bodyPr>
+          <a:lstStyle/>
+          <a:p>
+            <a:r>
+              <a:rPr lang="en-SG" sz="1600" dirty="0"/>
+              <a:t>12</a:t>
+            </a:r>
+          </a:p>
+        </p:txBody>
+      </p:sp>
       <p:cxnSp>
         <p:nvCxnSpPr>
-          <p:cNvPr id="104" name="Straight Arrow Connector 103">
-            <a:extLst>
-              <a:ext uri="{FF2B5EF4-FFF2-40B4-BE49-F238E27FC236}">
-                <a16:creationId xmlns:a16="http://schemas.microsoft.com/office/drawing/2014/main" id="{51B1463B-A454-40BE-9E90-8BA480755196}"/>
+          <p:cNvPr id="112" name="Straight Arrow Connector 111">
+            <a:extLst>
+              <a:ext uri="{FF2B5EF4-FFF2-40B4-BE49-F238E27FC236}">
+                <a16:creationId xmlns:a16="http://schemas.microsoft.com/office/drawing/2014/main" id="{05498ED9-B8DC-4DF0-AE72-54FA4059BCBD}"/>
               </a:ext>
             </a:extLst>
           </p:cNvPr>
@@ -31932,8 +32216,8 @@
         </p:nvCxnSpPr>
         <p:spPr>
           <a:xfrm flipH="1">
-            <a:off x="4347320" y="2431345"/>
-            <a:ext cx="1311014" cy="11070"/>
+            <a:off x="7140519" y="2067457"/>
+            <a:ext cx="990020" cy="0"/>
           </a:xfrm>
           <a:prstGeom prst="straightConnector1">
             <a:avLst/>
@@ -31960,56 +32244,12 @@
           </a:fontRef>
         </p:style>
       </p:cxnSp>
-      <p:cxnSp>
-        <p:nvCxnSpPr>
-          <p:cNvPr id="106" name="Straight Arrow Connector 105">
-            <a:extLst>
-              <a:ext uri="{FF2B5EF4-FFF2-40B4-BE49-F238E27FC236}">
-                <a16:creationId xmlns:a16="http://schemas.microsoft.com/office/drawing/2014/main" id="{7D148EED-5E92-4E8F-B270-9032114BE336}"/>
-              </a:ext>
-            </a:extLst>
-          </p:cNvPr>
-          <p:cNvCxnSpPr>
-            <a:cxnSpLocks/>
-          </p:cNvCxnSpPr>
-          <p:nvPr/>
-        </p:nvCxnSpPr>
-        <p:spPr>
-          <a:xfrm flipH="1" flipV="1">
-            <a:off x="4326199" y="2179212"/>
-            <a:ext cx="1327428" cy="6755"/>
-          </a:xfrm>
-          <a:prstGeom prst="straightConnector1">
-            <a:avLst/>
-          </a:prstGeom>
-          <a:ln w="38100">
-            <a:solidFill>
-              <a:schemeClr val="tx1"/>
-            </a:solidFill>
-            <a:tailEnd type="triangle"/>
-          </a:ln>
-        </p:spPr>
-        <p:style>
-          <a:lnRef idx="1">
-            <a:schemeClr val="accent1"/>
-          </a:lnRef>
-          <a:fillRef idx="0">
-            <a:schemeClr val="accent1"/>
-          </a:fillRef>
-          <a:effectRef idx="0">
-            <a:schemeClr val="accent1"/>
-          </a:effectRef>
-          <a:fontRef idx="minor">
-            <a:schemeClr val="tx1"/>
-          </a:fontRef>
-        </p:style>
-      </p:cxnSp>
-      <p:sp>
-        <p:nvSpPr>
-          <p:cNvPr id="107" name="TextBox 106">
-            <a:extLst>
-              <a:ext uri="{FF2B5EF4-FFF2-40B4-BE49-F238E27FC236}">
-                <a16:creationId xmlns:a16="http://schemas.microsoft.com/office/drawing/2014/main" id="{658C4B58-AF91-4DBB-B975-BB8F7503E7CB}"/>
+      <p:sp>
+        <p:nvSpPr>
+          <p:cNvPr id="120" name="TextBox 119">
+            <a:extLst>
+              <a:ext uri="{FF2B5EF4-FFF2-40B4-BE49-F238E27FC236}">
+                <a16:creationId xmlns:a16="http://schemas.microsoft.com/office/drawing/2014/main" id="{ECA929CC-8A1F-4779-B505-809456E2F6EA}"/>
               </a:ext>
             </a:extLst>
           </p:cNvPr>
@@ -32018,8 +32258,8 @@
         </p:nvSpPr>
         <p:spPr>
           <a:xfrm>
-            <a:off x="5664820" y="2501240"/>
-            <a:ext cx="447558" cy="338554"/>
+            <a:off x="8131262" y="1934186"/>
+            <a:ext cx="487634" cy="338554"/>
           </a:xfrm>
           <a:prstGeom prst="rect">
             <a:avLst/>
@@ -32034,7 +32274,7 @@
           <a:p>
             <a:r>
               <a:rPr lang="en-US" sz="1600" dirty="0"/>
-              <a:t>DO</a:t>
+              <a:t>CLK</a:t>
             </a:r>
             <a:endParaRPr lang="en-SG" sz="1600" dirty="0"/>
           </a:p>
@@ -32042,157 +32282,6 @@
       </p:sp>
       <p:sp>
         <p:nvSpPr>
-          <p:cNvPr id="108" name="TextBox 107">
-            <a:extLst>
-              <a:ext uri="{FF2B5EF4-FFF2-40B4-BE49-F238E27FC236}">
-                <a16:creationId xmlns:a16="http://schemas.microsoft.com/office/drawing/2014/main" id="{1C2EAB91-F874-4CEA-B8F0-862BBEFCF6A0}"/>
-              </a:ext>
-            </a:extLst>
-          </p:cNvPr>
-          <p:cNvSpPr txBox="1"/>
-          <p:nvPr/>
-        </p:nvSpPr>
-        <p:spPr>
-          <a:xfrm>
-            <a:off x="5659057" y="2034723"/>
-            <a:ext cx="362600" cy="338554"/>
-          </a:xfrm>
-          <a:prstGeom prst="rect">
-            <a:avLst/>
-          </a:prstGeom>
-          <a:noFill/>
-        </p:spPr>
-        <p:txBody>
-          <a:bodyPr wrap="none" rtlCol="0">
-            <a:spAutoFit/>
-          </a:bodyPr>
-          <a:lstStyle/>
-          <a:p>
-            <a:r>
-              <a:rPr lang="en-US" sz="1600" dirty="0"/>
-              <a:t>DI</a:t>
-            </a:r>
-            <a:endParaRPr lang="en-SG" sz="1600" dirty="0"/>
-          </a:p>
-        </p:txBody>
-      </p:sp>
-      <p:sp>
-        <p:nvSpPr>
-          <p:cNvPr id="111" name="TextBox 110">
-            <a:extLst>
-              <a:ext uri="{FF2B5EF4-FFF2-40B4-BE49-F238E27FC236}">
-                <a16:creationId xmlns:a16="http://schemas.microsoft.com/office/drawing/2014/main" id="{FED7A168-45ED-48E4-B7BF-C6C720FCF81F}"/>
-              </a:ext>
-            </a:extLst>
-          </p:cNvPr>
-          <p:cNvSpPr txBox="1"/>
-          <p:nvPr/>
-        </p:nvSpPr>
-        <p:spPr>
-          <a:xfrm>
-            <a:off x="3914886" y="1732369"/>
-            <a:ext cx="393056" cy="338554"/>
-          </a:xfrm>
-          <a:prstGeom prst="rect">
-            <a:avLst/>
-          </a:prstGeom>
-          <a:noFill/>
-        </p:spPr>
-        <p:txBody>
-          <a:bodyPr wrap="none" rtlCol="0">
-            <a:spAutoFit/>
-          </a:bodyPr>
-          <a:lstStyle/>
-          <a:p>
-            <a:r>
-              <a:rPr lang="en-SG" sz="1600" dirty="0"/>
-              <a:t>12</a:t>
-            </a:r>
-          </a:p>
-        </p:txBody>
-      </p:sp>
-      <p:cxnSp>
-        <p:nvCxnSpPr>
-          <p:cNvPr id="112" name="Straight Arrow Connector 111">
-            <a:extLst>
-              <a:ext uri="{FF2B5EF4-FFF2-40B4-BE49-F238E27FC236}">
-                <a16:creationId xmlns:a16="http://schemas.microsoft.com/office/drawing/2014/main" id="{05498ED9-B8DC-4DF0-AE72-54FA4059BCBD}"/>
-              </a:ext>
-            </a:extLst>
-          </p:cNvPr>
-          <p:cNvCxnSpPr>
-            <a:cxnSpLocks/>
-          </p:cNvCxnSpPr>
-          <p:nvPr/>
-        </p:nvCxnSpPr>
-        <p:spPr>
-          <a:xfrm flipH="1">
-            <a:off x="4336706" y="1950626"/>
-            <a:ext cx="1321628" cy="0"/>
-          </a:xfrm>
-          <a:prstGeom prst="straightConnector1">
-            <a:avLst/>
-          </a:prstGeom>
-          <a:ln w="38100">
-            <a:solidFill>
-              <a:schemeClr val="tx1"/>
-            </a:solidFill>
-            <a:tailEnd type="triangle"/>
-          </a:ln>
-        </p:spPr>
-        <p:style>
-          <a:lnRef idx="1">
-            <a:schemeClr val="accent1"/>
-          </a:lnRef>
-          <a:fillRef idx="0">
-            <a:schemeClr val="accent1"/>
-          </a:fillRef>
-          <a:effectRef idx="0">
-            <a:schemeClr val="accent1"/>
-          </a:effectRef>
-          <a:fontRef idx="minor">
-            <a:schemeClr val="tx1"/>
-          </a:fontRef>
-        </p:style>
-      </p:cxnSp>
-      <p:sp>
-        <p:nvSpPr>
-          <p:cNvPr id="120" name="TextBox 119">
-            <a:extLst>
-              <a:ext uri="{FF2B5EF4-FFF2-40B4-BE49-F238E27FC236}">
-                <a16:creationId xmlns:a16="http://schemas.microsoft.com/office/drawing/2014/main" id="{ECA929CC-8A1F-4779-B505-809456E2F6EA}"/>
-              </a:ext>
-            </a:extLst>
-          </p:cNvPr>
-          <p:cNvSpPr txBox="1"/>
-          <p:nvPr/>
-        </p:nvSpPr>
-        <p:spPr>
-          <a:xfrm>
-            <a:off x="5659057" y="1778691"/>
-            <a:ext cx="487634" cy="338554"/>
-          </a:xfrm>
-          <a:prstGeom prst="rect">
-            <a:avLst/>
-          </a:prstGeom>
-          <a:noFill/>
-        </p:spPr>
-        <p:txBody>
-          <a:bodyPr wrap="none" rtlCol="0">
-            <a:spAutoFit/>
-          </a:bodyPr>
-          <a:lstStyle/>
-          <a:p>
-            <a:r>
-              <a:rPr lang="en-US" sz="1600" dirty="0"/>
-              <a:t>CLK</a:t>
-            </a:r>
-            <a:endParaRPr lang="en-SG" sz="1600" dirty="0"/>
-          </a:p>
-        </p:txBody>
-      </p:sp>
-      <p:sp>
-        <p:nvSpPr>
           <p:cNvPr id="121" name="Rectangle 120">
             <a:extLst>
               <a:ext uri="{FF2B5EF4-FFF2-40B4-BE49-F238E27FC236}">
@@ -32205,8 +32294,8 @@
         </p:nvSpPr>
         <p:spPr>
           <a:xfrm>
-            <a:off x="8290104" y="1996399"/>
-            <a:ext cx="787151" cy="603292"/>
+            <a:off x="10762309" y="1894880"/>
+            <a:ext cx="787151" cy="860306"/>
           </a:xfrm>
           <a:prstGeom prst="rect">
             <a:avLst/>
@@ -32301,8 +32390,8 @@
         </p:nvSpPr>
         <p:spPr>
           <a:xfrm>
-            <a:off x="5120662" y="3428314"/>
-            <a:ext cx="1817552" cy="1163373"/>
+            <a:off x="7581409" y="3585632"/>
+            <a:ext cx="1594349" cy="1163373"/>
           </a:xfrm>
           <a:prstGeom prst="rect">
             <a:avLst/>
@@ -32378,52 +32467,8 @@
         </p:nvCxnSpPr>
         <p:spPr>
           <a:xfrm>
-            <a:off x="4347300" y="3594158"/>
-            <a:ext cx="773362" cy="0"/>
-          </a:xfrm>
-          <a:prstGeom prst="straightConnector1">
-            <a:avLst/>
-          </a:prstGeom>
-          <a:ln w="38100">
-            <a:solidFill>
-              <a:schemeClr val="tx1"/>
-            </a:solidFill>
-            <a:tailEnd type="triangle"/>
-          </a:ln>
-        </p:spPr>
-        <p:style>
-          <a:lnRef idx="1">
-            <a:schemeClr val="accent1"/>
-          </a:lnRef>
-          <a:fillRef idx="0">
-            <a:schemeClr val="accent1"/>
-          </a:fillRef>
-          <a:effectRef idx="0">
-            <a:schemeClr val="accent1"/>
-          </a:effectRef>
-          <a:fontRef idx="minor">
-            <a:schemeClr val="tx1"/>
-          </a:fontRef>
-        </p:style>
-      </p:cxnSp>
-      <p:cxnSp>
-        <p:nvCxnSpPr>
-          <p:cNvPr id="133" name="Straight Arrow Connector 132">
-            <a:extLst>
-              <a:ext uri="{FF2B5EF4-FFF2-40B4-BE49-F238E27FC236}">
-                <a16:creationId xmlns:a16="http://schemas.microsoft.com/office/drawing/2014/main" id="{E38DC774-9E2B-4C2A-9DDC-7E9335B3B658}"/>
-              </a:ext>
-            </a:extLst>
-          </p:cNvPr>
-          <p:cNvCxnSpPr>
-            <a:cxnSpLocks/>
-          </p:cNvCxnSpPr>
-          <p:nvPr/>
-        </p:nvCxnSpPr>
-        <p:spPr>
-          <a:xfrm flipH="1">
-            <a:off x="4347300" y="4413893"/>
-            <a:ext cx="773362" cy="0"/>
+            <a:off x="7158378" y="3756669"/>
+            <a:ext cx="426398" cy="0"/>
           </a:xfrm>
           <a:prstGeom prst="straightConnector1">
             <a:avLst/>
@@ -32466,8 +32511,8 @@
         </p:nvCxnSpPr>
         <p:spPr>
           <a:xfrm flipH="1">
-            <a:off x="4347300" y="3867403"/>
-            <a:ext cx="773362" cy="0"/>
+            <a:off x="7158378" y="4273205"/>
+            <a:ext cx="408539" cy="0"/>
           </a:xfrm>
           <a:prstGeom prst="straightConnector1">
             <a:avLst/>
@@ -32494,12 +32539,292 @@
           </a:fontRef>
         </p:style>
       </p:cxnSp>
+      <p:sp>
+        <p:nvSpPr>
+          <p:cNvPr id="138" name="TextBox 137">
+            <a:extLst>
+              <a:ext uri="{FF2B5EF4-FFF2-40B4-BE49-F238E27FC236}">
+                <a16:creationId xmlns:a16="http://schemas.microsoft.com/office/drawing/2014/main" id="{BE6AE4EE-A83C-4441-A972-6CA884A4A066}"/>
+              </a:ext>
+            </a:extLst>
+          </p:cNvPr>
+          <p:cNvSpPr txBox="1"/>
+          <p:nvPr/>
+        </p:nvSpPr>
+        <p:spPr>
+          <a:xfrm>
+            <a:off x="7566917" y="3849170"/>
+            <a:ext cx="412292" cy="338554"/>
+          </a:xfrm>
+          <a:prstGeom prst="rect">
+            <a:avLst/>
+          </a:prstGeom>
+          <a:noFill/>
+        </p:spPr>
+        <p:txBody>
+          <a:bodyPr wrap="none" rtlCol="0">
+            <a:spAutoFit/>
+          </a:bodyPr>
+          <a:lstStyle/>
+          <a:p>
+            <a:r>
+              <a:rPr lang="en-SG" sz="1600" dirty="0"/>
+              <a:t>DE</a:t>
+            </a:r>
+          </a:p>
+        </p:txBody>
+      </p:sp>
+      <p:sp>
+        <p:nvSpPr>
+          <p:cNvPr id="139" name="TextBox 138">
+            <a:extLst>
+              <a:ext uri="{FF2B5EF4-FFF2-40B4-BE49-F238E27FC236}">
+                <a16:creationId xmlns:a16="http://schemas.microsoft.com/office/drawing/2014/main" id="{261DFEB0-88E7-4976-9C1A-C832B9F5C2DD}"/>
+              </a:ext>
+            </a:extLst>
+          </p:cNvPr>
+          <p:cNvSpPr txBox="1"/>
+          <p:nvPr/>
+        </p:nvSpPr>
+        <p:spPr>
+          <a:xfrm>
+            <a:off x="7566917" y="4116141"/>
+            <a:ext cx="397866" cy="338554"/>
+          </a:xfrm>
+          <a:prstGeom prst="rect">
+            <a:avLst/>
+          </a:prstGeom>
+          <a:noFill/>
+        </p:spPr>
+        <p:txBody>
+          <a:bodyPr wrap="none" rtlCol="0">
+            <a:spAutoFit/>
+          </a:bodyPr>
+          <a:lstStyle/>
+          <a:p>
+            <a:r>
+              <a:rPr lang="en-SG" sz="1600" dirty="0"/>
+              <a:t>RE</a:t>
+            </a:r>
+          </a:p>
+        </p:txBody>
+      </p:sp>
+      <p:sp>
+        <p:nvSpPr>
+          <p:cNvPr id="140" name="TextBox 139">
+            <a:extLst>
+              <a:ext uri="{FF2B5EF4-FFF2-40B4-BE49-F238E27FC236}">
+                <a16:creationId xmlns:a16="http://schemas.microsoft.com/office/drawing/2014/main" id="{54C16374-CB87-430C-9D49-35D203686392}"/>
+              </a:ext>
+            </a:extLst>
+          </p:cNvPr>
+          <p:cNvSpPr txBox="1"/>
+          <p:nvPr/>
+        </p:nvSpPr>
+        <p:spPr>
+          <a:xfrm>
+            <a:off x="7566917" y="4383113"/>
+            <a:ext cx="431144" cy="338554"/>
+          </a:xfrm>
+          <a:prstGeom prst="rect">
+            <a:avLst/>
+          </a:prstGeom>
+          <a:noFill/>
+        </p:spPr>
+        <p:txBody>
+          <a:bodyPr wrap="none" rtlCol="0">
+            <a:spAutoFit/>
+          </a:bodyPr>
+          <a:lstStyle/>
+          <a:p>
+            <a:r>
+              <a:rPr lang="en-SG" sz="1600" dirty="0"/>
+              <a:t>RO</a:t>
+            </a:r>
+          </a:p>
+        </p:txBody>
+      </p:sp>
+      <p:sp>
+        <p:nvSpPr>
+          <p:cNvPr id="141" name="TextBox 140">
+            <a:extLst>
+              <a:ext uri="{FF2B5EF4-FFF2-40B4-BE49-F238E27FC236}">
+                <a16:creationId xmlns:a16="http://schemas.microsoft.com/office/drawing/2014/main" id="{0EF3ACBB-E814-4CEA-9AFC-F51FB6D50BB2}"/>
+              </a:ext>
+            </a:extLst>
+          </p:cNvPr>
+          <p:cNvSpPr txBox="1"/>
+          <p:nvPr/>
+        </p:nvSpPr>
+        <p:spPr>
+          <a:xfrm>
+            <a:off x="7566917" y="3582199"/>
+            <a:ext cx="362600" cy="338554"/>
+          </a:xfrm>
+          <a:prstGeom prst="rect">
+            <a:avLst/>
+          </a:prstGeom>
+          <a:noFill/>
+        </p:spPr>
+        <p:txBody>
+          <a:bodyPr wrap="none" rtlCol="0">
+            <a:spAutoFit/>
+          </a:bodyPr>
+          <a:lstStyle/>
+          <a:p>
+            <a:r>
+              <a:rPr lang="en-SG" sz="1600" dirty="0"/>
+              <a:t>DI</a:t>
+            </a:r>
+          </a:p>
+        </p:txBody>
+      </p:sp>
+      <p:sp>
+        <p:nvSpPr>
+          <p:cNvPr id="142" name="TextBox 141">
+            <a:extLst>
+              <a:ext uri="{FF2B5EF4-FFF2-40B4-BE49-F238E27FC236}">
+                <a16:creationId xmlns:a16="http://schemas.microsoft.com/office/drawing/2014/main" id="{D1EBF455-D72F-4139-924A-0D9E20CD7F85}"/>
+              </a:ext>
+            </a:extLst>
+          </p:cNvPr>
+          <p:cNvSpPr txBox="1"/>
+          <p:nvPr/>
+        </p:nvSpPr>
+        <p:spPr>
+          <a:xfrm>
+            <a:off x="6733767" y="3854363"/>
+            <a:ext cx="288862" cy="338554"/>
+          </a:xfrm>
+          <a:prstGeom prst="rect">
+            <a:avLst/>
+          </a:prstGeom>
+          <a:noFill/>
+        </p:spPr>
+        <p:txBody>
+          <a:bodyPr wrap="none" rtlCol="0">
+            <a:spAutoFit/>
+          </a:bodyPr>
+          <a:lstStyle/>
+          <a:p>
+            <a:r>
+              <a:rPr lang="en-SG" sz="1600" dirty="0"/>
+              <a:t>8</a:t>
+            </a:r>
+          </a:p>
+        </p:txBody>
+      </p:sp>
+      <p:sp>
+        <p:nvSpPr>
+          <p:cNvPr id="146" name="TextBox 145">
+            <a:extLst>
+              <a:ext uri="{FF2B5EF4-FFF2-40B4-BE49-F238E27FC236}">
+                <a16:creationId xmlns:a16="http://schemas.microsoft.com/office/drawing/2014/main" id="{FEBCC0BA-AC6B-43A3-B78E-E6C1A8BC96E2}"/>
+              </a:ext>
+            </a:extLst>
+          </p:cNvPr>
+          <p:cNvSpPr txBox="1"/>
+          <p:nvPr/>
+        </p:nvSpPr>
+        <p:spPr>
+          <a:xfrm>
+            <a:off x="6733767" y="4121334"/>
+            <a:ext cx="288862" cy="338554"/>
+          </a:xfrm>
+          <a:prstGeom prst="rect">
+            <a:avLst/>
+          </a:prstGeom>
+          <a:noFill/>
+        </p:spPr>
+        <p:txBody>
+          <a:bodyPr wrap="none" rtlCol="0">
+            <a:spAutoFit/>
+          </a:bodyPr>
+          <a:lstStyle/>
+          <a:p>
+            <a:r>
+              <a:rPr lang="en-SG" sz="1600" dirty="0"/>
+              <a:t>8</a:t>
+            </a:r>
+          </a:p>
+        </p:txBody>
+      </p:sp>
+      <p:sp>
+        <p:nvSpPr>
+          <p:cNvPr id="152" name="TextBox 151">
+            <a:extLst>
+              <a:ext uri="{FF2B5EF4-FFF2-40B4-BE49-F238E27FC236}">
+                <a16:creationId xmlns:a16="http://schemas.microsoft.com/office/drawing/2014/main" id="{42131031-E4E6-4143-8D7E-B5B2940DEF13}"/>
+              </a:ext>
+            </a:extLst>
+          </p:cNvPr>
+          <p:cNvSpPr txBox="1"/>
+          <p:nvPr/>
+        </p:nvSpPr>
+        <p:spPr>
+          <a:xfrm>
+            <a:off x="6733767" y="4388306"/>
+            <a:ext cx="288862" cy="338554"/>
+          </a:xfrm>
+          <a:prstGeom prst="rect">
+            <a:avLst/>
+          </a:prstGeom>
+          <a:noFill/>
+        </p:spPr>
+        <p:txBody>
+          <a:bodyPr wrap="none" rtlCol="0">
+            <a:spAutoFit/>
+          </a:bodyPr>
+          <a:lstStyle/>
+          <a:p>
+            <a:r>
+              <a:rPr lang="en-SG" sz="1600" dirty="0"/>
+              <a:t>9</a:t>
+            </a:r>
+          </a:p>
+        </p:txBody>
+      </p:sp>
+      <p:sp>
+        <p:nvSpPr>
+          <p:cNvPr id="153" name="TextBox 152">
+            <a:extLst>
+              <a:ext uri="{FF2B5EF4-FFF2-40B4-BE49-F238E27FC236}">
+                <a16:creationId xmlns:a16="http://schemas.microsoft.com/office/drawing/2014/main" id="{4B1087C3-C1A2-43FC-834C-B767800CA0AE}"/>
+              </a:ext>
+            </a:extLst>
+          </p:cNvPr>
+          <p:cNvSpPr txBox="1"/>
+          <p:nvPr/>
+        </p:nvSpPr>
+        <p:spPr>
+          <a:xfrm>
+            <a:off x="6733767" y="3587392"/>
+            <a:ext cx="393056" cy="338554"/>
+          </a:xfrm>
+          <a:prstGeom prst="rect">
+            <a:avLst/>
+          </a:prstGeom>
+          <a:noFill/>
+        </p:spPr>
+        <p:txBody>
+          <a:bodyPr wrap="none" rtlCol="0">
+            <a:spAutoFit/>
+          </a:bodyPr>
+          <a:lstStyle/>
+          <a:p>
+            <a:r>
+              <a:rPr lang="en-SG" sz="1600" dirty="0"/>
+              <a:t>10</a:t>
+            </a:r>
+          </a:p>
+        </p:txBody>
+      </p:sp>
       <p:cxnSp>
         <p:nvCxnSpPr>
-          <p:cNvPr id="137" name="Straight Arrow Connector 136">
-            <a:extLst>
-              <a:ext uri="{FF2B5EF4-FFF2-40B4-BE49-F238E27FC236}">
-                <a16:creationId xmlns:a16="http://schemas.microsoft.com/office/drawing/2014/main" id="{F77F2E54-3360-4417-8DD3-3AADB16C6EA2}"/>
+          <p:cNvPr id="154" name="Straight Arrow Connector 153">
+            <a:extLst>
+              <a:ext uri="{FF2B5EF4-FFF2-40B4-BE49-F238E27FC236}">
+                <a16:creationId xmlns:a16="http://schemas.microsoft.com/office/drawing/2014/main" id="{41A53201-1237-4E7A-BBDD-13E0C0B586BE}"/>
               </a:ext>
             </a:extLst>
           </p:cNvPr>
@@ -32510,8 +32835,8 @@
         </p:nvCxnSpPr>
         <p:spPr>
           <a:xfrm flipH="1">
-            <a:off x="4347300" y="4140648"/>
-            <a:ext cx="773362" cy="0"/>
+            <a:off x="9177719" y="3726189"/>
+            <a:ext cx="314936" cy="0"/>
           </a:xfrm>
           <a:prstGeom prst="straightConnector1">
             <a:avLst/>
@@ -32540,10 +32865,10 @@
       </p:cxnSp>
       <p:sp>
         <p:nvSpPr>
-          <p:cNvPr id="138" name="TextBox 137">
-            <a:extLst>
-              <a:ext uri="{FF2B5EF4-FFF2-40B4-BE49-F238E27FC236}">
-                <a16:creationId xmlns:a16="http://schemas.microsoft.com/office/drawing/2014/main" id="{BE6AE4EE-A83C-4441-A972-6CA884A4A066}"/>
+          <p:cNvPr id="155" name="TextBox 154">
+            <a:extLst>
+              <a:ext uri="{FF2B5EF4-FFF2-40B4-BE49-F238E27FC236}">
+                <a16:creationId xmlns:a16="http://schemas.microsoft.com/office/drawing/2014/main" id="{D424817A-15FA-4771-9374-B2380007D92D}"/>
               </a:ext>
             </a:extLst>
           </p:cNvPr>
@@ -32552,8 +32877,8 @@
         </p:nvSpPr>
         <p:spPr>
           <a:xfrm>
-            <a:off x="5106170" y="3691852"/>
-            <a:ext cx="412292" cy="338554"/>
+            <a:off x="9436216" y="3526134"/>
+            <a:ext cx="548547" cy="369332"/>
           </a:xfrm>
           <a:prstGeom prst="rect">
             <a:avLst/>
@@ -32566,19 +32891,64 @@
           </a:bodyPr>
           <a:lstStyle/>
           <a:p>
-            <a:r>
-              <a:rPr lang="en-SG" sz="1600" dirty="0"/>
-              <a:t>DE</a:t>
-            </a:r>
-          </a:p>
-        </p:txBody>
-      </p:sp>
-      <p:sp>
-        <p:nvSpPr>
-          <p:cNvPr id="139" name="TextBox 138">
-            <a:extLst>
-              <a:ext uri="{FF2B5EF4-FFF2-40B4-BE49-F238E27FC236}">
-                <a16:creationId xmlns:a16="http://schemas.microsoft.com/office/drawing/2014/main" id="{261DFEB0-88E7-4976-9C1A-C832B9F5C2DD}"/>
+            <a:pPr algn="ctr"/>
+            <a:r>
+              <a:rPr lang="en-US" dirty="0"/>
+              <a:t>+5V</a:t>
+            </a:r>
+          </a:p>
+        </p:txBody>
+      </p:sp>
+      <p:cxnSp>
+        <p:nvCxnSpPr>
+          <p:cNvPr id="156" name="Straight Arrow Connector 155">
+            <a:extLst>
+              <a:ext uri="{FF2B5EF4-FFF2-40B4-BE49-F238E27FC236}">
+                <a16:creationId xmlns:a16="http://schemas.microsoft.com/office/drawing/2014/main" id="{26C87DAE-10DF-46BA-84A4-43922F166193}"/>
+              </a:ext>
+            </a:extLst>
+          </p:cNvPr>
+          <p:cNvCxnSpPr>
+            <a:cxnSpLocks/>
+          </p:cNvCxnSpPr>
+          <p:nvPr/>
+        </p:nvCxnSpPr>
+        <p:spPr>
+          <a:xfrm flipH="1">
+            <a:off x="9177719" y="4544126"/>
+            <a:ext cx="314936" cy="0"/>
+          </a:xfrm>
+          <a:prstGeom prst="straightConnector1">
+            <a:avLst/>
+          </a:prstGeom>
+          <a:ln w="38100">
+            <a:solidFill>
+              <a:schemeClr val="tx1"/>
+            </a:solidFill>
+            <a:tailEnd type="triangle"/>
+          </a:ln>
+        </p:spPr>
+        <p:style>
+          <a:lnRef idx="1">
+            <a:schemeClr val="accent1"/>
+          </a:lnRef>
+          <a:fillRef idx="0">
+            <a:schemeClr val="accent1"/>
+          </a:fillRef>
+          <a:effectRef idx="0">
+            <a:schemeClr val="accent1"/>
+          </a:effectRef>
+          <a:fontRef idx="minor">
+            <a:schemeClr val="tx1"/>
+          </a:fontRef>
+        </p:style>
+      </p:cxnSp>
+      <p:sp>
+        <p:nvSpPr>
+          <p:cNvPr id="157" name="TextBox 156">
+            <a:extLst>
+              <a:ext uri="{FF2B5EF4-FFF2-40B4-BE49-F238E27FC236}">
+                <a16:creationId xmlns:a16="http://schemas.microsoft.com/office/drawing/2014/main" id="{D509F8CE-2641-4377-A310-1B743748794D}"/>
               </a:ext>
             </a:extLst>
           </p:cNvPr>
@@ -32587,8 +32957,8 @@
         </p:nvSpPr>
         <p:spPr>
           <a:xfrm>
-            <a:off x="5106170" y="3958823"/>
-            <a:ext cx="397866" cy="338554"/>
+            <a:off x="9436216" y="4352383"/>
+            <a:ext cx="622286" cy="369332"/>
           </a:xfrm>
           <a:prstGeom prst="rect">
             <a:avLst/>
@@ -32601,19 +32971,20 @@
           </a:bodyPr>
           <a:lstStyle/>
           <a:p>
-            <a:r>
-              <a:rPr lang="en-SG" sz="1600" dirty="0"/>
-              <a:t>RE</a:t>
-            </a:r>
-          </a:p>
-        </p:txBody>
-      </p:sp>
-      <p:sp>
-        <p:nvSpPr>
-          <p:cNvPr id="140" name="TextBox 139">
-            <a:extLst>
-              <a:ext uri="{FF2B5EF4-FFF2-40B4-BE49-F238E27FC236}">
-                <a16:creationId xmlns:a16="http://schemas.microsoft.com/office/drawing/2014/main" id="{54C16374-CB87-430C-9D49-35D203686392}"/>
+            <a:pPr algn="ctr"/>
+            <a:r>
+              <a:rPr lang="en-US" dirty="0"/>
+              <a:t>GND</a:t>
+            </a:r>
+          </a:p>
+        </p:txBody>
+      </p:sp>
+      <p:sp>
+        <p:nvSpPr>
+          <p:cNvPr id="158" name="TextBox 157">
+            <a:extLst>
+              <a:ext uri="{FF2B5EF4-FFF2-40B4-BE49-F238E27FC236}">
+                <a16:creationId xmlns:a16="http://schemas.microsoft.com/office/drawing/2014/main" id="{990290F8-12A6-4D0F-95E0-C2BA13F5AF89}"/>
               </a:ext>
             </a:extLst>
           </p:cNvPr>
@@ -32622,8 +32993,8 @@
         </p:nvSpPr>
         <p:spPr>
           <a:xfrm>
-            <a:off x="5106170" y="4225795"/>
-            <a:ext cx="431144" cy="338554"/>
+            <a:off x="8867292" y="3849170"/>
+            <a:ext cx="303288" cy="338554"/>
           </a:xfrm>
           <a:prstGeom prst="rect">
             <a:avLst/>
@@ -32638,17 +33009,17 @@
           <a:p>
             <a:r>
               <a:rPr lang="en-SG" sz="1600" dirty="0"/>
-              <a:t>RO</a:t>
-            </a:r>
-          </a:p>
-        </p:txBody>
-      </p:sp>
-      <p:sp>
-        <p:nvSpPr>
-          <p:cNvPr id="141" name="TextBox 140">
-            <a:extLst>
-              <a:ext uri="{FF2B5EF4-FFF2-40B4-BE49-F238E27FC236}">
-                <a16:creationId xmlns:a16="http://schemas.microsoft.com/office/drawing/2014/main" id="{0EF3ACBB-E814-4CEA-9AFC-F51FB6D50BB2}"/>
+              <a:t>A</a:t>
+            </a:r>
+          </a:p>
+        </p:txBody>
+      </p:sp>
+      <p:sp>
+        <p:nvSpPr>
+          <p:cNvPr id="159" name="TextBox 158">
+            <a:extLst>
+              <a:ext uri="{FF2B5EF4-FFF2-40B4-BE49-F238E27FC236}">
+                <a16:creationId xmlns:a16="http://schemas.microsoft.com/office/drawing/2014/main" id="{C2ECE688-FD22-456C-ABDE-B6BAC399F859}"/>
               </a:ext>
             </a:extLst>
           </p:cNvPr>
@@ -32657,8 +33028,8 @@
         </p:nvSpPr>
         <p:spPr>
           <a:xfrm>
-            <a:off x="5106170" y="3424881"/>
-            <a:ext cx="362600" cy="338554"/>
+            <a:off x="8867292" y="4116141"/>
+            <a:ext cx="296876" cy="338554"/>
           </a:xfrm>
           <a:prstGeom prst="rect">
             <a:avLst/>
@@ -32673,157 +33044,17 @@
           <a:p>
             <a:r>
               <a:rPr lang="en-SG" sz="1600" dirty="0"/>
-              <a:t>DI</a:t>
-            </a:r>
-          </a:p>
-        </p:txBody>
-      </p:sp>
-      <p:sp>
-        <p:nvSpPr>
-          <p:cNvPr id="142" name="TextBox 141">
-            <a:extLst>
-              <a:ext uri="{FF2B5EF4-FFF2-40B4-BE49-F238E27FC236}">
-                <a16:creationId xmlns:a16="http://schemas.microsoft.com/office/drawing/2014/main" id="{D1EBF455-D72F-4139-924A-0D9E20CD7F85}"/>
-              </a:ext>
-            </a:extLst>
-          </p:cNvPr>
-          <p:cNvSpPr txBox="1"/>
-          <p:nvPr/>
-        </p:nvSpPr>
-        <p:spPr>
-          <a:xfrm>
-            <a:off x="3934509" y="3691852"/>
-            <a:ext cx="288862" cy="338554"/>
-          </a:xfrm>
-          <a:prstGeom prst="rect">
-            <a:avLst/>
-          </a:prstGeom>
-          <a:noFill/>
-        </p:spPr>
-        <p:txBody>
-          <a:bodyPr wrap="none" rtlCol="0">
-            <a:spAutoFit/>
-          </a:bodyPr>
-          <a:lstStyle/>
-          <a:p>
-            <a:r>
-              <a:rPr lang="en-SG" sz="1600" dirty="0"/>
-              <a:t>8</a:t>
-            </a:r>
-          </a:p>
-        </p:txBody>
-      </p:sp>
-      <p:sp>
-        <p:nvSpPr>
-          <p:cNvPr id="146" name="TextBox 145">
-            <a:extLst>
-              <a:ext uri="{FF2B5EF4-FFF2-40B4-BE49-F238E27FC236}">
-                <a16:creationId xmlns:a16="http://schemas.microsoft.com/office/drawing/2014/main" id="{FEBCC0BA-AC6B-43A3-B78E-E6C1A8BC96E2}"/>
-              </a:ext>
-            </a:extLst>
-          </p:cNvPr>
-          <p:cNvSpPr txBox="1"/>
-          <p:nvPr/>
-        </p:nvSpPr>
-        <p:spPr>
-          <a:xfrm>
-            <a:off x="3934509" y="3958823"/>
-            <a:ext cx="288862" cy="338554"/>
-          </a:xfrm>
-          <a:prstGeom prst="rect">
-            <a:avLst/>
-          </a:prstGeom>
-          <a:noFill/>
-        </p:spPr>
-        <p:txBody>
-          <a:bodyPr wrap="none" rtlCol="0">
-            <a:spAutoFit/>
-          </a:bodyPr>
-          <a:lstStyle/>
-          <a:p>
-            <a:r>
-              <a:rPr lang="en-SG" sz="1600" dirty="0"/>
-              <a:t>8</a:t>
-            </a:r>
-          </a:p>
-        </p:txBody>
-      </p:sp>
-      <p:sp>
-        <p:nvSpPr>
-          <p:cNvPr id="152" name="TextBox 151">
-            <a:extLst>
-              <a:ext uri="{FF2B5EF4-FFF2-40B4-BE49-F238E27FC236}">
-                <a16:creationId xmlns:a16="http://schemas.microsoft.com/office/drawing/2014/main" id="{42131031-E4E6-4143-8D7E-B5B2940DEF13}"/>
-              </a:ext>
-            </a:extLst>
-          </p:cNvPr>
-          <p:cNvSpPr txBox="1"/>
-          <p:nvPr/>
-        </p:nvSpPr>
-        <p:spPr>
-          <a:xfrm>
-            <a:off x="3934509" y="4225795"/>
-            <a:ext cx="288862" cy="338554"/>
-          </a:xfrm>
-          <a:prstGeom prst="rect">
-            <a:avLst/>
-          </a:prstGeom>
-          <a:noFill/>
-        </p:spPr>
-        <p:txBody>
-          <a:bodyPr wrap="none" rtlCol="0">
-            <a:spAutoFit/>
-          </a:bodyPr>
-          <a:lstStyle/>
-          <a:p>
-            <a:r>
-              <a:rPr lang="en-SG" sz="1600" dirty="0"/>
-              <a:t>9</a:t>
-            </a:r>
-          </a:p>
-        </p:txBody>
-      </p:sp>
-      <p:sp>
-        <p:nvSpPr>
-          <p:cNvPr id="153" name="TextBox 152">
-            <a:extLst>
-              <a:ext uri="{FF2B5EF4-FFF2-40B4-BE49-F238E27FC236}">
-                <a16:creationId xmlns:a16="http://schemas.microsoft.com/office/drawing/2014/main" id="{4B1087C3-C1A2-43FC-834C-B767800CA0AE}"/>
-              </a:ext>
-            </a:extLst>
-          </p:cNvPr>
-          <p:cNvSpPr txBox="1"/>
-          <p:nvPr/>
-        </p:nvSpPr>
-        <p:spPr>
-          <a:xfrm>
-            <a:off x="3934509" y="3424881"/>
-            <a:ext cx="393056" cy="338554"/>
-          </a:xfrm>
-          <a:prstGeom prst="rect">
-            <a:avLst/>
-          </a:prstGeom>
-          <a:noFill/>
-        </p:spPr>
-        <p:txBody>
-          <a:bodyPr wrap="none" rtlCol="0">
-            <a:spAutoFit/>
-          </a:bodyPr>
-          <a:lstStyle/>
-          <a:p>
-            <a:r>
-              <a:rPr lang="en-SG" sz="1600" dirty="0"/>
-              <a:t>10</a:t>
+              <a:t>B</a:t>
             </a:r>
           </a:p>
         </p:txBody>
       </p:sp>
       <p:cxnSp>
         <p:nvCxnSpPr>
-          <p:cNvPr id="154" name="Straight Arrow Connector 153">
-            <a:extLst>
-              <a:ext uri="{FF2B5EF4-FFF2-40B4-BE49-F238E27FC236}">
-                <a16:creationId xmlns:a16="http://schemas.microsoft.com/office/drawing/2014/main" id="{41A53201-1237-4E7A-BBDD-13E0C0B586BE}"/>
+          <p:cNvPr id="161" name="Straight Arrow Connector 160">
+            <a:extLst>
+              <a:ext uri="{FF2B5EF4-FFF2-40B4-BE49-F238E27FC236}">
+                <a16:creationId xmlns:a16="http://schemas.microsoft.com/office/drawing/2014/main" id="{EFF63F53-D886-4718-A643-178F70E6B39E}"/>
               </a:ext>
             </a:extLst>
           </p:cNvPr>
@@ -32834,238 +33065,8 @@
         </p:nvCxnSpPr>
         <p:spPr>
           <a:xfrm flipH="1">
-            <a:off x="6952501" y="3594158"/>
-            <a:ext cx="314936" cy="0"/>
-          </a:xfrm>
-          <a:prstGeom prst="straightConnector1">
-            <a:avLst/>
-          </a:prstGeom>
-          <a:ln w="38100">
-            <a:solidFill>
-              <a:schemeClr val="tx1"/>
-            </a:solidFill>
-            <a:tailEnd type="triangle"/>
-          </a:ln>
-        </p:spPr>
-        <p:style>
-          <a:lnRef idx="1">
-            <a:schemeClr val="accent1"/>
-          </a:lnRef>
-          <a:fillRef idx="0">
-            <a:schemeClr val="accent1"/>
-          </a:fillRef>
-          <a:effectRef idx="0">
-            <a:schemeClr val="accent1"/>
-          </a:effectRef>
-          <a:fontRef idx="minor">
-            <a:schemeClr val="tx1"/>
-          </a:fontRef>
-        </p:style>
-      </p:cxnSp>
-      <p:sp>
-        <p:nvSpPr>
-          <p:cNvPr id="155" name="TextBox 154">
-            <a:extLst>
-              <a:ext uri="{FF2B5EF4-FFF2-40B4-BE49-F238E27FC236}">
-                <a16:creationId xmlns:a16="http://schemas.microsoft.com/office/drawing/2014/main" id="{D424817A-15FA-4771-9374-B2380007D92D}"/>
-              </a:ext>
-            </a:extLst>
-          </p:cNvPr>
-          <p:cNvSpPr txBox="1"/>
-          <p:nvPr/>
-        </p:nvSpPr>
-        <p:spPr>
-          <a:xfrm>
-            <a:off x="7210998" y="3394103"/>
-            <a:ext cx="548547" cy="369332"/>
-          </a:xfrm>
-          <a:prstGeom prst="rect">
-            <a:avLst/>
-          </a:prstGeom>
-          <a:noFill/>
-        </p:spPr>
-        <p:txBody>
-          <a:bodyPr wrap="none" rtlCol="0">
-            <a:spAutoFit/>
-          </a:bodyPr>
-          <a:lstStyle/>
-          <a:p>
-            <a:pPr algn="ctr"/>
-            <a:r>
-              <a:rPr lang="en-US" dirty="0"/>
-              <a:t>+5V</a:t>
-            </a:r>
-          </a:p>
-        </p:txBody>
-      </p:sp>
-      <p:cxnSp>
-        <p:nvCxnSpPr>
-          <p:cNvPr id="156" name="Straight Arrow Connector 155">
-            <a:extLst>
-              <a:ext uri="{FF2B5EF4-FFF2-40B4-BE49-F238E27FC236}">
-                <a16:creationId xmlns:a16="http://schemas.microsoft.com/office/drawing/2014/main" id="{26C87DAE-10DF-46BA-84A4-43922F166193}"/>
-              </a:ext>
-            </a:extLst>
-          </p:cNvPr>
-          <p:cNvCxnSpPr>
-            <a:cxnSpLocks/>
-          </p:cNvCxnSpPr>
-          <p:nvPr/>
-        </p:nvCxnSpPr>
-        <p:spPr>
-          <a:xfrm flipH="1">
-            <a:off x="6952501" y="4386669"/>
-            <a:ext cx="314936" cy="0"/>
-          </a:xfrm>
-          <a:prstGeom prst="straightConnector1">
-            <a:avLst/>
-          </a:prstGeom>
-          <a:ln w="38100">
-            <a:solidFill>
-              <a:schemeClr val="tx1"/>
-            </a:solidFill>
-            <a:tailEnd type="triangle"/>
-          </a:ln>
-        </p:spPr>
-        <p:style>
-          <a:lnRef idx="1">
-            <a:schemeClr val="accent1"/>
-          </a:lnRef>
-          <a:fillRef idx="0">
-            <a:schemeClr val="accent1"/>
-          </a:fillRef>
-          <a:effectRef idx="0">
-            <a:schemeClr val="accent1"/>
-          </a:effectRef>
-          <a:fontRef idx="minor">
-            <a:schemeClr val="tx1"/>
-          </a:fontRef>
-        </p:style>
-      </p:cxnSp>
-      <p:sp>
-        <p:nvSpPr>
-          <p:cNvPr id="157" name="TextBox 156">
-            <a:extLst>
-              <a:ext uri="{FF2B5EF4-FFF2-40B4-BE49-F238E27FC236}">
-                <a16:creationId xmlns:a16="http://schemas.microsoft.com/office/drawing/2014/main" id="{D509F8CE-2641-4377-A310-1B743748794D}"/>
-              </a:ext>
-            </a:extLst>
-          </p:cNvPr>
-          <p:cNvSpPr txBox="1"/>
-          <p:nvPr/>
-        </p:nvSpPr>
-        <p:spPr>
-          <a:xfrm>
-            <a:off x="7210998" y="4194926"/>
-            <a:ext cx="622286" cy="369332"/>
-          </a:xfrm>
-          <a:prstGeom prst="rect">
-            <a:avLst/>
-          </a:prstGeom>
-          <a:noFill/>
-        </p:spPr>
-        <p:txBody>
-          <a:bodyPr wrap="none" rtlCol="0">
-            <a:spAutoFit/>
-          </a:bodyPr>
-          <a:lstStyle/>
-          <a:p>
-            <a:pPr algn="ctr"/>
-            <a:r>
-              <a:rPr lang="en-US" dirty="0"/>
-              <a:t>GND</a:t>
-            </a:r>
-          </a:p>
-        </p:txBody>
-      </p:sp>
-      <p:sp>
-        <p:nvSpPr>
-          <p:cNvPr id="158" name="TextBox 157">
-            <a:extLst>
-              <a:ext uri="{FF2B5EF4-FFF2-40B4-BE49-F238E27FC236}">
-                <a16:creationId xmlns:a16="http://schemas.microsoft.com/office/drawing/2014/main" id="{990290F8-12A6-4D0F-95E0-C2BA13F5AF89}"/>
-              </a:ext>
-            </a:extLst>
-          </p:cNvPr>
-          <p:cNvSpPr txBox="1"/>
-          <p:nvPr/>
-        </p:nvSpPr>
-        <p:spPr>
-          <a:xfrm>
-            <a:off x="6626086" y="3691852"/>
-            <a:ext cx="303288" cy="338554"/>
-          </a:xfrm>
-          <a:prstGeom prst="rect">
-            <a:avLst/>
-          </a:prstGeom>
-          <a:noFill/>
-        </p:spPr>
-        <p:txBody>
-          <a:bodyPr wrap="none" rtlCol="0">
-            <a:spAutoFit/>
-          </a:bodyPr>
-          <a:lstStyle/>
-          <a:p>
-            <a:r>
-              <a:rPr lang="en-SG" sz="1600" dirty="0"/>
-              <a:t>A</a:t>
-            </a:r>
-          </a:p>
-        </p:txBody>
-      </p:sp>
-      <p:sp>
-        <p:nvSpPr>
-          <p:cNvPr id="159" name="TextBox 158">
-            <a:extLst>
-              <a:ext uri="{FF2B5EF4-FFF2-40B4-BE49-F238E27FC236}">
-                <a16:creationId xmlns:a16="http://schemas.microsoft.com/office/drawing/2014/main" id="{C2ECE688-FD22-456C-ABDE-B6BAC399F859}"/>
-              </a:ext>
-            </a:extLst>
-          </p:cNvPr>
-          <p:cNvSpPr txBox="1"/>
-          <p:nvPr/>
-        </p:nvSpPr>
-        <p:spPr>
-          <a:xfrm>
-            <a:off x="6626086" y="3958823"/>
-            <a:ext cx="296876" cy="338554"/>
-          </a:xfrm>
-          <a:prstGeom prst="rect">
-            <a:avLst/>
-          </a:prstGeom>
-          <a:noFill/>
-        </p:spPr>
-        <p:txBody>
-          <a:bodyPr wrap="none" rtlCol="0">
-            <a:spAutoFit/>
-          </a:bodyPr>
-          <a:lstStyle/>
-          <a:p>
-            <a:r>
-              <a:rPr lang="en-SG" sz="1600" dirty="0"/>
-              <a:t>B</a:t>
-            </a:r>
-          </a:p>
-        </p:txBody>
-      </p:sp>
-      <p:cxnSp>
-        <p:nvCxnSpPr>
-          <p:cNvPr id="161" name="Straight Arrow Connector 160">
-            <a:extLst>
-              <a:ext uri="{FF2B5EF4-FFF2-40B4-BE49-F238E27FC236}">
-                <a16:creationId xmlns:a16="http://schemas.microsoft.com/office/drawing/2014/main" id="{EFF63F53-D886-4718-A643-178F70E6B39E}"/>
-              </a:ext>
-            </a:extLst>
-          </p:cNvPr>
-          <p:cNvCxnSpPr>
-            <a:cxnSpLocks/>
-          </p:cNvCxnSpPr>
-          <p:nvPr/>
-        </p:nvCxnSpPr>
-        <p:spPr>
-          <a:xfrm flipH="1">
-            <a:off x="6952501" y="3858328"/>
-            <a:ext cx="2208743" cy="0"/>
+            <a:off x="9177719" y="4015785"/>
+            <a:ext cx="1783414" cy="0"/>
           </a:xfrm>
           <a:prstGeom prst="straightConnector1">
             <a:avLst/>
@@ -33109,8 +33110,8 @@
         </p:nvCxnSpPr>
         <p:spPr>
           <a:xfrm flipH="1">
-            <a:off x="6952501" y="4122498"/>
-            <a:ext cx="2208743" cy="0"/>
+            <a:off x="9177719" y="4279955"/>
+            <a:ext cx="1783414" cy="0"/>
           </a:xfrm>
           <a:prstGeom prst="straightConnector1">
             <a:avLst/>
@@ -33154,7 +33155,7 @@
         </p:nvCxnSpPr>
         <p:spPr>
           <a:xfrm>
-            <a:off x="8779064" y="3577037"/>
+            <a:off x="10578953" y="3702747"/>
             <a:ext cx="382180" cy="0"/>
           </a:xfrm>
           <a:prstGeom prst="straightConnector1">
@@ -33196,7 +33197,7 @@
         </p:nvSpPr>
         <p:spPr>
           <a:xfrm>
-            <a:off x="8163404" y="3392371"/>
+            <a:off x="9963293" y="3518081"/>
             <a:ext cx="665568" cy="369332"/>
           </a:xfrm>
           <a:prstGeom prst="rect">
@@ -33232,8 +33233,8 @@
         </p:nvSpPr>
         <p:spPr>
           <a:xfrm>
-            <a:off x="9175531" y="3392371"/>
-            <a:ext cx="1222258" cy="1199316"/>
+            <a:off x="10975420" y="3518081"/>
+            <a:ext cx="1073700" cy="1199316"/>
           </a:xfrm>
           <a:prstGeom prst="rect">
             <a:avLst/>
@@ -33314,7 +33315,7 @@
         </p:nvCxnSpPr>
         <p:spPr>
           <a:xfrm>
-            <a:off x="8800705" y="4413895"/>
+            <a:off x="10600594" y="4539605"/>
             <a:ext cx="382180" cy="0"/>
           </a:xfrm>
           <a:prstGeom prst="straightConnector1">
@@ -33356,7 +33357,7 @@
         </p:nvSpPr>
         <p:spPr>
           <a:xfrm>
-            <a:off x="8206686" y="4229229"/>
+            <a:off x="10006575" y="4354939"/>
             <a:ext cx="622286" cy="369332"/>
           </a:xfrm>
           <a:prstGeom prst="rect">
@@ -33392,7 +33393,7 @@
         </p:nvSpPr>
         <p:spPr>
           <a:xfrm>
-            <a:off x="7580805" y="3795981"/>
+            <a:off x="9529901" y="3978993"/>
             <a:ext cx="958917" cy="369332"/>
           </a:xfrm>
           <a:prstGeom prst="rect">
@@ -33428,8 +33429,8 @@
         </p:nvSpPr>
         <p:spPr>
           <a:xfrm>
-            <a:off x="5120662" y="4984946"/>
-            <a:ext cx="1817552" cy="1163373"/>
+            <a:off x="2340466" y="5050827"/>
+            <a:ext cx="1584749" cy="1163373"/>
           </a:xfrm>
           <a:prstGeom prst="rect">
             <a:avLst/>
@@ -33504,8 +33505,8 @@
           <p:nvPr/>
         </p:nvCxnSpPr>
         <p:spPr>
-          <a:xfrm>
-            <a:off x="4347300" y="5150790"/>
+          <a:xfrm flipH="1">
+            <a:off x="3898039" y="5272927"/>
             <a:ext cx="773362" cy="0"/>
           </a:xfrm>
           <a:prstGeom prst="straightConnector1">
@@ -33548,8 +33549,8 @@
           <p:nvPr/>
         </p:nvCxnSpPr>
         <p:spPr>
-          <a:xfrm flipH="1">
-            <a:off x="4347300" y="5970525"/>
+          <a:xfrm>
+            <a:off x="3898039" y="6092662"/>
             <a:ext cx="773362" cy="0"/>
           </a:xfrm>
           <a:prstGeom prst="straightConnector1">
@@ -33592,8 +33593,8 @@
           <p:nvPr/>
         </p:nvCxnSpPr>
         <p:spPr>
-          <a:xfrm flipH="1">
-            <a:off x="4347300" y="5424035"/>
+          <a:xfrm>
+            <a:off x="3898039" y="5546172"/>
             <a:ext cx="773362" cy="0"/>
           </a:xfrm>
           <a:prstGeom prst="straightConnector1">
@@ -33636,8 +33637,8 @@
           <p:nvPr/>
         </p:nvCxnSpPr>
         <p:spPr>
-          <a:xfrm flipH="1">
-            <a:off x="4347300" y="5697280"/>
+          <a:xfrm>
+            <a:off x="3898039" y="5819417"/>
             <a:ext cx="773362" cy="0"/>
           </a:xfrm>
           <a:prstGeom prst="straightConnector1">
@@ -33678,8 +33679,8 @@
           <p:nvPr/>
         </p:nvSpPr>
         <p:spPr>
-          <a:xfrm>
-            <a:off x="5106170" y="5248484"/>
+          <a:xfrm flipH="1">
+            <a:off x="3513032" y="5367184"/>
             <a:ext cx="412292" cy="338554"/>
           </a:xfrm>
           <a:prstGeom prst="rect">
@@ -33713,8 +33714,8 @@
           <p:nvPr/>
         </p:nvSpPr>
         <p:spPr>
-          <a:xfrm>
-            <a:off x="5106170" y="5515455"/>
+          <a:xfrm flipH="1">
+            <a:off x="3527458" y="5634155"/>
             <a:ext cx="397866" cy="338554"/>
           </a:xfrm>
           <a:prstGeom prst="rect">
@@ -33748,8 +33749,8 @@
           <p:nvPr/>
         </p:nvSpPr>
         <p:spPr>
-          <a:xfrm>
-            <a:off x="5106170" y="5782427"/>
+          <a:xfrm flipH="1">
+            <a:off x="3494180" y="5901127"/>
             <a:ext cx="431144" cy="338554"/>
           </a:xfrm>
           <a:prstGeom prst="rect">
@@ -33783,8 +33784,8 @@
           <p:nvPr/>
         </p:nvSpPr>
         <p:spPr>
-          <a:xfrm>
-            <a:off x="5106170" y="4981513"/>
+          <a:xfrm flipH="1">
+            <a:off x="3562724" y="5100213"/>
             <a:ext cx="362600" cy="338554"/>
           </a:xfrm>
           <a:prstGeom prst="rect">
@@ -33819,7 +33820,7 @@
         </p:nvSpPr>
         <p:spPr>
           <a:xfrm>
-            <a:off x="3934509" y="5248484"/>
+            <a:off x="4714625" y="5365543"/>
             <a:ext cx="288862" cy="338554"/>
           </a:xfrm>
           <a:prstGeom prst="rect">
@@ -33854,7 +33855,7 @@
         </p:nvSpPr>
         <p:spPr>
           <a:xfrm>
-            <a:off x="3934509" y="5515455"/>
+            <a:off x="4714625" y="5632514"/>
             <a:ext cx="288862" cy="338554"/>
           </a:xfrm>
           <a:prstGeom prst="rect">
@@ -33889,7 +33890,7 @@
         </p:nvSpPr>
         <p:spPr>
           <a:xfrm>
-            <a:off x="3934509" y="5782427"/>
+            <a:off x="4714625" y="5899486"/>
             <a:ext cx="288862" cy="338554"/>
           </a:xfrm>
           <a:prstGeom prst="rect">
@@ -33924,7 +33925,7 @@
         </p:nvSpPr>
         <p:spPr>
           <a:xfrm>
-            <a:off x="3934509" y="4981513"/>
+            <a:off x="4714625" y="5098572"/>
             <a:ext cx="393056" cy="338554"/>
           </a:xfrm>
           <a:prstGeom prst="rect">
@@ -33960,9 +33961,9 @@
           <p:nvPr/>
         </p:nvCxnSpPr>
         <p:spPr>
-          <a:xfrm flipH="1">
-            <a:off x="6952501" y="5150790"/>
-            <a:ext cx="314936" cy="0"/>
+          <a:xfrm>
+            <a:off x="1950512" y="5262077"/>
+            <a:ext cx="372342" cy="0"/>
           </a:xfrm>
           <a:prstGeom prst="straightConnector1">
             <a:avLst/>
@@ -34003,7 +34004,7 @@
         </p:nvSpPr>
         <p:spPr>
           <a:xfrm>
-            <a:off x="7210998" y="4950735"/>
+            <a:off x="1434474" y="5064144"/>
             <a:ext cx="548547" cy="369332"/>
           </a:xfrm>
           <a:prstGeom prst="rect">
@@ -34040,9 +34041,9 @@
           <p:nvPr/>
         </p:nvCxnSpPr>
         <p:spPr>
-          <a:xfrm flipH="1">
-            <a:off x="6952501" y="5943301"/>
-            <a:ext cx="314936" cy="0"/>
+          <a:xfrm>
+            <a:off x="1932901" y="6092662"/>
+            <a:ext cx="407565" cy="0"/>
           </a:xfrm>
           <a:prstGeom prst="straightConnector1">
             <a:avLst/>
@@ -34083,7 +34084,7 @@
         </p:nvSpPr>
         <p:spPr>
           <a:xfrm>
-            <a:off x="7210998" y="5751558"/>
+            <a:off x="1365053" y="5914269"/>
             <a:ext cx="622286" cy="369332"/>
           </a:xfrm>
           <a:prstGeom prst="rect">
@@ -34119,7 +34120,7 @@
         </p:nvSpPr>
         <p:spPr>
           <a:xfrm>
-            <a:off x="6626086" y="5248484"/>
+            <a:off x="2305243" y="5315826"/>
             <a:ext cx="303288" cy="338554"/>
           </a:xfrm>
           <a:prstGeom prst="rect">
@@ -34154,7 +34155,7 @@
         </p:nvSpPr>
         <p:spPr>
           <a:xfrm>
-            <a:off x="6626086" y="5515455"/>
+            <a:off x="2305243" y="5582797"/>
             <a:ext cx="296876" cy="338554"/>
           </a:xfrm>
           <a:prstGeom prst="rect">
@@ -34175,12 +34176,123 @@
           </a:p>
         </p:txBody>
       </p:sp>
+      <p:grpSp>
+        <p:nvGrpSpPr>
+          <p:cNvPr id="22" name="Group 21">
+            <a:extLst>
+              <a:ext uri="{FF2B5EF4-FFF2-40B4-BE49-F238E27FC236}">
+                <a16:creationId xmlns:a16="http://schemas.microsoft.com/office/drawing/2014/main" id="{1371E14E-4C8C-4EAB-82DC-F5ED62D88A55}"/>
+              </a:ext>
+            </a:extLst>
+          </p:cNvPr>
+          <p:cNvGrpSpPr/>
+          <p:nvPr/>
+        </p:nvGrpSpPr>
+        <p:grpSpPr>
+          <a:xfrm>
+            <a:off x="1075265" y="5516614"/>
+            <a:ext cx="1247589" cy="264170"/>
+            <a:chOff x="1277364" y="4055853"/>
+            <a:chExt cx="2208743" cy="264170"/>
+          </a:xfrm>
+        </p:grpSpPr>
+        <p:cxnSp>
+          <p:nvCxnSpPr>
+            <p:cNvPr id="230" name="Straight Arrow Connector 229">
+              <a:extLst>
+                <a:ext uri="{FF2B5EF4-FFF2-40B4-BE49-F238E27FC236}">
+                  <a16:creationId xmlns:a16="http://schemas.microsoft.com/office/drawing/2014/main" id="{4D70B6F1-EC75-4E75-8104-36E402BDCFF7}"/>
+                </a:ext>
+              </a:extLst>
+            </p:cNvPr>
+            <p:cNvCxnSpPr>
+              <a:cxnSpLocks/>
+            </p:cNvCxnSpPr>
+            <p:nvPr/>
+          </p:nvCxnSpPr>
+          <p:spPr>
+            <a:xfrm flipH="1">
+              <a:off x="1277364" y="4055853"/>
+              <a:ext cx="2208743" cy="0"/>
+            </a:xfrm>
+            <a:prstGeom prst="straightConnector1">
+              <a:avLst/>
+            </a:prstGeom>
+            <a:ln w="38100">
+              <a:solidFill>
+                <a:schemeClr val="tx1"/>
+              </a:solidFill>
+              <a:headEnd type="triangle" w="med" len="med"/>
+              <a:tailEnd type="triangle" w="med" len="med"/>
+            </a:ln>
+          </p:spPr>
+          <p:style>
+            <a:lnRef idx="1">
+              <a:schemeClr val="accent1"/>
+            </a:lnRef>
+            <a:fillRef idx="0">
+              <a:schemeClr val="accent1"/>
+            </a:fillRef>
+            <a:effectRef idx="0">
+              <a:schemeClr val="accent1"/>
+            </a:effectRef>
+            <a:fontRef idx="minor">
+              <a:schemeClr val="tx1"/>
+            </a:fontRef>
+          </p:style>
+        </p:cxnSp>
+        <p:cxnSp>
+          <p:nvCxnSpPr>
+            <p:cNvPr id="231" name="Straight Arrow Connector 230">
+              <a:extLst>
+                <a:ext uri="{FF2B5EF4-FFF2-40B4-BE49-F238E27FC236}">
+                  <a16:creationId xmlns:a16="http://schemas.microsoft.com/office/drawing/2014/main" id="{DCF096E3-8504-4573-AC94-6FE8C33F24FB}"/>
+                </a:ext>
+              </a:extLst>
+            </p:cNvPr>
+            <p:cNvCxnSpPr>
+              <a:cxnSpLocks/>
+            </p:cNvCxnSpPr>
+            <p:nvPr/>
+          </p:nvCxnSpPr>
+          <p:spPr>
+            <a:xfrm flipH="1">
+              <a:off x="1277364" y="4320023"/>
+              <a:ext cx="2208743" cy="0"/>
+            </a:xfrm>
+            <a:prstGeom prst="straightConnector1">
+              <a:avLst/>
+            </a:prstGeom>
+            <a:ln w="38100">
+              <a:solidFill>
+                <a:schemeClr val="tx1"/>
+              </a:solidFill>
+              <a:headEnd type="triangle" w="med" len="med"/>
+              <a:tailEnd type="triangle" w="med" len="med"/>
+            </a:ln>
+          </p:spPr>
+          <p:style>
+            <a:lnRef idx="1">
+              <a:schemeClr val="accent1"/>
+            </a:lnRef>
+            <a:fillRef idx="0">
+              <a:schemeClr val="accent1"/>
+            </a:fillRef>
+            <a:effectRef idx="0">
+              <a:schemeClr val="accent1"/>
+            </a:effectRef>
+            <a:fontRef idx="minor">
+              <a:schemeClr val="tx1"/>
+            </a:fontRef>
+          </p:style>
+        </p:cxnSp>
+      </p:grpSp>
       <p:cxnSp>
         <p:nvCxnSpPr>
-          <p:cNvPr id="230" name="Straight Arrow Connector 229">
-            <a:extLst>
-              <a:ext uri="{FF2B5EF4-FFF2-40B4-BE49-F238E27FC236}">
-                <a16:creationId xmlns:a16="http://schemas.microsoft.com/office/drawing/2014/main" id="{4D70B6F1-EC75-4E75-8104-36E402BDCFF7}"/>
+          <p:cNvPr id="232" name="Straight Arrow Connector 231">
+            <a:extLst>
+              <a:ext uri="{FF2B5EF4-FFF2-40B4-BE49-F238E27FC236}">
+                <a16:creationId xmlns:a16="http://schemas.microsoft.com/office/drawing/2014/main" id="{8A69DF89-D1B1-4212-86CA-79A2C8A75AF5}"/>
               </a:ext>
             </a:extLst>
           </p:cNvPr>
@@ -34190,9 +34302,9 @@
           <p:nvPr/>
         </p:nvCxnSpPr>
         <p:spPr>
-          <a:xfrm flipH="1">
-            <a:off x="6952501" y="5414960"/>
-            <a:ext cx="2208743" cy="0"/>
+          <a:xfrm>
+            <a:off x="1084650" y="4529148"/>
+            <a:ext cx="408950" cy="0"/>
           </a:xfrm>
           <a:prstGeom prst="straightConnector1">
             <a:avLst/>
@@ -34201,8 +34313,7 @@
             <a:solidFill>
               <a:schemeClr val="tx1"/>
             </a:solidFill>
-            <a:headEnd type="triangle" w="med" len="med"/>
-            <a:tailEnd type="triangle" w="med" len="med"/>
+            <a:tailEnd type="triangle"/>
           </a:ln>
         </p:spPr>
         <p:style>
@@ -34220,95 +34331,6 @@
           </a:fontRef>
         </p:style>
       </p:cxnSp>
-      <p:cxnSp>
-        <p:nvCxnSpPr>
-          <p:cNvPr id="231" name="Straight Arrow Connector 230">
-            <a:extLst>
-              <a:ext uri="{FF2B5EF4-FFF2-40B4-BE49-F238E27FC236}">
-                <a16:creationId xmlns:a16="http://schemas.microsoft.com/office/drawing/2014/main" id="{DCF096E3-8504-4573-AC94-6FE8C33F24FB}"/>
-              </a:ext>
-            </a:extLst>
-          </p:cNvPr>
-          <p:cNvCxnSpPr>
-            <a:cxnSpLocks/>
-          </p:cNvCxnSpPr>
-          <p:nvPr/>
-        </p:nvCxnSpPr>
-        <p:spPr>
-          <a:xfrm flipH="1">
-            <a:off x="6952501" y="5679130"/>
-            <a:ext cx="2208743" cy="0"/>
-          </a:xfrm>
-          <a:prstGeom prst="straightConnector1">
-            <a:avLst/>
-          </a:prstGeom>
-          <a:ln w="38100">
-            <a:solidFill>
-              <a:schemeClr val="tx1"/>
-            </a:solidFill>
-            <a:headEnd type="triangle" w="med" len="med"/>
-            <a:tailEnd type="triangle" w="med" len="med"/>
-          </a:ln>
-        </p:spPr>
-        <p:style>
-          <a:lnRef idx="1">
-            <a:schemeClr val="accent1"/>
-          </a:lnRef>
-          <a:fillRef idx="0">
-            <a:schemeClr val="accent1"/>
-          </a:fillRef>
-          <a:effectRef idx="0">
-            <a:schemeClr val="accent1"/>
-          </a:effectRef>
-          <a:fontRef idx="minor">
-            <a:schemeClr val="tx1"/>
-          </a:fontRef>
-        </p:style>
-      </p:cxnSp>
-      <p:cxnSp>
-        <p:nvCxnSpPr>
-          <p:cNvPr id="232" name="Straight Arrow Connector 231">
-            <a:extLst>
-              <a:ext uri="{FF2B5EF4-FFF2-40B4-BE49-F238E27FC236}">
-                <a16:creationId xmlns:a16="http://schemas.microsoft.com/office/drawing/2014/main" id="{8A69DF89-D1B1-4212-86CA-79A2C8A75AF5}"/>
-              </a:ext>
-            </a:extLst>
-          </p:cNvPr>
-          <p:cNvCxnSpPr>
-            <a:cxnSpLocks/>
-          </p:cNvCxnSpPr>
-          <p:nvPr/>
-        </p:nvCxnSpPr>
-        <p:spPr>
-          <a:xfrm flipH="1" flipV="1">
-            <a:off x="8807848" y="5144519"/>
-            <a:ext cx="367683" cy="6271"/>
-          </a:xfrm>
-          <a:prstGeom prst="straightConnector1">
-            <a:avLst/>
-          </a:prstGeom>
-          <a:ln w="38100">
-            <a:solidFill>
-              <a:schemeClr val="tx1"/>
-            </a:solidFill>
-            <a:tailEnd type="triangle"/>
-          </a:ln>
-        </p:spPr>
-        <p:style>
-          <a:lnRef idx="1">
-            <a:schemeClr val="accent1"/>
-          </a:lnRef>
-          <a:fillRef idx="0">
-            <a:schemeClr val="accent1"/>
-          </a:fillRef>
-          <a:effectRef idx="0">
-            <a:schemeClr val="accent1"/>
-          </a:effectRef>
-          <a:fontRef idx="minor">
-            <a:schemeClr val="tx1"/>
-          </a:fontRef>
-        </p:style>
-      </p:cxnSp>
       <p:sp>
         <p:nvSpPr>
           <p:cNvPr id="233" name="TextBox 232">
@@ -34323,7 +34345,7 @@
         </p:nvSpPr>
         <p:spPr>
           <a:xfrm>
-            <a:off x="8163404" y="4949003"/>
+            <a:off x="1453910" y="4315667"/>
             <a:ext cx="665568" cy="369332"/>
           </a:xfrm>
           <a:prstGeom prst="rect">
@@ -34359,8 +34381,8 @@
         </p:nvSpPr>
         <p:spPr>
           <a:xfrm>
-            <a:off x="9175531" y="4949003"/>
-            <a:ext cx="1222258" cy="1199316"/>
+            <a:off x="102952" y="4383113"/>
+            <a:ext cx="981698" cy="1849059"/>
           </a:xfrm>
           <a:prstGeom prst="rect">
             <a:avLst/>
@@ -34434,7 +34456,7 @@
         </p:nvSpPr>
         <p:spPr>
           <a:xfrm>
-            <a:off x="8206686" y="5785861"/>
+            <a:off x="1468488" y="4618550"/>
             <a:ext cx="622286" cy="369332"/>
           </a:xfrm>
           <a:prstGeom prst="rect">
@@ -34470,7 +34492,7 @@
         </p:nvSpPr>
         <p:spPr>
           <a:xfrm>
-            <a:off x="7580805" y="5352613"/>
+            <a:off x="1257517" y="5469714"/>
             <a:ext cx="958917" cy="369332"/>
           </a:xfrm>
           <a:prstGeom prst="rect">
@@ -34494,10 +34516,10 @@
       </p:sp>
       <p:cxnSp>
         <p:nvCxnSpPr>
-          <p:cNvPr id="238" name="Straight Arrow Connector 237">
-            <a:extLst>
-              <a:ext uri="{FF2B5EF4-FFF2-40B4-BE49-F238E27FC236}">
-                <a16:creationId xmlns:a16="http://schemas.microsoft.com/office/drawing/2014/main" id="{DE6DAC89-A8B5-4917-A1D8-FF9A1168592B}"/>
+          <p:cNvPr id="97" name="Straight Arrow Connector 96">
+            <a:extLst>
+              <a:ext uri="{FF2B5EF4-FFF2-40B4-BE49-F238E27FC236}">
+                <a16:creationId xmlns:a16="http://schemas.microsoft.com/office/drawing/2014/main" id="{98E199FA-6CFE-4512-92F8-B9C3A6B6371E}"/>
               </a:ext>
             </a:extLst>
           </p:cNvPr>
@@ -34507,9 +34529,9 @@
           <p:nvPr/>
         </p:nvCxnSpPr>
         <p:spPr>
-          <a:xfrm flipH="1" flipV="1">
-            <a:off x="8807848" y="5974149"/>
-            <a:ext cx="367683" cy="6271"/>
+          <a:xfrm flipH="1">
+            <a:off x="7140519" y="2310309"/>
+            <a:ext cx="990020" cy="0"/>
           </a:xfrm>
           <a:prstGeom prst="straightConnector1">
             <a:avLst/>
@@ -34536,6 +34558,990 @@
           </a:fontRef>
         </p:style>
       </p:cxnSp>
+      <p:cxnSp>
+        <p:nvCxnSpPr>
+          <p:cNvPr id="98" name="Straight Arrow Connector 97">
+            <a:extLst>
+              <a:ext uri="{FF2B5EF4-FFF2-40B4-BE49-F238E27FC236}">
+                <a16:creationId xmlns:a16="http://schemas.microsoft.com/office/drawing/2014/main" id="{F8135986-523F-4AA0-9AAB-31788D969773}"/>
+              </a:ext>
+            </a:extLst>
+          </p:cNvPr>
+          <p:cNvCxnSpPr>
+            <a:cxnSpLocks/>
+          </p:cNvCxnSpPr>
+          <p:nvPr/>
+        </p:nvCxnSpPr>
+        <p:spPr>
+          <a:xfrm flipH="1">
+            <a:off x="7131917" y="2580537"/>
+            <a:ext cx="990020" cy="0"/>
+          </a:xfrm>
+          <a:prstGeom prst="straightConnector1">
+            <a:avLst/>
+          </a:prstGeom>
+          <a:ln w="38100">
+            <a:solidFill>
+              <a:schemeClr val="tx1"/>
+            </a:solidFill>
+            <a:tailEnd type="triangle"/>
+          </a:ln>
+        </p:spPr>
+        <p:style>
+          <a:lnRef idx="1">
+            <a:schemeClr val="accent1"/>
+          </a:lnRef>
+          <a:fillRef idx="0">
+            <a:schemeClr val="accent1"/>
+          </a:fillRef>
+          <a:effectRef idx="0">
+            <a:schemeClr val="accent1"/>
+          </a:effectRef>
+          <a:fontRef idx="minor">
+            <a:schemeClr val="tx1"/>
+          </a:fontRef>
+        </p:style>
+      </p:cxnSp>
+      <p:cxnSp>
+        <p:nvCxnSpPr>
+          <p:cNvPr id="99" name="Straight Arrow Connector 98">
+            <a:extLst>
+              <a:ext uri="{FF2B5EF4-FFF2-40B4-BE49-F238E27FC236}">
+                <a16:creationId xmlns:a16="http://schemas.microsoft.com/office/drawing/2014/main" id="{3CF70218-44AB-41C7-AF08-8C31B028AA57}"/>
+              </a:ext>
+            </a:extLst>
+          </p:cNvPr>
+          <p:cNvCxnSpPr>
+            <a:cxnSpLocks/>
+          </p:cNvCxnSpPr>
+          <p:nvPr/>
+        </p:nvCxnSpPr>
+        <p:spPr>
+          <a:xfrm flipH="1">
+            <a:off x="7131917" y="2823389"/>
+            <a:ext cx="990020" cy="0"/>
+          </a:xfrm>
+          <a:prstGeom prst="straightConnector1">
+            <a:avLst/>
+          </a:prstGeom>
+          <a:ln w="38100">
+            <a:solidFill>
+              <a:schemeClr val="tx1"/>
+            </a:solidFill>
+            <a:tailEnd type="triangle"/>
+          </a:ln>
+        </p:spPr>
+        <p:style>
+          <a:lnRef idx="1">
+            <a:schemeClr val="accent1"/>
+          </a:lnRef>
+          <a:fillRef idx="0">
+            <a:schemeClr val="accent1"/>
+          </a:fillRef>
+          <a:effectRef idx="0">
+            <a:schemeClr val="accent1"/>
+          </a:effectRef>
+          <a:fontRef idx="minor">
+            <a:schemeClr val="tx1"/>
+          </a:fontRef>
+        </p:style>
+      </p:cxnSp>
+      <p:cxnSp>
+        <p:nvCxnSpPr>
+          <p:cNvPr id="110" name="Straight Arrow Connector 109">
+            <a:extLst>
+              <a:ext uri="{FF2B5EF4-FFF2-40B4-BE49-F238E27FC236}">
+                <a16:creationId xmlns:a16="http://schemas.microsoft.com/office/drawing/2014/main" id="{3706D243-8866-4AB2-AD01-CC0ABE6A5344}"/>
+              </a:ext>
+            </a:extLst>
+          </p:cNvPr>
+          <p:cNvCxnSpPr>
+            <a:cxnSpLocks/>
+          </p:cNvCxnSpPr>
+          <p:nvPr/>
+        </p:nvCxnSpPr>
+        <p:spPr>
+          <a:xfrm flipH="1">
+            <a:off x="7158378" y="4025968"/>
+            <a:ext cx="408539" cy="0"/>
+          </a:xfrm>
+          <a:prstGeom prst="straightConnector1">
+            <a:avLst/>
+          </a:prstGeom>
+          <a:ln w="38100">
+            <a:solidFill>
+              <a:schemeClr val="tx1"/>
+            </a:solidFill>
+            <a:tailEnd type="triangle"/>
+          </a:ln>
+        </p:spPr>
+        <p:style>
+          <a:lnRef idx="1">
+            <a:schemeClr val="accent1"/>
+          </a:lnRef>
+          <a:fillRef idx="0">
+            <a:schemeClr val="accent1"/>
+          </a:fillRef>
+          <a:effectRef idx="0">
+            <a:schemeClr val="accent1"/>
+          </a:effectRef>
+          <a:fontRef idx="minor">
+            <a:schemeClr val="tx1"/>
+          </a:fontRef>
+        </p:style>
+      </p:cxnSp>
+      <p:cxnSp>
+        <p:nvCxnSpPr>
+          <p:cNvPr id="113" name="Straight Arrow Connector 112">
+            <a:extLst>
+              <a:ext uri="{FF2B5EF4-FFF2-40B4-BE49-F238E27FC236}">
+                <a16:creationId xmlns:a16="http://schemas.microsoft.com/office/drawing/2014/main" id="{C6589230-DD09-4534-B36D-029448C7F7D1}"/>
+              </a:ext>
+            </a:extLst>
+          </p:cNvPr>
+          <p:cNvCxnSpPr>
+            <a:cxnSpLocks/>
+          </p:cNvCxnSpPr>
+          <p:nvPr/>
+        </p:nvCxnSpPr>
+        <p:spPr>
+          <a:xfrm flipH="1">
+            <a:off x="7158378" y="4551779"/>
+            <a:ext cx="408539" cy="0"/>
+          </a:xfrm>
+          <a:prstGeom prst="straightConnector1">
+            <a:avLst/>
+          </a:prstGeom>
+          <a:ln w="38100">
+            <a:solidFill>
+              <a:schemeClr val="tx1"/>
+            </a:solidFill>
+            <a:tailEnd type="triangle"/>
+          </a:ln>
+        </p:spPr>
+        <p:style>
+          <a:lnRef idx="1">
+            <a:schemeClr val="accent1"/>
+          </a:lnRef>
+          <a:fillRef idx="0">
+            <a:schemeClr val="accent1"/>
+          </a:fillRef>
+          <a:effectRef idx="0">
+            <a:schemeClr val="accent1"/>
+          </a:effectRef>
+          <a:fontRef idx="minor">
+            <a:schemeClr val="tx1"/>
+          </a:fontRef>
+        </p:style>
+      </p:cxnSp>
+      <p:cxnSp>
+        <p:nvCxnSpPr>
+          <p:cNvPr id="119" name="Straight Arrow Connector 118">
+            <a:extLst>
+              <a:ext uri="{FF2B5EF4-FFF2-40B4-BE49-F238E27FC236}">
+                <a16:creationId xmlns:a16="http://schemas.microsoft.com/office/drawing/2014/main" id="{2E8F5C1A-4111-472C-BF82-FA2312DCF4A7}"/>
+              </a:ext>
+            </a:extLst>
+          </p:cNvPr>
+          <p:cNvCxnSpPr>
+            <a:cxnSpLocks/>
+          </p:cNvCxnSpPr>
+          <p:nvPr/>
+        </p:nvCxnSpPr>
+        <p:spPr>
+          <a:xfrm>
+            <a:off x="1084650" y="4812882"/>
+            <a:ext cx="408950" cy="0"/>
+          </a:xfrm>
+          <a:prstGeom prst="straightConnector1">
+            <a:avLst/>
+          </a:prstGeom>
+          <a:ln w="38100">
+            <a:solidFill>
+              <a:schemeClr val="tx1"/>
+            </a:solidFill>
+            <a:tailEnd type="triangle"/>
+          </a:ln>
+        </p:spPr>
+        <p:style>
+          <a:lnRef idx="1">
+            <a:schemeClr val="accent1"/>
+          </a:lnRef>
+          <a:fillRef idx="0">
+            <a:schemeClr val="accent1"/>
+          </a:fillRef>
+          <a:effectRef idx="0">
+            <a:schemeClr val="accent1"/>
+          </a:effectRef>
+          <a:fontRef idx="minor">
+            <a:schemeClr val="tx1"/>
+          </a:fontRef>
+        </p:style>
+      </p:cxnSp>
+      <p:sp>
+        <p:nvSpPr>
+          <p:cNvPr id="122" name="Rectangle 121">
+            <a:extLst>
+              <a:ext uri="{FF2B5EF4-FFF2-40B4-BE49-F238E27FC236}">
+                <a16:creationId xmlns:a16="http://schemas.microsoft.com/office/drawing/2014/main" id="{688073BE-FDCE-4241-AEA5-F8C7E05802DA}"/>
+              </a:ext>
+            </a:extLst>
+          </p:cNvPr>
+          <p:cNvSpPr/>
+          <p:nvPr/>
+        </p:nvSpPr>
+        <p:spPr>
+          <a:xfrm>
+            <a:off x="8312591" y="5172601"/>
+            <a:ext cx="1442270" cy="1158276"/>
+          </a:xfrm>
+          <a:prstGeom prst="rect">
+            <a:avLst/>
+          </a:prstGeom>
+          <a:noFill/>
+          <a:ln w="38100">
+            <a:solidFill>
+              <a:schemeClr val="tx1"/>
+            </a:solidFill>
+            <a:prstDash val="solid"/>
+          </a:ln>
+        </p:spPr>
+        <p:style>
+          <a:lnRef idx="2">
+            <a:schemeClr val="accent1">
+              <a:shade val="50000"/>
+            </a:schemeClr>
+          </a:lnRef>
+          <a:fillRef idx="1">
+            <a:schemeClr val="accent1"/>
+          </a:fillRef>
+          <a:effectRef idx="0">
+            <a:schemeClr val="accent1"/>
+          </a:effectRef>
+          <a:fontRef idx="minor">
+            <a:schemeClr val="lt1"/>
+          </a:fontRef>
+        </p:style>
+        <p:txBody>
+          <a:bodyPr rtlCol="0" anchor="ctr"/>
+          <a:lstStyle/>
+          <a:p>
+            <a:pPr algn="ctr"/>
+            <a:r>
+              <a:rPr lang="en-US" b="1" dirty="0">
+                <a:solidFill>
+                  <a:schemeClr val="tx1"/>
+                </a:solidFill>
+              </a:rPr>
+              <a:t>RELAY</a:t>
+            </a:r>
+          </a:p>
+        </p:txBody>
+      </p:sp>
+      <p:sp>
+        <p:nvSpPr>
+          <p:cNvPr id="124" name="TextBox 123">
+            <a:extLst>
+              <a:ext uri="{FF2B5EF4-FFF2-40B4-BE49-F238E27FC236}">
+                <a16:creationId xmlns:a16="http://schemas.microsoft.com/office/drawing/2014/main" id="{8E75883C-5206-434A-B93E-C08F2AFF45D9}"/>
+              </a:ext>
+            </a:extLst>
+          </p:cNvPr>
+          <p:cNvSpPr txBox="1"/>
+          <p:nvPr/>
+        </p:nvSpPr>
+        <p:spPr>
+          <a:xfrm>
+            <a:off x="8289195" y="5467311"/>
+            <a:ext cx="473206" cy="338554"/>
+          </a:xfrm>
+          <a:prstGeom prst="rect">
+            <a:avLst/>
+          </a:prstGeom>
+          <a:noFill/>
+        </p:spPr>
+        <p:txBody>
+          <a:bodyPr wrap="none" rtlCol="0">
+            <a:spAutoFit/>
+          </a:bodyPr>
+          <a:lstStyle/>
+          <a:p>
+            <a:r>
+              <a:rPr lang="en-SG" sz="1600" dirty="0"/>
+              <a:t>IN1</a:t>
+            </a:r>
+          </a:p>
+        </p:txBody>
+      </p:sp>
+      <p:cxnSp>
+        <p:nvCxnSpPr>
+          <p:cNvPr id="125" name="Straight Arrow Connector 124">
+            <a:extLst>
+              <a:ext uri="{FF2B5EF4-FFF2-40B4-BE49-F238E27FC236}">
+                <a16:creationId xmlns:a16="http://schemas.microsoft.com/office/drawing/2014/main" id="{2D562093-D0BF-4926-AB35-6A0CFF240893}"/>
+              </a:ext>
+            </a:extLst>
+          </p:cNvPr>
+          <p:cNvCxnSpPr>
+            <a:cxnSpLocks/>
+          </p:cNvCxnSpPr>
+          <p:nvPr/>
+        </p:nvCxnSpPr>
+        <p:spPr>
+          <a:xfrm>
+            <a:off x="7158378" y="5624971"/>
+            <a:ext cx="1154213" cy="0"/>
+          </a:xfrm>
+          <a:prstGeom prst="straightConnector1">
+            <a:avLst/>
+          </a:prstGeom>
+          <a:ln w="38100">
+            <a:solidFill>
+              <a:schemeClr val="tx1"/>
+            </a:solidFill>
+            <a:tailEnd type="triangle"/>
+          </a:ln>
+        </p:spPr>
+        <p:style>
+          <a:lnRef idx="1">
+            <a:schemeClr val="accent1"/>
+          </a:lnRef>
+          <a:fillRef idx="0">
+            <a:schemeClr val="accent1"/>
+          </a:fillRef>
+          <a:effectRef idx="0">
+            <a:schemeClr val="accent1"/>
+          </a:effectRef>
+          <a:fontRef idx="minor">
+            <a:schemeClr val="tx1"/>
+          </a:fontRef>
+        </p:style>
+      </p:cxnSp>
+      <p:sp>
+        <p:nvSpPr>
+          <p:cNvPr id="128" name="TextBox 127">
+            <a:extLst>
+              <a:ext uri="{FF2B5EF4-FFF2-40B4-BE49-F238E27FC236}">
+                <a16:creationId xmlns:a16="http://schemas.microsoft.com/office/drawing/2014/main" id="{985ACC36-69E6-4894-9C1D-3CB80E30CBE9}"/>
+              </a:ext>
+            </a:extLst>
+          </p:cNvPr>
+          <p:cNvSpPr txBox="1"/>
+          <p:nvPr/>
+        </p:nvSpPr>
+        <p:spPr>
+          <a:xfrm>
+            <a:off x="6750053" y="5463236"/>
+            <a:ext cx="393056" cy="338554"/>
+          </a:xfrm>
+          <a:prstGeom prst="rect">
+            <a:avLst/>
+          </a:prstGeom>
+          <a:noFill/>
+        </p:spPr>
+        <p:txBody>
+          <a:bodyPr wrap="none" rtlCol="0">
+            <a:spAutoFit/>
+          </a:bodyPr>
+          <a:lstStyle/>
+          <a:p>
+            <a:r>
+              <a:rPr lang="en-SG" sz="1600" dirty="0"/>
+              <a:t>22</a:t>
+            </a:r>
+          </a:p>
+        </p:txBody>
+      </p:sp>
+      <p:cxnSp>
+        <p:nvCxnSpPr>
+          <p:cNvPr id="134" name="Straight Arrow Connector 133">
+            <a:extLst>
+              <a:ext uri="{FF2B5EF4-FFF2-40B4-BE49-F238E27FC236}">
+                <a16:creationId xmlns:a16="http://schemas.microsoft.com/office/drawing/2014/main" id="{5DC833DD-A0F5-4AD1-B62D-950452BD0BCC}"/>
+              </a:ext>
+            </a:extLst>
+          </p:cNvPr>
+          <p:cNvCxnSpPr>
+            <a:cxnSpLocks/>
+          </p:cNvCxnSpPr>
+          <p:nvPr/>
+        </p:nvCxnSpPr>
+        <p:spPr>
+          <a:xfrm>
+            <a:off x="7932648" y="5292103"/>
+            <a:ext cx="360566" cy="0"/>
+          </a:xfrm>
+          <a:prstGeom prst="straightConnector1">
+            <a:avLst/>
+          </a:prstGeom>
+          <a:ln w="38100">
+            <a:solidFill>
+              <a:schemeClr val="tx1"/>
+            </a:solidFill>
+            <a:tailEnd type="triangle"/>
+          </a:ln>
+        </p:spPr>
+        <p:style>
+          <a:lnRef idx="1">
+            <a:schemeClr val="accent1"/>
+          </a:lnRef>
+          <a:fillRef idx="0">
+            <a:schemeClr val="accent1"/>
+          </a:fillRef>
+          <a:effectRef idx="0">
+            <a:schemeClr val="accent1"/>
+          </a:effectRef>
+          <a:fontRef idx="minor">
+            <a:schemeClr val="tx1"/>
+          </a:fontRef>
+        </p:style>
+      </p:cxnSp>
+      <p:sp>
+        <p:nvSpPr>
+          <p:cNvPr id="135" name="TextBox 134">
+            <a:extLst>
+              <a:ext uri="{FF2B5EF4-FFF2-40B4-BE49-F238E27FC236}">
+                <a16:creationId xmlns:a16="http://schemas.microsoft.com/office/drawing/2014/main" id="{A91D66B8-C4D6-421A-9C8C-FE27BAA909D6}"/>
+              </a:ext>
+            </a:extLst>
+          </p:cNvPr>
+          <p:cNvSpPr txBox="1"/>
+          <p:nvPr/>
+        </p:nvSpPr>
+        <p:spPr>
+          <a:xfrm>
+            <a:off x="7410471" y="5103697"/>
+            <a:ext cx="548547" cy="369332"/>
+          </a:xfrm>
+          <a:prstGeom prst="rect">
+            <a:avLst/>
+          </a:prstGeom>
+          <a:noFill/>
+        </p:spPr>
+        <p:txBody>
+          <a:bodyPr wrap="none" rtlCol="0">
+            <a:spAutoFit/>
+          </a:bodyPr>
+          <a:lstStyle/>
+          <a:p>
+            <a:pPr algn="ctr"/>
+            <a:r>
+              <a:rPr lang="en-US" dirty="0"/>
+              <a:t>+5V</a:t>
+            </a:r>
+          </a:p>
+        </p:txBody>
+      </p:sp>
+      <p:sp>
+        <p:nvSpPr>
+          <p:cNvPr id="148" name="TextBox 147">
+            <a:extLst>
+              <a:ext uri="{FF2B5EF4-FFF2-40B4-BE49-F238E27FC236}">
+                <a16:creationId xmlns:a16="http://schemas.microsoft.com/office/drawing/2014/main" id="{BD6CDD30-82C4-494F-8975-40E9CB019C56}"/>
+              </a:ext>
+            </a:extLst>
+          </p:cNvPr>
+          <p:cNvSpPr txBox="1"/>
+          <p:nvPr/>
+        </p:nvSpPr>
+        <p:spPr>
+          <a:xfrm>
+            <a:off x="7373007" y="5954452"/>
+            <a:ext cx="622286" cy="369332"/>
+          </a:xfrm>
+          <a:prstGeom prst="rect">
+            <a:avLst/>
+          </a:prstGeom>
+          <a:noFill/>
+        </p:spPr>
+        <p:txBody>
+          <a:bodyPr wrap="none" rtlCol="0">
+            <a:spAutoFit/>
+          </a:bodyPr>
+          <a:lstStyle/>
+          <a:p>
+            <a:pPr algn="ctr"/>
+            <a:r>
+              <a:rPr lang="en-US" dirty="0"/>
+              <a:t>GND</a:t>
+            </a:r>
+          </a:p>
+        </p:txBody>
+      </p:sp>
+      <p:cxnSp>
+        <p:nvCxnSpPr>
+          <p:cNvPr id="149" name="Straight Arrow Connector 148">
+            <a:extLst>
+              <a:ext uri="{FF2B5EF4-FFF2-40B4-BE49-F238E27FC236}">
+                <a16:creationId xmlns:a16="http://schemas.microsoft.com/office/drawing/2014/main" id="{6173B415-ED90-4C6D-8D3A-E3CD43CD6C25}"/>
+              </a:ext>
+            </a:extLst>
+          </p:cNvPr>
+          <p:cNvCxnSpPr>
+            <a:cxnSpLocks/>
+          </p:cNvCxnSpPr>
+          <p:nvPr/>
+        </p:nvCxnSpPr>
+        <p:spPr>
+          <a:xfrm>
+            <a:off x="7932648" y="6139118"/>
+            <a:ext cx="360566" cy="0"/>
+          </a:xfrm>
+          <a:prstGeom prst="straightConnector1">
+            <a:avLst/>
+          </a:prstGeom>
+          <a:ln w="38100">
+            <a:solidFill>
+              <a:schemeClr val="tx1"/>
+            </a:solidFill>
+            <a:tailEnd type="triangle"/>
+          </a:ln>
+        </p:spPr>
+        <p:style>
+          <a:lnRef idx="1">
+            <a:schemeClr val="accent1"/>
+          </a:lnRef>
+          <a:fillRef idx="0">
+            <a:schemeClr val="accent1"/>
+          </a:fillRef>
+          <a:effectRef idx="0">
+            <a:schemeClr val="accent1"/>
+          </a:effectRef>
+          <a:fontRef idx="minor">
+            <a:schemeClr val="tx1"/>
+          </a:fontRef>
+        </p:style>
+      </p:cxnSp>
+      <p:sp>
+        <p:nvSpPr>
+          <p:cNvPr id="150" name="TextBox 149">
+            <a:extLst>
+              <a:ext uri="{FF2B5EF4-FFF2-40B4-BE49-F238E27FC236}">
+                <a16:creationId xmlns:a16="http://schemas.microsoft.com/office/drawing/2014/main" id="{1B96E5FD-F466-4D79-B444-8D8C6A90EDF9}"/>
+              </a:ext>
+            </a:extLst>
+          </p:cNvPr>
+          <p:cNvSpPr txBox="1"/>
+          <p:nvPr/>
+        </p:nvSpPr>
+        <p:spPr>
+          <a:xfrm>
+            <a:off x="9219614" y="5333199"/>
+            <a:ext cx="602857" cy="338554"/>
+          </a:xfrm>
+          <a:prstGeom prst="rect">
+            <a:avLst/>
+          </a:prstGeom>
+          <a:noFill/>
+        </p:spPr>
+        <p:txBody>
+          <a:bodyPr wrap="none" rtlCol="0">
+            <a:spAutoFit/>
+          </a:bodyPr>
+          <a:lstStyle/>
+          <a:p>
+            <a:r>
+              <a:rPr lang="en-SG" sz="1600" dirty="0"/>
+              <a:t>COM</a:t>
+            </a:r>
+          </a:p>
+        </p:txBody>
+      </p:sp>
+      <p:sp>
+        <p:nvSpPr>
+          <p:cNvPr id="151" name="TextBox 150">
+            <a:extLst>
+              <a:ext uri="{FF2B5EF4-FFF2-40B4-BE49-F238E27FC236}">
+                <a16:creationId xmlns:a16="http://schemas.microsoft.com/office/drawing/2014/main" id="{A3CF54D1-38CA-4B86-B579-58F63490E36A}"/>
+              </a:ext>
+            </a:extLst>
+          </p:cNvPr>
+          <p:cNvSpPr txBox="1"/>
+          <p:nvPr/>
+        </p:nvSpPr>
+        <p:spPr>
+          <a:xfrm>
+            <a:off x="9320268" y="5689791"/>
+            <a:ext cx="453970" cy="338554"/>
+          </a:xfrm>
+          <a:prstGeom prst="rect">
+            <a:avLst/>
+          </a:prstGeom>
+          <a:noFill/>
+        </p:spPr>
+        <p:txBody>
+          <a:bodyPr wrap="none" rtlCol="0">
+            <a:spAutoFit/>
+          </a:bodyPr>
+          <a:lstStyle/>
+          <a:p>
+            <a:r>
+              <a:rPr lang="en-SG" sz="1600" dirty="0"/>
+              <a:t>NO</a:t>
+            </a:r>
+          </a:p>
+        </p:txBody>
+      </p:sp>
+      <p:sp>
+        <p:nvSpPr>
+          <p:cNvPr id="160" name="TextBox 159">
+            <a:extLst>
+              <a:ext uri="{FF2B5EF4-FFF2-40B4-BE49-F238E27FC236}">
+                <a16:creationId xmlns:a16="http://schemas.microsoft.com/office/drawing/2014/main" id="{5C30496F-3475-41A8-9F17-F6656F6E9BFB}"/>
+              </a:ext>
+            </a:extLst>
+          </p:cNvPr>
+          <p:cNvSpPr txBox="1"/>
+          <p:nvPr/>
+        </p:nvSpPr>
+        <p:spPr>
+          <a:xfrm>
+            <a:off x="10037265" y="5315826"/>
+            <a:ext cx="665567" cy="369332"/>
+          </a:xfrm>
+          <a:prstGeom prst="rect">
+            <a:avLst/>
+          </a:prstGeom>
+          <a:noFill/>
+        </p:spPr>
+        <p:txBody>
+          <a:bodyPr wrap="none" rtlCol="0">
+            <a:spAutoFit/>
+          </a:bodyPr>
+          <a:lstStyle/>
+          <a:p>
+            <a:pPr algn="ctr"/>
+            <a:r>
+              <a:rPr lang="en-US" dirty="0"/>
+              <a:t>+24V</a:t>
+            </a:r>
+          </a:p>
+        </p:txBody>
+      </p:sp>
+      <p:cxnSp>
+        <p:nvCxnSpPr>
+          <p:cNvPr id="162" name="Straight Arrow Connector 161">
+            <a:extLst>
+              <a:ext uri="{FF2B5EF4-FFF2-40B4-BE49-F238E27FC236}">
+                <a16:creationId xmlns:a16="http://schemas.microsoft.com/office/drawing/2014/main" id="{FD4F6491-A67C-4455-B314-7BAA2E294F41}"/>
+              </a:ext>
+            </a:extLst>
+          </p:cNvPr>
+          <p:cNvCxnSpPr>
+            <a:cxnSpLocks/>
+          </p:cNvCxnSpPr>
+          <p:nvPr/>
+        </p:nvCxnSpPr>
+        <p:spPr>
+          <a:xfrm flipH="1">
+            <a:off x="9767192" y="5500492"/>
+            <a:ext cx="314936" cy="0"/>
+          </a:xfrm>
+          <a:prstGeom prst="straightConnector1">
+            <a:avLst/>
+          </a:prstGeom>
+          <a:ln w="38100">
+            <a:solidFill>
+              <a:schemeClr val="tx1"/>
+            </a:solidFill>
+            <a:tailEnd type="triangle"/>
+          </a:ln>
+        </p:spPr>
+        <p:style>
+          <a:lnRef idx="1">
+            <a:schemeClr val="accent1"/>
+          </a:lnRef>
+          <a:fillRef idx="0">
+            <a:schemeClr val="accent1"/>
+          </a:fillRef>
+          <a:effectRef idx="0">
+            <a:schemeClr val="accent1"/>
+          </a:effectRef>
+          <a:fontRef idx="minor">
+            <a:schemeClr val="tx1"/>
+          </a:fontRef>
+        </p:style>
+      </p:cxnSp>
+      <p:cxnSp>
+        <p:nvCxnSpPr>
+          <p:cNvPr id="163" name="Straight Arrow Connector 162">
+            <a:extLst>
+              <a:ext uri="{FF2B5EF4-FFF2-40B4-BE49-F238E27FC236}">
+                <a16:creationId xmlns:a16="http://schemas.microsoft.com/office/drawing/2014/main" id="{F7C73BF0-0DAC-4736-A407-8B303EC5604E}"/>
+              </a:ext>
+            </a:extLst>
+          </p:cNvPr>
+          <p:cNvCxnSpPr>
+            <a:cxnSpLocks/>
+          </p:cNvCxnSpPr>
+          <p:nvPr/>
+        </p:nvCxnSpPr>
+        <p:spPr>
+          <a:xfrm>
+            <a:off x="9757833" y="5862813"/>
+            <a:ext cx="961523" cy="0"/>
+          </a:xfrm>
+          <a:prstGeom prst="straightConnector1">
+            <a:avLst/>
+          </a:prstGeom>
+          <a:ln w="38100">
+            <a:solidFill>
+              <a:schemeClr val="tx1"/>
+            </a:solidFill>
+            <a:tailEnd type="triangle"/>
+          </a:ln>
+        </p:spPr>
+        <p:style>
+          <a:lnRef idx="1">
+            <a:schemeClr val="accent1"/>
+          </a:lnRef>
+          <a:fillRef idx="0">
+            <a:schemeClr val="accent1"/>
+          </a:fillRef>
+          <a:effectRef idx="0">
+            <a:schemeClr val="accent1"/>
+          </a:effectRef>
+          <a:fontRef idx="minor">
+            <a:schemeClr val="tx1"/>
+          </a:fontRef>
+        </p:style>
+      </p:cxnSp>
+      <p:sp>
+        <p:nvSpPr>
+          <p:cNvPr id="164" name="TextBox 163">
+            <a:extLst>
+              <a:ext uri="{FF2B5EF4-FFF2-40B4-BE49-F238E27FC236}">
+                <a16:creationId xmlns:a16="http://schemas.microsoft.com/office/drawing/2014/main" id="{92FD254C-FEAB-4A3B-A9D1-2F0E2B36C283}"/>
+              </a:ext>
+            </a:extLst>
+          </p:cNvPr>
+          <p:cNvSpPr txBox="1"/>
+          <p:nvPr/>
+        </p:nvSpPr>
+        <p:spPr>
+          <a:xfrm>
+            <a:off x="9815507" y="5893325"/>
+            <a:ext cx="622286" cy="369332"/>
+          </a:xfrm>
+          <a:prstGeom prst="rect">
+            <a:avLst/>
+          </a:prstGeom>
+          <a:noFill/>
+        </p:spPr>
+        <p:txBody>
+          <a:bodyPr wrap="none" rtlCol="0">
+            <a:spAutoFit/>
+          </a:bodyPr>
+          <a:lstStyle/>
+          <a:p>
+            <a:pPr algn="ctr"/>
+            <a:r>
+              <a:rPr lang="en-US" dirty="0"/>
+              <a:t>GND</a:t>
+            </a:r>
+          </a:p>
+        </p:txBody>
+      </p:sp>
+      <p:cxnSp>
+        <p:nvCxnSpPr>
+          <p:cNvPr id="165" name="Straight Arrow Connector 164">
+            <a:extLst>
+              <a:ext uri="{FF2B5EF4-FFF2-40B4-BE49-F238E27FC236}">
+                <a16:creationId xmlns:a16="http://schemas.microsoft.com/office/drawing/2014/main" id="{875BE0F3-2C40-4633-8841-C2A84A22713A}"/>
+              </a:ext>
+            </a:extLst>
+          </p:cNvPr>
+          <p:cNvCxnSpPr>
+            <a:cxnSpLocks/>
+          </p:cNvCxnSpPr>
+          <p:nvPr/>
+        </p:nvCxnSpPr>
+        <p:spPr>
+          <a:xfrm>
+            <a:off x="10370049" y="6077991"/>
+            <a:ext cx="391436" cy="0"/>
+          </a:xfrm>
+          <a:prstGeom prst="straightConnector1">
+            <a:avLst/>
+          </a:prstGeom>
+          <a:ln w="38100">
+            <a:solidFill>
+              <a:schemeClr val="tx1"/>
+            </a:solidFill>
+            <a:tailEnd type="triangle"/>
+          </a:ln>
+        </p:spPr>
+        <p:style>
+          <a:lnRef idx="1">
+            <a:schemeClr val="accent1"/>
+          </a:lnRef>
+          <a:fillRef idx="0">
+            <a:schemeClr val="accent1"/>
+          </a:fillRef>
+          <a:effectRef idx="0">
+            <a:schemeClr val="accent1"/>
+          </a:effectRef>
+          <a:fontRef idx="minor">
+            <a:schemeClr val="tx1"/>
+          </a:fontRef>
+        </p:style>
+      </p:cxnSp>
+      <p:sp>
+        <p:nvSpPr>
+          <p:cNvPr id="166" name="Rectangle 165">
+            <a:extLst>
+              <a:ext uri="{FF2B5EF4-FFF2-40B4-BE49-F238E27FC236}">
+                <a16:creationId xmlns:a16="http://schemas.microsoft.com/office/drawing/2014/main" id="{1F9647DE-7DBA-4B15-82BE-F5F6C156886D}"/>
+              </a:ext>
+            </a:extLst>
+          </p:cNvPr>
+          <p:cNvSpPr/>
+          <p:nvPr/>
+        </p:nvSpPr>
+        <p:spPr>
+          <a:xfrm>
+            <a:off x="10748225" y="5334676"/>
+            <a:ext cx="1073700" cy="954285"/>
+          </a:xfrm>
+          <a:prstGeom prst="rect">
+            <a:avLst/>
+          </a:prstGeom>
+          <a:noFill/>
+          <a:ln w="38100">
+            <a:solidFill>
+              <a:schemeClr val="tx1"/>
+            </a:solidFill>
+          </a:ln>
+        </p:spPr>
+        <p:style>
+          <a:lnRef idx="2">
+            <a:schemeClr val="accent1">
+              <a:shade val="50000"/>
+            </a:schemeClr>
+          </a:lnRef>
+          <a:fillRef idx="1">
+            <a:schemeClr val="accent1"/>
+          </a:fillRef>
+          <a:effectRef idx="0">
+            <a:schemeClr val="accent1"/>
+          </a:effectRef>
+          <a:fontRef idx="minor">
+            <a:schemeClr val="lt1"/>
+          </a:fontRef>
+        </p:style>
+        <p:txBody>
+          <a:bodyPr rtlCol="0" anchor="ctr"/>
+          <a:lstStyle/>
+          <a:p>
+            <a:pPr algn="ctr"/>
+            <a:r>
+              <a:rPr lang="en-SG" b="1" dirty="0">
+                <a:solidFill>
+                  <a:schemeClr val="tx1"/>
+                </a:solidFill>
+              </a:rPr>
+              <a:t>Solenoid</a:t>
+            </a:r>
+          </a:p>
+          <a:p>
+            <a:pPr algn="ctr"/>
+            <a:r>
+              <a:rPr lang="en-SG" b="1" dirty="0">
+                <a:solidFill>
+                  <a:schemeClr val="tx1"/>
+                </a:solidFill>
+              </a:rPr>
+              <a:t>Valve</a:t>
+            </a:r>
+            <a:endParaRPr lang="en-US" b="1" dirty="0">
+              <a:solidFill>
+                <a:schemeClr val="tx1"/>
+              </a:solidFill>
+            </a:endParaRPr>
+          </a:p>
+        </p:txBody>
+      </p:sp>
+      <p:cxnSp>
+        <p:nvCxnSpPr>
+          <p:cNvPr id="184" name="Straight Arrow Connector 183">
+            <a:extLst>
+              <a:ext uri="{FF2B5EF4-FFF2-40B4-BE49-F238E27FC236}">
+                <a16:creationId xmlns:a16="http://schemas.microsoft.com/office/drawing/2014/main" id="{ABFD8CAA-08BE-487B-894C-6F7D7CD66419}"/>
+              </a:ext>
+            </a:extLst>
+          </p:cNvPr>
+          <p:cNvCxnSpPr>
+            <a:cxnSpLocks/>
+          </p:cNvCxnSpPr>
+          <p:nvPr/>
+        </p:nvCxnSpPr>
+        <p:spPr>
+          <a:xfrm flipH="1">
+            <a:off x="10210604" y="2045567"/>
+            <a:ext cx="581080" cy="5774"/>
+          </a:xfrm>
+          <a:prstGeom prst="straightConnector1">
+            <a:avLst/>
+          </a:prstGeom>
+          <a:ln w="38100">
+            <a:solidFill>
+              <a:schemeClr val="tx1"/>
+            </a:solidFill>
+            <a:headEnd type="triangle" w="med" len="med"/>
+            <a:tailEnd type="triangle" w="med" len="med"/>
+          </a:ln>
+        </p:spPr>
+        <p:style>
+          <a:lnRef idx="1">
+            <a:schemeClr val="accent1"/>
+          </a:lnRef>
+          <a:fillRef idx="0">
+            <a:schemeClr val="accent1"/>
+          </a:fillRef>
+          <a:effectRef idx="0">
+            <a:schemeClr val="accent1"/>
+          </a:effectRef>
+          <a:fontRef idx="minor">
+            <a:schemeClr val="tx1"/>
+          </a:fontRef>
+        </p:style>
+      </p:cxnSp>
+      <p:sp>
+        <p:nvSpPr>
+          <p:cNvPr id="185" name="TextBox 184">
+            <a:extLst>
+              <a:ext uri="{FF2B5EF4-FFF2-40B4-BE49-F238E27FC236}">
+                <a16:creationId xmlns:a16="http://schemas.microsoft.com/office/drawing/2014/main" id="{73D628EE-F514-4F67-9FA3-70A860E79915}"/>
+              </a:ext>
+            </a:extLst>
+          </p:cNvPr>
+          <p:cNvSpPr txBox="1"/>
+          <p:nvPr/>
+        </p:nvSpPr>
+        <p:spPr>
+          <a:xfrm>
+            <a:off x="9868123" y="1876290"/>
+            <a:ext cx="287258" cy="338554"/>
+          </a:xfrm>
+          <a:prstGeom prst="rect">
+            <a:avLst/>
+          </a:prstGeom>
+          <a:noFill/>
+        </p:spPr>
+        <p:txBody>
+          <a:bodyPr wrap="none" rtlCol="0">
+            <a:spAutoFit/>
+          </a:bodyPr>
+          <a:lstStyle/>
+          <a:p>
+            <a:r>
+              <a:rPr lang="en-US" sz="1600" dirty="0"/>
+              <a:t>+</a:t>
+            </a:r>
+            <a:endParaRPr lang="en-SG" sz="1600" dirty="0"/>
+          </a:p>
+        </p:txBody>
+      </p:sp>
     </p:spTree>
     <p:extLst>
       <p:ext uri="{BB962C8B-B14F-4D97-AF65-F5344CB8AC3E}">

--- a/Docs/thermal_controller_blockdiagram.pptx
+++ b/Docs/thermal_controller_blockdiagram.pptx
@@ -219,7 +219,7 @@
           <a:p>
             <a:fld id="{8A2540B5-C657-4695-96F0-0059BA46A3EC}" type="datetimeFigureOut">
               <a:rPr lang="en-US" smtClean="0"/>
-              <a:t>11/10/2022</a:t>
+              <a:t>11/18/2022</a:t>
             </a:fld>
             <a:endParaRPr lang="en-US"/>
           </a:p>
@@ -1013,7 +1013,7 @@
           <a:p>
             <a:fld id="{CD9FC7CE-19E2-4257-9F45-8977FC4F3E4A}" type="datetimeFigureOut">
               <a:rPr lang="en-US" smtClean="0"/>
-              <a:t>11/10/2022</a:t>
+              <a:t>11/18/2022</a:t>
             </a:fld>
             <a:endParaRPr lang="en-US"/>
           </a:p>
@@ -1322,7 +1322,7 @@
           <a:p>
             <a:fld id="{CD9FC7CE-19E2-4257-9F45-8977FC4F3E4A}" type="datetimeFigureOut">
               <a:rPr lang="en-US" smtClean="0"/>
-              <a:t>11/10/2022</a:t>
+              <a:t>11/18/2022</a:t>
             </a:fld>
             <a:endParaRPr lang="en-US"/>
           </a:p>
@@ -1538,7 +1538,7 @@
           <a:p>
             <a:fld id="{CD9FC7CE-19E2-4257-9F45-8977FC4F3E4A}" type="datetimeFigureOut">
               <a:rPr lang="en-US" smtClean="0"/>
-              <a:t>11/10/2022</a:t>
+              <a:t>11/18/2022</a:t>
             </a:fld>
             <a:endParaRPr lang="en-US"/>
           </a:p>
@@ -1938,7 +1938,7 @@
           <a:p>
             <a:fld id="{CD9FC7CE-19E2-4257-9F45-8977FC4F3E4A}" type="datetimeFigureOut">
               <a:rPr lang="en-US" smtClean="0"/>
-              <a:t>11/10/2022</a:t>
+              <a:t>11/18/2022</a:t>
             </a:fld>
             <a:endParaRPr lang="en-US"/>
           </a:p>
@@ -2055,7 +2055,7 @@
           <a:p>
             <a:fld id="{CD9FC7CE-19E2-4257-9F45-8977FC4F3E4A}" type="datetimeFigureOut">
               <a:rPr lang="en-US" smtClean="0"/>
-              <a:t>11/10/2022</a:t>
+              <a:t>11/18/2022</a:t>
             </a:fld>
             <a:endParaRPr lang="en-US"/>
           </a:p>
@@ -2150,7 +2150,7 @@
           <a:p>
             <a:fld id="{CD9FC7CE-19E2-4257-9F45-8977FC4F3E4A}" type="datetimeFigureOut">
               <a:rPr lang="en-US" smtClean="0"/>
-              <a:t>11/10/2022</a:t>
+              <a:t>11/18/2022</a:t>
             </a:fld>
             <a:endParaRPr lang="en-US"/>
           </a:p>
@@ -2377,7 +2377,7 @@
           <a:p>
             <a:fld id="{CD9FC7CE-19E2-4257-9F45-8977FC4F3E4A}" type="datetimeFigureOut">
               <a:rPr lang="en-US" smtClean="0"/>
-              <a:t>11/10/2022</a:t>
+              <a:t>11/18/2022</a:t>
             </a:fld>
             <a:endParaRPr lang="en-US" dirty="0"/>
           </a:p>
@@ -30912,8 +30912,8 @@
         </p:nvSpPr>
         <p:spPr>
           <a:xfrm>
-            <a:off x="4689261" y="1777102"/>
-            <a:ext cx="2451257" cy="4555883"/>
+            <a:off x="4857563" y="1777102"/>
+            <a:ext cx="2282956" cy="4555883"/>
           </a:xfrm>
           <a:prstGeom prst="rect">
             <a:avLst/>
@@ -31535,7 +31535,7 @@
           <a:p>
             <a:r>
               <a:rPr lang="en-US" sz="1600" dirty="0"/>
-              <a:t>9</a:t>
+              <a:t>7</a:t>
             </a:r>
             <a:endParaRPr lang="en-SG" sz="1600" dirty="0"/>
           </a:p>
@@ -31571,7 +31571,7 @@
           <a:p>
             <a:r>
               <a:rPr lang="en-SG" sz="1600" dirty="0"/>
-              <a:t>8</a:t>
+              <a:t>5</a:t>
             </a:r>
           </a:p>
         </p:txBody>
@@ -31591,7 +31591,7 @@
         <p:spPr>
           <a:xfrm>
             <a:off x="6714144" y="2150912"/>
-            <a:ext cx="393056" cy="338554"/>
+            <a:ext cx="288862" cy="338554"/>
           </a:xfrm>
           <a:prstGeom prst="rect">
             <a:avLst/>
@@ -31606,7 +31606,7 @@
           <a:p>
             <a:r>
               <a:rPr lang="en-SG" sz="1600" dirty="0"/>
-              <a:t>10</a:t>
+              <a:t>6</a:t>
             </a:r>
           </a:p>
         </p:txBody>
@@ -31789,7 +31789,7 @@
         </p:nvCxnSpPr>
         <p:spPr>
           <a:xfrm>
-            <a:off x="4307118" y="1973001"/>
+            <a:off x="4467306" y="1925366"/>
             <a:ext cx="382180" cy="0"/>
           </a:xfrm>
           <a:prstGeom prst="straightConnector1">
@@ -31831,7 +31831,7 @@
         </p:nvSpPr>
         <p:spPr>
           <a:xfrm>
-            <a:off x="3691458" y="1788335"/>
+            <a:off x="3851646" y="1740700"/>
             <a:ext cx="665568" cy="369332"/>
           </a:xfrm>
           <a:prstGeom prst="rect">
@@ -31869,7 +31869,7 @@
         </p:nvCxnSpPr>
         <p:spPr>
           <a:xfrm>
-            <a:off x="4307118" y="2290919"/>
+            <a:off x="4467306" y="2243284"/>
             <a:ext cx="382180" cy="0"/>
           </a:xfrm>
           <a:prstGeom prst="straightConnector1">
@@ -31911,7 +31911,7 @@
         </p:nvSpPr>
         <p:spPr>
           <a:xfrm>
-            <a:off x="3713099" y="2106253"/>
+            <a:off x="3873287" y="2058618"/>
             <a:ext cx="622286" cy="369332"/>
           </a:xfrm>
           <a:prstGeom prst="rect">
@@ -32180,7 +32180,7 @@
         <p:spPr>
           <a:xfrm>
             <a:off x="6714144" y="1894880"/>
-            <a:ext cx="393056" cy="338554"/>
+            <a:ext cx="288862" cy="338554"/>
           </a:xfrm>
           <a:prstGeom prst="rect">
             <a:avLst/>
@@ -32195,7 +32195,7 @@
           <a:p>
             <a:r>
               <a:rPr lang="en-SG" sz="1600" dirty="0"/>
-              <a:t>12</a:t>
+              <a:t>4</a:t>
             </a:r>
           </a:p>
         </p:txBody>
@@ -33429,7 +33429,7 @@
         </p:nvSpPr>
         <p:spPr>
           <a:xfrm>
-            <a:off x="2340466" y="5050827"/>
+            <a:off x="2528755" y="5083485"/>
             <a:ext cx="1584749" cy="1163373"/>
           </a:xfrm>
           <a:prstGeom prst="rect">
@@ -33506,7 +33506,7 @@
         </p:nvCxnSpPr>
         <p:spPr>
           <a:xfrm flipH="1">
-            <a:off x="3898039" y="5272927"/>
+            <a:off x="4086328" y="5305585"/>
             <a:ext cx="773362" cy="0"/>
           </a:xfrm>
           <a:prstGeom prst="straightConnector1">
@@ -33550,7 +33550,7 @@
         </p:nvCxnSpPr>
         <p:spPr>
           <a:xfrm>
-            <a:off x="3898039" y="6092662"/>
+            <a:off x="4086328" y="6125320"/>
             <a:ext cx="773362" cy="0"/>
           </a:xfrm>
           <a:prstGeom prst="straightConnector1">
@@ -33594,7 +33594,7 @@
         </p:nvCxnSpPr>
         <p:spPr>
           <a:xfrm>
-            <a:off x="3898039" y="5546172"/>
+            <a:off x="4086328" y="5578830"/>
             <a:ext cx="773362" cy="0"/>
           </a:xfrm>
           <a:prstGeom prst="straightConnector1">
@@ -33638,7 +33638,7 @@
         </p:nvCxnSpPr>
         <p:spPr>
           <a:xfrm>
-            <a:off x="3898039" y="5819417"/>
+            <a:off x="4086328" y="5852075"/>
             <a:ext cx="773362" cy="0"/>
           </a:xfrm>
           <a:prstGeom prst="straightConnector1">
@@ -33680,7 +33680,7 @@
         </p:nvSpPr>
         <p:spPr>
           <a:xfrm flipH="1">
-            <a:off x="3513032" y="5367184"/>
+            <a:off x="3701321" y="5399842"/>
             <a:ext cx="412292" cy="338554"/>
           </a:xfrm>
           <a:prstGeom prst="rect">
@@ -33715,7 +33715,7 @@
         </p:nvSpPr>
         <p:spPr>
           <a:xfrm flipH="1">
-            <a:off x="3527458" y="5634155"/>
+            <a:off x="3715747" y="5666813"/>
             <a:ext cx="397866" cy="338554"/>
           </a:xfrm>
           <a:prstGeom prst="rect">
@@ -33750,7 +33750,7 @@
         </p:nvSpPr>
         <p:spPr>
           <a:xfrm flipH="1">
-            <a:off x="3494180" y="5901127"/>
+            <a:off x="3682469" y="5933785"/>
             <a:ext cx="431144" cy="338554"/>
           </a:xfrm>
           <a:prstGeom prst="rect">
@@ -33785,7 +33785,7 @@
         </p:nvSpPr>
         <p:spPr>
           <a:xfrm flipH="1">
-            <a:off x="3562724" y="5100213"/>
+            <a:off x="3751013" y="5132871"/>
             <a:ext cx="362600" cy="338554"/>
           </a:xfrm>
           <a:prstGeom prst="rect">
@@ -33820,7 +33820,7 @@
         </p:nvSpPr>
         <p:spPr>
           <a:xfrm>
-            <a:off x="4714625" y="5365543"/>
+            <a:off x="4902914" y="5398201"/>
             <a:ext cx="288862" cy="338554"/>
           </a:xfrm>
           <a:prstGeom prst="rect">
@@ -33836,7 +33836,7 @@
           <a:p>
             <a:r>
               <a:rPr lang="en-SG" sz="1600" dirty="0"/>
-              <a:t>8</a:t>
+              <a:t>2</a:t>
             </a:r>
           </a:p>
         </p:txBody>
@@ -33855,7 +33855,7 @@
         </p:nvSpPr>
         <p:spPr>
           <a:xfrm>
-            <a:off x="4714625" y="5632514"/>
+            <a:off x="4902914" y="5665172"/>
             <a:ext cx="288862" cy="338554"/>
           </a:xfrm>
           <a:prstGeom prst="rect">
@@ -33871,7 +33871,7 @@
           <a:p>
             <a:r>
               <a:rPr lang="en-SG" sz="1600" dirty="0"/>
-              <a:t>8</a:t>
+              <a:t>2</a:t>
             </a:r>
           </a:p>
         </p:txBody>
@@ -33890,7 +33890,7 @@
         </p:nvSpPr>
         <p:spPr>
           <a:xfrm>
-            <a:off x="4714625" y="5899486"/>
+            <a:off x="4902914" y="5932144"/>
             <a:ext cx="288862" cy="338554"/>
           </a:xfrm>
           <a:prstGeom prst="rect">
@@ -33906,7 +33906,7 @@
           <a:p>
             <a:r>
               <a:rPr lang="en-SG" sz="1600" dirty="0"/>
-              <a:t>9</a:t>
+              <a:t>0</a:t>
             </a:r>
           </a:p>
         </p:txBody>
@@ -33925,8 +33925,8 @@
         </p:nvSpPr>
         <p:spPr>
           <a:xfrm>
-            <a:off x="4714625" y="5098572"/>
-            <a:ext cx="393056" cy="338554"/>
+            <a:off x="4902914" y="5131230"/>
+            <a:ext cx="288862" cy="338554"/>
           </a:xfrm>
           <a:prstGeom prst="rect">
             <a:avLst/>
@@ -33941,7 +33941,7 @@
           <a:p>
             <a:r>
               <a:rPr lang="en-SG" sz="1600" dirty="0"/>
-              <a:t>10</a:t>
+              <a:t>1</a:t>
             </a:r>
           </a:p>
         </p:txBody>
@@ -33962,7 +33962,7 @@
         </p:nvCxnSpPr>
         <p:spPr>
           <a:xfrm>
-            <a:off x="1950512" y="5262077"/>
+            <a:off x="2138801" y="5294735"/>
             <a:ext cx="372342" cy="0"/>
           </a:xfrm>
           <a:prstGeom prst="straightConnector1">
@@ -34004,7 +34004,7 @@
         </p:nvSpPr>
         <p:spPr>
           <a:xfrm>
-            <a:off x="1434474" y="5064144"/>
+            <a:off x="1622763" y="5096802"/>
             <a:ext cx="548547" cy="369332"/>
           </a:xfrm>
           <a:prstGeom prst="rect">
@@ -34042,7 +34042,7 @@
         </p:nvCxnSpPr>
         <p:spPr>
           <a:xfrm>
-            <a:off x="1932901" y="6092662"/>
+            <a:off x="2121190" y="6125320"/>
             <a:ext cx="407565" cy="0"/>
           </a:xfrm>
           <a:prstGeom prst="straightConnector1">
@@ -34084,7 +34084,7 @@
         </p:nvSpPr>
         <p:spPr>
           <a:xfrm>
-            <a:off x="1365053" y="5914269"/>
+            <a:off x="1553342" y="5946927"/>
             <a:ext cx="622286" cy="369332"/>
           </a:xfrm>
           <a:prstGeom prst="rect">
@@ -34120,7 +34120,7 @@
         </p:nvSpPr>
         <p:spPr>
           <a:xfrm>
-            <a:off x="2305243" y="5315826"/>
+            <a:off x="2493532" y="5348484"/>
             <a:ext cx="303288" cy="338554"/>
           </a:xfrm>
           <a:prstGeom prst="rect">
@@ -34155,7 +34155,7 @@
         </p:nvSpPr>
         <p:spPr>
           <a:xfrm>
-            <a:off x="2305243" y="5582797"/>
+            <a:off x="2493532" y="5615455"/>
             <a:ext cx="296876" cy="338554"/>
           </a:xfrm>
           <a:prstGeom prst="rect">
@@ -34190,7 +34190,7 @@
         </p:nvGrpSpPr>
         <p:grpSpPr>
           <a:xfrm>
-            <a:off x="1075265" y="5516614"/>
+            <a:off x="1263554" y="5549272"/>
             <a:ext cx="1247589" cy="264170"/>
             <a:chOff x="1277364" y="4055853"/>
             <a:chExt cx="2208743" cy="264170"/>
@@ -34303,7 +34303,7 @@
         </p:nvCxnSpPr>
         <p:spPr>
           <a:xfrm>
-            <a:off x="1084650" y="4529148"/>
+            <a:off x="1272939" y="4561806"/>
             <a:ext cx="408950" cy="0"/>
           </a:xfrm>
           <a:prstGeom prst="straightConnector1">
@@ -34345,7 +34345,7 @@
         </p:nvSpPr>
         <p:spPr>
           <a:xfrm>
-            <a:off x="1453910" y="4315667"/>
+            <a:off x="1642199" y="4348325"/>
             <a:ext cx="665568" cy="369332"/>
           </a:xfrm>
           <a:prstGeom prst="rect">
@@ -34381,7 +34381,7 @@
         </p:nvSpPr>
         <p:spPr>
           <a:xfrm>
-            <a:off x="102952" y="4383113"/>
+            <a:off x="291241" y="4415771"/>
             <a:ext cx="981698" cy="1849059"/>
           </a:xfrm>
           <a:prstGeom prst="rect">
@@ -34456,7 +34456,7 @@
         </p:nvSpPr>
         <p:spPr>
           <a:xfrm>
-            <a:off x="1468488" y="4618550"/>
+            <a:off x="1656777" y="4651208"/>
             <a:ext cx="622286" cy="369332"/>
           </a:xfrm>
           <a:prstGeom prst="rect">
@@ -34492,7 +34492,7 @@
         </p:nvSpPr>
         <p:spPr>
           <a:xfrm>
-            <a:off x="1257517" y="5469714"/>
+            <a:off x="1445806" y="5502372"/>
             <a:ext cx="958917" cy="369332"/>
           </a:xfrm>
           <a:prstGeom prst="rect">
@@ -34750,7 +34750,7 @@
         </p:nvCxnSpPr>
         <p:spPr>
           <a:xfrm>
-            <a:off x="1084650" y="4812882"/>
+            <a:off x="1272939" y="4845540"/>
             <a:ext cx="408950" cy="0"/>
           </a:xfrm>
           <a:prstGeom prst="straightConnector1">
@@ -34792,8 +34792,8 @@
         </p:nvSpPr>
         <p:spPr>
           <a:xfrm>
-            <a:off x="8312591" y="5172601"/>
-            <a:ext cx="1442270" cy="1158276"/>
+            <a:off x="8312591" y="5406253"/>
+            <a:ext cx="1292842" cy="924623"/>
           </a:xfrm>
           <a:prstGeom prst="rect">
             <a:avLst/>
@@ -34833,7 +34833,7 @@
                   <a:schemeClr val="tx1"/>
                 </a:solidFill>
               </a:rPr>
-              <a:t>RELAY</a:t>
+              <a:t>SERVO</a:t>
             </a:r>
           </a:p>
         </p:txBody>
@@ -34853,7 +34853,7 @@
         <p:spPr>
           <a:xfrm>
             <a:off x="8289195" y="5467311"/>
-            <a:ext cx="473206" cy="338554"/>
+            <a:ext cx="279244" cy="338554"/>
           </a:xfrm>
           <a:prstGeom prst="rect">
             <a:avLst/>
@@ -34868,7 +34868,7 @@
           <a:p>
             <a:r>
               <a:rPr lang="en-SG" sz="1600" dirty="0"/>
-              <a:t>IN1</a:t>
+              <a:t>S</a:t>
             </a:r>
           </a:p>
         </p:txBody>
@@ -34932,7 +34932,7 @@
         <p:spPr>
           <a:xfrm>
             <a:off x="6750053" y="5463236"/>
-            <a:ext cx="393056" cy="338554"/>
+            <a:ext cx="407484" cy="338554"/>
           </a:xfrm>
           <a:prstGeom prst="rect">
             <a:avLst/>
@@ -34947,7 +34947,7 @@
           <a:p>
             <a:r>
               <a:rPr lang="en-SG" sz="1600" dirty="0"/>
-              <a:t>22</a:t>
+              <a:t>A0</a:t>
             </a:r>
           </a:p>
         </p:txBody>
@@ -34968,7 +34968,7 @@
         </p:nvCxnSpPr>
         <p:spPr>
           <a:xfrm>
-            <a:off x="7932648" y="5292103"/>
+            <a:off x="7928629" y="5881991"/>
             <a:ext cx="360566" cy="0"/>
           </a:xfrm>
           <a:prstGeom prst="straightConnector1">
@@ -35010,7 +35010,7 @@
         </p:nvSpPr>
         <p:spPr>
           <a:xfrm>
-            <a:off x="7410471" y="5103697"/>
+            <a:off x="7406452" y="5693585"/>
             <a:ext cx="548547" cy="369332"/>
           </a:xfrm>
           <a:prstGeom prst="rect">
@@ -35046,7 +35046,7 @@
         </p:nvSpPr>
         <p:spPr>
           <a:xfrm>
-            <a:off x="7373007" y="5954452"/>
+            <a:off x="7379384" y="6008320"/>
             <a:ext cx="622286" cy="369332"/>
           </a:xfrm>
           <a:prstGeom prst="rect">
@@ -35084,7 +35084,7 @@
         </p:nvCxnSpPr>
         <p:spPr>
           <a:xfrm>
-            <a:off x="7932648" y="6139118"/>
+            <a:off x="7939025" y="6192986"/>
             <a:ext cx="360566" cy="0"/>
           </a:xfrm>
           <a:prstGeom prst="straightConnector1">
@@ -35112,12 +35112,57 @@
           </a:fontRef>
         </p:style>
       </p:cxnSp>
-      <p:sp>
-        <p:nvSpPr>
-          <p:cNvPr id="150" name="TextBox 149">
-            <a:extLst>
-              <a:ext uri="{FF2B5EF4-FFF2-40B4-BE49-F238E27FC236}">
-                <a16:creationId xmlns:a16="http://schemas.microsoft.com/office/drawing/2014/main" id="{1B96E5FD-F466-4D79-B444-8D8C6A90EDF9}"/>
+      <p:cxnSp>
+        <p:nvCxnSpPr>
+          <p:cNvPr id="184" name="Straight Arrow Connector 183">
+            <a:extLst>
+              <a:ext uri="{FF2B5EF4-FFF2-40B4-BE49-F238E27FC236}">
+                <a16:creationId xmlns:a16="http://schemas.microsoft.com/office/drawing/2014/main" id="{ABFD8CAA-08BE-487B-894C-6F7D7CD66419}"/>
+              </a:ext>
+            </a:extLst>
+          </p:cNvPr>
+          <p:cNvCxnSpPr>
+            <a:cxnSpLocks/>
+          </p:cNvCxnSpPr>
+          <p:nvPr/>
+        </p:nvCxnSpPr>
+        <p:spPr>
+          <a:xfrm flipH="1">
+            <a:off x="10210604" y="2045567"/>
+            <a:ext cx="581080" cy="5774"/>
+          </a:xfrm>
+          <a:prstGeom prst="straightConnector1">
+            <a:avLst/>
+          </a:prstGeom>
+          <a:ln w="38100">
+            <a:solidFill>
+              <a:schemeClr val="tx1"/>
+            </a:solidFill>
+            <a:headEnd type="triangle" w="med" len="med"/>
+            <a:tailEnd type="triangle" w="med" len="med"/>
+          </a:ln>
+        </p:spPr>
+        <p:style>
+          <a:lnRef idx="1">
+            <a:schemeClr val="accent1"/>
+          </a:lnRef>
+          <a:fillRef idx="0">
+            <a:schemeClr val="accent1"/>
+          </a:fillRef>
+          <a:effectRef idx="0">
+            <a:schemeClr val="accent1"/>
+          </a:effectRef>
+          <a:fontRef idx="minor">
+            <a:schemeClr val="tx1"/>
+          </a:fontRef>
+        </p:style>
+      </p:cxnSp>
+      <p:sp>
+        <p:nvSpPr>
+          <p:cNvPr id="185" name="TextBox 184">
+            <a:extLst>
+              <a:ext uri="{FF2B5EF4-FFF2-40B4-BE49-F238E27FC236}">
+                <a16:creationId xmlns:a16="http://schemas.microsoft.com/office/drawing/2014/main" id="{73D628EE-F514-4F67-9FA3-70A860E79915}"/>
               </a:ext>
             </a:extLst>
           </p:cNvPr>
@@ -35126,8 +35171,8 @@
         </p:nvSpPr>
         <p:spPr>
           <a:xfrm>
-            <a:off x="9219614" y="5333199"/>
-            <a:ext cx="602857" cy="338554"/>
+            <a:off x="9868123" y="1876290"/>
+            <a:ext cx="287258" cy="338554"/>
           </a:xfrm>
           <a:prstGeom prst="rect">
             <a:avLst/>
@@ -35141,18 +35186,19 @@
           <a:lstStyle/>
           <a:p>
             <a:r>
-              <a:rPr lang="en-SG" sz="1600" dirty="0"/>
-              <a:t>COM</a:t>
-            </a:r>
-          </a:p>
-        </p:txBody>
-      </p:sp>
-      <p:sp>
-        <p:nvSpPr>
-          <p:cNvPr id="151" name="TextBox 150">
-            <a:extLst>
-              <a:ext uri="{FF2B5EF4-FFF2-40B4-BE49-F238E27FC236}">
-                <a16:creationId xmlns:a16="http://schemas.microsoft.com/office/drawing/2014/main" id="{A3CF54D1-38CA-4B86-B579-58F63490E36A}"/>
+              <a:rPr lang="en-US" sz="1600" dirty="0"/>
+              <a:t>+</a:t>
+            </a:r>
+            <a:endParaRPr lang="en-SG" sz="1600" dirty="0"/>
+          </a:p>
+        </p:txBody>
+      </p:sp>
+      <p:sp>
+        <p:nvSpPr>
+          <p:cNvPr id="114" name="TextBox 113">
+            <a:extLst>
+              <a:ext uri="{FF2B5EF4-FFF2-40B4-BE49-F238E27FC236}">
+                <a16:creationId xmlns:a16="http://schemas.microsoft.com/office/drawing/2014/main" id="{56367E69-FDB9-4573-B79A-8EE3C7C14DDA}"/>
               </a:ext>
             </a:extLst>
           </p:cNvPr>
@@ -35161,8 +35207,8 @@
         </p:nvSpPr>
         <p:spPr>
           <a:xfrm>
-            <a:off x="9320268" y="5689791"/>
-            <a:ext cx="453970" cy="338554"/>
+            <a:off x="8285176" y="5731345"/>
+            <a:ext cx="301686" cy="338554"/>
           </a:xfrm>
           <a:prstGeom prst="rect">
             <a:avLst/>
@@ -35177,17 +35223,17 @@
           <a:p>
             <a:r>
               <a:rPr lang="en-SG" sz="1600" dirty="0"/>
-              <a:t>NO</a:t>
-            </a:r>
-          </a:p>
-        </p:txBody>
-      </p:sp>
-      <p:sp>
-        <p:nvSpPr>
-          <p:cNvPr id="160" name="TextBox 159">
-            <a:extLst>
-              <a:ext uri="{FF2B5EF4-FFF2-40B4-BE49-F238E27FC236}">
-                <a16:creationId xmlns:a16="http://schemas.microsoft.com/office/drawing/2014/main" id="{5C30496F-3475-41A8-9F17-F6656F6E9BFB}"/>
+              <a:t>V</a:t>
+            </a:r>
+          </a:p>
+        </p:txBody>
+      </p:sp>
+      <p:sp>
+        <p:nvSpPr>
+          <p:cNvPr id="115" name="TextBox 114">
+            <a:extLst>
+              <a:ext uri="{FF2B5EF4-FFF2-40B4-BE49-F238E27FC236}">
+                <a16:creationId xmlns:a16="http://schemas.microsoft.com/office/drawing/2014/main" id="{6997FE3E-6D5F-4D39-8E1B-545817B4F48D}"/>
               </a:ext>
             </a:extLst>
           </p:cNvPr>
@@ -35196,8 +35242,8 @@
         </p:nvSpPr>
         <p:spPr>
           <a:xfrm>
-            <a:off x="10037265" y="5315826"/>
-            <a:ext cx="665567" cy="369332"/>
+            <a:off x="8295572" y="6001815"/>
+            <a:ext cx="314510" cy="338554"/>
           </a:xfrm>
           <a:prstGeom prst="rect">
             <a:avLst/>
@@ -35210,335 +35256,10 @@
           </a:bodyPr>
           <a:lstStyle/>
           <a:p>
-            <a:pPr algn="ctr"/>
-            <a:r>
-              <a:rPr lang="en-US" dirty="0"/>
-              <a:t>+24V</a:t>
-            </a:r>
-          </a:p>
-        </p:txBody>
-      </p:sp>
-      <p:cxnSp>
-        <p:nvCxnSpPr>
-          <p:cNvPr id="162" name="Straight Arrow Connector 161">
-            <a:extLst>
-              <a:ext uri="{FF2B5EF4-FFF2-40B4-BE49-F238E27FC236}">
-                <a16:creationId xmlns:a16="http://schemas.microsoft.com/office/drawing/2014/main" id="{FD4F6491-A67C-4455-B314-7BAA2E294F41}"/>
-              </a:ext>
-            </a:extLst>
-          </p:cNvPr>
-          <p:cNvCxnSpPr>
-            <a:cxnSpLocks/>
-          </p:cNvCxnSpPr>
-          <p:nvPr/>
-        </p:nvCxnSpPr>
-        <p:spPr>
-          <a:xfrm flipH="1">
-            <a:off x="9767192" y="5500492"/>
-            <a:ext cx="314936" cy="0"/>
-          </a:xfrm>
-          <a:prstGeom prst="straightConnector1">
-            <a:avLst/>
-          </a:prstGeom>
-          <a:ln w="38100">
-            <a:solidFill>
-              <a:schemeClr val="tx1"/>
-            </a:solidFill>
-            <a:tailEnd type="triangle"/>
-          </a:ln>
-        </p:spPr>
-        <p:style>
-          <a:lnRef idx="1">
-            <a:schemeClr val="accent1"/>
-          </a:lnRef>
-          <a:fillRef idx="0">
-            <a:schemeClr val="accent1"/>
-          </a:fillRef>
-          <a:effectRef idx="0">
-            <a:schemeClr val="accent1"/>
-          </a:effectRef>
-          <a:fontRef idx="minor">
-            <a:schemeClr val="tx1"/>
-          </a:fontRef>
-        </p:style>
-      </p:cxnSp>
-      <p:cxnSp>
-        <p:nvCxnSpPr>
-          <p:cNvPr id="163" name="Straight Arrow Connector 162">
-            <a:extLst>
-              <a:ext uri="{FF2B5EF4-FFF2-40B4-BE49-F238E27FC236}">
-                <a16:creationId xmlns:a16="http://schemas.microsoft.com/office/drawing/2014/main" id="{F7C73BF0-0DAC-4736-A407-8B303EC5604E}"/>
-              </a:ext>
-            </a:extLst>
-          </p:cNvPr>
-          <p:cNvCxnSpPr>
-            <a:cxnSpLocks/>
-          </p:cNvCxnSpPr>
-          <p:nvPr/>
-        </p:nvCxnSpPr>
-        <p:spPr>
-          <a:xfrm>
-            <a:off x="9757833" y="5862813"/>
-            <a:ext cx="961523" cy="0"/>
-          </a:xfrm>
-          <a:prstGeom prst="straightConnector1">
-            <a:avLst/>
-          </a:prstGeom>
-          <a:ln w="38100">
-            <a:solidFill>
-              <a:schemeClr val="tx1"/>
-            </a:solidFill>
-            <a:tailEnd type="triangle"/>
-          </a:ln>
-        </p:spPr>
-        <p:style>
-          <a:lnRef idx="1">
-            <a:schemeClr val="accent1"/>
-          </a:lnRef>
-          <a:fillRef idx="0">
-            <a:schemeClr val="accent1"/>
-          </a:fillRef>
-          <a:effectRef idx="0">
-            <a:schemeClr val="accent1"/>
-          </a:effectRef>
-          <a:fontRef idx="minor">
-            <a:schemeClr val="tx1"/>
-          </a:fontRef>
-        </p:style>
-      </p:cxnSp>
-      <p:sp>
-        <p:nvSpPr>
-          <p:cNvPr id="164" name="TextBox 163">
-            <a:extLst>
-              <a:ext uri="{FF2B5EF4-FFF2-40B4-BE49-F238E27FC236}">
-                <a16:creationId xmlns:a16="http://schemas.microsoft.com/office/drawing/2014/main" id="{92FD254C-FEAB-4A3B-A9D1-2F0E2B36C283}"/>
-              </a:ext>
-            </a:extLst>
-          </p:cNvPr>
-          <p:cNvSpPr txBox="1"/>
-          <p:nvPr/>
-        </p:nvSpPr>
-        <p:spPr>
-          <a:xfrm>
-            <a:off x="9815507" y="5893325"/>
-            <a:ext cx="622286" cy="369332"/>
-          </a:xfrm>
-          <a:prstGeom prst="rect">
-            <a:avLst/>
-          </a:prstGeom>
-          <a:noFill/>
-        </p:spPr>
-        <p:txBody>
-          <a:bodyPr wrap="none" rtlCol="0">
-            <a:spAutoFit/>
-          </a:bodyPr>
-          <a:lstStyle/>
-          <a:p>
-            <a:pPr algn="ctr"/>
-            <a:r>
-              <a:rPr lang="en-US" dirty="0"/>
-              <a:t>GND</a:t>
-            </a:r>
-          </a:p>
-        </p:txBody>
-      </p:sp>
-      <p:cxnSp>
-        <p:nvCxnSpPr>
-          <p:cNvPr id="165" name="Straight Arrow Connector 164">
-            <a:extLst>
-              <a:ext uri="{FF2B5EF4-FFF2-40B4-BE49-F238E27FC236}">
-                <a16:creationId xmlns:a16="http://schemas.microsoft.com/office/drawing/2014/main" id="{875BE0F3-2C40-4633-8841-C2A84A22713A}"/>
-              </a:ext>
-            </a:extLst>
-          </p:cNvPr>
-          <p:cNvCxnSpPr>
-            <a:cxnSpLocks/>
-          </p:cNvCxnSpPr>
-          <p:nvPr/>
-        </p:nvCxnSpPr>
-        <p:spPr>
-          <a:xfrm>
-            <a:off x="10370049" y="6077991"/>
-            <a:ext cx="391436" cy="0"/>
-          </a:xfrm>
-          <a:prstGeom prst="straightConnector1">
-            <a:avLst/>
-          </a:prstGeom>
-          <a:ln w="38100">
-            <a:solidFill>
-              <a:schemeClr val="tx1"/>
-            </a:solidFill>
-            <a:tailEnd type="triangle"/>
-          </a:ln>
-        </p:spPr>
-        <p:style>
-          <a:lnRef idx="1">
-            <a:schemeClr val="accent1"/>
-          </a:lnRef>
-          <a:fillRef idx="0">
-            <a:schemeClr val="accent1"/>
-          </a:fillRef>
-          <a:effectRef idx="0">
-            <a:schemeClr val="accent1"/>
-          </a:effectRef>
-          <a:fontRef idx="minor">
-            <a:schemeClr val="tx1"/>
-          </a:fontRef>
-        </p:style>
-      </p:cxnSp>
-      <p:sp>
-        <p:nvSpPr>
-          <p:cNvPr id="166" name="Rectangle 165">
-            <a:extLst>
-              <a:ext uri="{FF2B5EF4-FFF2-40B4-BE49-F238E27FC236}">
-                <a16:creationId xmlns:a16="http://schemas.microsoft.com/office/drawing/2014/main" id="{1F9647DE-7DBA-4B15-82BE-F5F6C156886D}"/>
-              </a:ext>
-            </a:extLst>
-          </p:cNvPr>
-          <p:cNvSpPr/>
-          <p:nvPr/>
-        </p:nvSpPr>
-        <p:spPr>
-          <a:xfrm>
-            <a:off x="10748225" y="5334676"/>
-            <a:ext cx="1073700" cy="954285"/>
-          </a:xfrm>
-          <a:prstGeom prst="rect">
-            <a:avLst/>
-          </a:prstGeom>
-          <a:noFill/>
-          <a:ln w="38100">
-            <a:solidFill>
-              <a:schemeClr val="tx1"/>
-            </a:solidFill>
-          </a:ln>
-        </p:spPr>
-        <p:style>
-          <a:lnRef idx="2">
-            <a:schemeClr val="accent1">
-              <a:shade val="50000"/>
-            </a:schemeClr>
-          </a:lnRef>
-          <a:fillRef idx="1">
-            <a:schemeClr val="accent1"/>
-          </a:fillRef>
-          <a:effectRef idx="0">
-            <a:schemeClr val="accent1"/>
-          </a:effectRef>
-          <a:fontRef idx="minor">
-            <a:schemeClr val="lt1"/>
-          </a:fontRef>
-        </p:style>
-        <p:txBody>
-          <a:bodyPr rtlCol="0" anchor="ctr"/>
-          <a:lstStyle/>
-          <a:p>
-            <a:pPr algn="ctr"/>
-            <a:r>
-              <a:rPr lang="en-SG" b="1" dirty="0">
-                <a:solidFill>
-                  <a:schemeClr val="tx1"/>
-                </a:solidFill>
-              </a:rPr>
-              <a:t>Solenoid</a:t>
-            </a:r>
-          </a:p>
-          <a:p>
-            <a:pPr algn="ctr"/>
-            <a:r>
-              <a:rPr lang="en-SG" b="1" dirty="0">
-                <a:solidFill>
-                  <a:schemeClr val="tx1"/>
-                </a:solidFill>
-              </a:rPr>
-              <a:t>Valve</a:t>
-            </a:r>
-            <a:endParaRPr lang="en-US" b="1" dirty="0">
-              <a:solidFill>
-                <a:schemeClr val="tx1"/>
-              </a:solidFill>
-            </a:endParaRPr>
-          </a:p>
-        </p:txBody>
-      </p:sp>
-      <p:cxnSp>
-        <p:nvCxnSpPr>
-          <p:cNvPr id="184" name="Straight Arrow Connector 183">
-            <a:extLst>
-              <a:ext uri="{FF2B5EF4-FFF2-40B4-BE49-F238E27FC236}">
-                <a16:creationId xmlns:a16="http://schemas.microsoft.com/office/drawing/2014/main" id="{ABFD8CAA-08BE-487B-894C-6F7D7CD66419}"/>
-              </a:ext>
-            </a:extLst>
-          </p:cNvPr>
-          <p:cNvCxnSpPr>
-            <a:cxnSpLocks/>
-          </p:cNvCxnSpPr>
-          <p:nvPr/>
-        </p:nvCxnSpPr>
-        <p:spPr>
-          <a:xfrm flipH="1">
-            <a:off x="10210604" y="2045567"/>
-            <a:ext cx="581080" cy="5774"/>
-          </a:xfrm>
-          <a:prstGeom prst="straightConnector1">
-            <a:avLst/>
-          </a:prstGeom>
-          <a:ln w="38100">
-            <a:solidFill>
-              <a:schemeClr val="tx1"/>
-            </a:solidFill>
-            <a:headEnd type="triangle" w="med" len="med"/>
-            <a:tailEnd type="triangle" w="med" len="med"/>
-          </a:ln>
-        </p:spPr>
-        <p:style>
-          <a:lnRef idx="1">
-            <a:schemeClr val="accent1"/>
-          </a:lnRef>
-          <a:fillRef idx="0">
-            <a:schemeClr val="accent1"/>
-          </a:fillRef>
-          <a:effectRef idx="0">
-            <a:schemeClr val="accent1"/>
-          </a:effectRef>
-          <a:fontRef idx="minor">
-            <a:schemeClr val="tx1"/>
-          </a:fontRef>
-        </p:style>
-      </p:cxnSp>
-      <p:sp>
-        <p:nvSpPr>
-          <p:cNvPr id="185" name="TextBox 184">
-            <a:extLst>
-              <a:ext uri="{FF2B5EF4-FFF2-40B4-BE49-F238E27FC236}">
-                <a16:creationId xmlns:a16="http://schemas.microsoft.com/office/drawing/2014/main" id="{73D628EE-F514-4F67-9FA3-70A860E79915}"/>
-              </a:ext>
-            </a:extLst>
-          </p:cNvPr>
-          <p:cNvSpPr txBox="1"/>
-          <p:nvPr/>
-        </p:nvSpPr>
-        <p:spPr>
-          <a:xfrm>
-            <a:off x="9868123" y="1876290"/>
-            <a:ext cx="287258" cy="338554"/>
-          </a:xfrm>
-          <a:prstGeom prst="rect">
-            <a:avLst/>
-          </a:prstGeom>
-          <a:noFill/>
-        </p:spPr>
-        <p:txBody>
-          <a:bodyPr wrap="none" rtlCol="0">
-            <a:spAutoFit/>
-          </a:bodyPr>
-          <a:lstStyle/>
-          <a:p>
-            <a:r>
-              <a:rPr lang="en-US" sz="1600" dirty="0"/>
-              <a:t>+</a:t>
-            </a:r>
-            <a:endParaRPr lang="en-SG" sz="1600" dirty="0"/>
+            <a:r>
+              <a:rPr lang="en-SG" sz="1600" dirty="0"/>
+              <a:t>G</a:t>
+            </a:r>
           </a:p>
         </p:txBody>
       </p:sp>
@@ -36178,15 +35899,6 @@
 </file>
 
 <file path=customXml/item1.xml><?xml version="1.0" encoding="utf-8"?>
-<?mso-contentType ?>
-<FormTemplates xmlns="http://schemas.microsoft.com/sharepoint/v3/contenttype/forms">
-  <Display>DocumentLibraryForm</Display>
-  <Edit>DocumentLibraryForm</Edit>
-  <New>DocumentLibraryForm</New>
-</FormTemplates>
-</file>
-
-<file path=customXml/item2.xml><?xml version="1.0" encoding="utf-8"?>
 <ct:contentTypeSchema xmlns:ct="http://schemas.microsoft.com/office/2006/metadata/contentType" xmlns:ma="http://schemas.microsoft.com/office/2006/metadata/properties/metaAttributes" ct:_="" ma:_="" ma:contentTypeName="Document" ma:contentTypeID="0x010100E6E1031C48018C4292DBDBD68C3F63E2" ma:contentTypeVersion="6" ma:contentTypeDescription="Create a new document." ma:contentTypeScope="" ma:versionID="9ae9a2a5b07300798953ecdd28312694">
   <xsd:schema xmlns:xsd="http://www.w3.org/2001/XMLSchema" xmlns:xs="http://www.w3.org/2001/XMLSchema" xmlns:p="http://schemas.microsoft.com/office/2006/metadata/properties" xmlns:ns2="0ad04f26-a780-43bf-835f-b79ff52a29dc" xmlns:ns3="a1518579-73ee-42fe-aa96-2836fc14ff9f" xmlns:ns4="d1583c34-73a0-4f2f-ba6b-1ac8359f2b78" targetNamespace="http://schemas.microsoft.com/office/2006/metadata/properties" ma:root="true" ma:fieldsID="9faae2f6251647047d77e859e5fe7bf2" ns2:_="" ns3:_="" ns4:_="">
     <xsd:import namespace="0ad04f26-a780-43bf-835f-b79ff52a29dc"/>
@@ -36395,7 +36107,40 @@
 </ct:contentTypeSchema>
 </file>
 
+<file path=customXml/item2.xml><?xml version="1.0" encoding="utf-8"?>
+<?mso-contentType ?>
+<FormTemplates xmlns="http://schemas.microsoft.com/sharepoint/v3/contenttype/forms">
+  <Display>DocumentLibraryForm</Display>
+  <Edit>DocumentLibraryForm</Edit>
+  <New>DocumentLibraryForm</New>
+</FormTemplates>
+</file>
+
 <file path=customXml/item3.xml><?xml version="1.0" encoding="utf-8"?>
+<p:properties xmlns:p="http://schemas.microsoft.com/office/2006/metadata/properties" xmlns:xsi="http://www.w3.org/2001/XMLSchema-instance" xmlns:pc="http://schemas.microsoft.com/office/infopath/2007/PartnerControls">
+  <documentManagement>
+    <SharedWithUsers xmlns="d1583c34-73a0-4f2f-ba6b-1ac8359f2b78">
+      <UserInfo>
+        <DisplayName>Karen Boh Lee Gek</DisplayName>
+        <AccountId>1403</AccountId>
+        <AccountType/>
+      </UserInfo>
+      <UserInfo>
+        <DisplayName>Kris Chur San Yee</DisplayName>
+        <AccountId>1798</AccountId>
+        <AccountType/>
+      </UserInfo>
+    </SharedWithUsers>
+    <_dlc_DocId xmlns="0ad04f26-a780-43bf-835f-b79ff52a29dc">U3ZV22ZJXESJ-1142709787-4964</_dlc_DocId>
+    <_dlc_DocIdUrl xmlns="0ad04f26-a780-43bf-835f-b79ff52a29dc">
+      <Url>https://sitsingaporetechedu.sharepoint.com/sites/PO/Leads/_layouts/15/DocIdRedir.aspx?ID=U3ZV22ZJXESJ-1142709787-4964</Url>
+      <Description>U3ZV22ZJXESJ-1142709787-4964</Description>
+    </_dlc_DocIdUrl>
+  </documentManagement>
+</p:properties>
+</file>
+
+<file path=customXml/item4.xml><?xml version="1.0" encoding="utf-8"?>
 <?mso-contentType ?>
 <spe:Receivers xmlns:spe="http://schemas.microsoft.com/sharepoint/events">
   <Receiver>
@@ -36445,39 +36190,7 @@
 </spe:Receivers>
 </file>
 
-<file path=customXml/item4.xml><?xml version="1.0" encoding="utf-8"?>
-<p:properties xmlns:p="http://schemas.microsoft.com/office/2006/metadata/properties" xmlns:xsi="http://www.w3.org/2001/XMLSchema-instance" xmlns:pc="http://schemas.microsoft.com/office/infopath/2007/PartnerControls">
-  <documentManagement>
-    <SharedWithUsers xmlns="d1583c34-73a0-4f2f-ba6b-1ac8359f2b78">
-      <UserInfo>
-        <DisplayName>Karen Boh Lee Gek</DisplayName>
-        <AccountId>1403</AccountId>
-        <AccountType/>
-      </UserInfo>
-      <UserInfo>
-        <DisplayName>Kris Chur San Yee</DisplayName>
-        <AccountId>1798</AccountId>
-        <AccountType/>
-      </UserInfo>
-    </SharedWithUsers>
-    <_dlc_DocId xmlns="0ad04f26-a780-43bf-835f-b79ff52a29dc">U3ZV22ZJXESJ-1142709787-4964</_dlc_DocId>
-    <_dlc_DocIdUrl xmlns="0ad04f26-a780-43bf-835f-b79ff52a29dc">
-      <Url>https://sitsingaporetechedu.sharepoint.com/sites/PO/Leads/_layouts/15/DocIdRedir.aspx?ID=U3ZV22ZJXESJ-1142709787-4964</Url>
-      <Description>U3ZV22ZJXESJ-1142709787-4964</Description>
-    </_dlc_DocIdUrl>
-  </documentManagement>
-</p:properties>
-</file>
-
 <file path=customXml/itemProps1.xml><?xml version="1.0" encoding="utf-8"?>
-<ds:datastoreItem xmlns:ds="http://schemas.openxmlformats.org/officeDocument/2006/customXml" ds:itemID="{7D7D58FF-6E5B-409D-8B4D-B0E0073025D5}">
-  <ds:schemaRefs>
-    <ds:schemaRef ds:uri="http://schemas.microsoft.com/sharepoint/v3/contenttype/forms"/>
-  </ds:schemaRefs>
-</ds:datastoreItem>
-</file>
-
-<file path=customXml/itemProps2.xml><?xml version="1.0" encoding="utf-8"?>
 <ds:datastoreItem xmlns:ds="http://schemas.openxmlformats.org/officeDocument/2006/customXml" ds:itemID="{C20F4E18-A5EC-4A34-B7AA-397D2B188B6A}">
   <ds:schemaRefs>
     <ds:schemaRef ds:uri="http://schemas.microsoft.com/office/2006/metadata/contentType"/>
@@ -36497,15 +36210,15 @@
 </ds:datastoreItem>
 </file>
 
-<file path=customXml/itemProps3.xml><?xml version="1.0" encoding="utf-8"?>
-<ds:datastoreItem xmlns:ds="http://schemas.openxmlformats.org/officeDocument/2006/customXml" ds:itemID="{DBE60198-3F54-4377-AFC2-746F792EC1FE}">
+<file path=customXml/itemProps2.xml><?xml version="1.0" encoding="utf-8"?>
+<ds:datastoreItem xmlns:ds="http://schemas.openxmlformats.org/officeDocument/2006/customXml" ds:itemID="{7D7D58FF-6E5B-409D-8B4D-B0E0073025D5}">
   <ds:schemaRefs>
-    <ds:schemaRef ds:uri="http://schemas.microsoft.com/sharepoint/events"/>
+    <ds:schemaRef ds:uri="http://schemas.microsoft.com/sharepoint/v3/contenttype/forms"/>
   </ds:schemaRefs>
 </ds:datastoreItem>
 </file>
 
-<file path=customXml/itemProps4.xml><?xml version="1.0" encoding="utf-8"?>
+<file path=customXml/itemProps3.xml><?xml version="1.0" encoding="utf-8"?>
 <ds:datastoreItem xmlns:ds="http://schemas.openxmlformats.org/officeDocument/2006/customXml" ds:itemID="{07B7BCB4-6752-4067-9BBF-537E18945997}">
   <ds:schemaRefs>
     <ds:schemaRef ds:uri="http://schemas.microsoft.com/office/2006/documentManagement/types"/>
@@ -36521,4 +36234,12 @@
     <ds:schemaRef ds:uri="http://purl.org/dc/dcmitype/"/>
   </ds:schemaRefs>
 </ds:datastoreItem>
+</file>
+
+<file path=customXml/itemProps4.xml><?xml version="1.0" encoding="utf-8"?>
+<ds:datastoreItem xmlns:ds="http://schemas.openxmlformats.org/officeDocument/2006/customXml" ds:itemID="{DBE60198-3F54-4377-AFC2-746F792EC1FE}">
+  <ds:schemaRefs>
+    <ds:schemaRef ds:uri="http://schemas.microsoft.com/sharepoint/events"/>
+  </ds:schemaRefs>
+</ds:datastoreItem>
 </file>
--- a/Docs/thermal_controller_blockdiagram.pptx
+++ b/Docs/thermal_controller_blockdiagram.pptx
@@ -5,7 +5,7 @@
     <p:sldMasterId id="2147483648" r:id="rId5"/>
   </p:sldMasterIdLst>
   <p:notesMasterIdLst>
-    <p:notesMasterId r:id="rId17"/>
+    <p:notesMasterId r:id="rId18"/>
   </p:notesMasterIdLst>
   <p:sldIdLst>
     <p:sldId id="3535" r:id="rId6"/>
@@ -15,10 +15,11 @@
     <p:sldId id="3529" r:id="rId10"/>
     <p:sldId id="3530" r:id="rId11"/>
     <p:sldId id="3531" r:id="rId12"/>
-    <p:sldId id="3536" r:id="rId13"/>
-    <p:sldId id="3534" r:id="rId14"/>
-    <p:sldId id="3532" r:id="rId15"/>
-    <p:sldId id="3533" r:id="rId16"/>
+    <p:sldId id="3538" r:id="rId13"/>
+    <p:sldId id="3536" r:id="rId14"/>
+    <p:sldId id="3534" r:id="rId15"/>
+    <p:sldId id="3532" r:id="rId16"/>
+    <p:sldId id="3533" r:id="rId17"/>
   </p:sldIdLst>
   <p:sldSz cx="12192000" cy="6858000"/>
   <p:notesSz cx="6797675" cy="9926638"/>
@@ -219,7 +220,7 @@
           <a:p>
             <a:fld id="{8A2540B5-C657-4695-96F0-0059BA46A3EC}" type="datetimeFigureOut">
               <a:rPr lang="en-US" smtClean="0"/>
-              <a:t>11/18/2022</a:t>
+              <a:t>11/21/2022</a:t>
             </a:fld>
             <a:endParaRPr lang="en-US"/>
           </a:p>
@@ -638,7 +639,7 @@
           <a:p>
             <a:fld id="{D7A1C63D-6A0D-4A97-AF70-6DEF9E93A01A}" type="slidenum">
               <a:rPr lang="en-US" smtClean="0"/>
-              <a:t>8</a:t>
+              <a:t>9</a:t>
             </a:fld>
             <a:endParaRPr lang="en-US"/>
           </a:p>
@@ -722,7 +723,7 @@
           <a:p>
             <a:fld id="{D7A1C63D-6A0D-4A97-AF70-6DEF9E93A01A}" type="slidenum">
               <a:rPr lang="en-US" smtClean="0"/>
-              <a:t>11</a:t>
+              <a:t>12</a:t>
             </a:fld>
             <a:endParaRPr lang="en-US"/>
           </a:p>
@@ -1013,7 +1014,7 @@
           <a:p>
             <a:fld id="{CD9FC7CE-19E2-4257-9F45-8977FC4F3E4A}" type="datetimeFigureOut">
               <a:rPr lang="en-US" smtClean="0"/>
-              <a:t>11/18/2022</a:t>
+              <a:t>11/21/2022</a:t>
             </a:fld>
             <a:endParaRPr lang="en-US"/>
           </a:p>
@@ -1322,7 +1323,7 @@
           <a:p>
             <a:fld id="{CD9FC7CE-19E2-4257-9F45-8977FC4F3E4A}" type="datetimeFigureOut">
               <a:rPr lang="en-US" smtClean="0"/>
-              <a:t>11/18/2022</a:t>
+              <a:t>11/21/2022</a:t>
             </a:fld>
             <a:endParaRPr lang="en-US"/>
           </a:p>
@@ -1538,7 +1539,7 @@
           <a:p>
             <a:fld id="{CD9FC7CE-19E2-4257-9F45-8977FC4F3E4A}" type="datetimeFigureOut">
               <a:rPr lang="en-US" smtClean="0"/>
-              <a:t>11/18/2022</a:t>
+              <a:t>11/21/2022</a:t>
             </a:fld>
             <a:endParaRPr lang="en-US"/>
           </a:p>
@@ -1938,7 +1939,7 @@
           <a:p>
             <a:fld id="{CD9FC7CE-19E2-4257-9F45-8977FC4F3E4A}" type="datetimeFigureOut">
               <a:rPr lang="en-US" smtClean="0"/>
-              <a:t>11/18/2022</a:t>
+              <a:t>11/21/2022</a:t>
             </a:fld>
             <a:endParaRPr lang="en-US"/>
           </a:p>
@@ -2055,7 +2056,7 @@
           <a:p>
             <a:fld id="{CD9FC7CE-19E2-4257-9F45-8977FC4F3E4A}" type="datetimeFigureOut">
               <a:rPr lang="en-US" smtClean="0"/>
-              <a:t>11/18/2022</a:t>
+              <a:t>11/21/2022</a:t>
             </a:fld>
             <a:endParaRPr lang="en-US"/>
           </a:p>
@@ -2150,7 +2151,7 @@
           <a:p>
             <a:fld id="{CD9FC7CE-19E2-4257-9F45-8977FC4F3E4A}" type="datetimeFigureOut">
               <a:rPr lang="en-US" smtClean="0"/>
-              <a:t>11/18/2022</a:t>
+              <a:t>11/21/2022</a:t>
             </a:fld>
             <a:endParaRPr lang="en-US"/>
           </a:p>
@@ -2377,7 +2378,7 @@
           <a:p>
             <a:fld id="{CD9FC7CE-19E2-4257-9F45-8977FC4F3E4A}" type="datetimeFigureOut">
               <a:rPr lang="en-US" smtClean="0"/>
-              <a:t>11/18/2022</a:t>
+              <a:t>11/21/2022</a:t>
             </a:fld>
             <a:endParaRPr lang="en-US" dirty="0"/>
           </a:p>
@@ -2895,6 +2896,72 @@
       </p:grpSpPr>
       <p:sp>
         <p:nvSpPr>
+          <p:cNvPr id="2" name="TextBox 1">
+            <a:extLst>
+              <a:ext uri="{FF2B5EF4-FFF2-40B4-BE49-F238E27FC236}">
+                <a16:creationId xmlns:a16="http://schemas.microsoft.com/office/drawing/2014/main" id="{0C77847F-94E9-45BD-B42B-0F7EA47639CA}"/>
+              </a:ext>
+            </a:extLst>
+          </p:cNvPr>
+          <p:cNvSpPr txBox="1"/>
+          <p:nvPr/>
+        </p:nvSpPr>
+        <p:spPr>
+          <a:xfrm>
+            <a:off x="2048417" y="2105561"/>
+            <a:ext cx="8095165" cy="1323439"/>
+          </a:xfrm>
+          <a:prstGeom prst="rect">
+            <a:avLst/>
+          </a:prstGeom>
+          <a:noFill/>
+        </p:spPr>
+        <p:txBody>
+          <a:bodyPr wrap="none" rtlCol="0">
+            <a:spAutoFit/>
+          </a:bodyPr>
+          <a:lstStyle/>
+          <a:p>
+            <a:r>
+              <a:rPr lang="en-US" sz="8000" dirty="0"/>
+              <a:t>Program Flowchart</a:t>
+            </a:r>
+            <a:endParaRPr lang="en-SG" sz="8000" dirty="0"/>
+          </a:p>
+        </p:txBody>
+      </p:sp>
+    </p:spTree>
+    <p:extLst>
+      <p:ext uri="{BB962C8B-B14F-4D97-AF65-F5344CB8AC3E}">
+        <p14:creationId xmlns:p14="http://schemas.microsoft.com/office/powerpoint/2010/main" val="4261081992"/>
+      </p:ext>
+    </p:extLst>
+  </p:cSld>
+  <p:clrMapOvr>
+    <a:masterClrMapping/>
+  </p:clrMapOvr>
+</p:sld>
+</file>
+
+<file path=ppt/slides/slide11.xml><?xml version="1.0" encoding="utf-8"?>
+<p:sld xmlns:a="http://schemas.openxmlformats.org/drawingml/2006/main" xmlns:r="http://schemas.openxmlformats.org/officeDocument/2006/relationships" xmlns:p="http://schemas.openxmlformats.org/presentationml/2006/main">
+  <p:cSld>
+    <p:spTree>
+      <p:nvGrpSpPr>
+        <p:cNvPr id="1" name=""/>
+        <p:cNvGrpSpPr/>
+        <p:nvPr/>
+      </p:nvGrpSpPr>
+      <p:grpSpPr>
+        <a:xfrm>
+          <a:off x="0" y="0"/>
+          <a:ext cx="0" cy="0"/>
+          <a:chOff x="0" y="0"/>
+          <a:chExt cx="0" cy="0"/>
+        </a:xfrm>
+      </p:grpSpPr>
+      <p:sp>
+        <p:nvSpPr>
           <p:cNvPr id="3" name="Flowchart: Alternate Process 2">
             <a:extLst>
               <a:ext uri="{FF2B5EF4-FFF2-40B4-BE49-F238E27FC236}">
@@ -3940,7 +4007,7 @@
 </p:sld>
 </file>
 
-<file path=ppt/slides/slide11.xml><?xml version="1.0" encoding="utf-8"?>
+<file path=ppt/slides/slide12.xml><?xml version="1.0" encoding="utf-8"?>
 <p:sld xmlns:a="http://schemas.openxmlformats.org/drawingml/2006/main" xmlns:r="http://schemas.openxmlformats.org/officeDocument/2006/relationships" xmlns:p="http://schemas.openxmlformats.org/presentationml/2006/main">
   <p:cSld>
     <p:spTree>
@@ -30900,6 +30967,2270 @@
       </p:grpSpPr>
       <p:sp>
         <p:nvSpPr>
+          <p:cNvPr id="90" name="Rectangle: Rounded Corners 89">
+            <a:extLst>
+              <a:ext uri="{FF2B5EF4-FFF2-40B4-BE49-F238E27FC236}">
+                <a16:creationId xmlns:a16="http://schemas.microsoft.com/office/drawing/2014/main" id="{1124B5FA-12E9-4FB2-9560-E57689EA125D}"/>
+              </a:ext>
+            </a:extLst>
+          </p:cNvPr>
+          <p:cNvSpPr/>
+          <p:nvPr/>
+        </p:nvSpPr>
+        <p:spPr>
+          <a:xfrm>
+            <a:off x="7391819" y="2910064"/>
+            <a:ext cx="4637418" cy="3600100"/>
+          </a:xfrm>
+          <a:prstGeom prst="roundRect">
+            <a:avLst/>
+          </a:prstGeom>
+          <a:solidFill>
+            <a:srgbClr val="FFC000"/>
+          </a:solidFill>
+        </p:spPr>
+        <p:style>
+          <a:lnRef idx="2">
+            <a:schemeClr val="accent1">
+              <a:shade val="50000"/>
+            </a:schemeClr>
+          </a:lnRef>
+          <a:fillRef idx="1">
+            <a:schemeClr val="accent1"/>
+          </a:fillRef>
+          <a:effectRef idx="0">
+            <a:schemeClr val="accent1"/>
+          </a:effectRef>
+          <a:fontRef idx="minor">
+            <a:schemeClr val="lt1"/>
+          </a:fontRef>
+        </p:style>
+        <p:txBody>
+          <a:bodyPr rtlCol="0" anchor="b" anchorCtr="0"/>
+          <a:lstStyle/>
+          <a:p>
+            <a:pPr algn="ctr"/>
+            <a:r>
+              <a:rPr lang="en-US" sz="2400" b="1" dirty="0">
+                <a:solidFill>
+                  <a:schemeClr val="tx1"/>
+                </a:solidFill>
+              </a:rPr>
+              <a:t>Sub Controller (Uno)</a:t>
+            </a:r>
+            <a:endParaRPr lang="en-SG" sz="2400" b="1" dirty="0">
+              <a:solidFill>
+                <a:schemeClr val="tx1"/>
+              </a:solidFill>
+            </a:endParaRPr>
+          </a:p>
+        </p:txBody>
+      </p:sp>
+      <p:sp>
+        <p:nvSpPr>
+          <p:cNvPr id="89" name="Rectangle: Rounded Corners 88">
+            <a:extLst>
+              <a:ext uri="{FF2B5EF4-FFF2-40B4-BE49-F238E27FC236}">
+                <a16:creationId xmlns:a16="http://schemas.microsoft.com/office/drawing/2014/main" id="{BA18FE8D-539D-4D8B-B0C3-EE6EDE9DD738}"/>
+              </a:ext>
+            </a:extLst>
+          </p:cNvPr>
+          <p:cNvSpPr/>
+          <p:nvPr/>
+        </p:nvSpPr>
+        <p:spPr>
+          <a:xfrm>
+            <a:off x="6779095" y="2250168"/>
+            <a:ext cx="4637418" cy="3600100"/>
+          </a:xfrm>
+          <a:prstGeom prst="roundRect">
+            <a:avLst/>
+          </a:prstGeom>
+          <a:solidFill>
+            <a:srgbClr val="FFC000"/>
+          </a:solidFill>
+        </p:spPr>
+        <p:style>
+          <a:lnRef idx="2">
+            <a:schemeClr val="accent1">
+              <a:shade val="50000"/>
+            </a:schemeClr>
+          </a:lnRef>
+          <a:fillRef idx="1">
+            <a:schemeClr val="accent1"/>
+          </a:fillRef>
+          <a:effectRef idx="0">
+            <a:schemeClr val="accent1"/>
+          </a:effectRef>
+          <a:fontRef idx="minor">
+            <a:schemeClr val="lt1"/>
+          </a:fontRef>
+        </p:style>
+        <p:txBody>
+          <a:bodyPr rtlCol="0" anchor="b" anchorCtr="0"/>
+          <a:lstStyle/>
+          <a:p>
+            <a:pPr algn="ctr"/>
+            <a:r>
+              <a:rPr lang="en-US" sz="2400" b="1" dirty="0">
+                <a:solidFill>
+                  <a:schemeClr val="tx1"/>
+                </a:solidFill>
+              </a:rPr>
+              <a:t>Sub Controller (Uno)</a:t>
+            </a:r>
+            <a:endParaRPr lang="en-SG" sz="2400" b="1" dirty="0">
+              <a:solidFill>
+                <a:schemeClr val="tx1"/>
+              </a:solidFill>
+            </a:endParaRPr>
+          </a:p>
+        </p:txBody>
+      </p:sp>
+      <p:sp>
+        <p:nvSpPr>
+          <p:cNvPr id="88" name="Rectangle: Rounded Corners 87">
+            <a:extLst>
+              <a:ext uri="{FF2B5EF4-FFF2-40B4-BE49-F238E27FC236}">
+                <a16:creationId xmlns:a16="http://schemas.microsoft.com/office/drawing/2014/main" id="{7DE9147B-63DA-42E5-B268-CB61AF678EB6}"/>
+              </a:ext>
+            </a:extLst>
+          </p:cNvPr>
+          <p:cNvSpPr/>
+          <p:nvPr/>
+        </p:nvSpPr>
+        <p:spPr>
+          <a:xfrm>
+            <a:off x="6105588" y="1592181"/>
+            <a:ext cx="4637418" cy="3600100"/>
+          </a:xfrm>
+          <a:prstGeom prst="roundRect">
+            <a:avLst/>
+          </a:prstGeom>
+          <a:solidFill>
+            <a:srgbClr val="FFC000"/>
+          </a:solidFill>
+        </p:spPr>
+        <p:style>
+          <a:lnRef idx="2">
+            <a:schemeClr val="accent1">
+              <a:shade val="50000"/>
+            </a:schemeClr>
+          </a:lnRef>
+          <a:fillRef idx="1">
+            <a:schemeClr val="accent1"/>
+          </a:fillRef>
+          <a:effectRef idx="0">
+            <a:schemeClr val="accent1"/>
+          </a:effectRef>
+          <a:fontRef idx="minor">
+            <a:schemeClr val="lt1"/>
+          </a:fontRef>
+        </p:style>
+        <p:txBody>
+          <a:bodyPr rtlCol="0" anchor="b" anchorCtr="0"/>
+          <a:lstStyle/>
+          <a:p>
+            <a:pPr algn="ctr"/>
+            <a:r>
+              <a:rPr lang="en-US" sz="2400" b="1" dirty="0">
+                <a:solidFill>
+                  <a:schemeClr val="tx1"/>
+                </a:solidFill>
+              </a:rPr>
+              <a:t>Sub Controller (Uno)</a:t>
+            </a:r>
+            <a:endParaRPr lang="en-SG" sz="2400" b="1" dirty="0">
+              <a:solidFill>
+                <a:schemeClr val="tx1"/>
+              </a:solidFill>
+            </a:endParaRPr>
+          </a:p>
+        </p:txBody>
+      </p:sp>
+      <p:sp>
+        <p:nvSpPr>
+          <p:cNvPr id="3" name="Rectangle: Rounded Corners 2">
+            <a:extLst>
+              <a:ext uri="{FF2B5EF4-FFF2-40B4-BE49-F238E27FC236}">
+                <a16:creationId xmlns:a16="http://schemas.microsoft.com/office/drawing/2014/main" id="{CF388A85-04F5-48FB-9E08-3B95153B45F9}"/>
+              </a:ext>
+            </a:extLst>
+          </p:cNvPr>
+          <p:cNvSpPr/>
+          <p:nvPr/>
+        </p:nvSpPr>
+        <p:spPr>
+          <a:xfrm>
+            <a:off x="450327" y="870742"/>
+            <a:ext cx="3530995" cy="5606258"/>
+          </a:xfrm>
+          <a:prstGeom prst="roundRect">
+            <a:avLst/>
+          </a:prstGeom>
+          <a:solidFill>
+            <a:srgbClr val="FFC000"/>
+          </a:solidFill>
+        </p:spPr>
+        <p:style>
+          <a:lnRef idx="2">
+            <a:schemeClr val="accent1">
+              <a:shade val="50000"/>
+            </a:schemeClr>
+          </a:lnRef>
+          <a:fillRef idx="1">
+            <a:schemeClr val="accent1"/>
+          </a:fillRef>
+          <a:effectRef idx="0">
+            <a:schemeClr val="accent1"/>
+          </a:effectRef>
+          <a:fontRef idx="minor">
+            <a:schemeClr val="lt1"/>
+          </a:fontRef>
+        </p:style>
+        <p:txBody>
+          <a:bodyPr rtlCol="0" anchor="b" anchorCtr="0"/>
+          <a:lstStyle/>
+          <a:p>
+            <a:pPr algn="ctr"/>
+            <a:r>
+              <a:rPr lang="en-US" sz="2400" b="1" dirty="0">
+                <a:solidFill>
+                  <a:schemeClr val="tx1"/>
+                </a:solidFill>
+              </a:rPr>
+              <a:t>Main Controller (Mega)</a:t>
+            </a:r>
+            <a:endParaRPr lang="en-SG" sz="2400" b="1" dirty="0">
+              <a:solidFill>
+                <a:schemeClr val="tx1"/>
+              </a:solidFill>
+            </a:endParaRPr>
+          </a:p>
+        </p:txBody>
+      </p:sp>
+      <p:sp>
+        <p:nvSpPr>
+          <p:cNvPr id="42" name="Rectangle: Rounded Corners 41">
+            <a:extLst>
+              <a:ext uri="{FF2B5EF4-FFF2-40B4-BE49-F238E27FC236}">
+                <a16:creationId xmlns:a16="http://schemas.microsoft.com/office/drawing/2014/main" id="{BBFBB0B6-BFEF-4B87-82FC-B82A0FC620EC}"/>
+              </a:ext>
+            </a:extLst>
+          </p:cNvPr>
+          <p:cNvSpPr/>
+          <p:nvPr/>
+        </p:nvSpPr>
+        <p:spPr>
+          <a:xfrm>
+            <a:off x="5697513" y="780066"/>
+            <a:ext cx="4637418" cy="3600100"/>
+          </a:xfrm>
+          <a:prstGeom prst="roundRect">
+            <a:avLst/>
+          </a:prstGeom>
+          <a:solidFill>
+            <a:srgbClr val="FFC000"/>
+          </a:solidFill>
+        </p:spPr>
+        <p:style>
+          <a:lnRef idx="2">
+            <a:schemeClr val="accent1">
+              <a:shade val="50000"/>
+            </a:schemeClr>
+          </a:lnRef>
+          <a:fillRef idx="1">
+            <a:schemeClr val="accent1"/>
+          </a:fillRef>
+          <a:effectRef idx="0">
+            <a:schemeClr val="accent1"/>
+          </a:effectRef>
+          <a:fontRef idx="minor">
+            <a:schemeClr val="lt1"/>
+          </a:fontRef>
+        </p:style>
+        <p:txBody>
+          <a:bodyPr rtlCol="0" anchor="b" anchorCtr="0"/>
+          <a:lstStyle/>
+          <a:p>
+            <a:pPr algn="ctr"/>
+            <a:r>
+              <a:rPr lang="en-US" sz="2400" b="1" dirty="0">
+                <a:solidFill>
+                  <a:schemeClr val="tx1"/>
+                </a:solidFill>
+              </a:rPr>
+              <a:t>Sub Controller (Uno)</a:t>
+            </a:r>
+            <a:endParaRPr lang="en-SG" sz="2400" b="1" dirty="0">
+              <a:solidFill>
+                <a:schemeClr val="tx1"/>
+              </a:solidFill>
+            </a:endParaRPr>
+          </a:p>
+        </p:txBody>
+      </p:sp>
+      <p:sp>
+        <p:nvSpPr>
+          <p:cNvPr id="30" name="TextBox 29">
+            <a:extLst>
+              <a:ext uri="{FF2B5EF4-FFF2-40B4-BE49-F238E27FC236}">
+                <a16:creationId xmlns:a16="http://schemas.microsoft.com/office/drawing/2014/main" id="{28EFF8FA-E9B3-4536-8E87-6CFE73B6FF92}"/>
+              </a:ext>
+            </a:extLst>
+          </p:cNvPr>
+          <p:cNvSpPr txBox="1"/>
+          <p:nvPr/>
+        </p:nvSpPr>
+        <p:spPr>
+          <a:xfrm>
+            <a:off x="115042" y="381000"/>
+            <a:ext cx="974882" cy="369332"/>
+          </a:xfrm>
+          <a:prstGeom prst="rect">
+            <a:avLst/>
+          </a:prstGeom>
+          <a:noFill/>
+        </p:spPr>
+        <p:txBody>
+          <a:bodyPr wrap="none" rtlCol="0">
+            <a:spAutoFit/>
+          </a:bodyPr>
+          <a:lstStyle/>
+          <a:p>
+            <a:pPr algn="ctr"/>
+            <a:r>
+              <a:rPr lang="en-US" dirty="0"/>
+              <a:t>AC 230V</a:t>
+            </a:r>
+          </a:p>
+        </p:txBody>
+      </p:sp>
+      <p:cxnSp>
+        <p:nvCxnSpPr>
+          <p:cNvPr id="31" name="Straight Arrow Connector 30">
+            <a:extLst>
+              <a:ext uri="{FF2B5EF4-FFF2-40B4-BE49-F238E27FC236}">
+                <a16:creationId xmlns:a16="http://schemas.microsoft.com/office/drawing/2014/main" id="{987C6233-5AAF-491B-93D7-6FAC06626565}"/>
+              </a:ext>
+            </a:extLst>
+          </p:cNvPr>
+          <p:cNvCxnSpPr>
+            <a:cxnSpLocks/>
+          </p:cNvCxnSpPr>
+          <p:nvPr/>
+        </p:nvCxnSpPr>
+        <p:spPr>
+          <a:xfrm>
+            <a:off x="1089924" y="381000"/>
+            <a:ext cx="0" cy="489742"/>
+          </a:xfrm>
+          <a:prstGeom prst="straightConnector1">
+            <a:avLst/>
+          </a:prstGeom>
+          <a:ln w="38100">
+            <a:solidFill>
+              <a:schemeClr val="tx1"/>
+            </a:solidFill>
+            <a:tailEnd type="triangle"/>
+          </a:ln>
+        </p:spPr>
+        <p:style>
+          <a:lnRef idx="1">
+            <a:schemeClr val="accent1"/>
+          </a:lnRef>
+          <a:fillRef idx="0">
+            <a:schemeClr val="accent1"/>
+          </a:fillRef>
+          <a:effectRef idx="0">
+            <a:schemeClr val="accent1"/>
+          </a:effectRef>
+          <a:fontRef idx="minor">
+            <a:schemeClr val="tx1"/>
+          </a:fontRef>
+        </p:style>
+      </p:cxnSp>
+      <p:cxnSp>
+        <p:nvCxnSpPr>
+          <p:cNvPr id="32" name="Straight Arrow Connector 31">
+            <a:extLst>
+              <a:ext uri="{FF2B5EF4-FFF2-40B4-BE49-F238E27FC236}">
+                <a16:creationId xmlns:a16="http://schemas.microsoft.com/office/drawing/2014/main" id="{BDC737BE-2557-4B61-B66C-32D4A73C8F15}"/>
+              </a:ext>
+            </a:extLst>
+          </p:cNvPr>
+          <p:cNvCxnSpPr>
+            <a:cxnSpLocks/>
+            <a:endCxn id="35" idx="1"/>
+          </p:cNvCxnSpPr>
+          <p:nvPr/>
+        </p:nvCxnSpPr>
+        <p:spPr>
+          <a:xfrm flipV="1">
+            <a:off x="1993975" y="1846774"/>
+            <a:ext cx="389779" cy="1"/>
+          </a:xfrm>
+          <a:prstGeom prst="straightConnector1">
+            <a:avLst/>
+          </a:prstGeom>
+          <a:ln w="38100">
+            <a:solidFill>
+              <a:schemeClr val="tx1"/>
+            </a:solidFill>
+            <a:tailEnd type="triangle"/>
+          </a:ln>
+        </p:spPr>
+        <p:style>
+          <a:lnRef idx="1">
+            <a:schemeClr val="accent1"/>
+          </a:lnRef>
+          <a:fillRef idx="0">
+            <a:schemeClr val="accent1"/>
+          </a:fillRef>
+          <a:effectRef idx="0">
+            <a:schemeClr val="accent1"/>
+          </a:effectRef>
+          <a:fontRef idx="minor">
+            <a:schemeClr val="tx1"/>
+          </a:fontRef>
+        </p:style>
+      </p:cxnSp>
+      <p:sp>
+        <p:nvSpPr>
+          <p:cNvPr id="35" name="TextBox 34">
+            <a:extLst>
+              <a:ext uri="{FF2B5EF4-FFF2-40B4-BE49-F238E27FC236}">
+                <a16:creationId xmlns:a16="http://schemas.microsoft.com/office/drawing/2014/main" id="{49A56FD2-75B0-46AB-9618-20E80CFCB47B}"/>
+              </a:ext>
+            </a:extLst>
+          </p:cNvPr>
+          <p:cNvSpPr txBox="1"/>
+          <p:nvPr/>
+        </p:nvSpPr>
+        <p:spPr>
+          <a:xfrm>
+            <a:off x="2383754" y="1662108"/>
+            <a:ext cx="548547" cy="369332"/>
+          </a:xfrm>
+          <a:prstGeom prst="rect">
+            <a:avLst/>
+          </a:prstGeom>
+          <a:noFill/>
+        </p:spPr>
+        <p:txBody>
+          <a:bodyPr wrap="none" rtlCol="0">
+            <a:spAutoFit/>
+          </a:bodyPr>
+          <a:lstStyle/>
+          <a:p>
+            <a:pPr algn="ctr"/>
+            <a:r>
+              <a:rPr lang="en-US" dirty="0"/>
+              <a:t>+5V</a:t>
+            </a:r>
+          </a:p>
+        </p:txBody>
+      </p:sp>
+      <p:cxnSp>
+        <p:nvCxnSpPr>
+          <p:cNvPr id="37" name="Straight Arrow Connector 36">
+            <a:extLst>
+              <a:ext uri="{FF2B5EF4-FFF2-40B4-BE49-F238E27FC236}">
+                <a16:creationId xmlns:a16="http://schemas.microsoft.com/office/drawing/2014/main" id="{D5BCB1F3-1951-4788-864F-4C4333103F9C}"/>
+              </a:ext>
+            </a:extLst>
+          </p:cNvPr>
+          <p:cNvCxnSpPr>
+            <a:cxnSpLocks/>
+            <a:endCxn id="39" idx="1"/>
+          </p:cNvCxnSpPr>
+          <p:nvPr/>
+        </p:nvCxnSpPr>
+        <p:spPr>
+          <a:xfrm>
+            <a:off x="2005619" y="1215373"/>
+            <a:ext cx="403535" cy="0"/>
+          </a:xfrm>
+          <a:prstGeom prst="straightConnector1">
+            <a:avLst/>
+          </a:prstGeom>
+          <a:ln w="38100">
+            <a:solidFill>
+              <a:schemeClr val="tx1"/>
+            </a:solidFill>
+            <a:tailEnd type="triangle"/>
+          </a:ln>
+        </p:spPr>
+        <p:style>
+          <a:lnRef idx="1">
+            <a:schemeClr val="accent1"/>
+          </a:lnRef>
+          <a:fillRef idx="0">
+            <a:schemeClr val="accent1"/>
+          </a:fillRef>
+          <a:effectRef idx="0">
+            <a:schemeClr val="accent1"/>
+          </a:effectRef>
+          <a:fontRef idx="minor">
+            <a:schemeClr val="tx1"/>
+          </a:fontRef>
+        </p:style>
+      </p:cxnSp>
+      <p:sp>
+        <p:nvSpPr>
+          <p:cNvPr id="38" name="Rectangle 37">
+            <a:extLst>
+              <a:ext uri="{FF2B5EF4-FFF2-40B4-BE49-F238E27FC236}">
+                <a16:creationId xmlns:a16="http://schemas.microsoft.com/office/drawing/2014/main" id="{C15E6F64-4E82-47DA-92FE-83BA4463A793}"/>
+              </a:ext>
+            </a:extLst>
+          </p:cNvPr>
+          <p:cNvSpPr/>
+          <p:nvPr/>
+        </p:nvSpPr>
+        <p:spPr>
+          <a:xfrm>
+            <a:off x="848536" y="1112089"/>
+            <a:ext cx="1153038" cy="818985"/>
+          </a:xfrm>
+          <a:prstGeom prst="rect">
+            <a:avLst/>
+          </a:prstGeom>
+          <a:noFill/>
+          <a:ln w="38100">
+            <a:solidFill>
+              <a:schemeClr val="tx1"/>
+            </a:solidFill>
+          </a:ln>
+        </p:spPr>
+        <p:style>
+          <a:lnRef idx="2">
+            <a:schemeClr val="accent1">
+              <a:shade val="50000"/>
+            </a:schemeClr>
+          </a:lnRef>
+          <a:fillRef idx="1">
+            <a:schemeClr val="accent1"/>
+          </a:fillRef>
+          <a:effectRef idx="0">
+            <a:schemeClr val="accent1"/>
+          </a:effectRef>
+          <a:fontRef idx="minor">
+            <a:schemeClr val="lt1"/>
+          </a:fontRef>
+        </p:style>
+        <p:txBody>
+          <a:bodyPr rtlCol="0" anchor="ctr"/>
+          <a:lstStyle/>
+          <a:p>
+            <a:pPr algn="ctr"/>
+            <a:r>
+              <a:rPr lang="en-US" b="1" dirty="0">
+                <a:solidFill>
+                  <a:schemeClr val="tx1"/>
+                </a:solidFill>
+              </a:rPr>
+              <a:t>AC-DC</a:t>
+            </a:r>
+          </a:p>
+          <a:p>
+            <a:pPr algn="ctr"/>
+            <a:r>
+              <a:rPr lang="en-US" b="1" dirty="0">
+                <a:solidFill>
+                  <a:schemeClr val="tx1"/>
+                </a:solidFill>
+              </a:rPr>
+              <a:t>Converter</a:t>
+            </a:r>
+          </a:p>
+        </p:txBody>
+      </p:sp>
+      <p:sp>
+        <p:nvSpPr>
+          <p:cNvPr id="39" name="TextBox 38">
+            <a:extLst>
+              <a:ext uri="{FF2B5EF4-FFF2-40B4-BE49-F238E27FC236}">
+                <a16:creationId xmlns:a16="http://schemas.microsoft.com/office/drawing/2014/main" id="{C86867CA-070B-4745-9B3A-5A4EA56631EC}"/>
+              </a:ext>
+            </a:extLst>
+          </p:cNvPr>
+          <p:cNvSpPr txBox="1"/>
+          <p:nvPr/>
+        </p:nvSpPr>
+        <p:spPr>
+          <a:xfrm>
+            <a:off x="2409154" y="1030707"/>
+            <a:ext cx="665567" cy="369332"/>
+          </a:xfrm>
+          <a:prstGeom prst="rect">
+            <a:avLst/>
+          </a:prstGeom>
+          <a:noFill/>
+        </p:spPr>
+        <p:txBody>
+          <a:bodyPr wrap="none" rtlCol="0">
+            <a:spAutoFit/>
+          </a:bodyPr>
+          <a:lstStyle/>
+          <a:p>
+            <a:pPr algn="ctr"/>
+            <a:r>
+              <a:rPr lang="en-US" dirty="0"/>
+              <a:t>+24V</a:t>
+            </a:r>
+          </a:p>
+        </p:txBody>
+      </p:sp>
+      <p:sp>
+        <p:nvSpPr>
+          <p:cNvPr id="40" name="TextBox 39">
+            <a:extLst>
+              <a:ext uri="{FF2B5EF4-FFF2-40B4-BE49-F238E27FC236}">
+                <a16:creationId xmlns:a16="http://schemas.microsoft.com/office/drawing/2014/main" id="{0DAAFCFD-349B-4906-B31F-EFAF95573D6F}"/>
+              </a:ext>
+            </a:extLst>
+          </p:cNvPr>
+          <p:cNvSpPr txBox="1"/>
+          <p:nvPr/>
+        </p:nvSpPr>
+        <p:spPr>
+          <a:xfrm>
+            <a:off x="2391353" y="1346408"/>
+            <a:ext cx="665568" cy="369332"/>
+          </a:xfrm>
+          <a:prstGeom prst="rect">
+            <a:avLst/>
+          </a:prstGeom>
+          <a:noFill/>
+        </p:spPr>
+        <p:txBody>
+          <a:bodyPr wrap="none" rtlCol="0">
+            <a:spAutoFit/>
+          </a:bodyPr>
+          <a:lstStyle/>
+          <a:p>
+            <a:pPr algn="ctr"/>
+            <a:r>
+              <a:rPr lang="en-US" dirty="0"/>
+              <a:t>+12V</a:t>
+            </a:r>
+          </a:p>
+        </p:txBody>
+      </p:sp>
+      <p:cxnSp>
+        <p:nvCxnSpPr>
+          <p:cNvPr id="41" name="Straight Arrow Connector 40">
+            <a:extLst>
+              <a:ext uri="{FF2B5EF4-FFF2-40B4-BE49-F238E27FC236}">
+                <a16:creationId xmlns:a16="http://schemas.microsoft.com/office/drawing/2014/main" id="{26766D34-C318-4D11-9D20-64D455D657F7}"/>
+              </a:ext>
+            </a:extLst>
+          </p:cNvPr>
+          <p:cNvCxnSpPr>
+            <a:cxnSpLocks/>
+            <a:endCxn id="40" idx="1"/>
+          </p:cNvCxnSpPr>
+          <p:nvPr/>
+        </p:nvCxnSpPr>
+        <p:spPr>
+          <a:xfrm>
+            <a:off x="2009173" y="1531074"/>
+            <a:ext cx="382180" cy="0"/>
+          </a:xfrm>
+          <a:prstGeom prst="straightConnector1">
+            <a:avLst/>
+          </a:prstGeom>
+          <a:ln w="38100">
+            <a:solidFill>
+              <a:schemeClr val="tx1"/>
+            </a:solidFill>
+            <a:tailEnd type="triangle"/>
+          </a:ln>
+        </p:spPr>
+        <p:style>
+          <a:lnRef idx="1">
+            <a:schemeClr val="accent1"/>
+          </a:lnRef>
+          <a:fillRef idx="0">
+            <a:schemeClr val="accent1"/>
+          </a:fillRef>
+          <a:effectRef idx="0">
+            <a:schemeClr val="accent1"/>
+          </a:effectRef>
+          <a:fontRef idx="minor">
+            <a:schemeClr val="tx1"/>
+          </a:fontRef>
+        </p:style>
+      </p:cxnSp>
+      <p:cxnSp>
+        <p:nvCxnSpPr>
+          <p:cNvPr id="45" name="Straight Arrow Connector 44">
+            <a:extLst>
+              <a:ext uri="{FF2B5EF4-FFF2-40B4-BE49-F238E27FC236}">
+                <a16:creationId xmlns:a16="http://schemas.microsoft.com/office/drawing/2014/main" id="{1125F726-1796-475D-90BC-C29FE55099AF}"/>
+              </a:ext>
+            </a:extLst>
+          </p:cNvPr>
+          <p:cNvCxnSpPr>
+            <a:cxnSpLocks/>
+            <a:endCxn id="46" idx="1"/>
+          </p:cNvCxnSpPr>
+          <p:nvPr/>
+        </p:nvCxnSpPr>
+        <p:spPr>
+          <a:xfrm flipV="1">
+            <a:off x="8355885" y="1422688"/>
+            <a:ext cx="389779" cy="1"/>
+          </a:xfrm>
+          <a:prstGeom prst="straightConnector1">
+            <a:avLst/>
+          </a:prstGeom>
+          <a:ln w="38100">
+            <a:solidFill>
+              <a:schemeClr val="tx1"/>
+            </a:solidFill>
+            <a:tailEnd type="triangle"/>
+          </a:ln>
+        </p:spPr>
+        <p:style>
+          <a:lnRef idx="1">
+            <a:schemeClr val="accent1"/>
+          </a:lnRef>
+          <a:fillRef idx="0">
+            <a:schemeClr val="accent1"/>
+          </a:fillRef>
+          <a:effectRef idx="0">
+            <a:schemeClr val="accent1"/>
+          </a:effectRef>
+          <a:fontRef idx="minor">
+            <a:schemeClr val="tx1"/>
+          </a:fontRef>
+        </p:style>
+      </p:cxnSp>
+      <p:sp>
+        <p:nvSpPr>
+          <p:cNvPr id="46" name="TextBox 45">
+            <a:extLst>
+              <a:ext uri="{FF2B5EF4-FFF2-40B4-BE49-F238E27FC236}">
+                <a16:creationId xmlns:a16="http://schemas.microsoft.com/office/drawing/2014/main" id="{A2D785AE-3A20-4425-B8AA-BBE9E33F570E}"/>
+              </a:ext>
+            </a:extLst>
+          </p:cNvPr>
+          <p:cNvSpPr txBox="1"/>
+          <p:nvPr/>
+        </p:nvSpPr>
+        <p:spPr>
+          <a:xfrm>
+            <a:off x="8745664" y="1238022"/>
+            <a:ext cx="548547" cy="369332"/>
+          </a:xfrm>
+          <a:prstGeom prst="rect">
+            <a:avLst/>
+          </a:prstGeom>
+          <a:noFill/>
+        </p:spPr>
+        <p:txBody>
+          <a:bodyPr wrap="none" rtlCol="0">
+            <a:spAutoFit/>
+          </a:bodyPr>
+          <a:lstStyle/>
+          <a:p>
+            <a:pPr algn="ctr"/>
+            <a:r>
+              <a:rPr lang="en-US" dirty="0"/>
+              <a:t>+5V</a:t>
+            </a:r>
+          </a:p>
+        </p:txBody>
+      </p:sp>
+      <p:sp>
+        <p:nvSpPr>
+          <p:cNvPr id="48" name="Rectangle 47">
+            <a:extLst>
+              <a:ext uri="{FF2B5EF4-FFF2-40B4-BE49-F238E27FC236}">
+                <a16:creationId xmlns:a16="http://schemas.microsoft.com/office/drawing/2014/main" id="{9E04E148-41D1-4E36-AE42-4352B3C122AE}"/>
+              </a:ext>
+            </a:extLst>
+          </p:cNvPr>
+          <p:cNvSpPr/>
+          <p:nvPr/>
+        </p:nvSpPr>
+        <p:spPr>
+          <a:xfrm>
+            <a:off x="7239600" y="922322"/>
+            <a:ext cx="1123884" cy="685893"/>
+          </a:xfrm>
+          <a:prstGeom prst="rect">
+            <a:avLst/>
+          </a:prstGeom>
+          <a:noFill/>
+          <a:ln w="38100">
+            <a:solidFill>
+              <a:schemeClr val="tx1"/>
+            </a:solidFill>
+          </a:ln>
+        </p:spPr>
+        <p:style>
+          <a:lnRef idx="2">
+            <a:schemeClr val="accent1">
+              <a:shade val="50000"/>
+            </a:schemeClr>
+          </a:lnRef>
+          <a:fillRef idx="1">
+            <a:schemeClr val="accent1"/>
+          </a:fillRef>
+          <a:effectRef idx="0">
+            <a:schemeClr val="accent1"/>
+          </a:effectRef>
+          <a:fontRef idx="minor">
+            <a:schemeClr val="lt1"/>
+          </a:fontRef>
+        </p:style>
+        <p:txBody>
+          <a:bodyPr rtlCol="0" anchor="ctr"/>
+          <a:lstStyle/>
+          <a:p>
+            <a:pPr algn="ctr"/>
+            <a:r>
+              <a:rPr lang="en-US" b="1" dirty="0">
+                <a:solidFill>
+                  <a:schemeClr val="tx1"/>
+                </a:solidFill>
+              </a:rPr>
+              <a:t>DC-DC</a:t>
+            </a:r>
+          </a:p>
+          <a:p>
+            <a:pPr algn="ctr"/>
+            <a:r>
+              <a:rPr lang="en-US" b="1" dirty="0">
+                <a:solidFill>
+                  <a:schemeClr val="tx1"/>
+                </a:solidFill>
+              </a:rPr>
+              <a:t>Converter</a:t>
+            </a:r>
+          </a:p>
+        </p:txBody>
+      </p:sp>
+      <p:sp>
+        <p:nvSpPr>
+          <p:cNvPr id="52" name="TextBox 51">
+            <a:extLst>
+              <a:ext uri="{FF2B5EF4-FFF2-40B4-BE49-F238E27FC236}">
+                <a16:creationId xmlns:a16="http://schemas.microsoft.com/office/drawing/2014/main" id="{5A36CB01-C593-4FEF-AFA1-6339C359ABDB}"/>
+              </a:ext>
+            </a:extLst>
+          </p:cNvPr>
+          <p:cNvSpPr txBox="1"/>
+          <p:nvPr/>
+        </p:nvSpPr>
+        <p:spPr>
+          <a:xfrm>
+            <a:off x="8753263" y="922322"/>
+            <a:ext cx="665568" cy="369332"/>
+          </a:xfrm>
+          <a:prstGeom prst="rect">
+            <a:avLst/>
+          </a:prstGeom>
+          <a:noFill/>
+        </p:spPr>
+        <p:txBody>
+          <a:bodyPr wrap="none" rtlCol="0">
+            <a:spAutoFit/>
+          </a:bodyPr>
+          <a:lstStyle/>
+          <a:p>
+            <a:pPr algn="ctr"/>
+            <a:r>
+              <a:rPr lang="en-US" dirty="0"/>
+              <a:t>+12V</a:t>
+            </a:r>
+          </a:p>
+        </p:txBody>
+      </p:sp>
+      <p:cxnSp>
+        <p:nvCxnSpPr>
+          <p:cNvPr id="53" name="Straight Arrow Connector 52">
+            <a:extLst>
+              <a:ext uri="{FF2B5EF4-FFF2-40B4-BE49-F238E27FC236}">
+                <a16:creationId xmlns:a16="http://schemas.microsoft.com/office/drawing/2014/main" id="{CF816C90-4D16-498E-828C-52D5C313CD53}"/>
+              </a:ext>
+            </a:extLst>
+          </p:cNvPr>
+          <p:cNvCxnSpPr>
+            <a:cxnSpLocks/>
+            <a:endCxn id="52" idx="1"/>
+          </p:cNvCxnSpPr>
+          <p:nvPr/>
+        </p:nvCxnSpPr>
+        <p:spPr>
+          <a:xfrm>
+            <a:off x="8371083" y="1106988"/>
+            <a:ext cx="382180" cy="0"/>
+          </a:xfrm>
+          <a:prstGeom prst="straightConnector1">
+            <a:avLst/>
+          </a:prstGeom>
+          <a:ln w="38100">
+            <a:solidFill>
+              <a:schemeClr val="tx1"/>
+            </a:solidFill>
+            <a:tailEnd type="triangle"/>
+          </a:ln>
+        </p:spPr>
+        <p:style>
+          <a:lnRef idx="1">
+            <a:schemeClr val="accent1"/>
+          </a:lnRef>
+          <a:fillRef idx="0">
+            <a:schemeClr val="accent1"/>
+          </a:fillRef>
+          <a:effectRef idx="0">
+            <a:schemeClr val="accent1"/>
+          </a:effectRef>
+          <a:fontRef idx="minor">
+            <a:schemeClr val="tx1"/>
+          </a:fontRef>
+        </p:style>
+      </p:cxnSp>
+      <p:sp>
+        <p:nvSpPr>
+          <p:cNvPr id="54" name="Rectangle 53">
+            <a:extLst>
+              <a:ext uri="{FF2B5EF4-FFF2-40B4-BE49-F238E27FC236}">
+                <a16:creationId xmlns:a16="http://schemas.microsoft.com/office/drawing/2014/main" id="{F179E61B-8312-4139-8ED6-F7EFBDC79AD6}"/>
+              </a:ext>
+            </a:extLst>
+          </p:cNvPr>
+          <p:cNvSpPr/>
+          <p:nvPr/>
+        </p:nvSpPr>
+        <p:spPr>
+          <a:xfrm>
+            <a:off x="2755963" y="2372150"/>
+            <a:ext cx="1036320" cy="686248"/>
+          </a:xfrm>
+          <a:prstGeom prst="rect">
+            <a:avLst/>
+          </a:prstGeom>
+          <a:noFill/>
+          <a:ln w="38100">
+            <a:solidFill>
+              <a:schemeClr val="tx1"/>
+            </a:solidFill>
+          </a:ln>
+        </p:spPr>
+        <p:style>
+          <a:lnRef idx="2">
+            <a:schemeClr val="accent1">
+              <a:shade val="50000"/>
+            </a:schemeClr>
+          </a:lnRef>
+          <a:fillRef idx="1">
+            <a:schemeClr val="accent1"/>
+          </a:fillRef>
+          <a:effectRef idx="0">
+            <a:schemeClr val="accent1"/>
+          </a:effectRef>
+          <a:fontRef idx="minor">
+            <a:schemeClr val="lt1"/>
+          </a:fontRef>
+        </p:style>
+        <p:txBody>
+          <a:bodyPr rtlCol="0" anchor="ctr"/>
+          <a:lstStyle/>
+          <a:p>
+            <a:pPr algn="ctr"/>
+            <a:r>
+              <a:rPr lang="en-US" b="1" dirty="0">
+                <a:solidFill>
+                  <a:schemeClr val="tx1"/>
+                </a:solidFill>
+              </a:rPr>
+              <a:t>Max485</a:t>
+            </a:r>
+          </a:p>
+          <a:p>
+            <a:pPr algn="ctr"/>
+            <a:r>
+              <a:rPr lang="en-US" b="1" dirty="0">
+                <a:solidFill>
+                  <a:schemeClr val="tx1"/>
+                </a:solidFill>
+              </a:rPr>
+              <a:t>Module</a:t>
+            </a:r>
+            <a:endParaRPr lang="en-SG" b="1" dirty="0">
+              <a:solidFill>
+                <a:schemeClr val="tx1"/>
+              </a:solidFill>
+            </a:endParaRPr>
+          </a:p>
+        </p:txBody>
+      </p:sp>
+      <p:sp>
+        <p:nvSpPr>
+          <p:cNvPr id="2" name="Arrow: Left-Right 1">
+            <a:extLst>
+              <a:ext uri="{FF2B5EF4-FFF2-40B4-BE49-F238E27FC236}">
+                <a16:creationId xmlns:a16="http://schemas.microsoft.com/office/drawing/2014/main" id="{EF690604-0D5A-4FD3-9F36-720AF64D4784}"/>
+              </a:ext>
+            </a:extLst>
+          </p:cNvPr>
+          <p:cNvSpPr/>
+          <p:nvPr/>
+        </p:nvSpPr>
+        <p:spPr>
+          <a:xfrm>
+            <a:off x="4104408" y="2479709"/>
+            <a:ext cx="1440349" cy="270723"/>
+          </a:xfrm>
+          <a:prstGeom prst="leftRightArrow">
+            <a:avLst/>
+          </a:prstGeom>
+        </p:spPr>
+        <p:style>
+          <a:lnRef idx="2">
+            <a:schemeClr val="accent1">
+              <a:shade val="50000"/>
+            </a:schemeClr>
+          </a:lnRef>
+          <a:fillRef idx="1">
+            <a:schemeClr val="accent1"/>
+          </a:fillRef>
+          <a:effectRef idx="0">
+            <a:schemeClr val="accent1"/>
+          </a:effectRef>
+          <a:fontRef idx="minor">
+            <a:schemeClr val="lt1"/>
+          </a:fontRef>
+        </p:style>
+        <p:txBody>
+          <a:bodyPr rtlCol="0" anchor="ctr"/>
+          <a:lstStyle/>
+          <a:p>
+            <a:pPr algn="ctr"/>
+            <a:endParaRPr lang="en-SG"/>
+          </a:p>
+        </p:txBody>
+      </p:sp>
+      <p:sp>
+        <p:nvSpPr>
+          <p:cNvPr id="55" name="Arrow: Left-Right 54">
+            <a:extLst>
+              <a:ext uri="{FF2B5EF4-FFF2-40B4-BE49-F238E27FC236}">
+                <a16:creationId xmlns:a16="http://schemas.microsoft.com/office/drawing/2014/main" id="{668A3D0C-9A4A-4C7B-9C68-6A3D7AA3E1EE}"/>
+              </a:ext>
+            </a:extLst>
+          </p:cNvPr>
+          <p:cNvSpPr/>
+          <p:nvPr/>
+        </p:nvSpPr>
+        <p:spPr>
+          <a:xfrm>
+            <a:off x="10388601" y="1332224"/>
+            <a:ext cx="483447" cy="260972"/>
+          </a:xfrm>
+          <a:prstGeom prst="leftRightArrow">
+            <a:avLst/>
+          </a:prstGeom>
+        </p:spPr>
+        <p:style>
+          <a:lnRef idx="2">
+            <a:schemeClr val="accent1">
+              <a:shade val="50000"/>
+            </a:schemeClr>
+          </a:lnRef>
+          <a:fillRef idx="1">
+            <a:schemeClr val="accent1"/>
+          </a:fillRef>
+          <a:effectRef idx="0">
+            <a:schemeClr val="accent1"/>
+          </a:effectRef>
+          <a:fontRef idx="minor">
+            <a:schemeClr val="lt1"/>
+          </a:fontRef>
+        </p:style>
+        <p:txBody>
+          <a:bodyPr rtlCol="0" anchor="ctr"/>
+          <a:lstStyle/>
+          <a:p>
+            <a:pPr algn="ctr"/>
+            <a:endParaRPr lang="en-SG"/>
+          </a:p>
+        </p:txBody>
+      </p:sp>
+      <p:sp>
+        <p:nvSpPr>
+          <p:cNvPr id="57" name="Rectangle 56">
+            <a:extLst>
+              <a:ext uri="{FF2B5EF4-FFF2-40B4-BE49-F238E27FC236}">
+                <a16:creationId xmlns:a16="http://schemas.microsoft.com/office/drawing/2014/main" id="{27BA42CC-D6F7-4314-A342-1005B3DA41E1}"/>
+              </a:ext>
+            </a:extLst>
+          </p:cNvPr>
+          <p:cNvSpPr/>
+          <p:nvPr/>
+        </p:nvSpPr>
+        <p:spPr>
+          <a:xfrm>
+            <a:off x="702902" y="2101384"/>
+            <a:ext cx="1705307" cy="921898"/>
+          </a:xfrm>
+          <a:prstGeom prst="rect">
+            <a:avLst/>
+          </a:prstGeom>
+          <a:noFill/>
+          <a:ln w="38100">
+            <a:solidFill>
+              <a:schemeClr val="tx1"/>
+            </a:solidFill>
+          </a:ln>
+        </p:spPr>
+        <p:style>
+          <a:lnRef idx="2">
+            <a:schemeClr val="accent1">
+              <a:shade val="50000"/>
+            </a:schemeClr>
+          </a:lnRef>
+          <a:fillRef idx="1">
+            <a:schemeClr val="accent1"/>
+          </a:fillRef>
+          <a:effectRef idx="0">
+            <a:schemeClr val="accent1"/>
+          </a:effectRef>
+          <a:fontRef idx="minor">
+            <a:schemeClr val="lt1"/>
+          </a:fontRef>
+        </p:style>
+        <p:txBody>
+          <a:bodyPr rtlCol="0" anchor="ctr"/>
+          <a:lstStyle/>
+          <a:p>
+            <a:pPr algn="ctr"/>
+            <a:r>
+              <a:rPr lang="en-US" b="1" dirty="0">
+                <a:solidFill>
+                  <a:schemeClr val="tx1"/>
+                </a:solidFill>
+              </a:rPr>
+              <a:t>Microcontroller (Mega)</a:t>
+            </a:r>
+          </a:p>
+        </p:txBody>
+      </p:sp>
+      <p:sp>
+        <p:nvSpPr>
+          <p:cNvPr id="58" name="Rectangle 57">
+            <a:extLst>
+              <a:ext uri="{FF2B5EF4-FFF2-40B4-BE49-F238E27FC236}">
+                <a16:creationId xmlns:a16="http://schemas.microsoft.com/office/drawing/2014/main" id="{374E7E6D-1396-441A-8083-3304BD65483F}"/>
+              </a:ext>
+            </a:extLst>
+          </p:cNvPr>
+          <p:cNvSpPr/>
+          <p:nvPr/>
+        </p:nvSpPr>
+        <p:spPr>
+          <a:xfrm>
+            <a:off x="7073976" y="1965396"/>
+            <a:ext cx="1830302" cy="864617"/>
+          </a:xfrm>
+          <a:prstGeom prst="rect">
+            <a:avLst/>
+          </a:prstGeom>
+          <a:noFill/>
+          <a:ln w="38100">
+            <a:solidFill>
+              <a:schemeClr val="tx1"/>
+            </a:solidFill>
+          </a:ln>
+        </p:spPr>
+        <p:style>
+          <a:lnRef idx="2">
+            <a:schemeClr val="accent1">
+              <a:shade val="50000"/>
+            </a:schemeClr>
+          </a:lnRef>
+          <a:fillRef idx="1">
+            <a:schemeClr val="accent1"/>
+          </a:fillRef>
+          <a:effectRef idx="0">
+            <a:schemeClr val="accent1"/>
+          </a:effectRef>
+          <a:fontRef idx="minor">
+            <a:schemeClr val="lt1"/>
+          </a:fontRef>
+        </p:style>
+        <p:txBody>
+          <a:bodyPr rtlCol="0" anchor="ctr"/>
+          <a:lstStyle/>
+          <a:p>
+            <a:pPr algn="ctr"/>
+            <a:r>
+              <a:rPr lang="en-US" b="1" dirty="0">
+                <a:solidFill>
+                  <a:schemeClr val="tx1"/>
+                </a:solidFill>
+              </a:rPr>
+              <a:t>Microcontroller (Uno)</a:t>
+            </a:r>
+          </a:p>
+        </p:txBody>
+      </p:sp>
+      <p:sp>
+        <p:nvSpPr>
+          <p:cNvPr id="59" name="Rectangle 58">
+            <a:extLst>
+              <a:ext uri="{FF2B5EF4-FFF2-40B4-BE49-F238E27FC236}">
+                <a16:creationId xmlns:a16="http://schemas.microsoft.com/office/drawing/2014/main" id="{67BFD7BA-9C92-411D-8A9B-253EE5F28BD6}"/>
+              </a:ext>
+            </a:extLst>
+          </p:cNvPr>
+          <p:cNvSpPr/>
+          <p:nvPr/>
+        </p:nvSpPr>
+        <p:spPr>
+          <a:xfrm>
+            <a:off x="3039642" y="1473746"/>
+            <a:ext cx="765310" cy="646332"/>
+          </a:xfrm>
+          <a:prstGeom prst="rect">
+            <a:avLst/>
+          </a:prstGeom>
+          <a:noFill/>
+          <a:ln w="38100">
+            <a:solidFill>
+              <a:schemeClr val="tx1"/>
+            </a:solidFill>
+            <a:prstDash val="solid"/>
+          </a:ln>
+        </p:spPr>
+        <p:style>
+          <a:lnRef idx="2">
+            <a:schemeClr val="accent1">
+              <a:shade val="50000"/>
+            </a:schemeClr>
+          </a:lnRef>
+          <a:fillRef idx="1">
+            <a:schemeClr val="accent1"/>
+          </a:fillRef>
+          <a:effectRef idx="0">
+            <a:schemeClr val="accent1"/>
+          </a:effectRef>
+          <a:fontRef idx="minor">
+            <a:schemeClr val="lt1"/>
+          </a:fontRef>
+        </p:style>
+        <p:txBody>
+          <a:bodyPr rtlCol="0" anchor="ctr"/>
+          <a:lstStyle/>
+          <a:p>
+            <a:pPr algn="ctr"/>
+            <a:r>
+              <a:rPr lang="en-US" b="1" dirty="0">
+                <a:solidFill>
+                  <a:schemeClr val="tx1"/>
+                </a:solidFill>
+              </a:rPr>
+              <a:t>RTC</a:t>
+            </a:r>
+          </a:p>
+        </p:txBody>
+      </p:sp>
+      <p:sp>
+        <p:nvSpPr>
+          <p:cNvPr id="60" name="Rectangle 59">
+            <a:extLst>
+              <a:ext uri="{FF2B5EF4-FFF2-40B4-BE49-F238E27FC236}">
+                <a16:creationId xmlns:a16="http://schemas.microsoft.com/office/drawing/2014/main" id="{FD9D8503-17D3-44D6-AA51-8CC86AF268E4}"/>
+              </a:ext>
+            </a:extLst>
+          </p:cNvPr>
+          <p:cNvSpPr/>
+          <p:nvPr/>
+        </p:nvSpPr>
+        <p:spPr>
+          <a:xfrm>
+            <a:off x="635921" y="5022075"/>
+            <a:ext cx="984698" cy="775220"/>
+          </a:xfrm>
+          <a:prstGeom prst="rect">
+            <a:avLst/>
+          </a:prstGeom>
+          <a:noFill/>
+          <a:ln w="38100">
+            <a:solidFill>
+              <a:schemeClr val="tx1"/>
+            </a:solidFill>
+            <a:prstDash val="solid"/>
+          </a:ln>
+        </p:spPr>
+        <p:style>
+          <a:lnRef idx="2">
+            <a:schemeClr val="accent1">
+              <a:shade val="50000"/>
+            </a:schemeClr>
+          </a:lnRef>
+          <a:fillRef idx="1">
+            <a:schemeClr val="accent1"/>
+          </a:fillRef>
+          <a:effectRef idx="0">
+            <a:schemeClr val="accent1"/>
+          </a:effectRef>
+          <a:fontRef idx="minor">
+            <a:schemeClr val="lt1"/>
+          </a:fontRef>
+        </p:style>
+        <p:txBody>
+          <a:bodyPr rtlCol="0" anchor="ctr"/>
+          <a:lstStyle/>
+          <a:p>
+            <a:pPr algn="ctr"/>
+            <a:r>
+              <a:rPr lang="en-US" b="1" dirty="0">
+                <a:solidFill>
+                  <a:schemeClr val="tx1"/>
+                </a:solidFill>
+              </a:rPr>
+              <a:t>SD</a:t>
+            </a:r>
+          </a:p>
+          <a:p>
+            <a:pPr algn="ctr"/>
+            <a:r>
+              <a:rPr lang="en-US" b="1" dirty="0">
+                <a:solidFill>
+                  <a:schemeClr val="tx1"/>
+                </a:solidFill>
+              </a:rPr>
+              <a:t>Module</a:t>
+            </a:r>
+          </a:p>
+        </p:txBody>
+      </p:sp>
+      <p:sp>
+        <p:nvSpPr>
+          <p:cNvPr id="61" name="Rectangle 60">
+            <a:extLst>
+              <a:ext uri="{FF2B5EF4-FFF2-40B4-BE49-F238E27FC236}">
+                <a16:creationId xmlns:a16="http://schemas.microsoft.com/office/drawing/2014/main" id="{CD461AC0-B62F-41AF-ADE4-33CB103C5E36}"/>
+              </a:ext>
+            </a:extLst>
+          </p:cNvPr>
+          <p:cNvSpPr/>
+          <p:nvPr/>
+        </p:nvSpPr>
+        <p:spPr>
+          <a:xfrm>
+            <a:off x="702902" y="3262314"/>
+            <a:ext cx="969770" cy="769033"/>
+          </a:xfrm>
+          <a:prstGeom prst="rect">
+            <a:avLst/>
+          </a:prstGeom>
+          <a:noFill/>
+          <a:ln w="38100">
+            <a:solidFill>
+              <a:schemeClr val="tx1"/>
+            </a:solidFill>
+            <a:prstDash val="solid"/>
+          </a:ln>
+        </p:spPr>
+        <p:style>
+          <a:lnRef idx="2">
+            <a:schemeClr val="accent1">
+              <a:shade val="50000"/>
+            </a:schemeClr>
+          </a:lnRef>
+          <a:fillRef idx="1">
+            <a:schemeClr val="accent1"/>
+          </a:fillRef>
+          <a:effectRef idx="0">
+            <a:schemeClr val="accent1"/>
+          </a:effectRef>
+          <a:fontRef idx="minor">
+            <a:schemeClr val="lt1"/>
+          </a:fontRef>
+        </p:style>
+        <p:txBody>
+          <a:bodyPr rtlCol="0" anchor="ctr"/>
+          <a:lstStyle/>
+          <a:p>
+            <a:pPr algn="ctr"/>
+            <a:r>
+              <a:rPr lang="en-US" b="1" dirty="0">
+                <a:solidFill>
+                  <a:schemeClr val="tx1"/>
+                </a:solidFill>
+              </a:rPr>
+              <a:t>Display</a:t>
+            </a:r>
+          </a:p>
+        </p:txBody>
+      </p:sp>
+      <p:sp>
+        <p:nvSpPr>
+          <p:cNvPr id="62" name="Rectangle 61">
+            <a:extLst>
+              <a:ext uri="{FF2B5EF4-FFF2-40B4-BE49-F238E27FC236}">
+                <a16:creationId xmlns:a16="http://schemas.microsoft.com/office/drawing/2014/main" id="{B7503A6E-90C1-47C3-A765-6318C57C7E13}"/>
+              </a:ext>
+            </a:extLst>
+          </p:cNvPr>
+          <p:cNvSpPr/>
+          <p:nvPr/>
+        </p:nvSpPr>
+        <p:spPr>
+          <a:xfrm>
+            <a:off x="1501626" y="4133479"/>
+            <a:ext cx="984698" cy="775220"/>
+          </a:xfrm>
+          <a:prstGeom prst="rect">
+            <a:avLst/>
+          </a:prstGeom>
+          <a:noFill/>
+          <a:ln w="38100">
+            <a:solidFill>
+              <a:schemeClr val="tx1"/>
+            </a:solidFill>
+            <a:prstDash val="solid"/>
+          </a:ln>
+        </p:spPr>
+        <p:style>
+          <a:lnRef idx="2">
+            <a:schemeClr val="accent1">
+              <a:shade val="50000"/>
+            </a:schemeClr>
+          </a:lnRef>
+          <a:fillRef idx="1">
+            <a:schemeClr val="accent1"/>
+          </a:fillRef>
+          <a:effectRef idx="0">
+            <a:schemeClr val="accent1"/>
+          </a:effectRef>
+          <a:fontRef idx="minor">
+            <a:schemeClr val="lt1"/>
+          </a:fontRef>
+        </p:style>
+        <p:txBody>
+          <a:bodyPr rtlCol="0" anchor="ctr"/>
+          <a:lstStyle/>
+          <a:p>
+            <a:pPr algn="ctr"/>
+            <a:r>
+              <a:rPr lang="en-US" b="1" dirty="0">
+                <a:solidFill>
+                  <a:schemeClr val="tx1"/>
+                </a:solidFill>
+              </a:rPr>
+              <a:t>Relay</a:t>
+            </a:r>
+          </a:p>
+          <a:p>
+            <a:pPr algn="ctr"/>
+            <a:r>
+              <a:rPr lang="en-US" b="1" dirty="0">
+                <a:solidFill>
+                  <a:schemeClr val="tx1"/>
+                </a:solidFill>
+              </a:rPr>
+              <a:t>Module</a:t>
+            </a:r>
+          </a:p>
+        </p:txBody>
+      </p:sp>
+      <p:sp>
+        <p:nvSpPr>
+          <p:cNvPr id="64" name="Rectangle 63">
+            <a:extLst>
+              <a:ext uri="{FF2B5EF4-FFF2-40B4-BE49-F238E27FC236}">
+                <a16:creationId xmlns:a16="http://schemas.microsoft.com/office/drawing/2014/main" id="{9827F072-9D0F-4CB9-A805-947E9AD84023}"/>
+              </a:ext>
+            </a:extLst>
+          </p:cNvPr>
+          <p:cNvSpPr/>
+          <p:nvPr/>
+        </p:nvSpPr>
+        <p:spPr>
+          <a:xfrm>
+            <a:off x="9091931" y="1963916"/>
+            <a:ext cx="1036320" cy="686248"/>
+          </a:xfrm>
+          <a:prstGeom prst="rect">
+            <a:avLst/>
+          </a:prstGeom>
+          <a:noFill/>
+          <a:ln w="38100">
+            <a:solidFill>
+              <a:schemeClr val="tx1"/>
+            </a:solidFill>
+          </a:ln>
+        </p:spPr>
+        <p:style>
+          <a:lnRef idx="2">
+            <a:schemeClr val="accent1">
+              <a:shade val="50000"/>
+            </a:schemeClr>
+          </a:lnRef>
+          <a:fillRef idx="1">
+            <a:schemeClr val="accent1"/>
+          </a:fillRef>
+          <a:effectRef idx="0">
+            <a:schemeClr val="accent1"/>
+          </a:effectRef>
+          <a:fontRef idx="minor">
+            <a:schemeClr val="lt1"/>
+          </a:fontRef>
+        </p:style>
+        <p:txBody>
+          <a:bodyPr rtlCol="0" anchor="ctr"/>
+          <a:lstStyle/>
+          <a:p>
+            <a:pPr algn="ctr"/>
+            <a:r>
+              <a:rPr lang="en-US" b="1" dirty="0">
+                <a:solidFill>
+                  <a:schemeClr val="tx1"/>
+                </a:solidFill>
+              </a:rPr>
+              <a:t>Max485</a:t>
+            </a:r>
+          </a:p>
+          <a:p>
+            <a:pPr algn="ctr"/>
+            <a:r>
+              <a:rPr lang="en-US" b="1" dirty="0">
+                <a:solidFill>
+                  <a:schemeClr val="tx1"/>
+                </a:solidFill>
+              </a:rPr>
+              <a:t>Module</a:t>
+            </a:r>
+            <a:endParaRPr lang="en-SG" b="1" dirty="0">
+              <a:solidFill>
+                <a:schemeClr val="tx1"/>
+              </a:solidFill>
+            </a:endParaRPr>
+          </a:p>
+        </p:txBody>
+      </p:sp>
+      <p:sp>
+        <p:nvSpPr>
+          <p:cNvPr id="65" name="Rectangle 64">
+            <a:extLst>
+              <a:ext uri="{FF2B5EF4-FFF2-40B4-BE49-F238E27FC236}">
+                <a16:creationId xmlns:a16="http://schemas.microsoft.com/office/drawing/2014/main" id="{BCADA9F2-AF87-4541-A12D-7B1D6978424B}"/>
+              </a:ext>
+            </a:extLst>
+          </p:cNvPr>
+          <p:cNvSpPr/>
+          <p:nvPr/>
+        </p:nvSpPr>
+        <p:spPr>
+          <a:xfrm>
+            <a:off x="8952898" y="3048023"/>
+            <a:ext cx="1204936" cy="760312"/>
+          </a:xfrm>
+          <a:prstGeom prst="rect">
+            <a:avLst/>
+          </a:prstGeom>
+          <a:noFill/>
+          <a:ln w="38100">
+            <a:solidFill>
+              <a:schemeClr val="tx1"/>
+            </a:solidFill>
+          </a:ln>
+        </p:spPr>
+        <p:style>
+          <a:lnRef idx="2">
+            <a:schemeClr val="accent1">
+              <a:shade val="50000"/>
+            </a:schemeClr>
+          </a:lnRef>
+          <a:fillRef idx="1">
+            <a:schemeClr val="accent1"/>
+          </a:fillRef>
+          <a:effectRef idx="0">
+            <a:schemeClr val="accent1"/>
+          </a:effectRef>
+          <a:fontRef idx="minor">
+            <a:schemeClr val="lt1"/>
+          </a:fontRef>
+        </p:style>
+        <p:txBody>
+          <a:bodyPr rtlCol="0" anchor="ctr"/>
+          <a:lstStyle/>
+          <a:p>
+            <a:pPr algn="ctr"/>
+            <a:r>
+              <a:rPr lang="en-US" b="1" dirty="0">
+                <a:solidFill>
+                  <a:schemeClr val="tx1"/>
+                </a:solidFill>
+              </a:rPr>
+              <a:t>Max31865</a:t>
+            </a:r>
+          </a:p>
+          <a:p>
+            <a:pPr algn="ctr"/>
+            <a:r>
+              <a:rPr lang="en-US" b="1" dirty="0">
+                <a:solidFill>
+                  <a:schemeClr val="tx1"/>
+                </a:solidFill>
+              </a:rPr>
+              <a:t>Module</a:t>
+            </a:r>
+            <a:endParaRPr lang="en-SG" b="1" dirty="0">
+              <a:solidFill>
+                <a:schemeClr val="tx1"/>
+              </a:solidFill>
+            </a:endParaRPr>
+          </a:p>
+        </p:txBody>
+      </p:sp>
+      <p:sp>
+        <p:nvSpPr>
+          <p:cNvPr id="66" name="Rectangle 65">
+            <a:extLst>
+              <a:ext uri="{FF2B5EF4-FFF2-40B4-BE49-F238E27FC236}">
+                <a16:creationId xmlns:a16="http://schemas.microsoft.com/office/drawing/2014/main" id="{88F0DBD8-6429-4DD5-A50A-43BF648B24F7}"/>
+              </a:ext>
+            </a:extLst>
+          </p:cNvPr>
+          <p:cNvSpPr/>
+          <p:nvPr/>
+        </p:nvSpPr>
+        <p:spPr>
+          <a:xfrm>
+            <a:off x="10970938" y="2071398"/>
+            <a:ext cx="1036320" cy="686248"/>
+          </a:xfrm>
+          <a:prstGeom prst="rect">
+            <a:avLst/>
+          </a:prstGeom>
+          <a:solidFill>
+            <a:schemeClr val="bg1"/>
+          </a:solidFill>
+          <a:ln w="38100">
+            <a:solidFill>
+              <a:schemeClr val="tx1"/>
+            </a:solidFill>
+          </a:ln>
+        </p:spPr>
+        <p:style>
+          <a:lnRef idx="2">
+            <a:schemeClr val="accent1">
+              <a:shade val="50000"/>
+            </a:schemeClr>
+          </a:lnRef>
+          <a:fillRef idx="1">
+            <a:schemeClr val="accent1"/>
+          </a:fillRef>
+          <a:effectRef idx="0">
+            <a:schemeClr val="accent1"/>
+          </a:effectRef>
+          <a:fontRef idx="minor">
+            <a:schemeClr val="lt1"/>
+          </a:fontRef>
+        </p:style>
+        <p:txBody>
+          <a:bodyPr rtlCol="0" anchor="ctr"/>
+          <a:lstStyle/>
+          <a:p>
+            <a:pPr algn="ctr"/>
+            <a:r>
+              <a:rPr lang="en-US" b="1" dirty="0">
+                <a:solidFill>
+                  <a:schemeClr val="tx1"/>
+                </a:solidFill>
+              </a:rPr>
+              <a:t>RK330</a:t>
+            </a:r>
+          </a:p>
+          <a:p>
+            <a:pPr algn="ctr"/>
+            <a:r>
+              <a:rPr lang="en-US" b="1" dirty="0">
+                <a:solidFill>
+                  <a:schemeClr val="tx1"/>
+                </a:solidFill>
+              </a:rPr>
+              <a:t>Sensor</a:t>
+            </a:r>
+            <a:endParaRPr lang="en-SG" b="1" dirty="0">
+              <a:solidFill>
+                <a:schemeClr val="tx1"/>
+              </a:solidFill>
+            </a:endParaRPr>
+          </a:p>
+        </p:txBody>
+      </p:sp>
+      <p:sp>
+        <p:nvSpPr>
+          <p:cNvPr id="67" name="Rectangle 66">
+            <a:extLst>
+              <a:ext uri="{FF2B5EF4-FFF2-40B4-BE49-F238E27FC236}">
+                <a16:creationId xmlns:a16="http://schemas.microsoft.com/office/drawing/2014/main" id="{48517489-E44B-4E75-A32F-2B35806A062F}"/>
+              </a:ext>
+            </a:extLst>
+          </p:cNvPr>
+          <p:cNvSpPr/>
+          <p:nvPr/>
+        </p:nvSpPr>
+        <p:spPr>
+          <a:xfrm>
+            <a:off x="10970938" y="3189042"/>
+            <a:ext cx="1036320" cy="686248"/>
+          </a:xfrm>
+          <a:prstGeom prst="rect">
+            <a:avLst/>
+          </a:prstGeom>
+          <a:solidFill>
+            <a:schemeClr val="bg1"/>
+          </a:solidFill>
+          <a:ln w="38100">
+            <a:solidFill>
+              <a:schemeClr val="tx1"/>
+            </a:solidFill>
+          </a:ln>
+        </p:spPr>
+        <p:style>
+          <a:lnRef idx="2">
+            <a:schemeClr val="accent1">
+              <a:shade val="50000"/>
+            </a:schemeClr>
+          </a:lnRef>
+          <a:fillRef idx="1">
+            <a:schemeClr val="accent1"/>
+          </a:fillRef>
+          <a:effectRef idx="0">
+            <a:schemeClr val="accent1"/>
+          </a:effectRef>
+          <a:fontRef idx="minor">
+            <a:schemeClr val="lt1"/>
+          </a:fontRef>
+        </p:style>
+        <p:txBody>
+          <a:bodyPr rtlCol="0" anchor="ctr"/>
+          <a:lstStyle/>
+          <a:p>
+            <a:pPr algn="ctr"/>
+            <a:r>
+              <a:rPr lang="en-US" b="1" dirty="0">
+                <a:solidFill>
+                  <a:schemeClr val="tx1"/>
+                </a:solidFill>
+              </a:rPr>
+              <a:t>PT100</a:t>
+            </a:r>
+          </a:p>
+          <a:p>
+            <a:pPr algn="ctr"/>
+            <a:r>
+              <a:rPr lang="en-US" b="1" dirty="0">
+                <a:solidFill>
+                  <a:schemeClr val="tx1"/>
+                </a:solidFill>
+              </a:rPr>
+              <a:t>Sensor</a:t>
+            </a:r>
+            <a:endParaRPr lang="en-SG" b="1" dirty="0">
+              <a:solidFill>
+                <a:schemeClr val="tx1"/>
+              </a:solidFill>
+            </a:endParaRPr>
+          </a:p>
+        </p:txBody>
+      </p:sp>
+      <p:sp>
+        <p:nvSpPr>
+          <p:cNvPr id="69" name="Rectangle 68">
+            <a:extLst>
+              <a:ext uri="{FF2B5EF4-FFF2-40B4-BE49-F238E27FC236}">
+                <a16:creationId xmlns:a16="http://schemas.microsoft.com/office/drawing/2014/main" id="{C4940B22-B793-449B-B56F-E59034241FE1}"/>
+              </a:ext>
+            </a:extLst>
+          </p:cNvPr>
+          <p:cNvSpPr/>
+          <p:nvPr/>
+        </p:nvSpPr>
+        <p:spPr>
+          <a:xfrm>
+            <a:off x="10979389" y="1119038"/>
+            <a:ext cx="1036320" cy="686248"/>
+          </a:xfrm>
+          <a:prstGeom prst="rect">
+            <a:avLst/>
+          </a:prstGeom>
+          <a:solidFill>
+            <a:schemeClr val="bg1"/>
+          </a:solidFill>
+          <a:ln w="38100">
+            <a:solidFill>
+              <a:schemeClr val="tx1"/>
+            </a:solidFill>
+          </a:ln>
+        </p:spPr>
+        <p:style>
+          <a:lnRef idx="2">
+            <a:schemeClr val="accent1">
+              <a:shade val="50000"/>
+            </a:schemeClr>
+          </a:lnRef>
+          <a:fillRef idx="1">
+            <a:schemeClr val="accent1"/>
+          </a:fillRef>
+          <a:effectRef idx="0">
+            <a:schemeClr val="accent1"/>
+          </a:effectRef>
+          <a:fontRef idx="minor">
+            <a:schemeClr val="lt1"/>
+          </a:fontRef>
+        </p:style>
+        <p:txBody>
+          <a:bodyPr rtlCol="0" anchor="ctr"/>
+          <a:lstStyle/>
+          <a:p>
+            <a:pPr algn="ctr"/>
+            <a:r>
+              <a:rPr lang="en-US" b="1" dirty="0">
+                <a:solidFill>
+                  <a:schemeClr val="tx1"/>
+                </a:solidFill>
+              </a:rPr>
+              <a:t>Servo Motor</a:t>
+            </a:r>
+          </a:p>
+        </p:txBody>
+      </p:sp>
+      <p:sp>
+        <p:nvSpPr>
+          <p:cNvPr id="70" name="Rectangle 69">
+            <a:extLst>
+              <a:ext uri="{FF2B5EF4-FFF2-40B4-BE49-F238E27FC236}">
+                <a16:creationId xmlns:a16="http://schemas.microsoft.com/office/drawing/2014/main" id="{8C399593-8900-444C-89BE-7F591F21F699}"/>
+              </a:ext>
+            </a:extLst>
+          </p:cNvPr>
+          <p:cNvSpPr/>
+          <p:nvPr/>
+        </p:nvSpPr>
+        <p:spPr>
+          <a:xfrm>
+            <a:off x="5873564" y="2054580"/>
+            <a:ext cx="1036320" cy="686248"/>
+          </a:xfrm>
+          <a:prstGeom prst="rect">
+            <a:avLst/>
+          </a:prstGeom>
+          <a:noFill/>
+          <a:ln w="38100">
+            <a:solidFill>
+              <a:schemeClr val="tx1"/>
+            </a:solidFill>
+          </a:ln>
+        </p:spPr>
+        <p:style>
+          <a:lnRef idx="2">
+            <a:schemeClr val="accent1">
+              <a:shade val="50000"/>
+            </a:schemeClr>
+          </a:lnRef>
+          <a:fillRef idx="1">
+            <a:schemeClr val="accent1"/>
+          </a:fillRef>
+          <a:effectRef idx="0">
+            <a:schemeClr val="accent1"/>
+          </a:effectRef>
+          <a:fontRef idx="minor">
+            <a:schemeClr val="lt1"/>
+          </a:fontRef>
+        </p:style>
+        <p:txBody>
+          <a:bodyPr rtlCol="0" anchor="ctr"/>
+          <a:lstStyle/>
+          <a:p>
+            <a:pPr algn="ctr"/>
+            <a:r>
+              <a:rPr lang="en-US" b="1" dirty="0">
+                <a:solidFill>
+                  <a:schemeClr val="tx1"/>
+                </a:solidFill>
+              </a:rPr>
+              <a:t>Max485</a:t>
+            </a:r>
+          </a:p>
+          <a:p>
+            <a:pPr algn="ctr"/>
+            <a:r>
+              <a:rPr lang="en-US" b="1" dirty="0">
+                <a:solidFill>
+                  <a:schemeClr val="tx1"/>
+                </a:solidFill>
+              </a:rPr>
+              <a:t>Module</a:t>
+            </a:r>
+            <a:endParaRPr lang="en-SG" b="1" dirty="0">
+              <a:solidFill>
+                <a:schemeClr val="tx1"/>
+              </a:solidFill>
+            </a:endParaRPr>
+          </a:p>
+        </p:txBody>
+      </p:sp>
+      <p:sp>
+        <p:nvSpPr>
+          <p:cNvPr id="72" name="Arrow: Left-Right 71">
+            <a:extLst>
+              <a:ext uri="{FF2B5EF4-FFF2-40B4-BE49-F238E27FC236}">
+                <a16:creationId xmlns:a16="http://schemas.microsoft.com/office/drawing/2014/main" id="{9DBCF78E-53E2-483A-BA37-AF8F34B680E8}"/>
+              </a:ext>
+            </a:extLst>
+          </p:cNvPr>
+          <p:cNvSpPr/>
+          <p:nvPr/>
+        </p:nvSpPr>
+        <p:spPr>
+          <a:xfrm>
+            <a:off x="10417089" y="2247822"/>
+            <a:ext cx="483447" cy="260972"/>
+          </a:xfrm>
+          <a:prstGeom prst="leftRightArrow">
+            <a:avLst/>
+          </a:prstGeom>
+        </p:spPr>
+        <p:style>
+          <a:lnRef idx="2">
+            <a:schemeClr val="accent1">
+              <a:shade val="50000"/>
+            </a:schemeClr>
+          </a:lnRef>
+          <a:fillRef idx="1">
+            <a:schemeClr val="accent1"/>
+          </a:fillRef>
+          <a:effectRef idx="0">
+            <a:schemeClr val="accent1"/>
+          </a:effectRef>
+          <a:fontRef idx="minor">
+            <a:schemeClr val="lt1"/>
+          </a:fontRef>
+        </p:style>
+        <p:txBody>
+          <a:bodyPr rtlCol="0" anchor="ctr"/>
+          <a:lstStyle/>
+          <a:p>
+            <a:pPr algn="ctr"/>
+            <a:endParaRPr lang="en-SG"/>
+          </a:p>
+        </p:txBody>
+      </p:sp>
+      <p:sp>
+        <p:nvSpPr>
+          <p:cNvPr id="74" name="Arrow: Left-Right 73">
+            <a:extLst>
+              <a:ext uri="{FF2B5EF4-FFF2-40B4-BE49-F238E27FC236}">
+                <a16:creationId xmlns:a16="http://schemas.microsoft.com/office/drawing/2014/main" id="{979B3F23-F1A6-4988-804F-CC8FC92D8BEA}"/>
+              </a:ext>
+            </a:extLst>
+          </p:cNvPr>
+          <p:cNvSpPr/>
+          <p:nvPr/>
+        </p:nvSpPr>
+        <p:spPr>
+          <a:xfrm>
+            <a:off x="10388601" y="3392231"/>
+            <a:ext cx="483447" cy="260972"/>
+          </a:xfrm>
+          <a:prstGeom prst="leftRightArrow">
+            <a:avLst/>
+          </a:prstGeom>
+        </p:spPr>
+        <p:style>
+          <a:lnRef idx="2">
+            <a:schemeClr val="accent1">
+              <a:shade val="50000"/>
+            </a:schemeClr>
+          </a:lnRef>
+          <a:fillRef idx="1">
+            <a:schemeClr val="accent1"/>
+          </a:fillRef>
+          <a:effectRef idx="0">
+            <a:schemeClr val="accent1"/>
+          </a:effectRef>
+          <a:fontRef idx="minor">
+            <a:schemeClr val="lt1"/>
+          </a:fontRef>
+        </p:style>
+        <p:txBody>
+          <a:bodyPr rtlCol="0" anchor="ctr"/>
+          <a:lstStyle/>
+          <a:p>
+            <a:pPr algn="ctr"/>
+            <a:endParaRPr lang="en-SG"/>
+          </a:p>
+        </p:txBody>
+      </p:sp>
+      <p:sp>
+        <p:nvSpPr>
+          <p:cNvPr id="77" name="Rectangle 76">
+            <a:extLst>
+              <a:ext uri="{FF2B5EF4-FFF2-40B4-BE49-F238E27FC236}">
+                <a16:creationId xmlns:a16="http://schemas.microsoft.com/office/drawing/2014/main" id="{97E248B3-8A48-48FA-8428-7298BA791A9F}"/>
+              </a:ext>
+            </a:extLst>
+          </p:cNvPr>
+          <p:cNvSpPr/>
+          <p:nvPr/>
+        </p:nvSpPr>
+        <p:spPr>
+          <a:xfrm>
+            <a:off x="2755963" y="3278181"/>
+            <a:ext cx="1036320" cy="686248"/>
+          </a:xfrm>
+          <a:prstGeom prst="rect">
+            <a:avLst/>
+          </a:prstGeom>
+          <a:noFill/>
+          <a:ln w="38100">
+            <a:solidFill>
+              <a:schemeClr val="tx1"/>
+            </a:solidFill>
+          </a:ln>
+        </p:spPr>
+        <p:style>
+          <a:lnRef idx="2">
+            <a:schemeClr val="accent1">
+              <a:shade val="50000"/>
+            </a:schemeClr>
+          </a:lnRef>
+          <a:fillRef idx="1">
+            <a:schemeClr val="accent1"/>
+          </a:fillRef>
+          <a:effectRef idx="0">
+            <a:schemeClr val="accent1"/>
+          </a:effectRef>
+          <a:fontRef idx="minor">
+            <a:schemeClr val="lt1"/>
+          </a:fontRef>
+        </p:style>
+        <p:txBody>
+          <a:bodyPr rtlCol="0" anchor="ctr"/>
+          <a:lstStyle/>
+          <a:p>
+            <a:pPr algn="ctr"/>
+            <a:r>
+              <a:rPr lang="en-US" b="1" dirty="0">
+                <a:solidFill>
+                  <a:schemeClr val="tx1"/>
+                </a:solidFill>
+              </a:rPr>
+              <a:t>Max485</a:t>
+            </a:r>
+          </a:p>
+          <a:p>
+            <a:pPr algn="ctr"/>
+            <a:r>
+              <a:rPr lang="en-US" b="1" dirty="0">
+                <a:solidFill>
+                  <a:schemeClr val="tx1"/>
+                </a:solidFill>
+              </a:rPr>
+              <a:t>Module</a:t>
+            </a:r>
+            <a:endParaRPr lang="en-SG" b="1" dirty="0">
+              <a:solidFill>
+                <a:schemeClr val="tx1"/>
+              </a:solidFill>
+            </a:endParaRPr>
+          </a:p>
+        </p:txBody>
+      </p:sp>
+      <p:sp>
+        <p:nvSpPr>
+          <p:cNvPr id="78" name="Rectangle 77">
+            <a:extLst>
+              <a:ext uri="{FF2B5EF4-FFF2-40B4-BE49-F238E27FC236}">
+                <a16:creationId xmlns:a16="http://schemas.microsoft.com/office/drawing/2014/main" id="{84E63481-4E3C-495F-8B2A-81547DC908C3}"/>
+              </a:ext>
+            </a:extLst>
+          </p:cNvPr>
+          <p:cNvSpPr/>
+          <p:nvPr/>
+        </p:nvSpPr>
+        <p:spPr>
+          <a:xfrm>
+            <a:off x="2755963" y="4184212"/>
+            <a:ext cx="1036320" cy="686248"/>
+          </a:xfrm>
+          <a:prstGeom prst="rect">
+            <a:avLst/>
+          </a:prstGeom>
+          <a:noFill/>
+          <a:ln w="38100">
+            <a:solidFill>
+              <a:schemeClr val="tx1"/>
+            </a:solidFill>
+          </a:ln>
+        </p:spPr>
+        <p:style>
+          <a:lnRef idx="2">
+            <a:schemeClr val="accent1">
+              <a:shade val="50000"/>
+            </a:schemeClr>
+          </a:lnRef>
+          <a:fillRef idx="1">
+            <a:schemeClr val="accent1"/>
+          </a:fillRef>
+          <a:effectRef idx="0">
+            <a:schemeClr val="accent1"/>
+          </a:effectRef>
+          <a:fontRef idx="minor">
+            <a:schemeClr val="lt1"/>
+          </a:fontRef>
+        </p:style>
+        <p:txBody>
+          <a:bodyPr rtlCol="0" anchor="ctr"/>
+          <a:lstStyle/>
+          <a:p>
+            <a:pPr algn="ctr"/>
+            <a:r>
+              <a:rPr lang="en-US" b="1" dirty="0">
+                <a:solidFill>
+                  <a:schemeClr val="tx1"/>
+                </a:solidFill>
+              </a:rPr>
+              <a:t>Max485</a:t>
+            </a:r>
+          </a:p>
+          <a:p>
+            <a:pPr algn="ctr"/>
+            <a:r>
+              <a:rPr lang="en-US" b="1" dirty="0">
+                <a:solidFill>
+                  <a:schemeClr val="tx1"/>
+                </a:solidFill>
+              </a:rPr>
+              <a:t>Module</a:t>
+            </a:r>
+            <a:endParaRPr lang="en-SG" b="1" dirty="0">
+              <a:solidFill>
+                <a:schemeClr val="tx1"/>
+              </a:solidFill>
+            </a:endParaRPr>
+          </a:p>
+        </p:txBody>
+      </p:sp>
+      <p:sp>
+        <p:nvSpPr>
+          <p:cNvPr id="82" name="Rectangle 81">
+            <a:extLst>
+              <a:ext uri="{FF2B5EF4-FFF2-40B4-BE49-F238E27FC236}">
+                <a16:creationId xmlns:a16="http://schemas.microsoft.com/office/drawing/2014/main" id="{8F6C64EE-8793-46D3-B538-C6F7A7B282ED}"/>
+              </a:ext>
+            </a:extLst>
+          </p:cNvPr>
+          <p:cNvSpPr/>
+          <p:nvPr/>
+        </p:nvSpPr>
+        <p:spPr>
+          <a:xfrm>
+            <a:off x="2755963" y="5090243"/>
+            <a:ext cx="1036320" cy="686248"/>
+          </a:xfrm>
+          <a:prstGeom prst="rect">
+            <a:avLst/>
+          </a:prstGeom>
+          <a:noFill/>
+          <a:ln w="38100">
+            <a:solidFill>
+              <a:schemeClr val="tx1"/>
+            </a:solidFill>
+          </a:ln>
+        </p:spPr>
+        <p:style>
+          <a:lnRef idx="2">
+            <a:schemeClr val="accent1">
+              <a:shade val="50000"/>
+            </a:schemeClr>
+          </a:lnRef>
+          <a:fillRef idx="1">
+            <a:schemeClr val="accent1"/>
+          </a:fillRef>
+          <a:effectRef idx="0">
+            <a:schemeClr val="accent1"/>
+          </a:effectRef>
+          <a:fontRef idx="minor">
+            <a:schemeClr val="lt1"/>
+          </a:fontRef>
+        </p:style>
+        <p:txBody>
+          <a:bodyPr rtlCol="0" anchor="ctr"/>
+          <a:lstStyle/>
+          <a:p>
+            <a:pPr algn="ctr"/>
+            <a:r>
+              <a:rPr lang="en-US" b="1" dirty="0">
+                <a:solidFill>
+                  <a:schemeClr val="tx1"/>
+                </a:solidFill>
+              </a:rPr>
+              <a:t>Max485</a:t>
+            </a:r>
+          </a:p>
+          <a:p>
+            <a:pPr algn="ctr"/>
+            <a:r>
+              <a:rPr lang="en-US" b="1" dirty="0">
+                <a:solidFill>
+                  <a:schemeClr val="tx1"/>
+                </a:solidFill>
+              </a:rPr>
+              <a:t>Module</a:t>
+            </a:r>
+            <a:endParaRPr lang="en-SG" b="1" dirty="0">
+              <a:solidFill>
+                <a:schemeClr val="tx1"/>
+              </a:solidFill>
+            </a:endParaRPr>
+          </a:p>
+        </p:txBody>
+      </p:sp>
+    </p:spTree>
+    <p:extLst>
+      <p:ext uri="{BB962C8B-B14F-4D97-AF65-F5344CB8AC3E}">
+        <p14:creationId xmlns:p14="http://schemas.microsoft.com/office/powerpoint/2010/main" val="4263312075"/>
+      </p:ext>
+    </p:extLst>
+  </p:cSld>
+  <p:clrMapOvr>
+    <a:masterClrMapping/>
+  </p:clrMapOvr>
+</p:sld>
+</file>
+
+<file path=ppt/slides/slide9.xml><?xml version="1.0" encoding="utf-8"?>
+<p:sld xmlns:a="http://schemas.openxmlformats.org/drawingml/2006/main" xmlns:r="http://schemas.openxmlformats.org/officeDocument/2006/relationships" xmlns:p="http://schemas.openxmlformats.org/presentationml/2006/main">
+  <p:cSld>
+    <p:spTree>
+      <p:nvGrpSpPr>
+        <p:cNvPr id="1" name=""/>
+        <p:cNvGrpSpPr/>
+        <p:nvPr/>
+      </p:nvGrpSpPr>
+      <p:grpSpPr>
+        <a:xfrm>
+          <a:off x="0" y="0"/>
+          <a:ext cx="0" cy="0"/>
+          <a:chOff x="0" y="0"/>
+          <a:chExt cx="0" cy="0"/>
+        </a:xfrm>
+      </p:grpSpPr>
+      <p:sp>
+        <p:nvSpPr>
           <p:cNvPr id="44" name="Rectangle 43">
             <a:extLst>
               <a:ext uri="{FF2B5EF4-FFF2-40B4-BE49-F238E27FC236}">
@@ -33440,6 +35771,7 @@
             <a:solidFill>
               <a:schemeClr val="tx1"/>
             </a:solidFill>
+            <a:prstDash val="dash"/>
           </a:ln>
         </p:spPr>
         <p:style>
@@ -34392,6 +36724,7 @@
             <a:solidFill>
               <a:schemeClr val="tx1"/>
             </a:solidFill>
+            <a:prstDash val="dash"/>
           </a:ln>
         </p:spPr>
         <p:style>
@@ -35267,72 +37600,6 @@
     <p:extLst>
       <p:ext uri="{BB962C8B-B14F-4D97-AF65-F5344CB8AC3E}">
         <p14:creationId xmlns:p14="http://schemas.microsoft.com/office/powerpoint/2010/main" val="1435877751"/>
-      </p:ext>
-    </p:extLst>
-  </p:cSld>
-  <p:clrMapOvr>
-    <a:masterClrMapping/>
-  </p:clrMapOvr>
-</p:sld>
-</file>
-
-<file path=ppt/slides/slide9.xml><?xml version="1.0" encoding="utf-8"?>
-<p:sld xmlns:a="http://schemas.openxmlformats.org/drawingml/2006/main" xmlns:r="http://schemas.openxmlformats.org/officeDocument/2006/relationships" xmlns:p="http://schemas.openxmlformats.org/presentationml/2006/main">
-  <p:cSld>
-    <p:spTree>
-      <p:nvGrpSpPr>
-        <p:cNvPr id="1" name=""/>
-        <p:cNvGrpSpPr/>
-        <p:nvPr/>
-      </p:nvGrpSpPr>
-      <p:grpSpPr>
-        <a:xfrm>
-          <a:off x="0" y="0"/>
-          <a:ext cx="0" cy="0"/>
-          <a:chOff x="0" y="0"/>
-          <a:chExt cx="0" cy="0"/>
-        </a:xfrm>
-      </p:grpSpPr>
-      <p:sp>
-        <p:nvSpPr>
-          <p:cNvPr id="2" name="TextBox 1">
-            <a:extLst>
-              <a:ext uri="{FF2B5EF4-FFF2-40B4-BE49-F238E27FC236}">
-                <a16:creationId xmlns:a16="http://schemas.microsoft.com/office/drawing/2014/main" id="{0C77847F-94E9-45BD-B42B-0F7EA47639CA}"/>
-              </a:ext>
-            </a:extLst>
-          </p:cNvPr>
-          <p:cNvSpPr txBox="1"/>
-          <p:nvPr/>
-        </p:nvSpPr>
-        <p:spPr>
-          <a:xfrm>
-            <a:off x="2048417" y="2105561"/>
-            <a:ext cx="8095165" cy="1323439"/>
-          </a:xfrm>
-          <a:prstGeom prst="rect">
-            <a:avLst/>
-          </a:prstGeom>
-          <a:noFill/>
-        </p:spPr>
-        <p:txBody>
-          <a:bodyPr wrap="none" rtlCol="0">
-            <a:spAutoFit/>
-          </a:bodyPr>
-          <a:lstStyle/>
-          <a:p>
-            <a:r>
-              <a:rPr lang="en-US" sz="8000" dirty="0"/>
-              <a:t>Program Flowchart</a:t>
-            </a:r>
-            <a:endParaRPr lang="en-SG" sz="8000" dirty="0"/>
-          </a:p>
-        </p:txBody>
-      </p:sp>
-    </p:spTree>
-    <p:extLst>
-      <p:ext uri="{BB962C8B-B14F-4D97-AF65-F5344CB8AC3E}">
-        <p14:creationId xmlns:p14="http://schemas.microsoft.com/office/powerpoint/2010/main" val="4261081992"/>
       </p:ext>
     </p:extLst>
   </p:cSld>
@@ -35899,6 +38166,15 @@
 </file>
 
 <file path=customXml/item1.xml><?xml version="1.0" encoding="utf-8"?>
+<?mso-contentType ?>
+<FormTemplates xmlns="http://schemas.microsoft.com/sharepoint/v3/contenttype/forms">
+  <Display>DocumentLibraryForm</Display>
+  <Edit>DocumentLibraryForm</Edit>
+  <New>DocumentLibraryForm</New>
+</FormTemplates>
+</file>
+
+<file path=customXml/item2.xml><?xml version="1.0" encoding="utf-8"?>
 <ct:contentTypeSchema xmlns:ct="http://schemas.microsoft.com/office/2006/metadata/contentType" xmlns:ma="http://schemas.microsoft.com/office/2006/metadata/properties/metaAttributes" ct:_="" ma:_="" ma:contentTypeName="Document" ma:contentTypeID="0x010100E6E1031C48018C4292DBDBD68C3F63E2" ma:contentTypeVersion="6" ma:contentTypeDescription="Create a new document." ma:contentTypeScope="" ma:versionID="9ae9a2a5b07300798953ecdd28312694">
   <xsd:schema xmlns:xsd="http://www.w3.org/2001/XMLSchema" xmlns:xs="http://www.w3.org/2001/XMLSchema" xmlns:p="http://schemas.microsoft.com/office/2006/metadata/properties" xmlns:ns2="0ad04f26-a780-43bf-835f-b79ff52a29dc" xmlns:ns3="a1518579-73ee-42fe-aa96-2836fc14ff9f" xmlns:ns4="d1583c34-73a0-4f2f-ba6b-1ac8359f2b78" targetNamespace="http://schemas.microsoft.com/office/2006/metadata/properties" ma:root="true" ma:fieldsID="9faae2f6251647047d77e859e5fe7bf2" ns2:_="" ns3:_="" ns4:_="">
     <xsd:import namespace="0ad04f26-a780-43bf-835f-b79ff52a29dc"/>
@@ -36107,40 +38383,7 @@
 </ct:contentTypeSchema>
 </file>
 
-<file path=customXml/item2.xml><?xml version="1.0" encoding="utf-8"?>
-<?mso-contentType ?>
-<FormTemplates xmlns="http://schemas.microsoft.com/sharepoint/v3/contenttype/forms">
-  <Display>DocumentLibraryForm</Display>
-  <Edit>DocumentLibraryForm</Edit>
-  <New>DocumentLibraryForm</New>
-</FormTemplates>
-</file>
-
 <file path=customXml/item3.xml><?xml version="1.0" encoding="utf-8"?>
-<p:properties xmlns:p="http://schemas.microsoft.com/office/2006/metadata/properties" xmlns:xsi="http://www.w3.org/2001/XMLSchema-instance" xmlns:pc="http://schemas.microsoft.com/office/infopath/2007/PartnerControls">
-  <documentManagement>
-    <SharedWithUsers xmlns="d1583c34-73a0-4f2f-ba6b-1ac8359f2b78">
-      <UserInfo>
-        <DisplayName>Karen Boh Lee Gek</DisplayName>
-        <AccountId>1403</AccountId>
-        <AccountType/>
-      </UserInfo>
-      <UserInfo>
-        <DisplayName>Kris Chur San Yee</DisplayName>
-        <AccountId>1798</AccountId>
-        <AccountType/>
-      </UserInfo>
-    </SharedWithUsers>
-    <_dlc_DocId xmlns="0ad04f26-a780-43bf-835f-b79ff52a29dc">U3ZV22ZJXESJ-1142709787-4964</_dlc_DocId>
-    <_dlc_DocIdUrl xmlns="0ad04f26-a780-43bf-835f-b79ff52a29dc">
-      <Url>https://sitsingaporetechedu.sharepoint.com/sites/PO/Leads/_layouts/15/DocIdRedir.aspx?ID=U3ZV22ZJXESJ-1142709787-4964</Url>
-      <Description>U3ZV22ZJXESJ-1142709787-4964</Description>
-    </_dlc_DocIdUrl>
-  </documentManagement>
-</p:properties>
-</file>
-
-<file path=customXml/item4.xml><?xml version="1.0" encoding="utf-8"?>
 <?mso-contentType ?>
 <spe:Receivers xmlns:spe="http://schemas.microsoft.com/sharepoint/events">
   <Receiver>
@@ -36190,7 +38433,39 @@
 </spe:Receivers>
 </file>
 
+<file path=customXml/item4.xml><?xml version="1.0" encoding="utf-8"?>
+<p:properties xmlns:p="http://schemas.microsoft.com/office/2006/metadata/properties" xmlns:xsi="http://www.w3.org/2001/XMLSchema-instance" xmlns:pc="http://schemas.microsoft.com/office/infopath/2007/PartnerControls">
+  <documentManagement>
+    <SharedWithUsers xmlns="d1583c34-73a0-4f2f-ba6b-1ac8359f2b78">
+      <UserInfo>
+        <DisplayName>Karen Boh Lee Gek</DisplayName>
+        <AccountId>1403</AccountId>
+        <AccountType/>
+      </UserInfo>
+      <UserInfo>
+        <DisplayName>Kris Chur San Yee</DisplayName>
+        <AccountId>1798</AccountId>
+        <AccountType/>
+      </UserInfo>
+    </SharedWithUsers>
+    <_dlc_DocId xmlns="0ad04f26-a780-43bf-835f-b79ff52a29dc">U3ZV22ZJXESJ-1142709787-4964</_dlc_DocId>
+    <_dlc_DocIdUrl xmlns="0ad04f26-a780-43bf-835f-b79ff52a29dc">
+      <Url>https://sitsingaporetechedu.sharepoint.com/sites/PO/Leads/_layouts/15/DocIdRedir.aspx?ID=U3ZV22ZJXESJ-1142709787-4964</Url>
+      <Description>U3ZV22ZJXESJ-1142709787-4964</Description>
+    </_dlc_DocIdUrl>
+  </documentManagement>
+</p:properties>
+</file>
+
 <file path=customXml/itemProps1.xml><?xml version="1.0" encoding="utf-8"?>
+<ds:datastoreItem xmlns:ds="http://schemas.openxmlformats.org/officeDocument/2006/customXml" ds:itemID="{7D7D58FF-6E5B-409D-8B4D-B0E0073025D5}">
+  <ds:schemaRefs>
+    <ds:schemaRef ds:uri="http://schemas.microsoft.com/sharepoint/v3/contenttype/forms"/>
+  </ds:schemaRefs>
+</ds:datastoreItem>
+</file>
+
+<file path=customXml/itemProps2.xml><?xml version="1.0" encoding="utf-8"?>
 <ds:datastoreItem xmlns:ds="http://schemas.openxmlformats.org/officeDocument/2006/customXml" ds:itemID="{C20F4E18-A5EC-4A34-B7AA-397D2B188B6A}">
   <ds:schemaRefs>
     <ds:schemaRef ds:uri="http://schemas.microsoft.com/office/2006/metadata/contentType"/>
@@ -36210,15 +38485,15 @@
 </ds:datastoreItem>
 </file>
 
-<file path=customXml/itemProps2.xml><?xml version="1.0" encoding="utf-8"?>
-<ds:datastoreItem xmlns:ds="http://schemas.openxmlformats.org/officeDocument/2006/customXml" ds:itemID="{7D7D58FF-6E5B-409D-8B4D-B0E0073025D5}">
+<file path=customXml/itemProps3.xml><?xml version="1.0" encoding="utf-8"?>
+<ds:datastoreItem xmlns:ds="http://schemas.openxmlformats.org/officeDocument/2006/customXml" ds:itemID="{DBE60198-3F54-4377-AFC2-746F792EC1FE}">
   <ds:schemaRefs>
-    <ds:schemaRef ds:uri="http://schemas.microsoft.com/sharepoint/v3/contenttype/forms"/>
+    <ds:schemaRef ds:uri="http://schemas.microsoft.com/sharepoint/events"/>
   </ds:schemaRefs>
 </ds:datastoreItem>
 </file>
 
-<file path=customXml/itemProps3.xml><?xml version="1.0" encoding="utf-8"?>
+<file path=customXml/itemProps4.xml><?xml version="1.0" encoding="utf-8"?>
 <ds:datastoreItem xmlns:ds="http://schemas.openxmlformats.org/officeDocument/2006/customXml" ds:itemID="{07B7BCB4-6752-4067-9BBF-537E18945997}">
   <ds:schemaRefs>
     <ds:schemaRef ds:uri="http://schemas.microsoft.com/office/2006/documentManagement/types"/>
@@ -36234,12 +38509,4 @@
     <ds:schemaRef ds:uri="http://purl.org/dc/dcmitype/"/>
   </ds:schemaRefs>
 </ds:datastoreItem>
-</file>
-
-<file path=customXml/itemProps4.xml><?xml version="1.0" encoding="utf-8"?>
-<ds:datastoreItem xmlns:ds="http://schemas.openxmlformats.org/officeDocument/2006/customXml" ds:itemID="{DBE60198-3F54-4377-AFC2-746F792EC1FE}">
-  <ds:schemaRefs>
-    <ds:schemaRef ds:uri="http://schemas.microsoft.com/sharepoint/events"/>
-  </ds:schemaRefs>
-</ds:datastoreItem>
 </file>
--- a/Docs/thermal_controller_blockdiagram.pptx
+++ b/Docs/thermal_controller_blockdiagram.pptx
@@ -5,7 +5,7 @@
     <p:sldMasterId id="2147483648" r:id="rId5"/>
   </p:sldMasterIdLst>
   <p:notesMasterIdLst>
-    <p:notesMasterId r:id="rId18"/>
+    <p:notesMasterId r:id="rId19"/>
   </p:notesMasterIdLst>
   <p:sldIdLst>
     <p:sldId id="3535" r:id="rId6"/>
@@ -17,9 +17,10 @@
     <p:sldId id="3531" r:id="rId12"/>
     <p:sldId id="3538" r:id="rId13"/>
     <p:sldId id="3536" r:id="rId14"/>
-    <p:sldId id="3534" r:id="rId15"/>
-    <p:sldId id="3532" r:id="rId16"/>
-    <p:sldId id="3533" r:id="rId17"/>
+    <p:sldId id="3539" r:id="rId15"/>
+    <p:sldId id="3534" r:id="rId16"/>
+    <p:sldId id="3532" r:id="rId17"/>
+    <p:sldId id="3533" r:id="rId18"/>
   </p:sldIdLst>
   <p:sldSz cx="12192000" cy="6858000"/>
   <p:notesSz cx="6797675" cy="9926638"/>
@@ -220,7 +221,7 @@
           <a:p>
             <a:fld id="{8A2540B5-C657-4695-96F0-0059BA46A3EC}" type="datetimeFigureOut">
               <a:rPr lang="en-US" smtClean="0"/>
-              <a:t>11/21/2022</a:t>
+              <a:t>12/16/2022</a:t>
             </a:fld>
             <a:endParaRPr lang="en-US"/>
           </a:p>
@@ -723,7 +724,7 @@
           <a:p>
             <a:fld id="{D7A1C63D-6A0D-4A97-AF70-6DEF9E93A01A}" type="slidenum">
               <a:rPr lang="en-US" smtClean="0"/>
-              <a:t>12</a:t>
+              <a:t>13</a:t>
             </a:fld>
             <a:endParaRPr lang="en-US"/>
           </a:p>
@@ -1014,7 +1015,7 @@
           <a:p>
             <a:fld id="{CD9FC7CE-19E2-4257-9F45-8977FC4F3E4A}" type="datetimeFigureOut">
               <a:rPr lang="en-US" smtClean="0"/>
-              <a:t>11/21/2022</a:t>
+              <a:t>12/16/2022</a:t>
             </a:fld>
             <a:endParaRPr lang="en-US"/>
           </a:p>
@@ -1323,7 +1324,7 @@
           <a:p>
             <a:fld id="{CD9FC7CE-19E2-4257-9F45-8977FC4F3E4A}" type="datetimeFigureOut">
               <a:rPr lang="en-US" smtClean="0"/>
-              <a:t>11/21/2022</a:t>
+              <a:t>12/16/2022</a:t>
             </a:fld>
             <a:endParaRPr lang="en-US"/>
           </a:p>
@@ -1539,7 +1540,7 @@
           <a:p>
             <a:fld id="{CD9FC7CE-19E2-4257-9F45-8977FC4F3E4A}" type="datetimeFigureOut">
               <a:rPr lang="en-US" smtClean="0"/>
-              <a:t>11/21/2022</a:t>
+              <a:t>12/16/2022</a:t>
             </a:fld>
             <a:endParaRPr lang="en-US"/>
           </a:p>
@@ -1939,7 +1940,7 @@
           <a:p>
             <a:fld id="{CD9FC7CE-19E2-4257-9F45-8977FC4F3E4A}" type="datetimeFigureOut">
               <a:rPr lang="en-US" smtClean="0"/>
-              <a:t>11/21/2022</a:t>
+              <a:t>12/16/2022</a:t>
             </a:fld>
             <a:endParaRPr lang="en-US"/>
           </a:p>
@@ -2056,7 +2057,7 @@
           <a:p>
             <a:fld id="{CD9FC7CE-19E2-4257-9F45-8977FC4F3E4A}" type="datetimeFigureOut">
               <a:rPr lang="en-US" smtClean="0"/>
-              <a:t>11/21/2022</a:t>
+              <a:t>12/16/2022</a:t>
             </a:fld>
             <a:endParaRPr lang="en-US"/>
           </a:p>
@@ -2151,7 +2152,7 @@
           <a:p>
             <a:fld id="{CD9FC7CE-19E2-4257-9F45-8977FC4F3E4A}" type="datetimeFigureOut">
               <a:rPr lang="en-US" smtClean="0"/>
-              <a:t>11/21/2022</a:t>
+              <a:t>12/16/2022</a:t>
             </a:fld>
             <a:endParaRPr lang="en-US"/>
           </a:p>
@@ -2378,7 +2379,7 @@
           <a:p>
             <a:fld id="{CD9FC7CE-19E2-4257-9F45-8977FC4F3E4A}" type="datetimeFigureOut">
               <a:rPr lang="en-US" smtClean="0"/>
-              <a:t>11/21/2022</a:t>
+              <a:t>12/16/2022</a:t>
             </a:fld>
             <a:endParaRPr lang="en-US" dirty="0"/>
           </a:p>
@@ -2896,44 +2897,815 @@
       </p:grpSpPr>
       <p:sp>
         <p:nvSpPr>
-          <p:cNvPr id="2" name="TextBox 1">
-            <a:extLst>
-              <a:ext uri="{FF2B5EF4-FFF2-40B4-BE49-F238E27FC236}">
-                <a16:creationId xmlns:a16="http://schemas.microsoft.com/office/drawing/2014/main" id="{0C77847F-94E9-45BD-B42B-0F7EA47639CA}"/>
-              </a:ext>
-            </a:extLst>
-          </p:cNvPr>
-          <p:cNvSpPr txBox="1"/>
-          <p:nvPr/>
-        </p:nvSpPr>
-        <p:spPr>
-          <a:xfrm>
-            <a:off x="2048417" y="2105561"/>
-            <a:ext cx="8095165" cy="1323439"/>
-          </a:xfrm>
-          <a:prstGeom prst="rect">
-            <a:avLst/>
-          </a:prstGeom>
-          <a:noFill/>
-        </p:spPr>
-        <p:txBody>
-          <a:bodyPr wrap="none" rtlCol="0">
-            <a:spAutoFit/>
-          </a:bodyPr>
-          <a:lstStyle/>
-          <a:p>
-            <a:r>
-              <a:rPr lang="en-US" sz="8000" dirty="0"/>
-              <a:t>Program Flowchart</a:t>
-            </a:r>
-            <a:endParaRPr lang="en-SG" sz="8000" dirty="0"/>
-          </a:p>
-        </p:txBody>
-      </p:sp>
+          <p:cNvPr id="4" name="Rectangle: Rounded Corners 3">
+            <a:extLst>
+              <a:ext uri="{FF2B5EF4-FFF2-40B4-BE49-F238E27FC236}">
+                <a16:creationId xmlns:a16="http://schemas.microsoft.com/office/drawing/2014/main" id="{93540440-8B0B-45A6-86C5-BDB4D40B3803}"/>
+              </a:ext>
+            </a:extLst>
+          </p:cNvPr>
+          <p:cNvSpPr/>
+          <p:nvPr/>
+        </p:nvSpPr>
+        <p:spPr>
+          <a:xfrm>
+            <a:off x="1055480" y="1299733"/>
+            <a:ext cx="2107964" cy="1158373"/>
+          </a:xfrm>
+          <a:prstGeom prst="roundRect">
+            <a:avLst/>
+          </a:prstGeom>
+          <a:solidFill>
+            <a:srgbClr val="FFC000"/>
+          </a:solidFill>
+        </p:spPr>
+        <p:style>
+          <a:lnRef idx="2">
+            <a:schemeClr val="accent1">
+              <a:shade val="50000"/>
+            </a:schemeClr>
+          </a:lnRef>
+          <a:fillRef idx="1">
+            <a:schemeClr val="accent1"/>
+          </a:fillRef>
+          <a:effectRef idx="0">
+            <a:schemeClr val="accent1"/>
+          </a:effectRef>
+          <a:fontRef idx="minor">
+            <a:schemeClr val="lt1"/>
+          </a:fontRef>
+        </p:style>
+        <p:txBody>
+          <a:bodyPr rtlCol="0" anchor="b" anchorCtr="0"/>
+          <a:lstStyle/>
+          <a:p>
+            <a:pPr algn="ctr"/>
+            <a:r>
+              <a:rPr lang="en-US" sz="2400" b="1" dirty="0">
+                <a:solidFill>
+                  <a:schemeClr val="tx1"/>
+                </a:solidFill>
+              </a:rPr>
+              <a:t>Slave 1</a:t>
+            </a:r>
+            <a:endParaRPr lang="en-SG" sz="2400" b="1" dirty="0">
+              <a:solidFill>
+                <a:schemeClr val="tx1"/>
+              </a:solidFill>
+            </a:endParaRPr>
+          </a:p>
+        </p:txBody>
+      </p:sp>
+      <p:sp>
+        <p:nvSpPr>
+          <p:cNvPr id="5" name="Rectangle 4">
+            <a:extLst>
+              <a:ext uri="{FF2B5EF4-FFF2-40B4-BE49-F238E27FC236}">
+                <a16:creationId xmlns:a16="http://schemas.microsoft.com/office/drawing/2014/main" id="{DDA71969-CC4C-471E-85F8-92D45099BA3D}"/>
+              </a:ext>
+            </a:extLst>
+          </p:cNvPr>
+          <p:cNvSpPr/>
+          <p:nvPr/>
+        </p:nvSpPr>
+        <p:spPr>
+          <a:xfrm>
+            <a:off x="1238794" y="1530321"/>
+            <a:ext cx="1741336" cy="417065"/>
+          </a:xfrm>
+          <a:prstGeom prst="rect">
+            <a:avLst/>
+          </a:prstGeom>
+          <a:noFill/>
+          <a:ln w="38100">
+            <a:solidFill>
+              <a:schemeClr val="tx1"/>
+            </a:solidFill>
+          </a:ln>
+        </p:spPr>
+        <p:style>
+          <a:lnRef idx="2">
+            <a:schemeClr val="accent1">
+              <a:shade val="50000"/>
+            </a:schemeClr>
+          </a:lnRef>
+          <a:fillRef idx="1">
+            <a:schemeClr val="accent1"/>
+          </a:fillRef>
+          <a:effectRef idx="0">
+            <a:schemeClr val="accent1"/>
+          </a:effectRef>
+          <a:fontRef idx="minor">
+            <a:schemeClr val="lt1"/>
+          </a:fontRef>
+        </p:style>
+        <p:txBody>
+          <a:bodyPr rtlCol="0" anchor="ctr"/>
+          <a:lstStyle/>
+          <a:p>
+            <a:pPr algn="ctr"/>
+            <a:r>
+              <a:rPr lang="en-US" b="1" dirty="0">
+                <a:solidFill>
+                  <a:schemeClr val="tx1"/>
+                </a:solidFill>
+              </a:rPr>
+              <a:t>Max485 Module</a:t>
+            </a:r>
+            <a:endParaRPr lang="en-SG" b="1" dirty="0">
+              <a:solidFill>
+                <a:schemeClr val="tx1"/>
+              </a:solidFill>
+            </a:endParaRPr>
+          </a:p>
+        </p:txBody>
+      </p:sp>
+      <p:sp>
+        <p:nvSpPr>
+          <p:cNvPr id="8" name="Rectangle: Rounded Corners 7">
+            <a:extLst>
+              <a:ext uri="{FF2B5EF4-FFF2-40B4-BE49-F238E27FC236}">
+                <a16:creationId xmlns:a16="http://schemas.microsoft.com/office/drawing/2014/main" id="{44A2E244-93BA-48E7-B4B5-2B03C00863E2}"/>
+              </a:ext>
+            </a:extLst>
+          </p:cNvPr>
+          <p:cNvSpPr/>
+          <p:nvPr/>
+        </p:nvSpPr>
+        <p:spPr>
+          <a:xfrm>
+            <a:off x="1055480" y="3570020"/>
+            <a:ext cx="2107964" cy="1158373"/>
+          </a:xfrm>
+          <a:prstGeom prst="roundRect">
+            <a:avLst/>
+          </a:prstGeom>
+          <a:solidFill>
+            <a:srgbClr val="FFC000"/>
+          </a:solidFill>
+        </p:spPr>
+        <p:style>
+          <a:lnRef idx="2">
+            <a:schemeClr val="accent1">
+              <a:shade val="50000"/>
+            </a:schemeClr>
+          </a:lnRef>
+          <a:fillRef idx="1">
+            <a:schemeClr val="accent1"/>
+          </a:fillRef>
+          <a:effectRef idx="0">
+            <a:schemeClr val="accent1"/>
+          </a:effectRef>
+          <a:fontRef idx="minor">
+            <a:schemeClr val="lt1"/>
+          </a:fontRef>
+        </p:style>
+        <p:txBody>
+          <a:bodyPr rtlCol="0" anchor="b" anchorCtr="0"/>
+          <a:lstStyle/>
+          <a:p>
+            <a:pPr algn="ctr"/>
+            <a:r>
+              <a:rPr lang="en-US" sz="2400" b="1" dirty="0">
+                <a:solidFill>
+                  <a:schemeClr val="tx1"/>
+                </a:solidFill>
+              </a:rPr>
+              <a:t>Slave 4</a:t>
+            </a:r>
+            <a:endParaRPr lang="en-SG" sz="2400" b="1" dirty="0">
+              <a:solidFill>
+                <a:schemeClr val="tx1"/>
+              </a:solidFill>
+            </a:endParaRPr>
+          </a:p>
+        </p:txBody>
+      </p:sp>
+      <p:sp>
+        <p:nvSpPr>
+          <p:cNvPr id="9" name="Rectangle 8">
+            <a:extLst>
+              <a:ext uri="{FF2B5EF4-FFF2-40B4-BE49-F238E27FC236}">
+                <a16:creationId xmlns:a16="http://schemas.microsoft.com/office/drawing/2014/main" id="{7BD35586-81E3-4C18-A716-3F9D2207F178}"/>
+              </a:ext>
+            </a:extLst>
+          </p:cNvPr>
+          <p:cNvSpPr/>
+          <p:nvPr/>
+        </p:nvSpPr>
+        <p:spPr>
+          <a:xfrm>
+            <a:off x="1238794" y="3800608"/>
+            <a:ext cx="1741336" cy="417065"/>
+          </a:xfrm>
+          <a:prstGeom prst="rect">
+            <a:avLst/>
+          </a:prstGeom>
+          <a:noFill/>
+          <a:ln w="38100">
+            <a:solidFill>
+              <a:schemeClr val="tx1"/>
+            </a:solidFill>
+          </a:ln>
+        </p:spPr>
+        <p:style>
+          <a:lnRef idx="2">
+            <a:schemeClr val="accent1">
+              <a:shade val="50000"/>
+            </a:schemeClr>
+          </a:lnRef>
+          <a:fillRef idx="1">
+            <a:schemeClr val="accent1"/>
+          </a:fillRef>
+          <a:effectRef idx="0">
+            <a:schemeClr val="accent1"/>
+          </a:effectRef>
+          <a:fontRef idx="minor">
+            <a:schemeClr val="lt1"/>
+          </a:fontRef>
+        </p:style>
+        <p:txBody>
+          <a:bodyPr rtlCol="0" anchor="ctr"/>
+          <a:lstStyle/>
+          <a:p>
+            <a:pPr algn="ctr"/>
+            <a:r>
+              <a:rPr lang="en-US" b="1" dirty="0">
+                <a:solidFill>
+                  <a:schemeClr val="tx1"/>
+                </a:solidFill>
+              </a:rPr>
+              <a:t>Max485 Module</a:t>
+            </a:r>
+            <a:endParaRPr lang="en-SG" b="1" dirty="0">
+              <a:solidFill>
+                <a:schemeClr val="tx1"/>
+              </a:solidFill>
+            </a:endParaRPr>
+          </a:p>
+        </p:txBody>
+      </p:sp>
+      <p:sp>
+        <p:nvSpPr>
+          <p:cNvPr id="11" name="Rectangle: Rounded Corners 10">
+            <a:extLst>
+              <a:ext uri="{FF2B5EF4-FFF2-40B4-BE49-F238E27FC236}">
+                <a16:creationId xmlns:a16="http://schemas.microsoft.com/office/drawing/2014/main" id="{2873DFC6-A30E-4022-B040-1448D40CD8C4}"/>
+              </a:ext>
+            </a:extLst>
+          </p:cNvPr>
+          <p:cNvSpPr/>
+          <p:nvPr/>
+        </p:nvSpPr>
+        <p:spPr>
+          <a:xfrm>
+            <a:off x="8983365" y="1299734"/>
+            <a:ext cx="2107964" cy="1158373"/>
+          </a:xfrm>
+          <a:prstGeom prst="roundRect">
+            <a:avLst/>
+          </a:prstGeom>
+          <a:solidFill>
+            <a:srgbClr val="FFC000"/>
+          </a:solidFill>
+        </p:spPr>
+        <p:style>
+          <a:lnRef idx="2">
+            <a:schemeClr val="accent1">
+              <a:shade val="50000"/>
+            </a:schemeClr>
+          </a:lnRef>
+          <a:fillRef idx="1">
+            <a:schemeClr val="accent1"/>
+          </a:fillRef>
+          <a:effectRef idx="0">
+            <a:schemeClr val="accent1"/>
+          </a:effectRef>
+          <a:fontRef idx="minor">
+            <a:schemeClr val="lt1"/>
+          </a:fontRef>
+        </p:style>
+        <p:txBody>
+          <a:bodyPr rtlCol="0" anchor="b" anchorCtr="0"/>
+          <a:lstStyle/>
+          <a:p>
+            <a:pPr algn="ctr"/>
+            <a:r>
+              <a:rPr lang="en-US" sz="2400" b="1" dirty="0">
+                <a:solidFill>
+                  <a:schemeClr val="tx1"/>
+                </a:solidFill>
+              </a:rPr>
+              <a:t>Slave 2</a:t>
+            </a:r>
+            <a:endParaRPr lang="en-SG" sz="2400" b="1" dirty="0">
+              <a:solidFill>
+                <a:schemeClr val="tx1"/>
+              </a:solidFill>
+            </a:endParaRPr>
+          </a:p>
+        </p:txBody>
+      </p:sp>
+      <p:sp>
+        <p:nvSpPr>
+          <p:cNvPr id="12" name="Rectangle 11">
+            <a:extLst>
+              <a:ext uri="{FF2B5EF4-FFF2-40B4-BE49-F238E27FC236}">
+                <a16:creationId xmlns:a16="http://schemas.microsoft.com/office/drawing/2014/main" id="{243435A7-156A-4167-8FF7-6BA692214A69}"/>
+              </a:ext>
+            </a:extLst>
+          </p:cNvPr>
+          <p:cNvSpPr/>
+          <p:nvPr/>
+        </p:nvSpPr>
+        <p:spPr>
+          <a:xfrm>
+            <a:off x="9166679" y="1530322"/>
+            <a:ext cx="1741336" cy="417065"/>
+          </a:xfrm>
+          <a:prstGeom prst="rect">
+            <a:avLst/>
+          </a:prstGeom>
+          <a:noFill/>
+          <a:ln w="38100">
+            <a:solidFill>
+              <a:schemeClr val="tx1"/>
+            </a:solidFill>
+          </a:ln>
+        </p:spPr>
+        <p:style>
+          <a:lnRef idx="2">
+            <a:schemeClr val="accent1">
+              <a:shade val="50000"/>
+            </a:schemeClr>
+          </a:lnRef>
+          <a:fillRef idx="1">
+            <a:schemeClr val="accent1"/>
+          </a:fillRef>
+          <a:effectRef idx="0">
+            <a:schemeClr val="accent1"/>
+          </a:effectRef>
+          <a:fontRef idx="minor">
+            <a:schemeClr val="lt1"/>
+          </a:fontRef>
+        </p:style>
+        <p:txBody>
+          <a:bodyPr rtlCol="0" anchor="ctr"/>
+          <a:lstStyle/>
+          <a:p>
+            <a:pPr algn="ctr"/>
+            <a:r>
+              <a:rPr lang="en-US" b="1" dirty="0">
+                <a:solidFill>
+                  <a:schemeClr val="tx1"/>
+                </a:solidFill>
+              </a:rPr>
+              <a:t>Max485 Module</a:t>
+            </a:r>
+            <a:endParaRPr lang="en-SG" b="1" dirty="0">
+              <a:solidFill>
+                <a:schemeClr val="tx1"/>
+              </a:solidFill>
+            </a:endParaRPr>
+          </a:p>
+        </p:txBody>
+      </p:sp>
+      <p:sp>
+        <p:nvSpPr>
+          <p:cNvPr id="14" name="Rectangle: Rounded Corners 13">
+            <a:extLst>
+              <a:ext uri="{FF2B5EF4-FFF2-40B4-BE49-F238E27FC236}">
+                <a16:creationId xmlns:a16="http://schemas.microsoft.com/office/drawing/2014/main" id="{AAEB9EF1-9264-4B25-9FB6-865CD701D61E}"/>
+              </a:ext>
+            </a:extLst>
+          </p:cNvPr>
+          <p:cNvSpPr/>
+          <p:nvPr/>
+        </p:nvSpPr>
+        <p:spPr>
+          <a:xfrm>
+            <a:off x="8983365" y="3570020"/>
+            <a:ext cx="2107964" cy="1158373"/>
+          </a:xfrm>
+          <a:prstGeom prst="roundRect">
+            <a:avLst/>
+          </a:prstGeom>
+          <a:solidFill>
+            <a:srgbClr val="FFC000"/>
+          </a:solidFill>
+        </p:spPr>
+        <p:style>
+          <a:lnRef idx="2">
+            <a:schemeClr val="accent1">
+              <a:shade val="50000"/>
+            </a:schemeClr>
+          </a:lnRef>
+          <a:fillRef idx="1">
+            <a:schemeClr val="accent1"/>
+          </a:fillRef>
+          <a:effectRef idx="0">
+            <a:schemeClr val="accent1"/>
+          </a:effectRef>
+          <a:fontRef idx="minor">
+            <a:schemeClr val="lt1"/>
+          </a:fontRef>
+        </p:style>
+        <p:txBody>
+          <a:bodyPr rtlCol="0" anchor="b" anchorCtr="0"/>
+          <a:lstStyle/>
+          <a:p>
+            <a:pPr algn="ctr"/>
+            <a:r>
+              <a:rPr lang="en-US" sz="2400" b="1" dirty="0">
+                <a:solidFill>
+                  <a:schemeClr val="tx1"/>
+                </a:solidFill>
+              </a:rPr>
+              <a:t>Slave 3</a:t>
+            </a:r>
+            <a:endParaRPr lang="en-SG" sz="2400" b="1" dirty="0">
+              <a:solidFill>
+                <a:schemeClr val="tx1"/>
+              </a:solidFill>
+            </a:endParaRPr>
+          </a:p>
+        </p:txBody>
+      </p:sp>
+      <p:sp>
+        <p:nvSpPr>
+          <p:cNvPr id="15" name="Rectangle 14">
+            <a:extLst>
+              <a:ext uri="{FF2B5EF4-FFF2-40B4-BE49-F238E27FC236}">
+                <a16:creationId xmlns:a16="http://schemas.microsoft.com/office/drawing/2014/main" id="{98722441-7FDA-4153-9D5A-ADB134A3EA24}"/>
+              </a:ext>
+            </a:extLst>
+          </p:cNvPr>
+          <p:cNvSpPr/>
+          <p:nvPr/>
+        </p:nvSpPr>
+        <p:spPr>
+          <a:xfrm>
+            <a:off x="9166679" y="3800608"/>
+            <a:ext cx="1741336" cy="417065"/>
+          </a:xfrm>
+          <a:prstGeom prst="rect">
+            <a:avLst/>
+          </a:prstGeom>
+          <a:noFill/>
+          <a:ln w="38100">
+            <a:solidFill>
+              <a:schemeClr val="tx1"/>
+            </a:solidFill>
+          </a:ln>
+        </p:spPr>
+        <p:style>
+          <a:lnRef idx="2">
+            <a:schemeClr val="accent1">
+              <a:shade val="50000"/>
+            </a:schemeClr>
+          </a:lnRef>
+          <a:fillRef idx="1">
+            <a:schemeClr val="accent1"/>
+          </a:fillRef>
+          <a:effectRef idx="0">
+            <a:schemeClr val="accent1"/>
+          </a:effectRef>
+          <a:fontRef idx="minor">
+            <a:schemeClr val="lt1"/>
+          </a:fontRef>
+        </p:style>
+        <p:txBody>
+          <a:bodyPr rtlCol="0" anchor="ctr"/>
+          <a:lstStyle/>
+          <a:p>
+            <a:pPr algn="ctr"/>
+            <a:r>
+              <a:rPr lang="en-US" b="1" dirty="0">
+                <a:solidFill>
+                  <a:schemeClr val="tx1"/>
+                </a:solidFill>
+              </a:rPr>
+              <a:t>Max485 Module</a:t>
+            </a:r>
+            <a:endParaRPr lang="en-SG" b="1" dirty="0">
+              <a:solidFill>
+                <a:schemeClr val="tx1"/>
+              </a:solidFill>
+            </a:endParaRPr>
+          </a:p>
+        </p:txBody>
+      </p:sp>
+      <p:sp>
+        <p:nvSpPr>
+          <p:cNvPr id="16" name="Rectangle: Rounded Corners 15">
+            <a:extLst>
+              <a:ext uri="{FF2B5EF4-FFF2-40B4-BE49-F238E27FC236}">
+                <a16:creationId xmlns:a16="http://schemas.microsoft.com/office/drawing/2014/main" id="{6CA4D55B-4EB2-467C-B950-5F04CDAA7E9A}"/>
+              </a:ext>
+            </a:extLst>
+          </p:cNvPr>
+          <p:cNvSpPr/>
+          <p:nvPr/>
+        </p:nvSpPr>
+        <p:spPr>
+          <a:xfrm>
+            <a:off x="4995879" y="569870"/>
+            <a:ext cx="2155050" cy="1920901"/>
+          </a:xfrm>
+          <a:prstGeom prst="roundRect">
+            <a:avLst/>
+          </a:prstGeom>
+          <a:solidFill>
+            <a:srgbClr val="FFC000"/>
+          </a:solidFill>
+        </p:spPr>
+        <p:style>
+          <a:lnRef idx="2">
+            <a:schemeClr val="accent1">
+              <a:shade val="50000"/>
+            </a:schemeClr>
+          </a:lnRef>
+          <a:fillRef idx="1">
+            <a:schemeClr val="accent1"/>
+          </a:fillRef>
+          <a:effectRef idx="0">
+            <a:schemeClr val="accent1"/>
+          </a:effectRef>
+          <a:fontRef idx="minor">
+            <a:schemeClr val="lt1"/>
+          </a:fontRef>
+        </p:style>
+        <p:txBody>
+          <a:bodyPr rtlCol="0" anchor="b" anchorCtr="0"/>
+          <a:lstStyle/>
+          <a:p>
+            <a:pPr algn="ctr"/>
+            <a:r>
+              <a:rPr lang="en-US" sz="2400" b="1" dirty="0">
+                <a:solidFill>
+                  <a:schemeClr val="tx1"/>
+                </a:solidFill>
+              </a:rPr>
+              <a:t>Master</a:t>
+            </a:r>
+            <a:endParaRPr lang="en-SG" sz="2400" b="1" dirty="0">
+              <a:solidFill>
+                <a:schemeClr val="tx1"/>
+              </a:solidFill>
+            </a:endParaRPr>
+          </a:p>
+        </p:txBody>
+      </p:sp>
+      <p:sp>
+        <p:nvSpPr>
+          <p:cNvPr id="17" name="Rectangle 16">
+            <a:extLst>
+              <a:ext uri="{FF2B5EF4-FFF2-40B4-BE49-F238E27FC236}">
+                <a16:creationId xmlns:a16="http://schemas.microsoft.com/office/drawing/2014/main" id="{07AE3A34-3AD2-485A-B699-32423A57C807}"/>
+              </a:ext>
+            </a:extLst>
+          </p:cNvPr>
+          <p:cNvSpPr/>
+          <p:nvPr/>
+        </p:nvSpPr>
+        <p:spPr>
+          <a:xfrm>
+            <a:off x="5207290" y="1344883"/>
+            <a:ext cx="1741336" cy="417065"/>
+          </a:xfrm>
+          <a:prstGeom prst="rect">
+            <a:avLst/>
+          </a:prstGeom>
+          <a:noFill/>
+          <a:ln w="38100">
+            <a:solidFill>
+              <a:schemeClr val="tx1"/>
+            </a:solidFill>
+          </a:ln>
+        </p:spPr>
+        <p:style>
+          <a:lnRef idx="2">
+            <a:schemeClr val="accent1">
+              <a:shade val="50000"/>
+            </a:schemeClr>
+          </a:lnRef>
+          <a:fillRef idx="1">
+            <a:schemeClr val="accent1"/>
+          </a:fillRef>
+          <a:effectRef idx="0">
+            <a:schemeClr val="accent1"/>
+          </a:effectRef>
+          <a:fontRef idx="minor">
+            <a:schemeClr val="lt1"/>
+          </a:fontRef>
+        </p:style>
+        <p:txBody>
+          <a:bodyPr rtlCol="0" anchor="ctr"/>
+          <a:lstStyle/>
+          <a:p>
+            <a:pPr algn="ctr"/>
+            <a:r>
+              <a:rPr lang="en-US" b="1" dirty="0">
+                <a:solidFill>
+                  <a:schemeClr val="tx1"/>
+                </a:solidFill>
+              </a:rPr>
+              <a:t>Max485 Module</a:t>
+            </a:r>
+            <a:endParaRPr lang="en-SG" b="1" dirty="0">
+              <a:solidFill>
+                <a:schemeClr val="tx1"/>
+              </a:solidFill>
+            </a:endParaRPr>
+          </a:p>
+        </p:txBody>
+      </p:sp>
+      <p:cxnSp>
+        <p:nvCxnSpPr>
+          <p:cNvPr id="19" name="Connector: Curved 18">
+            <a:extLst>
+              <a:ext uri="{FF2B5EF4-FFF2-40B4-BE49-F238E27FC236}">
+                <a16:creationId xmlns:a16="http://schemas.microsoft.com/office/drawing/2014/main" id="{44EE2FEE-77AE-4358-9B18-D3E8293EA7FF}"/>
+              </a:ext>
+            </a:extLst>
+          </p:cNvPr>
+          <p:cNvCxnSpPr>
+            <a:cxnSpLocks/>
+            <a:stCxn id="17" idx="0"/>
+            <a:endCxn id="5" idx="3"/>
+          </p:cNvCxnSpPr>
+          <p:nvPr/>
+        </p:nvCxnSpPr>
+        <p:spPr>
+          <a:xfrm rot="16200000" flipH="1" flipV="1">
+            <a:off x="4332058" y="-7046"/>
+            <a:ext cx="393971" cy="3097828"/>
+          </a:xfrm>
+          <a:prstGeom prst="curvedConnector4">
+            <a:avLst>
+              <a:gd name="adj1" fmla="val -58025"/>
+              <a:gd name="adj2" fmla="val 64053"/>
+            </a:avLst>
+          </a:prstGeom>
+          <a:ln w="50800">
+            <a:tailEnd type="stealth" w="lg" len="lg"/>
+          </a:ln>
+        </p:spPr>
+        <p:style>
+          <a:lnRef idx="1">
+            <a:schemeClr val="accent1"/>
+          </a:lnRef>
+          <a:fillRef idx="0">
+            <a:schemeClr val="accent1"/>
+          </a:fillRef>
+          <a:effectRef idx="0">
+            <a:schemeClr val="accent1"/>
+          </a:effectRef>
+          <a:fontRef idx="minor">
+            <a:schemeClr val="tx1"/>
+          </a:fontRef>
+        </p:style>
+      </p:cxnSp>
+      <p:cxnSp>
+        <p:nvCxnSpPr>
+          <p:cNvPr id="21" name="Connector: Curved 20">
+            <a:extLst>
+              <a:ext uri="{FF2B5EF4-FFF2-40B4-BE49-F238E27FC236}">
+                <a16:creationId xmlns:a16="http://schemas.microsoft.com/office/drawing/2014/main" id="{7AD3246C-16D4-4BC9-A097-C492A9B6EC0B}"/>
+              </a:ext>
+            </a:extLst>
+          </p:cNvPr>
+          <p:cNvCxnSpPr>
+            <a:cxnSpLocks/>
+            <a:stCxn id="5" idx="1"/>
+            <a:endCxn id="9" idx="1"/>
+          </p:cNvCxnSpPr>
+          <p:nvPr/>
+        </p:nvCxnSpPr>
+        <p:spPr>
+          <a:xfrm rot="10800000" flipV="1">
+            <a:off x="1238794" y="1738853"/>
+            <a:ext cx="12700" cy="2270287"/>
+          </a:xfrm>
+          <a:prstGeom prst="curvedConnector3">
+            <a:avLst>
+              <a:gd name="adj1" fmla="val 5204189"/>
+            </a:avLst>
+          </a:prstGeom>
+          <a:ln w="50800">
+            <a:tailEnd type="stealth" w="lg" len="lg"/>
+          </a:ln>
+        </p:spPr>
+        <p:style>
+          <a:lnRef idx="1">
+            <a:schemeClr val="accent1"/>
+          </a:lnRef>
+          <a:fillRef idx="0">
+            <a:schemeClr val="accent1"/>
+          </a:fillRef>
+          <a:effectRef idx="0">
+            <a:schemeClr val="accent1"/>
+          </a:effectRef>
+          <a:fontRef idx="minor">
+            <a:schemeClr val="tx1"/>
+          </a:fontRef>
+        </p:style>
+      </p:cxnSp>
+      <p:cxnSp>
+        <p:nvCxnSpPr>
+          <p:cNvPr id="25" name="Connector: Curved 24">
+            <a:extLst>
+              <a:ext uri="{FF2B5EF4-FFF2-40B4-BE49-F238E27FC236}">
+                <a16:creationId xmlns:a16="http://schemas.microsoft.com/office/drawing/2014/main" id="{A1622978-54C0-476C-B48E-EFC89FF944C0}"/>
+              </a:ext>
+            </a:extLst>
+          </p:cNvPr>
+          <p:cNvCxnSpPr>
+            <a:cxnSpLocks/>
+            <a:stCxn id="17" idx="0"/>
+            <a:endCxn id="12" idx="1"/>
+          </p:cNvCxnSpPr>
+          <p:nvPr/>
+        </p:nvCxnSpPr>
+        <p:spPr>
+          <a:xfrm rot="16200000" flipH="1">
+            <a:off x="7425332" y="-2491"/>
+            <a:ext cx="393972" cy="3088721"/>
+          </a:xfrm>
+          <a:prstGeom prst="curvedConnector4">
+            <a:avLst>
+              <a:gd name="adj1" fmla="val -58024"/>
+              <a:gd name="adj2" fmla="val 64094"/>
+            </a:avLst>
+          </a:prstGeom>
+          <a:ln w="50800">
+            <a:tailEnd type="stealth" w="lg" len="lg"/>
+          </a:ln>
+        </p:spPr>
+        <p:style>
+          <a:lnRef idx="1">
+            <a:schemeClr val="accent1"/>
+          </a:lnRef>
+          <a:fillRef idx="0">
+            <a:schemeClr val="accent1"/>
+          </a:fillRef>
+          <a:effectRef idx="0">
+            <a:schemeClr val="accent1"/>
+          </a:effectRef>
+          <a:fontRef idx="minor">
+            <a:schemeClr val="tx1"/>
+          </a:fontRef>
+        </p:style>
+      </p:cxnSp>
+      <p:cxnSp>
+        <p:nvCxnSpPr>
+          <p:cNvPr id="30" name="Connector: Curved 29">
+            <a:extLst>
+              <a:ext uri="{FF2B5EF4-FFF2-40B4-BE49-F238E27FC236}">
+                <a16:creationId xmlns:a16="http://schemas.microsoft.com/office/drawing/2014/main" id="{EB08EAF4-929E-4179-AFCC-A20A6C972A20}"/>
+              </a:ext>
+            </a:extLst>
+          </p:cNvPr>
+          <p:cNvCxnSpPr>
+            <a:cxnSpLocks/>
+            <a:stCxn id="12" idx="3"/>
+            <a:endCxn id="15" idx="3"/>
+          </p:cNvCxnSpPr>
+          <p:nvPr/>
+        </p:nvCxnSpPr>
+        <p:spPr>
+          <a:xfrm>
+            <a:off x="10908015" y="1738855"/>
+            <a:ext cx="12700" cy="2270286"/>
+          </a:xfrm>
+          <a:prstGeom prst="curvedConnector3">
+            <a:avLst>
+              <a:gd name="adj1" fmla="val 5734024"/>
+            </a:avLst>
+          </a:prstGeom>
+          <a:ln w="50800">
+            <a:tailEnd type="stealth" w="lg" len="lg"/>
+          </a:ln>
+        </p:spPr>
+        <p:style>
+          <a:lnRef idx="1">
+            <a:schemeClr val="accent1"/>
+          </a:lnRef>
+          <a:fillRef idx="0">
+            <a:schemeClr val="accent1"/>
+          </a:fillRef>
+          <a:effectRef idx="0">
+            <a:schemeClr val="accent1"/>
+          </a:effectRef>
+          <a:fontRef idx="minor">
+            <a:schemeClr val="tx1"/>
+          </a:fontRef>
+        </p:style>
+      </p:cxnSp>
     </p:spTree>
     <p:extLst>
       <p:ext uri="{BB962C8B-B14F-4D97-AF65-F5344CB8AC3E}">
-        <p14:creationId xmlns:p14="http://schemas.microsoft.com/office/powerpoint/2010/main" val="4261081992"/>
+        <p14:creationId xmlns:p14="http://schemas.microsoft.com/office/powerpoint/2010/main" val="3171845674"/>
       </p:ext>
     </p:extLst>
   </p:cSld>
@@ -2962,6 +3734,72 @@
       </p:grpSpPr>
       <p:sp>
         <p:nvSpPr>
+          <p:cNvPr id="2" name="TextBox 1">
+            <a:extLst>
+              <a:ext uri="{FF2B5EF4-FFF2-40B4-BE49-F238E27FC236}">
+                <a16:creationId xmlns:a16="http://schemas.microsoft.com/office/drawing/2014/main" id="{0C77847F-94E9-45BD-B42B-0F7EA47639CA}"/>
+              </a:ext>
+            </a:extLst>
+          </p:cNvPr>
+          <p:cNvSpPr txBox="1"/>
+          <p:nvPr/>
+        </p:nvSpPr>
+        <p:spPr>
+          <a:xfrm>
+            <a:off x="2048417" y="2105561"/>
+            <a:ext cx="8095165" cy="1323439"/>
+          </a:xfrm>
+          <a:prstGeom prst="rect">
+            <a:avLst/>
+          </a:prstGeom>
+          <a:noFill/>
+        </p:spPr>
+        <p:txBody>
+          <a:bodyPr wrap="none" rtlCol="0">
+            <a:spAutoFit/>
+          </a:bodyPr>
+          <a:lstStyle/>
+          <a:p>
+            <a:r>
+              <a:rPr lang="en-US" sz="8000" dirty="0"/>
+              <a:t>Program Flowchart</a:t>
+            </a:r>
+            <a:endParaRPr lang="en-SG" sz="8000" dirty="0"/>
+          </a:p>
+        </p:txBody>
+      </p:sp>
+    </p:spTree>
+    <p:extLst>
+      <p:ext uri="{BB962C8B-B14F-4D97-AF65-F5344CB8AC3E}">
+        <p14:creationId xmlns:p14="http://schemas.microsoft.com/office/powerpoint/2010/main" val="4261081992"/>
+      </p:ext>
+    </p:extLst>
+  </p:cSld>
+  <p:clrMapOvr>
+    <a:masterClrMapping/>
+  </p:clrMapOvr>
+</p:sld>
+</file>
+
+<file path=ppt/slides/slide12.xml><?xml version="1.0" encoding="utf-8"?>
+<p:sld xmlns:a="http://schemas.openxmlformats.org/drawingml/2006/main" xmlns:r="http://schemas.openxmlformats.org/officeDocument/2006/relationships" xmlns:p="http://schemas.openxmlformats.org/presentationml/2006/main">
+  <p:cSld>
+    <p:spTree>
+      <p:nvGrpSpPr>
+        <p:cNvPr id="1" name=""/>
+        <p:cNvGrpSpPr/>
+        <p:nvPr/>
+      </p:nvGrpSpPr>
+      <p:grpSpPr>
+        <a:xfrm>
+          <a:off x="0" y="0"/>
+          <a:ext cx="0" cy="0"/>
+          <a:chOff x="0" y="0"/>
+          <a:chExt cx="0" cy="0"/>
+        </a:xfrm>
+      </p:grpSpPr>
+      <p:sp>
+        <p:nvSpPr>
           <p:cNvPr id="3" name="Flowchart: Alternate Process 2">
             <a:extLst>
               <a:ext uri="{FF2B5EF4-FFF2-40B4-BE49-F238E27FC236}">
@@ -4007,7 +4845,7 @@
 </p:sld>
 </file>
 
-<file path=ppt/slides/slide12.xml><?xml version="1.0" encoding="utf-8"?>
+<file path=ppt/slides/slide13.xml><?xml version="1.0" encoding="utf-8"?>
 <p:sld xmlns:a="http://schemas.openxmlformats.org/drawingml/2006/main" xmlns:r="http://schemas.openxmlformats.org/officeDocument/2006/relationships" xmlns:p="http://schemas.openxmlformats.org/presentationml/2006/main">
   <p:cSld>
     <p:spTree>
@@ -11751,7 +12589,7 @@
         <p:spPr>
           <a:xfrm>
             <a:off x="1" y="71433"/>
-            <a:ext cx="1489410" cy="400110"/>
+            <a:ext cx="1677724" cy="400110"/>
           </a:xfrm>
           <a:prstGeom prst="rect">
             <a:avLst/>
@@ -11766,7 +12604,7 @@
           <a:p>
             <a:r>
               <a:rPr lang="en-US" sz="2000" dirty="0"/>
-              <a:t>Box 1</a:t>
+              <a:t>Box 1 (RK330)</a:t>
             </a:r>
             <a:endParaRPr lang="en-SG" sz="2000" dirty="0"/>
           </a:p>
@@ -16026,7 +16864,7 @@
         <p:spPr>
           <a:xfrm>
             <a:off x="0" y="71433"/>
-            <a:ext cx="3025785" cy="400110"/>
+            <a:ext cx="1805793" cy="400110"/>
           </a:xfrm>
           <a:prstGeom prst="rect">
             <a:avLst/>
@@ -16041,7 +16879,7 @@
           <a:p>
             <a:r>
               <a:rPr lang="en-US" sz="2000" dirty="0"/>
-              <a:t>Box 1 (change sensor)</a:t>
+              <a:t>Box 1 (DHT22)</a:t>
             </a:r>
             <a:endParaRPr lang="en-SG" sz="2000" dirty="0"/>
           </a:p>
@@ -20531,7 +21369,7 @@
         <p:spPr>
           <a:xfrm>
             <a:off x="0" y="71433"/>
-            <a:ext cx="3025785" cy="400110"/>
+            <a:ext cx="2138901" cy="400110"/>
           </a:xfrm>
           <a:prstGeom prst="rect">
             <a:avLst/>
@@ -20546,7 +21384,7 @@
           <a:p>
             <a:r>
               <a:rPr lang="en-US" sz="2000" dirty="0"/>
-              <a:t>Box 1 (change sensor)</a:t>
+              <a:t>Box 1 (Max31855)</a:t>
             </a:r>
             <a:endParaRPr lang="en-SG" sz="2000" dirty="0"/>
           </a:p>
@@ -25212,7 +26050,7 @@
         <p:spPr>
           <a:xfrm>
             <a:off x="0" y="71433"/>
-            <a:ext cx="3371353" cy="400110"/>
+            <a:ext cx="2911067" cy="400110"/>
           </a:xfrm>
           <a:prstGeom prst="rect">
             <a:avLst/>
@@ -25227,7 +26065,7 @@
           <a:p>
             <a:r>
               <a:rPr lang="en-US" sz="2000" dirty="0"/>
-              <a:t>Box 1 (change sensor, PT100)</a:t>
+              <a:t>Box 1 (Max31865+PT100)</a:t>
             </a:r>
             <a:endParaRPr lang="en-SG" sz="2000" dirty="0"/>
           </a:p>
@@ -25347,7 +26185,7 @@
         </p:nvSpPr>
         <p:spPr>
           <a:xfrm>
-            <a:off x="12377" y="533096"/>
+            <a:off x="33699" y="602995"/>
             <a:ext cx="974882" cy="369332"/>
           </a:xfrm>
           <a:prstGeom prst="rect">
@@ -25385,7 +26223,7 @@
         </p:nvCxnSpPr>
         <p:spPr>
           <a:xfrm>
-            <a:off x="987259" y="717762"/>
+            <a:off x="1008581" y="787661"/>
             <a:ext cx="713912" cy="0"/>
           </a:xfrm>
           <a:prstGeom prst="straightConnector1">
@@ -25430,7 +26268,7 @@
         </p:nvCxnSpPr>
         <p:spPr>
           <a:xfrm flipV="1">
-            <a:off x="8987171" y="707813"/>
+            <a:off x="9008493" y="777712"/>
             <a:ext cx="389779" cy="1"/>
           </a:xfrm>
           <a:prstGeom prst="straightConnector1">
@@ -25472,7 +26310,7 @@
         </p:nvSpPr>
         <p:spPr>
           <a:xfrm>
-            <a:off x="9376950" y="523147"/>
+            <a:off x="9398272" y="593046"/>
             <a:ext cx="548547" cy="369332"/>
           </a:xfrm>
           <a:prstGeom prst="rect">
@@ -25511,7 +26349,7 @@
         </p:nvCxnSpPr>
         <p:spPr>
           <a:xfrm>
-            <a:off x="3170798" y="709345"/>
+            <a:off x="3192120" y="779244"/>
             <a:ext cx="403535" cy="0"/>
           </a:xfrm>
           <a:prstGeom prst="straightConnector1">
@@ -25553,7 +26391,7 @@
         </p:nvSpPr>
         <p:spPr>
           <a:xfrm>
-            <a:off x="1701171" y="360793"/>
+            <a:off x="1722493" y="430692"/>
             <a:ext cx="1461325" cy="713937"/>
           </a:xfrm>
           <a:prstGeom prst="rect">
@@ -25623,7 +26461,7 @@
         </p:nvSpPr>
         <p:spPr>
           <a:xfrm>
-            <a:off x="3574333" y="524679"/>
+            <a:off x="3595655" y="594578"/>
             <a:ext cx="665567" cy="369332"/>
           </a:xfrm>
           <a:prstGeom prst="rect">
@@ -25661,7 +26499,7 @@
         </p:nvCxnSpPr>
         <p:spPr>
           <a:xfrm>
-            <a:off x="7129938" y="709345"/>
+            <a:off x="7151260" y="779244"/>
             <a:ext cx="382180" cy="0"/>
           </a:xfrm>
           <a:prstGeom prst="straightConnector1">
@@ -25703,7 +26541,7 @@
         </p:nvSpPr>
         <p:spPr>
           <a:xfrm>
-            <a:off x="4650323" y="360793"/>
+            <a:off x="4671645" y="430692"/>
             <a:ext cx="1461325" cy="713937"/>
           </a:xfrm>
           <a:prstGeom prst="rect">
@@ -25775,7 +26613,7 @@
         </p:nvCxnSpPr>
         <p:spPr>
           <a:xfrm>
-            <a:off x="4234014" y="709345"/>
+            <a:off x="4255336" y="779244"/>
             <a:ext cx="403535" cy="0"/>
           </a:xfrm>
           <a:prstGeom prst="straightConnector1">
@@ -25817,7 +26655,7 @@
         </p:nvSpPr>
         <p:spPr>
           <a:xfrm>
-            <a:off x="6572788" y="524679"/>
+            <a:off x="6594110" y="594578"/>
             <a:ext cx="548548" cy="369332"/>
           </a:xfrm>
           <a:prstGeom prst="rect">
@@ -25856,7 +26694,7 @@
         </p:nvCxnSpPr>
         <p:spPr>
           <a:xfrm>
-            <a:off x="6132098" y="709345"/>
+            <a:off x="6153420" y="779244"/>
             <a:ext cx="440690" cy="0"/>
           </a:xfrm>
           <a:prstGeom prst="straightConnector1">
@@ -25898,7 +26736,7 @@
         </p:nvSpPr>
         <p:spPr>
           <a:xfrm>
-            <a:off x="7512118" y="356654"/>
+            <a:off x="7533440" y="426553"/>
             <a:ext cx="1461325" cy="713937"/>
           </a:xfrm>
           <a:prstGeom prst="rect">
@@ -30913,8 +31751,8 @@
         </p:nvSpPr>
         <p:spPr>
           <a:xfrm>
-            <a:off x="0" y="71433"/>
-            <a:ext cx="3371353" cy="400110"/>
+            <a:off x="-5221" y="48334"/>
+            <a:ext cx="3760251" cy="400110"/>
           </a:xfrm>
           <a:prstGeom prst="rect">
             <a:avLst/>
@@ -30929,7 +31767,7 @@
           <a:p>
             <a:r>
               <a:rPr lang="en-US" sz="2000" dirty="0"/>
-              <a:t>Box 2 (Mega)</a:t>
+              <a:t>Box 2 (Mega, Max31865+PT100)</a:t>
             </a:r>
             <a:endParaRPr lang="en-SG" sz="2000" dirty="0"/>
           </a:p>
@@ -31016,7 +31854,7 @@
                   <a:schemeClr val="tx1"/>
                 </a:solidFill>
               </a:rPr>
-              <a:t>Sub Controller (Uno)</a:t>
+              <a:t>Sub Controller (Uno) 4</a:t>
             </a:r>
             <a:endParaRPr lang="en-SG" sz="2400" b="1" dirty="0">
               <a:solidFill>
@@ -31077,7 +31915,7 @@
                   <a:schemeClr val="tx1"/>
                 </a:solidFill>
               </a:rPr>
-              <a:t>Sub Controller (Uno)</a:t>
+              <a:t>Sub Controller (Uno) 3</a:t>
             </a:r>
             <a:endParaRPr lang="en-SG" sz="2400" b="1" dirty="0">
               <a:solidFill>
@@ -31138,7 +31976,7 @@
                   <a:schemeClr val="tx1"/>
                 </a:solidFill>
               </a:rPr>
-              <a:t>Sub Controller (Uno)</a:t>
+              <a:t>Sub Controller (Uno) 2</a:t>
             </a:r>
             <a:endParaRPr lang="en-SG" sz="2400" b="1" dirty="0">
               <a:solidFill>
@@ -31260,7 +32098,7 @@
                   <a:schemeClr val="tx1"/>
                 </a:solidFill>
               </a:rPr>
-              <a:t>Sub Controller (Uno)</a:t>
+              <a:t>Sub Controller (Uno) 1</a:t>
             </a:r>
             <a:endParaRPr lang="en-SG" sz="2400" b="1" dirty="0">
               <a:solidFill>
@@ -31284,7 +32122,7 @@
         </p:nvSpPr>
         <p:spPr>
           <a:xfrm>
-            <a:off x="115042" y="381000"/>
+            <a:off x="76942" y="400253"/>
             <a:ext cx="974882" cy="369332"/>
           </a:xfrm>
           <a:prstGeom prst="rect">
@@ -31322,8 +32160,8 @@
         </p:nvCxnSpPr>
         <p:spPr>
           <a:xfrm>
-            <a:off x="1089924" y="381000"/>
-            <a:ext cx="0" cy="489742"/>
+            <a:off x="1089924" y="457200"/>
+            <a:ext cx="0" cy="413542"/>
           </a:xfrm>
           <a:prstGeom prst="straightConnector1">
             <a:avLst/>
@@ -31960,7 +32798,7 @@
                   <a:schemeClr val="tx1"/>
                 </a:solidFill>
               </a:rPr>
-              <a:t>Module</a:t>
+              <a:t>Module1</a:t>
             </a:r>
             <a:endParaRPr lang="en-SG" b="1" dirty="0">
               <a:solidFill>
@@ -31984,7 +32822,7 @@
         </p:nvSpPr>
         <p:spPr>
           <a:xfrm>
-            <a:off x="4104408" y="2479709"/>
+            <a:off x="4128122" y="2668446"/>
             <a:ext cx="1440349" cy="270723"/>
           </a:xfrm>
           <a:prstGeom prst="leftRightArrow">
@@ -33039,7 +33877,7 @@
                   <a:schemeClr val="tx1"/>
                 </a:solidFill>
               </a:rPr>
-              <a:t>Module</a:t>
+              <a:t>Module2</a:t>
             </a:r>
             <a:endParaRPr lang="en-SG" b="1" dirty="0">
               <a:solidFill>
@@ -33114,7 +33952,7 @@
                   <a:schemeClr val="tx1"/>
                 </a:solidFill>
               </a:rPr>
-              <a:t>Module</a:t>
+              <a:t>Module3</a:t>
             </a:r>
             <a:endParaRPr lang="en-SG" b="1" dirty="0">
               <a:solidFill>
@@ -33189,13 +34027,187 @@
                   <a:schemeClr val="tx1"/>
                 </a:solidFill>
               </a:rPr>
-              <a:t>Module</a:t>
+              <a:t>Module4</a:t>
             </a:r>
             <a:endParaRPr lang="en-SG" b="1" dirty="0">
               <a:solidFill>
                 <a:schemeClr val="tx1"/>
               </a:solidFill>
             </a:endParaRPr>
+          </a:p>
+        </p:txBody>
+      </p:sp>
+      <p:sp>
+        <p:nvSpPr>
+          <p:cNvPr id="43" name="Arrow: Left-Right 42">
+            <a:extLst>
+              <a:ext uri="{FF2B5EF4-FFF2-40B4-BE49-F238E27FC236}">
+                <a16:creationId xmlns:a16="http://schemas.microsoft.com/office/drawing/2014/main" id="{46B0B08E-61B3-4AF4-A80C-01A0B04C6148}"/>
+              </a:ext>
+            </a:extLst>
+          </p:cNvPr>
+          <p:cNvSpPr/>
+          <p:nvPr/>
+        </p:nvSpPr>
+        <p:spPr>
+          <a:xfrm>
+            <a:off x="4310941" y="4278935"/>
+            <a:ext cx="1440349" cy="270723"/>
+          </a:xfrm>
+          <a:prstGeom prst="leftRightArrow">
+            <a:avLst/>
+          </a:prstGeom>
+        </p:spPr>
+        <p:style>
+          <a:lnRef idx="2">
+            <a:schemeClr val="accent1">
+              <a:shade val="50000"/>
+            </a:schemeClr>
+          </a:lnRef>
+          <a:fillRef idx="1">
+            <a:schemeClr val="accent1"/>
+          </a:fillRef>
+          <a:effectRef idx="0">
+            <a:schemeClr val="accent1"/>
+          </a:effectRef>
+          <a:fontRef idx="minor">
+            <a:schemeClr val="lt1"/>
+          </a:fontRef>
+        </p:style>
+        <p:txBody>
+          <a:bodyPr rtlCol="0" anchor="ctr"/>
+          <a:lstStyle/>
+          <a:p>
+            <a:pPr algn="ctr"/>
+            <a:endParaRPr lang="en-SG"/>
+          </a:p>
+        </p:txBody>
+      </p:sp>
+      <p:sp>
+        <p:nvSpPr>
+          <p:cNvPr id="44" name="Arrow: Left-Right 43">
+            <a:extLst>
+              <a:ext uri="{FF2B5EF4-FFF2-40B4-BE49-F238E27FC236}">
+                <a16:creationId xmlns:a16="http://schemas.microsoft.com/office/drawing/2014/main" id="{F06ABC71-0BC3-4730-882F-DF5597283008}"/>
+              </a:ext>
+            </a:extLst>
+          </p:cNvPr>
+          <p:cNvSpPr/>
+          <p:nvPr/>
+        </p:nvSpPr>
+        <p:spPr>
+          <a:xfrm>
+            <a:off x="4836733" y="5023969"/>
+            <a:ext cx="1440349" cy="270723"/>
+          </a:xfrm>
+          <a:prstGeom prst="leftRightArrow">
+            <a:avLst/>
+          </a:prstGeom>
+        </p:spPr>
+        <p:style>
+          <a:lnRef idx="2">
+            <a:schemeClr val="accent1">
+              <a:shade val="50000"/>
+            </a:schemeClr>
+          </a:lnRef>
+          <a:fillRef idx="1">
+            <a:schemeClr val="accent1"/>
+          </a:fillRef>
+          <a:effectRef idx="0">
+            <a:schemeClr val="accent1"/>
+          </a:effectRef>
+          <a:fontRef idx="minor">
+            <a:schemeClr val="lt1"/>
+          </a:fontRef>
+        </p:style>
+        <p:txBody>
+          <a:bodyPr rtlCol="0" anchor="ctr"/>
+          <a:lstStyle/>
+          <a:p>
+            <a:pPr algn="ctr"/>
+            <a:endParaRPr lang="en-SG"/>
+          </a:p>
+        </p:txBody>
+      </p:sp>
+      <p:sp>
+        <p:nvSpPr>
+          <p:cNvPr id="47" name="Arrow: Left-Right 46">
+            <a:extLst>
+              <a:ext uri="{FF2B5EF4-FFF2-40B4-BE49-F238E27FC236}">
+                <a16:creationId xmlns:a16="http://schemas.microsoft.com/office/drawing/2014/main" id="{587A653C-1459-4C46-B766-966D162BDB61}"/>
+              </a:ext>
+            </a:extLst>
+          </p:cNvPr>
+          <p:cNvSpPr/>
+          <p:nvPr/>
+        </p:nvSpPr>
+        <p:spPr>
+          <a:xfrm>
+            <a:off x="5379498" y="5760949"/>
+            <a:ext cx="1440349" cy="270723"/>
+          </a:xfrm>
+          <a:prstGeom prst="leftRightArrow">
+            <a:avLst/>
+          </a:prstGeom>
+        </p:spPr>
+        <p:style>
+          <a:lnRef idx="2">
+            <a:schemeClr val="accent1">
+              <a:shade val="50000"/>
+            </a:schemeClr>
+          </a:lnRef>
+          <a:fillRef idx="1">
+            <a:schemeClr val="accent1"/>
+          </a:fillRef>
+          <a:effectRef idx="0">
+            <a:schemeClr val="accent1"/>
+          </a:effectRef>
+          <a:fontRef idx="minor">
+            <a:schemeClr val="lt1"/>
+          </a:fontRef>
+        </p:style>
+        <p:txBody>
+          <a:bodyPr rtlCol="0" anchor="ctr"/>
+          <a:lstStyle/>
+          <a:p>
+            <a:pPr algn="ctr"/>
+            <a:endParaRPr lang="en-SG"/>
+          </a:p>
+        </p:txBody>
+      </p:sp>
+      <p:sp>
+        <p:nvSpPr>
+          <p:cNvPr id="49" name="TextBox 48">
+            <a:extLst>
+              <a:ext uri="{FF2B5EF4-FFF2-40B4-BE49-F238E27FC236}">
+                <a16:creationId xmlns:a16="http://schemas.microsoft.com/office/drawing/2014/main" id="{474FF590-E31E-422E-913C-1B1405B1D36C}"/>
+              </a:ext>
+            </a:extLst>
+          </p:cNvPr>
+          <p:cNvSpPr txBox="1"/>
+          <p:nvPr/>
+        </p:nvSpPr>
+        <p:spPr>
+          <a:xfrm>
+            <a:off x="0" y="71433"/>
+            <a:ext cx="2455224" cy="400110"/>
+          </a:xfrm>
+          <a:prstGeom prst="rect">
+            <a:avLst/>
+          </a:prstGeom>
+          <a:noFill/>
+        </p:spPr>
+        <p:txBody>
+          <a:bodyPr wrap="none" rtlCol="0">
+            <a:spAutoFit/>
+          </a:bodyPr>
+          <a:lstStyle/>
+          <a:p>
+            <a:r>
+              <a:rPr lang="en-US" sz="2000" dirty="0"/>
+              <a:t>Distributed Controller</a:t>
+            </a:r>
+            <a:endParaRPr lang="en-SG" sz="2000" dirty="0"/>
           </a:p>
         </p:txBody>
       </p:sp>
@@ -35771,7 +36783,7 @@
             <a:solidFill>
               <a:schemeClr val="tx1"/>
             </a:solidFill>
-            <a:prstDash val="dash"/>
+            <a:prstDash val="solid"/>
           </a:ln>
         </p:spPr>
         <p:style>
@@ -38166,15 +39178,6 @@
 </file>
 
 <file path=customXml/item1.xml><?xml version="1.0" encoding="utf-8"?>
-<?mso-contentType ?>
-<FormTemplates xmlns="http://schemas.microsoft.com/sharepoint/v3/contenttype/forms">
-  <Display>DocumentLibraryForm</Display>
-  <Edit>DocumentLibraryForm</Edit>
-  <New>DocumentLibraryForm</New>
-</FormTemplates>
-</file>
-
-<file path=customXml/item2.xml><?xml version="1.0" encoding="utf-8"?>
 <ct:contentTypeSchema xmlns:ct="http://schemas.microsoft.com/office/2006/metadata/contentType" xmlns:ma="http://schemas.microsoft.com/office/2006/metadata/properties/metaAttributes" ct:_="" ma:_="" ma:contentTypeName="Document" ma:contentTypeID="0x010100E6E1031C48018C4292DBDBD68C3F63E2" ma:contentTypeVersion="6" ma:contentTypeDescription="Create a new document." ma:contentTypeScope="" ma:versionID="9ae9a2a5b07300798953ecdd28312694">
   <xsd:schema xmlns:xsd="http://www.w3.org/2001/XMLSchema" xmlns:xs="http://www.w3.org/2001/XMLSchema" xmlns:p="http://schemas.microsoft.com/office/2006/metadata/properties" xmlns:ns2="0ad04f26-a780-43bf-835f-b79ff52a29dc" xmlns:ns3="a1518579-73ee-42fe-aa96-2836fc14ff9f" xmlns:ns4="d1583c34-73a0-4f2f-ba6b-1ac8359f2b78" targetNamespace="http://schemas.microsoft.com/office/2006/metadata/properties" ma:root="true" ma:fieldsID="9faae2f6251647047d77e859e5fe7bf2" ns2:_="" ns3:_="" ns4:_="">
     <xsd:import namespace="0ad04f26-a780-43bf-835f-b79ff52a29dc"/>
@@ -38383,7 +39386,40 @@
 </ct:contentTypeSchema>
 </file>
 
+<file path=customXml/item2.xml><?xml version="1.0" encoding="utf-8"?>
+<?mso-contentType ?>
+<FormTemplates xmlns="http://schemas.microsoft.com/sharepoint/v3/contenttype/forms">
+  <Display>DocumentLibraryForm</Display>
+  <Edit>DocumentLibraryForm</Edit>
+  <New>DocumentLibraryForm</New>
+</FormTemplates>
+</file>
+
 <file path=customXml/item3.xml><?xml version="1.0" encoding="utf-8"?>
+<p:properties xmlns:p="http://schemas.microsoft.com/office/2006/metadata/properties" xmlns:xsi="http://www.w3.org/2001/XMLSchema-instance" xmlns:pc="http://schemas.microsoft.com/office/infopath/2007/PartnerControls">
+  <documentManagement>
+    <SharedWithUsers xmlns="d1583c34-73a0-4f2f-ba6b-1ac8359f2b78">
+      <UserInfo>
+        <DisplayName>Karen Boh Lee Gek</DisplayName>
+        <AccountId>1403</AccountId>
+        <AccountType/>
+      </UserInfo>
+      <UserInfo>
+        <DisplayName>Kris Chur San Yee</DisplayName>
+        <AccountId>1798</AccountId>
+        <AccountType/>
+      </UserInfo>
+    </SharedWithUsers>
+    <_dlc_DocId xmlns="0ad04f26-a780-43bf-835f-b79ff52a29dc">U3ZV22ZJXESJ-1142709787-4964</_dlc_DocId>
+    <_dlc_DocIdUrl xmlns="0ad04f26-a780-43bf-835f-b79ff52a29dc">
+      <Url>https://sitsingaporetechedu.sharepoint.com/sites/PO/Leads/_layouts/15/DocIdRedir.aspx?ID=U3ZV22ZJXESJ-1142709787-4964</Url>
+      <Description>U3ZV22ZJXESJ-1142709787-4964</Description>
+    </_dlc_DocIdUrl>
+  </documentManagement>
+</p:properties>
+</file>
+
+<file path=customXml/item4.xml><?xml version="1.0" encoding="utf-8"?>
 <?mso-contentType ?>
 <spe:Receivers xmlns:spe="http://schemas.microsoft.com/sharepoint/events">
   <Receiver>
@@ -38433,39 +39469,7 @@
 </spe:Receivers>
 </file>
 
-<file path=customXml/item4.xml><?xml version="1.0" encoding="utf-8"?>
-<p:properties xmlns:p="http://schemas.microsoft.com/office/2006/metadata/properties" xmlns:xsi="http://www.w3.org/2001/XMLSchema-instance" xmlns:pc="http://schemas.microsoft.com/office/infopath/2007/PartnerControls">
-  <documentManagement>
-    <SharedWithUsers xmlns="d1583c34-73a0-4f2f-ba6b-1ac8359f2b78">
-      <UserInfo>
-        <DisplayName>Karen Boh Lee Gek</DisplayName>
-        <AccountId>1403</AccountId>
-        <AccountType/>
-      </UserInfo>
-      <UserInfo>
-        <DisplayName>Kris Chur San Yee</DisplayName>
-        <AccountId>1798</AccountId>
-        <AccountType/>
-      </UserInfo>
-    </SharedWithUsers>
-    <_dlc_DocId xmlns="0ad04f26-a780-43bf-835f-b79ff52a29dc">U3ZV22ZJXESJ-1142709787-4964</_dlc_DocId>
-    <_dlc_DocIdUrl xmlns="0ad04f26-a780-43bf-835f-b79ff52a29dc">
-      <Url>https://sitsingaporetechedu.sharepoint.com/sites/PO/Leads/_layouts/15/DocIdRedir.aspx?ID=U3ZV22ZJXESJ-1142709787-4964</Url>
-      <Description>U3ZV22ZJXESJ-1142709787-4964</Description>
-    </_dlc_DocIdUrl>
-  </documentManagement>
-</p:properties>
-</file>
-
 <file path=customXml/itemProps1.xml><?xml version="1.0" encoding="utf-8"?>
-<ds:datastoreItem xmlns:ds="http://schemas.openxmlformats.org/officeDocument/2006/customXml" ds:itemID="{7D7D58FF-6E5B-409D-8B4D-B0E0073025D5}">
-  <ds:schemaRefs>
-    <ds:schemaRef ds:uri="http://schemas.microsoft.com/sharepoint/v3/contenttype/forms"/>
-  </ds:schemaRefs>
-</ds:datastoreItem>
-</file>
-
-<file path=customXml/itemProps2.xml><?xml version="1.0" encoding="utf-8"?>
 <ds:datastoreItem xmlns:ds="http://schemas.openxmlformats.org/officeDocument/2006/customXml" ds:itemID="{C20F4E18-A5EC-4A34-B7AA-397D2B188B6A}">
   <ds:schemaRefs>
     <ds:schemaRef ds:uri="http://schemas.microsoft.com/office/2006/metadata/contentType"/>
@@ -38485,15 +39489,15 @@
 </ds:datastoreItem>
 </file>
 
-<file path=customXml/itemProps3.xml><?xml version="1.0" encoding="utf-8"?>
-<ds:datastoreItem xmlns:ds="http://schemas.openxmlformats.org/officeDocument/2006/customXml" ds:itemID="{DBE60198-3F54-4377-AFC2-746F792EC1FE}">
+<file path=customXml/itemProps2.xml><?xml version="1.0" encoding="utf-8"?>
+<ds:datastoreItem xmlns:ds="http://schemas.openxmlformats.org/officeDocument/2006/customXml" ds:itemID="{7D7D58FF-6E5B-409D-8B4D-B0E0073025D5}">
   <ds:schemaRefs>
-    <ds:schemaRef ds:uri="http://schemas.microsoft.com/sharepoint/events"/>
+    <ds:schemaRef ds:uri="http://schemas.microsoft.com/sharepoint/v3/contenttype/forms"/>
   </ds:schemaRefs>
 </ds:datastoreItem>
 </file>
 
-<file path=customXml/itemProps4.xml><?xml version="1.0" encoding="utf-8"?>
+<file path=customXml/itemProps3.xml><?xml version="1.0" encoding="utf-8"?>
 <ds:datastoreItem xmlns:ds="http://schemas.openxmlformats.org/officeDocument/2006/customXml" ds:itemID="{07B7BCB4-6752-4067-9BBF-537E18945997}">
   <ds:schemaRefs>
     <ds:schemaRef ds:uri="http://schemas.microsoft.com/office/2006/documentManagement/types"/>
@@ -38509,4 +39513,12 @@
     <ds:schemaRef ds:uri="http://purl.org/dc/dcmitype/"/>
   </ds:schemaRefs>
 </ds:datastoreItem>
+</file>
+
+<file path=customXml/itemProps4.xml><?xml version="1.0" encoding="utf-8"?>
+<ds:datastoreItem xmlns:ds="http://schemas.openxmlformats.org/officeDocument/2006/customXml" ds:itemID="{DBE60198-3F54-4377-AFC2-746F792EC1FE}">
+  <ds:schemaRefs>
+    <ds:schemaRef ds:uri="http://schemas.microsoft.com/sharepoint/events"/>
+  </ds:schemaRefs>
+</ds:datastoreItem>
 </file>
--- a/Docs/thermal_controller_blockdiagram.pptx
+++ b/Docs/thermal_controller_blockdiagram.pptx
@@ -5,7 +5,7 @@
     <p:sldMasterId id="2147483648" r:id="rId5"/>
   </p:sldMasterIdLst>
   <p:notesMasterIdLst>
-    <p:notesMasterId r:id="rId19"/>
+    <p:notesMasterId r:id="rId20"/>
   </p:notesMasterIdLst>
   <p:sldIdLst>
     <p:sldId id="3535" r:id="rId6"/>
@@ -17,10 +17,11 @@
     <p:sldId id="3531" r:id="rId12"/>
     <p:sldId id="3538" r:id="rId13"/>
     <p:sldId id="3536" r:id="rId14"/>
-    <p:sldId id="3539" r:id="rId15"/>
-    <p:sldId id="3534" r:id="rId16"/>
-    <p:sldId id="3532" r:id="rId17"/>
-    <p:sldId id="3533" r:id="rId18"/>
+    <p:sldId id="3540" r:id="rId15"/>
+    <p:sldId id="3539" r:id="rId16"/>
+    <p:sldId id="3534" r:id="rId17"/>
+    <p:sldId id="3532" r:id="rId18"/>
+    <p:sldId id="3533" r:id="rId19"/>
   </p:sldIdLst>
   <p:sldSz cx="12192000" cy="6858000"/>
   <p:notesSz cx="6797675" cy="9926638"/>
@@ -221,7 +222,7 @@
           <a:p>
             <a:fld id="{8A2540B5-C657-4695-96F0-0059BA46A3EC}" type="datetimeFigureOut">
               <a:rPr lang="en-US" smtClean="0"/>
-              <a:t>12/16/2022</a:t>
+              <a:t>3/23/2023</a:t>
             </a:fld>
             <a:endParaRPr lang="en-US"/>
           </a:p>
@@ -703,7 +704,10 @@
           <a:bodyPr/>
           <a:lstStyle/>
           <a:p>
-            <a:endParaRPr lang="en-SG" dirty="0"/>
+            <a:r>
+              <a:rPr lang="en-SG" dirty="0"/>
+              <a:t>Need to update pin numbers and arrow directions.</a:t>
+            </a:r>
           </a:p>
         </p:txBody>
       </p:sp>
@@ -724,7 +728,91 @@
           <a:p>
             <a:fld id="{D7A1C63D-6A0D-4A97-AF70-6DEF9E93A01A}" type="slidenum">
               <a:rPr lang="en-US" smtClean="0"/>
-              <a:t>13</a:t>
+              <a:t>10</a:t>
+            </a:fld>
+            <a:endParaRPr lang="en-US"/>
+          </a:p>
+        </p:txBody>
+      </p:sp>
+    </p:spTree>
+    <p:extLst>
+      <p:ext uri="{BB962C8B-B14F-4D97-AF65-F5344CB8AC3E}">
+        <p14:creationId xmlns:p14="http://schemas.microsoft.com/office/powerpoint/2010/main" val="2377521159"/>
+      </p:ext>
+    </p:extLst>
+  </p:cSld>
+  <p:clrMapOvr>
+    <a:masterClrMapping/>
+  </p:clrMapOvr>
+</p:notes>
+</file>
+
+<file path=ppt/notesSlides/notesSlide4.xml><?xml version="1.0" encoding="utf-8"?>
+<p:notes xmlns:a="http://schemas.openxmlformats.org/drawingml/2006/main" xmlns:r="http://schemas.openxmlformats.org/officeDocument/2006/relationships" xmlns:p="http://schemas.openxmlformats.org/presentationml/2006/main">
+  <p:cSld>
+    <p:spTree>
+      <p:nvGrpSpPr>
+        <p:cNvPr id="1" name=""/>
+        <p:cNvGrpSpPr/>
+        <p:nvPr/>
+      </p:nvGrpSpPr>
+      <p:grpSpPr>
+        <a:xfrm>
+          <a:off x="0" y="0"/>
+          <a:ext cx="0" cy="0"/>
+          <a:chOff x="0" y="0"/>
+          <a:chExt cx="0" cy="0"/>
+        </a:xfrm>
+      </p:grpSpPr>
+      <p:sp>
+        <p:nvSpPr>
+          <p:cNvPr id="2" name="Slide Image Placeholder 1"/>
+          <p:cNvSpPr>
+            <a:spLocks noGrp="1" noRot="1" noChangeAspect="1"/>
+          </p:cNvSpPr>
+          <p:nvPr>
+            <p:ph type="sldImg"/>
+          </p:nvPr>
+        </p:nvSpPr>
+        <p:spPr/>
+      </p:sp>
+      <p:sp>
+        <p:nvSpPr>
+          <p:cNvPr id="3" name="Notes Placeholder 2"/>
+          <p:cNvSpPr>
+            <a:spLocks noGrp="1"/>
+          </p:cNvSpPr>
+          <p:nvPr>
+            <p:ph type="body" idx="1"/>
+          </p:nvPr>
+        </p:nvSpPr>
+        <p:spPr/>
+        <p:txBody>
+          <a:bodyPr/>
+          <a:lstStyle/>
+          <a:p>
+            <a:endParaRPr lang="en-SG" dirty="0"/>
+          </a:p>
+        </p:txBody>
+      </p:sp>
+      <p:sp>
+        <p:nvSpPr>
+          <p:cNvPr id="4" name="Slide Number Placeholder 3"/>
+          <p:cNvSpPr>
+            <a:spLocks noGrp="1"/>
+          </p:cNvSpPr>
+          <p:nvPr>
+            <p:ph type="sldNum" sz="quarter" idx="5"/>
+          </p:nvPr>
+        </p:nvSpPr>
+        <p:spPr/>
+        <p:txBody>
+          <a:bodyPr/>
+          <a:lstStyle/>
+          <a:p>
+            <a:fld id="{D7A1C63D-6A0D-4A97-AF70-6DEF9E93A01A}" type="slidenum">
+              <a:rPr lang="en-US" smtClean="0"/>
+              <a:t>14</a:t>
             </a:fld>
             <a:endParaRPr lang="en-US"/>
           </a:p>
@@ -1015,7 +1103,7 @@
           <a:p>
             <a:fld id="{CD9FC7CE-19E2-4257-9F45-8977FC4F3E4A}" type="datetimeFigureOut">
               <a:rPr lang="en-US" smtClean="0"/>
-              <a:t>12/16/2022</a:t>
+              <a:t>3/23/2023</a:t>
             </a:fld>
             <a:endParaRPr lang="en-US"/>
           </a:p>
@@ -1324,7 +1412,7 @@
           <a:p>
             <a:fld id="{CD9FC7CE-19E2-4257-9F45-8977FC4F3E4A}" type="datetimeFigureOut">
               <a:rPr lang="en-US" smtClean="0"/>
-              <a:t>12/16/2022</a:t>
+              <a:t>3/23/2023</a:t>
             </a:fld>
             <a:endParaRPr lang="en-US"/>
           </a:p>
@@ -1540,7 +1628,7 @@
           <a:p>
             <a:fld id="{CD9FC7CE-19E2-4257-9F45-8977FC4F3E4A}" type="datetimeFigureOut">
               <a:rPr lang="en-US" smtClean="0"/>
-              <a:t>12/16/2022</a:t>
+              <a:t>3/23/2023</a:t>
             </a:fld>
             <a:endParaRPr lang="en-US"/>
           </a:p>
@@ -1940,7 +2028,7 @@
           <a:p>
             <a:fld id="{CD9FC7CE-19E2-4257-9F45-8977FC4F3E4A}" type="datetimeFigureOut">
               <a:rPr lang="en-US" smtClean="0"/>
-              <a:t>12/16/2022</a:t>
+              <a:t>3/23/2023</a:t>
             </a:fld>
             <a:endParaRPr lang="en-US"/>
           </a:p>
@@ -2057,7 +2145,7 @@
           <a:p>
             <a:fld id="{CD9FC7CE-19E2-4257-9F45-8977FC4F3E4A}" type="datetimeFigureOut">
               <a:rPr lang="en-US" smtClean="0"/>
-              <a:t>12/16/2022</a:t>
+              <a:t>3/23/2023</a:t>
             </a:fld>
             <a:endParaRPr lang="en-US"/>
           </a:p>
@@ -2152,7 +2240,7 @@
           <a:p>
             <a:fld id="{CD9FC7CE-19E2-4257-9F45-8977FC4F3E4A}" type="datetimeFigureOut">
               <a:rPr lang="en-US" smtClean="0"/>
-              <a:t>12/16/2022</a:t>
+              <a:t>3/23/2023</a:t>
             </a:fld>
             <a:endParaRPr lang="en-US"/>
           </a:p>
@@ -2379,7 +2467,7 @@
           <a:p>
             <a:fld id="{CD9FC7CE-19E2-4257-9F45-8977FC4F3E4A}" type="datetimeFigureOut">
               <a:rPr lang="en-US" smtClean="0"/>
-              <a:t>12/16/2022</a:t>
+              <a:t>3/23/2023</a:t>
             </a:fld>
             <a:endParaRPr lang="en-US" dirty="0"/>
           </a:p>
@@ -2897,10 +2985,10 @@
       </p:grpSpPr>
       <p:sp>
         <p:nvSpPr>
-          <p:cNvPr id="4" name="Rectangle: Rounded Corners 3">
-            <a:extLst>
-              <a:ext uri="{FF2B5EF4-FFF2-40B4-BE49-F238E27FC236}">
-                <a16:creationId xmlns:a16="http://schemas.microsoft.com/office/drawing/2014/main" id="{93540440-8B0B-45A6-86C5-BDB4D40B3803}"/>
+          <p:cNvPr id="44" name="Rectangle 43">
+            <a:extLst>
+              <a:ext uri="{FF2B5EF4-FFF2-40B4-BE49-F238E27FC236}">
+                <a16:creationId xmlns:a16="http://schemas.microsoft.com/office/drawing/2014/main" id="{F21C0551-3D56-4A70-A5DD-57100B576499}"/>
               </a:ext>
             </a:extLst>
           </p:cNvPr>
@@ -2909,69 +2997,8 @@
         </p:nvSpPr>
         <p:spPr>
           <a:xfrm>
-            <a:off x="1055480" y="1299733"/>
-            <a:ext cx="2107964" cy="1158373"/>
-          </a:xfrm>
-          <a:prstGeom prst="roundRect">
-            <a:avLst/>
-          </a:prstGeom>
-          <a:solidFill>
-            <a:srgbClr val="FFC000"/>
-          </a:solidFill>
-        </p:spPr>
-        <p:style>
-          <a:lnRef idx="2">
-            <a:schemeClr val="accent1">
-              <a:shade val="50000"/>
-            </a:schemeClr>
-          </a:lnRef>
-          <a:fillRef idx="1">
-            <a:schemeClr val="accent1"/>
-          </a:fillRef>
-          <a:effectRef idx="0">
-            <a:schemeClr val="accent1"/>
-          </a:effectRef>
-          <a:fontRef idx="minor">
-            <a:schemeClr val="lt1"/>
-          </a:fontRef>
-        </p:style>
-        <p:txBody>
-          <a:bodyPr rtlCol="0" anchor="b" anchorCtr="0"/>
-          <a:lstStyle/>
-          <a:p>
-            <a:pPr algn="ctr"/>
-            <a:r>
-              <a:rPr lang="en-US" sz="2400" b="1" dirty="0">
-                <a:solidFill>
-                  <a:schemeClr val="tx1"/>
-                </a:solidFill>
-              </a:rPr>
-              <a:t>Slave 1</a:t>
-            </a:r>
-            <a:endParaRPr lang="en-SG" sz="2400" b="1" dirty="0">
-              <a:solidFill>
-                <a:schemeClr val="tx1"/>
-              </a:solidFill>
-            </a:endParaRPr>
-          </a:p>
-        </p:txBody>
-      </p:sp>
-      <p:sp>
-        <p:nvSpPr>
-          <p:cNvPr id="5" name="Rectangle 4">
-            <a:extLst>
-              <a:ext uri="{FF2B5EF4-FFF2-40B4-BE49-F238E27FC236}">
-                <a16:creationId xmlns:a16="http://schemas.microsoft.com/office/drawing/2014/main" id="{DDA71969-CC4C-471E-85F8-92D45099BA3D}"/>
-              </a:ext>
-            </a:extLst>
-          </p:cNvPr>
-          <p:cNvSpPr/>
-          <p:nvPr/>
-        </p:nvSpPr>
-        <p:spPr>
-          <a:xfrm>
-            <a:off x="1238794" y="1530321"/>
-            <a:ext cx="1741336" cy="417065"/>
+            <a:off x="4857563" y="1777102"/>
+            <a:ext cx="2282956" cy="4555883"/>
           </a:xfrm>
           <a:prstGeom prst="rect">
             <a:avLst/>
@@ -3010,7 +3037,514 @@
                   <a:schemeClr val="tx1"/>
                 </a:solidFill>
               </a:rPr>
-              <a:t>Max485 Module</a:t>
+              <a:t>Microcontroller</a:t>
+            </a:r>
+          </a:p>
+          <a:p>
+            <a:pPr algn="ctr"/>
+            <a:r>
+              <a:rPr lang="en-US" b="1" dirty="0">
+                <a:solidFill>
+                  <a:schemeClr val="tx1"/>
+                </a:solidFill>
+              </a:rPr>
+              <a:t>(Arduino Uno)</a:t>
+            </a:r>
+          </a:p>
+        </p:txBody>
+      </p:sp>
+      <p:cxnSp>
+        <p:nvCxnSpPr>
+          <p:cNvPr id="250" name="Straight Arrow Connector 249">
+            <a:extLst>
+              <a:ext uri="{FF2B5EF4-FFF2-40B4-BE49-F238E27FC236}">
+                <a16:creationId xmlns:a16="http://schemas.microsoft.com/office/drawing/2014/main" id="{A203D7EF-04CA-4FDB-9ABE-F974DB80A422}"/>
+              </a:ext>
+            </a:extLst>
+          </p:cNvPr>
+          <p:cNvCxnSpPr>
+            <a:cxnSpLocks/>
+            <a:endCxn id="275" idx="1"/>
+          </p:cNvCxnSpPr>
+          <p:nvPr/>
+        </p:nvCxnSpPr>
+        <p:spPr>
+          <a:xfrm flipV="1">
+            <a:off x="8134070" y="708149"/>
+            <a:ext cx="389779" cy="1"/>
+          </a:xfrm>
+          <a:prstGeom prst="straightConnector1">
+            <a:avLst/>
+          </a:prstGeom>
+          <a:ln w="38100">
+            <a:solidFill>
+              <a:schemeClr val="tx1"/>
+            </a:solidFill>
+            <a:tailEnd type="triangle"/>
+          </a:ln>
+        </p:spPr>
+        <p:style>
+          <a:lnRef idx="1">
+            <a:schemeClr val="accent1"/>
+          </a:lnRef>
+          <a:fillRef idx="0">
+            <a:schemeClr val="accent1"/>
+          </a:fillRef>
+          <a:effectRef idx="0">
+            <a:schemeClr val="accent1"/>
+          </a:effectRef>
+          <a:fontRef idx="minor">
+            <a:schemeClr val="tx1"/>
+          </a:fontRef>
+        </p:style>
+      </p:cxnSp>
+      <p:sp>
+        <p:nvSpPr>
+          <p:cNvPr id="275" name="TextBox 274">
+            <a:extLst>
+              <a:ext uri="{FF2B5EF4-FFF2-40B4-BE49-F238E27FC236}">
+                <a16:creationId xmlns:a16="http://schemas.microsoft.com/office/drawing/2014/main" id="{775B6F79-D287-41C3-93CD-F0D1DA0A13FF}"/>
+              </a:ext>
+            </a:extLst>
+          </p:cNvPr>
+          <p:cNvSpPr txBox="1"/>
+          <p:nvPr/>
+        </p:nvSpPr>
+        <p:spPr>
+          <a:xfrm>
+            <a:off x="8523849" y="523483"/>
+            <a:ext cx="548547" cy="369332"/>
+          </a:xfrm>
+          <a:prstGeom prst="rect">
+            <a:avLst/>
+          </a:prstGeom>
+          <a:noFill/>
+        </p:spPr>
+        <p:txBody>
+          <a:bodyPr wrap="none" rtlCol="0">
+            <a:spAutoFit/>
+          </a:bodyPr>
+          <a:lstStyle/>
+          <a:p>
+            <a:pPr algn="ctr"/>
+            <a:r>
+              <a:rPr lang="en-US" dirty="0"/>
+              <a:t>+5V</a:t>
+            </a:r>
+          </a:p>
+        </p:txBody>
+      </p:sp>
+      <p:sp>
+        <p:nvSpPr>
+          <p:cNvPr id="79" name="TextBox 78">
+            <a:extLst>
+              <a:ext uri="{FF2B5EF4-FFF2-40B4-BE49-F238E27FC236}">
+                <a16:creationId xmlns:a16="http://schemas.microsoft.com/office/drawing/2014/main" id="{90EB199C-1C46-4C18-A980-17B586B8B71C}"/>
+              </a:ext>
+            </a:extLst>
+          </p:cNvPr>
+          <p:cNvSpPr txBox="1"/>
+          <p:nvPr/>
+        </p:nvSpPr>
+        <p:spPr>
+          <a:xfrm>
+            <a:off x="2721232" y="525015"/>
+            <a:ext cx="665567" cy="369332"/>
+          </a:xfrm>
+          <a:prstGeom prst="rect">
+            <a:avLst/>
+          </a:prstGeom>
+          <a:noFill/>
+        </p:spPr>
+        <p:txBody>
+          <a:bodyPr wrap="none" rtlCol="0">
+            <a:spAutoFit/>
+          </a:bodyPr>
+          <a:lstStyle/>
+          <a:p>
+            <a:pPr algn="ctr"/>
+            <a:r>
+              <a:rPr lang="en-US" dirty="0"/>
+              <a:t>+24V</a:t>
+            </a:r>
+          </a:p>
+        </p:txBody>
+      </p:sp>
+      <p:cxnSp>
+        <p:nvCxnSpPr>
+          <p:cNvPr id="51" name="Straight Arrow Connector 50">
+            <a:extLst>
+              <a:ext uri="{FF2B5EF4-FFF2-40B4-BE49-F238E27FC236}">
+                <a16:creationId xmlns:a16="http://schemas.microsoft.com/office/drawing/2014/main" id="{07F04B4E-8A0A-4ACC-8E16-E1FB7495FA0C}"/>
+              </a:ext>
+            </a:extLst>
+          </p:cNvPr>
+          <p:cNvCxnSpPr>
+            <a:cxnSpLocks/>
+          </p:cNvCxnSpPr>
+          <p:nvPr/>
+        </p:nvCxnSpPr>
+        <p:spPr>
+          <a:xfrm>
+            <a:off x="6276837" y="709681"/>
+            <a:ext cx="382180" cy="0"/>
+          </a:xfrm>
+          <a:prstGeom prst="straightConnector1">
+            <a:avLst/>
+          </a:prstGeom>
+          <a:ln w="38100">
+            <a:solidFill>
+              <a:schemeClr val="tx1"/>
+            </a:solidFill>
+            <a:tailEnd type="triangle"/>
+          </a:ln>
+        </p:spPr>
+        <p:style>
+          <a:lnRef idx="1">
+            <a:schemeClr val="accent1"/>
+          </a:lnRef>
+          <a:fillRef idx="0">
+            <a:schemeClr val="accent1"/>
+          </a:fillRef>
+          <a:effectRef idx="0">
+            <a:schemeClr val="accent1"/>
+          </a:effectRef>
+          <a:fontRef idx="minor">
+            <a:schemeClr val="tx1"/>
+          </a:fontRef>
+        </p:style>
+      </p:cxnSp>
+      <p:sp>
+        <p:nvSpPr>
+          <p:cNvPr id="37" name="Rectangle 36">
+            <a:extLst>
+              <a:ext uri="{FF2B5EF4-FFF2-40B4-BE49-F238E27FC236}">
+                <a16:creationId xmlns:a16="http://schemas.microsoft.com/office/drawing/2014/main" id="{9E78489F-4ACE-449C-8AE4-43ECD219CE5F}"/>
+              </a:ext>
+            </a:extLst>
+          </p:cNvPr>
+          <p:cNvSpPr/>
+          <p:nvPr/>
+        </p:nvSpPr>
+        <p:spPr>
+          <a:xfrm>
+            <a:off x="3797222" y="361129"/>
+            <a:ext cx="1461325" cy="713937"/>
+          </a:xfrm>
+          <a:prstGeom prst="rect">
+            <a:avLst/>
+          </a:prstGeom>
+          <a:noFill/>
+          <a:ln w="38100">
+            <a:solidFill>
+              <a:schemeClr val="tx1"/>
+            </a:solidFill>
+          </a:ln>
+        </p:spPr>
+        <p:style>
+          <a:lnRef idx="2">
+            <a:schemeClr val="accent1">
+              <a:shade val="50000"/>
+            </a:schemeClr>
+          </a:lnRef>
+          <a:fillRef idx="1">
+            <a:schemeClr val="accent1"/>
+          </a:fillRef>
+          <a:effectRef idx="0">
+            <a:schemeClr val="accent1"/>
+          </a:effectRef>
+          <a:fontRef idx="minor">
+            <a:schemeClr val="lt1"/>
+          </a:fontRef>
+        </p:style>
+        <p:txBody>
+          <a:bodyPr rtlCol="0" anchor="ctr"/>
+          <a:lstStyle/>
+          <a:p>
+            <a:pPr algn="ctr"/>
+            <a:r>
+              <a:rPr lang="en-US" b="1" dirty="0">
+                <a:solidFill>
+                  <a:schemeClr val="tx1"/>
+                </a:solidFill>
+              </a:rPr>
+              <a:t>DC-DC</a:t>
+            </a:r>
+          </a:p>
+          <a:p>
+            <a:pPr algn="ctr"/>
+            <a:r>
+              <a:rPr lang="en-US" b="1" dirty="0">
+                <a:solidFill>
+                  <a:schemeClr val="tx1"/>
+                </a:solidFill>
+              </a:rPr>
+              <a:t>Converter</a:t>
+            </a:r>
+          </a:p>
+        </p:txBody>
+      </p:sp>
+      <p:cxnSp>
+        <p:nvCxnSpPr>
+          <p:cNvPr id="38" name="Straight Arrow Connector 37">
+            <a:extLst>
+              <a:ext uri="{FF2B5EF4-FFF2-40B4-BE49-F238E27FC236}">
+                <a16:creationId xmlns:a16="http://schemas.microsoft.com/office/drawing/2014/main" id="{D867A68A-354F-439F-B4F4-1F9944846B8B}"/>
+              </a:ext>
+            </a:extLst>
+          </p:cNvPr>
+          <p:cNvCxnSpPr>
+            <a:cxnSpLocks/>
+          </p:cNvCxnSpPr>
+          <p:nvPr/>
+        </p:nvCxnSpPr>
+        <p:spPr>
+          <a:xfrm>
+            <a:off x="3380913" y="709681"/>
+            <a:ext cx="403535" cy="0"/>
+          </a:xfrm>
+          <a:prstGeom prst="straightConnector1">
+            <a:avLst/>
+          </a:prstGeom>
+          <a:ln w="38100">
+            <a:solidFill>
+              <a:schemeClr val="tx1"/>
+            </a:solidFill>
+            <a:tailEnd type="triangle"/>
+          </a:ln>
+        </p:spPr>
+        <p:style>
+          <a:lnRef idx="1">
+            <a:schemeClr val="accent1"/>
+          </a:lnRef>
+          <a:fillRef idx="0">
+            <a:schemeClr val="accent1"/>
+          </a:fillRef>
+          <a:effectRef idx="0">
+            <a:schemeClr val="accent1"/>
+          </a:effectRef>
+          <a:fontRef idx="minor">
+            <a:schemeClr val="tx1"/>
+          </a:fontRef>
+        </p:style>
+      </p:cxnSp>
+      <p:sp>
+        <p:nvSpPr>
+          <p:cNvPr id="39" name="TextBox 38">
+            <a:extLst>
+              <a:ext uri="{FF2B5EF4-FFF2-40B4-BE49-F238E27FC236}">
+                <a16:creationId xmlns:a16="http://schemas.microsoft.com/office/drawing/2014/main" id="{807E1ED7-9074-472F-A950-8FD0F00132D0}"/>
+              </a:ext>
+            </a:extLst>
+          </p:cNvPr>
+          <p:cNvSpPr txBox="1"/>
+          <p:nvPr/>
+        </p:nvSpPr>
+        <p:spPr>
+          <a:xfrm>
+            <a:off x="5661177" y="525015"/>
+            <a:ext cx="665568" cy="369332"/>
+          </a:xfrm>
+          <a:prstGeom prst="rect">
+            <a:avLst/>
+          </a:prstGeom>
+          <a:noFill/>
+        </p:spPr>
+        <p:txBody>
+          <a:bodyPr wrap="none" rtlCol="0">
+            <a:spAutoFit/>
+          </a:bodyPr>
+          <a:lstStyle/>
+          <a:p>
+            <a:pPr algn="ctr"/>
+            <a:r>
+              <a:rPr lang="en-US" dirty="0"/>
+              <a:t>+12V</a:t>
+            </a:r>
+          </a:p>
+        </p:txBody>
+      </p:sp>
+      <p:cxnSp>
+        <p:nvCxnSpPr>
+          <p:cNvPr id="40" name="Straight Arrow Connector 39">
+            <a:extLst>
+              <a:ext uri="{FF2B5EF4-FFF2-40B4-BE49-F238E27FC236}">
+                <a16:creationId xmlns:a16="http://schemas.microsoft.com/office/drawing/2014/main" id="{3E9F741C-40D1-4A81-B446-DF1645019AAA}"/>
+              </a:ext>
+            </a:extLst>
+          </p:cNvPr>
+          <p:cNvCxnSpPr>
+            <a:cxnSpLocks/>
+            <a:endCxn id="39" idx="1"/>
+          </p:cNvCxnSpPr>
+          <p:nvPr/>
+        </p:nvCxnSpPr>
+        <p:spPr>
+          <a:xfrm>
+            <a:off x="5278997" y="709681"/>
+            <a:ext cx="382180" cy="0"/>
+          </a:xfrm>
+          <a:prstGeom prst="straightConnector1">
+            <a:avLst/>
+          </a:prstGeom>
+          <a:ln w="38100">
+            <a:solidFill>
+              <a:schemeClr val="tx1"/>
+            </a:solidFill>
+            <a:tailEnd type="triangle"/>
+          </a:ln>
+        </p:spPr>
+        <p:style>
+          <a:lnRef idx="1">
+            <a:schemeClr val="accent1"/>
+          </a:lnRef>
+          <a:fillRef idx="0">
+            <a:schemeClr val="accent1"/>
+          </a:fillRef>
+          <a:effectRef idx="0">
+            <a:schemeClr val="accent1"/>
+          </a:effectRef>
+          <a:fontRef idx="minor">
+            <a:schemeClr val="tx1"/>
+          </a:fontRef>
+        </p:style>
+      </p:cxnSp>
+      <p:sp>
+        <p:nvSpPr>
+          <p:cNvPr id="41" name="Rectangle 40">
+            <a:extLst>
+              <a:ext uri="{FF2B5EF4-FFF2-40B4-BE49-F238E27FC236}">
+                <a16:creationId xmlns:a16="http://schemas.microsoft.com/office/drawing/2014/main" id="{DF77EDA3-EB6B-4BAE-8D2F-A389897794F7}"/>
+              </a:ext>
+            </a:extLst>
+          </p:cNvPr>
+          <p:cNvSpPr/>
+          <p:nvPr/>
+        </p:nvSpPr>
+        <p:spPr>
+          <a:xfrm>
+            <a:off x="6659017" y="356990"/>
+            <a:ext cx="1461325" cy="713937"/>
+          </a:xfrm>
+          <a:prstGeom prst="rect">
+            <a:avLst/>
+          </a:prstGeom>
+          <a:noFill/>
+          <a:ln w="38100">
+            <a:solidFill>
+              <a:schemeClr val="tx1"/>
+            </a:solidFill>
+          </a:ln>
+        </p:spPr>
+        <p:style>
+          <a:lnRef idx="2">
+            <a:schemeClr val="accent1">
+              <a:shade val="50000"/>
+            </a:schemeClr>
+          </a:lnRef>
+          <a:fillRef idx="1">
+            <a:schemeClr val="accent1"/>
+          </a:fillRef>
+          <a:effectRef idx="0">
+            <a:schemeClr val="accent1"/>
+          </a:effectRef>
+          <a:fontRef idx="minor">
+            <a:schemeClr val="lt1"/>
+          </a:fontRef>
+        </p:style>
+        <p:txBody>
+          <a:bodyPr rtlCol="0" anchor="ctr"/>
+          <a:lstStyle/>
+          <a:p>
+            <a:pPr algn="ctr"/>
+            <a:r>
+              <a:rPr lang="en-US" b="1" dirty="0">
+                <a:solidFill>
+                  <a:schemeClr val="tx1"/>
+                </a:solidFill>
+              </a:rPr>
+              <a:t>DC-DC</a:t>
+            </a:r>
+          </a:p>
+          <a:p>
+            <a:pPr algn="ctr"/>
+            <a:r>
+              <a:rPr lang="en-US" b="1" dirty="0">
+                <a:solidFill>
+                  <a:schemeClr val="tx1"/>
+                </a:solidFill>
+              </a:rPr>
+              <a:t>Converter</a:t>
+            </a:r>
+          </a:p>
+        </p:txBody>
+      </p:sp>
+      <p:sp>
+        <p:nvSpPr>
+          <p:cNvPr id="48" name="Rectangle 47">
+            <a:extLst>
+              <a:ext uri="{FF2B5EF4-FFF2-40B4-BE49-F238E27FC236}">
+                <a16:creationId xmlns:a16="http://schemas.microsoft.com/office/drawing/2014/main" id="{0F9C6AE6-7C4B-41BC-ADC4-0A5EE799925C}"/>
+              </a:ext>
+            </a:extLst>
+          </p:cNvPr>
+          <p:cNvSpPr/>
+          <p:nvPr/>
+        </p:nvSpPr>
+        <p:spPr>
+          <a:xfrm>
+            <a:off x="8141580" y="1652775"/>
+            <a:ext cx="2042640" cy="1570151"/>
+          </a:xfrm>
+          <a:prstGeom prst="rect">
+            <a:avLst/>
+          </a:prstGeom>
+          <a:noFill/>
+          <a:ln w="38100">
+            <a:solidFill>
+              <a:schemeClr val="tx1"/>
+            </a:solidFill>
+          </a:ln>
+        </p:spPr>
+        <p:style>
+          <a:lnRef idx="2">
+            <a:schemeClr val="accent1">
+              <a:shade val="50000"/>
+            </a:schemeClr>
+          </a:lnRef>
+          <a:fillRef idx="1">
+            <a:schemeClr val="accent1"/>
+          </a:fillRef>
+          <a:effectRef idx="0">
+            <a:schemeClr val="accent1"/>
+          </a:effectRef>
+          <a:fontRef idx="minor">
+            <a:schemeClr val="lt1"/>
+          </a:fontRef>
+        </p:style>
+        <p:txBody>
+          <a:bodyPr rtlCol="0" anchor="ctr"/>
+          <a:lstStyle/>
+          <a:p>
+            <a:pPr algn="ctr"/>
+            <a:r>
+              <a:rPr lang="en-US" b="1" dirty="0">
+                <a:solidFill>
+                  <a:schemeClr val="tx1"/>
+                </a:solidFill>
+              </a:rPr>
+              <a:t>Max31865</a:t>
+            </a:r>
+          </a:p>
+          <a:p>
+            <a:pPr algn="ctr"/>
+            <a:r>
+              <a:rPr lang="en-US" b="1" dirty="0">
+                <a:solidFill>
+                  <a:schemeClr val="tx1"/>
+                </a:solidFill>
+              </a:rPr>
+              <a:t>Module</a:t>
             </a:r>
             <a:endParaRPr lang="en-SG" b="1" dirty="0">
               <a:solidFill>
@@ -3022,90 +3556,841 @@
       </p:sp>
       <p:sp>
         <p:nvSpPr>
-          <p:cNvPr id="8" name="Rectangle: Rounded Corners 7">
-            <a:extLst>
-              <a:ext uri="{FF2B5EF4-FFF2-40B4-BE49-F238E27FC236}">
-                <a16:creationId xmlns:a16="http://schemas.microsoft.com/office/drawing/2014/main" id="{44A2E244-93BA-48E7-B4B5-2B03C00863E2}"/>
-              </a:ext>
-            </a:extLst>
-          </p:cNvPr>
-          <p:cNvSpPr/>
-          <p:nvPr/>
-        </p:nvSpPr>
-        <p:spPr>
-          <a:xfrm>
-            <a:off x="1055480" y="3570020"/>
-            <a:ext cx="2107964" cy="1158373"/>
-          </a:xfrm>
-          <a:prstGeom prst="roundRect">
-            <a:avLst/>
-          </a:prstGeom>
-          <a:solidFill>
-            <a:srgbClr val="FFC000"/>
-          </a:solidFill>
-        </p:spPr>
-        <p:style>
-          <a:lnRef idx="2">
-            <a:schemeClr val="accent1">
-              <a:shade val="50000"/>
-            </a:schemeClr>
-          </a:lnRef>
-          <a:fillRef idx="1">
-            <a:schemeClr val="accent1"/>
-          </a:fillRef>
-          <a:effectRef idx="0">
-            <a:schemeClr val="accent1"/>
-          </a:effectRef>
-          <a:fontRef idx="minor">
-            <a:schemeClr val="lt1"/>
-          </a:fontRef>
-        </p:style>
-        <p:txBody>
-          <a:bodyPr rtlCol="0" anchor="b" anchorCtr="0"/>
-          <a:lstStyle/>
-          <a:p>
-            <a:pPr algn="ctr"/>
-            <a:r>
-              <a:rPr lang="en-US" sz="2400" b="1" dirty="0">
-                <a:solidFill>
-                  <a:schemeClr val="tx1"/>
-                </a:solidFill>
-              </a:rPr>
-              <a:t>Slave 4</a:t>
-            </a:r>
-            <a:endParaRPr lang="en-SG" sz="2400" b="1" dirty="0">
-              <a:solidFill>
-                <a:schemeClr val="tx1"/>
-              </a:solidFill>
-            </a:endParaRPr>
-          </a:p>
-        </p:txBody>
-      </p:sp>
-      <p:sp>
-        <p:nvSpPr>
-          <p:cNvPr id="9" name="Rectangle 8">
-            <a:extLst>
-              <a:ext uri="{FF2B5EF4-FFF2-40B4-BE49-F238E27FC236}">
-                <a16:creationId xmlns:a16="http://schemas.microsoft.com/office/drawing/2014/main" id="{7BD35586-81E3-4C18-A716-3F9D2207F178}"/>
-              </a:ext>
-            </a:extLst>
-          </p:cNvPr>
-          <p:cNvSpPr/>
-          <p:nvPr/>
-        </p:nvSpPr>
-        <p:spPr>
-          <a:xfrm>
-            <a:off x="1238794" y="3800608"/>
-            <a:ext cx="1741336" cy="417065"/>
-          </a:xfrm>
-          <a:prstGeom prst="rect">
-            <a:avLst/>
-          </a:prstGeom>
-          <a:noFill/>
+          <p:cNvPr id="16" name="TextBox 15">
+            <a:extLst>
+              <a:ext uri="{FF2B5EF4-FFF2-40B4-BE49-F238E27FC236}">
+                <a16:creationId xmlns:a16="http://schemas.microsoft.com/office/drawing/2014/main" id="{39F93C44-5F59-4779-BCF7-EF6FEEF7F991}"/>
+              </a:ext>
+            </a:extLst>
+          </p:cNvPr>
+          <p:cNvSpPr txBox="1"/>
+          <p:nvPr/>
+        </p:nvSpPr>
+        <p:spPr>
+          <a:xfrm>
+            <a:off x="8137025" y="2409970"/>
+            <a:ext cx="388248" cy="338554"/>
+          </a:xfrm>
+          <a:prstGeom prst="rect">
+            <a:avLst/>
+          </a:prstGeom>
+          <a:noFill/>
+        </p:spPr>
+        <p:txBody>
+          <a:bodyPr wrap="none" rtlCol="0">
+            <a:spAutoFit/>
+          </a:bodyPr>
+          <a:lstStyle/>
+          <a:p>
+            <a:r>
+              <a:rPr lang="en-US" sz="1600" dirty="0"/>
+              <a:t>CS</a:t>
+            </a:r>
+            <a:endParaRPr lang="en-SG" sz="1600" dirty="0"/>
+          </a:p>
+        </p:txBody>
+      </p:sp>
+      <p:sp>
+        <p:nvSpPr>
+          <p:cNvPr id="64" name="TextBox 63">
+            <a:extLst>
+              <a:ext uri="{FF2B5EF4-FFF2-40B4-BE49-F238E27FC236}">
+                <a16:creationId xmlns:a16="http://schemas.microsoft.com/office/drawing/2014/main" id="{166CA98A-ED71-44BC-B8A5-B02A1EE1D9A2}"/>
+              </a:ext>
+            </a:extLst>
+          </p:cNvPr>
+          <p:cNvSpPr txBox="1"/>
+          <p:nvPr/>
+        </p:nvSpPr>
+        <p:spPr>
+          <a:xfrm>
+            <a:off x="6714144" y="2417883"/>
+            <a:ext cx="288862" cy="338554"/>
+          </a:xfrm>
+          <a:prstGeom prst="rect">
+            <a:avLst/>
+          </a:prstGeom>
+          <a:noFill/>
+        </p:spPr>
+        <p:txBody>
+          <a:bodyPr wrap="none" rtlCol="0">
+            <a:spAutoFit/>
+          </a:bodyPr>
+          <a:lstStyle/>
+          <a:p>
+            <a:r>
+              <a:rPr lang="en-US" sz="1600" dirty="0"/>
+              <a:t>7</a:t>
+            </a:r>
+            <a:endParaRPr lang="en-SG" sz="1600" dirty="0"/>
+          </a:p>
+        </p:txBody>
+      </p:sp>
+      <p:sp>
+        <p:nvSpPr>
+          <p:cNvPr id="65" name="TextBox 64">
+            <a:extLst>
+              <a:ext uri="{FF2B5EF4-FFF2-40B4-BE49-F238E27FC236}">
+                <a16:creationId xmlns:a16="http://schemas.microsoft.com/office/drawing/2014/main" id="{9E00DD7B-E44F-4D9A-931C-4A7165AD7945}"/>
+              </a:ext>
+            </a:extLst>
+          </p:cNvPr>
+          <p:cNvSpPr txBox="1"/>
+          <p:nvPr/>
+        </p:nvSpPr>
+        <p:spPr>
+          <a:xfrm>
+            <a:off x="6714144" y="2684854"/>
+            <a:ext cx="288862" cy="338554"/>
+          </a:xfrm>
+          <a:prstGeom prst="rect">
+            <a:avLst/>
+          </a:prstGeom>
+          <a:noFill/>
+        </p:spPr>
+        <p:txBody>
+          <a:bodyPr wrap="none" rtlCol="0">
+            <a:spAutoFit/>
+          </a:bodyPr>
+          <a:lstStyle/>
+          <a:p>
+            <a:r>
+              <a:rPr lang="en-SG" sz="1600" dirty="0"/>
+              <a:t>5</a:t>
+            </a:r>
+          </a:p>
+        </p:txBody>
+      </p:sp>
+      <p:sp>
+        <p:nvSpPr>
+          <p:cNvPr id="67" name="TextBox 66">
+            <a:extLst>
+              <a:ext uri="{FF2B5EF4-FFF2-40B4-BE49-F238E27FC236}">
+                <a16:creationId xmlns:a16="http://schemas.microsoft.com/office/drawing/2014/main" id="{77D1A4B0-B0EA-4890-BC95-A4A111070448}"/>
+              </a:ext>
+            </a:extLst>
+          </p:cNvPr>
+          <p:cNvSpPr txBox="1"/>
+          <p:nvPr/>
+        </p:nvSpPr>
+        <p:spPr>
+          <a:xfrm>
+            <a:off x="6714144" y="2150912"/>
+            <a:ext cx="288862" cy="338554"/>
+          </a:xfrm>
+          <a:prstGeom prst="rect">
+            <a:avLst/>
+          </a:prstGeom>
+          <a:noFill/>
+        </p:spPr>
+        <p:txBody>
+          <a:bodyPr wrap="none" rtlCol="0">
+            <a:spAutoFit/>
+          </a:bodyPr>
+          <a:lstStyle/>
+          <a:p>
+            <a:r>
+              <a:rPr lang="en-SG" sz="1600" dirty="0"/>
+              <a:t>6</a:t>
+            </a:r>
+          </a:p>
+        </p:txBody>
+      </p:sp>
+      <p:sp>
+        <p:nvSpPr>
+          <p:cNvPr id="143" name="TextBox 142">
+            <a:extLst>
+              <a:ext uri="{FF2B5EF4-FFF2-40B4-BE49-F238E27FC236}">
+                <a16:creationId xmlns:a16="http://schemas.microsoft.com/office/drawing/2014/main" id="{581E7DBC-906A-4F72-A869-858EDA0800BA}"/>
+              </a:ext>
+            </a:extLst>
+          </p:cNvPr>
+          <p:cNvSpPr txBox="1"/>
+          <p:nvPr/>
+        </p:nvSpPr>
+        <p:spPr>
+          <a:xfrm>
+            <a:off x="9857805" y="2149661"/>
+            <a:ext cx="287258" cy="338554"/>
+          </a:xfrm>
+          <a:prstGeom prst="rect">
+            <a:avLst/>
+          </a:prstGeom>
+          <a:noFill/>
+        </p:spPr>
+        <p:txBody>
+          <a:bodyPr wrap="none" rtlCol="0">
+            <a:spAutoFit/>
+          </a:bodyPr>
+          <a:lstStyle/>
+          <a:p>
+            <a:r>
+              <a:rPr lang="en-US" sz="1600" dirty="0"/>
+              <a:t>+</a:t>
+            </a:r>
+            <a:endParaRPr lang="en-SG" sz="1600" dirty="0"/>
+          </a:p>
+        </p:txBody>
+      </p:sp>
+      <p:sp>
+        <p:nvSpPr>
+          <p:cNvPr id="144" name="TextBox 143">
+            <a:extLst>
+              <a:ext uri="{FF2B5EF4-FFF2-40B4-BE49-F238E27FC236}">
+                <a16:creationId xmlns:a16="http://schemas.microsoft.com/office/drawing/2014/main" id="{B37A610B-74A8-41F6-ACC4-026557852D91}"/>
+              </a:ext>
+            </a:extLst>
+          </p:cNvPr>
+          <p:cNvSpPr txBox="1"/>
+          <p:nvPr/>
+        </p:nvSpPr>
+        <p:spPr>
+          <a:xfrm>
+            <a:off x="9857805" y="2416632"/>
+            <a:ext cx="247184" cy="338554"/>
+          </a:xfrm>
+          <a:prstGeom prst="rect">
+            <a:avLst/>
+          </a:prstGeom>
+          <a:noFill/>
+        </p:spPr>
+        <p:txBody>
+          <a:bodyPr wrap="none" rtlCol="0">
+            <a:spAutoFit/>
+          </a:bodyPr>
+          <a:lstStyle/>
+          <a:p>
+            <a:r>
+              <a:rPr lang="en-US" sz="1600" dirty="0"/>
+              <a:t>-</a:t>
+            </a:r>
+            <a:endParaRPr lang="en-SG" sz="1600" dirty="0"/>
+          </a:p>
+        </p:txBody>
+      </p:sp>
+      <p:cxnSp>
+        <p:nvCxnSpPr>
+          <p:cNvPr id="145" name="Straight Arrow Connector 144">
+            <a:extLst>
+              <a:ext uri="{FF2B5EF4-FFF2-40B4-BE49-F238E27FC236}">
+                <a16:creationId xmlns:a16="http://schemas.microsoft.com/office/drawing/2014/main" id="{39A13FB6-33F2-4B32-A2E3-F2015543C5DE}"/>
+              </a:ext>
+            </a:extLst>
+          </p:cNvPr>
+          <p:cNvCxnSpPr>
+            <a:cxnSpLocks/>
+          </p:cNvCxnSpPr>
+          <p:nvPr/>
+        </p:nvCxnSpPr>
+        <p:spPr>
+          <a:xfrm flipH="1">
+            <a:off x="10184220" y="2310363"/>
+            <a:ext cx="581080" cy="5774"/>
+          </a:xfrm>
+          <a:prstGeom prst="straightConnector1">
+            <a:avLst/>
+          </a:prstGeom>
           <a:ln w="38100">
             <a:solidFill>
               <a:schemeClr val="tx1"/>
             </a:solidFill>
+            <a:headEnd type="triangle" w="med" len="med"/>
+            <a:tailEnd type="triangle" w="med" len="med"/>
+          </a:ln>
+        </p:spPr>
+        <p:style>
+          <a:lnRef idx="1">
+            <a:schemeClr val="accent1"/>
+          </a:lnRef>
+          <a:fillRef idx="0">
+            <a:schemeClr val="accent1"/>
+          </a:fillRef>
+          <a:effectRef idx="0">
+            <a:schemeClr val="accent1"/>
+          </a:effectRef>
+          <a:fontRef idx="minor">
+            <a:schemeClr val="tx1"/>
+          </a:fontRef>
+        </p:style>
+      </p:cxnSp>
+      <p:cxnSp>
+        <p:nvCxnSpPr>
+          <p:cNvPr id="147" name="Straight Arrow Connector 146">
+            <a:extLst>
+              <a:ext uri="{FF2B5EF4-FFF2-40B4-BE49-F238E27FC236}">
+                <a16:creationId xmlns:a16="http://schemas.microsoft.com/office/drawing/2014/main" id="{8FD258A3-0038-4AB8-A8DF-EB766BB96D45}"/>
+              </a:ext>
+            </a:extLst>
+          </p:cNvPr>
+          <p:cNvCxnSpPr>
+            <a:cxnSpLocks/>
+          </p:cNvCxnSpPr>
+          <p:nvPr/>
+        </p:nvCxnSpPr>
+        <p:spPr>
+          <a:xfrm flipH="1">
+            <a:off x="10184220" y="2580307"/>
+            <a:ext cx="581080" cy="0"/>
+          </a:xfrm>
+          <a:prstGeom prst="straightConnector1">
+            <a:avLst/>
+          </a:prstGeom>
+          <a:ln w="38100">
+            <a:solidFill>
+              <a:schemeClr val="tx1"/>
+            </a:solidFill>
+            <a:headEnd type="triangle" w="med" len="med"/>
+            <a:tailEnd type="triangle" w="med" len="med"/>
+          </a:ln>
+        </p:spPr>
+        <p:style>
+          <a:lnRef idx="1">
+            <a:schemeClr val="accent1"/>
+          </a:lnRef>
+          <a:fillRef idx="0">
+            <a:schemeClr val="accent1"/>
+          </a:fillRef>
+          <a:effectRef idx="0">
+            <a:schemeClr val="accent1"/>
+          </a:effectRef>
+          <a:fontRef idx="minor">
+            <a:schemeClr val="tx1"/>
+          </a:fontRef>
+        </p:style>
+      </p:cxnSp>
+      <p:cxnSp>
+        <p:nvCxnSpPr>
+          <p:cNvPr id="172" name="Straight Arrow Connector 171">
+            <a:extLst>
+              <a:ext uri="{FF2B5EF4-FFF2-40B4-BE49-F238E27FC236}">
+                <a16:creationId xmlns:a16="http://schemas.microsoft.com/office/drawing/2014/main" id="{F97DB135-99F0-4D14-87D0-35873F8C2A76}"/>
+              </a:ext>
+            </a:extLst>
+          </p:cNvPr>
+          <p:cNvCxnSpPr>
+            <a:cxnSpLocks/>
+          </p:cNvCxnSpPr>
+          <p:nvPr/>
+        </p:nvCxnSpPr>
+        <p:spPr>
+          <a:xfrm>
+            <a:off x="4467306" y="1925366"/>
+            <a:ext cx="382180" cy="0"/>
+          </a:xfrm>
+          <a:prstGeom prst="straightConnector1">
+            <a:avLst/>
+          </a:prstGeom>
+          <a:ln w="38100">
+            <a:solidFill>
+              <a:schemeClr val="tx1"/>
+            </a:solidFill>
+            <a:tailEnd type="triangle"/>
+          </a:ln>
+        </p:spPr>
+        <p:style>
+          <a:lnRef idx="1">
+            <a:schemeClr val="accent1"/>
+          </a:lnRef>
+          <a:fillRef idx="0">
+            <a:schemeClr val="accent1"/>
+          </a:fillRef>
+          <a:effectRef idx="0">
+            <a:schemeClr val="accent1"/>
+          </a:effectRef>
+          <a:fontRef idx="minor">
+            <a:schemeClr val="tx1"/>
+          </a:fontRef>
+        </p:style>
+      </p:cxnSp>
+      <p:sp>
+        <p:nvSpPr>
+          <p:cNvPr id="173" name="TextBox 172">
+            <a:extLst>
+              <a:ext uri="{FF2B5EF4-FFF2-40B4-BE49-F238E27FC236}">
+                <a16:creationId xmlns:a16="http://schemas.microsoft.com/office/drawing/2014/main" id="{B6F27E45-63BB-4A7C-96EB-C2FDD45A993B}"/>
+              </a:ext>
+            </a:extLst>
+          </p:cNvPr>
+          <p:cNvSpPr txBox="1"/>
+          <p:nvPr/>
+        </p:nvSpPr>
+        <p:spPr>
+          <a:xfrm>
+            <a:off x="3851646" y="1740700"/>
+            <a:ext cx="665568" cy="369332"/>
+          </a:xfrm>
+          <a:prstGeom prst="rect">
+            <a:avLst/>
+          </a:prstGeom>
+          <a:noFill/>
+        </p:spPr>
+        <p:txBody>
+          <a:bodyPr wrap="none" rtlCol="0">
+            <a:spAutoFit/>
+          </a:bodyPr>
+          <a:lstStyle/>
+          <a:p>
+            <a:pPr algn="ctr"/>
+            <a:r>
+              <a:rPr lang="en-US" dirty="0"/>
+              <a:t>+12V</a:t>
+            </a:r>
+          </a:p>
+        </p:txBody>
+      </p:sp>
+      <p:cxnSp>
+        <p:nvCxnSpPr>
+          <p:cNvPr id="174" name="Straight Arrow Connector 173">
+            <a:extLst>
+              <a:ext uri="{FF2B5EF4-FFF2-40B4-BE49-F238E27FC236}">
+                <a16:creationId xmlns:a16="http://schemas.microsoft.com/office/drawing/2014/main" id="{655FD4DD-734A-4515-8532-3BC3E4A26298}"/>
+              </a:ext>
+            </a:extLst>
+          </p:cNvPr>
+          <p:cNvCxnSpPr>
+            <a:cxnSpLocks/>
+          </p:cNvCxnSpPr>
+          <p:nvPr/>
+        </p:nvCxnSpPr>
+        <p:spPr>
+          <a:xfrm>
+            <a:off x="4467306" y="2243284"/>
+            <a:ext cx="382180" cy="0"/>
+          </a:xfrm>
+          <a:prstGeom prst="straightConnector1">
+            <a:avLst/>
+          </a:prstGeom>
+          <a:ln w="38100">
+            <a:solidFill>
+              <a:schemeClr val="tx1"/>
+            </a:solidFill>
+            <a:tailEnd type="triangle"/>
+          </a:ln>
+        </p:spPr>
+        <p:style>
+          <a:lnRef idx="1">
+            <a:schemeClr val="accent1"/>
+          </a:lnRef>
+          <a:fillRef idx="0">
+            <a:schemeClr val="accent1"/>
+          </a:fillRef>
+          <a:effectRef idx="0">
+            <a:schemeClr val="accent1"/>
+          </a:effectRef>
+          <a:fontRef idx="minor">
+            <a:schemeClr val="tx1"/>
+          </a:fontRef>
+        </p:style>
+      </p:cxnSp>
+      <p:sp>
+        <p:nvSpPr>
+          <p:cNvPr id="175" name="TextBox 174">
+            <a:extLst>
+              <a:ext uri="{FF2B5EF4-FFF2-40B4-BE49-F238E27FC236}">
+                <a16:creationId xmlns:a16="http://schemas.microsoft.com/office/drawing/2014/main" id="{4EA6141E-83F1-43C7-A30D-2CB6DB475424}"/>
+              </a:ext>
+            </a:extLst>
+          </p:cNvPr>
+          <p:cNvSpPr txBox="1"/>
+          <p:nvPr/>
+        </p:nvSpPr>
+        <p:spPr>
+          <a:xfrm>
+            <a:off x="3873287" y="2058618"/>
+            <a:ext cx="622286" cy="369332"/>
+          </a:xfrm>
+          <a:prstGeom prst="rect">
+            <a:avLst/>
+          </a:prstGeom>
+          <a:noFill/>
+        </p:spPr>
+        <p:txBody>
+          <a:bodyPr wrap="none" rtlCol="0">
+            <a:spAutoFit/>
+          </a:bodyPr>
+          <a:lstStyle/>
+          <a:p>
+            <a:pPr algn="ctr"/>
+            <a:r>
+              <a:rPr lang="en-US" dirty="0"/>
+              <a:t>GND</a:t>
+            </a:r>
+          </a:p>
+        </p:txBody>
+      </p:sp>
+      <p:cxnSp>
+        <p:nvCxnSpPr>
+          <p:cNvPr id="126" name="Straight Arrow Connector 125">
+            <a:extLst>
+              <a:ext uri="{FF2B5EF4-FFF2-40B4-BE49-F238E27FC236}">
+                <a16:creationId xmlns:a16="http://schemas.microsoft.com/office/drawing/2014/main" id="{278F078C-F413-49DB-9242-45C53C5D6230}"/>
+              </a:ext>
+            </a:extLst>
+          </p:cNvPr>
+          <p:cNvCxnSpPr>
+            <a:cxnSpLocks/>
+          </p:cNvCxnSpPr>
+          <p:nvPr/>
+        </p:nvCxnSpPr>
+        <p:spPr>
+          <a:xfrm>
+            <a:off x="7748359" y="1822719"/>
+            <a:ext cx="382180" cy="0"/>
+          </a:xfrm>
+          <a:prstGeom prst="straightConnector1">
+            <a:avLst/>
+          </a:prstGeom>
+          <a:ln w="38100">
+            <a:solidFill>
+              <a:schemeClr val="tx1"/>
+            </a:solidFill>
+            <a:tailEnd type="triangle"/>
+          </a:ln>
+        </p:spPr>
+        <p:style>
+          <a:lnRef idx="1">
+            <a:schemeClr val="accent1"/>
+          </a:lnRef>
+          <a:fillRef idx="0">
+            <a:schemeClr val="accent1"/>
+          </a:fillRef>
+          <a:effectRef idx="0">
+            <a:schemeClr val="accent1"/>
+          </a:effectRef>
+          <a:fontRef idx="minor">
+            <a:schemeClr val="tx1"/>
+          </a:fontRef>
+        </p:style>
+      </p:cxnSp>
+      <p:sp>
+        <p:nvSpPr>
+          <p:cNvPr id="127" name="TextBox 126">
+            <a:extLst>
+              <a:ext uri="{FF2B5EF4-FFF2-40B4-BE49-F238E27FC236}">
+                <a16:creationId xmlns:a16="http://schemas.microsoft.com/office/drawing/2014/main" id="{04737E8B-C4DA-4A13-9657-1391232F25A6}"/>
+              </a:ext>
+            </a:extLst>
+          </p:cNvPr>
+          <p:cNvSpPr txBox="1"/>
+          <p:nvPr/>
+        </p:nvSpPr>
+        <p:spPr>
+          <a:xfrm>
+            <a:off x="7191209" y="1638053"/>
+            <a:ext cx="548548" cy="369332"/>
+          </a:xfrm>
+          <a:prstGeom prst="rect">
+            <a:avLst/>
+          </a:prstGeom>
+          <a:noFill/>
+        </p:spPr>
+        <p:txBody>
+          <a:bodyPr wrap="none" rtlCol="0">
+            <a:spAutoFit/>
+          </a:bodyPr>
+          <a:lstStyle/>
+          <a:p>
+            <a:pPr algn="ctr"/>
+            <a:r>
+              <a:rPr lang="en-US" dirty="0"/>
+              <a:t>+5V</a:t>
+            </a:r>
+          </a:p>
+        </p:txBody>
+      </p:sp>
+      <p:cxnSp>
+        <p:nvCxnSpPr>
+          <p:cNvPr id="129" name="Straight Arrow Connector 128">
+            <a:extLst>
+              <a:ext uri="{FF2B5EF4-FFF2-40B4-BE49-F238E27FC236}">
+                <a16:creationId xmlns:a16="http://schemas.microsoft.com/office/drawing/2014/main" id="{193E38E7-FDF9-4DE6-A9A7-4BF6385F9269}"/>
+              </a:ext>
+            </a:extLst>
+          </p:cNvPr>
+          <p:cNvCxnSpPr>
+            <a:cxnSpLocks/>
+          </p:cNvCxnSpPr>
+          <p:nvPr/>
+        </p:nvCxnSpPr>
+        <p:spPr>
+          <a:xfrm>
+            <a:off x="7739757" y="3069490"/>
+            <a:ext cx="382180" cy="0"/>
+          </a:xfrm>
+          <a:prstGeom prst="straightConnector1">
+            <a:avLst/>
+          </a:prstGeom>
+          <a:ln w="38100">
+            <a:solidFill>
+              <a:schemeClr val="tx1"/>
+            </a:solidFill>
+            <a:tailEnd type="triangle"/>
+          </a:ln>
+        </p:spPr>
+        <p:style>
+          <a:lnRef idx="1">
+            <a:schemeClr val="accent1"/>
+          </a:lnRef>
+          <a:fillRef idx="0">
+            <a:schemeClr val="accent1"/>
+          </a:fillRef>
+          <a:effectRef idx="0">
+            <a:schemeClr val="accent1"/>
+          </a:effectRef>
+          <a:fontRef idx="minor">
+            <a:schemeClr val="tx1"/>
+          </a:fontRef>
+        </p:style>
+      </p:cxnSp>
+      <p:sp>
+        <p:nvSpPr>
+          <p:cNvPr id="130" name="TextBox 129">
+            <a:extLst>
+              <a:ext uri="{FF2B5EF4-FFF2-40B4-BE49-F238E27FC236}">
+                <a16:creationId xmlns:a16="http://schemas.microsoft.com/office/drawing/2014/main" id="{DF20A006-4A1F-4BFB-857E-2C123CD94796}"/>
+              </a:ext>
+            </a:extLst>
+          </p:cNvPr>
+          <p:cNvSpPr txBox="1"/>
+          <p:nvPr/>
+        </p:nvSpPr>
+        <p:spPr>
+          <a:xfrm>
+            <a:off x="7145738" y="2884824"/>
+            <a:ext cx="622286" cy="369332"/>
+          </a:xfrm>
+          <a:prstGeom prst="rect">
+            <a:avLst/>
+          </a:prstGeom>
+          <a:noFill/>
+        </p:spPr>
+        <p:txBody>
+          <a:bodyPr wrap="none" rtlCol="0">
+            <a:spAutoFit/>
+          </a:bodyPr>
+          <a:lstStyle/>
+          <a:p>
+            <a:pPr algn="ctr"/>
+            <a:r>
+              <a:rPr lang="en-US" dirty="0"/>
+              <a:t>GND</a:t>
+            </a:r>
+          </a:p>
+        </p:txBody>
+      </p:sp>
+      <p:sp>
+        <p:nvSpPr>
+          <p:cNvPr id="107" name="TextBox 106">
+            <a:extLst>
+              <a:ext uri="{FF2B5EF4-FFF2-40B4-BE49-F238E27FC236}">
+                <a16:creationId xmlns:a16="http://schemas.microsoft.com/office/drawing/2014/main" id="{658C4B58-AF91-4DBB-B975-BB8F7503E7CB}"/>
+              </a:ext>
+            </a:extLst>
+          </p:cNvPr>
+          <p:cNvSpPr txBox="1"/>
+          <p:nvPr/>
+        </p:nvSpPr>
+        <p:spPr>
+          <a:xfrm>
+            <a:off x="8137025" y="2656735"/>
+            <a:ext cx="447558" cy="338554"/>
+          </a:xfrm>
+          <a:prstGeom prst="rect">
+            <a:avLst/>
+          </a:prstGeom>
+          <a:noFill/>
+        </p:spPr>
+        <p:txBody>
+          <a:bodyPr wrap="none" rtlCol="0">
+            <a:spAutoFit/>
+          </a:bodyPr>
+          <a:lstStyle/>
+          <a:p>
+            <a:r>
+              <a:rPr lang="en-US" sz="1600" dirty="0"/>
+              <a:t>DO</a:t>
+            </a:r>
+            <a:endParaRPr lang="en-SG" sz="1600" dirty="0"/>
+          </a:p>
+        </p:txBody>
+      </p:sp>
+      <p:sp>
+        <p:nvSpPr>
+          <p:cNvPr id="108" name="TextBox 107">
+            <a:extLst>
+              <a:ext uri="{FF2B5EF4-FFF2-40B4-BE49-F238E27FC236}">
+                <a16:creationId xmlns:a16="http://schemas.microsoft.com/office/drawing/2014/main" id="{1C2EAB91-F874-4CEA-B8F0-862BBEFCF6A0}"/>
+              </a:ext>
+            </a:extLst>
+          </p:cNvPr>
+          <p:cNvSpPr txBox="1"/>
+          <p:nvPr/>
+        </p:nvSpPr>
+        <p:spPr>
+          <a:xfrm>
+            <a:off x="8131262" y="2190218"/>
+            <a:ext cx="362600" cy="338554"/>
+          </a:xfrm>
+          <a:prstGeom prst="rect">
+            <a:avLst/>
+          </a:prstGeom>
+          <a:noFill/>
+        </p:spPr>
+        <p:txBody>
+          <a:bodyPr wrap="none" rtlCol="0">
+            <a:spAutoFit/>
+          </a:bodyPr>
+          <a:lstStyle/>
+          <a:p>
+            <a:r>
+              <a:rPr lang="en-US" sz="1600" dirty="0"/>
+              <a:t>DI</a:t>
+            </a:r>
+            <a:endParaRPr lang="en-SG" sz="1600" dirty="0"/>
+          </a:p>
+        </p:txBody>
+      </p:sp>
+      <p:sp>
+        <p:nvSpPr>
+          <p:cNvPr id="111" name="TextBox 110">
+            <a:extLst>
+              <a:ext uri="{FF2B5EF4-FFF2-40B4-BE49-F238E27FC236}">
+                <a16:creationId xmlns:a16="http://schemas.microsoft.com/office/drawing/2014/main" id="{FED7A168-45ED-48E4-B7BF-C6C720FCF81F}"/>
+              </a:ext>
+            </a:extLst>
+          </p:cNvPr>
+          <p:cNvSpPr txBox="1"/>
+          <p:nvPr/>
+        </p:nvSpPr>
+        <p:spPr>
+          <a:xfrm>
+            <a:off x="6714144" y="1894880"/>
+            <a:ext cx="288862" cy="338554"/>
+          </a:xfrm>
+          <a:prstGeom prst="rect">
+            <a:avLst/>
+          </a:prstGeom>
+          <a:noFill/>
+        </p:spPr>
+        <p:txBody>
+          <a:bodyPr wrap="none" rtlCol="0">
+            <a:spAutoFit/>
+          </a:bodyPr>
+          <a:lstStyle/>
+          <a:p>
+            <a:r>
+              <a:rPr lang="en-SG" sz="1600" dirty="0"/>
+              <a:t>4</a:t>
+            </a:r>
+          </a:p>
+        </p:txBody>
+      </p:sp>
+      <p:cxnSp>
+        <p:nvCxnSpPr>
+          <p:cNvPr id="112" name="Straight Arrow Connector 111">
+            <a:extLst>
+              <a:ext uri="{FF2B5EF4-FFF2-40B4-BE49-F238E27FC236}">
+                <a16:creationId xmlns:a16="http://schemas.microsoft.com/office/drawing/2014/main" id="{05498ED9-B8DC-4DF0-AE72-54FA4059BCBD}"/>
+              </a:ext>
+            </a:extLst>
+          </p:cNvPr>
+          <p:cNvCxnSpPr>
+            <a:cxnSpLocks/>
+          </p:cNvCxnSpPr>
+          <p:nvPr/>
+        </p:nvCxnSpPr>
+        <p:spPr>
+          <a:xfrm flipH="1">
+            <a:off x="7140519" y="2067457"/>
+            <a:ext cx="990020" cy="0"/>
+          </a:xfrm>
+          <a:prstGeom prst="straightConnector1">
+            <a:avLst/>
+          </a:prstGeom>
+          <a:ln w="38100">
+            <a:solidFill>
+              <a:schemeClr val="tx1"/>
+            </a:solidFill>
+            <a:tailEnd type="triangle"/>
+          </a:ln>
+        </p:spPr>
+        <p:style>
+          <a:lnRef idx="1">
+            <a:schemeClr val="accent1"/>
+          </a:lnRef>
+          <a:fillRef idx="0">
+            <a:schemeClr val="accent1"/>
+          </a:fillRef>
+          <a:effectRef idx="0">
+            <a:schemeClr val="accent1"/>
+          </a:effectRef>
+          <a:fontRef idx="minor">
+            <a:schemeClr val="tx1"/>
+          </a:fontRef>
+        </p:style>
+      </p:cxnSp>
+      <p:sp>
+        <p:nvSpPr>
+          <p:cNvPr id="120" name="TextBox 119">
+            <a:extLst>
+              <a:ext uri="{FF2B5EF4-FFF2-40B4-BE49-F238E27FC236}">
+                <a16:creationId xmlns:a16="http://schemas.microsoft.com/office/drawing/2014/main" id="{ECA929CC-8A1F-4779-B505-809456E2F6EA}"/>
+              </a:ext>
+            </a:extLst>
+          </p:cNvPr>
+          <p:cNvSpPr txBox="1"/>
+          <p:nvPr/>
+        </p:nvSpPr>
+        <p:spPr>
+          <a:xfrm>
+            <a:off x="8131262" y="1934186"/>
+            <a:ext cx="487634" cy="338554"/>
+          </a:xfrm>
+          <a:prstGeom prst="rect">
+            <a:avLst/>
+          </a:prstGeom>
+          <a:noFill/>
+        </p:spPr>
+        <p:txBody>
+          <a:bodyPr wrap="none" rtlCol="0">
+            <a:spAutoFit/>
+          </a:bodyPr>
+          <a:lstStyle/>
+          <a:p>
+            <a:r>
+              <a:rPr lang="en-US" sz="1600" dirty="0"/>
+              <a:t>CLK</a:t>
+            </a:r>
+            <a:endParaRPr lang="en-SG" sz="1600" dirty="0"/>
+          </a:p>
+        </p:txBody>
+      </p:sp>
+      <p:sp>
+        <p:nvSpPr>
+          <p:cNvPr id="121" name="Rectangle 120">
+            <a:extLst>
+              <a:ext uri="{FF2B5EF4-FFF2-40B4-BE49-F238E27FC236}">
+                <a16:creationId xmlns:a16="http://schemas.microsoft.com/office/drawing/2014/main" id="{63A2772D-C19D-4980-A043-E918E38A0F37}"/>
+              </a:ext>
+            </a:extLst>
+          </p:cNvPr>
+          <p:cNvSpPr/>
+          <p:nvPr/>
+        </p:nvSpPr>
+        <p:spPr>
+          <a:xfrm>
+            <a:off x="10762309" y="1894880"/>
+            <a:ext cx="787151" cy="860306"/>
+          </a:xfrm>
+          <a:prstGeom prst="rect">
+            <a:avLst/>
+          </a:prstGeom>
+          <a:noFill/>
+          <a:ln w="38100">
+            <a:solidFill>
+              <a:schemeClr val="tx1"/>
+            </a:solidFill>
+            <a:prstDash val="solid"/>
           </a:ln>
         </p:spPr>
         <p:style>
@@ -3135,7 +4420,114 @@
                   <a:schemeClr val="tx1"/>
                 </a:solidFill>
               </a:rPr>
-              <a:t>Max485 Module</a:t>
+              <a:t>PT100</a:t>
+            </a:r>
+          </a:p>
+        </p:txBody>
+      </p:sp>
+      <p:sp>
+        <p:nvSpPr>
+          <p:cNvPr id="2" name="TextBox 1">
+            <a:extLst>
+              <a:ext uri="{FF2B5EF4-FFF2-40B4-BE49-F238E27FC236}">
+                <a16:creationId xmlns:a16="http://schemas.microsoft.com/office/drawing/2014/main" id="{DA749E1B-95AB-47BE-8E4B-E0EF25147A1B}"/>
+              </a:ext>
+            </a:extLst>
+          </p:cNvPr>
+          <p:cNvSpPr txBox="1"/>
+          <p:nvPr/>
+        </p:nvSpPr>
+        <p:spPr>
+          <a:xfrm>
+            <a:off x="0" y="71433"/>
+            <a:ext cx="2455224" cy="400110"/>
+          </a:xfrm>
+          <a:prstGeom prst="rect">
+            <a:avLst/>
+          </a:prstGeom>
+          <a:noFill/>
+        </p:spPr>
+        <p:txBody>
+          <a:bodyPr wrap="none" rtlCol="0">
+            <a:spAutoFit/>
+          </a:bodyPr>
+          <a:lstStyle/>
+          <a:p>
+            <a:r>
+              <a:rPr lang="en-US" sz="2000" dirty="0"/>
+              <a:t>Distributed Controller</a:t>
+            </a:r>
+            <a:endParaRPr lang="en-SG" sz="2000" dirty="0"/>
+          </a:p>
+        </p:txBody>
+      </p:sp>
+      <p:sp>
+        <p:nvSpPr>
+          <p:cNvPr id="211" name="Rectangle 210">
+            <a:extLst>
+              <a:ext uri="{FF2B5EF4-FFF2-40B4-BE49-F238E27FC236}">
+                <a16:creationId xmlns:a16="http://schemas.microsoft.com/office/drawing/2014/main" id="{F4A58CA3-2A23-49D9-9277-B9D1AE06A87F}"/>
+              </a:ext>
+            </a:extLst>
+          </p:cNvPr>
+          <p:cNvSpPr/>
+          <p:nvPr/>
+        </p:nvSpPr>
+        <p:spPr>
+          <a:xfrm>
+            <a:off x="2528755" y="5083485"/>
+            <a:ext cx="1584749" cy="1163373"/>
+          </a:xfrm>
+          <a:prstGeom prst="rect">
+            <a:avLst/>
+          </a:prstGeom>
+          <a:noFill/>
+          <a:ln w="38100">
+            <a:solidFill>
+              <a:schemeClr val="tx1"/>
+            </a:solidFill>
+            <a:prstDash val="solid"/>
+          </a:ln>
+        </p:spPr>
+        <p:style>
+          <a:lnRef idx="2">
+            <a:schemeClr val="accent1">
+              <a:shade val="50000"/>
+            </a:schemeClr>
+          </a:lnRef>
+          <a:fillRef idx="1">
+            <a:schemeClr val="accent1"/>
+          </a:fillRef>
+          <a:effectRef idx="0">
+            <a:schemeClr val="accent1"/>
+          </a:effectRef>
+          <a:fontRef idx="minor">
+            <a:schemeClr val="lt1"/>
+          </a:fontRef>
+        </p:style>
+        <p:txBody>
+          <a:bodyPr rtlCol="0" anchor="ctr"/>
+          <a:lstStyle/>
+          <a:p>
+            <a:pPr algn="ctr"/>
+            <a:r>
+              <a:rPr lang="en-US" b="1" dirty="0">
+                <a:solidFill>
+                  <a:schemeClr val="tx1"/>
+                </a:solidFill>
+              </a:rPr>
+              <a:t>Max485</a:t>
+            </a:r>
+          </a:p>
+          <a:p>
+            <a:pPr algn="ctr"/>
+            <a:r>
+              <a:rPr lang="en-US" b="1" dirty="0">
+                <a:solidFill>
+                  <a:schemeClr val="tx1"/>
+                </a:solidFill>
+              </a:rPr>
+              <a:t>Module</a:t>
             </a:r>
             <a:endParaRPr lang="en-SG" b="1" dirty="0">
               <a:solidFill>
@@ -3145,92 +4537,909 @@
           </a:p>
         </p:txBody>
       </p:sp>
-      <p:sp>
-        <p:nvSpPr>
-          <p:cNvPr id="11" name="Rectangle: Rounded Corners 10">
-            <a:extLst>
-              <a:ext uri="{FF2B5EF4-FFF2-40B4-BE49-F238E27FC236}">
-                <a16:creationId xmlns:a16="http://schemas.microsoft.com/office/drawing/2014/main" id="{2873DFC6-A30E-4022-B040-1448D40CD8C4}"/>
-              </a:ext>
-            </a:extLst>
-          </p:cNvPr>
-          <p:cNvSpPr/>
-          <p:nvPr/>
-        </p:nvSpPr>
-        <p:spPr>
-          <a:xfrm>
-            <a:off x="8983365" y="1299734"/>
-            <a:ext cx="2107964" cy="1158373"/>
-          </a:xfrm>
-          <a:prstGeom prst="roundRect">
-            <a:avLst/>
-          </a:prstGeom>
-          <a:solidFill>
-            <a:srgbClr val="FFC000"/>
-          </a:solidFill>
-        </p:spPr>
-        <p:style>
-          <a:lnRef idx="2">
-            <a:schemeClr val="accent1">
-              <a:shade val="50000"/>
-            </a:schemeClr>
-          </a:lnRef>
-          <a:fillRef idx="1">
-            <a:schemeClr val="accent1"/>
-          </a:fillRef>
-          <a:effectRef idx="0">
-            <a:schemeClr val="accent1"/>
-          </a:effectRef>
-          <a:fontRef idx="minor">
-            <a:schemeClr val="lt1"/>
-          </a:fontRef>
-        </p:style>
-        <p:txBody>
-          <a:bodyPr rtlCol="0" anchor="b" anchorCtr="0"/>
+      <p:cxnSp>
+        <p:nvCxnSpPr>
+          <p:cNvPr id="212" name="Straight Arrow Connector 211">
+            <a:extLst>
+              <a:ext uri="{FF2B5EF4-FFF2-40B4-BE49-F238E27FC236}">
+                <a16:creationId xmlns:a16="http://schemas.microsoft.com/office/drawing/2014/main" id="{55745C06-72FE-4139-B88D-AA05D63ADE41}"/>
+              </a:ext>
+            </a:extLst>
+          </p:cNvPr>
+          <p:cNvCxnSpPr>
+            <a:cxnSpLocks/>
+          </p:cNvCxnSpPr>
+          <p:nvPr/>
+        </p:nvCxnSpPr>
+        <p:spPr>
+          <a:xfrm flipH="1">
+            <a:off x="4086328" y="5305585"/>
+            <a:ext cx="773362" cy="0"/>
+          </a:xfrm>
+          <a:prstGeom prst="straightConnector1">
+            <a:avLst/>
+          </a:prstGeom>
+          <a:ln w="38100">
+            <a:solidFill>
+              <a:schemeClr val="tx1"/>
+            </a:solidFill>
+            <a:tailEnd type="triangle"/>
+          </a:ln>
+        </p:spPr>
+        <p:style>
+          <a:lnRef idx="1">
+            <a:schemeClr val="accent1"/>
+          </a:lnRef>
+          <a:fillRef idx="0">
+            <a:schemeClr val="accent1"/>
+          </a:fillRef>
+          <a:effectRef idx="0">
+            <a:schemeClr val="accent1"/>
+          </a:effectRef>
+          <a:fontRef idx="minor">
+            <a:schemeClr val="tx1"/>
+          </a:fontRef>
+        </p:style>
+      </p:cxnSp>
+      <p:cxnSp>
+        <p:nvCxnSpPr>
+          <p:cNvPr id="213" name="Straight Arrow Connector 212">
+            <a:extLst>
+              <a:ext uri="{FF2B5EF4-FFF2-40B4-BE49-F238E27FC236}">
+                <a16:creationId xmlns:a16="http://schemas.microsoft.com/office/drawing/2014/main" id="{D07529AE-E1A8-48F8-95A7-853BB0509CFE}"/>
+              </a:ext>
+            </a:extLst>
+          </p:cNvPr>
+          <p:cNvCxnSpPr>
+            <a:cxnSpLocks/>
+          </p:cNvCxnSpPr>
+          <p:nvPr/>
+        </p:nvCxnSpPr>
+        <p:spPr>
+          <a:xfrm>
+            <a:off x="4086328" y="6125320"/>
+            <a:ext cx="773362" cy="0"/>
+          </a:xfrm>
+          <a:prstGeom prst="straightConnector1">
+            <a:avLst/>
+          </a:prstGeom>
+          <a:ln w="38100">
+            <a:solidFill>
+              <a:schemeClr val="tx1"/>
+            </a:solidFill>
+            <a:tailEnd type="triangle"/>
+          </a:ln>
+        </p:spPr>
+        <p:style>
+          <a:lnRef idx="1">
+            <a:schemeClr val="accent1"/>
+          </a:lnRef>
+          <a:fillRef idx="0">
+            <a:schemeClr val="accent1"/>
+          </a:fillRef>
+          <a:effectRef idx="0">
+            <a:schemeClr val="accent1"/>
+          </a:effectRef>
+          <a:fontRef idx="minor">
+            <a:schemeClr val="tx1"/>
+          </a:fontRef>
+        </p:style>
+      </p:cxnSp>
+      <p:cxnSp>
+        <p:nvCxnSpPr>
+          <p:cNvPr id="214" name="Straight Arrow Connector 213">
+            <a:extLst>
+              <a:ext uri="{FF2B5EF4-FFF2-40B4-BE49-F238E27FC236}">
+                <a16:creationId xmlns:a16="http://schemas.microsoft.com/office/drawing/2014/main" id="{3C6C17C1-9F50-4F22-B459-6F2D3096916D}"/>
+              </a:ext>
+            </a:extLst>
+          </p:cNvPr>
+          <p:cNvCxnSpPr>
+            <a:cxnSpLocks/>
+          </p:cNvCxnSpPr>
+          <p:nvPr/>
+        </p:nvCxnSpPr>
+        <p:spPr>
+          <a:xfrm>
+            <a:off x="4086328" y="5578830"/>
+            <a:ext cx="773362" cy="0"/>
+          </a:xfrm>
+          <a:prstGeom prst="straightConnector1">
+            <a:avLst/>
+          </a:prstGeom>
+          <a:ln w="38100">
+            <a:solidFill>
+              <a:schemeClr val="tx1"/>
+            </a:solidFill>
+            <a:tailEnd type="triangle"/>
+          </a:ln>
+        </p:spPr>
+        <p:style>
+          <a:lnRef idx="1">
+            <a:schemeClr val="accent1"/>
+          </a:lnRef>
+          <a:fillRef idx="0">
+            <a:schemeClr val="accent1"/>
+          </a:fillRef>
+          <a:effectRef idx="0">
+            <a:schemeClr val="accent1"/>
+          </a:effectRef>
+          <a:fontRef idx="minor">
+            <a:schemeClr val="tx1"/>
+          </a:fontRef>
+        </p:style>
+      </p:cxnSp>
+      <p:cxnSp>
+        <p:nvCxnSpPr>
+          <p:cNvPr id="215" name="Straight Arrow Connector 214">
+            <a:extLst>
+              <a:ext uri="{FF2B5EF4-FFF2-40B4-BE49-F238E27FC236}">
+                <a16:creationId xmlns:a16="http://schemas.microsoft.com/office/drawing/2014/main" id="{7270C5AD-AB33-4425-B60D-8D858ADF02EF}"/>
+              </a:ext>
+            </a:extLst>
+          </p:cNvPr>
+          <p:cNvCxnSpPr>
+            <a:cxnSpLocks/>
+          </p:cNvCxnSpPr>
+          <p:nvPr/>
+        </p:nvCxnSpPr>
+        <p:spPr>
+          <a:xfrm>
+            <a:off x="4086328" y="5852075"/>
+            <a:ext cx="773362" cy="0"/>
+          </a:xfrm>
+          <a:prstGeom prst="straightConnector1">
+            <a:avLst/>
+          </a:prstGeom>
+          <a:ln w="38100">
+            <a:solidFill>
+              <a:schemeClr val="tx1"/>
+            </a:solidFill>
+            <a:tailEnd type="triangle"/>
+          </a:ln>
+        </p:spPr>
+        <p:style>
+          <a:lnRef idx="1">
+            <a:schemeClr val="accent1"/>
+          </a:lnRef>
+          <a:fillRef idx="0">
+            <a:schemeClr val="accent1"/>
+          </a:fillRef>
+          <a:effectRef idx="0">
+            <a:schemeClr val="accent1"/>
+          </a:effectRef>
+          <a:fontRef idx="minor">
+            <a:schemeClr val="tx1"/>
+          </a:fontRef>
+        </p:style>
+      </p:cxnSp>
+      <p:sp>
+        <p:nvSpPr>
+          <p:cNvPr id="216" name="TextBox 215">
+            <a:extLst>
+              <a:ext uri="{FF2B5EF4-FFF2-40B4-BE49-F238E27FC236}">
+                <a16:creationId xmlns:a16="http://schemas.microsoft.com/office/drawing/2014/main" id="{CC39FAE1-35E6-448D-8869-01CB1D594AFE}"/>
+              </a:ext>
+            </a:extLst>
+          </p:cNvPr>
+          <p:cNvSpPr txBox="1"/>
+          <p:nvPr/>
+        </p:nvSpPr>
+        <p:spPr>
+          <a:xfrm flipH="1">
+            <a:off x="3701321" y="5399842"/>
+            <a:ext cx="412292" cy="338554"/>
+          </a:xfrm>
+          <a:prstGeom prst="rect">
+            <a:avLst/>
+          </a:prstGeom>
+          <a:noFill/>
+        </p:spPr>
+        <p:txBody>
+          <a:bodyPr wrap="none" rtlCol="0">
+            <a:spAutoFit/>
+          </a:bodyPr>
+          <a:lstStyle/>
+          <a:p>
+            <a:r>
+              <a:rPr lang="en-SG" sz="1600" dirty="0"/>
+              <a:t>DE</a:t>
+            </a:r>
+          </a:p>
+        </p:txBody>
+      </p:sp>
+      <p:sp>
+        <p:nvSpPr>
+          <p:cNvPr id="217" name="TextBox 216">
+            <a:extLst>
+              <a:ext uri="{FF2B5EF4-FFF2-40B4-BE49-F238E27FC236}">
+                <a16:creationId xmlns:a16="http://schemas.microsoft.com/office/drawing/2014/main" id="{86829FA0-3FF0-4845-8C48-6FD288C10FE9}"/>
+              </a:ext>
+            </a:extLst>
+          </p:cNvPr>
+          <p:cNvSpPr txBox="1"/>
+          <p:nvPr/>
+        </p:nvSpPr>
+        <p:spPr>
+          <a:xfrm flipH="1">
+            <a:off x="3715747" y="5666813"/>
+            <a:ext cx="397866" cy="338554"/>
+          </a:xfrm>
+          <a:prstGeom prst="rect">
+            <a:avLst/>
+          </a:prstGeom>
+          <a:noFill/>
+        </p:spPr>
+        <p:txBody>
+          <a:bodyPr wrap="none" rtlCol="0">
+            <a:spAutoFit/>
+          </a:bodyPr>
+          <a:lstStyle/>
+          <a:p>
+            <a:r>
+              <a:rPr lang="en-SG" sz="1600" dirty="0"/>
+              <a:t>RE</a:t>
+            </a:r>
+          </a:p>
+        </p:txBody>
+      </p:sp>
+      <p:sp>
+        <p:nvSpPr>
+          <p:cNvPr id="218" name="TextBox 217">
+            <a:extLst>
+              <a:ext uri="{FF2B5EF4-FFF2-40B4-BE49-F238E27FC236}">
+                <a16:creationId xmlns:a16="http://schemas.microsoft.com/office/drawing/2014/main" id="{40F24914-4610-4756-A46E-B06E1CAFE0B6}"/>
+              </a:ext>
+            </a:extLst>
+          </p:cNvPr>
+          <p:cNvSpPr txBox="1"/>
+          <p:nvPr/>
+        </p:nvSpPr>
+        <p:spPr>
+          <a:xfrm flipH="1">
+            <a:off x="3682469" y="5933785"/>
+            <a:ext cx="431144" cy="338554"/>
+          </a:xfrm>
+          <a:prstGeom prst="rect">
+            <a:avLst/>
+          </a:prstGeom>
+          <a:noFill/>
+        </p:spPr>
+        <p:txBody>
+          <a:bodyPr wrap="none" rtlCol="0">
+            <a:spAutoFit/>
+          </a:bodyPr>
+          <a:lstStyle/>
+          <a:p>
+            <a:r>
+              <a:rPr lang="en-SG" sz="1600" dirty="0"/>
+              <a:t>RO</a:t>
+            </a:r>
+          </a:p>
+        </p:txBody>
+      </p:sp>
+      <p:sp>
+        <p:nvSpPr>
+          <p:cNvPr id="219" name="TextBox 218">
+            <a:extLst>
+              <a:ext uri="{FF2B5EF4-FFF2-40B4-BE49-F238E27FC236}">
+                <a16:creationId xmlns:a16="http://schemas.microsoft.com/office/drawing/2014/main" id="{AE3EA28D-63E7-4E60-AD01-290616BD9578}"/>
+              </a:ext>
+            </a:extLst>
+          </p:cNvPr>
+          <p:cNvSpPr txBox="1"/>
+          <p:nvPr/>
+        </p:nvSpPr>
+        <p:spPr>
+          <a:xfrm flipH="1">
+            <a:off x="3751013" y="5132871"/>
+            <a:ext cx="362600" cy="338554"/>
+          </a:xfrm>
+          <a:prstGeom prst="rect">
+            <a:avLst/>
+          </a:prstGeom>
+          <a:noFill/>
+        </p:spPr>
+        <p:txBody>
+          <a:bodyPr wrap="none" rtlCol="0">
+            <a:spAutoFit/>
+          </a:bodyPr>
+          <a:lstStyle/>
+          <a:p>
+            <a:r>
+              <a:rPr lang="en-SG" sz="1600" dirty="0"/>
+              <a:t>DI</a:t>
+            </a:r>
+          </a:p>
+        </p:txBody>
+      </p:sp>
+      <p:sp>
+        <p:nvSpPr>
+          <p:cNvPr id="220" name="TextBox 219">
+            <a:extLst>
+              <a:ext uri="{FF2B5EF4-FFF2-40B4-BE49-F238E27FC236}">
+                <a16:creationId xmlns:a16="http://schemas.microsoft.com/office/drawing/2014/main" id="{3E0A5233-F5D5-4C7B-8728-22E151CC0250}"/>
+              </a:ext>
+            </a:extLst>
+          </p:cNvPr>
+          <p:cNvSpPr txBox="1"/>
+          <p:nvPr/>
+        </p:nvSpPr>
+        <p:spPr>
+          <a:xfrm>
+            <a:off x="4902914" y="5398201"/>
+            <a:ext cx="288862" cy="338554"/>
+          </a:xfrm>
+          <a:prstGeom prst="rect">
+            <a:avLst/>
+          </a:prstGeom>
+          <a:noFill/>
+        </p:spPr>
+        <p:txBody>
+          <a:bodyPr wrap="none" rtlCol="0">
+            <a:spAutoFit/>
+          </a:bodyPr>
+          <a:lstStyle/>
+          <a:p>
+            <a:r>
+              <a:rPr lang="en-SG" sz="1600" dirty="0"/>
+              <a:t>2</a:t>
+            </a:r>
+          </a:p>
+        </p:txBody>
+      </p:sp>
+      <p:sp>
+        <p:nvSpPr>
+          <p:cNvPr id="221" name="TextBox 220">
+            <a:extLst>
+              <a:ext uri="{FF2B5EF4-FFF2-40B4-BE49-F238E27FC236}">
+                <a16:creationId xmlns:a16="http://schemas.microsoft.com/office/drawing/2014/main" id="{BC48C7D0-43F3-4759-930B-8742F8066C7E}"/>
+              </a:ext>
+            </a:extLst>
+          </p:cNvPr>
+          <p:cNvSpPr txBox="1"/>
+          <p:nvPr/>
+        </p:nvSpPr>
+        <p:spPr>
+          <a:xfrm>
+            <a:off x="4902914" y="5665172"/>
+            <a:ext cx="288862" cy="338554"/>
+          </a:xfrm>
+          <a:prstGeom prst="rect">
+            <a:avLst/>
+          </a:prstGeom>
+          <a:noFill/>
+        </p:spPr>
+        <p:txBody>
+          <a:bodyPr wrap="none" rtlCol="0">
+            <a:spAutoFit/>
+          </a:bodyPr>
+          <a:lstStyle/>
+          <a:p>
+            <a:r>
+              <a:rPr lang="en-SG" sz="1600" dirty="0"/>
+              <a:t>2</a:t>
+            </a:r>
+          </a:p>
+        </p:txBody>
+      </p:sp>
+      <p:sp>
+        <p:nvSpPr>
+          <p:cNvPr id="222" name="TextBox 221">
+            <a:extLst>
+              <a:ext uri="{FF2B5EF4-FFF2-40B4-BE49-F238E27FC236}">
+                <a16:creationId xmlns:a16="http://schemas.microsoft.com/office/drawing/2014/main" id="{907B71F9-CE58-461B-B2D3-D5FF0A4C175B}"/>
+              </a:ext>
+            </a:extLst>
+          </p:cNvPr>
+          <p:cNvSpPr txBox="1"/>
+          <p:nvPr/>
+        </p:nvSpPr>
+        <p:spPr>
+          <a:xfrm>
+            <a:off x="4902914" y="5932144"/>
+            <a:ext cx="288862" cy="338554"/>
+          </a:xfrm>
+          <a:prstGeom prst="rect">
+            <a:avLst/>
+          </a:prstGeom>
+          <a:noFill/>
+        </p:spPr>
+        <p:txBody>
+          <a:bodyPr wrap="none" rtlCol="0">
+            <a:spAutoFit/>
+          </a:bodyPr>
+          <a:lstStyle/>
+          <a:p>
+            <a:r>
+              <a:rPr lang="en-SG" sz="1600" dirty="0"/>
+              <a:t>0</a:t>
+            </a:r>
+          </a:p>
+        </p:txBody>
+      </p:sp>
+      <p:sp>
+        <p:nvSpPr>
+          <p:cNvPr id="223" name="TextBox 222">
+            <a:extLst>
+              <a:ext uri="{FF2B5EF4-FFF2-40B4-BE49-F238E27FC236}">
+                <a16:creationId xmlns:a16="http://schemas.microsoft.com/office/drawing/2014/main" id="{13DC0BC0-6FE6-4319-90F4-4EA137F0CF59}"/>
+              </a:ext>
+            </a:extLst>
+          </p:cNvPr>
+          <p:cNvSpPr txBox="1"/>
+          <p:nvPr/>
+        </p:nvSpPr>
+        <p:spPr>
+          <a:xfrm>
+            <a:off x="4902914" y="5131230"/>
+            <a:ext cx="288862" cy="338554"/>
+          </a:xfrm>
+          <a:prstGeom prst="rect">
+            <a:avLst/>
+          </a:prstGeom>
+          <a:noFill/>
+        </p:spPr>
+        <p:txBody>
+          <a:bodyPr wrap="none" rtlCol="0">
+            <a:spAutoFit/>
+          </a:bodyPr>
+          <a:lstStyle/>
+          <a:p>
+            <a:r>
+              <a:rPr lang="en-SG" sz="1600" dirty="0"/>
+              <a:t>1</a:t>
+            </a:r>
+          </a:p>
+        </p:txBody>
+      </p:sp>
+      <p:cxnSp>
+        <p:nvCxnSpPr>
+          <p:cNvPr id="224" name="Straight Arrow Connector 223">
+            <a:extLst>
+              <a:ext uri="{FF2B5EF4-FFF2-40B4-BE49-F238E27FC236}">
+                <a16:creationId xmlns:a16="http://schemas.microsoft.com/office/drawing/2014/main" id="{07E6A170-0058-4226-9F7F-E1F3D2C0CE3F}"/>
+              </a:ext>
+            </a:extLst>
+          </p:cNvPr>
+          <p:cNvCxnSpPr>
+            <a:cxnSpLocks/>
+          </p:cNvCxnSpPr>
+          <p:nvPr/>
+        </p:nvCxnSpPr>
+        <p:spPr>
+          <a:xfrm>
+            <a:off x="2138801" y="5294735"/>
+            <a:ext cx="372342" cy="0"/>
+          </a:xfrm>
+          <a:prstGeom prst="straightConnector1">
+            <a:avLst/>
+          </a:prstGeom>
+          <a:ln w="38100">
+            <a:solidFill>
+              <a:schemeClr val="tx1"/>
+            </a:solidFill>
+            <a:tailEnd type="triangle"/>
+          </a:ln>
+        </p:spPr>
+        <p:style>
+          <a:lnRef idx="1">
+            <a:schemeClr val="accent1"/>
+          </a:lnRef>
+          <a:fillRef idx="0">
+            <a:schemeClr val="accent1"/>
+          </a:fillRef>
+          <a:effectRef idx="0">
+            <a:schemeClr val="accent1"/>
+          </a:effectRef>
+          <a:fontRef idx="minor">
+            <a:schemeClr val="tx1"/>
+          </a:fontRef>
+        </p:style>
+      </p:cxnSp>
+      <p:sp>
+        <p:nvSpPr>
+          <p:cNvPr id="225" name="TextBox 224">
+            <a:extLst>
+              <a:ext uri="{FF2B5EF4-FFF2-40B4-BE49-F238E27FC236}">
+                <a16:creationId xmlns:a16="http://schemas.microsoft.com/office/drawing/2014/main" id="{DBC1789B-F626-4296-9870-DC2D24799C84}"/>
+              </a:ext>
+            </a:extLst>
+          </p:cNvPr>
+          <p:cNvSpPr txBox="1"/>
+          <p:nvPr/>
+        </p:nvSpPr>
+        <p:spPr>
+          <a:xfrm>
+            <a:off x="1622763" y="5096802"/>
+            <a:ext cx="548547" cy="369332"/>
+          </a:xfrm>
+          <a:prstGeom prst="rect">
+            <a:avLst/>
+          </a:prstGeom>
+          <a:noFill/>
+        </p:spPr>
+        <p:txBody>
+          <a:bodyPr wrap="none" rtlCol="0">
+            <a:spAutoFit/>
+          </a:bodyPr>
           <a:lstStyle/>
           <a:p>
             <a:pPr algn="ctr"/>
             <a:r>
-              <a:rPr lang="en-US" sz="2400" b="1" dirty="0">
-                <a:solidFill>
-                  <a:schemeClr val="tx1"/>
-                </a:solidFill>
-              </a:rPr>
-              <a:t>Slave 2</a:t>
-            </a:r>
-            <a:endParaRPr lang="en-SG" sz="2400" b="1" dirty="0">
+              <a:rPr lang="en-US" dirty="0"/>
+              <a:t>+5V</a:t>
+            </a:r>
+          </a:p>
+        </p:txBody>
+      </p:sp>
+      <p:cxnSp>
+        <p:nvCxnSpPr>
+          <p:cNvPr id="226" name="Straight Arrow Connector 225">
+            <a:extLst>
+              <a:ext uri="{FF2B5EF4-FFF2-40B4-BE49-F238E27FC236}">
+                <a16:creationId xmlns:a16="http://schemas.microsoft.com/office/drawing/2014/main" id="{E7E13A6B-D128-4E0A-9B55-340C9A76C996}"/>
+              </a:ext>
+            </a:extLst>
+          </p:cNvPr>
+          <p:cNvCxnSpPr>
+            <a:cxnSpLocks/>
+          </p:cNvCxnSpPr>
+          <p:nvPr/>
+        </p:nvCxnSpPr>
+        <p:spPr>
+          <a:xfrm>
+            <a:off x="2121190" y="6125320"/>
+            <a:ext cx="407565" cy="0"/>
+          </a:xfrm>
+          <a:prstGeom prst="straightConnector1">
+            <a:avLst/>
+          </a:prstGeom>
+          <a:ln w="38100">
+            <a:solidFill>
+              <a:schemeClr val="tx1"/>
+            </a:solidFill>
+            <a:tailEnd type="triangle"/>
+          </a:ln>
+        </p:spPr>
+        <p:style>
+          <a:lnRef idx="1">
+            <a:schemeClr val="accent1"/>
+          </a:lnRef>
+          <a:fillRef idx="0">
+            <a:schemeClr val="accent1"/>
+          </a:fillRef>
+          <a:effectRef idx="0">
+            <a:schemeClr val="accent1"/>
+          </a:effectRef>
+          <a:fontRef idx="minor">
+            <a:schemeClr val="tx1"/>
+          </a:fontRef>
+        </p:style>
+      </p:cxnSp>
+      <p:sp>
+        <p:nvSpPr>
+          <p:cNvPr id="227" name="TextBox 226">
+            <a:extLst>
+              <a:ext uri="{FF2B5EF4-FFF2-40B4-BE49-F238E27FC236}">
+                <a16:creationId xmlns:a16="http://schemas.microsoft.com/office/drawing/2014/main" id="{B657D08E-615A-44EA-A92E-C2121D8BE9EE}"/>
+              </a:ext>
+            </a:extLst>
+          </p:cNvPr>
+          <p:cNvSpPr txBox="1"/>
+          <p:nvPr/>
+        </p:nvSpPr>
+        <p:spPr>
+          <a:xfrm>
+            <a:off x="1553342" y="5946927"/>
+            <a:ext cx="622286" cy="369332"/>
+          </a:xfrm>
+          <a:prstGeom prst="rect">
+            <a:avLst/>
+          </a:prstGeom>
+          <a:noFill/>
+        </p:spPr>
+        <p:txBody>
+          <a:bodyPr wrap="none" rtlCol="0">
+            <a:spAutoFit/>
+          </a:bodyPr>
+          <a:lstStyle/>
+          <a:p>
+            <a:pPr algn="ctr"/>
+            <a:r>
+              <a:rPr lang="en-US" dirty="0"/>
+              <a:t>GND</a:t>
+            </a:r>
+          </a:p>
+        </p:txBody>
+      </p:sp>
+      <p:sp>
+        <p:nvSpPr>
+          <p:cNvPr id="228" name="TextBox 227">
+            <a:extLst>
+              <a:ext uri="{FF2B5EF4-FFF2-40B4-BE49-F238E27FC236}">
+                <a16:creationId xmlns:a16="http://schemas.microsoft.com/office/drawing/2014/main" id="{792AE389-0353-4987-B3EB-DCD5AAE3DC10}"/>
+              </a:ext>
+            </a:extLst>
+          </p:cNvPr>
+          <p:cNvSpPr txBox="1"/>
+          <p:nvPr/>
+        </p:nvSpPr>
+        <p:spPr>
+          <a:xfrm>
+            <a:off x="2493532" y="5348484"/>
+            <a:ext cx="303288" cy="338554"/>
+          </a:xfrm>
+          <a:prstGeom prst="rect">
+            <a:avLst/>
+          </a:prstGeom>
+          <a:noFill/>
+        </p:spPr>
+        <p:txBody>
+          <a:bodyPr wrap="none" rtlCol="0">
+            <a:spAutoFit/>
+          </a:bodyPr>
+          <a:lstStyle/>
+          <a:p>
+            <a:r>
+              <a:rPr lang="en-SG" sz="1600" dirty="0"/>
+              <a:t>A</a:t>
+            </a:r>
+          </a:p>
+        </p:txBody>
+      </p:sp>
+      <p:sp>
+        <p:nvSpPr>
+          <p:cNvPr id="229" name="TextBox 228">
+            <a:extLst>
+              <a:ext uri="{FF2B5EF4-FFF2-40B4-BE49-F238E27FC236}">
+                <a16:creationId xmlns:a16="http://schemas.microsoft.com/office/drawing/2014/main" id="{A3612CFA-C047-4BCB-9FC5-FED9BBA0FB9D}"/>
+              </a:ext>
+            </a:extLst>
+          </p:cNvPr>
+          <p:cNvSpPr txBox="1"/>
+          <p:nvPr/>
+        </p:nvSpPr>
+        <p:spPr>
+          <a:xfrm>
+            <a:off x="2493532" y="5615455"/>
+            <a:ext cx="296876" cy="338554"/>
+          </a:xfrm>
+          <a:prstGeom prst="rect">
+            <a:avLst/>
+          </a:prstGeom>
+          <a:noFill/>
+        </p:spPr>
+        <p:txBody>
+          <a:bodyPr wrap="none" rtlCol="0">
+            <a:spAutoFit/>
+          </a:bodyPr>
+          <a:lstStyle/>
+          <a:p>
+            <a:r>
+              <a:rPr lang="en-SG" sz="1600" dirty="0"/>
+              <a:t>B</a:t>
+            </a:r>
+          </a:p>
+        </p:txBody>
+      </p:sp>
+      <p:grpSp>
+        <p:nvGrpSpPr>
+          <p:cNvPr id="22" name="Group 21">
+            <a:extLst>
+              <a:ext uri="{FF2B5EF4-FFF2-40B4-BE49-F238E27FC236}">
+                <a16:creationId xmlns:a16="http://schemas.microsoft.com/office/drawing/2014/main" id="{1371E14E-4C8C-4EAB-82DC-F5ED62D88A55}"/>
+              </a:ext>
+            </a:extLst>
+          </p:cNvPr>
+          <p:cNvGrpSpPr/>
+          <p:nvPr/>
+        </p:nvGrpSpPr>
+        <p:grpSpPr>
+          <a:xfrm>
+            <a:off x="1263554" y="5549272"/>
+            <a:ext cx="1247589" cy="264170"/>
+            <a:chOff x="1277364" y="4055853"/>
+            <a:chExt cx="2208743" cy="264170"/>
+          </a:xfrm>
+        </p:grpSpPr>
+        <p:cxnSp>
+          <p:nvCxnSpPr>
+            <p:cNvPr id="230" name="Straight Arrow Connector 229">
+              <a:extLst>
+                <a:ext uri="{FF2B5EF4-FFF2-40B4-BE49-F238E27FC236}">
+                  <a16:creationId xmlns:a16="http://schemas.microsoft.com/office/drawing/2014/main" id="{4D70B6F1-EC75-4E75-8104-36E402BDCFF7}"/>
+                </a:ext>
+              </a:extLst>
+            </p:cNvPr>
+            <p:cNvCxnSpPr>
+              <a:cxnSpLocks/>
+            </p:cNvCxnSpPr>
+            <p:nvPr/>
+          </p:nvCxnSpPr>
+          <p:spPr>
+            <a:xfrm flipH="1">
+              <a:off x="1277364" y="4055853"/>
+              <a:ext cx="2208743" cy="0"/>
+            </a:xfrm>
+            <a:prstGeom prst="straightConnector1">
+              <a:avLst/>
+            </a:prstGeom>
+            <a:ln w="38100">
               <a:solidFill>
                 <a:schemeClr val="tx1"/>
               </a:solidFill>
-            </a:endParaRPr>
-          </a:p>
-        </p:txBody>
-      </p:sp>
-      <p:sp>
-        <p:nvSpPr>
-          <p:cNvPr id="12" name="Rectangle 11">
-            <a:extLst>
-              <a:ext uri="{FF2B5EF4-FFF2-40B4-BE49-F238E27FC236}">
-                <a16:creationId xmlns:a16="http://schemas.microsoft.com/office/drawing/2014/main" id="{243435A7-156A-4167-8FF7-6BA692214A69}"/>
-              </a:ext>
-            </a:extLst>
-          </p:cNvPr>
-          <p:cNvSpPr/>
-          <p:nvPr/>
-        </p:nvSpPr>
-        <p:spPr>
-          <a:xfrm>
-            <a:off x="9166679" y="1530322"/>
-            <a:ext cx="1741336" cy="417065"/>
-          </a:xfrm>
-          <a:prstGeom prst="rect">
-            <a:avLst/>
-          </a:prstGeom>
-          <a:noFill/>
+              <a:headEnd type="triangle" w="med" len="med"/>
+              <a:tailEnd type="triangle" w="med" len="med"/>
+            </a:ln>
+          </p:spPr>
+          <p:style>
+            <a:lnRef idx="1">
+              <a:schemeClr val="accent1"/>
+            </a:lnRef>
+            <a:fillRef idx="0">
+              <a:schemeClr val="accent1"/>
+            </a:fillRef>
+            <a:effectRef idx="0">
+              <a:schemeClr val="accent1"/>
+            </a:effectRef>
+            <a:fontRef idx="minor">
+              <a:schemeClr val="tx1"/>
+            </a:fontRef>
+          </p:style>
+        </p:cxnSp>
+        <p:cxnSp>
+          <p:nvCxnSpPr>
+            <p:cNvPr id="231" name="Straight Arrow Connector 230">
+              <a:extLst>
+                <a:ext uri="{FF2B5EF4-FFF2-40B4-BE49-F238E27FC236}">
+                  <a16:creationId xmlns:a16="http://schemas.microsoft.com/office/drawing/2014/main" id="{DCF096E3-8504-4573-AC94-6FE8C33F24FB}"/>
+                </a:ext>
+              </a:extLst>
+            </p:cNvPr>
+            <p:cNvCxnSpPr>
+              <a:cxnSpLocks/>
+            </p:cNvCxnSpPr>
+            <p:nvPr/>
+          </p:nvCxnSpPr>
+          <p:spPr>
+            <a:xfrm flipH="1">
+              <a:off x="1277364" y="4320023"/>
+              <a:ext cx="2208743" cy="0"/>
+            </a:xfrm>
+            <a:prstGeom prst="straightConnector1">
+              <a:avLst/>
+            </a:prstGeom>
+            <a:ln w="38100">
+              <a:solidFill>
+                <a:schemeClr val="tx1"/>
+              </a:solidFill>
+              <a:headEnd type="triangle" w="med" len="med"/>
+              <a:tailEnd type="triangle" w="med" len="med"/>
+            </a:ln>
+          </p:spPr>
+          <p:style>
+            <a:lnRef idx="1">
+              <a:schemeClr val="accent1"/>
+            </a:lnRef>
+            <a:fillRef idx="0">
+              <a:schemeClr val="accent1"/>
+            </a:fillRef>
+            <a:effectRef idx="0">
+              <a:schemeClr val="accent1"/>
+            </a:effectRef>
+            <a:fontRef idx="minor">
+              <a:schemeClr val="tx1"/>
+            </a:fontRef>
+          </p:style>
+        </p:cxnSp>
+      </p:grpSp>
+      <p:cxnSp>
+        <p:nvCxnSpPr>
+          <p:cNvPr id="232" name="Straight Arrow Connector 231">
+            <a:extLst>
+              <a:ext uri="{FF2B5EF4-FFF2-40B4-BE49-F238E27FC236}">
+                <a16:creationId xmlns:a16="http://schemas.microsoft.com/office/drawing/2014/main" id="{8A69DF89-D1B1-4212-86CA-79A2C8A75AF5}"/>
+              </a:ext>
+            </a:extLst>
+          </p:cNvPr>
+          <p:cNvCxnSpPr>
+            <a:cxnSpLocks/>
+          </p:cNvCxnSpPr>
+          <p:nvPr/>
+        </p:nvCxnSpPr>
+        <p:spPr>
+          <a:xfrm>
+            <a:off x="1272939" y="4561806"/>
+            <a:ext cx="408950" cy="0"/>
+          </a:xfrm>
+          <a:prstGeom prst="straightConnector1">
+            <a:avLst/>
+          </a:prstGeom>
           <a:ln w="38100">
             <a:solidFill>
               <a:schemeClr val="tx1"/>
             </a:solidFill>
+            <a:tailEnd type="triangle"/>
+          </a:ln>
+        </p:spPr>
+        <p:style>
+          <a:lnRef idx="1">
+            <a:schemeClr val="accent1"/>
+          </a:lnRef>
+          <a:fillRef idx="0">
+            <a:schemeClr val="accent1"/>
+          </a:fillRef>
+          <a:effectRef idx="0">
+            <a:schemeClr val="accent1"/>
+          </a:effectRef>
+          <a:fontRef idx="minor">
+            <a:schemeClr val="tx1"/>
+          </a:fontRef>
+        </p:style>
+      </p:cxnSp>
+      <p:sp>
+        <p:nvSpPr>
+          <p:cNvPr id="233" name="TextBox 232">
+            <a:extLst>
+              <a:ext uri="{FF2B5EF4-FFF2-40B4-BE49-F238E27FC236}">
+                <a16:creationId xmlns:a16="http://schemas.microsoft.com/office/drawing/2014/main" id="{62771BDD-3F91-4039-BF13-E47C4DC18236}"/>
+              </a:ext>
+            </a:extLst>
+          </p:cNvPr>
+          <p:cNvSpPr txBox="1"/>
+          <p:nvPr/>
+        </p:nvSpPr>
+        <p:spPr>
+          <a:xfrm>
+            <a:off x="1642199" y="4348325"/>
+            <a:ext cx="665568" cy="369332"/>
+          </a:xfrm>
+          <a:prstGeom prst="rect">
+            <a:avLst/>
+          </a:prstGeom>
+          <a:noFill/>
+        </p:spPr>
+        <p:txBody>
+          <a:bodyPr wrap="none" rtlCol="0">
+            <a:spAutoFit/>
+          </a:bodyPr>
+          <a:lstStyle/>
+          <a:p>
+            <a:pPr algn="ctr"/>
+            <a:r>
+              <a:rPr lang="en-US" dirty="0"/>
+              <a:t>+24V</a:t>
+            </a:r>
+          </a:p>
+        </p:txBody>
+      </p:sp>
+      <p:sp>
+        <p:nvSpPr>
+          <p:cNvPr id="234" name="Rectangle 233">
+            <a:extLst>
+              <a:ext uri="{FF2B5EF4-FFF2-40B4-BE49-F238E27FC236}">
+                <a16:creationId xmlns:a16="http://schemas.microsoft.com/office/drawing/2014/main" id="{041603E9-896F-465B-AB2A-E7DBCEBD34F3}"/>
+              </a:ext>
+            </a:extLst>
+          </p:cNvPr>
+          <p:cNvSpPr/>
+          <p:nvPr/>
+        </p:nvSpPr>
+        <p:spPr>
+          <a:xfrm>
+            <a:off x="291241" y="4415771"/>
+            <a:ext cx="981698" cy="1849059"/>
+          </a:xfrm>
+          <a:prstGeom prst="rect">
+            <a:avLst/>
+          </a:prstGeom>
+          <a:noFill/>
+          <a:ln w="38100">
+            <a:solidFill>
+              <a:schemeClr val="tx1"/>
+            </a:solidFill>
+            <a:prstDash val="dash"/>
           </a:ln>
         </p:spPr>
         <p:style>
@@ -3260,7 +5469,18 @@
                   <a:schemeClr val="tx1"/>
                 </a:solidFill>
               </a:rPr>
-              <a:t>Max485 Module</a:t>
+              <a:t>Arduino</a:t>
+            </a:r>
+          </a:p>
+          <a:p>
+            <a:pPr algn="ctr"/>
+            <a:r>
+              <a:rPr lang="en-US" b="1" dirty="0">
+                <a:solidFill>
+                  <a:schemeClr val="tx1"/>
+                </a:solidFill>
+              </a:rPr>
+              <a:t>Mega</a:t>
             </a:r>
             <a:endParaRPr lang="en-SG" b="1" dirty="0">
               <a:solidFill>
@@ -3272,90 +5492,278 @@
       </p:sp>
       <p:sp>
         <p:nvSpPr>
-          <p:cNvPr id="14" name="Rectangle: Rounded Corners 13">
-            <a:extLst>
-              <a:ext uri="{FF2B5EF4-FFF2-40B4-BE49-F238E27FC236}">
-                <a16:creationId xmlns:a16="http://schemas.microsoft.com/office/drawing/2014/main" id="{AAEB9EF1-9264-4B25-9FB6-865CD701D61E}"/>
-              </a:ext>
-            </a:extLst>
-          </p:cNvPr>
-          <p:cNvSpPr/>
-          <p:nvPr/>
-        </p:nvSpPr>
-        <p:spPr>
-          <a:xfrm>
-            <a:off x="8983365" y="3570020"/>
-            <a:ext cx="2107964" cy="1158373"/>
-          </a:xfrm>
-          <a:prstGeom prst="roundRect">
-            <a:avLst/>
-          </a:prstGeom>
-          <a:solidFill>
-            <a:srgbClr val="FFC000"/>
-          </a:solidFill>
-        </p:spPr>
-        <p:style>
-          <a:lnRef idx="2">
-            <a:schemeClr val="accent1">
-              <a:shade val="50000"/>
-            </a:schemeClr>
-          </a:lnRef>
-          <a:fillRef idx="1">
-            <a:schemeClr val="accent1"/>
-          </a:fillRef>
-          <a:effectRef idx="0">
-            <a:schemeClr val="accent1"/>
-          </a:effectRef>
-          <a:fontRef idx="minor">
-            <a:schemeClr val="lt1"/>
-          </a:fontRef>
-        </p:style>
-        <p:txBody>
-          <a:bodyPr rtlCol="0" anchor="b" anchorCtr="0"/>
+          <p:cNvPr id="236" name="TextBox 235">
+            <a:extLst>
+              <a:ext uri="{FF2B5EF4-FFF2-40B4-BE49-F238E27FC236}">
+                <a16:creationId xmlns:a16="http://schemas.microsoft.com/office/drawing/2014/main" id="{FD897CB8-B98B-4140-BEBC-DE2D7FDBCBC0}"/>
+              </a:ext>
+            </a:extLst>
+          </p:cNvPr>
+          <p:cNvSpPr txBox="1"/>
+          <p:nvPr/>
+        </p:nvSpPr>
+        <p:spPr>
+          <a:xfrm>
+            <a:off x="1656777" y="4651208"/>
+            <a:ext cx="622286" cy="369332"/>
+          </a:xfrm>
+          <a:prstGeom prst="rect">
+            <a:avLst/>
+          </a:prstGeom>
+          <a:noFill/>
+        </p:spPr>
+        <p:txBody>
+          <a:bodyPr wrap="none" rtlCol="0">
+            <a:spAutoFit/>
+          </a:bodyPr>
           <a:lstStyle/>
           <a:p>
             <a:pPr algn="ctr"/>
             <a:r>
-              <a:rPr lang="en-US" sz="2400" b="1" dirty="0">
-                <a:solidFill>
-                  <a:schemeClr val="tx1"/>
-                </a:solidFill>
-              </a:rPr>
-              <a:t>Slave 3</a:t>
-            </a:r>
-            <a:endParaRPr lang="en-SG" sz="2400" b="1" dirty="0">
-              <a:solidFill>
-                <a:schemeClr val="tx1"/>
-              </a:solidFill>
-            </a:endParaRPr>
-          </a:p>
-        </p:txBody>
-      </p:sp>
-      <p:sp>
-        <p:nvSpPr>
-          <p:cNvPr id="15" name="Rectangle 14">
-            <a:extLst>
-              <a:ext uri="{FF2B5EF4-FFF2-40B4-BE49-F238E27FC236}">
-                <a16:creationId xmlns:a16="http://schemas.microsoft.com/office/drawing/2014/main" id="{98722441-7FDA-4153-9D5A-ADB134A3EA24}"/>
-              </a:ext>
-            </a:extLst>
-          </p:cNvPr>
-          <p:cNvSpPr/>
-          <p:nvPr/>
-        </p:nvSpPr>
-        <p:spPr>
-          <a:xfrm>
-            <a:off x="9166679" y="3800608"/>
-            <a:ext cx="1741336" cy="417065"/>
-          </a:xfrm>
-          <a:prstGeom prst="rect">
-            <a:avLst/>
-          </a:prstGeom>
-          <a:noFill/>
+              <a:rPr lang="en-US" dirty="0"/>
+              <a:t>GND</a:t>
+            </a:r>
+          </a:p>
+        </p:txBody>
+      </p:sp>
+      <p:sp>
+        <p:nvSpPr>
+          <p:cNvPr id="237" name="TextBox 236">
+            <a:extLst>
+              <a:ext uri="{FF2B5EF4-FFF2-40B4-BE49-F238E27FC236}">
+                <a16:creationId xmlns:a16="http://schemas.microsoft.com/office/drawing/2014/main" id="{4D4C325A-E223-4476-9514-7BA27B386A9A}"/>
+              </a:ext>
+            </a:extLst>
+          </p:cNvPr>
+          <p:cNvSpPr txBox="1"/>
+          <p:nvPr/>
+        </p:nvSpPr>
+        <p:spPr>
+          <a:xfrm>
+            <a:off x="1445806" y="5502372"/>
+            <a:ext cx="958917" cy="369332"/>
+          </a:xfrm>
+          <a:prstGeom prst="rect">
+            <a:avLst/>
+          </a:prstGeom>
+          <a:noFill/>
+        </p:spPr>
+        <p:txBody>
+          <a:bodyPr wrap="none" rtlCol="0">
+            <a:spAutoFit/>
+          </a:bodyPr>
+          <a:lstStyle/>
+          <a:p>
+            <a:pPr algn="ctr"/>
+            <a:r>
+              <a:rPr lang="en-US" dirty="0"/>
+              <a:t>Modbus</a:t>
+            </a:r>
+          </a:p>
+        </p:txBody>
+      </p:sp>
+      <p:cxnSp>
+        <p:nvCxnSpPr>
+          <p:cNvPr id="97" name="Straight Arrow Connector 96">
+            <a:extLst>
+              <a:ext uri="{FF2B5EF4-FFF2-40B4-BE49-F238E27FC236}">
+                <a16:creationId xmlns:a16="http://schemas.microsoft.com/office/drawing/2014/main" id="{98E199FA-6CFE-4512-92F8-B9C3A6B6371E}"/>
+              </a:ext>
+            </a:extLst>
+          </p:cNvPr>
+          <p:cNvCxnSpPr>
+            <a:cxnSpLocks/>
+          </p:cNvCxnSpPr>
+          <p:nvPr/>
+        </p:nvCxnSpPr>
+        <p:spPr>
+          <a:xfrm flipH="1">
+            <a:off x="7140519" y="2310309"/>
+            <a:ext cx="990020" cy="0"/>
+          </a:xfrm>
+          <a:prstGeom prst="straightConnector1">
+            <a:avLst/>
+          </a:prstGeom>
           <a:ln w="38100">
             <a:solidFill>
               <a:schemeClr val="tx1"/>
             </a:solidFill>
+            <a:tailEnd type="triangle"/>
+          </a:ln>
+        </p:spPr>
+        <p:style>
+          <a:lnRef idx="1">
+            <a:schemeClr val="accent1"/>
+          </a:lnRef>
+          <a:fillRef idx="0">
+            <a:schemeClr val="accent1"/>
+          </a:fillRef>
+          <a:effectRef idx="0">
+            <a:schemeClr val="accent1"/>
+          </a:effectRef>
+          <a:fontRef idx="minor">
+            <a:schemeClr val="tx1"/>
+          </a:fontRef>
+        </p:style>
+      </p:cxnSp>
+      <p:cxnSp>
+        <p:nvCxnSpPr>
+          <p:cNvPr id="98" name="Straight Arrow Connector 97">
+            <a:extLst>
+              <a:ext uri="{FF2B5EF4-FFF2-40B4-BE49-F238E27FC236}">
+                <a16:creationId xmlns:a16="http://schemas.microsoft.com/office/drawing/2014/main" id="{F8135986-523F-4AA0-9AAB-31788D969773}"/>
+              </a:ext>
+            </a:extLst>
+          </p:cNvPr>
+          <p:cNvCxnSpPr>
+            <a:cxnSpLocks/>
+          </p:cNvCxnSpPr>
+          <p:nvPr/>
+        </p:nvCxnSpPr>
+        <p:spPr>
+          <a:xfrm flipH="1">
+            <a:off x="7131917" y="2580537"/>
+            <a:ext cx="990020" cy="0"/>
+          </a:xfrm>
+          <a:prstGeom prst="straightConnector1">
+            <a:avLst/>
+          </a:prstGeom>
+          <a:ln w="38100">
+            <a:solidFill>
+              <a:schemeClr val="tx1"/>
+            </a:solidFill>
+            <a:tailEnd type="triangle"/>
+          </a:ln>
+        </p:spPr>
+        <p:style>
+          <a:lnRef idx="1">
+            <a:schemeClr val="accent1"/>
+          </a:lnRef>
+          <a:fillRef idx="0">
+            <a:schemeClr val="accent1"/>
+          </a:fillRef>
+          <a:effectRef idx="0">
+            <a:schemeClr val="accent1"/>
+          </a:effectRef>
+          <a:fontRef idx="minor">
+            <a:schemeClr val="tx1"/>
+          </a:fontRef>
+        </p:style>
+      </p:cxnSp>
+      <p:cxnSp>
+        <p:nvCxnSpPr>
+          <p:cNvPr id="99" name="Straight Arrow Connector 98">
+            <a:extLst>
+              <a:ext uri="{FF2B5EF4-FFF2-40B4-BE49-F238E27FC236}">
+                <a16:creationId xmlns:a16="http://schemas.microsoft.com/office/drawing/2014/main" id="{3CF70218-44AB-41C7-AF08-8C31B028AA57}"/>
+              </a:ext>
+            </a:extLst>
+          </p:cNvPr>
+          <p:cNvCxnSpPr>
+            <a:cxnSpLocks/>
+          </p:cNvCxnSpPr>
+          <p:nvPr/>
+        </p:nvCxnSpPr>
+        <p:spPr>
+          <a:xfrm flipH="1">
+            <a:off x="7131917" y="2823389"/>
+            <a:ext cx="990020" cy="0"/>
+          </a:xfrm>
+          <a:prstGeom prst="straightConnector1">
+            <a:avLst/>
+          </a:prstGeom>
+          <a:ln w="38100">
+            <a:solidFill>
+              <a:schemeClr val="tx1"/>
+            </a:solidFill>
+            <a:tailEnd type="triangle"/>
+          </a:ln>
+        </p:spPr>
+        <p:style>
+          <a:lnRef idx="1">
+            <a:schemeClr val="accent1"/>
+          </a:lnRef>
+          <a:fillRef idx="0">
+            <a:schemeClr val="accent1"/>
+          </a:fillRef>
+          <a:effectRef idx="0">
+            <a:schemeClr val="accent1"/>
+          </a:effectRef>
+          <a:fontRef idx="minor">
+            <a:schemeClr val="tx1"/>
+          </a:fontRef>
+        </p:style>
+      </p:cxnSp>
+      <p:cxnSp>
+        <p:nvCxnSpPr>
+          <p:cNvPr id="119" name="Straight Arrow Connector 118">
+            <a:extLst>
+              <a:ext uri="{FF2B5EF4-FFF2-40B4-BE49-F238E27FC236}">
+                <a16:creationId xmlns:a16="http://schemas.microsoft.com/office/drawing/2014/main" id="{2E8F5C1A-4111-472C-BF82-FA2312DCF4A7}"/>
+              </a:ext>
+            </a:extLst>
+          </p:cNvPr>
+          <p:cNvCxnSpPr>
+            <a:cxnSpLocks/>
+          </p:cNvCxnSpPr>
+          <p:nvPr/>
+        </p:nvCxnSpPr>
+        <p:spPr>
+          <a:xfrm>
+            <a:off x="1272939" y="4845540"/>
+            <a:ext cx="408950" cy="0"/>
+          </a:xfrm>
+          <a:prstGeom prst="straightConnector1">
+            <a:avLst/>
+          </a:prstGeom>
+          <a:ln w="38100">
+            <a:solidFill>
+              <a:schemeClr val="tx1"/>
+            </a:solidFill>
+            <a:tailEnd type="triangle"/>
+          </a:ln>
+        </p:spPr>
+        <p:style>
+          <a:lnRef idx="1">
+            <a:schemeClr val="accent1"/>
+          </a:lnRef>
+          <a:fillRef idx="0">
+            <a:schemeClr val="accent1"/>
+          </a:fillRef>
+          <a:effectRef idx="0">
+            <a:schemeClr val="accent1"/>
+          </a:effectRef>
+          <a:fontRef idx="minor">
+            <a:schemeClr val="tx1"/>
+          </a:fontRef>
+        </p:style>
+      </p:cxnSp>
+      <p:sp>
+        <p:nvSpPr>
+          <p:cNvPr id="122" name="Rectangle 121">
+            <a:extLst>
+              <a:ext uri="{FF2B5EF4-FFF2-40B4-BE49-F238E27FC236}">
+                <a16:creationId xmlns:a16="http://schemas.microsoft.com/office/drawing/2014/main" id="{688073BE-FDCE-4241-AEA5-F8C7E05802DA}"/>
+              </a:ext>
+            </a:extLst>
+          </p:cNvPr>
+          <p:cNvSpPr/>
+          <p:nvPr/>
+        </p:nvSpPr>
+        <p:spPr>
+          <a:xfrm>
+            <a:off x="8312591" y="5406253"/>
+            <a:ext cx="1292842" cy="924623"/>
+          </a:xfrm>
+          <a:prstGeom prst="rect">
+            <a:avLst/>
+          </a:prstGeom>
+          <a:noFill/>
+          <a:ln w="38100">
+            <a:solidFill>
+              <a:schemeClr val="tx1"/>
+            </a:solidFill>
+            <a:prstDash val="solid"/>
           </a:ln>
         </p:spPr>
         <p:style>
@@ -3385,7 +5793,502 @@
                   <a:schemeClr val="tx1"/>
                 </a:solidFill>
               </a:rPr>
-              <a:t>Max485 Module</a:t>
+              <a:t>SERVO</a:t>
+            </a:r>
+          </a:p>
+        </p:txBody>
+      </p:sp>
+      <p:sp>
+        <p:nvSpPr>
+          <p:cNvPr id="124" name="TextBox 123">
+            <a:extLst>
+              <a:ext uri="{FF2B5EF4-FFF2-40B4-BE49-F238E27FC236}">
+                <a16:creationId xmlns:a16="http://schemas.microsoft.com/office/drawing/2014/main" id="{8E75883C-5206-434A-B93E-C08F2AFF45D9}"/>
+              </a:ext>
+            </a:extLst>
+          </p:cNvPr>
+          <p:cNvSpPr txBox="1"/>
+          <p:nvPr/>
+        </p:nvSpPr>
+        <p:spPr>
+          <a:xfrm>
+            <a:off x="8289195" y="5467311"/>
+            <a:ext cx="279244" cy="338554"/>
+          </a:xfrm>
+          <a:prstGeom prst="rect">
+            <a:avLst/>
+          </a:prstGeom>
+          <a:noFill/>
+        </p:spPr>
+        <p:txBody>
+          <a:bodyPr wrap="none" rtlCol="0">
+            <a:spAutoFit/>
+          </a:bodyPr>
+          <a:lstStyle/>
+          <a:p>
+            <a:r>
+              <a:rPr lang="en-SG" sz="1600" dirty="0"/>
+              <a:t>S</a:t>
+            </a:r>
+          </a:p>
+        </p:txBody>
+      </p:sp>
+      <p:cxnSp>
+        <p:nvCxnSpPr>
+          <p:cNvPr id="125" name="Straight Arrow Connector 124">
+            <a:extLst>
+              <a:ext uri="{FF2B5EF4-FFF2-40B4-BE49-F238E27FC236}">
+                <a16:creationId xmlns:a16="http://schemas.microsoft.com/office/drawing/2014/main" id="{2D562093-D0BF-4926-AB35-6A0CFF240893}"/>
+              </a:ext>
+            </a:extLst>
+          </p:cNvPr>
+          <p:cNvCxnSpPr>
+            <a:cxnSpLocks/>
+          </p:cNvCxnSpPr>
+          <p:nvPr/>
+        </p:nvCxnSpPr>
+        <p:spPr>
+          <a:xfrm>
+            <a:off x="7158378" y="5624971"/>
+            <a:ext cx="1154213" cy="0"/>
+          </a:xfrm>
+          <a:prstGeom prst="straightConnector1">
+            <a:avLst/>
+          </a:prstGeom>
+          <a:ln w="38100">
+            <a:solidFill>
+              <a:schemeClr val="tx1"/>
+            </a:solidFill>
+            <a:tailEnd type="triangle"/>
+          </a:ln>
+        </p:spPr>
+        <p:style>
+          <a:lnRef idx="1">
+            <a:schemeClr val="accent1"/>
+          </a:lnRef>
+          <a:fillRef idx="0">
+            <a:schemeClr val="accent1"/>
+          </a:fillRef>
+          <a:effectRef idx="0">
+            <a:schemeClr val="accent1"/>
+          </a:effectRef>
+          <a:fontRef idx="minor">
+            <a:schemeClr val="tx1"/>
+          </a:fontRef>
+        </p:style>
+      </p:cxnSp>
+      <p:sp>
+        <p:nvSpPr>
+          <p:cNvPr id="128" name="TextBox 127">
+            <a:extLst>
+              <a:ext uri="{FF2B5EF4-FFF2-40B4-BE49-F238E27FC236}">
+                <a16:creationId xmlns:a16="http://schemas.microsoft.com/office/drawing/2014/main" id="{985ACC36-69E6-4894-9C1D-3CB80E30CBE9}"/>
+              </a:ext>
+            </a:extLst>
+          </p:cNvPr>
+          <p:cNvSpPr txBox="1"/>
+          <p:nvPr/>
+        </p:nvSpPr>
+        <p:spPr>
+          <a:xfrm>
+            <a:off x="6750053" y="5463236"/>
+            <a:ext cx="407484" cy="338554"/>
+          </a:xfrm>
+          <a:prstGeom prst="rect">
+            <a:avLst/>
+          </a:prstGeom>
+          <a:noFill/>
+        </p:spPr>
+        <p:txBody>
+          <a:bodyPr wrap="none" rtlCol="0">
+            <a:spAutoFit/>
+          </a:bodyPr>
+          <a:lstStyle/>
+          <a:p>
+            <a:r>
+              <a:rPr lang="en-SG" sz="1600" dirty="0"/>
+              <a:t>A0</a:t>
+            </a:r>
+          </a:p>
+        </p:txBody>
+      </p:sp>
+      <p:cxnSp>
+        <p:nvCxnSpPr>
+          <p:cNvPr id="134" name="Straight Arrow Connector 133">
+            <a:extLst>
+              <a:ext uri="{FF2B5EF4-FFF2-40B4-BE49-F238E27FC236}">
+                <a16:creationId xmlns:a16="http://schemas.microsoft.com/office/drawing/2014/main" id="{5DC833DD-A0F5-4AD1-B62D-950452BD0BCC}"/>
+              </a:ext>
+            </a:extLst>
+          </p:cNvPr>
+          <p:cNvCxnSpPr>
+            <a:cxnSpLocks/>
+          </p:cNvCxnSpPr>
+          <p:nvPr/>
+        </p:nvCxnSpPr>
+        <p:spPr>
+          <a:xfrm>
+            <a:off x="7928629" y="5881991"/>
+            <a:ext cx="360566" cy="0"/>
+          </a:xfrm>
+          <a:prstGeom prst="straightConnector1">
+            <a:avLst/>
+          </a:prstGeom>
+          <a:ln w="38100">
+            <a:solidFill>
+              <a:schemeClr val="tx1"/>
+            </a:solidFill>
+            <a:tailEnd type="triangle"/>
+          </a:ln>
+        </p:spPr>
+        <p:style>
+          <a:lnRef idx="1">
+            <a:schemeClr val="accent1"/>
+          </a:lnRef>
+          <a:fillRef idx="0">
+            <a:schemeClr val="accent1"/>
+          </a:fillRef>
+          <a:effectRef idx="0">
+            <a:schemeClr val="accent1"/>
+          </a:effectRef>
+          <a:fontRef idx="minor">
+            <a:schemeClr val="tx1"/>
+          </a:fontRef>
+        </p:style>
+      </p:cxnSp>
+      <p:sp>
+        <p:nvSpPr>
+          <p:cNvPr id="135" name="TextBox 134">
+            <a:extLst>
+              <a:ext uri="{FF2B5EF4-FFF2-40B4-BE49-F238E27FC236}">
+                <a16:creationId xmlns:a16="http://schemas.microsoft.com/office/drawing/2014/main" id="{A91D66B8-C4D6-421A-9C8C-FE27BAA909D6}"/>
+              </a:ext>
+            </a:extLst>
+          </p:cNvPr>
+          <p:cNvSpPr txBox="1"/>
+          <p:nvPr/>
+        </p:nvSpPr>
+        <p:spPr>
+          <a:xfrm>
+            <a:off x="7406452" y="5693585"/>
+            <a:ext cx="548547" cy="369332"/>
+          </a:xfrm>
+          <a:prstGeom prst="rect">
+            <a:avLst/>
+          </a:prstGeom>
+          <a:noFill/>
+        </p:spPr>
+        <p:txBody>
+          <a:bodyPr wrap="none" rtlCol="0">
+            <a:spAutoFit/>
+          </a:bodyPr>
+          <a:lstStyle/>
+          <a:p>
+            <a:pPr algn="ctr"/>
+            <a:r>
+              <a:rPr lang="en-US" dirty="0"/>
+              <a:t>+5V</a:t>
+            </a:r>
+          </a:p>
+        </p:txBody>
+      </p:sp>
+      <p:sp>
+        <p:nvSpPr>
+          <p:cNvPr id="148" name="TextBox 147">
+            <a:extLst>
+              <a:ext uri="{FF2B5EF4-FFF2-40B4-BE49-F238E27FC236}">
+                <a16:creationId xmlns:a16="http://schemas.microsoft.com/office/drawing/2014/main" id="{BD6CDD30-82C4-494F-8975-40E9CB019C56}"/>
+              </a:ext>
+            </a:extLst>
+          </p:cNvPr>
+          <p:cNvSpPr txBox="1"/>
+          <p:nvPr/>
+        </p:nvSpPr>
+        <p:spPr>
+          <a:xfrm>
+            <a:off x="7379384" y="6008320"/>
+            <a:ext cx="622286" cy="369332"/>
+          </a:xfrm>
+          <a:prstGeom prst="rect">
+            <a:avLst/>
+          </a:prstGeom>
+          <a:noFill/>
+        </p:spPr>
+        <p:txBody>
+          <a:bodyPr wrap="none" rtlCol="0">
+            <a:spAutoFit/>
+          </a:bodyPr>
+          <a:lstStyle/>
+          <a:p>
+            <a:pPr algn="ctr"/>
+            <a:r>
+              <a:rPr lang="en-US" dirty="0"/>
+              <a:t>GND</a:t>
+            </a:r>
+          </a:p>
+        </p:txBody>
+      </p:sp>
+      <p:cxnSp>
+        <p:nvCxnSpPr>
+          <p:cNvPr id="149" name="Straight Arrow Connector 148">
+            <a:extLst>
+              <a:ext uri="{FF2B5EF4-FFF2-40B4-BE49-F238E27FC236}">
+                <a16:creationId xmlns:a16="http://schemas.microsoft.com/office/drawing/2014/main" id="{6173B415-ED90-4C6D-8D3A-E3CD43CD6C25}"/>
+              </a:ext>
+            </a:extLst>
+          </p:cNvPr>
+          <p:cNvCxnSpPr>
+            <a:cxnSpLocks/>
+          </p:cNvCxnSpPr>
+          <p:nvPr/>
+        </p:nvCxnSpPr>
+        <p:spPr>
+          <a:xfrm>
+            <a:off x="7939025" y="6192986"/>
+            <a:ext cx="360566" cy="0"/>
+          </a:xfrm>
+          <a:prstGeom prst="straightConnector1">
+            <a:avLst/>
+          </a:prstGeom>
+          <a:ln w="38100">
+            <a:solidFill>
+              <a:schemeClr val="tx1"/>
+            </a:solidFill>
+            <a:tailEnd type="triangle"/>
+          </a:ln>
+        </p:spPr>
+        <p:style>
+          <a:lnRef idx="1">
+            <a:schemeClr val="accent1"/>
+          </a:lnRef>
+          <a:fillRef idx="0">
+            <a:schemeClr val="accent1"/>
+          </a:fillRef>
+          <a:effectRef idx="0">
+            <a:schemeClr val="accent1"/>
+          </a:effectRef>
+          <a:fontRef idx="minor">
+            <a:schemeClr val="tx1"/>
+          </a:fontRef>
+        </p:style>
+      </p:cxnSp>
+      <p:cxnSp>
+        <p:nvCxnSpPr>
+          <p:cNvPr id="184" name="Straight Arrow Connector 183">
+            <a:extLst>
+              <a:ext uri="{FF2B5EF4-FFF2-40B4-BE49-F238E27FC236}">
+                <a16:creationId xmlns:a16="http://schemas.microsoft.com/office/drawing/2014/main" id="{ABFD8CAA-08BE-487B-894C-6F7D7CD66419}"/>
+              </a:ext>
+            </a:extLst>
+          </p:cNvPr>
+          <p:cNvCxnSpPr>
+            <a:cxnSpLocks/>
+          </p:cNvCxnSpPr>
+          <p:nvPr/>
+        </p:nvCxnSpPr>
+        <p:spPr>
+          <a:xfrm flipH="1">
+            <a:off x="10210604" y="2045567"/>
+            <a:ext cx="581080" cy="5774"/>
+          </a:xfrm>
+          <a:prstGeom prst="straightConnector1">
+            <a:avLst/>
+          </a:prstGeom>
+          <a:ln w="38100">
+            <a:solidFill>
+              <a:schemeClr val="tx1"/>
+            </a:solidFill>
+            <a:headEnd type="triangle" w="med" len="med"/>
+            <a:tailEnd type="triangle" w="med" len="med"/>
+          </a:ln>
+        </p:spPr>
+        <p:style>
+          <a:lnRef idx="1">
+            <a:schemeClr val="accent1"/>
+          </a:lnRef>
+          <a:fillRef idx="0">
+            <a:schemeClr val="accent1"/>
+          </a:fillRef>
+          <a:effectRef idx="0">
+            <a:schemeClr val="accent1"/>
+          </a:effectRef>
+          <a:fontRef idx="minor">
+            <a:schemeClr val="tx1"/>
+          </a:fontRef>
+        </p:style>
+      </p:cxnSp>
+      <p:sp>
+        <p:nvSpPr>
+          <p:cNvPr id="185" name="TextBox 184">
+            <a:extLst>
+              <a:ext uri="{FF2B5EF4-FFF2-40B4-BE49-F238E27FC236}">
+                <a16:creationId xmlns:a16="http://schemas.microsoft.com/office/drawing/2014/main" id="{73D628EE-F514-4F67-9FA3-70A860E79915}"/>
+              </a:ext>
+            </a:extLst>
+          </p:cNvPr>
+          <p:cNvSpPr txBox="1"/>
+          <p:nvPr/>
+        </p:nvSpPr>
+        <p:spPr>
+          <a:xfrm>
+            <a:off x="9868123" y="1876290"/>
+            <a:ext cx="287258" cy="338554"/>
+          </a:xfrm>
+          <a:prstGeom prst="rect">
+            <a:avLst/>
+          </a:prstGeom>
+          <a:noFill/>
+        </p:spPr>
+        <p:txBody>
+          <a:bodyPr wrap="none" rtlCol="0">
+            <a:spAutoFit/>
+          </a:bodyPr>
+          <a:lstStyle/>
+          <a:p>
+            <a:r>
+              <a:rPr lang="en-US" sz="1600" dirty="0"/>
+              <a:t>+</a:t>
+            </a:r>
+            <a:endParaRPr lang="en-SG" sz="1600" dirty="0"/>
+          </a:p>
+        </p:txBody>
+      </p:sp>
+      <p:sp>
+        <p:nvSpPr>
+          <p:cNvPr id="114" name="TextBox 113">
+            <a:extLst>
+              <a:ext uri="{FF2B5EF4-FFF2-40B4-BE49-F238E27FC236}">
+                <a16:creationId xmlns:a16="http://schemas.microsoft.com/office/drawing/2014/main" id="{56367E69-FDB9-4573-B79A-8EE3C7C14DDA}"/>
+              </a:ext>
+            </a:extLst>
+          </p:cNvPr>
+          <p:cNvSpPr txBox="1"/>
+          <p:nvPr/>
+        </p:nvSpPr>
+        <p:spPr>
+          <a:xfrm>
+            <a:off x="8285176" y="5731345"/>
+            <a:ext cx="301686" cy="338554"/>
+          </a:xfrm>
+          <a:prstGeom prst="rect">
+            <a:avLst/>
+          </a:prstGeom>
+          <a:noFill/>
+        </p:spPr>
+        <p:txBody>
+          <a:bodyPr wrap="none" rtlCol="0">
+            <a:spAutoFit/>
+          </a:bodyPr>
+          <a:lstStyle/>
+          <a:p>
+            <a:r>
+              <a:rPr lang="en-SG" sz="1600" dirty="0"/>
+              <a:t>V</a:t>
+            </a:r>
+          </a:p>
+        </p:txBody>
+      </p:sp>
+      <p:sp>
+        <p:nvSpPr>
+          <p:cNvPr id="115" name="TextBox 114">
+            <a:extLst>
+              <a:ext uri="{FF2B5EF4-FFF2-40B4-BE49-F238E27FC236}">
+                <a16:creationId xmlns:a16="http://schemas.microsoft.com/office/drawing/2014/main" id="{6997FE3E-6D5F-4D39-8E1B-545817B4F48D}"/>
+              </a:ext>
+            </a:extLst>
+          </p:cNvPr>
+          <p:cNvSpPr txBox="1"/>
+          <p:nvPr/>
+        </p:nvSpPr>
+        <p:spPr>
+          <a:xfrm>
+            <a:off x="8295572" y="6001815"/>
+            <a:ext cx="314510" cy="338554"/>
+          </a:xfrm>
+          <a:prstGeom prst="rect">
+            <a:avLst/>
+          </a:prstGeom>
+          <a:noFill/>
+        </p:spPr>
+        <p:txBody>
+          <a:bodyPr wrap="none" rtlCol="0">
+            <a:spAutoFit/>
+          </a:bodyPr>
+          <a:lstStyle/>
+          <a:p>
+            <a:r>
+              <a:rPr lang="en-SG" sz="1600" dirty="0"/>
+              <a:t>G</a:t>
+            </a:r>
+          </a:p>
+        </p:txBody>
+      </p:sp>
+      <p:sp>
+        <p:nvSpPr>
+          <p:cNvPr id="17" name="Rectangle 16">
+            <a:extLst>
+              <a:ext uri="{FF2B5EF4-FFF2-40B4-BE49-F238E27FC236}">
+                <a16:creationId xmlns:a16="http://schemas.microsoft.com/office/drawing/2014/main" id="{1F133510-2C52-8A23-15E5-9CEEE297ED97}"/>
+              </a:ext>
+            </a:extLst>
+          </p:cNvPr>
+          <p:cNvSpPr/>
+          <p:nvPr/>
+        </p:nvSpPr>
+        <p:spPr>
+          <a:xfrm>
+            <a:off x="8568439" y="3663359"/>
+            <a:ext cx="2374370" cy="1163373"/>
+          </a:xfrm>
+          <a:prstGeom prst="rect">
+            <a:avLst/>
+          </a:prstGeom>
+          <a:noFill/>
+          <a:ln w="38100">
+            <a:solidFill>
+              <a:schemeClr val="tx1"/>
+            </a:solidFill>
+          </a:ln>
+        </p:spPr>
+        <p:style>
+          <a:lnRef idx="2">
+            <a:schemeClr val="accent1">
+              <a:shade val="50000"/>
+            </a:schemeClr>
+          </a:lnRef>
+          <a:fillRef idx="1">
+            <a:schemeClr val="accent1"/>
+          </a:fillRef>
+          <a:effectRef idx="0">
+            <a:schemeClr val="accent1"/>
+          </a:effectRef>
+          <a:fontRef idx="minor">
+            <a:schemeClr val="lt1"/>
+          </a:fontRef>
+        </p:style>
+        <p:txBody>
+          <a:bodyPr rtlCol="0" anchor="ctr"/>
+          <a:lstStyle/>
+          <a:p>
+            <a:pPr algn="ctr"/>
+            <a:r>
+              <a:rPr lang="en-US" b="1" dirty="0">
+                <a:solidFill>
+                  <a:schemeClr val="tx1"/>
+                </a:solidFill>
+              </a:rPr>
+              <a:t>DHT22</a:t>
+            </a:r>
+          </a:p>
+          <a:p>
+            <a:pPr algn="ctr"/>
+            <a:r>
+              <a:rPr lang="en-US" b="1" dirty="0">
+                <a:solidFill>
+                  <a:schemeClr val="tx1"/>
+                </a:solidFill>
+              </a:rPr>
+              <a:t>Module</a:t>
             </a:r>
             <a:endParaRPr lang="en-SG" b="1" dirty="0">
               <a:solidFill>
@@ -3395,160 +6298,221 @@
           </a:p>
         </p:txBody>
       </p:sp>
-      <p:sp>
-        <p:nvSpPr>
-          <p:cNvPr id="16" name="Rectangle: Rounded Corners 15">
-            <a:extLst>
-              <a:ext uri="{FF2B5EF4-FFF2-40B4-BE49-F238E27FC236}">
-                <a16:creationId xmlns:a16="http://schemas.microsoft.com/office/drawing/2014/main" id="{6CA4D55B-4EB2-467C-B950-5F04CDAA7E9A}"/>
-              </a:ext>
-            </a:extLst>
-          </p:cNvPr>
-          <p:cNvSpPr/>
-          <p:nvPr/>
-        </p:nvSpPr>
-        <p:spPr>
-          <a:xfrm>
-            <a:off x="4995879" y="569870"/>
-            <a:ext cx="2155050" cy="1920901"/>
-          </a:xfrm>
-          <a:prstGeom prst="roundRect">
-            <a:avLst/>
-          </a:prstGeom>
-          <a:solidFill>
-            <a:srgbClr val="FFC000"/>
-          </a:solidFill>
-        </p:spPr>
-        <p:style>
-          <a:lnRef idx="2">
-            <a:schemeClr val="accent1">
-              <a:shade val="50000"/>
-            </a:schemeClr>
-          </a:lnRef>
-          <a:fillRef idx="1">
-            <a:schemeClr val="accent1"/>
-          </a:fillRef>
-          <a:effectRef idx="0">
-            <a:schemeClr val="accent1"/>
-          </a:effectRef>
-          <a:fontRef idx="minor">
-            <a:schemeClr val="lt1"/>
-          </a:fontRef>
-        </p:style>
-        <p:txBody>
-          <a:bodyPr rtlCol="0" anchor="b" anchorCtr="0"/>
-          <a:lstStyle/>
-          <a:p>
-            <a:pPr algn="ctr"/>
-            <a:r>
-              <a:rPr lang="en-US" sz="2400" b="1" dirty="0">
-                <a:solidFill>
-                  <a:schemeClr val="tx1"/>
-                </a:solidFill>
-              </a:rPr>
-              <a:t>Master</a:t>
-            </a:r>
-            <a:endParaRPr lang="en-SG" sz="2400" b="1" dirty="0">
-              <a:solidFill>
-                <a:schemeClr val="tx1"/>
-              </a:solidFill>
-            </a:endParaRPr>
-          </a:p>
-        </p:txBody>
-      </p:sp>
-      <p:sp>
-        <p:nvSpPr>
-          <p:cNvPr id="17" name="Rectangle 16">
-            <a:extLst>
-              <a:ext uri="{FF2B5EF4-FFF2-40B4-BE49-F238E27FC236}">
-                <a16:creationId xmlns:a16="http://schemas.microsoft.com/office/drawing/2014/main" id="{07AE3A34-3AD2-485A-B699-32423A57C807}"/>
-              </a:ext>
-            </a:extLst>
-          </p:cNvPr>
-          <p:cNvSpPr/>
-          <p:nvPr/>
-        </p:nvSpPr>
-        <p:spPr>
-          <a:xfrm>
-            <a:off x="5207290" y="1344883"/>
-            <a:ext cx="1741336" cy="417065"/>
-          </a:xfrm>
-          <a:prstGeom prst="rect">
-            <a:avLst/>
-          </a:prstGeom>
-          <a:noFill/>
+      <p:cxnSp>
+        <p:nvCxnSpPr>
+          <p:cNvPr id="18" name="Straight Arrow Connector 17">
+            <a:extLst>
+              <a:ext uri="{FF2B5EF4-FFF2-40B4-BE49-F238E27FC236}">
+                <a16:creationId xmlns:a16="http://schemas.microsoft.com/office/drawing/2014/main" id="{D1903FC9-B1A7-30C1-4AEE-3BC07DA734CD}"/>
+              </a:ext>
+            </a:extLst>
+          </p:cNvPr>
+          <p:cNvCxnSpPr>
+            <a:cxnSpLocks/>
+          </p:cNvCxnSpPr>
+          <p:nvPr/>
+        </p:nvCxnSpPr>
+        <p:spPr>
+          <a:xfrm flipH="1">
+            <a:off x="7157537" y="4097639"/>
+            <a:ext cx="1410902" cy="575"/>
+          </a:xfrm>
+          <a:prstGeom prst="straightConnector1">
+            <a:avLst/>
+          </a:prstGeom>
           <a:ln w="38100">
             <a:solidFill>
               <a:schemeClr val="tx1"/>
             </a:solidFill>
-          </a:ln>
-        </p:spPr>
-        <p:style>
-          <a:lnRef idx="2">
-            <a:schemeClr val="accent1">
-              <a:shade val="50000"/>
-            </a:schemeClr>
-          </a:lnRef>
-          <a:fillRef idx="1">
-            <a:schemeClr val="accent1"/>
-          </a:fillRef>
-          <a:effectRef idx="0">
-            <a:schemeClr val="accent1"/>
-          </a:effectRef>
-          <a:fontRef idx="minor">
-            <a:schemeClr val="lt1"/>
-          </a:fontRef>
-        </p:style>
-        <p:txBody>
-          <a:bodyPr rtlCol="0" anchor="ctr"/>
-          <a:lstStyle/>
-          <a:p>
-            <a:pPr algn="ctr"/>
-            <a:r>
-              <a:rPr lang="en-US" b="1" dirty="0">
-                <a:solidFill>
-                  <a:schemeClr val="tx1"/>
-                </a:solidFill>
-              </a:rPr>
-              <a:t>Max485 Module</a:t>
-            </a:r>
-            <a:endParaRPr lang="en-SG" b="1" dirty="0">
-              <a:solidFill>
-                <a:schemeClr val="tx1"/>
-              </a:solidFill>
-            </a:endParaRPr>
+            <a:tailEnd type="triangle"/>
+          </a:ln>
+        </p:spPr>
+        <p:style>
+          <a:lnRef idx="1">
+            <a:schemeClr val="accent1"/>
+          </a:lnRef>
+          <a:fillRef idx="0">
+            <a:schemeClr val="accent1"/>
+          </a:fillRef>
+          <a:effectRef idx="0">
+            <a:schemeClr val="accent1"/>
+          </a:effectRef>
+          <a:fontRef idx="minor">
+            <a:schemeClr val="tx1"/>
+          </a:fontRef>
+        </p:style>
+      </p:cxnSp>
+      <p:sp>
+        <p:nvSpPr>
+          <p:cNvPr id="19" name="TextBox 18">
+            <a:extLst>
+              <a:ext uri="{FF2B5EF4-FFF2-40B4-BE49-F238E27FC236}">
+                <a16:creationId xmlns:a16="http://schemas.microsoft.com/office/drawing/2014/main" id="{1F2942E4-3817-3761-EE06-A7F1070C7273}"/>
+              </a:ext>
+            </a:extLst>
+          </p:cNvPr>
+          <p:cNvSpPr txBox="1"/>
+          <p:nvPr/>
+        </p:nvSpPr>
+        <p:spPr>
+          <a:xfrm>
+            <a:off x="8548704" y="3935938"/>
+            <a:ext cx="829073" cy="338554"/>
+          </a:xfrm>
+          <a:prstGeom prst="rect">
+            <a:avLst/>
+          </a:prstGeom>
+          <a:noFill/>
+        </p:spPr>
+        <p:txBody>
+          <a:bodyPr wrap="none" rtlCol="0">
+            <a:spAutoFit/>
+          </a:bodyPr>
+          <a:lstStyle/>
+          <a:p>
+            <a:r>
+              <a:rPr lang="en-US" sz="1600" dirty="0"/>
+              <a:t>DHTPIN</a:t>
+            </a:r>
+            <a:endParaRPr lang="en-SG" sz="1600" dirty="0"/>
+          </a:p>
+        </p:txBody>
+      </p:sp>
+      <p:sp>
+        <p:nvSpPr>
+          <p:cNvPr id="20" name="TextBox 19">
+            <a:extLst>
+              <a:ext uri="{FF2B5EF4-FFF2-40B4-BE49-F238E27FC236}">
+                <a16:creationId xmlns:a16="http://schemas.microsoft.com/office/drawing/2014/main" id="{2F48D9A1-7973-A7D9-284C-78686AF4C7BD}"/>
+              </a:ext>
+            </a:extLst>
+          </p:cNvPr>
+          <p:cNvSpPr txBox="1"/>
+          <p:nvPr/>
+        </p:nvSpPr>
+        <p:spPr>
+          <a:xfrm>
+            <a:off x="6814378" y="3935938"/>
+            <a:ext cx="288862" cy="338554"/>
+          </a:xfrm>
+          <a:prstGeom prst="rect">
+            <a:avLst/>
+          </a:prstGeom>
+          <a:noFill/>
+        </p:spPr>
+        <p:txBody>
+          <a:bodyPr wrap="none" rtlCol="0">
+            <a:spAutoFit/>
+          </a:bodyPr>
+          <a:lstStyle/>
+          <a:p>
+            <a:r>
+              <a:rPr lang="en-SG" sz="1600" dirty="0"/>
+              <a:t>8</a:t>
+            </a:r>
+          </a:p>
+        </p:txBody>
+      </p:sp>
+      <p:sp>
+        <p:nvSpPr>
+          <p:cNvPr id="21" name="TextBox 20">
+            <a:extLst>
+              <a:ext uri="{FF2B5EF4-FFF2-40B4-BE49-F238E27FC236}">
+                <a16:creationId xmlns:a16="http://schemas.microsoft.com/office/drawing/2014/main" id="{AF25555B-3F05-C37B-0039-31F13E733F53}"/>
+              </a:ext>
+            </a:extLst>
+          </p:cNvPr>
+          <p:cNvSpPr txBox="1"/>
+          <p:nvPr/>
+        </p:nvSpPr>
+        <p:spPr>
+          <a:xfrm>
+            <a:off x="10630681" y="3926897"/>
+            <a:ext cx="287258" cy="338554"/>
+          </a:xfrm>
+          <a:prstGeom prst="rect">
+            <a:avLst/>
+          </a:prstGeom>
+          <a:noFill/>
+        </p:spPr>
+        <p:txBody>
+          <a:bodyPr wrap="none" rtlCol="0">
+            <a:spAutoFit/>
+          </a:bodyPr>
+          <a:lstStyle/>
+          <a:p>
+            <a:r>
+              <a:rPr lang="en-US" sz="1600" dirty="0"/>
+              <a:t>+</a:t>
+            </a:r>
+            <a:endParaRPr lang="en-SG" sz="1600" dirty="0"/>
+          </a:p>
+        </p:txBody>
+      </p:sp>
+      <p:sp>
+        <p:nvSpPr>
+          <p:cNvPr id="23" name="TextBox 22">
+            <a:extLst>
+              <a:ext uri="{FF2B5EF4-FFF2-40B4-BE49-F238E27FC236}">
+                <a16:creationId xmlns:a16="http://schemas.microsoft.com/office/drawing/2014/main" id="{9109A977-A029-424C-8FE4-5B0C7D42F932}"/>
+              </a:ext>
+            </a:extLst>
+          </p:cNvPr>
+          <p:cNvSpPr txBox="1"/>
+          <p:nvPr/>
+        </p:nvSpPr>
+        <p:spPr>
+          <a:xfrm>
+            <a:off x="10630681" y="4193868"/>
+            <a:ext cx="247184" cy="338554"/>
+          </a:xfrm>
+          <a:prstGeom prst="rect">
+            <a:avLst/>
+          </a:prstGeom>
+          <a:noFill/>
+        </p:spPr>
+        <p:txBody>
+          <a:bodyPr wrap="none" rtlCol="0">
+            <a:spAutoFit/>
+          </a:bodyPr>
+          <a:lstStyle/>
+          <a:p>
+            <a:r>
+              <a:rPr lang="en-US" sz="1600" dirty="0"/>
+              <a:t>-</a:t>
+            </a:r>
+            <a:endParaRPr lang="en-SG" sz="1600" dirty="0"/>
           </a:p>
         </p:txBody>
       </p:sp>
       <p:cxnSp>
         <p:nvCxnSpPr>
-          <p:cNvPr id="19" name="Connector: Curved 18">
-            <a:extLst>
-              <a:ext uri="{FF2B5EF4-FFF2-40B4-BE49-F238E27FC236}">
-                <a16:creationId xmlns:a16="http://schemas.microsoft.com/office/drawing/2014/main" id="{44EE2FEE-77AE-4358-9B18-D3E8293EA7FF}"/>
+          <p:cNvPr id="24" name="Straight Arrow Connector 23">
+            <a:extLst>
+              <a:ext uri="{FF2B5EF4-FFF2-40B4-BE49-F238E27FC236}">
+                <a16:creationId xmlns:a16="http://schemas.microsoft.com/office/drawing/2014/main" id="{131990A5-44A6-A270-88AE-01F5E3BECE2C}"/>
               </a:ext>
             </a:extLst>
           </p:cNvPr>
           <p:cNvCxnSpPr>
             <a:cxnSpLocks/>
-            <a:stCxn id="17" idx="0"/>
-            <a:endCxn id="5" idx="3"/>
           </p:cNvCxnSpPr>
           <p:nvPr/>
         </p:nvCxnSpPr>
         <p:spPr>
-          <a:xfrm rot="16200000" flipH="1" flipV="1">
-            <a:off x="4332058" y="-7046"/>
-            <a:ext cx="393971" cy="3097828"/>
-          </a:xfrm>
-          <a:prstGeom prst="curvedConnector4">
-            <a:avLst>
-              <a:gd name="adj1" fmla="val -58025"/>
-              <a:gd name="adj2" fmla="val 64053"/>
-            </a:avLst>
-          </a:prstGeom>
-          <a:ln w="50800">
-            <a:tailEnd type="stealth" w="lg" len="lg"/>
+          <a:xfrm flipH="1">
+            <a:off x="10957096" y="4093373"/>
+            <a:ext cx="1050062" cy="0"/>
+          </a:xfrm>
+          <a:prstGeom prst="straightConnector1">
+            <a:avLst/>
+          </a:prstGeom>
+          <a:ln w="38100">
+            <a:solidFill>
+              <a:schemeClr val="tx1"/>
+            </a:solidFill>
+            <a:headEnd type="triangle" w="med" len="med"/>
+            <a:tailEnd type="triangle" w="med" len="med"/>
           </a:ln>
         </p:spPr>
         <p:style>
@@ -3568,32 +6532,32 @@
       </p:cxnSp>
       <p:cxnSp>
         <p:nvCxnSpPr>
-          <p:cNvPr id="21" name="Connector: Curved 20">
-            <a:extLst>
-              <a:ext uri="{FF2B5EF4-FFF2-40B4-BE49-F238E27FC236}">
-                <a16:creationId xmlns:a16="http://schemas.microsoft.com/office/drawing/2014/main" id="{7AD3246C-16D4-4BC9-A097-C492A9B6EC0B}"/>
+          <p:cNvPr id="25" name="Straight Arrow Connector 24">
+            <a:extLst>
+              <a:ext uri="{FF2B5EF4-FFF2-40B4-BE49-F238E27FC236}">
+                <a16:creationId xmlns:a16="http://schemas.microsoft.com/office/drawing/2014/main" id="{B00F6C56-9A69-3D4C-9DE4-4EAE5636F598}"/>
               </a:ext>
             </a:extLst>
           </p:cNvPr>
           <p:cNvCxnSpPr>
             <a:cxnSpLocks/>
-            <a:stCxn id="5" idx="1"/>
-            <a:endCxn id="9" idx="1"/>
           </p:cNvCxnSpPr>
           <p:nvPr/>
         </p:nvCxnSpPr>
         <p:spPr>
-          <a:xfrm rot="10800000" flipV="1">
-            <a:off x="1238794" y="1738853"/>
-            <a:ext cx="12700" cy="2270287"/>
-          </a:xfrm>
-          <a:prstGeom prst="curvedConnector3">
-            <a:avLst>
-              <a:gd name="adj1" fmla="val 5204189"/>
-            </a:avLst>
-          </a:prstGeom>
-          <a:ln w="50800">
-            <a:tailEnd type="stealth" w="lg" len="lg"/>
+          <a:xfrm flipH="1">
+            <a:off x="10957096" y="4357543"/>
+            <a:ext cx="1050062" cy="0"/>
+          </a:xfrm>
+          <a:prstGeom prst="straightConnector1">
+            <a:avLst/>
+          </a:prstGeom>
+          <a:ln w="38100">
+            <a:solidFill>
+              <a:schemeClr val="tx1"/>
+            </a:solidFill>
+            <a:headEnd type="triangle" w="med" len="med"/>
+            <a:tailEnd type="triangle" w="med" len="med"/>
           </a:ln>
         </p:spPr>
         <p:style>
@@ -3613,33 +6577,31 @@
       </p:cxnSp>
       <p:cxnSp>
         <p:nvCxnSpPr>
-          <p:cNvPr id="25" name="Connector: Curved 24">
-            <a:extLst>
-              <a:ext uri="{FF2B5EF4-FFF2-40B4-BE49-F238E27FC236}">
-                <a16:creationId xmlns:a16="http://schemas.microsoft.com/office/drawing/2014/main" id="{A1622978-54C0-476C-B48E-EFC89FF944C0}"/>
+          <p:cNvPr id="26" name="Straight Arrow Connector 25">
+            <a:extLst>
+              <a:ext uri="{FF2B5EF4-FFF2-40B4-BE49-F238E27FC236}">
+                <a16:creationId xmlns:a16="http://schemas.microsoft.com/office/drawing/2014/main" id="{FB167362-C8F6-E727-DC2C-766B2F8AE023}"/>
               </a:ext>
             </a:extLst>
           </p:cNvPr>
           <p:cNvCxnSpPr>
             <a:cxnSpLocks/>
-            <a:stCxn id="17" idx="0"/>
-            <a:endCxn id="12" idx="1"/>
           </p:cNvCxnSpPr>
           <p:nvPr/>
         </p:nvCxnSpPr>
         <p:spPr>
-          <a:xfrm rot="16200000" flipH="1">
-            <a:off x="7425332" y="-2491"/>
-            <a:ext cx="393972" cy="3088721"/>
-          </a:xfrm>
-          <a:prstGeom prst="curvedConnector4">
-            <a:avLst>
-              <a:gd name="adj1" fmla="val -58024"/>
-              <a:gd name="adj2" fmla="val 64094"/>
-            </a:avLst>
-          </a:prstGeom>
-          <a:ln w="50800">
-            <a:tailEnd type="stealth" w="lg" len="lg"/>
+          <a:xfrm>
+            <a:off x="8171972" y="3836847"/>
+            <a:ext cx="382180" cy="0"/>
+          </a:xfrm>
+          <a:prstGeom prst="straightConnector1">
+            <a:avLst/>
+          </a:prstGeom>
+          <a:ln w="38100">
+            <a:solidFill>
+              <a:schemeClr val="tx1"/>
+            </a:solidFill>
+            <a:tailEnd type="triangle"/>
           </a:ln>
         </p:spPr>
         <p:style>
@@ -3657,34 +6619,69 @@
           </a:fontRef>
         </p:style>
       </p:cxnSp>
+      <p:sp>
+        <p:nvSpPr>
+          <p:cNvPr id="27" name="TextBox 26">
+            <a:extLst>
+              <a:ext uri="{FF2B5EF4-FFF2-40B4-BE49-F238E27FC236}">
+                <a16:creationId xmlns:a16="http://schemas.microsoft.com/office/drawing/2014/main" id="{0B4B7167-A18E-6990-28C0-02545140A294}"/>
+              </a:ext>
+            </a:extLst>
+          </p:cNvPr>
+          <p:cNvSpPr txBox="1"/>
+          <p:nvPr/>
+        </p:nvSpPr>
+        <p:spPr>
+          <a:xfrm>
+            <a:off x="7614822" y="3652181"/>
+            <a:ext cx="548548" cy="369332"/>
+          </a:xfrm>
+          <a:prstGeom prst="rect">
+            <a:avLst/>
+          </a:prstGeom>
+          <a:noFill/>
+        </p:spPr>
+        <p:txBody>
+          <a:bodyPr wrap="none" rtlCol="0">
+            <a:spAutoFit/>
+          </a:bodyPr>
+          <a:lstStyle/>
+          <a:p>
+            <a:pPr algn="ctr"/>
+            <a:r>
+              <a:rPr lang="en-US" dirty="0"/>
+              <a:t>+5V</a:t>
+            </a:r>
+          </a:p>
+        </p:txBody>
+      </p:sp>
       <p:cxnSp>
         <p:nvCxnSpPr>
-          <p:cNvPr id="30" name="Connector: Curved 29">
-            <a:extLst>
-              <a:ext uri="{FF2B5EF4-FFF2-40B4-BE49-F238E27FC236}">
-                <a16:creationId xmlns:a16="http://schemas.microsoft.com/office/drawing/2014/main" id="{EB08EAF4-929E-4179-AFCC-A20A6C972A20}"/>
+          <p:cNvPr id="28" name="Straight Arrow Connector 27">
+            <a:extLst>
+              <a:ext uri="{FF2B5EF4-FFF2-40B4-BE49-F238E27FC236}">
+                <a16:creationId xmlns:a16="http://schemas.microsoft.com/office/drawing/2014/main" id="{8A5CC2C2-C236-F41E-D18B-4CDC3C4531F6}"/>
               </a:ext>
             </a:extLst>
           </p:cNvPr>
           <p:cNvCxnSpPr>
             <a:cxnSpLocks/>
-            <a:stCxn id="12" idx="3"/>
-            <a:endCxn id="15" idx="3"/>
           </p:cNvCxnSpPr>
           <p:nvPr/>
         </p:nvCxnSpPr>
         <p:spPr>
           <a:xfrm>
-            <a:off x="10908015" y="1738855"/>
-            <a:ext cx="12700" cy="2270286"/>
-          </a:xfrm>
-          <a:prstGeom prst="curvedConnector3">
-            <a:avLst>
-              <a:gd name="adj1" fmla="val 5734024"/>
-            </a:avLst>
-          </a:prstGeom>
-          <a:ln w="50800">
-            <a:tailEnd type="stealth" w="lg" len="lg"/>
+            <a:off x="8171972" y="4607365"/>
+            <a:ext cx="382180" cy="0"/>
+          </a:xfrm>
+          <a:prstGeom prst="straightConnector1">
+            <a:avLst/>
+          </a:prstGeom>
+          <a:ln w="38100">
+            <a:solidFill>
+              <a:schemeClr val="tx1"/>
+            </a:solidFill>
+            <a:tailEnd type="triangle"/>
           </a:ln>
         </p:spPr>
         <p:style>
@@ -3702,10 +6699,46 @@
           </a:fontRef>
         </p:style>
       </p:cxnSp>
+      <p:sp>
+        <p:nvSpPr>
+          <p:cNvPr id="29" name="TextBox 28">
+            <a:extLst>
+              <a:ext uri="{FF2B5EF4-FFF2-40B4-BE49-F238E27FC236}">
+                <a16:creationId xmlns:a16="http://schemas.microsoft.com/office/drawing/2014/main" id="{F7013091-CE78-1C19-F2DD-432D1CCE3391}"/>
+              </a:ext>
+            </a:extLst>
+          </p:cNvPr>
+          <p:cNvSpPr txBox="1"/>
+          <p:nvPr/>
+        </p:nvSpPr>
+        <p:spPr>
+          <a:xfrm>
+            <a:off x="7577953" y="4422699"/>
+            <a:ext cx="622286" cy="369332"/>
+          </a:xfrm>
+          <a:prstGeom prst="rect">
+            <a:avLst/>
+          </a:prstGeom>
+          <a:noFill/>
+        </p:spPr>
+        <p:txBody>
+          <a:bodyPr wrap="none" rtlCol="0">
+            <a:spAutoFit/>
+          </a:bodyPr>
+          <a:lstStyle/>
+          <a:p>
+            <a:pPr algn="ctr"/>
+            <a:r>
+              <a:rPr lang="en-US" dirty="0"/>
+              <a:t>GND</a:t>
+            </a:r>
+          </a:p>
+        </p:txBody>
+      </p:sp>
     </p:spTree>
     <p:extLst>
       <p:ext uri="{BB962C8B-B14F-4D97-AF65-F5344CB8AC3E}">
-        <p14:creationId xmlns:p14="http://schemas.microsoft.com/office/powerpoint/2010/main" val="3171845674"/>
+        <p14:creationId xmlns:p14="http://schemas.microsoft.com/office/powerpoint/2010/main" val="3831027308"/>
       </p:ext>
     </p:extLst>
   </p:cSld>
@@ -3734,44 +6767,815 @@
       </p:grpSpPr>
       <p:sp>
         <p:nvSpPr>
-          <p:cNvPr id="2" name="TextBox 1">
-            <a:extLst>
-              <a:ext uri="{FF2B5EF4-FFF2-40B4-BE49-F238E27FC236}">
-                <a16:creationId xmlns:a16="http://schemas.microsoft.com/office/drawing/2014/main" id="{0C77847F-94E9-45BD-B42B-0F7EA47639CA}"/>
-              </a:ext>
-            </a:extLst>
-          </p:cNvPr>
-          <p:cNvSpPr txBox="1"/>
-          <p:nvPr/>
-        </p:nvSpPr>
-        <p:spPr>
-          <a:xfrm>
-            <a:off x="2048417" y="2105561"/>
-            <a:ext cx="8095165" cy="1323439"/>
-          </a:xfrm>
-          <a:prstGeom prst="rect">
-            <a:avLst/>
-          </a:prstGeom>
-          <a:noFill/>
-        </p:spPr>
-        <p:txBody>
-          <a:bodyPr wrap="none" rtlCol="0">
-            <a:spAutoFit/>
-          </a:bodyPr>
-          <a:lstStyle/>
-          <a:p>
-            <a:r>
-              <a:rPr lang="en-US" sz="8000" dirty="0"/>
-              <a:t>Program Flowchart</a:t>
-            </a:r>
-            <a:endParaRPr lang="en-SG" sz="8000" dirty="0"/>
-          </a:p>
-        </p:txBody>
-      </p:sp>
+          <p:cNvPr id="4" name="Rectangle: Rounded Corners 3">
+            <a:extLst>
+              <a:ext uri="{FF2B5EF4-FFF2-40B4-BE49-F238E27FC236}">
+                <a16:creationId xmlns:a16="http://schemas.microsoft.com/office/drawing/2014/main" id="{93540440-8B0B-45A6-86C5-BDB4D40B3803}"/>
+              </a:ext>
+            </a:extLst>
+          </p:cNvPr>
+          <p:cNvSpPr/>
+          <p:nvPr/>
+        </p:nvSpPr>
+        <p:spPr>
+          <a:xfrm>
+            <a:off x="1055480" y="1299733"/>
+            <a:ext cx="2107964" cy="1158373"/>
+          </a:xfrm>
+          <a:prstGeom prst="roundRect">
+            <a:avLst/>
+          </a:prstGeom>
+          <a:solidFill>
+            <a:srgbClr val="FFC000"/>
+          </a:solidFill>
+        </p:spPr>
+        <p:style>
+          <a:lnRef idx="2">
+            <a:schemeClr val="accent1">
+              <a:shade val="50000"/>
+            </a:schemeClr>
+          </a:lnRef>
+          <a:fillRef idx="1">
+            <a:schemeClr val="accent1"/>
+          </a:fillRef>
+          <a:effectRef idx="0">
+            <a:schemeClr val="accent1"/>
+          </a:effectRef>
+          <a:fontRef idx="minor">
+            <a:schemeClr val="lt1"/>
+          </a:fontRef>
+        </p:style>
+        <p:txBody>
+          <a:bodyPr rtlCol="0" anchor="b" anchorCtr="0"/>
+          <a:lstStyle/>
+          <a:p>
+            <a:pPr algn="ctr"/>
+            <a:r>
+              <a:rPr lang="en-US" sz="2400" b="1" dirty="0">
+                <a:solidFill>
+                  <a:schemeClr val="tx1"/>
+                </a:solidFill>
+              </a:rPr>
+              <a:t>Slave 1</a:t>
+            </a:r>
+            <a:endParaRPr lang="en-SG" sz="2400" b="1" dirty="0">
+              <a:solidFill>
+                <a:schemeClr val="tx1"/>
+              </a:solidFill>
+            </a:endParaRPr>
+          </a:p>
+        </p:txBody>
+      </p:sp>
+      <p:sp>
+        <p:nvSpPr>
+          <p:cNvPr id="5" name="Rectangle 4">
+            <a:extLst>
+              <a:ext uri="{FF2B5EF4-FFF2-40B4-BE49-F238E27FC236}">
+                <a16:creationId xmlns:a16="http://schemas.microsoft.com/office/drawing/2014/main" id="{DDA71969-CC4C-471E-85F8-92D45099BA3D}"/>
+              </a:ext>
+            </a:extLst>
+          </p:cNvPr>
+          <p:cNvSpPr/>
+          <p:nvPr/>
+        </p:nvSpPr>
+        <p:spPr>
+          <a:xfrm>
+            <a:off x="1238794" y="1530321"/>
+            <a:ext cx="1741336" cy="417065"/>
+          </a:xfrm>
+          <a:prstGeom prst="rect">
+            <a:avLst/>
+          </a:prstGeom>
+          <a:noFill/>
+          <a:ln w="38100">
+            <a:solidFill>
+              <a:schemeClr val="tx1"/>
+            </a:solidFill>
+          </a:ln>
+        </p:spPr>
+        <p:style>
+          <a:lnRef idx="2">
+            <a:schemeClr val="accent1">
+              <a:shade val="50000"/>
+            </a:schemeClr>
+          </a:lnRef>
+          <a:fillRef idx="1">
+            <a:schemeClr val="accent1"/>
+          </a:fillRef>
+          <a:effectRef idx="0">
+            <a:schemeClr val="accent1"/>
+          </a:effectRef>
+          <a:fontRef idx="minor">
+            <a:schemeClr val="lt1"/>
+          </a:fontRef>
+        </p:style>
+        <p:txBody>
+          <a:bodyPr rtlCol="0" anchor="ctr"/>
+          <a:lstStyle/>
+          <a:p>
+            <a:pPr algn="ctr"/>
+            <a:r>
+              <a:rPr lang="en-US" b="1" dirty="0">
+                <a:solidFill>
+                  <a:schemeClr val="tx1"/>
+                </a:solidFill>
+              </a:rPr>
+              <a:t>Max485 Module</a:t>
+            </a:r>
+            <a:endParaRPr lang="en-SG" b="1" dirty="0">
+              <a:solidFill>
+                <a:schemeClr val="tx1"/>
+              </a:solidFill>
+            </a:endParaRPr>
+          </a:p>
+        </p:txBody>
+      </p:sp>
+      <p:sp>
+        <p:nvSpPr>
+          <p:cNvPr id="8" name="Rectangle: Rounded Corners 7">
+            <a:extLst>
+              <a:ext uri="{FF2B5EF4-FFF2-40B4-BE49-F238E27FC236}">
+                <a16:creationId xmlns:a16="http://schemas.microsoft.com/office/drawing/2014/main" id="{44A2E244-93BA-48E7-B4B5-2B03C00863E2}"/>
+              </a:ext>
+            </a:extLst>
+          </p:cNvPr>
+          <p:cNvSpPr/>
+          <p:nvPr/>
+        </p:nvSpPr>
+        <p:spPr>
+          <a:xfrm>
+            <a:off x="1055480" y="5119145"/>
+            <a:ext cx="2107964" cy="1158373"/>
+          </a:xfrm>
+          <a:prstGeom prst="roundRect">
+            <a:avLst/>
+          </a:prstGeom>
+          <a:solidFill>
+            <a:srgbClr val="FFC000"/>
+          </a:solidFill>
+        </p:spPr>
+        <p:style>
+          <a:lnRef idx="2">
+            <a:schemeClr val="accent1">
+              <a:shade val="50000"/>
+            </a:schemeClr>
+          </a:lnRef>
+          <a:fillRef idx="1">
+            <a:schemeClr val="accent1"/>
+          </a:fillRef>
+          <a:effectRef idx="0">
+            <a:schemeClr val="accent1"/>
+          </a:effectRef>
+          <a:fontRef idx="minor">
+            <a:schemeClr val="lt1"/>
+          </a:fontRef>
+        </p:style>
+        <p:txBody>
+          <a:bodyPr rtlCol="0" anchor="b" anchorCtr="0"/>
+          <a:lstStyle/>
+          <a:p>
+            <a:pPr algn="ctr"/>
+            <a:r>
+              <a:rPr lang="en-US" sz="2400" b="1" dirty="0">
+                <a:solidFill>
+                  <a:schemeClr val="tx1"/>
+                </a:solidFill>
+              </a:rPr>
+              <a:t>Slave 4</a:t>
+            </a:r>
+            <a:endParaRPr lang="en-SG" sz="2400" b="1" dirty="0">
+              <a:solidFill>
+                <a:schemeClr val="tx1"/>
+              </a:solidFill>
+            </a:endParaRPr>
+          </a:p>
+        </p:txBody>
+      </p:sp>
+      <p:sp>
+        <p:nvSpPr>
+          <p:cNvPr id="9" name="Rectangle 8">
+            <a:extLst>
+              <a:ext uri="{FF2B5EF4-FFF2-40B4-BE49-F238E27FC236}">
+                <a16:creationId xmlns:a16="http://schemas.microsoft.com/office/drawing/2014/main" id="{7BD35586-81E3-4C18-A716-3F9D2207F178}"/>
+              </a:ext>
+            </a:extLst>
+          </p:cNvPr>
+          <p:cNvSpPr/>
+          <p:nvPr/>
+        </p:nvSpPr>
+        <p:spPr>
+          <a:xfrm>
+            <a:off x="1238794" y="5349733"/>
+            <a:ext cx="1741336" cy="417065"/>
+          </a:xfrm>
+          <a:prstGeom prst="rect">
+            <a:avLst/>
+          </a:prstGeom>
+          <a:noFill/>
+          <a:ln w="38100">
+            <a:solidFill>
+              <a:schemeClr val="tx1"/>
+            </a:solidFill>
+          </a:ln>
+        </p:spPr>
+        <p:style>
+          <a:lnRef idx="2">
+            <a:schemeClr val="accent1">
+              <a:shade val="50000"/>
+            </a:schemeClr>
+          </a:lnRef>
+          <a:fillRef idx="1">
+            <a:schemeClr val="accent1"/>
+          </a:fillRef>
+          <a:effectRef idx="0">
+            <a:schemeClr val="accent1"/>
+          </a:effectRef>
+          <a:fontRef idx="minor">
+            <a:schemeClr val="lt1"/>
+          </a:fontRef>
+        </p:style>
+        <p:txBody>
+          <a:bodyPr rtlCol="0" anchor="ctr"/>
+          <a:lstStyle/>
+          <a:p>
+            <a:pPr algn="ctr"/>
+            <a:r>
+              <a:rPr lang="en-US" b="1" dirty="0">
+                <a:solidFill>
+                  <a:schemeClr val="tx1"/>
+                </a:solidFill>
+              </a:rPr>
+              <a:t>Max485 Module</a:t>
+            </a:r>
+            <a:endParaRPr lang="en-SG" b="1" dirty="0">
+              <a:solidFill>
+                <a:schemeClr val="tx1"/>
+              </a:solidFill>
+            </a:endParaRPr>
+          </a:p>
+        </p:txBody>
+      </p:sp>
+      <p:sp>
+        <p:nvSpPr>
+          <p:cNvPr id="11" name="Rectangle: Rounded Corners 10">
+            <a:extLst>
+              <a:ext uri="{FF2B5EF4-FFF2-40B4-BE49-F238E27FC236}">
+                <a16:creationId xmlns:a16="http://schemas.microsoft.com/office/drawing/2014/main" id="{2873DFC6-A30E-4022-B040-1448D40CD8C4}"/>
+              </a:ext>
+            </a:extLst>
+          </p:cNvPr>
+          <p:cNvSpPr/>
+          <p:nvPr/>
+        </p:nvSpPr>
+        <p:spPr>
+          <a:xfrm>
+            <a:off x="8983365" y="1299734"/>
+            <a:ext cx="2107964" cy="1158373"/>
+          </a:xfrm>
+          <a:prstGeom prst="roundRect">
+            <a:avLst/>
+          </a:prstGeom>
+          <a:solidFill>
+            <a:srgbClr val="FFC000"/>
+          </a:solidFill>
+        </p:spPr>
+        <p:style>
+          <a:lnRef idx="2">
+            <a:schemeClr val="accent1">
+              <a:shade val="50000"/>
+            </a:schemeClr>
+          </a:lnRef>
+          <a:fillRef idx="1">
+            <a:schemeClr val="accent1"/>
+          </a:fillRef>
+          <a:effectRef idx="0">
+            <a:schemeClr val="accent1"/>
+          </a:effectRef>
+          <a:fontRef idx="minor">
+            <a:schemeClr val="lt1"/>
+          </a:fontRef>
+        </p:style>
+        <p:txBody>
+          <a:bodyPr rtlCol="0" anchor="b" anchorCtr="0"/>
+          <a:lstStyle/>
+          <a:p>
+            <a:pPr algn="ctr"/>
+            <a:r>
+              <a:rPr lang="en-US" sz="2400" b="1" dirty="0">
+                <a:solidFill>
+                  <a:schemeClr val="tx1"/>
+                </a:solidFill>
+              </a:rPr>
+              <a:t>Slave 2</a:t>
+            </a:r>
+            <a:endParaRPr lang="en-SG" sz="2400" b="1" dirty="0">
+              <a:solidFill>
+                <a:schemeClr val="tx1"/>
+              </a:solidFill>
+            </a:endParaRPr>
+          </a:p>
+        </p:txBody>
+      </p:sp>
+      <p:sp>
+        <p:nvSpPr>
+          <p:cNvPr id="12" name="Rectangle 11">
+            <a:extLst>
+              <a:ext uri="{FF2B5EF4-FFF2-40B4-BE49-F238E27FC236}">
+                <a16:creationId xmlns:a16="http://schemas.microsoft.com/office/drawing/2014/main" id="{243435A7-156A-4167-8FF7-6BA692214A69}"/>
+              </a:ext>
+            </a:extLst>
+          </p:cNvPr>
+          <p:cNvSpPr/>
+          <p:nvPr/>
+        </p:nvSpPr>
+        <p:spPr>
+          <a:xfrm>
+            <a:off x="9166679" y="1530322"/>
+            <a:ext cx="1741336" cy="417065"/>
+          </a:xfrm>
+          <a:prstGeom prst="rect">
+            <a:avLst/>
+          </a:prstGeom>
+          <a:noFill/>
+          <a:ln w="38100">
+            <a:solidFill>
+              <a:schemeClr val="tx1"/>
+            </a:solidFill>
+          </a:ln>
+        </p:spPr>
+        <p:style>
+          <a:lnRef idx="2">
+            <a:schemeClr val="accent1">
+              <a:shade val="50000"/>
+            </a:schemeClr>
+          </a:lnRef>
+          <a:fillRef idx="1">
+            <a:schemeClr val="accent1"/>
+          </a:fillRef>
+          <a:effectRef idx="0">
+            <a:schemeClr val="accent1"/>
+          </a:effectRef>
+          <a:fontRef idx="minor">
+            <a:schemeClr val="lt1"/>
+          </a:fontRef>
+        </p:style>
+        <p:txBody>
+          <a:bodyPr rtlCol="0" anchor="ctr"/>
+          <a:lstStyle/>
+          <a:p>
+            <a:pPr algn="ctr"/>
+            <a:r>
+              <a:rPr lang="en-US" b="1" dirty="0">
+                <a:solidFill>
+                  <a:schemeClr val="tx1"/>
+                </a:solidFill>
+              </a:rPr>
+              <a:t>Max485 Module</a:t>
+            </a:r>
+            <a:endParaRPr lang="en-SG" b="1" dirty="0">
+              <a:solidFill>
+                <a:schemeClr val="tx1"/>
+              </a:solidFill>
+            </a:endParaRPr>
+          </a:p>
+        </p:txBody>
+      </p:sp>
+      <p:sp>
+        <p:nvSpPr>
+          <p:cNvPr id="14" name="Rectangle: Rounded Corners 13">
+            <a:extLst>
+              <a:ext uri="{FF2B5EF4-FFF2-40B4-BE49-F238E27FC236}">
+                <a16:creationId xmlns:a16="http://schemas.microsoft.com/office/drawing/2014/main" id="{AAEB9EF1-9264-4B25-9FB6-865CD701D61E}"/>
+              </a:ext>
+            </a:extLst>
+          </p:cNvPr>
+          <p:cNvSpPr/>
+          <p:nvPr/>
+        </p:nvSpPr>
+        <p:spPr>
+          <a:xfrm>
+            <a:off x="8983365" y="5119145"/>
+            <a:ext cx="2107964" cy="1158373"/>
+          </a:xfrm>
+          <a:prstGeom prst="roundRect">
+            <a:avLst/>
+          </a:prstGeom>
+          <a:solidFill>
+            <a:srgbClr val="FFC000"/>
+          </a:solidFill>
+        </p:spPr>
+        <p:style>
+          <a:lnRef idx="2">
+            <a:schemeClr val="accent1">
+              <a:shade val="50000"/>
+            </a:schemeClr>
+          </a:lnRef>
+          <a:fillRef idx="1">
+            <a:schemeClr val="accent1"/>
+          </a:fillRef>
+          <a:effectRef idx="0">
+            <a:schemeClr val="accent1"/>
+          </a:effectRef>
+          <a:fontRef idx="minor">
+            <a:schemeClr val="lt1"/>
+          </a:fontRef>
+        </p:style>
+        <p:txBody>
+          <a:bodyPr rtlCol="0" anchor="b" anchorCtr="0"/>
+          <a:lstStyle/>
+          <a:p>
+            <a:pPr algn="ctr"/>
+            <a:r>
+              <a:rPr lang="en-US" sz="2400" b="1" dirty="0">
+                <a:solidFill>
+                  <a:schemeClr val="tx1"/>
+                </a:solidFill>
+              </a:rPr>
+              <a:t>Slave 3</a:t>
+            </a:r>
+            <a:endParaRPr lang="en-SG" sz="2400" b="1" dirty="0">
+              <a:solidFill>
+                <a:schemeClr val="tx1"/>
+              </a:solidFill>
+            </a:endParaRPr>
+          </a:p>
+        </p:txBody>
+      </p:sp>
+      <p:sp>
+        <p:nvSpPr>
+          <p:cNvPr id="15" name="Rectangle 14">
+            <a:extLst>
+              <a:ext uri="{FF2B5EF4-FFF2-40B4-BE49-F238E27FC236}">
+                <a16:creationId xmlns:a16="http://schemas.microsoft.com/office/drawing/2014/main" id="{98722441-7FDA-4153-9D5A-ADB134A3EA24}"/>
+              </a:ext>
+            </a:extLst>
+          </p:cNvPr>
+          <p:cNvSpPr/>
+          <p:nvPr/>
+        </p:nvSpPr>
+        <p:spPr>
+          <a:xfrm>
+            <a:off x="9166679" y="5349733"/>
+            <a:ext cx="1741336" cy="417065"/>
+          </a:xfrm>
+          <a:prstGeom prst="rect">
+            <a:avLst/>
+          </a:prstGeom>
+          <a:noFill/>
+          <a:ln w="38100">
+            <a:solidFill>
+              <a:schemeClr val="tx1"/>
+            </a:solidFill>
+          </a:ln>
+        </p:spPr>
+        <p:style>
+          <a:lnRef idx="2">
+            <a:schemeClr val="accent1">
+              <a:shade val="50000"/>
+            </a:schemeClr>
+          </a:lnRef>
+          <a:fillRef idx="1">
+            <a:schemeClr val="accent1"/>
+          </a:fillRef>
+          <a:effectRef idx="0">
+            <a:schemeClr val="accent1"/>
+          </a:effectRef>
+          <a:fontRef idx="minor">
+            <a:schemeClr val="lt1"/>
+          </a:fontRef>
+        </p:style>
+        <p:txBody>
+          <a:bodyPr rtlCol="0" anchor="ctr"/>
+          <a:lstStyle/>
+          <a:p>
+            <a:pPr algn="ctr"/>
+            <a:r>
+              <a:rPr lang="en-US" b="1" dirty="0">
+                <a:solidFill>
+                  <a:schemeClr val="tx1"/>
+                </a:solidFill>
+              </a:rPr>
+              <a:t>Max485 Module</a:t>
+            </a:r>
+            <a:endParaRPr lang="en-SG" b="1" dirty="0">
+              <a:solidFill>
+                <a:schemeClr val="tx1"/>
+              </a:solidFill>
+            </a:endParaRPr>
+          </a:p>
+        </p:txBody>
+      </p:sp>
+      <p:sp>
+        <p:nvSpPr>
+          <p:cNvPr id="16" name="Rectangle: Rounded Corners 15">
+            <a:extLst>
+              <a:ext uri="{FF2B5EF4-FFF2-40B4-BE49-F238E27FC236}">
+                <a16:creationId xmlns:a16="http://schemas.microsoft.com/office/drawing/2014/main" id="{6CA4D55B-4EB2-467C-B950-5F04CDAA7E9A}"/>
+              </a:ext>
+            </a:extLst>
+          </p:cNvPr>
+          <p:cNvSpPr/>
+          <p:nvPr/>
+        </p:nvSpPr>
+        <p:spPr>
+          <a:xfrm>
+            <a:off x="4995879" y="569870"/>
+            <a:ext cx="2155050" cy="1920901"/>
+          </a:xfrm>
+          <a:prstGeom prst="roundRect">
+            <a:avLst/>
+          </a:prstGeom>
+          <a:solidFill>
+            <a:srgbClr val="FFC000"/>
+          </a:solidFill>
+        </p:spPr>
+        <p:style>
+          <a:lnRef idx="2">
+            <a:schemeClr val="accent1">
+              <a:shade val="50000"/>
+            </a:schemeClr>
+          </a:lnRef>
+          <a:fillRef idx="1">
+            <a:schemeClr val="accent1"/>
+          </a:fillRef>
+          <a:effectRef idx="0">
+            <a:schemeClr val="accent1"/>
+          </a:effectRef>
+          <a:fontRef idx="minor">
+            <a:schemeClr val="lt1"/>
+          </a:fontRef>
+        </p:style>
+        <p:txBody>
+          <a:bodyPr rtlCol="0" anchor="b" anchorCtr="0"/>
+          <a:lstStyle/>
+          <a:p>
+            <a:pPr algn="ctr"/>
+            <a:r>
+              <a:rPr lang="en-US" sz="2400" b="1" dirty="0">
+                <a:solidFill>
+                  <a:schemeClr val="tx1"/>
+                </a:solidFill>
+              </a:rPr>
+              <a:t>Master</a:t>
+            </a:r>
+            <a:endParaRPr lang="en-SG" sz="2400" b="1" dirty="0">
+              <a:solidFill>
+                <a:schemeClr val="tx1"/>
+              </a:solidFill>
+            </a:endParaRPr>
+          </a:p>
+        </p:txBody>
+      </p:sp>
+      <p:sp>
+        <p:nvSpPr>
+          <p:cNvPr id="17" name="Rectangle 16">
+            <a:extLst>
+              <a:ext uri="{FF2B5EF4-FFF2-40B4-BE49-F238E27FC236}">
+                <a16:creationId xmlns:a16="http://schemas.microsoft.com/office/drawing/2014/main" id="{07AE3A34-3AD2-485A-B699-32423A57C807}"/>
+              </a:ext>
+            </a:extLst>
+          </p:cNvPr>
+          <p:cNvSpPr/>
+          <p:nvPr/>
+        </p:nvSpPr>
+        <p:spPr>
+          <a:xfrm>
+            <a:off x="5207290" y="1344883"/>
+            <a:ext cx="1741336" cy="417065"/>
+          </a:xfrm>
+          <a:prstGeom prst="rect">
+            <a:avLst/>
+          </a:prstGeom>
+          <a:noFill/>
+          <a:ln w="38100">
+            <a:solidFill>
+              <a:schemeClr val="tx1"/>
+            </a:solidFill>
+          </a:ln>
+        </p:spPr>
+        <p:style>
+          <a:lnRef idx="2">
+            <a:schemeClr val="accent1">
+              <a:shade val="50000"/>
+            </a:schemeClr>
+          </a:lnRef>
+          <a:fillRef idx="1">
+            <a:schemeClr val="accent1"/>
+          </a:fillRef>
+          <a:effectRef idx="0">
+            <a:schemeClr val="accent1"/>
+          </a:effectRef>
+          <a:fontRef idx="minor">
+            <a:schemeClr val="lt1"/>
+          </a:fontRef>
+        </p:style>
+        <p:txBody>
+          <a:bodyPr rtlCol="0" anchor="ctr"/>
+          <a:lstStyle/>
+          <a:p>
+            <a:pPr algn="ctr"/>
+            <a:r>
+              <a:rPr lang="en-US" b="1" dirty="0">
+                <a:solidFill>
+                  <a:schemeClr val="tx1"/>
+                </a:solidFill>
+              </a:rPr>
+              <a:t>Max485 Module</a:t>
+            </a:r>
+            <a:endParaRPr lang="en-SG" b="1" dirty="0">
+              <a:solidFill>
+                <a:schemeClr val="tx1"/>
+              </a:solidFill>
+            </a:endParaRPr>
+          </a:p>
+        </p:txBody>
+      </p:sp>
+      <p:cxnSp>
+        <p:nvCxnSpPr>
+          <p:cNvPr id="19" name="Connector: Curved 18">
+            <a:extLst>
+              <a:ext uri="{FF2B5EF4-FFF2-40B4-BE49-F238E27FC236}">
+                <a16:creationId xmlns:a16="http://schemas.microsoft.com/office/drawing/2014/main" id="{44EE2FEE-77AE-4358-9B18-D3E8293EA7FF}"/>
+              </a:ext>
+            </a:extLst>
+          </p:cNvPr>
+          <p:cNvCxnSpPr>
+            <a:cxnSpLocks/>
+            <a:stCxn id="17" idx="0"/>
+            <a:endCxn id="5" idx="3"/>
+          </p:cNvCxnSpPr>
+          <p:nvPr/>
+        </p:nvCxnSpPr>
+        <p:spPr>
+          <a:xfrm rot="16200000" flipH="1" flipV="1">
+            <a:off x="4332058" y="-7046"/>
+            <a:ext cx="393971" cy="3097828"/>
+          </a:xfrm>
+          <a:prstGeom prst="curvedConnector4">
+            <a:avLst>
+              <a:gd name="adj1" fmla="val -58025"/>
+              <a:gd name="adj2" fmla="val 64053"/>
+            </a:avLst>
+          </a:prstGeom>
+          <a:ln w="50800">
+            <a:tailEnd type="stealth" w="lg" len="lg"/>
+          </a:ln>
+        </p:spPr>
+        <p:style>
+          <a:lnRef idx="1">
+            <a:schemeClr val="accent1"/>
+          </a:lnRef>
+          <a:fillRef idx="0">
+            <a:schemeClr val="accent1"/>
+          </a:fillRef>
+          <a:effectRef idx="0">
+            <a:schemeClr val="accent1"/>
+          </a:effectRef>
+          <a:fontRef idx="minor">
+            <a:schemeClr val="tx1"/>
+          </a:fontRef>
+        </p:style>
+      </p:cxnSp>
+      <p:cxnSp>
+        <p:nvCxnSpPr>
+          <p:cNvPr id="21" name="Connector: Curved 20">
+            <a:extLst>
+              <a:ext uri="{FF2B5EF4-FFF2-40B4-BE49-F238E27FC236}">
+                <a16:creationId xmlns:a16="http://schemas.microsoft.com/office/drawing/2014/main" id="{7AD3246C-16D4-4BC9-A097-C492A9B6EC0B}"/>
+              </a:ext>
+            </a:extLst>
+          </p:cNvPr>
+          <p:cNvCxnSpPr>
+            <a:cxnSpLocks/>
+            <a:stCxn id="5" idx="1"/>
+            <a:endCxn id="9" idx="1"/>
+          </p:cNvCxnSpPr>
+          <p:nvPr/>
+        </p:nvCxnSpPr>
+        <p:spPr>
+          <a:xfrm rot="10800000" flipV="1">
+            <a:off x="1238794" y="1738854"/>
+            <a:ext cx="12700" cy="3819412"/>
+          </a:xfrm>
+          <a:prstGeom prst="curvedConnector3">
+            <a:avLst>
+              <a:gd name="adj1" fmla="val 4843299"/>
+            </a:avLst>
+          </a:prstGeom>
+          <a:ln w="50800">
+            <a:tailEnd type="stealth" w="lg" len="lg"/>
+          </a:ln>
+        </p:spPr>
+        <p:style>
+          <a:lnRef idx="1">
+            <a:schemeClr val="accent1"/>
+          </a:lnRef>
+          <a:fillRef idx="0">
+            <a:schemeClr val="accent1"/>
+          </a:fillRef>
+          <a:effectRef idx="0">
+            <a:schemeClr val="accent1"/>
+          </a:effectRef>
+          <a:fontRef idx="minor">
+            <a:schemeClr val="tx1"/>
+          </a:fontRef>
+        </p:style>
+      </p:cxnSp>
+      <p:cxnSp>
+        <p:nvCxnSpPr>
+          <p:cNvPr id="25" name="Connector: Curved 24">
+            <a:extLst>
+              <a:ext uri="{FF2B5EF4-FFF2-40B4-BE49-F238E27FC236}">
+                <a16:creationId xmlns:a16="http://schemas.microsoft.com/office/drawing/2014/main" id="{A1622978-54C0-476C-B48E-EFC89FF944C0}"/>
+              </a:ext>
+            </a:extLst>
+          </p:cNvPr>
+          <p:cNvCxnSpPr>
+            <a:cxnSpLocks/>
+            <a:stCxn id="17" idx="0"/>
+            <a:endCxn id="12" idx="1"/>
+          </p:cNvCxnSpPr>
+          <p:nvPr/>
+        </p:nvCxnSpPr>
+        <p:spPr>
+          <a:xfrm rot="16200000" flipH="1">
+            <a:off x="7425332" y="-2491"/>
+            <a:ext cx="393972" cy="3088721"/>
+          </a:xfrm>
+          <a:prstGeom prst="curvedConnector4">
+            <a:avLst>
+              <a:gd name="adj1" fmla="val -58024"/>
+              <a:gd name="adj2" fmla="val 64094"/>
+            </a:avLst>
+          </a:prstGeom>
+          <a:ln w="50800">
+            <a:tailEnd type="stealth" w="lg" len="lg"/>
+          </a:ln>
+        </p:spPr>
+        <p:style>
+          <a:lnRef idx="1">
+            <a:schemeClr val="accent1"/>
+          </a:lnRef>
+          <a:fillRef idx="0">
+            <a:schemeClr val="accent1"/>
+          </a:fillRef>
+          <a:effectRef idx="0">
+            <a:schemeClr val="accent1"/>
+          </a:effectRef>
+          <a:fontRef idx="minor">
+            <a:schemeClr val="tx1"/>
+          </a:fontRef>
+        </p:style>
+      </p:cxnSp>
+      <p:cxnSp>
+        <p:nvCxnSpPr>
+          <p:cNvPr id="30" name="Connector: Curved 29">
+            <a:extLst>
+              <a:ext uri="{FF2B5EF4-FFF2-40B4-BE49-F238E27FC236}">
+                <a16:creationId xmlns:a16="http://schemas.microsoft.com/office/drawing/2014/main" id="{EB08EAF4-929E-4179-AFCC-A20A6C972A20}"/>
+              </a:ext>
+            </a:extLst>
+          </p:cNvPr>
+          <p:cNvCxnSpPr>
+            <a:cxnSpLocks/>
+            <a:stCxn id="12" idx="3"/>
+            <a:endCxn id="15" idx="3"/>
+          </p:cNvCxnSpPr>
+          <p:nvPr/>
+        </p:nvCxnSpPr>
+        <p:spPr>
+          <a:xfrm>
+            <a:off x="10908015" y="1738855"/>
+            <a:ext cx="12700" cy="3819411"/>
+          </a:xfrm>
+          <a:prstGeom prst="curvedConnector3">
+            <a:avLst>
+              <a:gd name="adj1" fmla="val 4991756"/>
+            </a:avLst>
+          </a:prstGeom>
+          <a:ln w="50800">
+            <a:tailEnd type="stealth" w="lg" len="lg"/>
+          </a:ln>
+        </p:spPr>
+        <p:style>
+          <a:lnRef idx="1">
+            <a:schemeClr val="accent1"/>
+          </a:lnRef>
+          <a:fillRef idx="0">
+            <a:schemeClr val="accent1"/>
+          </a:fillRef>
+          <a:effectRef idx="0">
+            <a:schemeClr val="accent1"/>
+          </a:effectRef>
+          <a:fontRef idx="minor">
+            <a:schemeClr val="tx1"/>
+          </a:fontRef>
+        </p:style>
+      </p:cxnSp>
     </p:spTree>
     <p:extLst>
       <p:ext uri="{BB962C8B-B14F-4D97-AF65-F5344CB8AC3E}">
-        <p14:creationId xmlns:p14="http://schemas.microsoft.com/office/powerpoint/2010/main" val="4261081992"/>
+        <p14:creationId xmlns:p14="http://schemas.microsoft.com/office/powerpoint/2010/main" val="3171845674"/>
       </p:ext>
     </p:extLst>
   </p:cSld>
@@ -3800,6 +7604,72 @@
       </p:grpSpPr>
       <p:sp>
         <p:nvSpPr>
+          <p:cNvPr id="2" name="TextBox 1">
+            <a:extLst>
+              <a:ext uri="{FF2B5EF4-FFF2-40B4-BE49-F238E27FC236}">
+                <a16:creationId xmlns:a16="http://schemas.microsoft.com/office/drawing/2014/main" id="{0C77847F-94E9-45BD-B42B-0F7EA47639CA}"/>
+              </a:ext>
+            </a:extLst>
+          </p:cNvPr>
+          <p:cNvSpPr txBox="1"/>
+          <p:nvPr/>
+        </p:nvSpPr>
+        <p:spPr>
+          <a:xfrm>
+            <a:off x="2048417" y="2105561"/>
+            <a:ext cx="8095165" cy="1323439"/>
+          </a:xfrm>
+          <a:prstGeom prst="rect">
+            <a:avLst/>
+          </a:prstGeom>
+          <a:noFill/>
+        </p:spPr>
+        <p:txBody>
+          <a:bodyPr wrap="none" rtlCol="0">
+            <a:spAutoFit/>
+          </a:bodyPr>
+          <a:lstStyle/>
+          <a:p>
+            <a:r>
+              <a:rPr lang="en-US" sz="8000" dirty="0"/>
+              <a:t>Program Flowchart</a:t>
+            </a:r>
+            <a:endParaRPr lang="en-SG" sz="8000" dirty="0"/>
+          </a:p>
+        </p:txBody>
+      </p:sp>
+    </p:spTree>
+    <p:extLst>
+      <p:ext uri="{BB962C8B-B14F-4D97-AF65-F5344CB8AC3E}">
+        <p14:creationId xmlns:p14="http://schemas.microsoft.com/office/powerpoint/2010/main" val="4261081992"/>
+      </p:ext>
+    </p:extLst>
+  </p:cSld>
+  <p:clrMapOvr>
+    <a:masterClrMapping/>
+  </p:clrMapOvr>
+</p:sld>
+</file>
+
+<file path=ppt/slides/slide13.xml><?xml version="1.0" encoding="utf-8"?>
+<p:sld xmlns:a="http://schemas.openxmlformats.org/drawingml/2006/main" xmlns:r="http://schemas.openxmlformats.org/officeDocument/2006/relationships" xmlns:p="http://schemas.openxmlformats.org/presentationml/2006/main">
+  <p:cSld>
+    <p:spTree>
+      <p:nvGrpSpPr>
+        <p:cNvPr id="1" name=""/>
+        <p:cNvGrpSpPr/>
+        <p:nvPr/>
+      </p:nvGrpSpPr>
+      <p:grpSpPr>
+        <a:xfrm>
+          <a:off x="0" y="0"/>
+          <a:ext cx="0" cy="0"/>
+          <a:chOff x="0" y="0"/>
+          <a:chExt cx="0" cy="0"/>
+        </a:xfrm>
+      </p:grpSpPr>
+      <p:sp>
+        <p:nvSpPr>
           <p:cNvPr id="3" name="Flowchart: Alternate Process 2">
             <a:extLst>
               <a:ext uri="{FF2B5EF4-FFF2-40B4-BE49-F238E27FC236}">
@@ -4845,7 +8715,7 @@
 </p:sld>
 </file>
 
-<file path=ppt/slides/slide13.xml><?xml version="1.0" encoding="utf-8"?>
+<file path=ppt/slides/slide14.xml><?xml version="1.0" encoding="utf-8"?>
 <p:sld xmlns:a="http://schemas.openxmlformats.org/drawingml/2006/main" xmlns:r="http://schemas.openxmlformats.org/officeDocument/2006/relationships" xmlns:p="http://schemas.openxmlformats.org/presentationml/2006/main">
   <p:cSld>
     <p:spTree>
